--- a/presentation/AWS-Fargate-and-EKS-Masterclass.pptx
+++ b/presentation/AWS-Fargate-and-EKS-Masterclass.pptx
@@ -5,12 +5,20 @@
     <p:sldMasterId id="2147483648" r:id="rId4"/>
   </p:sldMasterIdLst>
   <p:notesMasterIdLst>
-    <p:notesMasterId r:id="rId8"/>
+    <p:notesMasterId r:id="rId16"/>
   </p:notesMasterIdLst>
   <p:sldIdLst>
     <p:sldId id="256" r:id="rId5"/>
     <p:sldId id="882" r:id="rId6"/>
-    <p:sldId id="993" r:id="rId7"/>
+    <p:sldId id="995" r:id="rId7"/>
+    <p:sldId id="997" r:id="rId8"/>
+    <p:sldId id="999" r:id="rId9"/>
+    <p:sldId id="993" r:id="rId10"/>
+    <p:sldId id="998" r:id="rId11"/>
+    <p:sldId id="1000" r:id="rId12"/>
+    <p:sldId id="1001" r:id="rId13"/>
+    <p:sldId id="996" r:id="rId14"/>
+    <p:sldId id="994" r:id="rId15"/>
   </p:sldIdLst>
   <p:sldSz cx="14630400" cy="8229600"/>
   <p:notesSz cx="6858000" cy="9144000"/>
@@ -222,7 +230,7 @@
           <a:p>
             <a:fld id="{70392B7C-7B94-48F3-AD53-1D9389467956}" type="datetimeFigureOut">
               <a:rPr lang="en-US" smtClean="0"/>
-              <a:t>4/21/2020</a:t>
+              <a:t>5/7/2020</a:t>
             </a:fld>
             <a:endParaRPr lang="en-US"/>
           </a:p>
@@ -3283,6 +3291,1671 @@
 </p:sld>
 </file>
 
+<file path=ppt/slides/slide10.xml><?xml version="1.0" encoding="utf-8"?>
+<p:sld xmlns:a="http://schemas.openxmlformats.org/drawingml/2006/main" xmlns:r="http://schemas.openxmlformats.org/officeDocument/2006/relationships" xmlns:p="http://schemas.openxmlformats.org/presentationml/2006/main">
+  <p:cSld>
+    <p:spTree>
+      <p:nvGrpSpPr>
+        <p:cNvPr id="1" name=""/>
+        <p:cNvGrpSpPr/>
+        <p:nvPr/>
+      </p:nvGrpSpPr>
+      <p:grpSpPr>
+        <a:xfrm>
+          <a:off x="0" y="0"/>
+          <a:ext cx="0" cy="0"/>
+          <a:chOff x="0" y="0"/>
+          <a:chExt cx="0" cy="0"/>
+        </a:xfrm>
+      </p:grpSpPr>
+      <p:sp>
+        <p:nvSpPr>
+          <p:cNvPr id="2" name="Footer Placeholder 1">
+            <a:extLst>
+              <a:ext uri="{FF2B5EF4-FFF2-40B4-BE49-F238E27FC236}">
+                <a16:creationId xmlns:a16="http://schemas.microsoft.com/office/drawing/2014/main" id="{78819D0E-61B2-4717-949A-53CE5D358278}"/>
+              </a:ext>
+            </a:extLst>
+          </p:cNvPr>
+          <p:cNvSpPr>
+            <a:spLocks noGrp="1"/>
+          </p:cNvSpPr>
+          <p:nvPr>
+            <p:ph type="ftr" sz="quarter" idx="10"/>
+          </p:nvPr>
+        </p:nvSpPr>
+        <p:spPr/>
+        <p:txBody>
+          <a:bodyPr/>
+          <a:lstStyle/>
+          <a:p>
+            <a:pPr algn="l"/>
+            <a:r>
+              <a:rPr lang="en-US" dirty="0"/>
+              <a:t>© Kalyan Reddy </a:t>
+            </a:r>
+            <a:r>
+              <a:rPr lang="en-US" dirty="0" err="1"/>
+              <a:t>Daida</a:t>
+            </a:r>
+            <a:endParaRPr lang="en-GB" dirty="0"/>
+          </a:p>
+        </p:txBody>
+      </p:sp>
+      <p:sp>
+        <p:nvSpPr>
+          <p:cNvPr id="4" name="Title 3">
+            <a:extLst>
+              <a:ext uri="{FF2B5EF4-FFF2-40B4-BE49-F238E27FC236}">
+                <a16:creationId xmlns:a16="http://schemas.microsoft.com/office/drawing/2014/main" id="{F8840114-9439-4B2E-A512-1F12425EB200}"/>
+              </a:ext>
+            </a:extLst>
+          </p:cNvPr>
+          <p:cNvSpPr>
+            <a:spLocks noGrp="1"/>
+          </p:cNvSpPr>
+          <p:nvPr>
+            <p:ph type="title"/>
+          </p:nvPr>
+        </p:nvSpPr>
+        <p:spPr>
+          <a:xfrm>
+            <a:off x="1039407" y="-145598"/>
+            <a:ext cx="12618720" cy="1188851"/>
+          </a:xfrm>
+        </p:spPr>
+        <p:txBody>
+          <a:bodyPr/>
+          <a:lstStyle/>
+          <a:p>
+            <a:r>
+              <a:rPr lang="en-IN" dirty="0"/>
+              <a:t>Kubernetes - Architecture</a:t>
+            </a:r>
+          </a:p>
+        </p:txBody>
+      </p:sp>
+      <p:sp>
+        <p:nvSpPr>
+          <p:cNvPr id="5" name="Rectangle 4">
+            <a:extLst>
+              <a:ext uri="{FF2B5EF4-FFF2-40B4-BE49-F238E27FC236}">
+                <a16:creationId xmlns:a16="http://schemas.microsoft.com/office/drawing/2014/main" id="{119EBDD3-C074-4FD1-90DE-DBEA7232FDD0}"/>
+              </a:ext>
+            </a:extLst>
+          </p:cNvPr>
+          <p:cNvSpPr/>
+          <p:nvPr/>
+        </p:nvSpPr>
+        <p:spPr>
+          <a:xfrm>
+            <a:off x="1292772" y="1127819"/>
+            <a:ext cx="4761187" cy="5747543"/>
+          </a:xfrm>
+          <a:prstGeom prst="rect">
+            <a:avLst/>
+          </a:prstGeom>
+          <a:noFill/>
+          <a:ln w="63500">
+            <a:solidFill>
+              <a:srgbClr val="0070C0"/>
+            </a:solidFill>
+          </a:ln>
+        </p:spPr>
+        <p:style>
+          <a:lnRef idx="2">
+            <a:schemeClr val="accent1">
+              <a:shade val="50000"/>
+            </a:schemeClr>
+          </a:lnRef>
+          <a:fillRef idx="1">
+            <a:schemeClr val="accent1"/>
+          </a:fillRef>
+          <a:effectRef idx="0">
+            <a:schemeClr val="accent1"/>
+          </a:effectRef>
+          <a:fontRef idx="minor">
+            <a:schemeClr val="lt1"/>
+          </a:fontRef>
+        </p:style>
+        <p:txBody>
+          <a:bodyPr rtlCol="0" anchor="ctr"/>
+          <a:lstStyle/>
+          <a:p>
+            <a:pPr algn="ctr"/>
+            <a:endParaRPr lang="en-IN"/>
+          </a:p>
+        </p:txBody>
+      </p:sp>
+      <p:sp>
+        <p:nvSpPr>
+          <p:cNvPr id="6" name="Rectangle 5">
+            <a:extLst>
+              <a:ext uri="{FF2B5EF4-FFF2-40B4-BE49-F238E27FC236}">
+                <a16:creationId xmlns:a16="http://schemas.microsoft.com/office/drawing/2014/main" id="{5A4B9D87-4A32-4603-9B2B-8992F516F95E}"/>
+              </a:ext>
+            </a:extLst>
+          </p:cNvPr>
+          <p:cNvSpPr/>
+          <p:nvPr/>
+        </p:nvSpPr>
+        <p:spPr>
+          <a:xfrm>
+            <a:off x="1608880" y="1844776"/>
+            <a:ext cx="1469985" cy="1041721"/>
+          </a:xfrm>
+          <a:prstGeom prst="rect">
+            <a:avLst/>
+          </a:prstGeom>
+          <a:solidFill>
+            <a:schemeClr val="accent2">
+              <a:lumMod val="75000"/>
+            </a:schemeClr>
+          </a:solidFill>
+          <a:ln>
+            <a:noFill/>
+          </a:ln>
+        </p:spPr>
+        <p:style>
+          <a:lnRef idx="2">
+            <a:schemeClr val="accent1">
+              <a:shade val="50000"/>
+            </a:schemeClr>
+          </a:lnRef>
+          <a:fillRef idx="1">
+            <a:schemeClr val="accent1"/>
+          </a:fillRef>
+          <a:effectRef idx="0">
+            <a:schemeClr val="accent1"/>
+          </a:effectRef>
+          <a:fontRef idx="minor">
+            <a:schemeClr val="lt1"/>
+          </a:fontRef>
+        </p:style>
+        <p:txBody>
+          <a:bodyPr rtlCol="0" anchor="ctr"/>
+          <a:lstStyle/>
+          <a:p>
+            <a:pPr algn="ctr"/>
+            <a:r>
+              <a:rPr lang="en-IN" sz="1800" dirty="0" err="1"/>
+              <a:t>Kube</a:t>
+            </a:r>
+            <a:r>
+              <a:rPr lang="en-IN" sz="1800" dirty="0"/>
+              <a:t> Controller Manager</a:t>
+            </a:r>
+          </a:p>
+        </p:txBody>
+      </p:sp>
+      <p:sp>
+        <p:nvSpPr>
+          <p:cNvPr id="7" name="Rectangle 6">
+            <a:extLst>
+              <a:ext uri="{FF2B5EF4-FFF2-40B4-BE49-F238E27FC236}">
+                <a16:creationId xmlns:a16="http://schemas.microsoft.com/office/drawing/2014/main" id="{5DD2489E-5A2A-4FBF-9F64-78611E804517}"/>
+              </a:ext>
+            </a:extLst>
+          </p:cNvPr>
+          <p:cNvSpPr/>
+          <p:nvPr/>
+        </p:nvSpPr>
+        <p:spPr>
+          <a:xfrm>
+            <a:off x="4309174" y="1848648"/>
+            <a:ext cx="1469985" cy="1041721"/>
+          </a:xfrm>
+          <a:prstGeom prst="rect">
+            <a:avLst/>
+          </a:prstGeom>
+          <a:solidFill>
+            <a:schemeClr val="accent4">
+              <a:lumMod val="75000"/>
+            </a:schemeClr>
+          </a:solidFill>
+          <a:ln>
+            <a:noFill/>
+          </a:ln>
+        </p:spPr>
+        <p:style>
+          <a:lnRef idx="2">
+            <a:schemeClr val="accent1">
+              <a:shade val="50000"/>
+            </a:schemeClr>
+          </a:lnRef>
+          <a:fillRef idx="1">
+            <a:schemeClr val="accent1"/>
+          </a:fillRef>
+          <a:effectRef idx="0">
+            <a:schemeClr val="accent1"/>
+          </a:effectRef>
+          <a:fontRef idx="minor">
+            <a:schemeClr val="lt1"/>
+          </a:fontRef>
+        </p:style>
+        <p:txBody>
+          <a:bodyPr rtlCol="0" anchor="ctr"/>
+          <a:lstStyle/>
+          <a:p>
+            <a:pPr algn="ctr"/>
+            <a:r>
+              <a:rPr lang="en-IN" sz="1800" dirty="0"/>
+              <a:t>Cloud Controller Manager</a:t>
+            </a:r>
+          </a:p>
+        </p:txBody>
+      </p:sp>
+      <p:sp>
+        <p:nvSpPr>
+          <p:cNvPr id="8" name="Rectangle 7">
+            <a:extLst>
+              <a:ext uri="{FF2B5EF4-FFF2-40B4-BE49-F238E27FC236}">
+                <a16:creationId xmlns:a16="http://schemas.microsoft.com/office/drawing/2014/main" id="{D5113BCF-03A4-4A84-9818-3EBEDCF464AC}"/>
+              </a:ext>
+            </a:extLst>
+          </p:cNvPr>
+          <p:cNvSpPr/>
+          <p:nvPr/>
+        </p:nvSpPr>
+        <p:spPr>
+          <a:xfrm>
+            <a:off x="1608880" y="3499098"/>
+            <a:ext cx="4170279" cy="584776"/>
+          </a:xfrm>
+          <a:prstGeom prst="rect">
+            <a:avLst/>
+          </a:prstGeom>
+          <a:solidFill>
+            <a:schemeClr val="tx1">
+              <a:lumMod val="95000"/>
+              <a:lumOff val="5000"/>
+            </a:schemeClr>
+          </a:solidFill>
+          <a:ln>
+            <a:noFill/>
+          </a:ln>
+        </p:spPr>
+        <p:style>
+          <a:lnRef idx="2">
+            <a:schemeClr val="accent1">
+              <a:shade val="50000"/>
+            </a:schemeClr>
+          </a:lnRef>
+          <a:fillRef idx="1">
+            <a:schemeClr val="accent1"/>
+          </a:fillRef>
+          <a:effectRef idx="0">
+            <a:schemeClr val="accent1"/>
+          </a:effectRef>
+          <a:fontRef idx="minor">
+            <a:schemeClr val="lt1"/>
+          </a:fontRef>
+        </p:style>
+        <p:txBody>
+          <a:bodyPr rtlCol="0" anchor="ctr"/>
+          <a:lstStyle/>
+          <a:p>
+            <a:pPr algn="ctr"/>
+            <a:r>
+              <a:rPr lang="en-IN" sz="1800" dirty="0" err="1"/>
+              <a:t>kube-apiserver</a:t>
+            </a:r>
+            <a:endParaRPr lang="en-IN" sz="1800" dirty="0"/>
+          </a:p>
+        </p:txBody>
+      </p:sp>
+      <p:sp>
+        <p:nvSpPr>
+          <p:cNvPr id="9" name="Rectangle 8">
+            <a:extLst>
+              <a:ext uri="{FF2B5EF4-FFF2-40B4-BE49-F238E27FC236}">
+                <a16:creationId xmlns:a16="http://schemas.microsoft.com/office/drawing/2014/main" id="{BD226CD4-907D-4280-AA42-EB153B5FFC39}"/>
+              </a:ext>
+            </a:extLst>
+          </p:cNvPr>
+          <p:cNvSpPr/>
+          <p:nvPr/>
+        </p:nvSpPr>
+        <p:spPr>
+          <a:xfrm>
+            <a:off x="4323857" y="4787498"/>
+            <a:ext cx="1469985" cy="1041721"/>
+          </a:xfrm>
+          <a:prstGeom prst="rect">
+            <a:avLst/>
+          </a:prstGeom>
+          <a:solidFill>
+            <a:schemeClr val="accent1">
+              <a:lumMod val="75000"/>
+            </a:schemeClr>
+          </a:solidFill>
+          <a:ln>
+            <a:noFill/>
+          </a:ln>
+        </p:spPr>
+        <p:style>
+          <a:lnRef idx="2">
+            <a:schemeClr val="accent1">
+              <a:shade val="50000"/>
+            </a:schemeClr>
+          </a:lnRef>
+          <a:fillRef idx="1">
+            <a:schemeClr val="accent1"/>
+          </a:fillRef>
+          <a:effectRef idx="0">
+            <a:schemeClr val="accent1"/>
+          </a:effectRef>
+          <a:fontRef idx="minor">
+            <a:schemeClr val="lt1"/>
+          </a:fontRef>
+        </p:style>
+        <p:txBody>
+          <a:bodyPr rtlCol="0" anchor="ctr"/>
+          <a:lstStyle/>
+          <a:p>
+            <a:pPr algn="ctr"/>
+            <a:r>
+              <a:rPr lang="en-IN" sz="1800" dirty="0" err="1"/>
+              <a:t>kube</a:t>
+            </a:r>
+            <a:r>
+              <a:rPr lang="en-IN" sz="1800" dirty="0"/>
+              <a:t>-scheduler</a:t>
+            </a:r>
+          </a:p>
+        </p:txBody>
+      </p:sp>
+      <p:sp>
+        <p:nvSpPr>
+          <p:cNvPr id="10" name="Rectangle 9">
+            <a:extLst>
+              <a:ext uri="{FF2B5EF4-FFF2-40B4-BE49-F238E27FC236}">
+                <a16:creationId xmlns:a16="http://schemas.microsoft.com/office/drawing/2014/main" id="{719629FC-2B11-45FC-A29A-4200DD758267}"/>
+              </a:ext>
+            </a:extLst>
+          </p:cNvPr>
+          <p:cNvSpPr/>
+          <p:nvPr/>
+        </p:nvSpPr>
+        <p:spPr>
+          <a:xfrm>
+            <a:off x="1623562" y="4787498"/>
+            <a:ext cx="1469985" cy="1041721"/>
+          </a:xfrm>
+          <a:prstGeom prst="rect">
+            <a:avLst/>
+          </a:prstGeom>
+          <a:solidFill>
+            <a:schemeClr val="accent3">
+              <a:lumMod val="75000"/>
+            </a:schemeClr>
+          </a:solidFill>
+          <a:ln>
+            <a:noFill/>
+          </a:ln>
+        </p:spPr>
+        <p:style>
+          <a:lnRef idx="2">
+            <a:schemeClr val="accent1">
+              <a:shade val="50000"/>
+            </a:schemeClr>
+          </a:lnRef>
+          <a:fillRef idx="1">
+            <a:schemeClr val="accent1"/>
+          </a:fillRef>
+          <a:effectRef idx="0">
+            <a:schemeClr val="accent1"/>
+          </a:effectRef>
+          <a:fontRef idx="minor">
+            <a:schemeClr val="lt1"/>
+          </a:fontRef>
+        </p:style>
+        <p:txBody>
+          <a:bodyPr rtlCol="0" anchor="ctr"/>
+          <a:lstStyle/>
+          <a:p>
+            <a:pPr algn="ctr"/>
+            <a:r>
+              <a:rPr lang="en-IN" sz="1800" dirty="0" err="1"/>
+              <a:t>etcd</a:t>
+            </a:r>
+            <a:endParaRPr lang="en-IN" sz="1800" dirty="0"/>
+          </a:p>
+        </p:txBody>
+      </p:sp>
+      <p:sp>
+        <p:nvSpPr>
+          <p:cNvPr id="11" name="Rectangle 10">
+            <a:extLst>
+              <a:ext uri="{FF2B5EF4-FFF2-40B4-BE49-F238E27FC236}">
+                <a16:creationId xmlns:a16="http://schemas.microsoft.com/office/drawing/2014/main" id="{1C4D42D6-E191-4E9A-8951-F30AFFC6FC23}"/>
+              </a:ext>
+            </a:extLst>
+          </p:cNvPr>
+          <p:cNvSpPr/>
+          <p:nvPr/>
+        </p:nvSpPr>
+        <p:spPr>
+          <a:xfrm>
+            <a:off x="1509745" y="6211253"/>
+            <a:ext cx="4420595" cy="393524"/>
+          </a:xfrm>
+          <a:prstGeom prst="rect">
+            <a:avLst/>
+          </a:prstGeom>
+          <a:solidFill>
+            <a:srgbClr val="00B050"/>
+          </a:solidFill>
+          <a:ln>
+            <a:noFill/>
+          </a:ln>
+        </p:spPr>
+        <p:style>
+          <a:lnRef idx="2">
+            <a:schemeClr val="accent1">
+              <a:shade val="50000"/>
+            </a:schemeClr>
+          </a:lnRef>
+          <a:fillRef idx="1">
+            <a:schemeClr val="accent1"/>
+          </a:fillRef>
+          <a:effectRef idx="0">
+            <a:schemeClr val="accent1"/>
+          </a:effectRef>
+          <a:fontRef idx="minor">
+            <a:schemeClr val="lt1"/>
+          </a:fontRef>
+        </p:style>
+        <p:txBody>
+          <a:bodyPr rtlCol="0" anchor="ctr"/>
+          <a:lstStyle/>
+          <a:p>
+            <a:pPr algn="ctr"/>
+            <a:r>
+              <a:rPr lang="en-IN" sz="1800" dirty="0"/>
+              <a:t>Container Runtime (Docker)</a:t>
+            </a:r>
+          </a:p>
+        </p:txBody>
+      </p:sp>
+      <p:sp>
+        <p:nvSpPr>
+          <p:cNvPr id="12" name="TextBox 11">
+            <a:extLst>
+              <a:ext uri="{FF2B5EF4-FFF2-40B4-BE49-F238E27FC236}">
+                <a16:creationId xmlns:a16="http://schemas.microsoft.com/office/drawing/2014/main" id="{00DEE5A2-B43E-4F4B-8DB4-AEE0FC54A5F6}"/>
+              </a:ext>
+            </a:extLst>
+          </p:cNvPr>
+          <p:cNvSpPr txBox="1"/>
+          <p:nvPr/>
+        </p:nvSpPr>
+        <p:spPr>
+          <a:xfrm>
+            <a:off x="3078865" y="1127819"/>
+            <a:ext cx="1461234" cy="584775"/>
+          </a:xfrm>
+          <a:prstGeom prst="rect">
+            <a:avLst/>
+          </a:prstGeom>
+          <a:noFill/>
+        </p:spPr>
+        <p:txBody>
+          <a:bodyPr wrap="none" rtlCol="0">
+            <a:spAutoFit/>
+          </a:bodyPr>
+          <a:lstStyle/>
+          <a:p>
+            <a:r>
+              <a:rPr lang="en-IN" sz="3200" dirty="0">
+                <a:solidFill>
+                  <a:srgbClr val="0070C0"/>
+                </a:solidFill>
+              </a:rPr>
+              <a:t>Master </a:t>
+            </a:r>
+          </a:p>
+        </p:txBody>
+      </p:sp>
+      <p:sp>
+        <p:nvSpPr>
+          <p:cNvPr id="22" name="Rectangle 21">
+            <a:extLst>
+              <a:ext uri="{FF2B5EF4-FFF2-40B4-BE49-F238E27FC236}">
+                <a16:creationId xmlns:a16="http://schemas.microsoft.com/office/drawing/2014/main" id="{6BAB2922-7805-4003-BD84-B8C75FB74314}"/>
+              </a:ext>
+            </a:extLst>
+          </p:cNvPr>
+          <p:cNvSpPr/>
+          <p:nvPr/>
+        </p:nvSpPr>
+        <p:spPr>
+          <a:xfrm>
+            <a:off x="8049053" y="1127819"/>
+            <a:ext cx="4761187" cy="2495057"/>
+          </a:xfrm>
+          <a:prstGeom prst="rect">
+            <a:avLst/>
+          </a:prstGeom>
+          <a:noFill/>
+          <a:ln w="63500">
+            <a:solidFill>
+              <a:srgbClr val="0070C0"/>
+            </a:solidFill>
+          </a:ln>
+        </p:spPr>
+        <p:style>
+          <a:lnRef idx="2">
+            <a:schemeClr val="accent1">
+              <a:shade val="50000"/>
+            </a:schemeClr>
+          </a:lnRef>
+          <a:fillRef idx="1">
+            <a:schemeClr val="accent1"/>
+          </a:fillRef>
+          <a:effectRef idx="0">
+            <a:schemeClr val="accent1"/>
+          </a:effectRef>
+          <a:fontRef idx="minor">
+            <a:schemeClr val="lt1"/>
+          </a:fontRef>
+        </p:style>
+        <p:txBody>
+          <a:bodyPr rtlCol="0" anchor="ctr"/>
+          <a:lstStyle/>
+          <a:p>
+            <a:pPr algn="ctr"/>
+            <a:endParaRPr lang="en-IN"/>
+          </a:p>
+        </p:txBody>
+      </p:sp>
+      <p:sp>
+        <p:nvSpPr>
+          <p:cNvPr id="24" name="Rectangle 23">
+            <a:extLst>
+              <a:ext uri="{FF2B5EF4-FFF2-40B4-BE49-F238E27FC236}">
+                <a16:creationId xmlns:a16="http://schemas.microsoft.com/office/drawing/2014/main" id="{0C44D098-07ED-44AE-B0C2-0A863A4390F2}"/>
+              </a:ext>
+            </a:extLst>
+          </p:cNvPr>
+          <p:cNvSpPr/>
+          <p:nvPr/>
+        </p:nvSpPr>
+        <p:spPr>
+          <a:xfrm>
+            <a:off x="10954970" y="1968179"/>
+            <a:ext cx="1469985" cy="584776"/>
+          </a:xfrm>
+          <a:prstGeom prst="rect">
+            <a:avLst/>
+          </a:prstGeom>
+          <a:solidFill>
+            <a:srgbClr val="00B0F0"/>
+          </a:solidFill>
+          <a:ln>
+            <a:noFill/>
+          </a:ln>
+        </p:spPr>
+        <p:style>
+          <a:lnRef idx="2">
+            <a:schemeClr val="accent1">
+              <a:shade val="50000"/>
+            </a:schemeClr>
+          </a:lnRef>
+          <a:fillRef idx="1">
+            <a:schemeClr val="accent1"/>
+          </a:fillRef>
+          <a:effectRef idx="0">
+            <a:schemeClr val="accent1"/>
+          </a:effectRef>
+          <a:fontRef idx="minor">
+            <a:schemeClr val="lt1"/>
+          </a:fontRef>
+        </p:style>
+        <p:txBody>
+          <a:bodyPr rtlCol="0" anchor="ctr"/>
+          <a:lstStyle/>
+          <a:p>
+            <a:pPr algn="ctr"/>
+            <a:r>
+              <a:rPr lang="en-IN" sz="1800" dirty="0" err="1"/>
+              <a:t>Kube</a:t>
+            </a:r>
+            <a:r>
+              <a:rPr lang="en-IN" sz="1800" dirty="0"/>
+              <a:t>-Proxy</a:t>
+            </a:r>
+          </a:p>
+        </p:txBody>
+      </p:sp>
+      <p:sp>
+        <p:nvSpPr>
+          <p:cNvPr id="26" name="TextBox 25">
+            <a:extLst>
+              <a:ext uri="{FF2B5EF4-FFF2-40B4-BE49-F238E27FC236}">
+                <a16:creationId xmlns:a16="http://schemas.microsoft.com/office/drawing/2014/main" id="{41852BC5-37B6-431D-9A9E-27E185ECF20E}"/>
+              </a:ext>
+            </a:extLst>
+          </p:cNvPr>
+          <p:cNvSpPr txBox="1"/>
+          <p:nvPr/>
+        </p:nvSpPr>
+        <p:spPr>
+          <a:xfrm>
+            <a:off x="9271021" y="1113380"/>
+            <a:ext cx="2404826" cy="584775"/>
+          </a:xfrm>
+          <a:prstGeom prst="rect">
+            <a:avLst/>
+          </a:prstGeom>
+          <a:noFill/>
+        </p:spPr>
+        <p:txBody>
+          <a:bodyPr wrap="none" rtlCol="0">
+            <a:spAutoFit/>
+          </a:bodyPr>
+          <a:lstStyle/>
+          <a:p>
+            <a:r>
+              <a:rPr lang="en-IN" sz="3200" dirty="0">
+                <a:solidFill>
+                  <a:srgbClr val="0070C0"/>
+                </a:solidFill>
+              </a:rPr>
+              <a:t>Worker Node</a:t>
+            </a:r>
+          </a:p>
+        </p:txBody>
+      </p:sp>
+      <p:sp>
+        <p:nvSpPr>
+          <p:cNvPr id="32" name="Rectangle 31">
+            <a:extLst>
+              <a:ext uri="{FF2B5EF4-FFF2-40B4-BE49-F238E27FC236}">
+                <a16:creationId xmlns:a16="http://schemas.microsoft.com/office/drawing/2014/main" id="{EC62D69E-22E7-423F-B81E-31C29DDEE0C5}"/>
+              </a:ext>
+            </a:extLst>
+          </p:cNvPr>
+          <p:cNvSpPr/>
+          <p:nvPr/>
+        </p:nvSpPr>
+        <p:spPr>
+          <a:xfrm>
+            <a:off x="4172974" y="1736188"/>
+            <a:ext cx="1713620" cy="1273215"/>
+          </a:xfrm>
+          <a:prstGeom prst="rect">
+            <a:avLst/>
+          </a:prstGeom>
+          <a:noFill/>
+          <a:ln w="31750">
+            <a:solidFill>
+              <a:schemeClr val="accent4">
+                <a:lumMod val="75000"/>
+              </a:schemeClr>
+            </a:solidFill>
+          </a:ln>
+        </p:spPr>
+        <p:style>
+          <a:lnRef idx="2">
+            <a:schemeClr val="accent1">
+              <a:shade val="50000"/>
+            </a:schemeClr>
+          </a:lnRef>
+          <a:fillRef idx="1">
+            <a:schemeClr val="accent1"/>
+          </a:fillRef>
+          <a:effectRef idx="0">
+            <a:schemeClr val="accent1"/>
+          </a:effectRef>
+          <a:fontRef idx="minor">
+            <a:schemeClr val="lt1"/>
+          </a:fontRef>
+        </p:style>
+        <p:txBody>
+          <a:bodyPr rtlCol="0" anchor="ctr"/>
+          <a:lstStyle/>
+          <a:p>
+            <a:pPr algn="ctr"/>
+            <a:endParaRPr lang="en-IN"/>
+          </a:p>
+        </p:txBody>
+      </p:sp>
+      <p:sp>
+        <p:nvSpPr>
+          <p:cNvPr id="34" name="Rectangle 33">
+            <a:extLst>
+              <a:ext uri="{FF2B5EF4-FFF2-40B4-BE49-F238E27FC236}">
+                <a16:creationId xmlns:a16="http://schemas.microsoft.com/office/drawing/2014/main" id="{A11F58E3-8C1B-4825-9CB8-E5172ABC2DD2}"/>
+              </a:ext>
+            </a:extLst>
+          </p:cNvPr>
+          <p:cNvSpPr/>
+          <p:nvPr/>
+        </p:nvSpPr>
+        <p:spPr>
+          <a:xfrm>
+            <a:off x="10819037" y="1850856"/>
+            <a:ext cx="1713620" cy="822259"/>
+          </a:xfrm>
+          <a:prstGeom prst="rect">
+            <a:avLst/>
+          </a:prstGeom>
+          <a:noFill/>
+          <a:ln w="31750">
+            <a:solidFill>
+              <a:srgbClr val="00B0F0"/>
+            </a:solidFill>
+          </a:ln>
+        </p:spPr>
+        <p:style>
+          <a:lnRef idx="2">
+            <a:schemeClr val="accent1">
+              <a:shade val="50000"/>
+            </a:schemeClr>
+          </a:lnRef>
+          <a:fillRef idx="1">
+            <a:schemeClr val="accent1"/>
+          </a:fillRef>
+          <a:effectRef idx="0">
+            <a:schemeClr val="accent1"/>
+          </a:effectRef>
+          <a:fontRef idx="minor">
+            <a:schemeClr val="lt1"/>
+          </a:fontRef>
+        </p:style>
+        <p:txBody>
+          <a:bodyPr rtlCol="0" anchor="ctr"/>
+          <a:lstStyle/>
+          <a:p>
+            <a:pPr algn="ctr"/>
+            <a:endParaRPr lang="en-IN"/>
+          </a:p>
+        </p:txBody>
+      </p:sp>
+      <p:sp>
+        <p:nvSpPr>
+          <p:cNvPr id="35" name="Rectangle 34">
+            <a:extLst>
+              <a:ext uri="{FF2B5EF4-FFF2-40B4-BE49-F238E27FC236}">
+                <a16:creationId xmlns:a16="http://schemas.microsoft.com/office/drawing/2014/main" id="{E6337A49-E5C7-4D80-AA42-016F6EB3A01F}"/>
+              </a:ext>
+            </a:extLst>
+          </p:cNvPr>
+          <p:cNvSpPr/>
+          <p:nvPr/>
+        </p:nvSpPr>
+        <p:spPr>
+          <a:xfrm>
+            <a:off x="8494782" y="1969017"/>
+            <a:ext cx="1469985" cy="584776"/>
+          </a:xfrm>
+          <a:prstGeom prst="rect">
+            <a:avLst/>
+          </a:prstGeom>
+          <a:solidFill>
+            <a:schemeClr val="tx1">
+              <a:lumMod val="95000"/>
+              <a:lumOff val="5000"/>
+            </a:schemeClr>
+          </a:solidFill>
+          <a:ln>
+            <a:noFill/>
+          </a:ln>
+        </p:spPr>
+        <p:style>
+          <a:lnRef idx="2">
+            <a:schemeClr val="accent1">
+              <a:shade val="50000"/>
+            </a:schemeClr>
+          </a:lnRef>
+          <a:fillRef idx="1">
+            <a:schemeClr val="accent1"/>
+          </a:fillRef>
+          <a:effectRef idx="0">
+            <a:schemeClr val="accent1"/>
+          </a:effectRef>
+          <a:fontRef idx="minor">
+            <a:schemeClr val="lt1"/>
+          </a:fontRef>
+        </p:style>
+        <p:txBody>
+          <a:bodyPr rtlCol="0" anchor="ctr"/>
+          <a:lstStyle/>
+          <a:p>
+            <a:pPr algn="ctr"/>
+            <a:r>
+              <a:rPr lang="en-IN" sz="1800" dirty="0" err="1"/>
+              <a:t>Kubelet</a:t>
+            </a:r>
+            <a:endParaRPr lang="en-IN" sz="1800" dirty="0"/>
+          </a:p>
+        </p:txBody>
+      </p:sp>
+      <p:sp>
+        <p:nvSpPr>
+          <p:cNvPr id="36" name="Rectangle 35">
+            <a:extLst>
+              <a:ext uri="{FF2B5EF4-FFF2-40B4-BE49-F238E27FC236}">
+                <a16:creationId xmlns:a16="http://schemas.microsoft.com/office/drawing/2014/main" id="{4D223014-BA46-460A-AAFC-90DAD8767A04}"/>
+              </a:ext>
+            </a:extLst>
+          </p:cNvPr>
+          <p:cNvSpPr/>
+          <p:nvPr/>
+        </p:nvSpPr>
+        <p:spPr>
+          <a:xfrm>
+            <a:off x="8370424" y="1851694"/>
+            <a:ext cx="1713620" cy="822259"/>
+          </a:xfrm>
+          <a:prstGeom prst="rect">
+            <a:avLst/>
+          </a:prstGeom>
+          <a:noFill/>
+          <a:ln w="31750">
+            <a:solidFill>
+              <a:schemeClr val="tx1">
+                <a:lumMod val="95000"/>
+                <a:lumOff val="5000"/>
+              </a:schemeClr>
+            </a:solidFill>
+          </a:ln>
+        </p:spPr>
+        <p:style>
+          <a:lnRef idx="2">
+            <a:schemeClr val="accent1">
+              <a:shade val="50000"/>
+            </a:schemeClr>
+          </a:lnRef>
+          <a:fillRef idx="1">
+            <a:schemeClr val="accent1"/>
+          </a:fillRef>
+          <a:effectRef idx="0">
+            <a:schemeClr val="accent1"/>
+          </a:effectRef>
+          <a:fontRef idx="minor">
+            <a:schemeClr val="lt1"/>
+          </a:fontRef>
+        </p:style>
+        <p:txBody>
+          <a:bodyPr rtlCol="0" anchor="ctr"/>
+          <a:lstStyle/>
+          <a:p>
+            <a:pPr algn="ctr"/>
+            <a:endParaRPr lang="en-IN" sz="1800"/>
+          </a:p>
+        </p:txBody>
+      </p:sp>
+      <p:sp>
+        <p:nvSpPr>
+          <p:cNvPr id="37" name="Rectangle 36">
+            <a:extLst>
+              <a:ext uri="{FF2B5EF4-FFF2-40B4-BE49-F238E27FC236}">
+                <a16:creationId xmlns:a16="http://schemas.microsoft.com/office/drawing/2014/main" id="{FDB7ABAC-3B9D-4C8B-8D8F-BAD420920277}"/>
+              </a:ext>
+            </a:extLst>
+          </p:cNvPr>
+          <p:cNvSpPr/>
+          <p:nvPr/>
+        </p:nvSpPr>
+        <p:spPr>
+          <a:xfrm>
+            <a:off x="1495063" y="1726557"/>
+            <a:ext cx="1713620" cy="1273215"/>
+          </a:xfrm>
+          <a:prstGeom prst="rect">
+            <a:avLst/>
+          </a:prstGeom>
+          <a:noFill/>
+          <a:ln w="31750">
+            <a:solidFill>
+              <a:schemeClr val="accent2">
+                <a:lumMod val="75000"/>
+              </a:schemeClr>
+            </a:solidFill>
+          </a:ln>
+        </p:spPr>
+        <p:style>
+          <a:lnRef idx="2">
+            <a:schemeClr val="accent1">
+              <a:shade val="50000"/>
+            </a:schemeClr>
+          </a:lnRef>
+          <a:fillRef idx="1">
+            <a:schemeClr val="accent1"/>
+          </a:fillRef>
+          <a:effectRef idx="0">
+            <a:schemeClr val="accent1"/>
+          </a:effectRef>
+          <a:fontRef idx="minor">
+            <a:schemeClr val="lt1"/>
+          </a:fontRef>
+        </p:style>
+        <p:txBody>
+          <a:bodyPr rtlCol="0" anchor="ctr"/>
+          <a:lstStyle/>
+          <a:p>
+            <a:pPr algn="ctr"/>
+            <a:endParaRPr lang="en-IN"/>
+          </a:p>
+        </p:txBody>
+      </p:sp>
+      <p:sp>
+        <p:nvSpPr>
+          <p:cNvPr id="38" name="Rectangle 37">
+            <a:extLst>
+              <a:ext uri="{FF2B5EF4-FFF2-40B4-BE49-F238E27FC236}">
+                <a16:creationId xmlns:a16="http://schemas.microsoft.com/office/drawing/2014/main" id="{4390C2FE-1053-4A1B-A56F-DF605F5B1E33}"/>
+              </a:ext>
+            </a:extLst>
+          </p:cNvPr>
+          <p:cNvSpPr/>
+          <p:nvPr/>
+        </p:nvSpPr>
+        <p:spPr>
+          <a:xfrm>
+            <a:off x="1506919" y="3347936"/>
+            <a:ext cx="4368099" cy="894949"/>
+          </a:xfrm>
+          <a:prstGeom prst="rect">
+            <a:avLst/>
+          </a:prstGeom>
+          <a:noFill/>
+          <a:ln w="31750">
+            <a:solidFill>
+              <a:schemeClr val="tx1">
+                <a:lumMod val="95000"/>
+                <a:lumOff val="5000"/>
+              </a:schemeClr>
+            </a:solidFill>
+          </a:ln>
+        </p:spPr>
+        <p:style>
+          <a:lnRef idx="2">
+            <a:schemeClr val="accent1">
+              <a:shade val="50000"/>
+            </a:schemeClr>
+          </a:lnRef>
+          <a:fillRef idx="1">
+            <a:schemeClr val="accent1"/>
+          </a:fillRef>
+          <a:effectRef idx="0">
+            <a:schemeClr val="accent1"/>
+          </a:effectRef>
+          <a:fontRef idx="minor">
+            <a:schemeClr val="lt1"/>
+          </a:fontRef>
+        </p:style>
+        <p:txBody>
+          <a:bodyPr rtlCol="0" anchor="ctr"/>
+          <a:lstStyle/>
+          <a:p>
+            <a:pPr algn="ctr"/>
+            <a:endParaRPr lang="en-IN"/>
+          </a:p>
+        </p:txBody>
+      </p:sp>
+      <p:sp>
+        <p:nvSpPr>
+          <p:cNvPr id="39" name="Rectangle 38">
+            <a:extLst>
+              <a:ext uri="{FF2B5EF4-FFF2-40B4-BE49-F238E27FC236}">
+                <a16:creationId xmlns:a16="http://schemas.microsoft.com/office/drawing/2014/main" id="{6AD6185F-F358-4C5D-B77D-3D8A625E0F76}"/>
+              </a:ext>
+            </a:extLst>
+          </p:cNvPr>
+          <p:cNvSpPr/>
+          <p:nvPr/>
+        </p:nvSpPr>
+        <p:spPr>
+          <a:xfrm>
+            <a:off x="1509745" y="4667454"/>
+            <a:ext cx="1713620" cy="1273215"/>
+          </a:xfrm>
+          <a:prstGeom prst="rect">
+            <a:avLst/>
+          </a:prstGeom>
+          <a:noFill/>
+          <a:ln w="31750">
+            <a:solidFill>
+              <a:schemeClr val="accent3">
+                <a:lumMod val="75000"/>
+              </a:schemeClr>
+            </a:solidFill>
+          </a:ln>
+        </p:spPr>
+        <p:style>
+          <a:lnRef idx="2">
+            <a:schemeClr val="accent1">
+              <a:shade val="50000"/>
+            </a:schemeClr>
+          </a:lnRef>
+          <a:fillRef idx="1">
+            <a:schemeClr val="accent1"/>
+          </a:fillRef>
+          <a:effectRef idx="0">
+            <a:schemeClr val="accent1"/>
+          </a:effectRef>
+          <a:fontRef idx="minor">
+            <a:schemeClr val="lt1"/>
+          </a:fontRef>
+        </p:style>
+        <p:txBody>
+          <a:bodyPr rtlCol="0" anchor="ctr"/>
+          <a:lstStyle/>
+          <a:p>
+            <a:pPr algn="ctr"/>
+            <a:endParaRPr lang="en-IN"/>
+          </a:p>
+        </p:txBody>
+      </p:sp>
+      <p:sp>
+        <p:nvSpPr>
+          <p:cNvPr id="40" name="Rectangle 39">
+            <a:extLst>
+              <a:ext uri="{FF2B5EF4-FFF2-40B4-BE49-F238E27FC236}">
+                <a16:creationId xmlns:a16="http://schemas.microsoft.com/office/drawing/2014/main" id="{3D733293-C1C6-4E0B-AB61-6DE8894C4EC8}"/>
+              </a:ext>
+            </a:extLst>
+          </p:cNvPr>
+          <p:cNvSpPr/>
+          <p:nvPr/>
+        </p:nvSpPr>
+        <p:spPr>
+          <a:xfrm>
+            <a:off x="4202038" y="4667454"/>
+            <a:ext cx="1713620" cy="1273215"/>
+          </a:xfrm>
+          <a:prstGeom prst="rect">
+            <a:avLst/>
+          </a:prstGeom>
+          <a:noFill/>
+          <a:ln w="31750">
+            <a:solidFill>
+              <a:schemeClr val="accent1">
+                <a:lumMod val="75000"/>
+              </a:schemeClr>
+            </a:solidFill>
+          </a:ln>
+        </p:spPr>
+        <p:style>
+          <a:lnRef idx="2">
+            <a:schemeClr val="accent1">
+              <a:shade val="50000"/>
+            </a:schemeClr>
+          </a:lnRef>
+          <a:fillRef idx="1">
+            <a:schemeClr val="accent1"/>
+          </a:fillRef>
+          <a:effectRef idx="0">
+            <a:schemeClr val="accent1"/>
+          </a:effectRef>
+          <a:fontRef idx="minor">
+            <a:schemeClr val="lt1"/>
+          </a:fontRef>
+        </p:style>
+        <p:txBody>
+          <a:bodyPr rtlCol="0" anchor="ctr"/>
+          <a:lstStyle/>
+          <a:p>
+            <a:pPr algn="ctr"/>
+            <a:endParaRPr lang="en-IN"/>
+          </a:p>
+        </p:txBody>
+      </p:sp>
+      <p:sp>
+        <p:nvSpPr>
+          <p:cNvPr id="42" name="Rectangle 41">
+            <a:extLst>
+              <a:ext uri="{FF2B5EF4-FFF2-40B4-BE49-F238E27FC236}">
+                <a16:creationId xmlns:a16="http://schemas.microsoft.com/office/drawing/2014/main" id="{0AE278D8-E4CB-4844-AC10-11E79EEF56E0}"/>
+              </a:ext>
+            </a:extLst>
+          </p:cNvPr>
+          <p:cNvSpPr/>
+          <p:nvPr/>
+        </p:nvSpPr>
+        <p:spPr>
+          <a:xfrm>
+            <a:off x="8370424" y="2999772"/>
+            <a:ext cx="4269519" cy="393524"/>
+          </a:xfrm>
+          <a:prstGeom prst="rect">
+            <a:avLst/>
+          </a:prstGeom>
+          <a:solidFill>
+            <a:srgbClr val="00B050"/>
+          </a:solidFill>
+          <a:ln>
+            <a:noFill/>
+          </a:ln>
+        </p:spPr>
+        <p:style>
+          <a:lnRef idx="2">
+            <a:schemeClr val="accent1">
+              <a:shade val="50000"/>
+            </a:schemeClr>
+          </a:lnRef>
+          <a:fillRef idx="1">
+            <a:schemeClr val="accent1"/>
+          </a:fillRef>
+          <a:effectRef idx="0">
+            <a:schemeClr val="accent1"/>
+          </a:effectRef>
+          <a:fontRef idx="minor">
+            <a:schemeClr val="lt1"/>
+          </a:fontRef>
+        </p:style>
+        <p:txBody>
+          <a:bodyPr rtlCol="0" anchor="ctr"/>
+          <a:lstStyle/>
+          <a:p>
+            <a:pPr algn="ctr"/>
+            <a:r>
+              <a:rPr lang="en-IN" sz="1800" dirty="0"/>
+              <a:t>Container Runtime (Docker)</a:t>
+            </a:r>
+          </a:p>
+        </p:txBody>
+      </p:sp>
+      <p:sp>
+        <p:nvSpPr>
+          <p:cNvPr id="43" name="Rectangle 42">
+            <a:extLst>
+              <a:ext uri="{FF2B5EF4-FFF2-40B4-BE49-F238E27FC236}">
+                <a16:creationId xmlns:a16="http://schemas.microsoft.com/office/drawing/2014/main" id="{C48BDC50-97D8-41E5-8382-8BBE14E509D2}"/>
+              </a:ext>
+            </a:extLst>
+          </p:cNvPr>
+          <p:cNvSpPr/>
+          <p:nvPr/>
+        </p:nvSpPr>
+        <p:spPr>
+          <a:xfrm>
+            <a:off x="8049053" y="4385712"/>
+            <a:ext cx="4761187" cy="2495057"/>
+          </a:xfrm>
+          <a:prstGeom prst="rect">
+            <a:avLst/>
+          </a:prstGeom>
+          <a:noFill/>
+          <a:ln w="63500">
+            <a:solidFill>
+              <a:srgbClr val="0070C0"/>
+            </a:solidFill>
+          </a:ln>
+        </p:spPr>
+        <p:style>
+          <a:lnRef idx="2">
+            <a:schemeClr val="accent1">
+              <a:shade val="50000"/>
+            </a:schemeClr>
+          </a:lnRef>
+          <a:fillRef idx="1">
+            <a:schemeClr val="accent1"/>
+          </a:fillRef>
+          <a:effectRef idx="0">
+            <a:schemeClr val="accent1"/>
+          </a:effectRef>
+          <a:fontRef idx="minor">
+            <a:schemeClr val="lt1"/>
+          </a:fontRef>
+        </p:style>
+        <p:txBody>
+          <a:bodyPr rtlCol="0" anchor="ctr"/>
+          <a:lstStyle/>
+          <a:p>
+            <a:pPr algn="ctr"/>
+            <a:endParaRPr lang="en-IN"/>
+          </a:p>
+        </p:txBody>
+      </p:sp>
+      <p:sp>
+        <p:nvSpPr>
+          <p:cNvPr id="44" name="Rectangle 43">
+            <a:extLst>
+              <a:ext uri="{FF2B5EF4-FFF2-40B4-BE49-F238E27FC236}">
+                <a16:creationId xmlns:a16="http://schemas.microsoft.com/office/drawing/2014/main" id="{0C6F7CDD-19FA-4999-971F-E2A7E577CBED}"/>
+              </a:ext>
+            </a:extLst>
+          </p:cNvPr>
+          <p:cNvSpPr/>
+          <p:nvPr/>
+        </p:nvSpPr>
+        <p:spPr>
+          <a:xfrm>
+            <a:off x="10954970" y="5226072"/>
+            <a:ext cx="1469985" cy="584776"/>
+          </a:xfrm>
+          <a:prstGeom prst="rect">
+            <a:avLst/>
+          </a:prstGeom>
+          <a:solidFill>
+            <a:srgbClr val="00B0F0"/>
+          </a:solidFill>
+          <a:ln>
+            <a:noFill/>
+          </a:ln>
+        </p:spPr>
+        <p:style>
+          <a:lnRef idx="2">
+            <a:schemeClr val="accent1">
+              <a:shade val="50000"/>
+            </a:schemeClr>
+          </a:lnRef>
+          <a:fillRef idx="1">
+            <a:schemeClr val="accent1"/>
+          </a:fillRef>
+          <a:effectRef idx="0">
+            <a:schemeClr val="accent1"/>
+          </a:effectRef>
+          <a:fontRef idx="minor">
+            <a:schemeClr val="lt1"/>
+          </a:fontRef>
+        </p:style>
+        <p:txBody>
+          <a:bodyPr rtlCol="0" anchor="ctr"/>
+          <a:lstStyle/>
+          <a:p>
+            <a:pPr algn="ctr"/>
+            <a:r>
+              <a:rPr lang="en-IN" sz="1800" dirty="0" err="1"/>
+              <a:t>Kube</a:t>
+            </a:r>
+            <a:r>
+              <a:rPr lang="en-IN" sz="1800" dirty="0"/>
+              <a:t>-Proxy</a:t>
+            </a:r>
+          </a:p>
+        </p:txBody>
+      </p:sp>
+      <p:sp>
+        <p:nvSpPr>
+          <p:cNvPr id="45" name="TextBox 44">
+            <a:extLst>
+              <a:ext uri="{FF2B5EF4-FFF2-40B4-BE49-F238E27FC236}">
+                <a16:creationId xmlns:a16="http://schemas.microsoft.com/office/drawing/2014/main" id="{EE6D3FD6-102A-48D8-96B7-4CF144259039}"/>
+              </a:ext>
+            </a:extLst>
+          </p:cNvPr>
+          <p:cNvSpPr txBox="1"/>
+          <p:nvPr/>
+        </p:nvSpPr>
+        <p:spPr>
+          <a:xfrm>
+            <a:off x="9271021" y="4371273"/>
+            <a:ext cx="2404826" cy="584775"/>
+          </a:xfrm>
+          <a:prstGeom prst="rect">
+            <a:avLst/>
+          </a:prstGeom>
+          <a:noFill/>
+        </p:spPr>
+        <p:txBody>
+          <a:bodyPr wrap="none" rtlCol="0">
+            <a:spAutoFit/>
+          </a:bodyPr>
+          <a:lstStyle/>
+          <a:p>
+            <a:r>
+              <a:rPr lang="en-IN" sz="3200" dirty="0">
+                <a:solidFill>
+                  <a:srgbClr val="0070C0"/>
+                </a:solidFill>
+              </a:rPr>
+              <a:t>Worker Node</a:t>
+            </a:r>
+          </a:p>
+        </p:txBody>
+      </p:sp>
+      <p:sp>
+        <p:nvSpPr>
+          <p:cNvPr id="46" name="Rectangle 45">
+            <a:extLst>
+              <a:ext uri="{FF2B5EF4-FFF2-40B4-BE49-F238E27FC236}">
+                <a16:creationId xmlns:a16="http://schemas.microsoft.com/office/drawing/2014/main" id="{48A50557-5B53-4AC6-B37C-4C01EAAFBE4E}"/>
+              </a:ext>
+            </a:extLst>
+          </p:cNvPr>
+          <p:cNvSpPr/>
+          <p:nvPr/>
+        </p:nvSpPr>
+        <p:spPr>
+          <a:xfrm>
+            <a:off x="10819037" y="5108749"/>
+            <a:ext cx="1713620" cy="822259"/>
+          </a:xfrm>
+          <a:prstGeom prst="rect">
+            <a:avLst/>
+          </a:prstGeom>
+          <a:noFill/>
+          <a:ln w="31750">
+            <a:solidFill>
+              <a:srgbClr val="00B0F0"/>
+            </a:solidFill>
+          </a:ln>
+        </p:spPr>
+        <p:style>
+          <a:lnRef idx="2">
+            <a:schemeClr val="accent1">
+              <a:shade val="50000"/>
+            </a:schemeClr>
+          </a:lnRef>
+          <a:fillRef idx="1">
+            <a:schemeClr val="accent1"/>
+          </a:fillRef>
+          <a:effectRef idx="0">
+            <a:schemeClr val="accent1"/>
+          </a:effectRef>
+          <a:fontRef idx="minor">
+            <a:schemeClr val="lt1"/>
+          </a:fontRef>
+        </p:style>
+        <p:txBody>
+          <a:bodyPr rtlCol="0" anchor="ctr"/>
+          <a:lstStyle/>
+          <a:p>
+            <a:pPr algn="ctr"/>
+            <a:endParaRPr lang="en-IN"/>
+          </a:p>
+        </p:txBody>
+      </p:sp>
+      <p:sp>
+        <p:nvSpPr>
+          <p:cNvPr id="47" name="Rectangle 46">
+            <a:extLst>
+              <a:ext uri="{FF2B5EF4-FFF2-40B4-BE49-F238E27FC236}">
+                <a16:creationId xmlns:a16="http://schemas.microsoft.com/office/drawing/2014/main" id="{45924C24-B220-460C-8A9F-AAAD1B821F2C}"/>
+              </a:ext>
+            </a:extLst>
+          </p:cNvPr>
+          <p:cNvSpPr/>
+          <p:nvPr/>
+        </p:nvSpPr>
+        <p:spPr>
+          <a:xfrm>
+            <a:off x="8494782" y="5226910"/>
+            <a:ext cx="1469985" cy="584776"/>
+          </a:xfrm>
+          <a:prstGeom prst="rect">
+            <a:avLst/>
+          </a:prstGeom>
+          <a:solidFill>
+            <a:schemeClr val="tx1">
+              <a:lumMod val="95000"/>
+              <a:lumOff val="5000"/>
+            </a:schemeClr>
+          </a:solidFill>
+          <a:ln>
+            <a:noFill/>
+          </a:ln>
+        </p:spPr>
+        <p:style>
+          <a:lnRef idx="2">
+            <a:schemeClr val="accent1">
+              <a:shade val="50000"/>
+            </a:schemeClr>
+          </a:lnRef>
+          <a:fillRef idx="1">
+            <a:schemeClr val="accent1"/>
+          </a:fillRef>
+          <a:effectRef idx="0">
+            <a:schemeClr val="accent1"/>
+          </a:effectRef>
+          <a:fontRef idx="minor">
+            <a:schemeClr val="lt1"/>
+          </a:fontRef>
+        </p:style>
+        <p:txBody>
+          <a:bodyPr rtlCol="0" anchor="ctr"/>
+          <a:lstStyle/>
+          <a:p>
+            <a:pPr algn="ctr"/>
+            <a:r>
+              <a:rPr lang="en-IN" sz="1800" dirty="0" err="1"/>
+              <a:t>Kubelet</a:t>
+            </a:r>
+            <a:endParaRPr lang="en-IN" sz="1800" dirty="0"/>
+          </a:p>
+        </p:txBody>
+      </p:sp>
+      <p:sp>
+        <p:nvSpPr>
+          <p:cNvPr id="48" name="Rectangle 47">
+            <a:extLst>
+              <a:ext uri="{FF2B5EF4-FFF2-40B4-BE49-F238E27FC236}">
+                <a16:creationId xmlns:a16="http://schemas.microsoft.com/office/drawing/2014/main" id="{5162447A-7071-44FD-8136-15B40F6F3145}"/>
+              </a:ext>
+            </a:extLst>
+          </p:cNvPr>
+          <p:cNvSpPr/>
+          <p:nvPr/>
+        </p:nvSpPr>
+        <p:spPr>
+          <a:xfrm>
+            <a:off x="8370424" y="5109587"/>
+            <a:ext cx="1713620" cy="822259"/>
+          </a:xfrm>
+          <a:prstGeom prst="rect">
+            <a:avLst/>
+          </a:prstGeom>
+          <a:noFill/>
+          <a:ln w="31750">
+            <a:solidFill>
+              <a:schemeClr val="tx1">
+                <a:lumMod val="95000"/>
+                <a:lumOff val="5000"/>
+              </a:schemeClr>
+            </a:solidFill>
+          </a:ln>
+        </p:spPr>
+        <p:style>
+          <a:lnRef idx="2">
+            <a:schemeClr val="accent1">
+              <a:shade val="50000"/>
+            </a:schemeClr>
+          </a:lnRef>
+          <a:fillRef idx="1">
+            <a:schemeClr val="accent1"/>
+          </a:fillRef>
+          <a:effectRef idx="0">
+            <a:schemeClr val="accent1"/>
+          </a:effectRef>
+          <a:fontRef idx="minor">
+            <a:schemeClr val="lt1"/>
+          </a:fontRef>
+        </p:style>
+        <p:txBody>
+          <a:bodyPr rtlCol="0" anchor="ctr"/>
+          <a:lstStyle/>
+          <a:p>
+            <a:pPr algn="ctr"/>
+            <a:endParaRPr lang="en-IN" sz="1800"/>
+          </a:p>
+        </p:txBody>
+      </p:sp>
+      <p:sp>
+        <p:nvSpPr>
+          <p:cNvPr id="49" name="Rectangle 48">
+            <a:extLst>
+              <a:ext uri="{FF2B5EF4-FFF2-40B4-BE49-F238E27FC236}">
+                <a16:creationId xmlns:a16="http://schemas.microsoft.com/office/drawing/2014/main" id="{3B1FD2DD-9477-4261-8AFA-DF6D9F377044}"/>
+              </a:ext>
+            </a:extLst>
+          </p:cNvPr>
+          <p:cNvSpPr/>
+          <p:nvPr/>
+        </p:nvSpPr>
+        <p:spPr>
+          <a:xfrm>
+            <a:off x="8370424" y="6257665"/>
+            <a:ext cx="4269519" cy="393524"/>
+          </a:xfrm>
+          <a:prstGeom prst="rect">
+            <a:avLst/>
+          </a:prstGeom>
+          <a:solidFill>
+            <a:srgbClr val="00B050"/>
+          </a:solidFill>
+          <a:ln>
+            <a:noFill/>
+          </a:ln>
+        </p:spPr>
+        <p:style>
+          <a:lnRef idx="2">
+            <a:schemeClr val="accent1">
+              <a:shade val="50000"/>
+            </a:schemeClr>
+          </a:lnRef>
+          <a:fillRef idx="1">
+            <a:schemeClr val="accent1"/>
+          </a:fillRef>
+          <a:effectRef idx="0">
+            <a:schemeClr val="accent1"/>
+          </a:effectRef>
+          <a:fontRef idx="minor">
+            <a:schemeClr val="lt1"/>
+          </a:fontRef>
+        </p:style>
+        <p:txBody>
+          <a:bodyPr rtlCol="0" anchor="ctr"/>
+          <a:lstStyle/>
+          <a:p>
+            <a:pPr algn="ctr"/>
+            <a:r>
+              <a:rPr lang="en-IN" sz="1800" dirty="0"/>
+              <a:t>Container Runtime (Docker)</a:t>
+            </a:r>
+          </a:p>
+        </p:txBody>
+      </p:sp>
+    </p:spTree>
+    <p:extLst>
+      <p:ext uri="{BB962C8B-B14F-4D97-AF65-F5344CB8AC3E}">
+        <p14:creationId xmlns:p14="http://schemas.microsoft.com/office/powerpoint/2010/main" val="1160642225"/>
+      </p:ext>
+    </p:extLst>
+  </p:cSld>
+  <p:clrMapOvr>
+    <a:masterClrMapping/>
+  </p:clrMapOvr>
+</p:sld>
+</file>
+
+<file path=ppt/slides/slide11.xml><?xml version="1.0" encoding="utf-8"?>
+<p:sld xmlns:a="http://schemas.openxmlformats.org/drawingml/2006/main" xmlns:r="http://schemas.openxmlformats.org/officeDocument/2006/relationships" xmlns:p="http://schemas.openxmlformats.org/presentationml/2006/main">
+  <p:cSld>
+    <p:spTree>
+      <p:nvGrpSpPr>
+        <p:cNvPr id="1" name=""/>
+        <p:cNvGrpSpPr/>
+        <p:nvPr/>
+      </p:nvGrpSpPr>
+      <p:grpSpPr>
+        <a:xfrm>
+          <a:off x="0" y="0"/>
+          <a:ext cx="0" cy="0"/>
+          <a:chOff x="0" y="0"/>
+          <a:chExt cx="0" cy="0"/>
+        </a:xfrm>
+      </p:grpSpPr>
+      <p:sp>
+        <p:nvSpPr>
+          <p:cNvPr id="2" name="Footer Placeholder 1">
+            <a:extLst>
+              <a:ext uri="{FF2B5EF4-FFF2-40B4-BE49-F238E27FC236}">
+                <a16:creationId xmlns:a16="http://schemas.microsoft.com/office/drawing/2014/main" id="{4596DC66-8036-4EE9-928C-778BC28DDF20}"/>
+              </a:ext>
+            </a:extLst>
+          </p:cNvPr>
+          <p:cNvSpPr>
+            <a:spLocks noGrp="1"/>
+          </p:cNvSpPr>
+          <p:nvPr>
+            <p:ph type="ftr" sz="quarter" idx="10"/>
+          </p:nvPr>
+        </p:nvSpPr>
+        <p:spPr/>
+        <p:txBody>
+          <a:bodyPr/>
+          <a:lstStyle/>
+          <a:p>
+            <a:pPr algn="l"/>
+            <a:r>
+              <a:rPr lang="en-US"/>
+              <a:t>© Kalyan Reddy Daida</a:t>
+            </a:r>
+            <a:endParaRPr lang="en-GB" dirty="0"/>
+          </a:p>
+        </p:txBody>
+      </p:sp>
+      <p:sp>
+        <p:nvSpPr>
+          <p:cNvPr id="3" name="Content Placeholder 2">
+            <a:extLst>
+              <a:ext uri="{FF2B5EF4-FFF2-40B4-BE49-F238E27FC236}">
+                <a16:creationId xmlns:a16="http://schemas.microsoft.com/office/drawing/2014/main" id="{691E46AC-2204-4986-84F4-53BBB23569DB}"/>
+              </a:ext>
+            </a:extLst>
+          </p:cNvPr>
+          <p:cNvSpPr>
+            <a:spLocks noGrp="1"/>
+          </p:cNvSpPr>
+          <p:nvPr>
+            <p:ph idx="1"/>
+          </p:nvPr>
+        </p:nvSpPr>
+        <p:spPr/>
+        <p:txBody>
+          <a:bodyPr/>
+          <a:lstStyle/>
+          <a:p>
+            <a:r>
+              <a:rPr lang="en-IN" dirty="0"/>
+              <a:t>a</a:t>
+            </a:r>
+          </a:p>
+        </p:txBody>
+      </p:sp>
+      <p:sp>
+        <p:nvSpPr>
+          <p:cNvPr id="4" name="Title 3">
+            <a:extLst>
+              <a:ext uri="{FF2B5EF4-FFF2-40B4-BE49-F238E27FC236}">
+                <a16:creationId xmlns:a16="http://schemas.microsoft.com/office/drawing/2014/main" id="{DC0ADAE6-B9D6-4E4B-B3C1-8FE45A0AC6B4}"/>
+              </a:ext>
+            </a:extLst>
+          </p:cNvPr>
+          <p:cNvSpPr>
+            <a:spLocks noGrp="1"/>
+          </p:cNvSpPr>
+          <p:nvPr>
+            <p:ph type="title"/>
+          </p:nvPr>
+        </p:nvSpPr>
+        <p:spPr/>
+        <p:txBody>
+          <a:bodyPr/>
+          <a:lstStyle/>
+          <a:p>
+            <a:endParaRPr lang="en-IN"/>
+          </a:p>
+        </p:txBody>
+      </p:sp>
+    </p:spTree>
+    <p:extLst>
+      <p:ext uri="{BB962C8B-B14F-4D97-AF65-F5344CB8AC3E}">
+        <p14:creationId xmlns:p14="http://schemas.microsoft.com/office/powerpoint/2010/main" val="1762778520"/>
+      </p:ext>
+    </p:extLst>
+  </p:cSld>
+  <p:clrMapOvr>
+    <a:masterClrMapping/>
+  </p:clrMapOvr>
+</p:sld>
+</file>
+
 <file path=ppt/slides/slide2.xml><?xml version="1.0" encoding="utf-8"?>
 <p:sld xmlns:a="http://schemas.openxmlformats.org/drawingml/2006/main" xmlns:r="http://schemas.openxmlformats.org/officeDocument/2006/relationships" xmlns:p="http://schemas.openxmlformats.org/presentationml/2006/main">
   <p:cSld>
@@ -3317,8 +4990,12 @@
           <a:p>
             <a:pPr algn="l"/>
             <a:r>
-              <a:rPr lang="en-US"/>
-              <a:t>Kalyan Reddy Daida</a:t>
+              <a:rPr lang="en-US" dirty="0"/>
+              <a:t>© Kalyan Reddy </a:t>
+            </a:r>
+            <a:r>
+              <a:rPr lang="en-US" dirty="0" err="1"/>
+              <a:t>Daida</a:t>
             </a:r>
             <a:endParaRPr lang="en-GB" dirty="0"/>
           </a:p>
@@ -3446,7 +5123,7 @@
           <p:cNvPr id="2" name="Footer Placeholder 1">
             <a:extLst>
               <a:ext uri="{FF2B5EF4-FFF2-40B4-BE49-F238E27FC236}">
-                <a16:creationId xmlns:a16="http://schemas.microsoft.com/office/drawing/2014/main" id="{78819D0E-61B2-4717-949A-53CE5D358278}"/>
+                <a16:creationId xmlns:a16="http://schemas.microsoft.com/office/drawing/2014/main" id="{A0A0BD00-D8DC-45C9-9C82-0E8430B96A5E}"/>
               </a:ext>
             </a:extLst>
           </p:cNvPr>
@@ -3471,12 +5148,59 @@
           </a:p>
         </p:txBody>
       </p:sp>
-      <p:sp>
-        <p:nvSpPr>
-          <p:cNvPr id="3" name="Content Placeholder 2">
-            <a:extLst>
-              <a:ext uri="{FF2B5EF4-FFF2-40B4-BE49-F238E27FC236}">
-                <a16:creationId xmlns:a16="http://schemas.microsoft.com/office/drawing/2014/main" id="{8A3A1BC4-11F5-49E1-856E-5F8D5DBCAE8C}"/>
+      <p:pic>
+        <p:nvPicPr>
+          <p:cNvPr id="1026" name="Picture 2" descr="Kubernetes - Wikipedia">
+            <a:extLst>
+              <a:ext uri="{FF2B5EF4-FFF2-40B4-BE49-F238E27FC236}">
+                <a16:creationId xmlns:a16="http://schemas.microsoft.com/office/drawing/2014/main" id="{79A16920-295F-4532-8573-E88C8EF891E6}"/>
+              </a:ext>
+            </a:extLst>
+          </p:cNvPr>
+          <p:cNvPicPr>
+            <a:picLocks noChangeAspect="1" noChangeArrowheads="1"/>
+          </p:cNvPicPr>
+          <p:nvPr/>
+        </p:nvPicPr>
+        <p:blipFill>
+          <a:blip r:embed="rId2">
+            <a:extLst>
+              <a:ext uri="{28A0092B-C50C-407E-A947-70E740481C1C}">
+                <a14:useLocalDpi xmlns:a14="http://schemas.microsoft.com/office/drawing/2010/main" val="0"/>
+              </a:ext>
+            </a:extLst>
+          </a:blip>
+          <a:srcRect/>
+          <a:stretch>
+            <a:fillRect/>
+          </a:stretch>
+        </p:blipFill>
+        <p:spPr bwMode="auto">
+          <a:xfrm>
+            <a:off x="8846757" y="1756402"/>
+            <a:ext cx="4858736" cy="4716796"/>
+          </a:xfrm>
+          <a:prstGeom prst="rect">
+            <a:avLst/>
+          </a:prstGeom>
+          <a:noFill/>
+          <a:extLst>
+            <a:ext uri="{909E8E84-426E-40DD-AFC4-6F175D3DCCD1}">
+              <a14:hiddenFill xmlns:a14="http://schemas.microsoft.com/office/drawing/2010/main">
+                <a:solidFill>
+                  <a:srgbClr val="FFFFFF"/>
+                </a:solidFill>
+              </a14:hiddenFill>
+            </a:ext>
+          </a:extLst>
+        </p:spPr>
+      </p:pic>
+      <p:sp>
+        <p:nvSpPr>
+          <p:cNvPr id="8" name="Content Placeholder 2">
+            <a:extLst>
+              <a:ext uri="{FF2B5EF4-FFF2-40B4-BE49-F238E27FC236}">
+                <a16:creationId xmlns:a16="http://schemas.microsoft.com/office/drawing/2014/main" id="{09329F3B-B988-4BA0-9BEA-4847C35EA442}"/>
               </a:ext>
             </a:extLst>
           </p:cNvPr>
@@ -3487,11 +5211,128 @@
             <p:ph idx="1"/>
           </p:nvPr>
         </p:nvSpPr>
+        <p:spPr>
+          <a:xfrm>
+            <a:off x="788273" y="2899123"/>
+            <a:ext cx="8390701" cy="1089553"/>
+          </a:xfrm>
+        </p:spPr>
+        <p:txBody>
+          <a:bodyPr>
+            <a:noAutofit/>
+          </a:bodyPr>
+          <a:lstStyle/>
+          <a:p>
+            <a:pPr marL="0" indent="0" algn="ctr">
+              <a:buNone/>
+            </a:pPr>
+            <a:r>
+              <a:rPr lang="en-US" sz="7000" b="1" dirty="0">
+                <a:solidFill>
+                  <a:schemeClr val="accent6">
+                    <a:lumMod val="75000"/>
+                  </a:schemeClr>
+                </a:solidFill>
+              </a:rPr>
+              <a:t>Kubernetes</a:t>
+            </a:r>
+          </a:p>
+          <a:p>
+            <a:pPr marL="0" indent="0" algn="ctr">
+              <a:buNone/>
+            </a:pPr>
+            <a:r>
+              <a:rPr lang="en-US" sz="7000" b="1" dirty="0">
+                <a:solidFill>
+                  <a:srgbClr val="00B050"/>
+                </a:solidFill>
+              </a:rPr>
+              <a:t>Architecture</a:t>
+            </a:r>
+          </a:p>
+        </p:txBody>
+      </p:sp>
+    </p:spTree>
+    <p:extLst>
+      <p:ext uri="{BB962C8B-B14F-4D97-AF65-F5344CB8AC3E}">
+        <p14:creationId xmlns:p14="http://schemas.microsoft.com/office/powerpoint/2010/main" val="1463512280"/>
+      </p:ext>
+    </p:extLst>
+  </p:cSld>
+  <p:clrMapOvr>
+    <a:masterClrMapping/>
+  </p:clrMapOvr>
+</p:sld>
+</file>
+
+<file path=ppt/slides/slide4.xml><?xml version="1.0" encoding="utf-8"?>
+<p:sld xmlns:a="http://schemas.openxmlformats.org/drawingml/2006/main" xmlns:r="http://schemas.openxmlformats.org/officeDocument/2006/relationships" xmlns:p="http://schemas.openxmlformats.org/presentationml/2006/main">
+  <p:cSld>
+    <p:spTree>
+      <p:nvGrpSpPr>
+        <p:cNvPr id="1" name=""/>
+        <p:cNvGrpSpPr/>
+        <p:nvPr/>
+      </p:nvGrpSpPr>
+      <p:grpSpPr>
+        <a:xfrm>
+          <a:off x="0" y="0"/>
+          <a:ext cx="0" cy="0"/>
+          <a:chOff x="0" y="0"/>
+          <a:chExt cx="0" cy="0"/>
+        </a:xfrm>
+      </p:grpSpPr>
+      <p:sp>
+        <p:nvSpPr>
+          <p:cNvPr id="2" name="Footer Placeholder 1">
+            <a:extLst>
+              <a:ext uri="{FF2B5EF4-FFF2-40B4-BE49-F238E27FC236}">
+                <a16:creationId xmlns:a16="http://schemas.microsoft.com/office/drawing/2014/main" id="{5634FA58-2A84-4C4C-8D8A-F46D3D69DBD1}"/>
+              </a:ext>
+            </a:extLst>
+          </p:cNvPr>
+          <p:cNvSpPr>
+            <a:spLocks noGrp="1"/>
+          </p:cNvSpPr>
+          <p:nvPr>
+            <p:ph type="ftr" sz="quarter" idx="10"/>
+          </p:nvPr>
+        </p:nvSpPr>
         <p:spPr/>
         <p:txBody>
           <a:bodyPr/>
           <a:lstStyle/>
           <a:p>
+            <a:pPr algn="l"/>
+            <a:r>
+              <a:rPr lang="en-US"/>
+              <a:t>© Kalyan Reddy Daida</a:t>
+            </a:r>
+            <a:endParaRPr lang="en-GB" dirty="0"/>
+          </a:p>
+        </p:txBody>
+      </p:sp>
+      <p:sp>
+        <p:nvSpPr>
+          <p:cNvPr id="3" name="Content Placeholder 2">
+            <a:extLst>
+              <a:ext uri="{FF2B5EF4-FFF2-40B4-BE49-F238E27FC236}">
+                <a16:creationId xmlns:a16="http://schemas.microsoft.com/office/drawing/2014/main" id="{53A78DB2-1538-4664-87BF-D5C34A97543D}"/>
+              </a:ext>
+            </a:extLst>
+          </p:cNvPr>
+          <p:cNvSpPr>
+            <a:spLocks noGrp="1"/>
+          </p:cNvSpPr>
+          <p:nvPr>
+            <p:ph idx="1"/>
+          </p:nvPr>
+        </p:nvSpPr>
+        <p:spPr/>
+        <p:txBody>
+          <a:bodyPr/>
+          <a:lstStyle/>
+          <a:p>
             <a:endParaRPr lang="en-IN"/>
           </a:p>
         </p:txBody>
@@ -3501,7 +5342,7 @@
           <p:cNvPr id="4" name="Title 3">
             <a:extLst>
               <a:ext uri="{FF2B5EF4-FFF2-40B4-BE49-F238E27FC236}">
-                <a16:creationId xmlns:a16="http://schemas.microsoft.com/office/drawing/2014/main" id="{F8840114-9439-4B2E-A512-1F12425EB200}"/>
+                <a16:creationId xmlns:a16="http://schemas.microsoft.com/office/drawing/2014/main" id="{DC9DCC39-1BFF-482E-BF79-C330C87F31B9}"/>
               </a:ext>
             </a:extLst>
           </p:cNvPr>
@@ -3517,7 +5358,1187 @@
           <a:bodyPr/>
           <a:lstStyle/>
           <a:p>
+            <a:r>
+              <a:rPr lang="en-IN" dirty="0"/>
+              <a:t>Why Kubernetes?</a:t>
+            </a:r>
+          </a:p>
+        </p:txBody>
+      </p:sp>
+    </p:spTree>
+    <p:extLst>
+      <p:ext uri="{BB962C8B-B14F-4D97-AF65-F5344CB8AC3E}">
+        <p14:creationId xmlns:p14="http://schemas.microsoft.com/office/powerpoint/2010/main" val="1840133429"/>
+      </p:ext>
+    </p:extLst>
+  </p:cSld>
+  <p:clrMapOvr>
+    <a:masterClrMapping/>
+  </p:clrMapOvr>
+</p:sld>
+</file>
+
+<file path=ppt/slides/slide5.xml><?xml version="1.0" encoding="utf-8"?>
+<p:sld xmlns:a="http://schemas.openxmlformats.org/drawingml/2006/main" xmlns:r="http://schemas.openxmlformats.org/officeDocument/2006/relationships" xmlns:p="http://schemas.openxmlformats.org/presentationml/2006/main">
+  <p:cSld>
+    <p:spTree>
+      <p:nvGrpSpPr>
+        <p:cNvPr id="1" name=""/>
+        <p:cNvGrpSpPr/>
+        <p:nvPr/>
+      </p:nvGrpSpPr>
+      <p:grpSpPr>
+        <a:xfrm>
+          <a:off x="0" y="0"/>
+          <a:ext cx="0" cy="0"/>
+          <a:chOff x="0" y="0"/>
+          <a:chExt cx="0" cy="0"/>
+        </a:xfrm>
+      </p:grpSpPr>
+      <p:sp>
+        <p:nvSpPr>
+          <p:cNvPr id="2" name="Footer Placeholder 1">
+            <a:extLst>
+              <a:ext uri="{FF2B5EF4-FFF2-40B4-BE49-F238E27FC236}">
+                <a16:creationId xmlns:a16="http://schemas.microsoft.com/office/drawing/2014/main" id="{43736DCE-9495-4DA6-8F95-5DE7597271FD}"/>
+              </a:ext>
+            </a:extLst>
+          </p:cNvPr>
+          <p:cNvSpPr>
+            <a:spLocks noGrp="1"/>
+          </p:cNvSpPr>
+          <p:nvPr>
+            <p:ph type="ftr" sz="quarter" idx="10"/>
+          </p:nvPr>
+        </p:nvSpPr>
+        <p:spPr/>
+        <p:txBody>
+          <a:bodyPr/>
+          <a:lstStyle/>
+          <a:p>
+            <a:pPr algn="l"/>
+            <a:r>
+              <a:rPr lang="en-US"/>
+              <a:t>© Kalyan Reddy Daida</a:t>
+            </a:r>
+            <a:endParaRPr lang="en-GB" dirty="0"/>
+          </a:p>
+        </p:txBody>
+      </p:sp>
+      <p:sp>
+        <p:nvSpPr>
+          <p:cNvPr id="3" name="Content Placeholder 2">
+            <a:extLst>
+              <a:ext uri="{FF2B5EF4-FFF2-40B4-BE49-F238E27FC236}">
+                <a16:creationId xmlns:a16="http://schemas.microsoft.com/office/drawing/2014/main" id="{1397231D-BF37-4CBD-A46F-69681558BD0E}"/>
+              </a:ext>
+            </a:extLst>
+          </p:cNvPr>
+          <p:cNvSpPr>
+            <a:spLocks noGrp="1"/>
+          </p:cNvSpPr>
+          <p:nvPr>
+            <p:ph idx="1"/>
+          </p:nvPr>
+        </p:nvSpPr>
+        <p:spPr/>
+        <p:txBody>
+          <a:bodyPr/>
+          <a:lstStyle/>
+          <a:p>
             <a:endParaRPr lang="en-IN"/>
+          </a:p>
+        </p:txBody>
+      </p:sp>
+      <p:sp>
+        <p:nvSpPr>
+          <p:cNvPr id="4" name="Title 3">
+            <a:extLst>
+              <a:ext uri="{FF2B5EF4-FFF2-40B4-BE49-F238E27FC236}">
+                <a16:creationId xmlns:a16="http://schemas.microsoft.com/office/drawing/2014/main" id="{398C44D4-0DDD-4645-95F5-C91AB3DB14C5}"/>
+              </a:ext>
+            </a:extLst>
+          </p:cNvPr>
+          <p:cNvSpPr>
+            <a:spLocks noGrp="1"/>
+          </p:cNvSpPr>
+          <p:nvPr>
+            <p:ph type="title"/>
+          </p:nvPr>
+        </p:nvSpPr>
+        <p:spPr/>
+        <p:txBody>
+          <a:bodyPr/>
+          <a:lstStyle/>
+          <a:p>
+            <a:r>
+              <a:rPr lang="en-IN" dirty="0"/>
+              <a:t>Kubernetes – Master &amp; Worker Nodes</a:t>
+            </a:r>
+          </a:p>
+        </p:txBody>
+      </p:sp>
+    </p:spTree>
+    <p:extLst>
+      <p:ext uri="{BB962C8B-B14F-4D97-AF65-F5344CB8AC3E}">
+        <p14:creationId xmlns:p14="http://schemas.microsoft.com/office/powerpoint/2010/main" val="3179247256"/>
+      </p:ext>
+    </p:extLst>
+  </p:cSld>
+  <p:clrMapOvr>
+    <a:masterClrMapping/>
+  </p:clrMapOvr>
+</p:sld>
+</file>
+
+<file path=ppt/slides/slide6.xml><?xml version="1.0" encoding="utf-8"?>
+<p:sld xmlns:a="http://schemas.openxmlformats.org/drawingml/2006/main" xmlns:r="http://schemas.openxmlformats.org/officeDocument/2006/relationships" xmlns:p="http://schemas.openxmlformats.org/presentationml/2006/main">
+  <p:cSld>
+    <p:spTree>
+      <p:nvGrpSpPr>
+        <p:cNvPr id="1" name=""/>
+        <p:cNvGrpSpPr/>
+        <p:nvPr/>
+      </p:nvGrpSpPr>
+      <p:grpSpPr>
+        <a:xfrm>
+          <a:off x="0" y="0"/>
+          <a:ext cx="0" cy="0"/>
+          <a:chOff x="0" y="0"/>
+          <a:chExt cx="0" cy="0"/>
+        </a:xfrm>
+      </p:grpSpPr>
+      <p:sp>
+        <p:nvSpPr>
+          <p:cNvPr id="2" name="Footer Placeholder 1">
+            <a:extLst>
+              <a:ext uri="{FF2B5EF4-FFF2-40B4-BE49-F238E27FC236}">
+                <a16:creationId xmlns:a16="http://schemas.microsoft.com/office/drawing/2014/main" id="{78819D0E-61B2-4717-949A-53CE5D358278}"/>
+              </a:ext>
+            </a:extLst>
+          </p:cNvPr>
+          <p:cNvSpPr>
+            <a:spLocks noGrp="1"/>
+          </p:cNvSpPr>
+          <p:nvPr>
+            <p:ph type="ftr" sz="quarter" idx="10"/>
+          </p:nvPr>
+        </p:nvSpPr>
+        <p:spPr/>
+        <p:txBody>
+          <a:bodyPr/>
+          <a:lstStyle/>
+          <a:p>
+            <a:pPr algn="l"/>
+            <a:r>
+              <a:rPr lang="en-US" dirty="0"/>
+              <a:t>© Kalyan Reddy </a:t>
+            </a:r>
+            <a:r>
+              <a:rPr lang="en-US" dirty="0" err="1"/>
+              <a:t>Daida</a:t>
+            </a:r>
+            <a:endParaRPr lang="en-GB" dirty="0"/>
+          </a:p>
+        </p:txBody>
+      </p:sp>
+      <p:sp>
+        <p:nvSpPr>
+          <p:cNvPr id="4" name="Title 3">
+            <a:extLst>
+              <a:ext uri="{FF2B5EF4-FFF2-40B4-BE49-F238E27FC236}">
+                <a16:creationId xmlns:a16="http://schemas.microsoft.com/office/drawing/2014/main" id="{F8840114-9439-4B2E-A512-1F12425EB200}"/>
+              </a:ext>
+            </a:extLst>
+          </p:cNvPr>
+          <p:cNvSpPr>
+            <a:spLocks noGrp="1"/>
+          </p:cNvSpPr>
+          <p:nvPr>
+            <p:ph type="title"/>
+          </p:nvPr>
+        </p:nvSpPr>
+        <p:spPr>
+          <a:xfrm>
+            <a:off x="1039407" y="-145598"/>
+            <a:ext cx="12618720" cy="1188851"/>
+          </a:xfrm>
+        </p:spPr>
+        <p:txBody>
+          <a:bodyPr/>
+          <a:lstStyle/>
+          <a:p>
+            <a:r>
+              <a:rPr lang="en-IN" dirty="0"/>
+              <a:t>Kubernetes Architecture - </a:t>
+            </a:r>
+            <a:r>
+              <a:rPr lang="en-IN" dirty="0">
+                <a:solidFill>
+                  <a:srgbClr val="00B050"/>
+                </a:solidFill>
+              </a:rPr>
+              <a:t>Master</a:t>
+            </a:r>
+          </a:p>
+        </p:txBody>
+      </p:sp>
+      <p:sp>
+        <p:nvSpPr>
+          <p:cNvPr id="5" name="Rectangle 4">
+            <a:extLst>
+              <a:ext uri="{FF2B5EF4-FFF2-40B4-BE49-F238E27FC236}">
+                <a16:creationId xmlns:a16="http://schemas.microsoft.com/office/drawing/2014/main" id="{119EBDD3-C074-4FD1-90DE-DBEA7232FDD0}"/>
+              </a:ext>
+            </a:extLst>
+          </p:cNvPr>
+          <p:cNvSpPr/>
+          <p:nvPr/>
+        </p:nvSpPr>
+        <p:spPr>
+          <a:xfrm>
+            <a:off x="297349" y="1369113"/>
+            <a:ext cx="4761187" cy="5747543"/>
+          </a:xfrm>
+          <a:prstGeom prst="rect">
+            <a:avLst/>
+          </a:prstGeom>
+          <a:noFill/>
+          <a:ln w="63500">
+            <a:solidFill>
+              <a:srgbClr val="0070C0"/>
+            </a:solidFill>
+          </a:ln>
+        </p:spPr>
+        <p:style>
+          <a:lnRef idx="2">
+            <a:schemeClr val="accent1">
+              <a:shade val="50000"/>
+            </a:schemeClr>
+          </a:lnRef>
+          <a:fillRef idx="1">
+            <a:schemeClr val="accent1"/>
+          </a:fillRef>
+          <a:effectRef idx="0">
+            <a:schemeClr val="accent1"/>
+          </a:effectRef>
+          <a:fontRef idx="minor">
+            <a:schemeClr val="lt1"/>
+          </a:fontRef>
+        </p:style>
+        <p:txBody>
+          <a:bodyPr rtlCol="0" anchor="ctr"/>
+          <a:lstStyle/>
+          <a:p>
+            <a:pPr algn="ctr"/>
+            <a:endParaRPr lang="en-IN"/>
+          </a:p>
+        </p:txBody>
+      </p:sp>
+      <p:sp>
+        <p:nvSpPr>
+          <p:cNvPr id="6" name="Rectangle 5">
+            <a:extLst>
+              <a:ext uri="{FF2B5EF4-FFF2-40B4-BE49-F238E27FC236}">
+                <a16:creationId xmlns:a16="http://schemas.microsoft.com/office/drawing/2014/main" id="{5A4B9D87-4A32-4603-9B2B-8992F516F95E}"/>
+              </a:ext>
+            </a:extLst>
+          </p:cNvPr>
+          <p:cNvSpPr/>
+          <p:nvPr/>
+        </p:nvSpPr>
+        <p:spPr>
+          <a:xfrm>
+            <a:off x="613457" y="2086070"/>
+            <a:ext cx="1469985" cy="1041721"/>
+          </a:xfrm>
+          <a:prstGeom prst="rect">
+            <a:avLst/>
+          </a:prstGeom>
+          <a:solidFill>
+            <a:schemeClr val="accent2">
+              <a:lumMod val="75000"/>
+            </a:schemeClr>
+          </a:solidFill>
+          <a:ln>
+            <a:noFill/>
+          </a:ln>
+        </p:spPr>
+        <p:style>
+          <a:lnRef idx="2">
+            <a:schemeClr val="accent1">
+              <a:shade val="50000"/>
+            </a:schemeClr>
+          </a:lnRef>
+          <a:fillRef idx="1">
+            <a:schemeClr val="accent1"/>
+          </a:fillRef>
+          <a:effectRef idx="0">
+            <a:schemeClr val="accent1"/>
+          </a:effectRef>
+          <a:fontRef idx="minor">
+            <a:schemeClr val="lt1"/>
+          </a:fontRef>
+        </p:style>
+        <p:txBody>
+          <a:bodyPr rtlCol="0" anchor="ctr"/>
+          <a:lstStyle/>
+          <a:p>
+            <a:pPr algn="ctr"/>
+            <a:r>
+              <a:rPr lang="en-IN" sz="1800" dirty="0" err="1"/>
+              <a:t>Kube</a:t>
+            </a:r>
+            <a:r>
+              <a:rPr lang="en-IN" sz="1800" dirty="0"/>
+              <a:t> Controller Manager</a:t>
+            </a:r>
+          </a:p>
+        </p:txBody>
+      </p:sp>
+      <p:sp>
+        <p:nvSpPr>
+          <p:cNvPr id="7" name="Rectangle 6">
+            <a:extLst>
+              <a:ext uri="{FF2B5EF4-FFF2-40B4-BE49-F238E27FC236}">
+                <a16:creationId xmlns:a16="http://schemas.microsoft.com/office/drawing/2014/main" id="{5DD2489E-5A2A-4FBF-9F64-78611E804517}"/>
+              </a:ext>
+            </a:extLst>
+          </p:cNvPr>
+          <p:cNvSpPr/>
+          <p:nvPr/>
+        </p:nvSpPr>
+        <p:spPr>
+          <a:xfrm>
+            <a:off x="3313751" y="2089942"/>
+            <a:ext cx="1469985" cy="1041721"/>
+          </a:xfrm>
+          <a:prstGeom prst="rect">
+            <a:avLst/>
+          </a:prstGeom>
+          <a:solidFill>
+            <a:schemeClr val="accent4">
+              <a:lumMod val="75000"/>
+            </a:schemeClr>
+          </a:solidFill>
+          <a:ln>
+            <a:noFill/>
+          </a:ln>
+        </p:spPr>
+        <p:style>
+          <a:lnRef idx="2">
+            <a:schemeClr val="accent1">
+              <a:shade val="50000"/>
+            </a:schemeClr>
+          </a:lnRef>
+          <a:fillRef idx="1">
+            <a:schemeClr val="accent1"/>
+          </a:fillRef>
+          <a:effectRef idx="0">
+            <a:schemeClr val="accent1"/>
+          </a:effectRef>
+          <a:fontRef idx="minor">
+            <a:schemeClr val="lt1"/>
+          </a:fontRef>
+        </p:style>
+        <p:txBody>
+          <a:bodyPr rtlCol="0" anchor="ctr"/>
+          <a:lstStyle/>
+          <a:p>
+            <a:pPr algn="ctr"/>
+            <a:r>
+              <a:rPr lang="en-IN" sz="1800" dirty="0"/>
+              <a:t>Cloud Controller Manager</a:t>
+            </a:r>
+          </a:p>
+        </p:txBody>
+      </p:sp>
+      <p:sp>
+        <p:nvSpPr>
+          <p:cNvPr id="8" name="Rectangle 7">
+            <a:extLst>
+              <a:ext uri="{FF2B5EF4-FFF2-40B4-BE49-F238E27FC236}">
+                <a16:creationId xmlns:a16="http://schemas.microsoft.com/office/drawing/2014/main" id="{D5113BCF-03A4-4A84-9818-3EBEDCF464AC}"/>
+              </a:ext>
+            </a:extLst>
+          </p:cNvPr>
+          <p:cNvSpPr/>
+          <p:nvPr/>
+        </p:nvSpPr>
+        <p:spPr>
+          <a:xfrm>
+            <a:off x="613457" y="3740392"/>
+            <a:ext cx="4170279" cy="584776"/>
+          </a:xfrm>
+          <a:prstGeom prst="rect">
+            <a:avLst/>
+          </a:prstGeom>
+          <a:solidFill>
+            <a:schemeClr val="tx1">
+              <a:lumMod val="95000"/>
+              <a:lumOff val="5000"/>
+            </a:schemeClr>
+          </a:solidFill>
+          <a:ln>
+            <a:noFill/>
+          </a:ln>
+        </p:spPr>
+        <p:style>
+          <a:lnRef idx="2">
+            <a:schemeClr val="accent1">
+              <a:shade val="50000"/>
+            </a:schemeClr>
+          </a:lnRef>
+          <a:fillRef idx="1">
+            <a:schemeClr val="accent1"/>
+          </a:fillRef>
+          <a:effectRef idx="0">
+            <a:schemeClr val="accent1"/>
+          </a:effectRef>
+          <a:fontRef idx="minor">
+            <a:schemeClr val="lt1"/>
+          </a:fontRef>
+        </p:style>
+        <p:txBody>
+          <a:bodyPr rtlCol="0" anchor="ctr"/>
+          <a:lstStyle/>
+          <a:p>
+            <a:pPr algn="ctr"/>
+            <a:r>
+              <a:rPr lang="en-IN" sz="1800" dirty="0" err="1"/>
+              <a:t>kube-apiserver</a:t>
+            </a:r>
+            <a:endParaRPr lang="en-IN" sz="1800" dirty="0"/>
+          </a:p>
+        </p:txBody>
+      </p:sp>
+      <p:sp>
+        <p:nvSpPr>
+          <p:cNvPr id="9" name="Rectangle 8">
+            <a:extLst>
+              <a:ext uri="{FF2B5EF4-FFF2-40B4-BE49-F238E27FC236}">
+                <a16:creationId xmlns:a16="http://schemas.microsoft.com/office/drawing/2014/main" id="{BD226CD4-907D-4280-AA42-EB153B5FFC39}"/>
+              </a:ext>
+            </a:extLst>
+          </p:cNvPr>
+          <p:cNvSpPr/>
+          <p:nvPr/>
+        </p:nvSpPr>
+        <p:spPr>
+          <a:xfrm>
+            <a:off x="3328434" y="5028792"/>
+            <a:ext cx="1469985" cy="1041721"/>
+          </a:xfrm>
+          <a:prstGeom prst="rect">
+            <a:avLst/>
+          </a:prstGeom>
+          <a:solidFill>
+            <a:schemeClr val="accent1">
+              <a:lumMod val="75000"/>
+            </a:schemeClr>
+          </a:solidFill>
+          <a:ln>
+            <a:noFill/>
+          </a:ln>
+        </p:spPr>
+        <p:style>
+          <a:lnRef idx="2">
+            <a:schemeClr val="accent1">
+              <a:shade val="50000"/>
+            </a:schemeClr>
+          </a:lnRef>
+          <a:fillRef idx="1">
+            <a:schemeClr val="accent1"/>
+          </a:fillRef>
+          <a:effectRef idx="0">
+            <a:schemeClr val="accent1"/>
+          </a:effectRef>
+          <a:fontRef idx="minor">
+            <a:schemeClr val="lt1"/>
+          </a:fontRef>
+        </p:style>
+        <p:txBody>
+          <a:bodyPr rtlCol="0" anchor="ctr"/>
+          <a:lstStyle/>
+          <a:p>
+            <a:pPr algn="ctr"/>
+            <a:r>
+              <a:rPr lang="en-IN" sz="1800" dirty="0" err="1"/>
+              <a:t>kube</a:t>
+            </a:r>
+            <a:r>
+              <a:rPr lang="en-IN" sz="1800" dirty="0"/>
+              <a:t>-scheduler</a:t>
+            </a:r>
+          </a:p>
+        </p:txBody>
+      </p:sp>
+      <p:sp>
+        <p:nvSpPr>
+          <p:cNvPr id="10" name="Rectangle 9">
+            <a:extLst>
+              <a:ext uri="{FF2B5EF4-FFF2-40B4-BE49-F238E27FC236}">
+                <a16:creationId xmlns:a16="http://schemas.microsoft.com/office/drawing/2014/main" id="{719629FC-2B11-45FC-A29A-4200DD758267}"/>
+              </a:ext>
+            </a:extLst>
+          </p:cNvPr>
+          <p:cNvSpPr/>
+          <p:nvPr/>
+        </p:nvSpPr>
+        <p:spPr>
+          <a:xfrm>
+            <a:off x="628139" y="5028792"/>
+            <a:ext cx="1469985" cy="1041721"/>
+          </a:xfrm>
+          <a:prstGeom prst="rect">
+            <a:avLst/>
+          </a:prstGeom>
+          <a:solidFill>
+            <a:schemeClr val="accent3">
+              <a:lumMod val="75000"/>
+            </a:schemeClr>
+          </a:solidFill>
+          <a:ln>
+            <a:noFill/>
+          </a:ln>
+        </p:spPr>
+        <p:style>
+          <a:lnRef idx="2">
+            <a:schemeClr val="accent1">
+              <a:shade val="50000"/>
+            </a:schemeClr>
+          </a:lnRef>
+          <a:fillRef idx="1">
+            <a:schemeClr val="accent1"/>
+          </a:fillRef>
+          <a:effectRef idx="0">
+            <a:schemeClr val="accent1"/>
+          </a:effectRef>
+          <a:fontRef idx="minor">
+            <a:schemeClr val="lt1"/>
+          </a:fontRef>
+        </p:style>
+        <p:txBody>
+          <a:bodyPr rtlCol="0" anchor="ctr"/>
+          <a:lstStyle/>
+          <a:p>
+            <a:pPr algn="ctr"/>
+            <a:r>
+              <a:rPr lang="en-IN" sz="1800" dirty="0" err="1"/>
+              <a:t>etcd</a:t>
+            </a:r>
+            <a:endParaRPr lang="en-IN" sz="1800" dirty="0"/>
+          </a:p>
+        </p:txBody>
+      </p:sp>
+      <p:sp>
+        <p:nvSpPr>
+          <p:cNvPr id="11" name="Rectangle 10">
+            <a:extLst>
+              <a:ext uri="{FF2B5EF4-FFF2-40B4-BE49-F238E27FC236}">
+                <a16:creationId xmlns:a16="http://schemas.microsoft.com/office/drawing/2014/main" id="{1C4D42D6-E191-4E9A-8951-F30AFFC6FC23}"/>
+              </a:ext>
+            </a:extLst>
+          </p:cNvPr>
+          <p:cNvSpPr/>
+          <p:nvPr/>
+        </p:nvSpPr>
+        <p:spPr>
+          <a:xfrm>
+            <a:off x="514322" y="6452547"/>
+            <a:ext cx="4420595" cy="393524"/>
+          </a:xfrm>
+          <a:prstGeom prst="rect">
+            <a:avLst/>
+          </a:prstGeom>
+          <a:solidFill>
+            <a:srgbClr val="00B050"/>
+          </a:solidFill>
+          <a:ln>
+            <a:noFill/>
+          </a:ln>
+        </p:spPr>
+        <p:style>
+          <a:lnRef idx="2">
+            <a:schemeClr val="accent1">
+              <a:shade val="50000"/>
+            </a:schemeClr>
+          </a:lnRef>
+          <a:fillRef idx="1">
+            <a:schemeClr val="accent1"/>
+          </a:fillRef>
+          <a:effectRef idx="0">
+            <a:schemeClr val="accent1"/>
+          </a:effectRef>
+          <a:fontRef idx="minor">
+            <a:schemeClr val="lt1"/>
+          </a:fontRef>
+        </p:style>
+        <p:txBody>
+          <a:bodyPr rtlCol="0" anchor="ctr"/>
+          <a:lstStyle/>
+          <a:p>
+            <a:pPr algn="ctr"/>
+            <a:r>
+              <a:rPr lang="en-IN" sz="1800" dirty="0"/>
+              <a:t>Container Runtime (Docker)</a:t>
+            </a:r>
+          </a:p>
+        </p:txBody>
+      </p:sp>
+      <p:sp>
+        <p:nvSpPr>
+          <p:cNvPr id="12" name="TextBox 11">
+            <a:extLst>
+              <a:ext uri="{FF2B5EF4-FFF2-40B4-BE49-F238E27FC236}">
+                <a16:creationId xmlns:a16="http://schemas.microsoft.com/office/drawing/2014/main" id="{00DEE5A2-B43E-4F4B-8DB4-AEE0FC54A5F6}"/>
+              </a:ext>
+            </a:extLst>
+          </p:cNvPr>
+          <p:cNvSpPr txBox="1"/>
+          <p:nvPr/>
+        </p:nvSpPr>
+        <p:spPr>
+          <a:xfrm>
+            <a:off x="2083442" y="1369113"/>
+            <a:ext cx="1461234" cy="584775"/>
+          </a:xfrm>
+          <a:prstGeom prst="rect">
+            <a:avLst/>
+          </a:prstGeom>
+          <a:noFill/>
+        </p:spPr>
+        <p:txBody>
+          <a:bodyPr wrap="none" rtlCol="0">
+            <a:spAutoFit/>
+          </a:bodyPr>
+          <a:lstStyle/>
+          <a:p>
+            <a:r>
+              <a:rPr lang="en-IN" sz="3200" dirty="0">
+                <a:solidFill>
+                  <a:srgbClr val="0070C0"/>
+                </a:solidFill>
+              </a:rPr>
+              <a:t>Master </a:t>
+            </a:r>
+          </a:p>
+        </p:txBody>
+      </p:sp>
+      <p:sp>
+        <p:nvSpPr>
+          <p:cNvPr id="32" name="Rectangle 31">
+            <a:extLst>
+              <a:ext uri="{FF2B5EF4-FFF2-40B4-BE49-F238E27FC236}">
+                <a16:creationId xmlns:a16="http://schemas.microsoft.com/office/drawing/2014/main" id="{EC62D69E-22E7-423F-B81E-31C29DDEE0C5}"/>
+              </a:ext>
+            </a:extLst>
+          </p:cNvPr>
+          <p:cNvSpPr/>
+          <p:nvPr/>
+        </p:nvSpPr>
+        <p:spPr>
+          <a:xfrm>
+            <a:off x="3177551" y="1977482"/>
+            <a:ext cx="1713620" cy="1273215"/>
+          </a:xfrm>
+          <a:prstGeom prst="rect">
+            <a:avLst/>
+          </a:prstGeom>
+          <a:noFill/>
+          <a:ln w="31750">
+            <a:solidFill>
+              <a:schemeClr val="accent4">
+                <a:lumMod val="75000"/>
+              </a:schemeClr>
+            </a:solidFill>
+          </a:ln>
+        </p:spPr>
+        <p:style>
+          <a:lnRef idx="2">
+            <a:schemeClr val="accent1">
+              <a:shade val="50000"/>
+            </a:schemeClr>
+          </a:lnRef>
+          <a:fillRef idx="1">
+            <a:schemeClr val="accent1"/>
+          </a:fillRef>
+          <a:effectRef idx="0">
+            <a:schemeClr val="accent1"/>
+          </a:effectRef>
+          <a:fontRef idx="minor">
+            <a:schemeClr val="lt1"/>
+          </a:fontRef>
+        </p:style>
+        <p:txBody>
+          <a:bodyPr rtlCol="0" anchor="ctr"/>
+          <a:lstStyle/>
+          <a:p>
+            <a:pPr algn="ctr"/>
+            <a:endParaRPr lang="en-IN"/>
+          </a:p>
+        </p:txBody>
+      </p:sp>
+      <p:sp>
+        <p:nvSpPr>
+          <p:cNvPr id="37" name="Rectangle 36">
+            <a:extLst>
+              <a:ext uri="{FF2B5EF4-FFF2-40B4-BE49-F238E27FC236}">
+                <a16:creationId xmlns:a16="http://schemas.microsoft.com/office/drawing/2014/main" id="{FDB7ABAC-3B9D-4C8B-8D8F-BAD420920277}"/>
+              </a:ext>
+            </a:extLst>
+          </p:cNvPr>
+          <p:cNvSpPr/>
+          <p:nvPr/>
+        </p:nvSpPr>
+        <p:spPr>
+          <a:xfrm>
+            <a:off x="499640" y="1967851"/>
+            <a:ext cx="1713620" cy="1273215"/>
+          </a:xfrm>
+          <a:prstGeom prst="rect">
+            <a:avLst/>
+          </a:prstGeom>
+          <a:noFill/>
+          <a:ln w="31750">
+            <a:solidFill>
+              <a:schemeClr val="accent2">
+                <a:lumMod val="75000"/>
+              </a:schemeClr>
+            </a:solidFill>
+          </a:ln>
+        </p:spPr>
+        <p:style>
+          <a:lnRef idx="2">
+            <a:schemeClr val="accent1">
+              <a:shade val="50000"/>
+            </a:schemeClr>
+          </a:lnRef>
+          <a:fillRef idx="1">
+            <a:schemeClr val="accent1"/>
+          </a:fillRef>
+          <a:effectRef idx="0">
+            <a:schemeClr val="accent1"/>
+          </a:effectRef>
+          <a:fontRef idx="minor">
+            <a:schemeClr val="lt1"/>
+          </a:fontRef>
+        </p:style>
+        <p:txBody>
+          <a:bodyPr rtlCol="0" anchor="ctr"/>
+          <a:lstStyle/>
+          <a:p>
+            <a:pPr algn="ctr"/>
+            <a:endParaRPr lang="en-IN"/>
+          </a:p>
+        </p:txBody>
+      </p:sp>
+      <p:sp>
+        <p:nvSpPr>
+          <p:cNvPr id="38" name="Rectangle 37">
+            <a:extLst>
+              <a:ext uri="{FF2B5EF4-FFF2-40B4-BE49-F238E27FC236}">
+                <a16:creationId xmlns:a16="http://schemas.microsoft.com/office/drawing/2014/main" id="{4390C2FE-1053-4A1B-A56F-DF605F5B1E33}"/>
+              </a:ext>
+            </a:extLst>
+          </p:cNvPr>
+          <p:cNvSpPr/>
+          <p:nvPr/>
+        </p:nvSpPr>
+        <p:spPr>
+          <a:xfrm>
+            <a:off x="511496" y="3589230"/>
+            <a:ext cx="4368099" cy="894949"/>
+          </a:xfrm>
+          <a:prstGeom prst="rect">
+            <a:avLst/>
+          </a:prstGeom>
+          <a:noFill/>
+          <a:ln w="31750">
+            <a:solidFill>
+              <a:schemeClr val="tx1">
+                <a:lumMod val="95000"/>
+                <a:lumOff val="5000"/>
+              </a:schemeClr>
+            </a:solidFill>
+          </a:ln>
+        </p:spPr>
+        <p:style>
+          <a:lnRef idx="2">
+            <a:schemeClr val="accent1">
+              <a:shade val="50000"/>
+            </a:schemeClr>
+          </a:lnRef>
+          <a:fillRef idx="1">
+            <a:schemeClr val="accent1"/>
+          </a:fillRef>
+          <a:effectRef idx="0">
+            <a:schemeClr val="accent1"/>
+          </a:effectRef>
+          <a:fontRef idx="minor">
+            <a:schemeClr val="lt1"/>
+          </a:fontRef>
+        </p:style>
+        <p:txBody>
+          <a:bodyPr rtlCol="0" anchor="ctr"/>
+          <a:lstStyle/>
+          <a:p>
+            <a:pPr algn="ctr"/>
+            <a:endParaRPr lang="en-IN"/>
+          </a:p>
+        </p:txBody>
+      </p:sp>
+      <p:sp>
+        <p:nvSpPr>
+          <p:cNvPr id="39" name="Rectangle 38">
+            <a:extLst>
+              <a:ext uri="{FF2B5EF4-FFF2-40B4-BE49-F238E27FC236}">
+                <a16:creationId xmlns:a16="http://schemas.microsoft.com/office/drawing/2014/main" id="{6AD6185F-F358-4C5D-B77D-3D8A625E0F76}"/>
+              </a:ext>
+            </a:extLst>
+          </p:cNvPr>
+          <p:cNvSpPr/>
+          <p:nvPr/>
+        </p:nvSpPr>
+        <p:spPr>
+          <a:xfrm>
+            <a:off x="514322" y="4908748"/>
+            <a:ext cx="1713620" cy="1273215"/>
+          </a:xfrm>
+          <a:prstGeom prst="rect">
+            <a:avLst/>
+          </a:prstGeom>
+          <a:noFill/>
+          <a:ln w="31750">
+            <a:solidFill>
+              <a:schemeClr val="accent3">
+                <a:lumMod val="75000"/>
+              </a:schemeClr>
+            </a:solidFill>
+          </a:ln>
+        </p:spPr>
+        <p:style>
+          <a:lnRef idx="2">
+            <a:schemeClr val="accent1">
+              <a:shade val="50000"/>
+            </a:schemeClr>
+          </a:lnRef>
+          <a:fillRef idx="1">
+            <a:schemeClr val="accent1"/>
+          </a:fillRef>
+          <a:effectRef idx="0">
+            <a:schemeClr val="accent1"/>
+          </a:effectRef>
+          <a:fontRef idx="minor">
+            <a:schemeClr val="lt1"/>
+          </a:fontRef>
+        </p:style>
+        <p:txBody>
+          <a:bodyPr rtlCol="0" anchor="ctr"/>
+          <a:lstStyle/>
+          <a:p>
+            <a:pPr algn="ctr"/>
+            <a:endParaRPr lang="en-IN"/>
+          </a:p>
+        </p:txBody>
+      </p:sp>
+      <p:sp>
+        <p:nvSpPr>
+          <p:cNvPr id="40" name="Rectangle 39">
+            <a:extLst>
+              <a:ext uri="{FF2B5EF4-FFF2-40B4-BE49-F238E27FC236}">
+                <a16:creationId xmlns:a16="http://schemas.microsoft.com/office/drawing/2014/main" id="{3D733293-C1C6-4E0B-AB61-6DE8894C4EC8}"/>
+              </a:ext>
+            </a:extLst>
+          </p:cNvPr>
+          <p:cNvSpPr/>
+          <p:nvPr/>
+        </p:nvSpPr>
+        <p:spPr>
+          <a:xfrm>
+            <a:off x="3206615" y="4908748"/>
+            <a:ext cx="1713620" cy="1273215"/>
+          </a:xfrm>
+          <a:prstGeom prst="rect">
+            <a:avLst/>
+          </a:prstGeom>
+          <a:noFill/>
+          <a:ln w="31750">
+            <a:solidFill>
+              <a:schemeClr val="accent1">
+                <a:lumMod val="75000"/>
+              </a:schemeClr>
+            </a:solidFill>
+          </a:ln>
+        </p:spPr>
+        <p:style>
+          <a:lnRef idx="2">
+            <a:schemeClr val="accent1">
+              <a:shade val="50000"/>
+            </a:schemeClr>
+          </a:lnRef>
+          <a:fillRef idx="1">
+            <a:schemeClr val="accent1"/>
+          </a:fillRef>
+          <a:effectRef idx="0">
+            <a:schemeClr val="accent1"/>
+          </a:effectRef>
+          <a:fontRef idx="minor">
+            <a:schemeClr val="lt1"/>
+          </a:fontRef>
+        </p:style>
+        <p:txBody>
+          <a:bodyPr rtlCol="0" anchor="ctr"/>
+          <a:lstStyle/>
+          <a:p>
+            <a:pPr algn="ctr"/>
+            <a:endParaRPr lang="en-IN"/>
+          </a:p>
+        </p:txBody>
+      </p:sp>
+      <p:sp>
+        <p:nvSpPr>
+          <p:cNvPr id="50" name="Content Placeholder 2">
+            <a:extLst>
+              <a:ext uri="{FF2B5EF4-FFF2-40B4-BE49-F238E27FC236}">
+                <a16:creationId xmlns:a16="http://schemas.microsoft.com/office/drawing/2014/main" id="{9B34FA18-BECA-4707-891C-9C1672B52BD5}"/>
+              </a:ext>
+            </a:extLst>
+          </p:cNvPr>
+          <p:cNvSpPr>
+            <a:spLocks noGrp="1"/>
+          </p:cNvSpPr>
+          <p:nvPr>
+            <p:ph idx="1"/>
+          </p:nvPr>
+        </p:nvSpPr>
+        <p:spPr>
+          <a:xfrm>
+            <a:off x="5416952" y="1369113"/>
+            <a:ext cx="8207608" cy="6043242"/>
+          </a:xfrm>
+        </p:spPr>
+        <p:txBody>
+          <a:bodyPr>
+            <a:normAutofit fontScale="85000" lnSpcReduction="20000"/>
+          </a:bodyPr>
+          <a:lstStyle/>
+          <a:p>
+            <a:r>
+              <a:rPr lang="en-IN" dirty="0" err="1">
+                <a:solidFill>
+                  <a:schemeClr val="accent6">
+                    <a:lumMod val="75000"/>
+                  </a:schemeClr>
+                </a:solidFill>
+              </a:rPr>
+              <a:t>kube-apiserver</a:t>
+            </a:r>
+            <a:endParaRPr lang="en-IN" dirty="0">
+              <a:solidFill>
+                <a:schemeClr val="accent6">
+                  <a:lumMod val="75000"/>
+                </a:schemeClr>
+              </a:solidFill>
+            </a:endParaRPr>
+          </a:p>
+          <a:p>
+            <a:pPr lvl="1"/>
+            <a:r>
+              <a:rPr lang="en-IN" dirty="0"/>
+              <a:t>It </a:t>
+            </a:r>
+            <a:r>
+              <a:rPr lang="en-US" dirty="0"/>
+              <a:t>acts as </a:t>
+            </a:r>
+            <a:r>
+              <a:rPr lang="en-US" dirty="0">
+                <a:solidFill>
+                  <a:srgbClr val="0070C0"/>
+                </a:solidFill>
+              </a:rPr>
+              <a:t>front end </a:t>
+            </a:r>
+            <a:r>
+              <a:rPr lang="en-US" dirty="0"/>
+              <a:t>for the Kubernetes control plane. </a:t>
+            </a:r>
+            <a:r>
+              <a:rPr lang="en-IN" dirty="0"/>
+              <a:t>It </a:t>
+            </a:r>
+            <a:r>
+              <a:rPr lang="en-IN" dirty="0">
+                <a:solidFill>
+                  <a:srgbClr val="0070C0"/>
+                </a:solidFill>
+              </a:rPr>
+              <a:t>exposes</a:t>
+            </a:r>
+            <a:r>
+              <a:rPr lang="en-IN" dirty="0"/>
+              <a:t> the Kubernetes API</a:t>
+            </a:r>
+          </a:p>
+          <a:p>
+            <a:pPr lvl="1"/>
+            <a:r>
+              <a:rPr lang="en-IN" dirty="0"/>
+              <a:t>Command line tools (like </a:t>
+            </a:r>
+            <a:r>
+              <a:rPr lang="en-IN" dirty="0" err="1"/>
+              <a:t>kubectl</a:t>
+            </a:r>
+            <a:r>
+              <a:rPr lang="en-IN" dirty="0"/>
+              <a:t>), Users and even Master components (scheduler, controller manager, </a:t>
+            </a:r>
+            <a:r>
+              <a:rPr lang="en-IN" dirty="0" err="1"/>
+              <a:t>etcd</a:t>
+            </a:r>
+            <a:r>
+              <a:rPr lang="en-IN" dirty="0"/>
+              <a:t>) and Worker node components like (</a:t>
+            </a:r>
+            <a:r>
+              <a:rPr lang="en-IN" dirty="0" err="1"/>
+              <a:t>Kubelet</a:t>
+            </a:r>
+            <a:r>
+              <a:rPr lang="en-IN" dirty="0"/>
+              <a:t>) </a:t>
+            </a:r>
+            <a:r>
+              <a:rPr lang="en-IN" dirty="0">
+                <a:solidFill>
+                  <a:srgbClr val="0070C0"/>
+                </a:solidFill>
+              </a:rPr>
+              <a:t>everything talk </a:t>
+            </a:r>
+            <a:r>
+              <a:rPr lang="en-IN" dirty="0"/>
+              <a:t>with API Server. </a:t>
+            </a:r>
+          </a:p>
+          <a:p>
+            <a:r>
+              <a:rPr lang="en-IN" dirty="0" err="1">
+                <a:solidFill>
+                  <a:schemeClr val="accent6">
+                    <a:lumMod val="75000"/>
+                  </a:schemeClr>
+                </a:solidFill>
+              </a:rPr>
+              <a:t>etcd</a:t>
+            </a:r>
+            <a:endParaRPr lang="en-IN" dirty="0">
+              <a:solidFill>
+                <a:schemeClr val="accent6">
+                  <a:lumMod val="75000"/>
+                </a:schemeClr>
+              </a:solidFill>
+            </a:endParaRPr>
+          </a:p>
+          <a:p>
+            <a:pPr lvl="1"/>
+            <a:r>
+              <a:rPr lang="en-US" dirty="0"/>
+              <a:t>Consistent and highly-available </a:t>
+            </a:r>
+            <a:r>
+              <a:rPr lang="en-US" dirty="0">
+                <a:solidFill>
+                  <a:srgbClr val="0070C0"/>
+                </a:solidFill>
+              </a:rPr>
+              <a:t>key value store </a:t>
+            </a:r>
+            <a:r>
+              <a:rPr lang="en-US" dirty="0"/>
+              <a:t>used as Kubernetes’ </a:t>
+            </a:r>
+            <a:r>
+              <a:rPr lang="en-US" dirty="0">
+                <a:solidFill>
+                  <a:srgbClr val="0070C0"/>
+                </a:solidFill>
+              </a:rPr>
+              <a:t>backing store</a:t>
+            </a:r>
+            <a:r>
+              <a:rPr lang="en-US" dirty="0"/>
+              <a:t> for all cluster data.</a:t>
+            </a:r>
+          </a:p>
+          <a:p>
+            <a:pPr lvl="1"/>
+            <a:r>
+              <a:rPr lang="en-US" dirty="0"/>
+              <a:t>It </a:t>
+            </a:r>
+            <a:r>
+              <a:rPr lang="en-US" dirty="0">
+                <a:solidFill>
+                  <a:srgbClr val="0070C0"/>
+                </a:solidFill>
+              </a:rPr>
+              <a:t>stores</a:t>
+            </a:r>
+            <a:r>
+              <a:rPr lang="en-US" dirty="0"/>
+              <a:t> all the masters and worker node information. </a:t>
+            </a:r>
+          </a:p>
+          <a:p>
+            <a:r>
+              <a:rPr lang="en-IN" dirty="0" err="1">
+                <a:solidFill>
+                  <a:schemeClr val="accent6">
+                    <a:lumMod val="75000"/>
+                  </a:schemeClr>
+                </a:solidFill>
+              </a:rPr>
+              <a:t>kube</a:t>
+            </a:r>
+            <a:r>
+              <a:rPr lang="en-IN" dirty="0">
+                <a:solidFill>
+                  <a:schemeClr val="accent6">
+                    <a:lumMod val="75000"/>
+                  </a:schemeClr>
+                </a:solidFill>
+              </a:rPr>
+              <a:t>-scheduler</a:t>
+            </a:r>
+          </a:p>
+          <a:p>
+            <a:pPr lvl="1"/>
+            <a:r>
+              <a:rPr lang="en-US" dirty="0"/>
+              <a:t>Scheduler is responsible for distributing containers across multiple nodes.  </a:t>
+            </a:r>
+          </a:p>
+          <a:p>
+            <a:pPr lvl="1"/>
+            <a:r>
+              <a:rPr lang="en-US" dirty="0"/>
+              <a:t>It watches for newly created Pods with no assigned node, and selects a node for them to run on.</a:t>
+            </a:r>
+            <a:br>
+              <a:rPr lang="en-IN" dirty="0"/>
+            </a:br>
+            <a:br>
+              <a:rPr lang="en-US" dirty="0"/>
+            </a:br>
+            <a:endParaRPr lang="en-IN" dirty="0"/>
+          </a:p>
+          <a:p>
+            <a:pPr lvl="1"/>
+            <a:endParaRPr lang="en-IN" dirty="0"/>
           </a:p>
         </p:txBody>
       </p:sp>
@@ -3525,6 +6546,2875 @@
     <p:extLst>
       <p:ext uri="{BB962C8B-B14F-4D97-AF65-F5344CB8AC3E}">
         <p14:creationId xmlns:p14="http://schemas.microsoft.com/office/powerpoint/2010/main" val="3481746967"/>
+      </p:ext>
+    </p:extLst>
+  </p:cSld>
+  <p:clrMapOvr>
+    <a:masterClrMapping/>
+  </p:clrMapOvr>
+</p:sld>
+</file>
+
+<file path=ppt/slides/slide7.xml><?xml version="1.0" encoding="utf-8"?>
+<p:sld xmlns:a="http://schemas.openxmlformats.org/drawingml/2006/main" xmlns:r="http://schemas.openxmlformats.org/officeDocument/2006/relationships" xmlns:p="http://schemas.openxmlformats.org/presentationml/2006/main">
+  <p:cSld>
+    <p:spTree>
+      <p:nvGrpSpPr>
+        <p:cNvPr id="1" name=""/>
+        <p:cNvGrpSpPr/>
+        <p:nvPr/>
+      </p:nvGrpSpPr>
+      <p:grpSpPr>
+        <a:xfrm>
+          <a:off x="0" y="0"/>
+          <a:ext cx="0" cy="0"/>
+          <a:chOff x="0" y="0"/>
+          <a:chExt cx="0" cy="0"/>
+        </a:xfrm>
+      </p:grpSpPr>
+      <p:sp>
+        <p:nvSpPr>
+          <p:cNvPr id="2" name="Footer Placeholder 1">
+            <a:extLst>
+              <a:ext uri="{FF2B5EF4-FFF2-40B4-BE49-F238E27FC236}">
+                <a16:creationId xmlns:a16="http://schemas.microsoft.com/office/drawing/2014/main" id="{78819D0E-61B2-4717-949A-53CE5D358278}"/>
+              </a:ext>
+            </a:extLst>
+          </p:cNvPr>
+          <p:cNvSpPr>
+            <a:spLocks noGrp="1"/>
+          </p:cNvSpPr>
+          <p:nvPr>
+            <p:ph type="ftr" sz="quarter" idx="10"/>
+          </p:nvPr>
+        </p:nvSpPr>
+        <p:spPr/>
+        <p:txBody>
+          <a:bodyPr/>
+          <a:lstStyle/>
+          <a:p>
+            <a:pPr algn="l"/>
+            <a:r>
+              <a:rPr lang="en-US" dirty="0"/>
+              <a:t>© Kalyan Reddy </a:t>
+            </a:r>
+            <a:r>
+              <a:rPr lang="en-US" dirty="0" err="1"/>
+              <a:t>Daida</a:t>
+            </a:r>
+            <a:endParaRPr lang="en-GB" dirty="0"/>
+          </a:p>
+        </p:txBody>
+      </p:sp>
+      <p:sp>
+        <p:nvSpPr>
+          <p:cNvPr id="4" name="Title 3">
+            <a:extLst>
+              <a:ext uri="{FF2B5EF4-FFF2-40B4-BE49-F238E27FC236}">
+                <a16:creationId xmlns:a16="http://schemas.microsoft.com/office/drawing/2014/main" id="{F8840114-9439-4B2E-A512-1F12425EB200}"/>
+              </a:ext>
+            </a:extLst>
+          </p:cNvPr>
+          <p:cNvSpPr>
+            <a:spLocks noGrp="1"/>
+          </p:cNvSpPr>
+          <p:nvPr>
+            <p:ph type="title"/>
+          </p:nvPr>
+        </p:nvSpPr>
+        <p:spPr>
+          <a:xfrm>
+            <a:off x="1039407" y="-145598"/>
+            <a:ext cx="12618720" cy="1188851"/>
+          </a:xfrm>
+        </p:spPr>
+        <p:txBody>
+          <a:bodyPr/>
+          <a:lstStyle/>
+          <a:p>
+            <a:r>
+              <a:rPr lang="en-IN" dirty="0"/>
+              <a:t>Kubernetes Architecture - </a:t>
+            </a:r>
+            <a:r>
+              <a:rPr lang="en-IN" dirty="0">
+                <a:solidFill>
+                  <a:srgbClr val="00B050"/>
+                </a:solidFill>
+              </a:rPr>
+              <a:t>Master</a:t>
+            </a:r>
+          </a:p>
+        </p:txBody>
+      </p:sp>
+      <p:sp>
+        <p:nvSpPr>
+          <p:cNvPr id="5" name="Rectangle 4">
+            <a:extLst>
+              <a:ext uri="{FF2B5EF4-FFF2-40B4-BE49-F238E27FC236}">
+                <a16:creationId xmlns:a16="http://schemas.microsoft.com/office/drawing/2014/main" id="{119EBDD3-C074-4FD1-90DE-DBEA7232FDD0}"/>
+              </a:ext>
+            </a:extLst>
+          </p:cNvPr>
+          <p:cNvSpPr/>
+          <p:nvPr/>
+        </p:nvSpPr>
+        <p:spPr>
+          <a:xfrm>
+            <a:off x="297349" y="1369113"/>
+            <a:ext cx="4761187" cy="5747543"/>
+          </a:xfrm>
+          <a:prstGeom prst="rect">
+            <a:avLst/>
+          </a:prstGeom>
+          <a:noFill/>
+          <a:ln w="63500">
+            <a:solidFill>
+              <a:srgbClr val="0070C0"/>
+            </a:solidFill>
+          </a:ln>
+        </p:spPr>
+        <p:style>
+          <a:lnRef idx="2">
+            <a:schemeClr val="accent1">
+              <a:shade val="50000"/>
+            </a:schemeClr>
+          </a:lnRef>
+          <a:fillRef idx="1">
+            <a:schemeClr val="accent1"/>
+          </a:fillRef>
+          <a:effectRef idx="0">
+            <a:schemeClr val="accent1"/>
+          </a:effectRef>
+          <a:fontRef idx="minor">
+            <a:schemeClr val="lt1"/>
+          </a:fontRef>
+        </p:style>
+        <p:txBody>
+          <a:bodyPr rtlCol="0" anchor="ctr"/>
+          <a:lstStyle/>
+          <a:p>
+            <a:pPr algn="ctr"/>
+            <a:endParaRPr lang="en-IN"/>
+          </a:p>
+        </p:txBody>
+      </p:sp>
+      <p:sp>
+        <p:nvSpPr>
+          <p:cNvPr id="6" name="Rectangle 5">
+            <a:extLst>
+              <a:ext uri="{FF2B5EF4-FFF2-40B4-BE49-F238E27FC236}">
+                <a16:creationId xmlns:a16="http://schemas.microsoft.com/office/drawing/2014/main" id="{5A4B9D87-4A32-4603-9B2B-8992F516F95E}"/>
+              </a:ext>
+            </a:extLst>
+          </p:cNvPr>
+          <p:cNvSpPr/>
+          <p:nvPr/>
+        </p:nvSpPr>
+        <p:spPr>
+          <a:xfrm>
+            <a:off x="613457" y="2086070"/>
+            <a:ext cx="1469985" cy="1041721"/>
+          </a:xfrm>
+          <a:prstGeom prst="rect">
+            <a:avLst/>
+          </a:prstGeom>
+          <a:solidFill>
+            <a:schemeClr val="accent2">
+              <a:lumMod val="75000"/>
+            </a:schemeClr>
+          </a:solidFill>
+          <a:ln>
+            <a:noFill/>
+          </a:ln>
+        </p:spPr>
+        <p:style>
+          <a:lnRef idx="2">
+            <a:schemeClr val="accent1">
+              <a:shade val="50000"/>
+            </a:schemeClr>
+          </a:lnRef>
+          <a:fillRef idx="1">
+            <a:schemeClr val="accent1"/>
+          </a:fillRef>
+          <a:effectRef idx="0">
+            <a:schemeClr val="accent1"/>
+          </a:effectRef>
+          <a:fontRef idx="minor">
+            <a:schemeClr val="lt1"/>
+          </a:fontRef>
+        </p:style>
+        <p:txBody>
+          <a:bodyPr rtlCol="0" anchor="ctr"/>
+          <a:lstStyle/>
+          <a:p>
+            <a:pPr algn="ctr"/>
+            <a:r>
+              <a:rPr lang="en-IN" sz="1800" dirty="0" err="1"/>
+              <a:t>Kube</a:t>
+            </a:r>
+            <a:r>
+              <a:rPr lang="en-IN" sz="1800" dirty="0"/>
+              <a:t> Controller Manager</a:t>
+            </a:r>
+          </a:p>
+        </p:txBody>
+      </p:sp>
+      <p:sp>
+        <p:nvSpPr>
+          <p:cNvPr id="7" name="Rectangle 6">
+            <a:extLst>
+              <a:ext uri="{FF2B5EF4-FFF2-40B4-BE49-F238E27FC236}">
+                <a16:creationId xmlns:a16="http://schemas.microsoft.com/office/drawing/2014/main" id="{5DD2489E-5A2A-4FBF-9F64-78611E804517}"/>
+              </a:ext>
+            </a:extLst>
+          </p:cNvPr>
+          <p:cNvSpPr/>
+          <p:nvPr/>
+        </p:nvSpPr>
+        <p:spPr>
+          <a:xfrm>
+            <a:off x="3313751" y="2089942"/>
+            <a:ext cx="1469985" cy="1041721"/>
+          </a:xfrm>
+          <a:prstGeom prst="rect">
+            <a:avLst/>
+          </a:prstGeom>
+          <a:solidFill>
+            <a:schemeClr val="accent4">
+              <a:lumMod val="75000"/>
+            </a:schemeClr>
+          </a:solidFill>
+          <a:ln>
+            <a:noFill/>
+          </a:ln>
+        </p:spPr>
+        <p:style>
+          <a:lnRef idx="2">
+            <a:schemeClr val="accent1">
+              <a:shade val="50000"/>
+            </a:schemeClr>
+          </a:lnRef>
+          <a:fillRef idx="1">
+            <a:schemeClr val="accent1"/>
+          </a:fillRef>
+          <a:effectRef idx="0">
+            <a:schemeClr val="accent1"/>
+          </a:effectRef>
+          <a:fontRef idx="minor">
+            <a:schemeClr val="lt1"/>
+          </a:fontRef>
+        </p:style>
+        <p:txBody>
+          <a:bodyPr rtlCol="0" anchor="ctr"/>
+          <a:lstStyle/>
+          <a:p>
+            <a:pPr algn="ctr"/>
+            <a:r>
+              <a:rPr lang="en-IN" sz="1800" dirty="0"/>
+              <a:t>Cloud Controller Manager</a:t>
+            </a:r>
+          </a:p>
+        </p:txBody>
+      </p:sp>
+      <p:sp>
+        <p:nvSpPr>
+          <p:cNvPr id="8" name="Rectangle 7">
+            <a:extLst>
+              <a:ext uri="{FF2B5EF4-FFF2-40B4-BE49-F238E27FC236}">
+                <a16:creationId xmlns:a16="http://schemas.microsoft.com/office/drawing/2014/main" id="{D5113BCF-03A4-4A84-9818-3EBEDCF464AC}"/>
+              </a:ext>
+            </a:extLst>
+          </p:cNvPr>
+          <p:cNvSpPr/>
+          <p:nvPr/>
+        </p:nvSpPr>
+        <p:spPr>
+          <a:xfrm>
+            <a:off x="613457" y="3740392"/>
+            <a:ext cx="4170279" cy="584776"/>
+          </a:xfrm>
+          <a:prstGeom prst="rect">
+            <a:avLst/>
+          </a:prstGeom>
+          <a:solidFill>
+            <a:schemeClr val="tx1">
+              <a:lumMod val="95000"/>
+              <a:lumOff val="5000"/>
+            </a:schemeClr>
+          </a:solidFill>
+          <a:ln>
+            <a:noFill/>
+          </a:ln>
+        </p:spPr>
+        <p:style>
+          <a:lnRef idx="2">
+            <a:schemeClr val="accent1">
+              <a:shade val="50000"/>
+            </a:schemeClr>
+          </a:lnRef>
+          <a:fillRef idx="1">
+            <a:schemeClr val="accent1"/>
+          </a:fillRef>
+          <a:effectRef idx="0">
+            <a:schemeClr val="accent1"/>
+          </a:effectRef>
+          <a:fontRef idx="minor">
+            <a:schemeClr val="lt1"/>
+          </a:fontRef>
+        </p:style>
+        <p:txBody>
+          <a:bodyPr rtlCol="0" anchor="ctr"/>
+          <a:lstStyle/>
+          <a:p>
+            <a:pPr algn="ctr"/>
+            <a:r>
+              <a:rPr lang="en-IN" sz="1800" dirty="0" err="1"/>
+              <a:t>kube-apiserver</a:t>
+            </a:r>
+            <a:endParaRPr lang="en-IN" sz="1800" dirty="0"/>
+          </a:p>
+        </p:txBody>
+      </p:sp>
+      <p:sp>
+        <p:nvSpPr>
+          <p:cNvPr id="9" name="Rectangle 8">
+            <a:extLst>
+              <a:ext uri="{FF2B5EF4-FFF2-40B4-BE49-F238E27FC236}">
+                <a16:creationId xmlns:a16="http://schemas.microsoft.com/office/drawing/2014/main" id="{BD226CD4-907D-4280-AA42-EB153B5FFC39}"/>
+              </a:ext>
+            </a:extLst>
+          </p:cNvPr>
+          <p:cNvSpPr/>
+          <p:nvPr/>
+        </p:nvSpPr>
+        <p:spPr>
+          <a:xfrm>
+            <a:off x="3328434" y="5028792"/>
+            <a:ext cx="1469985" cy="1041721"/>
+          </a:xfrm>
+          <a:prstGeom prst="rect">
+            <a:avLst/>
+          </a:prstGeom>
+          <a:solidFill>
+            <a:schemeClr val="accent1">
+              <a:lumMod val="75000"/>
+            </a:schemeClr>
+          </a:solidFill>
+          <a:ln>
+            <a:noFill/>
+          </a:ln>
+        </p:spPr>
+        <p:style>
+          <a:lnRef idx="2">
+            <a:schemeClr val="accent1">
+              <a:shade val="50000"/>
+            </a:schemeClr>
+          </a:lnRef>
+          <a:fillRef idx="1">
+            <a:schemeClr val="accent1"/>
+          </a:fillRef>
+          <a:effectRef idx="0">
+            <a:schemeClr val="accent1"/>
+          </a:effectRef>
+          <a:fontRef idx="minor">
+            <a:schemeClr val="lt1"/>
+          </a:fontRef>
+        </p:style>
+        <p:txBody>
+          <a:bodyPr rtlCol="0" anchor="ctr"/>
+          <a:lstStyle/>
+          <a:p>
+            <a:pPr algn="ctr"/>
+            <a:r>
+              <a:rPr lang="en-IN" sz="1800" dirty="0" err="1"/>
+              <a:t>kube</a:t>
+            </a:r>
+            <a:r>
+              <a:rPr lang="en-IN" sz="1800" dirty="0"/>
+              <a:t>-scheduler</a:t>
+            </a:r>
+          </a:p>
+        </p:txBody>
+      </p:sp>
+      <p:sp>
+        <p:nvSpPr>
+          <p:cNvPr id="10" name="Rectangle 9">
+            <a:extLst>
+              <a:ext uri="{FF2B5EF4-FFF2-40B4-BE49-F238E27FC236}">
+                <a16:creationId xmlns:a16="http://schemas.microsoft.com/office/drawing/2014/main" id="{719629FC-2B11-45FC-A29A-4200DD758267}"/>
+              </a:ext>
+            </a:extLst>
+          </p:cNvPr>
+          <p:cNvSpPr/>
+          <p:nvPr/>
+        </p:nvSpPr>
+        <p:spPr>
+          <a:xfrm>
+            <a:off x="628139" y="5028792"/>
+            <a:ext cx="1469985" cy="1041721"/>
+          </a:xfrm>
+          <a:prstGeom prst="rect">
+            <a:avLst/>
+          </a:prstGeom>
+          <a:solidFill>
+            <a:schemeClr val="accent3">
+              <a:lumMod val="75000"/>
+            </a:schemeClr>
+          </a:solidFill>
+          <a:ln>
+            <a:noFill/>
+          </a:ln>
+        </p:spPr>
+        <p:style>
+          <a:lnRef idx="2">
+            <a:schemeClr val="accent1">
+              <a:shade val="50000"/>
+            </a:schemeClr>
+          </a:lnRef>
+          <a:fillRef idx="1">
+            <a:schemeClr val="accent1"/>
+          </a:fillRef>
+          <a:effectRef idx="0">
+            <a:schemeClr val="accent1"/>
+          </a:effectRef>
+          <a:fontRef idx="minor">
+            <a:schemeClr val="lt1"/>
+          </a:fontRef>
+        </p:style>
+        <p:txBody>
+          <a:bodyPr rtlCol="0" anchor="ctr"/>
+          <a:lstStyle/>
+          <a:p>
+            <a:pPr algn="ctr"/>
+            <a:r>
+              <a:rPr lang="en-IN" sz="1800" dirty="0" err="1"/>
+              <a:t>etcd</a:t>
+            </a:r>
+            <a:endParaRPr lang="en-IN" sz="1800" dirty="0"/>
+          </a:p>
+        </p:txBody>
+      </p:sp>
+      <p:sp>
+        <p:nvSpPr>
+          <p:cNvPr id="11" name="Rectangle 10">
+            <a:extLst>
+              <a:ext uri="{FF2B5EF4-FFF2-40B4-BE49-F238E27FC236}">
+                <a16:creationId xmlns:a16="http://schemas.microsoft.com/office/drawing/2014/main" id="{1C4D42D6-E191-4E9A-8951-F30AFFC6FC23}"/>
+              </a:ext>
+            </a:extLst>
+          </p:cNvPr>
+          <p:cNvSpPr/>
+          <p:nvPr/>
+        </p:nvSpPr>
+        <p:spPr>
+          <a:xfrm>
+            <a:off x="514322" y="6452547"/>
+            <a:ext cx="4420595" cy="393524"/>
+          </a:xfrm>
+          <a:prstGeom prst="rect">
+            <a:avLst/>
+          </a:prstGeom>
+          <a:solidFill>
+            <a:srgbClr val="00B050"/>
+          </a:solidFill>
+          <a:ln>
+            <a:noFill/>
+          </a:ln>
+        </p:spPr>
+        <p:style>
+          <a:lnRef idx="2">
+            <a:schemeClr val="accent1">
+              <a:shade val="50000"/>
+            </a:schemeClr>
+          </a:lnRef>
+          <a:fillRef idx="1">
+            <a:schemeClr val="accent1"/>
+          </a:fillRef>
+          <a:effectRef idx="0">
+            <a:schemeClr val="accent1"/>
+          </a:effectRef>
+          <a:fontRef idx="minor">
+            <a:schemeClr val="lt1"/>
+          </a:fontRef>
+        </p:style>
+        <p:txBody>
+          <a:bodyPr rtlCol="0" anchor="ctr"/>
+          <a:lstStyle/>
+          <a:p>
+            <a:pPr algn="ctr"/>
+            <a:r>
+              <a:rPr lang="en-IN" sz="1800" dirty="0"/>
+              <a:t>Container Runtime (Docker)</a:t>
+            </a:r>
+          </a:p>
+        </p:txBody>
+      </p:sp>
+      <p:sp>
+        <p:nvSpPr>
+          <p:cNvPr id="12" name="TextBox 11">
+            <a:extLst>
+              <a:ext uri="{FF2B5EF4-FFF2-40B4-BE49-F238E27FC236}">
+                <a16:creationId xmlns:a16="http://schemas.microsoft.com/office/drawing/2014/main" id="{00DEE5A2-B43E-4F4B-8DB4-AEE0FC54A5F6}"/>
+              </a:ext>
+            </a:extLst>
+          </p:cNvPr>
+          <p:cNvSpPr txBox="1"/>
+          <p:nvPr/>
+        </p:nvSpPr>
+        <p:spPr>
+          <a:xfrm>
+            <a:off x="2083442" y="1369113"/>
+            <a:ext cx="1461234" cy="584775"/>
+          </a:xfrm>
+          <a:prstGeom prst="rect">
+            <a:avLst/>
+          </a:prstGeom>
+          <a:noFill/>
+        </p:spPr>
+        <p:txBody>
+          <a:bodyPr wrap="none" rtlCol="0">
+            <a:spAutoFit/>
+          </a:bodyPr>
+          <a:lstStyle/>
+          <a:p>
+            <a:r>
+              <a:rPr lang="en-IN" sz="3200" dirty="0">
+                <a:solidFill>
+                  <a:srgbClr val="0070C0"/>
+                </a:solidFill>
+              </a:rPr>
+              <a:t>Master </a:t>
+            </a:r>
+          </a:p>
+        </p:txBody>
+      </p:sp>
+      <p:sp>
+        <p:nvSpPr>
+          <p:cNvPr id="32" name="Rectangle 31">
+            <a:extLst>
+              <a:ext uri="{FF2B5EF4-FFF2-40B4-BE49-F238E27FC236}">
+                <a16:creationId xmlns:a16="http://schemas.microsoft.com/office/drawing/2014/main" id="{EC62D69E-22E7-423F-B81E-31C29DDEE0C5}"/>
+              </a:ext>
+            </a:extLst>
+          </p:cNvPr>
+          <p:cNvSpPr/>
+          <p:nvPr/>
+        </p:nvSpPr>
+        <p:spPr>
+          <a:xfrm>
+            <a:off x="3177551" y="1977482"/>
+            <a:ext cx="1713620" cy="1273215"/>
+          </a:xfrm>
+          <a:prstGeom prst="rect">
+            <a:avLst/>
+          </a:prstGeom>
+          <a:noFill/>
+          <a:ln w="31750">
+            <a:solidFill>
+              <a:schemeClr val="accent4">
+                <a:lumMod val="75000"/>
+              </a:schemeClr>
+            </a:solidFill>
+          </a:ln>
+        </p:spPr>
+        <p:style>
+          <a:lnRef idx="2">
+            <a:schemeClr val="accent1">
+              <a:shade val="50000"/>
+            </a:schemeClr>
+          </a:lnRef>
+          <a:fillRef idx="1">
+            <a:schemeClr val="accent1"/>
+          </a:fillRef>
+          <a:effectRef idx="0">
+            <a:schemeClr val="accent1"/>
+          </a:effectRef>
+          <a:fontRef idx="minor">
+            <a:schemeClr val="lt1"/>
+          </a:fontRef>
+        </p:style>
+        <p:txBody>
+          <a:bodyPr rtlCol="0" anchor="ctr"/>
+          <a:lstStyle/>
+          <a:p>
+            <a:pPr algn="ctr"/>
+            <a:endParaRPr lang="en-IN"/>
+          </a:p>
+        </p:txBody>
+      </p:sp>
+      <p:sp>
+        <p:nvSpPr>
+          <p:cNvPr id="37" name="Rectangle 36">
+            <a:extLst>
+              <a:ext uri="{FF2B5EF4-FFF2-40B4-BE49-F238E27FC236}">
+                <a16:creationId xmlns:a16="http://schemas.microsoft.com/office/drawing/2014/main" id="{FDB7ABAC-3B9D-4C8B-8D8F-BAD420920277}"/>
+              </a:ext>
+            </a:extLst>
+          </p:cNvPr>
+          <p:cNvSpPr/>
+          <p:nvPr/>
+        </p:nvSpPr>
+        <p:spPr>
+          <a:xfrm>
+            <a:off x="499640" y="1967851"/>
+            <a:ext cx="1713620" cy="1273215"/>
+          </a:xfrm>
+          <a:prstGeom prst="rect">
+            <a:avLst/>
+          </a:prstGeom>
+          <a:noFill/>
+          <a:ln w="31750">
+            <a:solidFill>
+              <a:schemeClr val="accent2">
+                <a:lumMod val="75000"/>
+              </a:schemeClr>
+            </a:solidFill>
+          </a:ln>
+        </p:spPr>
+        <p:style>
+          <a:lnRef idx="2">
+            <a:schemeClr val="accent1">
+              <a:shade val="50000"/>
+            </a:schemeClr>
+          </a:lnRef>
+          <a:fillRef idx="1">
+            <a:schemeClr val="accent1"/>
+          </a:fillRef>
+          <a:effectRef idx="0">
+            <a:schemeClr val="accent1"/>
+          </a:effectRef>
+          <a:fontRef idx="minor">
+            <a:schemeClr val="lt1"/>
+          </a:fontRef>
+        </p:style>
+        <p:txBody>
+          <a:bodyPr rtlCol="0" anchor="ctr"/>
+          <a:lstStyle/>
+          <a:p>
+            <a:pPr algn="ctr"/>
+            <a:endParaRPr lang="en-IN"/>
+          </a:p>
+        </p:txBody>
+      </p:sp>
+      <p:sp>
+        <p:nvSpPr>
+          <p:cNvPr id="38" name="Rectangle 37">
+            <a:extLst>
+              <a:ext uri="{FF2B5EF4-FFF2-40B4-BE49-F238E27FC236}">
+                <a16:creationId xmlns:a16="http://schemas.microsoft.com/office/drawing/2014/main" id="{4390C2FE-1053-4A1B-A56F-DF605F5B1E33}"/>
+              </a:ext>
+            </a:extLst>
+          </p:cNvPr>
+          <p:cNvSpPr/>
+          <p:nvPr/>
+        </p:nvSpPr>
+        <p:spPr>
+          <a:xfrm>
+            <a:off x="511496" y="3589230"/>
+            <a:ext cx="4368099" cy="894949"/>
+          </a:xfrm>
+          <a:prstGeom prst="rect">
+            <a:avLst/>
+          </a:prstGeom>
+          <a:noFill/>
+          <a:ln w="31750">
+            <a:solidFill>
+              <a:schemeClr val="tx1">
+                <a:lumMod val="95000"/>
+                <a:lumOff val="5000"/>
+              </a:schemeClr>
+            </a:solidFill>
+          </a:ln>
+        </p:spPr>
+        <p:style>
+          <a:lnRef idx="2">
+            <a:schemeClr val="accent1">
+              <a:shade val="50000"/>
+            </a:schemeClr>
+          </a:lnRef>
+          <a:fillRef idx="1">
+            <a:schemeClr val="accent1"/>
+          </a:fillRef>
+          <a:effectRef idx="0">
+            <a:schemeClr val="accent1"/>
+          </a:effectRef>
+          <a:fontRef idx="minor">
+            <a:schemeClr val="lt1"/>
+          </a:fontRef>
+        </p:style>
+        <p:txBody>
+          <a:bodyPr rtlCol="0" anchor="ctr"/>
+          <a:lstStyle/>
+          <a:p>
+            <a:pPr algn="ctr"/>
+            <a:endParaRPr lang="en-IN"/>
+          </a:p>
+        </p:txBody>
+      </p:sp>
+      <p:sp>
+        <p:nvSpPr>
+          <p:cNvPr id="39" name="Rectangle 38">
+            <a:extLst>
+              <a:ext uri="{FF2B5EF4-FFF2-40B4-BE49-F238E27FC236}">
+                <a16:creationId xmlns:a16="http://schemas.microsoft.com/office/drawing/2014/main" id="{6AD6185F-F358-4C5D-B77D-3D8A625E0F76}"/>
+              </a:ext>
+            </a:extLst>
+          </p:cNvPr>
+          <p:cNvSpPr/>
+          <p:nvPr/>
+        </p:nvSpPr>
+        <p:spPr>
+          <a:xfrm>
+            <a:off x="514322" y="4908748"/>
+            <a:ext cx="1713620" cy="1273215"/>
+          </a:xfrm>
+          <a:prstGeom prst="rect">
+            <a:avLst/>
+          </a:prstGeom>
+          <a:noFill/>
+          <a:ln w="31750">
+            <a:solidFill>
+              <a:schemeClr val="accent3">
+                <a:lumMod val="75000"/>
+              </a:schemeClr>
+            </a:solidFill>
+          </a:ln>
+        </p:spPr>
+        <p:style>
+          <a:lnRef idx="2">
+            <a:schemeClr val="accent1">
+              <a:shade val="50000"/>
+            </a:schemeClr>
+          </a:lnRef>
+          <a:fillRef idx="1">
+            <a:schemeClr val="accent1"/>
+          </a:fillRef>
+          <a:effectRef idx="0">
+            <a:schemeClr val="accent1"/>
+          </a:effectRef>
+          <a:fontRef idx="minor">
+            <a:schemeClr val="lt1"/>
+          </a:fontRef>
+        </p:style>
+        <p:txBody>
+          <a:bodyPr rtlCol="0" anchor="ctr"/>
+          <a:lstStyle/>
+          <a:p>
+            <a:pPr algn="ctr"/>
+            <a:endParaRPr lang="en-IN"/>
+          </a:p>
+        </p:txBody>
+      </p:sp>
+      <p:sp>
+        <p:nvSpPr>
+          <p:cNvPr id="40" name="Rectangle 39">
+            <a:extLst>
+              <a:ext uri="{FF2B5EF4-FFF2-40B4-BE49-F238E27FC236}">
+                <a16:creationId xmlns:a16="http://schemas.microsoft.com/office/drawing/2014/main" id="{3D733293-C1C6-4E0B-AB61-6DE8894C4EC8}"/>
+              </a:ext>
+            </a:extLst>
+          </p:cNvPr>
+          <p:cNvSpPr/>
+          <p:nvPr/>
+        </p:nvSpPr>
+        <p:spPr>
+          <a:xfrm>
+            <a:off x="3206615" y="4908748"/>
+            <a:ext cx="1713620" cy="1273215"/>
+          </a:xfrm>
+          <a:prstGeom prst="rect">
+            <a:avLst/>
+          </a:prstGeom>
+          <a:noFill/>
+          <a:ln w="31750">
+            <a:solidFill>
+              <a:schemeClr val="accent1">
+                <a:lumMod val="75000"/>
+              </a:schemeClr>
+            </a:solidFill>
+          </a:ln>
+        </p:spPr>
+        <p:style>
+          <a:lnRef idx="2">
+            <a:schemeClr val="accent1">
+              <a:shade val="50000"/>
+            </a:schemeClr>
+          </a:lnRef>
+          <a:fillRef idx="1">
+            <a:schemeClr val="accent1"/>
+          </a:fillRef>
+          <a:effectRef idx="0">
+            <a:schemeClr val="accent1"/>
+          </a:effectRef>
+          <a:fontRef idx="minor">
+            <a:schemeClr val="lt1"/>
+          </a:fontRef>
+        </p:style>
+        <p:txBody>
+          <a:bodyPr rtlCol="0" anchor="ctr"/>
+          <a:lstStyle/>
+          <a:p>
+            <a:pPr algn="ctr"/>
+            <a:endParaRPr lang="en-IN"/>
+          </a:p>
+        </p:txBody>
+      </p:sp>
+      <p:sp>
+        <p:nvSpPr>
+          <p:cNvPr id="50" name="Content Placeholder 2">
+            <a:extLst>
+              <a:ext uri="{FF2B5EF4-FFF2-40B4-BE49-F238E27FC236}">
+                <a16:creationId xmlns:a16="http://schemas.microsoft.com/office/drawing/2014/main" id="{9B34FA18-BECA-4707-891C-9C1672B52BD5}"/>
+              </a:ext>
+            </a:extLst>
+          </p:cNvPr>
+          <p:cNvSpPr>
+            <a:spLocks noGrp="1"/>
+          </p:cNvSpPr>
+          <p:nvPr>
+            <p:ph idx="1"/>
+          </p:nvPr>
+        </p:nvSpPr>
+        <p:spPr>
+          <a:xfrm>
+            <a:off x="5416952" y="1369113"/>
+            <a:ext cx="8207608" cy="6043242"/>
+          </a:xfrm>
+        </p:spPr>
+        <p:txBody>
+          <a:bodyPr>
+            <a:normAutofit fontScale="92500" lnSpcReduction="10000"/>
+          </a:bodyPr>
+          <a:lstStyle/>
+          <a:p>
+            <a:r>
+              <a:rPr lang="en-IN" dirty="0" err="1">
+                <a:solidFill>
+                  <a:schemeClr val="accent6">
+                    <a:lumMod val="75000"/>
+                  </a:schemeClr>
+                </a:solidFill>
+              </a:rPr>
+              <a:t>kube</a:t>
+            </a:r>
+            <a:r>
+              <a:rPr lang="en-IN" dirty="0">
+                <a:solidFill>
+                  <a:schemeClr val="accent6">
+                    <a:lumMod val="75000"/>
+                  </a:schemeClr>
+                </a:solidFill>
+              </a:rPr>
+              <a:t>-controller-manager</a:t>
+            </a:r>
+          </a:p>
+          <a:p>
+            <a:pPr lvl="1"/>
+            <a:r>
+              <a:rPr lang="en-US" dirty="0"/>
+              <a:t>Controllers are responsible for noticing and responding when nodes, containers or endpoints go down. They make decisions to bring up new containers in such cases. </a:t>
+            </a:r>
+          </a:p>
+          <a:p>
+            <a:pPr lvl="1"/>
+            <a:r>
+              <a:rPr lang="en-US" dirty="0">
+                <a:solidFill>
+                  <a:schemeClr val="accent6">
+                    <a:lumMod val="75000"/>
+                  </a:schemeClr>
+                </a:solidFill>
+              </a:rPr>
+              <a:t>Node Controller: </a:t>
+            </a:r>
+            <a:r>
+              <a:rPr lang="en-US" dirty="0"/>
+              <a:t>Responsible for noticing and responding when </a:t>
+            </a:r>
+            <a:r>
+              <a:rPr lang="en-US" dirty="0">
+                <a:solidFill>
+                  <a:srgbClr val="0070C0"/>
+                </a:solidFill>
+              </a:rPr>
+              <a:t>nodes go down</a:t>
+            </a:r>
+            <a:r>
+              <a:rPr lang="en-US" dirty="0"/>
+              <a:t>. </a:t>
+            </a:r>
+          </a:p>
+          <a:p>
+            <a:pPr lvl="1"/>
+            <a:r>
+              <a:rPr lang="en-US" dirty="0">
+                <a:solidFill>
+                  <a:schemeClr val="accent6">
+                    <a:lumMod val="75000"/>
+                  </a:schemeClr>
+                </a:solidFill>
+              </a:rPr>
+              <a:t>Replication Controller: </a:t>
+            </a:r>
+            <a:r>
+              <a:rPr lang="en-US" dirty="0"/>
+              <a:t>Responsible for maintaining the </a:t>
+            </a:r>
+            <a:r>
+              <a:rPr lang="en-US" dirty="0">
+                <a:solidFill>
+                  <a:srgbClr val="0070C0"/>
+                </a:solidFill>
+              </a:rPr>
+              <a:t>correct number of pods</a:t>
+            </a:r>
+            <a:r>
+              <a:rPr lang="en-US" dirty="0"/>
+              <a:t> for every replication controller object in the system.</a:t>
+            </a:r>
+          </a:p>
+          <a:p>
+            <a:pPr lvl="1"/>
+            <a:r>
+              <a:rPr lang="en-US" dirty="0">
+                <a:solidFill>
+                  <a:schemeClr val="accent6">
+                    <a:lumMod val="75000"/>
+                  </a:schemeClr>
+                </a:solidFill>
+              </a:rPr>
+              <a:t>Endpoints Controller:  </a:t>
+            </a:r>
+            <a:r>
+              <a:rPr lang="en-US" dirty="0">
+                <a:solidFill>
+                  <a:srgbClr val="0070C0"/>
+                </a:solidFill>
+              </a:rPr>
+              <a:t>Populates</a:t>
+            </a:r>
+            <a:r>
+              <a:rPr lang="en-US" dirty="0"/>
+              <a:t> the Endpoints object (that is, joins Services &amp; Pods)</a:t>
+            </a:r>
+          </a:p>
+          <a:p>
+            <a:pPr lvl="1"/>
+            <a:r>
+              <a:rPr lang="en-US" dirty="0">
+                <a:solidFill>
+                  <a:schemeClr val="accent6">
+                    <a:lumMod val="75000"/>
+                  </a:schemeClr>
+                </a:solidFill>
+              </a:rPr>
+              <a:t>Service Account &amp; Token Controller: </a:t>
+            </a:r>
+            <a:r>
+              <a:rPr lang="en-US" dirty="0"/>
+              <a:t>Creates default accounts and API Access for </a:t>
+            </a:r>
+            <a:r>
+              <a:rPr lang="en-US" dirty="0">
+                <a:solidFill>
+                  <a:srgbClr val="0070C0"/>
+                </a:solidFill>
+              </a:rPr>
+              <a:t>new namespaces</a:t>
+            </a:r>
+            <a:r>
+              <a:rPr lang="en-US" dirty="0"/>
+              <a:t>. </a:t>
+            </a:r>
+            <a:br>
+              <a:rPr lang="en-IN" dirty="0"/>
+            </a:br>
+            <a:br>
+              <a:rPr lang="en-US" dirty="0"/>
+            </a:br>
+            <a:endParaRPr lang="en-IN" dirty="0"/>
+          </a:p>
+          <a:p>
+            <a:pPr lvl="1"/>
+            <a:endParaRPr lang="en-IN" dirty="0"/>
+          </a:p>
+        </p:txBody>
+      </p:sp>
+    </p:spTree>
+    <p:extLst>
+      <p:ext uri="{BB962C8B-B14F-4D97-AF65-F5344CB8AC3E}">
+        <p14:creationId xmlns:p14="http://schemas.microsoft.com/office/powerpoint/2010/main" val="1315774747"/>
+      </p:ext>
+    </p:extLst>
+  </p:cSld>
+  <p:clrMapOvr>
+    <a:masterClrMapping/>
+  </p:clrMapOvr>
+</p:sld>
+</file>
+
+<file path=ppt/slides/slide8.xml><?xml version="1.0" encoding="utf-8"?>
+<p:sld xmlns:a="http://schemas.openxmlformats.org/drawingml/2006/main" xmlns:r="http://schemas.openxmlformats.org/officeDocument/2006/relationships" xmlns:p="http://schemas.openxmlformats.org/presentationml/2006/main">
+  <p:cSld>
+    <p:spTree>
+      <p:nvGrpSpPr>
+        <p:cNvPr id="1" name=""/>
+        <p:cNvGrpSpPr/>
+        <p:nvPr/>
+      </p:nvGrpSpPr>
+      <p:grpSpPr>
+        <a:xfrm>
+          <a:off x="0" y="0"/>
+          <a:ext cx="0" cy="0"/>
+          <a:chOff x="0" y="0"/>
+          <a:chExt cx="0" cy="0"/>
+        </a:xfrm>
+      </p:grpSpPr>
+      <p:sp>
+        <p:nvSpPr>
+          <p:cNvPr id="2" name="Footer Placeholder 1">
+            <a:extLst>
+              <a:ext uri="{FF2B5EF4-FFF2-40B4-BE49-F238E27FC236}">
+                <a16:creationId xmlns:a16="http://schemas.microsoft.com/office/drawing/2014/main" id="{78819D0E-61B2-4717-949A-53CE5D358278}"/>
+              </a:ext>
+            </a:extLst>
+          </p:cNvPr>
+          <p:cNvSpPr>
+            <a:spLocks noGrp="1"/>
+          </p:cNvSpPr>
+          <p:nvPr>
+            <p:ph type="ftr" sz="quarter" idx="10"/>
+          </p:nvPr>
+        </p:nvSpPr>
+        <p:spPr/>
+        <p:txBody>
+          <a:bodyPr/>
+          <a:lstStyle/>
+          <a:p>
+            <a:pPr algn="l"/>
+            <a:r>
+              <a:rPr lang="en-US" dirty="0"/>
+              <a:t>© Kalyan Reddy </a:t>
+            </a:r>
+            <a:r>
+              <a:rPr lang="en-US" dirty="0" err="1"/>
+              <a:t>Daida</a:t>
+            </a:r>
+            <a:endParaRPr lang="en-GB" dirty="0"/>
+          </a:p>
+        </p:txBody>
+      </p:sp>
+      <p:sp>
+        <p:nvSpPr>
+          <p:cNvPr id="4" name="Title 3">
+            <a:extLst>
+              <a:ext uri="{FF2B5EF4-FFF2-40B4-BE49-F238E27FC236}">
+                <a16:creationId xmlns:a16="http://schemas.microsoft.com/office/drawing/2014/main" id="{F8840114-9439-4B2E-A512-1F12425EB200}"/>
+              </a:ext>
+            </a:extLst>
+          </p:cNvPr>
+          <p:cNvSpPr>
+            <a:spLocks noGrp="1"/>
+          </p:cNvSpPr>
+          <p:nvPr>
+            <p:ph type="title"/>
+          </p:nvPr>
+        </p:nvSpPr>
+        <p:spPr>
+          <a:xfrm>
+            <a:off x="1039407" y="-145598"/>
+            <a:ext cx="12618720" cy="1188851"/>
+          </a:xfrm>
+        </p:spPr>
+        <p:txBody>
+          <a:bodyPr/>
+          <a:lstStyle/>
+          <a:p>
+            <a:r>
+              <a:rPr lang="en-IN" dirty="0"/>
+              <a:t>Kubernetes Architecture - </a:t>
+            </a:r>
+            <a:r>
+              <a:rPr lang="en-IN" dirty="0">
+                <a:solidFill>
+                  <a:srgbClr val="00B050"/>
+                </a:solidFill>
+              </a:rPr>
+              <a:t>Master</a:t>
+            </a:r>
+          </a:p>
+        </p:txBody>
+      </p:sp>
+      <p:sp>
+        <p:nvSpPr>
+          <p:cNvPr id="5" name="Rectangle 4">
+            <a:extLst>
+              <a:ext uri="{FF2B5EF4-FFF2-40B4-BE49-F238E27FC236}">
+                <a16:creationId xmlns:a16="http://schemas.microsoft.com/office/drawing/2014/main" id="{119EBDD3-C074-4FD1-90DE-DBEA7232FDD0}"/>
+              </a:ext>
+            </a:extLst>
+          </p:cNvPr>
+          <p:cNvSpPr/>
+          <p:nvPr/>
+        </p:nvSpPr>
+        <p:spPr>
+          <a:xfrm>
+            <a:off x="297349" y="1369113"/>
+            <a:ext cx="4761187" cy="5747543"/>
+          </a:xfrm>
+          <a:prstGeom prst="rect">
+            <a:avLst/>
+          </a:prstGeom>
+          <a:noFill/>
+          <a:ln w="63500">
+            <a:solidFill>
+              <a:srgbClr val="0070C0"/>
+            </a:solidFill>
+          </a:ln>
+        </p:spPr>
+        <p:style>
+          <a:lnRef idx="2">
+            <a:schemeClr val="accent1">
+              <a:shade val="50000"/>
+            </a:schemeClr>
+          </a:lnRef>
+          <a:fillRef idx="1">
+            <a:schemeClr val="accent1"/>
+          </a:fillRef>
+          <a:effectRef idx="0">
+            <a:schemeClr val="accent1"/>
+          </a:effectRef>
+          <a:fontRef idx="minor">
+            <a:schemeClr val="lt1"/>
+          </a:fontRef>
+        </p:style>
+        <p:txBody>
+          <a:bodyPr rtlCol="0" anchor="ctr"/>
+          <a:lstStyle/>
+          <a:p>
+            <a:pPr algn="ctr"/>
+            <a:endParaRPr lang="en-IN"/>
+          </a:p>
+        </p:txBody>
+      </p:sp>
+      <p:sp>
+        <p:nvSpPr>
+          <p:cNvPr id="6" name="Rectangle 5">
+            <a:extLst>
+              <a:ext uri="{FF2B5EF4-FFF2-40B4-BE49-F238E27FC236}">
+                <a16:creationId xmlns:a16="http://schemas.microsoft.com/office/drawing/2014/main" id="{5A4B9D87-4A32-4603-9B2B-8992F516F95E}"/>
+              </a:ext>
+            </a:extLst>
+          </p:cNvPr>
+          <p:cNvSpPr/>
+          <p:nvPr/>
+        </p:nvSpPr>
+        <p:spPr>
+          <a:xfrm>
+            <a:off x="613457" y="2086070"/>
+            <a:ext cx="1469985" cy="1041721"/>
+          </a:xfrm>
+          <a:prstGeom prst="rect">
+            <a:avLst/>
+          </a:prstGeom>
+          <a:solidFill>
+            <a:schemeClr val="accent2">
+              <a:lumMod val="75000"/>
+            </a:schemeClr>
+          </a:solidFill>
+          <a:ln>
+            <a:noFill/>
+          </a:ln>
+        </p:spPr>
+        <p:style>
+          <a:lnRef idx="2">
+            <a:schemeClr val="accent1">
+              <a:shade val="50000"/>
+            </a:schemeClr>
+          </a:lnRef>
+          <a:fillRef idx="1">
+            <a:schemeClr val="accent1"/>
+          </a:fillRef>
+          <a:effectRef idx="0">
+            <a:schemeClr val="accent1"/>
+          </a:effectRef>
+          <a:fontRef idx="minor">
+            <a:schemeClr val="lt1"/>
+          </a:fontRef>
+        </p:style>
+        <p:txBody>
+          <a:bodyPr rtlCol="0" anchor="ctr"/>
+          <a:lstStyle/>
+          <a:p>
+            <a:pPr algn="ctr"/>
+            <a:r>
+              <a:rPr lang="en-IN" sz="1800" dirty="0" err="1"/>
+              <a:t>Kube</a:t>
+            </a:r>
+            <a:r>
+              <a:rPr lang="en-IN" sz="1800" dirty="0"/>
+              <a:t> Controller Manager</a:t>
+            </a:r>
+          </a:p>
+        </p:txBody>
+      </p:sp>
+      <p:sp>
+        <p:nvSpPr>
+          <p:cNvPr id="7" name="Rectangle 6">
+            <a:extLst>
+              <a:ext uri="{FF2B5EF4-FFF2-40B4-BE49-F238E27FC236}">
+                <a16:creationId xmlns:a16="http://schemas.microsoft.com/office/drawing/2014/main" id="{5DD2489E-5A2A-4FBF-9F64-78611E804517}"/>
+              </a:ext>
+            </a:extLst>
+          </p:cNvPr>
+          <p:cNvSpPr/>
+          <p:nvPr/>
+        </p:nvSpPr>
+        <p:spPr>
+          <a:xfrm>
+            <a:off x="3313751" y="2089942"/>
+            <a:ext cx="1469985" cy="1041721"/>
+          </a:xfrm>
+          <a:prstGeom prst="rect">
+            <a:avLst/>
+          </a:prstGeom>
+          <a:solidFill>
+            <a:schemeClr val="accent4">
+              <a:lumMod val="75000"/>
+            </a:schemeClr>
+          </a:solidFill>
+          <a:ln>
+            <a:noFill/>
+          </a:ln>
+        </p:spPr>
+        <p:style>
+          <a:lnRef idx="2">
+            <a:schemeClr val="accent1">
+              <a:shade val="50000"/>
+            </a:schemeClr>
+          </a:lnRef>
+          <a:fillRef idx="1">
+            <a:schemeClr val="accent1"/>
+          </a:fillRef>
+          <a:effectRef idx="0">
+            <a:schemeClr val="accent1"/>
+          </a:effectRef>
+          <a:fontRef idx="minor">
+            <a:schemeClr val="lt1"/>
+          </a:fontRef>
+        </p:style>
+        <p:txBody>
+          <a:bodyPr rtlCol="0" anchor="ctr"/>
+          <a:lstStyle/>
+          <a:p>
+            <a:pPr algn="ctr"/>
+            <a:r>
+              <a:rPr lang="en-IN" sz="1800" dirty="0"/>
+              <a:t>Cloud Controller Manager</a:t>
+            </a:r>
+          </a:p>
+        </p:txBody>
+      </p:sp>
+      <p:sp>
+        <p:nvSpPr>
+          <p:cNvPr id="8" name="Rectangle 7">
+            <a:extLst>
+              <a:ext uri="{FF2B5EF4-FFF2-40B4-BE49-F238E27FC236}">
+                <a16:creationId xmlns:a16="http://schemas.microsoft.com/office/drawing/2014/main" id="{D5113BCF-03A4-4A84-9818-3EBEDCF464AC}"/>
+              </a:ext>
+            </a:extLst>
+          </p:cNvPr>
+          <p:cNvSpPr/>
+          <p:nvPr/>
+        </p:nvSpPr>
+        <p:spPr>
+          <a:xfrm>
+            <a:off x="613457" y="3740392"/>
+            <a:ext cx="4170279" cy="584776"/>
+          </a:xfrm>
+          <a:prstGeom prst="rect">
+            <a:avLst/>
+          </a:prstGeom>
+          <a:solidFill>
+            <a:schemeClr val="tx1">
+              <a:lumMod val="95000"/>
+              <a:lumOff val="5000"/>
+            </a:schemeClr>
+          </a:solidFill>
+          <a:ln>
+            <a:noFill/>
+          </a:ln>
+        </p:spPr>
+        <p:style>
+          <a:lnRef idx="2">
+            <a:schemeClr val="accent1">
+              <a:shade val="50000"/>
+            </a:schemeClr>
+          </a:lnRef>
+          <a:fillRef idx="1">
+            <a:schemeClr val="accent1"/>
+          </a:fillRef>
+          <a:effectRef idx="0">
+            <a:schemeClr val="accent1"/>
+          </a:effectRef>
+          <a:fontRef idx="minor">
+            <a:schemeClr val="lt1"/>
+          </a:fontRef>
+        </p:style>
+        <p:txBody>
+          <a:bodyPr rtlCol="0" anchor="ctr"/>
+          <a:lstStyle/>
+          <a:p>
+            <a:pPr algn="ctr"/>
+            <a:r>
+              <a:rPr lang="en-IN" sz="1800" dirty="0" err="1"/>
+              <a:t>kube-apiserver</a:t>
+            </a:r>
+            <a:endParaRPr lang="en-IN" sz="1800" dirty="0"/>
+          </a:p>
+        </p:txBody>
+      </p:sp>
+      <p:sp>
+        <p:nvSpPr>
+          <p:cNvPr id="9" name="Rectangle 8">
+            <a:extLst>
+              <a:ext uri="{FF2B5EF4-FFF2-40B4-BE49-F238E27FC236}">
+                <a16:creationId xmlns:a16="http://schemas.microsoft.com/office/drawing/2014/main" id="{BD226CD4-907D-4280-AA42-EB153B5FFC39}"/>
+              </a:ext>
+            </a:extLst>
+          </p:cNvPr>
+          <p:cNvSpPr/>
+          <p:nvPr/>
+        </p:nvSpPr>
+        <p:spPr>
+          <a:xfrm>
+            <a:off x="3328434" y="5028792"/>
+            <a:ext cx="1469985" cy="1041721"/>
+          </a:xfrm>
+          <a:prstGeom prst="rect">
+            <a:avLst/>
+          </a:prstGeom>
+          <a:solidFill>
+            <a:schemeClr val="accent1">
+              <a:lumMod val="75000"/>
+            </a:schemeClr>
+          </a:solidFill>
+          <a:ln>
+            <a:noFill/>
+          </a:ln>
+        </p:spPr>
+        <p:style>
+          <a:lnRef idx="2">
+            <a:schemeClr val="accent1">
+              <a:shade val="50000"/>
+            </a:schemeClr>
+          </a:lnRef>
+          <a:fillRef idx="1">
+            <a:schemeClr val="accent1"/>
+          </a:fillRef>
+          <a:effectRef idx="0">
+            <a:schemeClr val="accent1"/>
+          </a:effectRef>
+          <a:fontRef idx="minor">
+            <a:schemeClr val="lt1"/>
+          </a:fontRef>
+        </p:style>
+        <p:txBody>
+          <a:bodyPr rtlCol="0" anchor="ctr"/>
+          <a:lstStyle/>
+          <a:p>
+            <a:pPr algn="ctr"/>
+            <a:r>
+              <a:rPr lang="en-IN" sz="1800" dirty="0" err="1"/>
+              <a:t>kube</a:t>
+            </a:r>
+            <a:r>
+              <a:rPr lang="en-IN" sz="1800" dirty="0"/>
+              <a:t>-scheduler</a:t>
+            </a:r>
+          </a:p>
+        </p:txBody>
+      </p:sp>
+      <p:sp>
+        <p:nvSpPr>
+          <p:cNvPr id="10" name="Rectangle 9">
+            <a:extLst>
+              <a:ext uri="{FF2B5EF4-FFF2-40B4-BE49-F238E27FC236}">
+                <a16:creationId xmlns:a16="http://schemas.microsoft.com/office/drawing/2014/main" id="{719629FC-2B11-45FC-A29A-4200DD758267}"/>
+              </a:ext>
+            </a:extLst>
+          </p:cNvPr>
+          <p:cNvSpPr/>
+          <p:nvPr/>
+        </p:nvSpPr>
+        <p:spPr>
+          <a:xfrm>
+            <a:off x="628139" y="5028792"/>
+            <a:ext cx="1469985" cy="1041721"/>
+          </a:xfrm>
+          <a:prstGeom prst="rect">
+            <a:avLst/>
+          </a:prstGeom>
+          <a:solidFill>
+            <a:schemeClr val="accent3">
+              <a:lumMod val="75000"/>
+            </a:schemeClr>
+          </a:solidFill>
+          <a:ln>
+            <a:noFill/>
+          </a:ln>
+        </p:spPr>
+        <p:style>
+          <a:lnRef idx="2">
+            <a:schemeClr val="accent1">
+              <a:shade val="50000"/>
+            </a:schemeClr>
+          </a:lnRef>
+          <a:fillRef idx="1">
+            <a:schemeClr val="accent1"/>
+          </a:fillRef>
+          <a:effectRef idx="0">
+            <a:schemeClr val="accent1"/>
+          </a:effectRef>
+          <a:fontRef idx="minor">
+            <a:schemeClr val="lt1"/>
+          </a:fontRef>
+        </p:style>
+        <p:txBody>
+          <a:bodyPr rtlCol="0" anchor="ctr"/>
+          <a:lstStyle/>
+          <a:p>
+            <a:pPr algn="ctr"/>
+            <a:r>
+              <a:rPr lang="en-IN" sz="1800" dirty="0" err="1"/>
+              <a:t>etcd</a:t>
+            </a:r>
+            <a:endParaRPr lang="en-IN" sz="1800" dirty="0"/>
+          </a:p>
+        </p:txBody>
+      </p:sp>
+      <p:sp>
+        <p:nvSpPr>
+          <p:cNvPr id="11" name="Rectangle 10">
+            <a:extLst>
+              <a:ext uri="{FF2B5EF4-FFF2-40B4-BE49-F238E27FC236}">
+                <a16:creationId xmlns:a16="http://schemas.microsoft.com/office/drawing/2014/main" id="{1C4D42D6-E191-4E9A-8951-F30AFFC6FC23}"/>
+              </a:ext>
+            </a:extLst>
+          </p:cNvPr>
+          <p:cNvSpPr/>
+          <p:nvPr/>
+        </p:nvSpPr>
+        <p:spPr>
+          <a:xfrm>
+            <a:off x="514322" y="6452547"/>
+            <a:ext cx="4420595" cy="393524"/>
+          </a:xfrm>
+          <a:prstGeom prst="rect">
+            <a:avLst/>
+          </a:prstGeom>
+          <a:solidFill>
+            <a:srgbClr val="00B050"/>
+          </a:solidFill>
+          <a:ln>
+            <a:noFill/>
+          </a:ln>
+        </p:spPr>
+        <p:style>
+          <a:lnRef idx="2">
+            <a:schemeClr val="accent1">
+              <a:shade val="50000"/>
+            </a:schemeClr>
+          </a:lnRef>
+          <a:fillRef idx="1">
+            <a:schemeClr val="accent1"/>
+          </a:fillRef>
+          <a:effectRef idx="0">
+            <a:schemeClr val="accent1"/>
+          </a:effectRef>
+          <a:fontRef idx="minor">
+            <a:schemeClr val="lt1"/>
+          </a:fontRef>
+        </p:style>
+        <p:txBody>
+          <a:bodyPr rtlCol="0" anchor="ctr"/>
+          <a:lstStyle/>
+          <a:p>
+            <a:pPr algn="ctr"/>
+            <a:r>
+              <a:rPr lang="en-IN" sz="1800" dirty="0"/>
+              <a:t>Container Runtime (Docker)</a:t>
+            </a:r>
+          </a:p>
+        </p:txBody>
+      </p:sp>
+      <p:sp>
+        <p:nvSpPr>
+          <p:cNvPr id="12" name="TextBox 11">
+            <a:extLst>
+              <a:ext uri="{FF2B5EF4-FFF2-40B4-BE49-F238E27FC236}">
+                <a16:creationId xmlns:a16="http://schemas.microsoft.com/office/drawing/2014/main" id="{00DEE5A2-B43E-4F4B-8DB4-AEE0FC54A5F6}"/>
+              </a:ext>
+            </a:extLst>
+          </p:cNvPr>
+          <p:cNvSpPr txBox="1"/>
+          <p:nvPr/>
+        </p:nvSpPr>
+        <p:spPr>
+          <a:xfrm>
+            <a:off x="2083442" y="1369113"/>
+            <a:ext cx="1461234" cy="584775"/>
+          </a:xfrm>
+          <a:prstGeom prst="rect">
+            <a:avLst/>
+          </a:prstGeom>
+          <a:noFill/>
+        </p:spPr>
+        <p:txBody>
+          <a:bodyPr wrap="none" rtlCol="0">
+            <a:spAutoFit/>
+          </a:bodyPr>
+          <a:lstStyle/>
+          <a:p>
+            <a:r>
+              <a:rPr lang="en-IN" sz="3200" dirty="0">
+                <a:solidFill>
+                  <a:srgbClr val="0070C0"/>
+                </a:solidFill>
+              </a:rPr>
+              <a:t>Master </a:t>
+            </a:r>
+          </a:p>
+        </p:txBody>
+      </p:sp>
+      <p:sp>
+        <p:nvSpPr>
+          <p:cNvPr id="32" name="Rectangle 31">
+            <a:extLst>
+              <a:ext uri="{FF2B5EF4-FFF2-40B4-BE49-F238E27FC236}">
+                <a16:creationId xmlns:a16="http://schemas.microsoft.com/office/drawing/2014/main" id="{EC62D69E-22E7-423F-B81E-31C29DDEE0C5}"/>
+              </a:ext>
+            </a:extLst>
+          </p:cNvPr>
+          <p:cNvSpPr/>
+          <p:nvPr/>
+        </p:nvSpPr>
+        <p:spPr>
+          <a:xfrm>
+            <a:off x="3177551" y="1977482"/>
+            <a:ext cx="1713620" cy="1273215"/>
+          </a:xfrm>
+          <a:prstGeom prst="rect">
+            <a:avLst/>
+          </a:prstGeom>
+          <a:noFill/>
+          <a:ln w="31750">
+            <a:solidFill>
+              <a:schemeClr val="accent4">
+                <a:lumMod val="75000"/>
+              </a:schemeClr>
+            </a:solidFill>
+          </a:ln>
+        </p:spPr>
+        <p:style>
+          <a:lnRef idx="2">
+            <a:schemeClr val="accent1">
+              <a:shade val="50000"/>
+            </a:schemeClr>
+          </a:lnRef>
+          <a:fillRef idx="1">
+            <a:schemeClr val="accent1"/>
+          </a:fillRef>
+          <a:effectRef idx="0">
+            <a:schemeClr val="accent1"/>
+          </a:effectRef>
+          <a:fontRef idx="minor">
+            <a:schemeClr val="lt1"/>
+          </a:fontRef>
+        </p:style>
+        <p:txBody>
+          <a:bodyPr rtlCol="0" anchor="ctr"/>
+          <a:lstStyle/>
+          <a:p>
+            <a:pPr algn="ctr"/>
+            <a:endParaRPr lang="en-IN"/>
+          </a:p>
+        </p:txBody>
+      </p:sp>
+      <p:sp>
+        <p:nvSpPr>
+          <p:cNvPr id="37" name="Rectangle 36">
+            <a:extLst>
+              <a:ext uri="{FF2B5EF4-FFF2-40B4-BE49-F238E27FC236}">
+                <a16:creationId xmlns:a16="http://schemas.microsoft.com/office/drawing/2014/main" id="{FDB7ABAC-3B9D-4C8B-8D8F-BAD420920277}"/>
+              </a:ext>
+            </a:extLst>
+          </p:cNvPr>
+          <p:cNvSpPr/>
+          <p:nvPr/>
+        </p:nvSpPr>
+        <p:spPr>
+          <a:xfrm>
+            <a:off x="499640" y="1967851"/>
+            <a:ext cx="1713620" cy="1273215"/>
+          </a:xfrm>
+          <a:prstGeom prst="rect">
+            <a:avLst/>
+          </a:prstGeom>
+          <a:noFill/>
+          <a:ln w="31750">
+            <a:solidFill>
+              <a:schemeClr val="accent2">
+                <a:lumMod val="75000"/>
+              </a:schemeClr>
+            </a:solidFill>
+          </a:ln>
+        </p:spPr>
+        <p:style>
+          <a:lnRef idx="2">
+            <a:schemeClr val="accent1">
+              <a:shade val="50000"/>
+            </a:schemeClr>
+          </a:lnRef>
+          <a:fillRef idx="1">
+            <a:schemeClr val="accent1"/>
+          </a:fillRef>
+          <a:effectRef idx="0">
+            <a:schemeClr val="accent1"/>
+          </a:effectRef>
+          <a:fontRef idx="minor">
+            <a:schemeClr val="lt1"/>
+          </a:fontRef>
+        </p:style>
+        <p:txBody>
+          <a:bodyPr rtlCol="0" anchor="ctr"/>
+          <a:lstStyle/>
+          <a:p>
+            <a:pPr algn="ctr"/>
+            <a:endParaRPr lang="en-IN"/>
+          </a:p>
+        </p:txBody>
+      </p:sp>
+      <p:sp>
+        <p:nvSpPr>
+          <p:cNvPr id="38" name="Rectangle 37">
+            <a:extLst>
+              <a:ext uri="{FF2B5EF4-FFF2-40B4-BE49-F238E27FC236}">
+                <a16:creationId xmlns:a16="http://schemas.microsoft.com/office/drawing/2014/main" id="{4390C2FE-1053-4A1B-A56F-DF605F5B1E33}"/>
+              </a:ext>
+            </a:extLst>
+          </p:cNvPr>
+          <p:cNvSpPr/>
+          <p:nvPr/>
+        </p:nvSpPr>
+        <p:spPr>
+          <a:xfrm>
+            <a:off x="511496" y="3589230"/>
+            <a:ext cx="4368099" cy="894949"/>
+          </a:xfrm>
+          <a:prstGeom prst="rect">
+            <a:avLst/>
+          </a:prstGeom>
+          <a:noFill/>
+          <a:ln w="31750">
+            <a:solidFill>
+              <a:schemeClr val="tx1">
+                <a:lumMod val="95000"/>
+                <a:lumOff val="5000"/>
+              </a:schemeClr>
+            </a:solidFill>
+          </a:ln>
+        </p:spPr>
+        <p:style>
+          <a:lnRef idx="2">
+            <a:schemeClr val="accent1">
+              <a:shade val="50000"/>
+            </a:schemeClr>
+          </a:lnRef>
+          <a:fillRef idx="1">
+            <a:schemeClr val="accent1"/>
+          </a:fillRef>
+          <a:effectRef idx="0">
+            <a:schemeClr val="accent1"/>
+          </a:effectRef>
+          <a:fontRef idx="minor">
+            <a:schemeClr val="lt1"/>
+          </a:fontRef>
+        </p:style>
+        <p:txBody>
+          <a:bodyPr rtlCol="0" anchor="ctr"/>
+          <a:lstStyle/>
+          <a:p>
+            <a:pPr algn="ctr"/>
+            <a:endParaRPr lang="en-IN"/>
+          </a:p>
+        </p:txBody>
+      </p:sp>
+      <p:sp>
+        <p:nvSpPr>
+          <p:cNvPr id="39" name="Rectangle 38">
+            <a:extLst>
+              <a:ext uri="{FF2B5EF4-FFF2-40B4-BE49-F238E27FC236}">
+                <a16:creationId xmlns:a16="http://schemas.microsoft.com/office/drawing/2014/main" id="{6AD6185F-F358-4C5D-B77D-3D8A625E0F76}"/>
+              </a:ext>
+            </a:extLst>
+          </p:cNvPr>
+          <p:cNvSpPr/>
+          <p:nvPr/>
+        </p:nvSpPr>
+        <p:spPr>
+          <a:xfrm>
+            <a:off x="514322" y="4908748"/>
+            <a:ext cx="1713620" cy="1273215"/>
+          </a:xfrm>
+          <a:prstGeom prst="rect">
+            <a:avLst/>
+          </a:prstGeom>
+          <a:noFill/>
+          <a:ln w="31750">
+            <a:solidFill>
+              <a:schemeClr val="accent3">
+                <a:lumMod val="75000"/>
+              </a:schemeClr>
+            </a:solidFill>
+          </a:ln>
+        </p:spPr>
+        <p:style>
+          <a:lnRef idx="2">
+            <a:schemeClr val="accent1">
+              <a:shade val="50000"/>
+            </a:schemeClr>
+          </a:lnRef>
+          <a:fillRef idx="1">
+            <a:schemeClr val="accent1"/>
+          </a:fillRef>
+          <a:effectRef idx="0">
+            <a:schemeClr val="accent1"/>
+          </a:effectRef>
+          <a:fontRef idx="minor">
+            <a:schemeClr val="lt1"/>
+          </a:fontRef>
+        </p:style>
+        <p:txBody>
+          <a:bodyPr rtlCol="0" anchor="ctr"/>
+          <a:lstStyle/>
+          <a:p>
+            <a:pPr algn="ctr"/>
+            <a:endParaRPr lang="en-IN"/>
+          </a:p>
+        </p:txBody>
+      </p:sp>
+      <p:sp>
+        <p:nvSpPr>
+          <p:cNvPr id="40" name="Rectangle 39">
+            <a:extLst>
+              <a:ext uri="{FF2B5EF4-FFF2-40B4-BE49-F238E27FC236}">
+                <a16:creationId xmlns:a16="http://schemas.microsoft.com/office/drawing/2014/main" id="{3D733293-C1C6-4E0B-AB61-6DE8894C4EC8}"/>
+              </a:ext>
+            </a:extLst>
+          </p:cNvPr>
+          <p:cNvSpPr/>
+          <p:nvPr/>
+        </p:nvSpPr>
+        <p:spPr>
+          <a:xfrm>
+            <a:off x="3206615" y="4908748"/>
+            <a:ext cx="1713620" cy="1273215"/>
+          </a:xfrm>
+          <a:prstGeom prst="rect">
+            <a:avLst/>
+          </a:prstGeom>
+          <a:noFill/>
+          <a:ln w="31750">
+            <a:solidFill>
+              <a:schemeClr val="accent1">
+                <a:lumMod val="75000"/>
+              </a:schemeClr>
+            </a:solidFill>
+          </a:ln>
+        </p:spPr>
+        <p:style>
+          <a:lnRef idx="2">
+            <a:schemeClr val="accent1">
+              <a:shade val="50000"/>
+            </a:schemeClr>
+          </a:lnRef>
+          <a:fillRef idx="1">
+            <a:schemeClr val="accent1"/>
+          </a:fillRef>
+          <a:effectRef idx="0">
+            <a:schemeClr val="accent1"/>
+          </a:effectRef>
+          <a:fontRef idx="minor">
+            <a:schemeClr val="lt1"/>
+          </a:fontRef>
+        </p:style>
+        <p:txBody>
+          <a:bodyPr rtlCol="0" anchor="ctr"/>
+          <a:lstStyle/>
+          <a:p>
+            <a:pPr algn="ctr"/>
+            <a:endParaRPr lang="en-IN"/>
+          </a:p>
+        </p:txBody>
+      </p:sp>
+      <p:sp>
+        <p:nvSpPr>
+          <p:cNvPr id="50" name="Content Placeholder 2">
+            <a:extLst>
+              <a:ext uri="{FF2B5EF4-FFF2-40B4-BE49-F238E27FC236}">
+                <a16:creationId xmlns:a16="http://schemas.microsoft.com/office/drawing/2014/main" id="{9B34FA18-BECA-4707-891C-9C1672B52BD5}"/>
+              </a:ext>
+            </a:extLst>
+          </p:cNvPr>
+          <p:cNvSpPr>
+            <a:spLocks noGrp="1"/>
+          </p:cNvSpPr>
+          <p:nvPr>
+            <p:ph idx="1"/>
+          </p:nvPr>
+        </p:nvSpPr>
+        <p:spPr>
+          <a:xfrm>
+            <a:off x="5416952" y="1369113"/>
+            <a:ext cx="8207608" cy="6043242"/>
+          </a:xfrm>
+        </p:spPr>
+        <p:txBody>
+          <a:bodyPr>
+            <a:normAutofit lnSpcReduction="10000"/>
+          </a:bodyPr>
+          <a:lstStyle/>
+          <a:p>
+            <a:r>
+              <a:rPr lang="en-IN" dirty="0">
+                <a:solidFill>
+                  <a:schemeClr val="accent6">
+                    <a:lumMod val="75000"/>
+                  </a:schemeClr>
+                </a:solidFill>
+              </a:rPr>
+              <a:t>cloud-controller-manager</a:t>
+            </a:r>
+          </a:p>
+          <a:p>
+            <a:pPr lvl="1"/>
+            <a:r>
+              <a:rPr lang="en-US" dirty="0"/>
+              <a:t>A Kubernetes control plane component that embeds </a:t>
+            </a:r>
+            <a:r>
+              <a:rPr lang="en-US" dirty="0">
+                <a:solidFill>
+                  <a:srgbClr val="0070C0"/>
+                </a:solidFill>
+              </a:rPr>
+              <a:t>cloud-specific control logic</a:t>
+            </a:r>
+            <a:r>
+              <a:rPr lang="en-US" dirty="0"/>
+              <a:t>. </a:t>
+            </a:r>
+          </a:p>
+          <a:p>
+            <a:pPr lvl="1"/>
+            <a:r>
+              <a:rPr lang="en-US" dirty="0"/>
+              <a:t>It only runs controllers that are </a:t>
+            </a:r>
+            <a:r>
+              <a:rPr lang="en-US" dirty="0">
+                <a:solidFill>
+                  <a:srgbClr val="0070C0"/>
+                </a:solidFill>
+              </a:rPr>
+              <a:t>specific</a:t>
+            </a:r>
+            <a:r>
+              <a:rPr lang="en-US" dirty="0"/>
+              <a:t> to your cloud provider. </a:t>
+            </a:r>
+          </a:p>
+          <a:p>
+            <a:pPr lvl="1"/>
+            <a:r>
+              <a:rPr lang="en-US" dirty="0">
+                <a:solidFill>
+                  <a:srgbClr val="0070C0"/>
+                </a:solidFill>
+              </a:rPr>
+              <a:t>On-Premise</a:t>
+            </a:r>
+            <a:r>
+              <a:rPr lang="en-US" dirty="0"/>
+              <a:t> Kubernetes clusters will not have this component. </a:t>
+            </a:r>
+          </a:p>
+          <a:p>
+            <a:pPr lvl="1"/>
+            <a:r>
+              <a:rPr lang="en-US" dirty="0">
+                <a:solidFill>
+                  <a:schemeClr val="accent6">
+                    <a:lumMod val="75000"/>
+                  </a:schemeClr>
+                </a:solidFill>
+              </a:rPr>
+              <a:t>Node controller: </a:t>
+            </a:r>
+            <a:r>
+              <a:rPr lang="en-US" dirty="0"/>
+              <a:t>For </a:t>
+            </a:r>
+            <a:r>
+              <a:rPr lang="en-US" dirty="0">
+                <a:solidFill>
+                  <a:srgbClr val="0070C0"/>
+                </a:solidFill>
+              </a:rPr>
+              <a:t>checking</a:t>
+            </a:r>
+            <a:r>
+              <a:rPr lang="en-US" dirty="0"/>
+              <a:t> the cloud provider to determine if a node has been deleted in the cloud after it stops responding</a:t>
+            </a:r>
+          </a:p>
+          <a:p>
+            <a:pPr lvl="1"/>
+            <a:r>
+              <a:rPr lang="en-US" dirty="0">
+                <a:solidFill>
+                  <a:schemeClr val="accent6">
+                    <a:lumMod val="75000"/>
+                  </a:schemeClr>
+                </a:solidFill>
+              </a:rPr>
+              <a:t>Route controller: </a:t>
+            </a:r>
+            <a:r>
+              <a:rPr lang="en-US" dirty="0"/>
+              <a:t>For setting up </a:t>
+            </a:r>
+            <a:r>
+              <a:rPr lang="en-US" dirty="0">
+                <a:solidFill>
+                  <a:srgbClr val="0070C0"/>
+                </a:solidFill>
+              </a:rPr>
+              <a:t>routes</a:t>
+            </a:r>
+            <a:r>
+              <a:rPr lang="en-US" dirty="0"/>
+              <a:t> in the underlying cloud infrastructure</a:t>
+            </a:r>
+          </a:p>
+          <a:p>
+            <a:pPr lvl="1"/>
+            <a:r>
+              <a:rPr lang="en-US" dirty="0">
+                <a:solidFill>
+                  <a:schemeClr val="accent6">
+                    <a:lumMod val="75000"/>
+                  </a:schemeClr>
+                </a:solidFill>
+              </a:rPr>
+              <a:t>Service controller: </a:t>
+            </a:r>
+            <a:r>
+              <a:rPr lang="en-US" dirty="0"/>
+              <a:t>For creating, updating and deleting cloud provider </a:t>
+            </a:r>
+            <a:r>
+              <a:rPr lang="en-US" dirty="0">
+                <a:solidFill>
+                  <a:srgbClr val="0070C0"/>
+                </a:solidFill>
+              </a:rPr>
+              <a:t>load balancer</a:t>
+            </a:r>
+            <a:endParaRPr lang="en-IN" dirty="0">
+              <a:solidFill>
+                <a:srgbClr val="0070C0"/>
+              </a:solidFill>
+            </a:endParaRPr>
+          </a:p>
+        </p:txBody>
+      </p:sp>
+    </p:spTree>
+    <p:extLst>
+      <p:ext uri="{BB962C8B-B14F-4D97-AF65-F5344CB8AC3E}">
+        <p14:creationId xmlns:p14="http://schemas.microsoft.com/office/powerpoint/2010/main" val="748048367"/>
+      </p:ext>
+    </p:extLst>
+  </p:cSld>
+  <p:clrMapOvr>
+    <a:masterClrMapping/>
+  </p:clrMapOvr>
+</p:sld>
+</file>
+
+<file path=ppt/slides/slide9.xml><?xml version="1.0" encoding="utf-8"?>
+<p:sld xmlns:a="http://schemas.openxmlformats.org/drawingml/2006/main" xmlns:r="http://schemas.openxmlformats.org/officeDocument/2006/relationships" xmlns:p="http://schemas.openxmlformats.org/presentationml/2006/main">
+  <p:cSld>
+    <p:spTree>
+      <p:nvGrpSpPr>
+        <p:cNvPr id="1" name=""/>
+        <p:cNvGrpSpPr/>
+        <p:nvPr/>
+      </p:nvGrpSpPr>
+      <p:grpSpPr>
+        <a:xfrm>
+          <a:off x="0" y="0"/>
+          <a:ext cx="0" cy="0"/>
+          <a:chOff x="0" y="0"/>
+          <a:chExt cx="0" cy="0"/>
+        </a:xfrm>
+      </p:grpSpPr>
+      <p:sp>
+        <p:nvSpPr>
+          <p:cNvPr id="2" name="Footer Placeholder 1">
+            <a:extLst>
+              <a:ext uri="{FF2B5EF4-FFF2-40B4-BE49-F238E27FC236}">
+                <a16:creationId xmlns:a16="http://schemas.microsoft.com/office/drawing/2014/main" id="{9A7192B2-D6BD-489B-AC0D-D2D523768840}"/>
+              </a:ext>
+            </a:extLst>
+          </p:cNvPr>
+          <p:cNvSpPr>
+            <a:spLocks noGrp="1"/>
+          </p:cNvSpPr>
+          <p:nvPr>
+            <p:ph type="ftr" sz="quarter" idx="10"/>
+          </p:nvPr>
+        </p:nvSpPr>
+        <p:spPr/>
+        <p:txBody>
+          <a:bodyPr/>
+          <a:lstStyle/>
+          <a:p>
+            <a:pPr algn="l"/>
+            <a:r>
+              <a:rPr lang="en-US"/>
+              <a:t>© Kalyan Reddy Daida</a:t>
+            </a:r>
+            <a:endParaRPr lang="en-GB" dirty="0"/>
+          </a:p>
+        </p:txBody>
+      </p:sp>
+      <p:sp>
+        <p:nvSpPr>
+          <p:cNvPr id="3" name="Content Placeholder 2">
+            <a:extLst>
+              <a:ext uri="{FF2B5EF4-FFF2-40B4-BE49-F238E27FC236}">
+                <a16:creationId xmlns:a16="http://schemas.microsoft.com/office/drawing/2014/main" id="{9A616FCB-A013-44E3-BBCD-8EFDF68CF75A}"/>
+              </a:ext>
+            </a:extLst>
+          </p:cNvPr>
+          <p:cNvSpPr>
+            <a:spLocks noGrp="1"/>
+          </p:cNvSpPr>
+          <p:nvPr>
+            <p:ph idx="1"/>
+          </p:nvPr>
+        </p:nvSpPr>
+        <p:spPr>
+          <a:xfrm>
+            <a:off x="6518178" y="1593017"/>
+            <a:ext cx="7947044" cy="5590922"/>
+          </a:xfrm>
+        </p:spPr>
+        <p:txBody>
+          <a:bodyPr/>
+          <a:lstStyle/>
+          <a:p>
+            <a:r>
+              <a:rPr lang="en-IN" dirty="0" err="1">
+                <a:solidFill>
+                  <a:schemeClr val="accent6">
+                    <a:lumMod val="75000"/>
+                  </a:schemeClr>
+                </a:solidFill>
+              </a:rPr>
+              <a:t>Kubelet</a:t>
+            </a:r>
+            <a:endParaRPr lang="en-IN" dirty="0">
+              <a:solidFill>
+                <a:schemeClr val="accent6">
+                  <a:lumMod val="75000"/>
+                </a:schemeClr>
+              </a:solidFill>
+            </a:endParaRPr>
+          </a:p>
+          <a:p>
+            <a:pPr lvl="1"/>
+            <a:r>
+              <a:rPr lang="en-IN" dirty="0" err="1"/>
+              <a:t>Kubelet</a:t>
+            </a:r>
+            <a:r>
+              <a:rPr lang="en-IN" dirty="0"/>
+              <a:t> is the </a:t>
+            </a:r>
+            <a:r>
+              <a:rPr lang="en-IN" dirty="0">
+                <a:solidFill>
+                  <a:srgbClr val="0070C0"/>
+                </a:solidFill>
+              </a:rPr>
+              <a:t>agent</a:t>
+            </a:r>
+            <a:r>
+              <a:rPr lang="en-IN" dirty="0"/>
+              <a:t> that runs on every node in the cluster</a:t>
+            </a:r>
+          </a:p>
+          <a:p>
+            <a:pPr lvl="1"/>
+            <a:r>
+              <a:rPr lang="en-IN" dirty="0"/>
+              <a:t>This agent is </a:t>
+            </a:r>
+            <a:r>
+              <a:rPr lang="en-IN" dirty="0">
+                <a:solidFill>
+                  <a:srgbClr val="0070C0"/>
+                </a:solidFill>
+              </a:rPr>
+              <a:t>responsible</a:t>
+            </a:r>
+            <a:r>
+              <a:rPr lang="en-IN" dirty="0"/>
+              <a:t> for making sure that containers are running in a Pod on a node.</a:t>
+            </a:r>
+          </a:p>
+          <a:p>
+            <a:r>
+              <a:rPr lang="en-IN" dirty="0" err="1">
+                <a:solidFill>
+                  <a:schemeClr val="accent6">
+                    <a:lumMod val="75000"/>
+                  </a:schemeClr>
+                </a:solidFill>
+              </a:rPr>
+              <a:t>Kube</a:t>
+            </a:r>
+            <a:r>
+              <a:rPr lang="en-IN" dirty="0">
+                <a:solidFill>
+                  <a:schemeClr val="accent6">
+                    <a:lumMod val="75000"/>
+                  </a:schemeClr>
+                </a:solidFill>
+              </a:rPr>
+              <a:t>-Proxy</a:t>
+            </a:r>
+          </a:p>
+          <a:p>
+            <a:pPr lvl="1"/>
+            <a:r>
+              <a:rPr lang="en-US" dirty="0"/>
+              <a:t>It is a </a:t>
+            </a:r>
+            <a:r>
+              <a:rPr lang="en-US" dirty="0">
+                <a:solidFill>
+                  <a:srgbClr val="0070C0"/>
+                </a:solidFill>
+              </a:rPr>
+              <a:t>network proxy </a:t>
+            </a:r>
+            <a:r>
+              <a:rPr lang="en-US" dirty="0"/>
+              <a:t>that runs on each node in your cluster.</a:t>
+            </a:r>
+          </a:p>
+          <a:p>
+            <a:pPr lvl="1"/>
+            <a:r>
+              <a:rPr lang="en-US" dirty="0"/>
+              <a:t>It maintains </a:t>
+            </a:r>
+            <a:r>
+              <a:rPr lang="en-US" dirty="0">
+                <a:solidFill>
+                  <a:srgbClr val="0070C0"/>
+                </a:solidFill>
+              </a:rPr>
+              <a:t>network rules </a:t>
+            </a:r>
+            <a:r>
+              <a:rPr lang="en-US" dirty="0"/>
+              <a:t>on nodes</a:t>
+            </a:r>
+          </a:p>
+          <a:p>
+            <a:pPr lvl="1"/>
+            <a:r>
+              <a:rPr lang="en-US" dirty="0"/>
+              <a:t>In short, these network rules allow network communication to your Pods from network sessions inside or outside of your cluster.</a:t>
+            </a:r>
+            <a:endParaRPr lang="en-IN" dirty="0"/>
+          </a:p>
+          <a:p>
+            <a:pPr lvl="1"/>
+            <a:endParaRPr lang="en-IN" dirty="0"/>
+          </a:p>
+        </p:txBody>
+      </p:sp>
+      <p:sp>
+        <p:nvSpPr>
+          <p:cNvPr id="4" name="Title 3">
+            <a:extLst>
+              <a:ext uri="{FF2B5EF4-FFF2-40B4-BE49-F238E27FC236}">
+                <a16:creationId xmlns:a16="http://schemas.microsoft.com/office/drawing/2014/main" id="{9C27B718-2820-4423-8DA3-52B48E158A5A}"/>
+              </a:ext>
+            </a:extLst>
+          </p:cNvPr>
+          <p:cNvSpPr>
+            <a:spLocks noGrp="1"/>
+          </p:cNvSpPr>
+          <p:nvPr>
+            <p:ph type="title"/>
+          </p:nvPr>
+        </p:nvSpPr>
+        <p:spPr/>
+        <p:txBody>
+          <a:bodyPr/>
+          <a:lstStyle/>
+          <a:p>
+            <a:r>
+              <a:rPr lang="en-IN" dirty="0"/>
+              <a:t>Kubernetes Architecture – </a:t>
+            </a:r>
+            <a:r>
+              <a:rPr lang="en-IN" dirty="0">
+                <a:solidFill>
+                  <a:srgbClr val="00B050"/>
+                </a:solidFill>
+              </a:rPr>
+              <a:t>Worker Nodes</a:t>
+            </a:r>
+          </a:p>
+        </p:txBody>
+      </p:sp>
+      <p:sp>
+        <p:nvSpPr>
+          <p:cNvPr id="5" name="Rectangle 4">
+            <a:extLst>
+              <a:ext uri="{FF2B5EF4-FFF2-40B4-BE49-F238E27FC236}">
+                <a16:creationId xmlns:a16="http://schemas.microsoft.com/office/drawing/2014/main" id="{7BE438FC-67CB-4D2F-AA35-5180353C4EB5}"/>
+              </a:ext>
+            </a:extLst>
+          </p:cNvPr>
+          <p:cNvSpPr/>
+          <p:nvPr/>
+        </p:nvSpPr>
+        <p:spPr>
+          <a:xfrm>
+            <a:off x="317374" y="1619743"/>
+            <a:ext cx="4761187" cy="2495057"/>
+          </a:xfrm>
+          <a:prstGeom prst="rect">
+            <a:avLst/>
+          </a:prstGeom>
+          <a:noFill/>
+          <a:ln w="63500">
+            <a:solidFill>
+              <a:srgbClr val="0070C0"/>
+            </a:solidFill>
+          </a:ln>
+        </p:spPr>
+        <p:style>
+          <a:lnRef idx="2">
+            <a:schemeClr val="accent1">
+              <a:shade val="50000"/>
+            </a:schemeClr>
+          </a:lnRef>
+          <a:fillRef idx="1">
+            <a:schemeClr val="accent1"/>
+          </a:fillRef>
+          <a:effectRef idx="0">
+            <a:schemeClr val="accent1"/>
+          </a:effectRef>
+          <a:fontRef idx="minor">
+            <a:schemeClr val="lt1"/>
+          </a:fontRef>
+        </p:style>
+        <p:txBody>
+          <a:bodyPr rtlCol="0" anchor="ctr"/>
+          <a:lstStyle/>
+          <a:p>
+            <a:pPr algn="ctr"/>
+            <a:endParaRPr lang="en-IN"/>
+          </a:p>
+        </p:txBody>
+      </p:sp>
+      <p:sp>
+        <p:nvSpPr>
+          <p:cNvPr id="6" name="Rectangle 5">
+            <a:extLst>
+              <a:ext uri="{FF2B5EF4-FFF2-40B4-BE49-F238E27FC236}">
+                <a16:creationId xmlns:a16="http://schemas.microsoft.com/office/drawing/2014/main" id="{D336941F-717B-48A5-B147-20200A85CAED}"/>
+              </a:ext>
+            </a:extLst>
+          </p:cNvPr>
+          <p:cNvSpPr/>
+          <p:nvPr/>
+        </p:nvSpPr>
+        <p:spPr>
+          <a:xfrm>
+            <a:off x="3223291" y="2460103"/>
+            <a:ext cx="1469985" cy="584776"/>
+          </a:xfrm>
+          <a:prstGeom prst="rect">
+            <a:avLst/>
+          </a:prstGeom>
+          <a:solidFill>
+            <a:srgbClr val="00B0F0"/>
+          </a:solidFill>
+          <a:ln>
+            <a:noFill/>
+          </a:ln>
+        </p:spPr>
+        <p:style>
+          <a:lnRef idx="2">
+            <a:schemeClr val="accent1">
+              <a:shade val="50000"/>
+            </a:schemeClr>
+          </a:lnRef>
+          <a:fillRef idx="1">
+            <a:schemeClr val="accent1"/>
+          </a:fillRef>
+          <a:effectRef idx="0">
+            <a:schemeClr val="accent1"/>
+          </a:effectRef>
+          <a:fontRef idx="minor">
+            <a:schemeClr val="lt1"/>
+          </a:fontRef>
+        </p:style>
+        <p:txBody>
+          <a:bodyPr rtlCol="0" anchor="ctr"/>
+          <a:lstStyle/>
+          <a:p>
+            <a:pPr algn="ctr"/>
+            <a:r>
+              <a:rPr lang="en-IN" sz="1800" dirty="0" err="1"/>
+              <a:t>Kube</a:t>
+            </a:r>
+            <a:r>
+              <a:rPr lang="en-IN" sz="1800" dirty="0"/>
+              <a:t>-Proxy</a:t>
+            </a:r>
+          </a:p>
+        </p:txBody>
+      </p:sp>
+      <p:sp>
+        <p:nvSpPr>
+          <p:cNvPr id="7" name="TextBox 6">
+            <a:extLst>
+              <a:ext uri="{FF2B5EF4-FFF2-40B4-BE49-F238E27FC236}">
+                <a16:creationId xmlns:a16="http://schemas.microsoft.com/office/drawing/2014/main" id="{10F56661-C9FC-46CF-A13C-716D46BD7127}"/>
+              </a:ext>
+            </a:extLst>
+          </p:cNvPr>
+          <p:cNvSpPr txBox="1"/>
+          <p:nvPr/>
+        </p:nvSpPr>
+        <p:spPr>
+          <a:xfrm>
+            <a:off x="1539342" y="1605304"/>
+            <a:ext cx="2404826" cy="584775"/>
+          </a:xfrm>
+          <a:prstGeom prst="rect">
+            <a:avLst/>
+          </a:prstGeom>
+          <a:noFill/>
+        </p:spPr>
+        <p:txBody>
+          <a:bodyPr wrap="none" rtlCol="0">
+            <a:spAutoFit/>
+          </a:bodyPr>
+          <a:lstStyle/>
+          <a:p>
+            <a:r>
+              <a:rPr lang="en-IN" sz="3200" dirty="0">
+                <a:solidFill>
+                  <a:srgbClr val="0070C0"/>
+                </a:solidFill>
+              </a:rPr>
+              <a:t>Worker Node</a:t>
+            </a:r>
+          </a:p>
+        </p:txBody>
+      </p:sp>
+      <p:sp>
+        <p:nvSpPr>
+          <p:cNvPr id="8" name="Rectangle 7">
+            <a:extLst>
+              <a:ext uri="{FF2B5EF4-FFF2-40B4-BE49-F238E27FC236}">
+                <a16:creationId xmlns:a16="http://schemas.microsoft.com/office/drawing/2014/main" id="{FCC62996-8BBC-465C-864C-B7513E173178}"/>
+              </a:ext>
+            </a:extLst>
+          </p:cNvPr>
+          <p:cNvSpPr/>
+          <p:nvPr/>
+        </p:nvSpPr>
+        <p:spPr>
+          <a:xfrm>
+            <a:off x="3087358" y="2342780"/>
+            <a:ext cx="1713620" cy="822259"/>
+          </a:xfrm>
+          <a:prstGeom prst="rect">
+            <a:avLst/>
+          </a:prstGeom>
+          <a:noFill/>
+          <a:ln w="31750">
+            <a:solidFill>
+              <a:srgbClr val="00B0F0"/>
+            </a:solidFill>
+          </a:ln>
+        </p:spPr>
+        <p:style>
+          <a:lnRef idx="2">
+            <a:schemeClr val="accent1">
+              <a:shade val="50000"/>
+            </a:schemeClr>
+          </a:lnRef>
+          <a:fillRef idx="1">
+            <a:schemeClr val="accent1"/>
+          </a:fillRef>
+          <a:effectRef idx="0">
+            <a:schemeClr val="accent1"/>
+          </a:effectRef>
+          <a:fontRef idx="minor">
+            <a:schemeClr val="lt1"/>
+          </a:fontRef>
+        </p:style>
+        <p:txBody>
+          <a:bodyPr rtlCol="0" anchor="ctr"/>
+          <a:lstStyle/>
+          <a:p>
+            <a:pPr algn="ctr"/>
+            <a:endParaRPr lang="en-IN"/>
+          </a:p>
+        </p:txBody>
+      </p:sp>
+      <p:sp>
+        <p:nvSpPr>
+          <p:cNvPr id="9" name="Rectangle 8">
+            <a:extLst>
+              <a:ext uri="{FF2B5EF4-FFF2-40B4-BE49-F238E27FC236}">
+                <a16:creationId xmlns:a16="http://schemas.microsoft.com/office/drawing/2014/main" id="{9FE4093C-A69E-49E0-9ECC-D29562A9BF1D}"/>
+              </a:ext>
+            </a:extLst>
+          </p:cNvPr>
+          <p:cNvSpPr/>
+          <p:nvPr/>
+        </p:nvSpPr>
+        <p:spPr>
+          <a:xfrm>
+            <a:off x="763103" y="2460941"/>
+            <a:ext cx="1469985" cy="584776"/>
+          </a:xfrm>
+          <a:prstGeom prst="rect">
+            <a:avLst/>
+          </a:prstGeom>
+          <a:solidFill>
+            <a:schemeClr val="tx1">
+              <a:lumMod val="95000"/>
+              <a:lumOff val="5000"/>
+            </a:schemeClr>
+          </a:solidFill>
+          <a:ln>
+            <a:noFill/>
+          </a:ln>
+        </p:spPr>
+        <p:style>
+          <a:lnRef idx="2">
+            <a:schemeClr val="accent1">
+              <a:shade val="50000"/>
+            </a:schemeClr>
+          </a:lnRef>
+          <a:fillRef idx="1">
+            <a:schemeClr val="accent1"/>
+          </a:fillRef>
+          <a:effectRef idx="0">
+            <a:schemeClr val="accent1"/>
+          </a:effectRef>
+          <a:fontRef idx="minor">
+            <a:schemeClr val="lt1"/>
+          </a:fontRef>
+        </p:style>
+        <p:txBody>
+          <a:bodyPr rtlCol="0" anchor="ctr"/>
+          <a:lstStyle/>
+          <a:p>
+            <a:pPr algn="ctr"/>
+            <a:r>
+              <a:rPr lang="en-IN" sz="1800" dirty="0" err="1"/>
+              <a:t>Kubelet</a:t>
+            </a:r>
+            <a:endParaRPr lang="en-IN" sz="1800" dirty="0"/>
+          </a:p>
+        </p:txBody>
+      </p:sp>
+      <p:sp>
+        <p:nvSpPr>
+          <p:cNvPr id="10" name="Rectangle 9">
+            <a:extLst>
+              <a:ext uri="{FF2B5EF4-FFF2-40B4-BE49-F238E27FC236}">
+                <a16:creationId xmlns:a16="http://schemas.microsoft.com/office/drawing/2014/main" id="{7DCC4E57-0662-4C65-B4D4-B02FD4F0BD91}"/>
+              </a:ext>
+            </a:extLst>
+          </p:cNvPr>
+          <p:cNvSpPr/>
+          <p:nvPr/>
+        </p:nvSpPr>
+        <p:spPr>
+          <a:xfrm>
+            <a:off x="638745" y="2343618"/>
+            <a:ext cx="1713620" cy="822259"/>
+          </a:xfrm>
+          <a:prstGeom prst="rect">
+            <a:avLst/>
+          </a:prstGeom>
+          <a:noFill/>
+          <a:ln w="31750">
+            <a:solidFill>
+              <a:schemeClr val="tx1">
+                <a:lumMod val="95000"/>
+                <a:lumOff val="5000"/>
+              </a:schemeClr>
+            </a:solidFill>
+          </a:ln>
+        </p:spPr>
+        <p:style>
+          <a:lnRef idx="2">
+            <a:schemeClr val="accent1">
+              <a:shade val="50000"/>
+            </a:schemeClr>
+          </a:lnRef>
+          <a:fillRef idx="1">
+            <a:schemeClr val="accent1"/>
+          </a:fillRef>
+          <a:effectRef idx="0">
+            <a:schemeClr val="accent1"/>
+          </a:effectRef>
+          <a:fontRef idx="minor">
+            <a:schemeClr val="lt1"/>
+          </a:fontRef>
+        </p:style>
+        <p:txBody>
+          <a:bodyPr rtlCol="0" anchor="ctr"/>
+          <a:lstStyle/>
+          <a:p>
+            <a:pPr algn="ctr"/>
+            <a:endParaRPr lang="en-IN" sz="1800"/>
+          </a:p>
+        </p:txBody>
+      </p:sp>
+      <p:sp>
+        <p:nvSpPr>
+          <p:cNvPr id="11" name="Rectangle 10">
+            <a:extLst>
+              <a:ext uri="{FF2B5EF4-FFF2-40B4-BE49-F238E27FC236}">
+                <a16:creationId xmlns:a16="http://schemas.microsoft.com/office/drawing/2014/main" id="{B3759A6F-2B41-43AF-9CC8-A9AC2FCB8A71}"/>
+              </a:ext>
+            </a:extLst>
+          </p:cNvPr>
+          <p:cNvSpPr/>
+          <p:nvPr/>
+        </p:nvSpPr>
+        <p:spPr>
+          <a:xfrm>
+            <a:off x="638745" y="3491696"/>
+            <a:ext cx="4269519" cy="393524"/>
+          </a:xfrm>
+          <a:prstGeom prst="rect">
+            <a:avLst/>
+          </a:prstGeom>
+          <a:solidFill>
+            <a:srgbClr val="00B050"/>
+          </a:solidFill>
+          <a:ln>
+            <a:noFill/>
+          </a:ln>
+        </p:spPr>
+        <p:style>
+          <a:lnRef idx="2">
+            <a:schemeClr val="accent1">
+              <a:shade val="50000"/>
+            </a:schemeClr>
+          </a:lnRef>
+          <a:fillRef idx="1">
+            <a:schemeClr val="accent1"/>
+          </a:fillRef>
+          <a:effectRef idx="0">
+            <a:schemeClr val="accent1"/>
+          </a:effectRef>
+          <a:fontRef idx="minor">
+            <a:schemeClr val="lt1"/>
+          </a:fontRef>
+        </p:style>
+        <p:txBody>
+          <a:bodyPr rtlCol="0" anchor="ctr"/>
+          <a:lstStyle/>
+          <a:p>
+            <a:pPr algn="ctr"/>
+            <a:r>
+              <a:rPr lang="en-IN" sz="1800" dirty="0"/>
+              <a:t>Container Runtime (Docker)</a:t>
+            </a:r>
+          </a:p>
+        </p:txBody>
+      </p:sp>
+      <p:sp>
+        <p:nvSpPr>
+          <p:cNvPr id="12" name="Content Placeholder 2">
+            <a:extLst>
+              <a:ext uri="{FF2B5EF4-FFF2-40B4-BE49-F238E27FC236}">
+                <a16:creationId xmlns:a16="http://schemas.microsoft.com/office/drawing/2014/main" id="{CFA6D425-6595-4DC0-A356-AB9F3D5D0667}"/>
+              </a:ext>
+            </a:extLst>
+          </p:cNvPr>
+          <p:cNvSpPr txBox="1">
+            <a:spLocks/>
+          </p:cNvSpPr>
+          <p:nvPr/>
+        </p:nvSpPr>
+        <p:spPr>
+          <a:xfrm>
+            <a:off x="165178" y="4268159"/>
+            <a:ext cx="6768057" cy="3767620"/>
+          </a:xfrm>
+          <a:prstGeom prst="rect">
+            <a:avLst/>
+          </a:prstGeom>
+        </p:spPr>
+        <p:txBody>
+          <a:bodyPr vert="horz" lIns="109728" tIns="54864" rIns="109728" bIns="54864" rtlCol="0">
+            <a:normAutofit/>
+          </a:bodyPr>
+          <a:lstStyle>
+            <a:lvl1pPr marL="274320" indent="-274320" algn="l" defTabSz="1097280" rtl="0" eaLnBrk="1" latinLnBrk="0" hangingPunct="1">
+              <a:lnSpc>
+                <a:spcPct val="90000"/>
+              </a:lnSpc>
+              <a:spcBef>
+                <a:spcPts val="1200"/>
+              </a:spcBef>
+              <a:buFont typeface="Arial" panose="020B0604020202020204" pitchFamily="34" charset="0"/>
+              <a:buChar char="•"/>
+              <a:defRPr sz="3400" kern="1200">
+                <a:solidFill>
+                  <a:schemeClr val="tx1"/>
+                </a:solidFill>
+                <a:latin typeface="+mn-lt"/>
+                <a:ea typeface="+mn-ea"/>
+                <a:cs typeface="+mn-cs"/>
+              </a:defRPr>
+            </a:lvl1pPr>
+            <a:lvl2pPr marL="822960" indent="-274320" algn="l" defTabSz="1097280" rtl="0" eaLnBrk="1" latinLnBrk="0" hangingPunct="1">
+              <a:lnSpc>
+                <a:spcPct val="90000"/>
+              </a:lnSpc>
+              <a:spcBef>
+                <a:spcPts val="600"/>
+              </a:spcBef>
+              <a:buFont typeface="Arial" panose="020B0604020202020204" pitchFamily="34" charset="0"/>
+              <a:buChar char="•"/>
+              <a:defRPr sz="2900" kern="1200">
+                <a:solidFill>
+                  <a:schemeClr val="tx1"/>
+                </a:solidFill>
+                <a:latin typeface="+mn-lt"/>
+                <a:ea typeface="+mn-ea"/>
+                <a:cs typeface="+mn-cs"/>
+              </a:defRPr>
+            </a:lvl2pPr>
+            <a:lvl3pPr marL="1371600" indent="-274320" algn="l" defTabSz="1097280" rtl="0" eaLnBrk="1" latinLnBrk="0" hangingPunct="1">
+              <a:lnSpc>
+                <a:spcPct val="90000"/>
+              </a:lnSpc>
+              <a:spcBef>
+                <a:spcPts val="600"/>
+              </a:spcBef>
+              <a:buFont typeface="Arial" panose="020B0604020202020204" pitchFamily="34" charset="0"/>
+              <a:buChar char="•"/>
+              <a:defRPr sz="2400" kern="1200">
+                <a:solidFill>
+                  <a:schemeClr val="tx1"/>
+                </a:solidFill>
+                <a:latin typeface="+mn-lt"/>
+                <a:ea typeface="+mn-ea"/>
+                <a:cs typeface="+mn-cs"/>
+              </a:defRPr>
+            </a:lvl3pPr>
+            <a:lvl4pPr marL="1920240" indent="-274320" algn="l" defTabSz="1097280" rtl="0" eaLnBrk="1" latinLnBrk="0" hangingPunct="1">
+              <a:lnSpc>
+                <a:spcPct val="90000"/>
+              </a:lnSpc>
+              <a:spcBef>
+                <a:spcPts val="600"/>
+              </a:spcBef>
+              <a:buFont typeface="Arial" panose="020B0604020202020204" pitchFamily="34" charset="0"/>
+              <a:buChar char="•"/>
+              <a:defRPr sz="2200" kern="1200">
+                <a:solidFill>
+                  <a:schemeClr val="tx1"/>
+                </a:solidFill>
+                <a:latin typeface="+mn-lt"/>
+                <a:ea typeface="+mn-ea"/>
+                <a:cs typeface="+mn-cs"/>
+              </a:defRPr>
+            </a:lvl4pPr>
+            <a:lvl5pPr marL="2468880" indent="-274320" algn="l" defTabSz="1097280" rtl="0" eaLnBrk="1" latinLnBrk="0" hangingPunct="1">
+              <a:lnSpc>
+                <a:spcPct val="90000"/>
+              </a:lnSpc>
+              <a:spcBef>
+                <a:spcPts val="600"/>
+              </a:spcBef>
+              <a:buFont typeface="Arial" panose="020B0604020202020204" pitchFamily="34" charset="0"/>
+              <a:buChar char="•"/>
+              <a:defRPr sz="2200" kern="1200">
+                <a:solidFill>
+                  <a:schemeClr val="tx1"/>
+                </a:solidFill>
+                <a:latin typeface="+mn-lt"/>
+                <a:ea typeface="+mn-ea"/>
+                <a:cs typeface="+mn-cs"/>
+              </a:defRPr>
+            </a:lvl5pPr>
+            <a:lvl6pPr marL="3017520" indent="-274320" algn="l" defTabSz="1097280" rtl="0" eaLnBrk="1" latinLnBrk="0" hangingPunct="1">
+              <a:lnSpc>
+                <a:spcPct val="90000"/>
+              </a:lnSpc>
+              <a:spcBef>
+                <a:spcPts val="600"/>
+              </a:spcBef>
+              <a:buFont typeface="Arial" panose="020B0604020202020204" pitchFamily="34" charset="0"/>
+              <a:buChar char="•"/>
+              <a:defRPr sz="2200" kern="1200">
+                <a:solidFill>
+                  <a:schemeClr val="tx1"/>
+                </a:solidFill>
+                <a:latin typeface="+mn-lt"/>
+                <a:ea typeface="+mn-ea"/>
+                <a:cs typeface="+mn-cs"/>
+              </a:defRPr>
+            </a:lvl6pPr>
+            <a:lvl7pPr marL="3566160" indent="-274320" algn="l" defTabSz="1097280" rtl="0" eaLnBrk="1" latinLnBrk="0" hangingPunct="1">
+              <a:lnSpc>
+                <a:spcPct val="90000"/>
+              </a:lnSpc>
+              <a:spcBef>
+                <a:spcPts val="600"/>
+              </a:spcBef>
+              <a:buFont typeface="Arial" panose="020B0604020202020204" pitchFamily="34" charset="0"/>
+              <a:buChar char="•"/>
+              <a:defRPr sz="2200" kern="1200">
+                <a:solidFill>
+                  <a:schemeClr val="tx1"/>
+                </a:solidFill>
+                <a:latin typeface="+mn-lt"/>
+                <a:ea typeface="+mn-ea"/>
+                <a:cs typeface="+mn-cs"/>
+              </a:defRPr>
+            </a:lvl7pPr>
+            <a:lvl8pPr marL="4114800" indent="-274320" algn="l" defTabSz="1097280" rtl="0" eaLnBrk="1" latinLnBrk="0" hangingPunct="1">
+              <a:lnSpc>
+                <a:spcPct val="90000"/>
+              </a:lnSpc>
+              <a:spcBef>
+                <a:spcPts val="600"/>
+              </a:spcBef>
+              <a:buFont typeface="Arial" panose="020B0604020202020204" pitchFamily="34" charset="0"/>
+              <a:buChar char="•"/>
+              <a:defRPr sz="2200" kern="1200">
+                <a:solidFill>
+                  <a:schemeClr val="tx1"/>
+                </a:solidFill>
+                <a:latin typeface="+mn-lt"/>
+                <a:ea typeface="+mn-ea"/>
+                <a:cs typeface="+mn-cs"/>
+              </a:defRPr>
+            </a:lvl8pPr>
+            <a:lvl9pPr marL="4663440" indent="-274320" algn="l" defTabSz="1097280" rtl="0" eaLnBrk="1" latinLnBrk="0" hangingPunct="1">
+              <a:lnSpc>
+                <a:spcPct val="90000"/>
+              </a:lnSpc>
+              <a:spcBef>
+                <a:spcPts val="600"/>
+              </a:spcBef>
+              <a:buFont typeface="Arial" panose="020B0604020202020204" pitchFamily="34" charset="0"/>
+              <a:buChar char="•"/>
+              <a:defRPr sz="2200" kern="1200">
+                <a:solidFill>
+                  <a:schemeClr val="tx1"/>
+                </a:solidFill>
+                <a:latin typeface="+mn-lt"/>
+                <a:ea typeface="+mn-ea"/>
+                <a:cs typeface="+mn-cs"/>
+              </a:defRPr>
+            </a:lvl9pPr>
+          </a:lstStyle>
+          <a:p>
+            <a:r>
+              <a:rPr lang="en-IN" dirty="0">
+                <a:solidFill>
+                  <a:schemeClr val="accent6">
+                    <a:lumMod val="75000"/>
+                  </a:schemeClr>
+                </a:solidFill>
+              </a:rPr>
+              <a:t>Container Runtime</a:t>
+            </a:r>
+          </a:p>
+          <a:p>
+            <a:pPr lvl="1"/>
+            <a:r>
+              <a:rPr lang="en-IN" dirty="0"/>
+              <a:t>Container Runtime is the </a:t>
+            </a:r>
+            <a:r>
+              <a:rPr lang="en-IN" dirty="0">
+                <a:solidFill>
+                  <a:srgbClr val="0070C0"/>
+                </a:solidFill>
+              </a:rPr>
+              <a:t>underlying software </a:t>
+            </a:r>
+            <a:r>
+              <a:rPr lang="en-IN" dirty="0"/>
+              <a:t>where we run all these Kubernetes components. </a:t>
+            </a:r>
+          </a:p>
+          <a:p>
+            <a:pPr lvl="1"/>
+            <a:r>
+              <a:rPr lang="en-IN" dirty="0"/>
+              <a:t>We are using Docker, but we have other runtime options like </a:t>
+            </a:r>
+            <a:r>
+              <a:rPr lang="en-IN" dirty="0" err="1"/>
+              <a:t>rkt</a:t>
+            </a:r>
+            <a:r>
+              <a:rPr lang="en-IN" dirty="0"/>
+              <a:t>, container-d etc.</a:t>
+            </a:r>
+          </a:p>
+          <a:p>
+            <a:pPr lvl="1"/>
+            <a:endParaRPr lang="en-IN" dirty="0"/>
+          </a:p>
+        </p:txBody>
+      </p:sp>
+    </p:spTree>
+    <p:extLst>
+      <p:ext uri="{BB962C8B-B14F-4D97-AF65-F5344CB8AC3E}">
+        <p14:creationId xmlns:p14="http://schemas.microsoft.com/office/powerpoint/2010/main" val="2191666897"/>
       </p:ext>
     </p:extLst>
   </p:cSld>
@@ -4138,9 +10028,12 @@
 </file>
 
 <file path=customXml/item1.xml><?xml version="1.0" encoding="utf-8"?>
-<p:properties xmlns:p="http://schemas.microsoft.com/office/2006/metadata/properties" xmlns:xsi="http://www.w3.org/2001/XMLSchema-instance" xmlns:pc="http://schemas.microsoft.com/office/infopath/2007/PartnerControls">
-  <documentManagement/>
-</p:properties>
+<?mso-contentType ?>
+<FormTemplates xmlns="http://schemas.microsoft.com/sharepoint/v3/contenttype/forms">
+  <Display>DocumentLibraryForm</Display>
+  <Edit>DocumentLibraryForm</Edit>
+  <New>DocumentLibraryForm</New>
+</FormTemplates>
 </file>
 
 <file path=customXml/item2.xml><?xml version="1.0" encoding="utf-8"?>
@@ -4349,27 +10242,15 @@
 </file>
 
 <file path=customXml/item3.xml><?xml version="1.0" encoding="utf-8"?>
-<?mso-contentType ?>
-<FormTemplates xmlns="http://schemas.microsoft.com/sharepoint/v3/contenttype/forms">
-  <Display>DocumentLibraryForm</Display>
-  <Edit>DocumentLibraryForm</Edit>
-  <New>DocumentLibraryForm</New>
-</FormTemplates>
+<p:properties xmlns:p="http://schemas.microsoft.com/office/2006/metadata/properties" xmlns:xsi="http://www.w3.org/2001/XMLSchema-instance" xmlns:pc="http://schemas.microsoft.com/office/infopath/2007/PartnerControls">
+  <documentManagement/>
+</p:properties>
 </file>
 
 <file path=customXml/itemProps1.xml><?xml version="1.0" encoding="utf-8"?>
-<ds:datastoreItem xmlns:ds="http://schemas.openxmlformats.org/officeDocument/2006/customXml" ds:itemID="{8CEC2339-1C1C-416D-9A21-94E8CFA5CBF4}">
+<ds:datastoreItem xmlns:ds="http://schemas.openxmlformats.org/officeDocument/2006/customXml" ds:itemID="{92F2D375-1062-4EE6-861C-05377A63E419}">
   <ds:schemaRefs>
-    <ds:schemaRef ds:uri="http://schemas.microsoft.com/office/2006/metadata/properties"/>
-    <ds:schemaRef ds:uri="http://purl.org/dc/terms/"/>
-    <ds:schemaRef ds:uri="http://schemas.microsoft.com/office/2006/documentManagement/types"/>
-    <ds:schemaRef ds:uri="http://purl.org/dc/elements/1.1/"/>
-    <ds:schemaRef ds:uri="9a51ea1a-1b1e-41ef-b441-1ee4f2fd8669"/>
-    <ds:schemaRef ds:uri="http://purl.org/dc/dcmitype/"/>
-    <ds:schemaRef ds:uri="http://schemas.microsoft.com/office/infopath/2007/PartnerControls"/>
-    <ds:schemaRef ds:uri="http://schemas.openxmlformats.org/package/2006/metadata/core-properties"/>
-    <ds:schemaRef ds:uri="1715a332-6e4d-4cad-94c4-6bada4eb9966"/>
-    <ds:schemaRef ds:uri="http://www.w3.org/XML/1998/namespace"/>
+    <ds:schemaRef ds:uri="http://schemas.microsoft.com/sharepoint/v3/contenttype/forms"/>
   </ds:schemaRefs>
 </ds:datastoreItem>
 </file>
@@ -4394,9 +10275,18 @@
 </file>
 
 <file path=customXml/itemProps3.xml><?xml version="1.0" encoding="utf-8"?>
-<ds:datastoreItem xmlns:ds="http://schemas.openxmlformats.org/officeDocument/2006/customXml" ds:itemID="{92F2D375-1062-4EE6-861C-05377A63E419}">
+<ds:datastoreItem xmlns:ds="http://schemas.openxmlformats.org/officeDocument/2006/customXml" ds:itemID="{8CEC2339-1C1C-416D-9A21-94E8CFA5CBF4}">
   <ds:schemaRefs>
-    <ds:schemaRef ds:uri="http://schemas.microsoft.com/sharepoint/v3/contenttype/forms"/>
+    <ds:schemaRef ds:uri="http://schemas.microsoft.com/office/2006/metadata/properties"/>
+    <ds:schemaRef ds:uri="http://purl.org/dc/terms/"/>
+    <ds:schemaRef ds:uri="http://schemas.microsoft.com/office/2006/documentManagement/types"/>
+    <ds:schemaRef ds:uri="http://purl.org/dc/elements/1.1/"/>
+    <ds:schemaRef ds:uri="9a51ea1a-1b1e-41ef-b441-1ee4f2fd8669"/>
+    <ds:schemaRef ds:uri="http://purl.org/dc/dcmitype/"/>
+    <ds:schemaRef ds:uri="http://schemas.microsoft.com/office/infopath/2007/PartnerControls"/>
+    <ds:schemaRef ds:uri="http://schemas.openxmlformats.org/package/2006/metadata/core-properties"/>
+    <ds:schemaRef ds:uri="1715a332-6e4d-4cad-94c4-6bada4eb9966"/>
+    <ds:schemaRef ds:uri="http://www.w3.org/XML/1998/namespace"/>
   </ds:schemaRefs>
 </ds:datastoreItem>
 </file>
--- a/presentation/AWS-Fargate-and-EKS-Masterclass.pptx
+++ b/presentation/AWS-Fargate-and-EKS-Masterclass.pptx
@@ -5,50 +5,51 @@
     <p:sldMasterId id="2147483648" r:id="rId4"/>
   </p:sldMasterIdLst>
   <p:notesMasterIdLst>
-    <p:notesMasterId r:id="rId46"/>
+    <p:notesMasterId r:id="rId47"/>
   </p:notesMasterIdLst>
   <p:sldIdLst>
     <p:sldId id="256" r:id="rId5"/>
-    <p:sldId id="882" r:id="rId6"/>
-    <p:sldId id="995" r:id="rId7"/>
-    <p:sldId id="1002" r:id="rId8"/>
-    <p:sldId id="997" r:id="rId9"/>
-    <p:sldId id="999" r:id="rId10"/>
-    <p:sldId id="993" r:id="rId11"/>
-    <p:sldId id="998" r:id="rId12"/>
-    <p:sldId id="1000" r:id="rId13"/>
-    <p:sldId id="1001" r:id="rId14"/>
-    <p:sldId id="996" r:id="rId15"/>
-    <p:sldId id="1006" r:id="rId16"/>
-    <p:sldId id="994" r:id="rId17"/>
-    <p:sldId id="1004" r:id="rId18"/>
-    <p:sldId id="1032" r:id="rId19"/>
-    <p:sldId id="1010" r:id="rId20"/>
-    <p:sldId id="1009" r:id="rId21"/>
-    <p:sldId id="1034" r:id="rId22"/>
-    <p:sldId id="1012" r:id="rId23"/>
-    <p:sldId id="1039" r:id="rId24"/>
-    <p:sldId id="1035" r:id="rId25"/>
-    <p:sldId id="1016" r:id="rId26"/>
-    <p:sldId id="1036" r:id="rId27"/>
-    <p:sldId id="1037" r:id="rId28"/>
-    <p:sldId id="1018" r:id="rId29"/>
-    <p:sldId id="1038" r:id="rId30"/>
-    <p:sldId id="1021" r:id="rId31"/>
-    <p:sldId id="1024" r:id="rId32"/>
-    <p:sldId id="1025" r:id="rId33"/>
-    <p:sldId id="1026" r:id="rId34"/>
-    <p:sldId id="1027" r:id="rId35"/>
-    <p:sldId id="1028" r:id="rId36"/>
-    <p:sldId id="1022" r:id="rId37"/>
-    <p:sldId id="1023" r:id="rId38"/>
-    <p:sldId id="1029" r:id="rId39"/>
-    <p:sldId id="1031" r:id="rId40"/>
-    <p:sldId id="1030" r:id="rId41"/>
-    <p:sldId id="1011" r:id="rId42"/>
-    <p:sldId id="1007" r:id="rId43"/>
-    <p:sldId id="1005" r:id="rId44"/>
-    <p:sldId id="1015" r:id="rId45"/>
+    <p:sldId id="1041" r:id="rId6"/>
+    <p:sldId id="882" r:id="rId7"/>
+    <p:sldId id="995" r:id="rId8"/>
+    <p:sldId id="1002" r:id="rId9"/>
+    <p:sldId id="997" r:id="rId10"/>
+    <p:sldId id="999" r:id="rId11"/>
+    <p:sldId id="993" r:id="rId12"/>
+    <p:sldId id="998" r:id="rId13"/>
+    <p:sldId id="1000" r:id="rId14"/>
+    <p:sldId id="1001" r:id="rId15"/>
+    <p:sldId id="996" r:id="rId16"/>
+    <p:sldId id="1006" r:id="rId17"/>
+    <p:sldId id="994" r:id="rId18"/>
+    <p:sldId id="1004" r:id="rId19"/>
+    <p:sldId id="1032" r:id="rId20"/>
+    <p:sldId id="1010" r:id="rId21"/>
+    <p:sldId id="1009" r:id="rId22"/>
+    <p:sldId id="1034" r:id="rId23"/>
+    <p:sldId id="1012" r:id="rId24"/>
+    <p:sldId id="1039" r:id="rId25"/>
+    <p:sldId id="1035" r:id="rId26"/>
+    <p:sldId id="1016" r:id="rId27"/>
+    <p:sldId id="1036" r:id="rId28"/>
+    <p:sldId id="1037" r:id="rId29"/>
+    <p:sldId id="1018" r:id="rId30"/>
+    <p:sldId id="1038" r:id="rId31"/>
+    <p:sldId id="1021" r:id="rId32"/>
+    <p:sldId id="1024" r:id="rId33"/>
+    <p:sldId id="1025" r:id="rId34"/>
+    <p:sldId id="1026" r:id="rId35"/>
+    <p:sldId id="1027" r:id="rId36"/>
+    <p:sldId id="1028" r:id="rId37"/>
+    <p:sldId id="1022" r:id="rId38"/>
+    <p:sldId id="1023" r:id="rId39"/>
+    <p:sldId id="1029" r:id="rId40"/>
+    <p:sldId id="1031" r:id="rId41"/>
+    <p:sldId id="1030" r:id="rId42"/>
+    <p:sldId id="1011" r:id="rId43"/>
+    <p:sldId id="1007" r:id="rId44"/>
+    <p:sldId id="1005" r:id="rId45"/>
+    <p:sldId id="1015" r:id="rId46"/>
   </p:sldIdLst>
   <p:sldSz cx="14630400" cy="8229600"/>
   <p:notesSz cx="6858000" cy="9144000"/>
@@ -260,7 +261,7 @@
           <a:p>
             <a:fld id="{70392B7C-7B94-48F3-AD53-1D9389467956}" type="datetimeFigureOut">
               <a:rPr lang="en-US" smtClean="0"/>
-              <a:t>5/12/20</a:t>
+              <a:t>6/8/20</a:t>
             </a:fld>
             <a:endParaRPr lang="en-US"/>
           </a:p>
@@ -592,7 +593,7 @@
           <a:p>
             <a:fld id="{7AD8FE51-5DD6-4BF3-9495-81C4A5D2F89C}" type="slidenum">
               <a:rPr lang="en-US" smtClean="0"/>
-              <a:t>15</a:t>
+              <a:t>16</a:t>
             </a:fld>
             <a:endParaRPr lang="en-US"/>
           </a:p>
@@ -676,7 +677,7 @@
           <a:p>
             <a:fld id="{7AD8FE51-5DD6-4BF3-9495-81C4A5D2F89C}" type="slidenum">
               <a:rPr lang="en-US" smtClean="0"/>
-              <a:t>16</a:t>
+              <a:t>17</a:t>
             </a:fld>
             <a:endParaRPr lang="en-US"/>
           </a:p>
@@ -760,7 +761,7 @@
           <a:p>
             <a:fld id="{7AD8FE51-5DD6-4BF3-9495-81C4A5D2F89C}" type="slidenum">
               <a:rPr lang="en-US" smtClean="0"/>
-              <a:t>17</a:t>
+              <a:t>18</a:t>
             </a:fld>
             <a:endParaRPr lang="en-US"/>
           </a:p>
@@ -844,7 +845,7 @@
           <a:p>
             <a:fld id="{7AD8FE51-5DD6-4BF3-9495-81C4A5D2F89C}" type="slidenum">
               <a:rPr lang="en-US" smtClean="0"/>
-              <a:t>40</a:t>
+              <a:t>41</a:t>
             </a:fld>
             <a:endParaRPr lang="en-US"/>
           </a:p>
@@ -3599,21 +3600,8 @@
           <a:p>
             <a:r>
               <a:rPr lang="en-US" sz="4000" dirty="0"/>
-              <a:t>AWS </a:t>
-            </a:r>
-            <a:r>
-              <a:rPr lang="en-US" sz="4000" dirty="0" err="1"/>
-              <a:t>Fargate</a:t>
-            </a:r>
-            <a:r>
-              <a:rPr lang="en-US" sz="4000" dirty="0"/>
-              <a:t> &amp; </a:t>
-            </a:r>
-            <a:r>
-              <a:rPr lang="en-US" sz="4000"/>
-              <a:t>EKS - Masterclass</a:t>
-            </a:r>
-            <a:endParaRPr lang="en-US" sz="4000" dirty="0"/>
+              <a:t>AWS Elastic Kubernetes Service - Masterclass</a:t>
+            </a:r>
           </a:p>
         </p:txBody>
       </p:sp>
@@ -3658,6 +3646,1006 @@
 </file>
 
 <file path=ppt/slides/slide10.xml><?xml version="1.0" encoding="utf-8"?>
+<p:sld xmlns:a="http://schemas.openxmlformats.org/drawingml/2006/main" xmlns:r="http://schemas.openxmlformats.org/officeDocument/2006/relationships" xmlns:p="http://schemas.openxmlformats.org/presentationml/2006/main">
+  <p:cSld>
+    <p:spTree>
+      <p:nvGrpSpPr>
+        <p:cNvPr id="1" name=""/>
+        <p:cNvGrpSpPr/>
+        <p:nvPr/>
+      </p:nvGrpSpPr>
+      <p:grpSpPr>
+        <a:xfrm>
+          <a:off x="0" y="0"/>
+          <a:ext cx="0" cy="0"/>
+          <a:chOff x="0" y="0"/>
+          <a:chExt cx="0" cy="0"/>
+        </a:xfrm>
+      </p:grpSpPr>
+      <p:sp>
+        <p:nvSpPr>
+          <p:cNvPr id="2" name="Footer Placeholder 1">
+            <a:extLst>
+              <a:ext uri="{FF2B5EF4-FFF2-40B4-BE49-F238E27FC236}">
+                <a16:creationId xmlns:a16="http://schemas.microsoft.com/office/drawing/2014/main" id="{78819D0E-61B2-4717-949A-53CE5D358278}"/>
+              </a:ext>
+            </a:extLst>
+          </p:cNvPr>
+          <p:cNvSpPr>
+            <a:spLocks noGrp="1"/>
+          </p:cNvSpPr>
+          <p:nvPr>
+            <p:ph type="ftr" sz="quarter" idx="10"/>
+          </p:nvPr>
+        </p:nvSpPr>
+        <p:spPr/>
+        <p:txBody>
+          <a:bodyPr/>
+          <a:lstStyle/>
+          <a:p>
+            <a:pPr algn="l"/>
+            <a:r>
+              <a:rPr lang="en-US" dirty="0"/>
+              <a:t>© Kalyan Reddy </a:t>
+            </a:r>
+            <a:r>
+              <a:rPr lang="en-US" dirty="0" err="1"/>
+              <a:t>Daida</a:t>
+            </a:r>
+            <a:endParaRPr lang="en-GB" dirty="0"/>
+          </a:p>
+        </p:txBody>
+      </p:sp>
+      <p:sp>
+        <p:nvSpPr>
+          <p:cNvPr id="4" name="Title 3">
+            <a:extLst>
+              <a:ext uri="{FF2B5EF4-FFF2-40B4-BE49-F238E27FC236}">
+                <a16:creationId xmlns:a16="http://schemas.microsoft.com/office/drawing/2014/main" id="{F8840114-9439-4B2E-A512-1F12425EB200}"/>
+              </a:ext>
+            </a:extLst>
+          </p:cNvPr>
+          <p:cNvSpPr>
+            <a:spLocks noGrp="1"/>
+          </p:cNvSpPr>
+          <p:nvPr>
+            <p:ph type="title"/>
+          </p:nvPr>
+        </p:nvSpPr>
+        <p:spPr>
+          <a:xfrm>
+            <a:off x="1039407" y="-145598"/>
+            <a:ext cx="12618720" cy="1188851"/>
+          </a:xfrm>
+        </p:spPr>
+        <p:txBody>
+          <a:bodyPr/>
+          <a:lstStyle/>
+          <a:p>
+            <a:r>
+              <a:rPr lang="en-IN" dirty="0"/>
+              <a:t>Kubernetes Architecture - </a:t>
+            </a:r>
+            <a:r>
+              <a:rPr lang="en-IN" dirty="0">
+                <a:solidFill>
+                  <a:srgbClr val="00B050"/>
+                </a:solidFill>
+              </a:rPr>
+              <a:t>Master</a:t>
+            </a:r>
+          </a:p>
+        </p:txBody>
+      </p:sp>
+      <p:sp>
+        <p:nvSpPr>
+          <p:cNvPr id="5" name="Rectangle 4">
+            <a:extLst>
+              <a:ext uri="{FF2B5EF4-FFF2-40B4-BE49-F238E27FC236}">
+                <a16:creationId xmlns:a16="http://schemas.microsoft.com/office/drawing/2014/main" id="{119EBDD3-C074-4FD1-90DE-DBEA7232FDD0}"/>
+              </a:ext>
+            </a:extLst>
+          </p:cNvPr>
+          <p:cNvSpPr/>
+          <p:nvPr/>
+        </p:nvSpPr>
+        <p:spPr>
+          <a:xfrm>
+            <a:off x="297349" y="1369113"/>
+            <a:ext cx="4761187" cy="5747543"/>
+          </a:xfrm>
+          <a:prstGeom prst="rect">
+            <a:avLst/>
+          </a:prstGeom>
+          <a:noFill/>
+          <a:ln w="63500">
+            <a:solidFill>
+              <a:srgbClr val="0070C0"/>
+            </a:solidFill>
+          </a:ln>
+        </p:spPr>
+        <p:style>
+          <a:lnRef idx="2">
+            <a:schemeClr val="accent1">
+              <a:shade val="50000"/>
+            </a:schemeClr>
+          </a:lnRef>
+          <a:fillRef idx="1">
+            <a:schemeClr val="accent1"/>
+          </a:fillRef>
+          <a:effectRef idx="0">
+            <a:schemeClr val="accent1"/>
+          </a:effectRef>
+          <a:fontRef idx="minor">
+            <a:schemeClr val="lt1"/>
+          </a:fontRef>
+        </p:style>
+        <p:txBody>
+          <a:bodyPr rtlCol="0" anchor="ctr"/>
+          <a:lstStyle/>
+          <a:p>
+            <a:pPr algn="ctr"/>
+            <a:endParaRPr lang="en-IN"/>
+          </a:p>
+        </p:txBody>
+      </p:sp>
+      <p:sp>
+        <p:nvSpPr>
+          <p:cNvPr id="6" name="Rectangle 5">
+            <a:extLst>
+              <a:ext uri="{FF2B5EF4-FFF2-40B4-BE49-F238E27FC236}">
+                <a16:creationId xmlns:a16="http://schemas.microsoft.com/office/drawing/2014/main" id="{5A4B9D87-4A32-4603-9B2B-8992F516F95E}"/>
+              </a:ext>
+            </a:extLst>
+          </p:cNvPr>
+          <p:cNvSpPr/>
+          <p:nvPr/>
+        </p:nvSpPr>
+        <p:spPr>
+          <a:xfrm>
+            <a:off x="613457" y="2086070"/>
+            <a:ext cx="1469985" cy="1041721"/>
+          </a:xfrm>
+          <a:prstGeom prst="rect">
+            <a:avLst/>
+          </a:prstGeom>
+          <a:solidFill>
+            <a:schemeClr val="accent2">
+              <a:lumMod val="75000"/>
+            </a:schemeClr>
+          </a:solidFill>
+          <a:ln>
+            <a:noFill/>
+          </a:ln>
+        </p:spPr>
+        <p:style>
+          <a:lnRef idx="2">
+            <a:schemeClr val="accent1">
+              <a:shade val="50000"/>
+            </a:schemeClr>
+          </a:lnRef>
+          <a:fillRef idx="1">
+            <a:schemeClr val="accent1"/>
+          </a:fillRef>
+          <a:effectRef idx="0">
+            <a:schemeClr val="accent1"/>
+          </a:effectRef>
+          <a:fontRef idx="minor">
+            <a:schemeClr val="lt1"/>
+          </a:fontRef>
+        </p:style>
+        <p:txBody>
+          <a:bodyPr rtlCol="0" anchor="ctr"/>
+          <a:lstStyle/>
+          <a:p>
+            <a:pPr algn="ctr"/>
+            <a:r>
+              <a:rPr lang="en-IN" sz="1800" dirty="0" err="1"/>
+              <a:t>Kube</a:t>
+            </a:r>
+            <a:r>
+              <a:rPr lang="en-IN" sz="1800" dirty="0"/>
+              <a:t> Controller Manager</a:t>
+            </a:r>
+          </a:p>
+        </p:txBody>
+      </p:sp>
+      <p:sp>
+        <p:nvSpPr>
+          <p:cNvPr id="7" name="Rectangle 6">
+            <a:extLst>
+              <a:ext uri="{FF2B5EF4-FFF2-40B4-BE49-F238E27FC236}">
+                <a16:creationId xmlns:a16="http://schemas.microsoft.com/office/drawing/2014/main" id="{5DD2489E-5A2A-4FBF-9F64-78611E804517}"/>
+              </a:ext>
+            </a:extLst>
+          </p:cNvPr>
+          <p:cNvSpPr/>
+          <p:nvPr/>
+        </p:nvSpPr>
+        <p:spPr>
+          <a:xfrm>
+            <a:off x="3313751" y="2089942"/>
+            <a:ext cx="1469985" cy="1041721"/>
+          </a:xfrm>
+          <a:prstGeom prst="rect">
+            <a:avLst/>
+          </a:prstGeom>
+          <a:solidFill>
+            <a:schemeClr val="accent4">
+              <a:lumMod val="75000"/>
+            </a:schemeClr>
+          </a:solidFill>
+          <a:ln>
+            <a:noFill/>
+          </a:ln>
+        </p:spPr>
+        <p:style>
+          <a:lnRef idx="2">
+            <a:schemeClr val="accent1">
+              <a:shade val="50000"/>
+            </a:schemeClr>
+          </a:lnRef>
+          <a:fillRef idx="1">
+            <a:schemeClr val="accent1"/>
+          </a:fillRef>
+          <a:effectRef idx="0">
+            <a:schemeClr val="accent1"/>
+          </a:effectRef>
+          <a:fontRef idx="minor">
+            <a:schemeClr val="lt1"/>
+          </a:fontRef>
+        </p:style>
+        <p:txBody>
+          <a:bodyPr rtlCol="0" anchor="ctr"/>
+          <a:lstStyle/>
+          <a:p>
+            <a:pPr algn="ctr"/>
+            <a:r>
+              <a:rPr lang="en-IN" sz="1800" dirty="0"/>
+              <a:t>Cloud Controller Manager</a:t>
+            </a:r>
+          </a:p>
+        </p:txBody>
+      </p:sp>
+      <p:sp>
+        <p:nvSpPr>
+          <p:cNvPr id="8" name="Rectangle 7">
+            <a:extLst>
+              <a:ext uri="{FF2B5EF4-FFF2-40B4-BE49-F238E27FC236}">
+                <a16:creationId xmlns:a16="http://schemas.microsoft.com/office/drawing/2014/main" id="{D5113BCF-03A4-4A84-9818-3EBEDCF464AC}"/>
+              </a:ext>
+            </a:extLst>
+          </p:cNvPr>
+          <p:cNvSpPr/>
+          <p:nvPr/>
+        </p:nvSpPr>
+        <p:spPr>
+          <a:xfrm>
+            <a:off x="613457" y="3740392"/>
+            <a:ext cx="4170279" cy="584776"/>
+          </a:xfrm>
+          <a:prstGeom prst="rect">
+            <a:avLst/>
+          </a:prstGeom>
+          <a:solidFill>
+            <a:schemeClr val="tx1">
+              <a:lumMod val="95000"/>
+              <a:lumOff val="5000"/>
+            </a:schemeClr>
+          </a:solidFill>
+          <a:ln>
+            <a:noFill/>
+          </a:ln>
+        </p:spPr>
+        <p:style>
+          <a:lnRef idx="2">
+            <a:schemeClr val="accent1">
+              <a:shade val="50000"/>
+            </a:schemeClr>
+          </a:lnRef>
+          <a:fillRef idx="1">
+            <a:schemeClr val="accent1"/>
+          </a:fillRef>
+          <a:effectRef idx="0">
+            <a:schemeClr val="accent1"/>
+          </a:effectRef>
+          <a:fontRef idx="minor">
+            <a:schemeClr val="lt1"/>
+          </a:fontRef>
+        </p:style>
+        <p:txBody>
+          <a:bodyPr rtlCol="0" anchor="ctr"/>
+          <a:lstStyle/>
+          <a:p>
+            <a:pPr algn="ctr"/>
+            <a:r>
+              <a:rPr lang="en-IN" sz="1800" dirty="0" err="1"/>
+              <a:t>kube-apiserver</a:t>
+            </a:r>
+            <a:endParaRPr lang="en-IN" sz="1800" dirty="0"/>
+          </a:p>
+        </p:txBody>
+      </p:sp>
+      <p:sp>
+        <p:nvSpPr>
+          <p:cNvPr id="9" name="Rectangle 8">
+            <a:extLst>
+              <a:ext uri="{FF2B5EF4-FFF2-40B4-BE49-F238E27FC236}">
+                <a16:creationId xmlns:a16="http://schemas.microsoft.com/office/drawing/2014/main" id="{BD226CD4-907D-4280-AA42-EB153B5FFC39}"/>
+              </a:ext>
+            </a:extLst>
+          </p:cNvPr>
+          <p:cNvSpPr/>
+          <p:nvPr/>
+        </p:nvSpPr>
+        <p:spPr>
+          <a:xfrm>
+            <a:off x="3328434" y="5028792"/>
+            <a:ext cx="1469985" cy="1041721"/>
+          </a:xfrm>
+          <a:prstGeom prst="rect">
+            <a:avLst/>
+          </a:prstGeom>
+          <a:solidFill>
+            <a:schemeClr val="accent1">
+              <a:lumMod val="75000"/>
+            </a:schemeClr>
+          </a:solidFill>
+          <a:ln>
+            <a:noFill/>
+          </a:ln>
+        </p:spPr>
+        <p:style>
+          <a:lnRef idx="2">
+            <a:schemeClr val="accent1">
+              <a:shade val="50000"/>
+            </a:schemeClr>
+          </a:lnRef>
+          <a:fillRef idx="1">
+            <a:schemeClr val="accent1"/>
+          </a:fillRef>
+          <a:effectRef idx="0">
+            <a:schemeClr val="accent1"/>
+          </a:effectRef>
+          <a:fontRef idx="minor">
+            <a:schemeClr val="lt1"/>
+          </a:fontRef>
+        </p:style>
+        <p:txBody>
+          <a:bodyPr rtlCol="0" anchor="ctr"/>
+          <a:lstStyle/>
+          <a:p>
+            <a:pPr algn="ctr"/>
+            <a:r>
+              <a:rPr lang="en-IN" sz="1800" dirty="0" err="1"/>
+              <a:t>kube</a:t>
+            </a:r>
+            <a:r>
+              <a:rPr lang="en-IN" sz="1800" dirty="0"/>
+              <a:t>-scheduler</a:t>
+            </a:r>
+          </a:p>
+        </p:txBody>
+      </p:sp>
+      <p:sp>
+        <p:nvSpPr>
+          <p:cNvPr id="10" name="Rectangle 9">
+            <a:extLst>
+              <a:ext uri="{FF2B5EF4-FFF2-40B4-BE49-F238E27FC236}">
+                <a16:creationId xmlns:a16="http://schemas.microsoft.com/office/drawing/2014/main" id="{719629FC-2B11-45FC-A29A-4200DD758267}"/>
+              </a:ext>
+            </a:extLst>
+          </p:cNvPr>
+          <p:cNvSpPr/>
+          <p:nvPr/>
+        </p:nvSpPr>
+        <p:spPr>
+          <a:xfrm>
+            <a:off x="628139" y="5028792"/>
+            <a:ext cx="1469985" cy="1041721"/>
+          </a:xfrm>
+          <a:prstGeom prst="rect">
+            <a:avLst/>
+          </a:prstGeom>
+          <a:solidFill>
+            <a:schemeClr val="accent3">
+              <a:lumMod val="75000"/>
+            </a:schemeClr>
+          </a:solidFill>
+          <a:ln>
+            <a:noFill/>
+          </a:ln>
+        </p:spPr>
+        <p:style>
+          <a:lnRef idx="2">
+            <a:schemeClr val="accent1">
+              <a:shade val="50000"/>
+            </a:schemeClr>
+          </a:lnRef>
+          <a:fillRef idx="1">
+            <a:schemeClr val="accent1"/>
+          </a:fillRef>
+          <a:effectRef idx="0">
+            <a:schemeClr val="accent1"/>
+          </a:effectRef>
+          <a:fontRef idx="minor">
+            <a:schemeClr val="lt1"/>
+          </a:fontRef>
+        </p:style>
+        <p:txBody>
+          <a:bodyPr rtlCol="0" anchor="ctr"/>
+          <a:lstStyle/>
+          <a:p>
+            <a:pPr algn="ctr"/>
+            <a:r>
+              <a:rPr lang="en-IN" sz="1800" dirty="0" err="1"/>
+              <a:t>etcd</a:t>
+            </a:r>
+            <a:endParaRPr lang="en-IN" sz="1800" dirty="0"/>
+          </a:p>
+        </p:txBody>
+      </p:sp>
+      <p:sp>
+        <p:nvSpPr>
+          <p:cNvPr id="11" name="Rectangle 10">
+            <a:extLst>
+              <a:ext uri="{FF2B5EF4-FFF2-40B4-BE49-F238E27FC236}">
+                <a16:creationId xmlns:a16="http://schemas.microsoft.com/office/drawing/2014/main" id="{1C4D42D6-E191-4E9A-8951-F30AFFC6FC23}"/>
+              </a:ext>
+            </a:extLst>
+          </p:cNvPr>
+          <p:cNvSpPr/>
+          <p:nvPr/>
+        </p:nvSpPr>
+        <p:spPr>
+          <a:xfrm>
+            <a:off x="514322" y="6452547"/>
+            <a:ext cx="4420595" cy="393524"/>
+          </a:xfrm>
+          <a:prstGeom prst="rect">
+            <a:avLst/>
+          </a:prstGeom>
+          <a:solidFill>
+            <a:srgbClr val="00B050"/>
+          </a:solidFill>
+          <a:ln>
+            <a:noFill/>
+          </a:ln>
+        </p:spPr>
+        <p:style>
+          <a:lnRef idx="2">
+            <a:schemeClr val="accent1">
+              <a:shade val="50000"/>
+            </a:schemeClr>
+          </a:lnRef>
+          <a:fillRef idx="1">
+            <a:schemeClr val="accent1"/>
+          </a:fillRef>
+          <a:effectRef idx="0">
+            <a:schemeClr val="accent1"/>
+          </a:effectRef>
+          <a:fontRef idx="minor">
+            <a:schemeClr val="lt1"/>
+          </a:fontRef>
+        </p:style>
+        <p:txBody>
+          <a:bodyPr rtlCol="0" anchor="ctr"/>
+          <a:lstStyle/>
+          <a:p>
+            <a:pPr algn="ctr"/>
+            <a:r>
+              <a:rPr lang="en-IN" sz="1800" dirty="0"/>
+              <a:t>Container Runtime (Docker)</a:t>
+            </a:r>
+          </a:p>
+        </p:txBody>
+      </p:sp>
+      <p:sp>
+        <p:nvSpPr>
+          <p:cNvPr id="12" name="TextBox 11">
+            <a:extLst>
+              <a:ext uri="{FF2B5EF4-FFF2-40B4-BE49-F238E27FC236}">
+                <a16:creationId xmlns:a16="http://schemas.microsoft.com/office/drawing/2014/main" id="{00DEE5A2-B43E-4F4B-8DB4-AEE0FC54A5F6}"/>
+              </a:ext>
+            </a:extLst>
+          </p:cNvPr>
+          <p:cNvSpPr txBox="1"/>
+          <p:nvPr/>
+        </p:nvSpPr>
+        <p:spPr>
+          <a:xfrm>
+            <a:off x="2083442" y="1369113"/>
+            <a:ext cx="1461234" cy="584775"/>
+          </a:xfrm>
+          <a:prstGeom prst="rect">
+            <a:avLst/>
+          </a:prstGeom>
+          <a:noFill/>
+        </p:spPr>
+        <p:txBody>
+          <a:bodyPr wrap="none" rtlCol="0">
+            <a:spAutoFit/>
+          </a:bodyPr>
+          <a:lstStyle/>
+          <a:p>
+            <a:r>
+              <a:rPr lang="en-IN" sz="3200" dirty="0">
+                <a:solidFill>
+                  <a:srgbClr val="0070C0"/>
+                </a:solidFill>
+              </a:rPr>
+              <a:t>Master </a:t>
+            </a:r>
+          </a:p>
+        </p:txBody>
+      </p:sp>
+      <p:sp>
+        <p:nvSpPr>
+          <p:cNvPr id="32" name="Rectangle 31">
+            <a:extLst>
+              <a:ext uri="{FF2B5EF4-FFF2-40B4-BE49-F238E27FC236}">
+                <a16:creationId xmlns:a16="http://schemas.microsoft.com/office/drawing/2014/main" id="{EC62D69E-22E7-423F-B81E-31C29DDEE0C5}"/>
+              </a:ext>
+            </a:extLst>
+          </p:cNvPr>
+          <p:cNvSpPr/>
+          <p:nvPr/>
+        </p:nvSpPr>
+        <p:spPr>
+          <a:xfrm>
+            <a:off x="3177551" y="1977482"/>
+            <a:ext cx="1713620" cy="1273215"/>
+          </a:xfrm>
+          <a:prstGeom prst="rect">
+            <a:avLst/>
+          </a:prstGeom>
+          <a:noFill/>
+          <a:ln w="31750">
+            <a:solidFill>
+              <a:schemeClr val="accent4">
+                <a:lumMod val="75000"/>
+              </a:schemeClr>
+            </a:solidFill>
+          </a:ln>
+        </p:spPr>
+        <p:style>
+          <a:lnRef idx="2">
+            <a:schemeClr val="accent1">
+              <a:shade val="50000"/>
+            </a:schemeClr>
+          </a:lnRef>
+          <a:fillRef idx="1">
+            <a:schemeClr val="accent1"/>
+          </a:fillRef>
+          <a:effectRef idx="0">
+            <a:schemeClr val="accent1"/>
+          </a:effectRef>
+          <a:fontRef idx="minor">
+            <a:schemeClr val="lt1"/>
+          </a:fontRef>
+        </p:style>
+        <p:txBody>
+          <a:bodyPr rtlCol="0" anchor="ctr"/>
+          <a:lstStyle/>
+          <a:p>
+            <a:pPr algn="ctr"/>
+            <a:endParaRPr lang="en-IN"/>
+          </a:p>
+        </p:txBody>
+      </p:sp>
+      <p:sp>
+        <p:nvSpPr>
+          <p:cNvPr id="37" name="Rectangle 36">
+            <a:extLst>
+              <a:ext uri="{FF2B5EF4-FFF2-40B4-BE49-F238E27FC236}">
+                <a16:creationId xmlns:a16="http://schemas.microsoft.com/office/drawing/2014/main" id="{FDB7ABAC-3B9D-4C8B-8D8F-BAD420920277}"/>
+              </a:ext>
+            </a:extLst>
+          </p:cNvPr>
+          <p:cNvSpPr/>
+          <p:nvPr/>
+        </p:nvSpPr>
+        <p:spPr>
+          <a:xfrm>
+            <a:off x="499640" y="1967851"/>
+            <a:ext cx="1713620" cy="1273215"/>
+          </a:xfrm>
+          <a:prstGeom prst="rect">
+            <a:avLst/>
+          </a:prstGeom>
+          <a:noFill/>
+          <a:ln w="31750">
+            <a:solidFill>
+              <a:schemeClr val="accent2">
+                <a:lumMod val="75000"/>
+              </a:schemeClr>
+            </a:solidFill>
+          </a:ln>
+        </p:spPr>
+        <p:style>
+          <a:lnRef idx="2">
+            <a:schemeClr val="accent1">
+              <a:shade val="50000"/>
+            </a:schemeClr>
+          </a:lnRef>
+          <a:fillRef idx="1">
+            <a:schemeClr val="accent1"/>
+          </a:fillRef>
+          <a:effectRef idx="0">
+            <a:schemeClr val="accent1"/>
+          </a:effectRef>
+          <a:fontRef idx="minor">
+            <a:schemeClr val="lt1"/>
+          </a:fontRef>
+        </p:style>
+        <p:txBody>
+          <a:bodyPr rtlCol="0" anchor="ctr"/>
+          <a:lstStyle/>
+          <a:p>
+            <a:pPr algn="ctr"/>
+            <a:endParaRPr lang="en-IN"/>
+          </a:p>
+        </p:txBody>
+      </p:sp>
+      <p:sp>
+        <p:nvSpPr>
+          <p:cNvPr id="38" name="Rectangle 37">
+            <a:extLst>
+              <a:ext uri="{FF2B5EF4-FFF2-40B4-BE49-F238E27FC236}">
+                <a16:creationId xmlns:a16="http://schemas.microsoft.com/office/drawing/2014/main" id="{4390C2FE-1053-4A1B-A56F-DF605F5B1E33}"/>
+              </a:ext>
+            </a:extLst>
+          </p:cNvPr>
+          <p:cNvSpPr/>
+          <p:nvPr/>
+        </p:nvSpPr>
+        <p:spPr>
+          <a:xfrm>
+            <a:off x="511496" y="3589230"/>
+            <a:ext cx="4368099" cy="894949"/>
+          </a:xfrm>
+          <a:prstGeom prst="rect">
+            <a:avLst/>
+          </a:prstGeom>
+          <a:noFill/>
+          <a:ln w="31750">
+            <a:solidFill>
+              <a:schemeClr val="tx1">
+                <a:lumMod val="95000"/>
+                <a:lumOff val="5000"/>
+              </a:schemeClr>
+            </a:solidFill>
+          </a:ln>
+        </p:spPr>
+        <p:style>
+          <a:lnRef idx="2">
+            <a:schemeClr val="accent1">
+              <a:shade val="50000"/>
+            </a:schemeClr>
+          </a:lnRef>
+          <a:fillRef idx="1">
+            <a:schemeClr val="accent1"/>
+          </a:fillRef>
+          <a:effectRef idx="0">
+            <a:schemeClr val="accent1"/>
+          </a:effectRef>
+          <a:fontRef idx="minor">
+            <a:schemeClr val="lt1"/>
+          </a:fontRef>
+        </p:style>
+        <p:txBody>
+          <a:bodyPr rtlCol="0" anchor="ctr"/>
+          <a:lstStyle/>
+          <a:p>
+            <a:pPr algn="ctr"/>
+            <a:endParaRPr lang="en-IN"/>
+          </a:p>
+        </p:txBody>
+      </p:sp>
+      <p:sp>
+        <p:nvSpPr>
+          <p:cNvPr id="39" name="Rectangle 38">
+            <a:extLst>
+              <a:ext uri="{FF2B5EF4-FFF2-40B4-BE49-F238E27FC236}">
+                <a16:creationId xmlns:a16="http://schemas.microsoft.com/office/drawing/2014/main" id="{6AD6185F-F358-4C5D-B77D-3D8A625E0F76}"/>
+              </a:ext>
+            </a:extLst>
+          </p:cNvPr>
+          <p:cNvSpPr/>
+          <p:nvPr/>
+        </p:nvSpPr>
+        <p:spPr>
+          <a:xfrm>
+            <a:off x="514322" y="4908748"/>
+            <a:ext cx="1713620" cy="1273215"/>
+          </a:xfrm>
+          <a:prstGeom prst="rect">
+            <a:avLst/>
+          </a:prstGeom>
+          <a:noFill/>
+          <a:ln w="31750">
+            <a:solidFill>
+              <a:schemeClr val="accent3">
+                <a:lumMod val="75000"/>
+              </a:schemeClr>
+            </a:solidFill>
+          </a:ln>
+        </p:spPr>
+        <p:style>
+          <a:lnRef idx="2">
+            <a:schemeClr val="accent1">
+              <a:shade val="50000"/>
+            </a:schemeClr>
+          </a:lnRef>
+          <a:fillRef idx="1">
+            <a:schemeClr val="accent1"/>
+          </a:fillRef>
+          <a:effectRef idx="0">
+            <a:schemeClr val="accent1"/>
+          </a:effectRef>
+          <a:fontRef idx="minor">
+            <a:schemeClr val="lt1"/>
+          </a:fontRef>
+        </p:style>
+        <p:txBody>
+          <a:bodyPr rtlCol="0" anchor="ctr"/>
+          <a:lstStyle/>
+          <a:p>
+            <a:pPr algn="ctr"/>
+            <a:endParaRPr lang="en-IN"/>
+          </a:p>
+        </p:txBody>
+      </p:sp>
+      <p:sp>
+        <p:nvSpPr>
+          <p:cNvPr id="40" name="Rectangle 39">
+            <a:extLst>
+              <a:ext uri="{FF2B5EF4-FFF2-40B4-BE49-F238E27FC236}">
+                <a16:creationId xmlns:a16="http://schemas.microsoft.com/office/drawing/2014/main" id="{3D733293-C1C6-4E0B-AB61-6DE8894C4EC8}"/>
+              </a:ext>
+            </a:extLst>
+          </p:cNvPr>
+          <p:cNvSpPr/>
+          <p:nvPr/>
+        </p:nvSpPr>
+        <p:spPr>
+          <a:xfrm>
+            <a:off x="3206615" y="4908748"/>
+            <a:ext cx="1713620" cy="1273215"/>
+          </a:xfrm>
+          <a:prstGeom prst="rect">
+            <a:avLst/>
+          </a:prstGeom>
+          <a:noFill/>
+          <a:ln w="31750">
+            <a:solidFill>
+              <a:schemeClr val="accent1">
+                <a:lumMod val="75000"/>
+              </a:schemeClr>
+            </a:solidFill>
+          </a:ln>
+        </p:spPr>
+        <p:style>
+          <a:lnRef idx="2">
+            <a:schemeClr val="accent1">
+              <a:shade val="50000"/>
+            </a:schemeClr>
+          </a:lnRef>
+          <a:fillRef idx="1">
+            <a:schemeClr val="accent1"/>
+          </a:fillRef>
+          <a:effectRef idx="0">
+            <a:schemeClr val="accent1"/>
+          </a:effectRef>
+          <a:fontRef idx="minor">
+            <a:schemeClr val="lt1"/>
+          </a:fontRef>
+        </p:style>
+        <p:txBody>
+          <a:bodyPr rtlCol="0" anchor="ctr"/>
+          <a:lstStyle/>
+          <a:p>
+            <a:pPr algn="ctr"/>
+            <a:endParaRPr lang="en-IN"/>
+          </a:p>
+        </p:txBody>
+      </p:sp>
+      <p:sp>
+        <p:nvSpPr>
+          <p:cNvPr id="50" name="Content Placeholder 2">
+            <a:extLst>
+              <a:ext uri="{FF2B5EF4-FFF2-40B4-BE49-F238E27FC236}">
+                <a16:creationId xmlns:a16="http://schemas.microsoft.com/office/drawing/2014/main" id="{9B34FA18-BECA-4707-891C-9C1672B52BD5}"/>
+              </a:ext>
+            </a:extLst>
+          </p:cNvPr>
+          <p:cNvSpPr>
+            <a:spLocks noGrp="1"/>
+          </p:cNvSpPr>
+          <p:nvPr>
+            <p:ph idx="1"/>
+          </p:nvPr>
+        </p:nvSpPr>
+        <p:spPr>
+          <a:xfrm>
+            <a:off x="5416952" y="1369113"/>
+            <a:ext cx="8207608" cy="6043242"/>
+          </a:xfrm>
+        </p:spPr>
+        <p:txBody>
+          <a:bodyPr>
+            <a:normAutofit lnSpcReduction="10000"/>
+          </a:bodyPr>
+          <a:lstStyle/>
+          <a:p>
+            <a:r>
+              <a:rPr lang="en-IN" dirty="0">
+                <a:solidFill>
+                  <a:schemeClr val="accent6">
+                    <a:lumMod val="75000"/>
+                  </a:schemeClr>
+                </a:solidFill>
+              </a:rPr>
+              <a:t>cloud-controller-manager</a:t>
+            </a:r>
+          </a:p>
+          <a:p>
+            <a:pPr lvl="1"/>
+            <a:r>
+              <a:rPr lang="en-US" dirty="0"/>
+              <a:t>A Kubernetes control plane component that embeds </a:t>
+            </a:r>
+            <a:r>
+              <a:rPr lang="en-US" dirty="0">
+                <a:solidFill>
+                  <a:srgbClr val="0070C0"/>
+                </a:solidFill>
+              </a:rPr>
+              <a:t>cloud-specific control logic</a:t>
+            </a:r>
+            <a:r>
+              <a:rPr lang="en-US" dirty="0"/>
+              <a:t>. </a:t>
+            </a:r>
+          </a:p>
+          <a:p>
+            <a:pPr lvl="1"/>
+            <a:r>
+              <a:rPr lang="en-US" dirty="0"/>
+              <a:t>It only runs controllers that are </a:t>
+            </a:r>
+            <a:r>
+              <a:rPr lang="en-US" dirty="0">
+                <a:solidFill>
+                  <a:srgbClr val="0070C0"/>
+                </a:solidFill>
+              </a:rPr>
+              <a:t>specific</a:t>
+            </a:r>
+            <a:r>
+              <a:rPr lang="en-US" dirty="0"/>
+              <a:t> to your cloud provider. </a:t>
+            </a:r>
+          </a:p>
+          <a:p>
+            <a:pPr lvl="1"/>
+            <a:r>
+              <a:rPr lang="en-US" dirty="0">
+                <a:solidFill>
+                  <a:srgbClr val="0070C0"/>
+                </a:solidFill>
+              </a:rPr>
+              <a:t>On-Premise</a:t>
+            </a:r>
+            <a:r>
+              <a:rPr lang="en-US" dirty="0"/>
+              <a:t> Kubernetes clusters will not have this component. </a:t>
+            </a:r>
+          </a:p>
+          <a:p>
+            <a:pPr lvl="1"/>
+            <a:r>
+              <a:rPr lang="en-US" dirty="0">
+                <a:solidFill>
+                  <a:schemeClr val="accent6">
+                    <a:lumMod val="75000"/>
+                  </a:schemeClr>
+                </a:solidFill>
+              </a:rPr>
+              <a:t>Node controller: </a:t>
+            </a:r>
+            <a:r>
+              <a:rPr lang="en-US" dirty="0"/>
+              <a:t>For </a:t>
+            </a:r>
+            <a:r>
+              <a:rPr lang="en-US" dirty="0">
+                <a:solidFill>
+                  <a:srgbClr val="0070C0"/>
+                </a:solidFill>
+              </a:rPr>
+              <a:t>checking</a:t>
+            </a:r>
+            <a:r>
+              <a:rPr lang="en-US" dirty="0"/>
+              <a:t> the cloud provider to determine if a node has been deleted in the cloud after it stops responding</a:t>
+            </a:r>
+          </a:p>
+          <a:p>
+            <a:pPr lvl="1"/>
+            <a:r>
+              <a:rPr lang="en-US" dirty="0">
+                <a:solidFill>
+                  <a:schemeClr val="accent6">
+                    <a:lumMod val="75000"/>
+                  </a:schemeClr>
+                </a:solidFill>
+              </a:rPr>
+              <a:t>Route controller: </a:t>
+            </a:r>
+            <a:r>
+              <a:rPr lang="en-US" dirty="0"/>
+              <a:t>For setting up </a:t>
+            </a:r>
+            <a:r>
+              <a:rPr lang="en-US" dirty="0">
+                <a:solidFill>
+                  <a:srgbClr val="0070C0"/>
+                </a:solidFill>
+              </a:rPr>
+              <a:t>routes</a:t>
+            </a:r>
+            <a:r>
+              <a:rPr lang="en-US" dirty="0"/>
+              <a:t> in the underlying cloud infrastructure</a:t>
+            </a:r>
+          </a:p>
+          <a:p>
+            <a:pPr lvl="1"/>
+            <a:r>
+              <a:rPr lang="en-US" dirty="0">
+                <a:solidFill>
+                  <a:schemeClr val="accent6">
+                    <a:lumMod val="75000"/>
+                  </a:schemeClr>
+                </a:solidFill>
+              </a:rPr>
+              <a:t>Service controller: </a:t>
+            </a:r>
+            <a:r>
+              <a:rPr lang="en-US" dirty="0"/>
+              <a:t>For creating, updating and deleting cloud provider </a:t>
+            </a:r>
+            <a:r>
+              <a:rPr lang="en-US" dirty="0">
+                <a:solidFill>
+                  <a:srgbClr val="0070C0"/>
+                </a:solidFill>
+              </a:rPr>
+              <a:t>load balancer</a:t>
+            </a:r>
+            <a:endParaRPr lang="en-IN" dirty="0">
+              <a:solidFill>
+                <a:srgbClr val="0070C0"/>
+              </a:solidFill>
+            </a:endParaRPr>
+          </a:p>
+        </p:txBody>
+      </p:sp>
+    </p:spTree>
+    <p:extLst>
+      <p:ext uri="{BB962C8B-B14F-4D97-AF65-F5344CB8AC3E}">
+        <p14:creationId xmlns:p14="http://schemas.microsoft.com/office/powerpoint/2010/main" val="748048367"/>
+      </p:ext>
+    </p:extLst>
+  </p:cSld>
+  <p:clrMapOvr>
+    <a:masterClrMapping/>
+  </p:clrMapOvr>
+</p:sld>
+</file>
+
+<file path=ppt/slides/slide11.xml><?xml version="1.0" encoding="utf-8"?>
 <p:sld xmlns:a="http://schemas.openxmlformats.org/drawingml/2006/main" xmlns:r="http://schemas.openxmlformats.org/officeDocument/2006/relationships" xmlns:p="http://schemas.openxmlformats.org/presentationml/2006/main">
   <p:cSld>
     <p:spTree>
@@ -4527,7 +5515,7 @@
 </p:sld>
 </file>
 
-<file path=ppt/slides/slide11.xml><?xml version="1.0" encoding="utf-8"?>
+<file path=ppt/slides/slide12.xml><?xml version="1.0" encoding="utf-8"?>
 <p:sld xmlns:a="http://schemas.openxmlformats.org/drawingml/2006/main" xmlns:r="http://schemas.openxmlformats.org/officeDocument/2006/relationships" xmlns:p="http://schemas.openxmlformats.org/presentationml/2006/main">
   <p:cSld>
     <p:spTree>
@@ -6079,7 +7067,7 @@
 </p:sld>
 </file>
 
-<file path=ppt/slides/slide12.xml><?xml version="1.0" encoding="utf-8"?>
+<file path=ppt/slides/slide13.xml><?xml version="1.0" encoding="utf-8"?>
 <p:sld xmlns:a="http://schemas.openxmlformats.org/drawingml/2006/main" xmlns:r="http://schemas.openxmlformats.org/officeDocument/2006/relationships" xmlns:p="http://schemas.openxmlformats.org/presentationml/2006/main">
   <p:cSld>
     <p:spTree>
@@ -6256,7 +7244,7 @@
 </p:sld>
 </file>
 
-<file path=ppt/slides/slide13.xml><?xml version="1.0" encoding="utf-8"?>
+<file path=ppt/slides/slide14.xml><?xml version="1.0" encoding="utf-8"?>
 <p:sld xmlns:a="http://schemas.openxmlformats.org/drawingml/2006/main" xmlns:r="http://schemas.openxmlformats.org/officeDocument/2006/relationships" xmlns:p="http://schemas.openxmlformats.org/presentationml/2006/main">
   <p:cSld>
     <p:spTree>
@@ -7063,7 +8051,7 @@
 </p:sld>
 </file>
 
-<file path=ppt/slides/slide14.xml><?xml version="1.0" encoding="utf-8"?>
+<file path=ppt/slides/slide15.xml><?xml version="1.0" encoding="utf-8"?>
 <p:sld xmlns:a="http://schemas.openxmlformats.org/drawingml/2006/main" xmlns:r="http://schemas.openxmlformats.org/officeDocument/2006/relationships" xmlns:p="http://schemas.openxmlformats.org/presentationml/2006/main">
   <p:cSld>
     <p:spTree>
@@ -7227,7 +8215,7 @@
 </p:sld>
 </file>
 
-<file path=ppt/slides/slide15.xml><?xml version="1.0" encoding="utf-8"?>
+<file path=ppt/slides/slide16.xml><?xml version="1.0" encoding="utf-8"?>
 <p:sld xmlns:a="http://schemas.openxmlformats.org/drawingml/2006/main" xmlns:r="http://schemas.openxmlformats.org/officeDocument/2006/relationships" xmlns:p="http://schemas.openxmlformats.org/presentationml/2006/main">
   <p:cSld>
     <p:spTree>
@@ -9944,7 +10932,7 @@
 </p:sld>
 </file>
 
-<file path=ppt/slides/slide16.xml><?xml version="1.0" encoding="utf-8"?>
+<file path=ppt/slides/slide17.xml><?xml version="1.0" encoding="utf-8"?>
 <p:sld xmlns:a="http://schemas.openxmlformats.org/drawingml/2006/main" xmlns:r="http://schemas.openxmlformats.org/officeDocument/2006/relationships" xmlns:p="http://schemas.openxmlformats.org/presentationml/2006/main">
   <p:cSld>
     <p:spTree>
@@ -15165,7 +16153,7 @@
 </p:sld>
 </file>
 
-<file path=ppt/slides/slide17.xml><?xml version="1.0" encoding="utf-8"?>
+<file path=ppt/slides/slide18.xml><?xml version="1.0" encoding="utf-8"?>
 <p:sld xmlns:a="http://schemas.openxmlformats.org/drawingml/2006/main" xmlns:r="http://schemas.openxmlformats.org/officeDocument/2006/relationships" xmlns:p="http://schemas.openxmlformats.org/presentationml/2006/main">
   <p:cSld>
     <p:spTree>
@@ -17536,7 +18524,7 @@
 </p:sld>
 </file>
 
-<file path=ppt/slides/slide18.xml><?xml version="1.0" encoding="utf-8"?>
+<file path=ppt/slides/slide19.xml><?xml version="1.0" encoding="utf-8"?>
 <p:sld xmlns:a="http://schemas.openxmlformats.org/drawingml/2006/main" xmlns:r="http://schemas.openxmlformats.org/officeDocument/2006/relationships" xmlns:p="http://schemas.openxmlformats.org/presentationml/2006/main">
   <p:cSld>
     <p:spTree>
@@ -17713,7 +18701,562 @@
 </p:sld>
 </file>
 
-<file path=ppt/slides/slide19.xml><?xml version="1.0" encoding="utf-8"?>
+<file path=ppt/slides/slide2.xml><?xml version="1.0" encoding="utf-8"?>
+<p:sld xmlns:a="http://schemas.openxmlformats.org/drawingml/2006/main" xmlns:r="http://schemas.openxmlformats.org/officeDocument/2006/relationships" xmlns:p="http://schemas.openxmlformats.org/presentationml/2006/main">
+  <p:cSld>
+    <p:spTree>
+      <p:nvGrpSpPr>
+        <p:cNvPr id="1" name=""/>
+        <p:cNvGrpSpPr/>
+        <p:nvPr/>
+      </p:nvGrpSpPr>
+      <p:grpSpPr>
+        <a:xfrm>
+          <a:off x="0" y="0"/>
+          <a:ext cx="0" cy="0"/>
+          <a:chOff x="0" y="0"/>
+          <a:chExt cx="0" cy="0"/>
+        </a:xfrm>
+      </p:grpSpPr>
+      <p:sp>
+        <p:nvSpPr>
+          <p:cNvPr id="2" name="Footer Placeholder 1">
+            <a:extLst>
+              <a:ext uri="{FF2B5EF4-FFF2-40B4-BE49-F238E27FC236}">
+                <a16:creationId xmlns:a16="http://schemas.microsoft.com/office/drawing/2014/main" id="{61B7970B-8A7C-4546-93A1-C3F115290B9C}"/>
+              </a:ext>
+            </a:extLst>
+          </p:cNvPr>
+          <p:cNvSpPr>
+            <a:spLocks noGrp="1"/>
+          </p:cNvSpPr>
+          <p:nvPr>
+            <p:ph type="ftr" sz="quarter" idx="10"/>
+          </p:nvPr>
+        </p:nvSpPr>
+        <p:spPr>
+          <a:xfrm>
+            <a:off x="0" y="7741207"/>
+            <a:ext cx="2372810" cy="438150"/>
+          </a:xfrm>
+        </p:spPr>
+        <p:txBody>
+          <a:bodyPr/>
+          <a:lstStyle/>
+          <a:p>
+            <a:pPr algn="l"/>
+            <a:r>
+              <a:rPr lang="en-US"/>
+              <a:t>© Kalyan Reddy Daida</a:t>
+            </a:r>
+            <a:endParaRPr lang="en-GB" dirty="0"/>
+          </a:p>
+        </p:txBody>
+      </p:sp>
+      <p:sp>
+        <p:nvSpPr>
+          <p:cNvPr id="5" name="Rectangle 4">
+            <a:extLst>
+              <a:ext uri="{FF2B5EF4-FFF2-40B4-BE49-F238E27FC236}">
+                <a16:creationId xmlns:a16="http://schemas.microsoft.com/office/drawing/2014/main" id="{225377FD-D898-7E4D-BE53-14E103225C87}"/>
+              </a:ext>
+            </a:extLst>
+          </p:cNvPr>
+          <p:cNvSpPr/>
+          <p:nvPr/>
+        </p:nvSpPr>
+        <p:spPr>
+          <a:xfrm>
+            <a:off x="115741" y="1331088"/>
+            <a:ext cx="3657600" cy="5254479"/>
+          </a:xfrm>
+          <a:prstGeom prst="rect">
+            <a:avLst/>
+          </a:prstGeom>
+          <a:solidFill>
+            <a:schemeClr val="bg1">
+              <a:lumMod val="50000"/>
+            </a:schemeClr>
+          </a:solidFill>
+          <a:ln w="34925" cmpd="sng">
+            <a:solidFill>
+              <a:schemeClr val="bg1">
+                <a:lumMod val="50000"/>
+              </a:schemeClr>
+            </a:solidFill>
+            <a:prstDash val="solid"/>
+          </a:ln>
+        </p:spPr>
+        <p:style>
+          <a:lnRef idx="2">
+            <a:schemeClr val="accent1">
+              <a:shade val="50000"/>
+            </a:schemeClr>
+          </a:lnRef>
+          <a:fillRef idx="1">
+            <a:schemeClr val="accent1"/>
+          </a:fillRef>
+          <a:effectRef idx="0">
+            <a:schemeClr val="accent1"/>
+          </a:effectRef>
+          <a:fontRef idx="minor">
+            <a:schemeClr val="lt1"/>
+          </a:fontRef>
+        </p:style>
+        <p:txBody>
+          <a:bodyPr rtlCol="0" anchor="ctr"/>
+          <a:lstStyle/>
+          <a:p>
+            <a:pPr algn="ctr"/>
+            <a:endParaRPr lang="en-US" dirty="0"/>
+          </a:p>
+        </p:txBody>
+      </p:sp>
+      <p:sp>
+        <p:nvSpPr>
+          <p:cNvPr id="6" name="Rectangle 5">
+            <a:extLst>
+              <a:ext uri="{FF2B5EF4-FFF2-40B4-BE49-F238E27FC236}">
+                <a16:creationId xmlns:a16="http://schemas.microsoft.com/office/drawing/2014/main" id="{E50A86E1-B22D-E848-89F6-227EB8781404}"/>
+              </a:ext>
+            </a:extLst>
+          </p:cNvPr>
+          <p:cNvSpPr/>
+          <p:nvPr/>
+        </p:nvSpPr>
+        <p:spPr>
+          <a:xfrm>
+            <a:off x="316590" y="1534566"/>
+            <a:ext cx="3236838" cy="763929"/>
+          </a:xfrm>
+          <a:prstGeom prst="rect">
+            <a:avLst/>
+          </a:prstGeom>
+          <a:solidFill>
+            <a:schemeClr val="bg1"/>
+          </a:solidFill>
+          <a:ln>
+            <a:solidFill>
+              <a:schemeClr val="bg1">
+                <a:lumMod val="50000"/>
+              </a:schemeClr>
+            </a:solidFill>
+            <a:prstDash val="solid"/>
+          </a:ln>
+        </p:spPr>
+        <p:style>
+          <a:lnRef idx="2">
+            <a:schemeClr val="accent1">
+              <a:shade val="50000"/>
+            </a:schemeClr>
+          </a:lnRef>
+          <a:fillRef idx="1">
+            <a:schemeClr val="accent1"/>
+          </a:fillRef>
+          <a:effectRef idx="0">
+            <a:schemeClr val="accent1"/>
+          </a:effectRef>
+          <a:fontRef idx="minor">
+            <a:schemeClr val="lt1"/>
+          </a:fontRef>
+        </p:style>
+        <p:txBody>
+          <a:bodyPr rtlCol="0" anchor="ctr"/>
+          <a:lstStyle/>
+          <a:p>
+            <a:pPr algn="ctr"/>
+            <a:r>
+              <a:rPr lang="en-US" sz="3200" b="1" dirty="0">
+                <a:solidFill>
+                  <a:schemeClr val="tx1"/>
+                </a:solidFill>
+                <a:latin typeface="Aharoni" panose="02010803020104030203" pitchFamily="2" charset="-79"/>
+                <a:cs typeface="Aharoni" panose="02010803020104030203" pitchFamily="2" charset="-79"/>
+              </a:rPr>
+              <a:t>STACKSIMPLIFY</a:t>
+            </a:r>
+          </a:p>
+        </p:txBody>
+      </p:sp>
+      <p:sp>
+        <p:nvSpPr>
+          <p:cNvPr id="9" name="Rounded Rectangle 8">
+            <a:extLst>
+              <a:ext uri="{FF2B5EF4-FFF2-40B4-BE49-F238E27FC236}">
+                <a16:creationId xmlns:a16="http://schemas.microsoft.com/office/drawing/2014/main" id="{76B67C1D-27BB-8441-982B-93A6C0C7DC75}"/>
+              </a:ext>
+            </a:extLst>
+          </p:cNvPr>
+          <p:cNvSpPr/>
+          <p:nvPr/>
+        </p:nvSpPr>
+        <p:spPr>
+          <a:xfrm>
+            <a:off x="4155311" y="632871"/>
+            <a:ext cx="10112200" cy="1276953"/>
+          </a:xfrm>
+          <a:prstGeom prst="roundRect">
+            <a:avLst/>
+          </a:prstGeom>
+          <a:solidFill>
+            <a:schemeClr val="bg2"/>
+          </a:solidFill>
+          <a:ln w="63500">
+            <a:solidFill>
+              <a:schemeClr val="bg1">
+                <a:lumMod val="50000"/>
+              </a:schemeClr>
+            </a:solidFill>
+          </a:ln>
+        </p:spPr>
+        <p:style>
+          <a:lnRef idx="2">
+            <a:schemeClr val="accent1">
+              <a:shade val="50000"/>
+            </a:schemeClr>
+          </a:lnRef>
+          <a:fillRef idx="1">
+            <a:schemeClr val="accent1"/>
+          </a:fillRef>
+          <a:effectRef idx="0">
+            <a:schemeClr val="accent1"/>
+          </a:effectRef>
+          <a:fontRef idx="minor">
+            <a:schemeClr val="lt1"/>
+          </a:fontRef>
+        </p:style>
+        <p:txBody>
+          <a:bodyPr rtlCol="0" anchor="ctr"/>
+          <a:lstStyle/>
+          <a:p>
+            <a:pPr algn="ctr"/>
+            <a:r>
+              <a:rPr lang="en-US" sz="3800" dirty="0">
+                <a:solidFill>
+                  <a:srgbClr val="C00000"/>
+                </a:solidFill>
+                <a:latin typeface="Aharoni" panose="02010803020104030203" pitchFamily="2" charset="-79"/>
+                <a:cs typeface="Aharoni" panose="02010803020104030203" pitchFamily="2" charset="-79"/>
+              </a:rPr>
+              <a:t>Kubernetes for Beginners</a:t>
+            </a:r>
+          </a:p>
+        </p:txBody>
+      </p:sp>
+      <p:sp>
+        <p:nvSpPr>
+          <p:cNvPr id="10" name="Rounded Rectangle 9">
+            <a:extLst>
+              <a:ext uri="{FF2B5EF4-FFF2-40B4-BE49-F238E27FC236}">
+                <a16:creationId xmlns:a16="http://schemas.microsoft.com/office/drawing/2014/main" id="{E4733713-4FF0-6043-9ACA-9925C77D05C7}"/>
+              </a:ext>
+            </a:extLst>
+          </p:cNvPr>
+          <p:cNvSpPr/>
+          <p:nvPr/>
+        </p:nvSpPr>
+        <p:spPr>
+          <a:xfrm>
+            <a:off x="4155310" y="2343879"/>
+            <a:ext cx="10112200" cy="1276953"/>
+          </a:xfrm>
+          <a:prstGeom prst="roundRect">
+            <a:avLst/>
+          </a:prstGeom>
+          <a:solidFill>
+            <a:schemeClr val="bg2"/>
+          </a:solidFill>
+          <a:ln w="63500">
+            <a:solidFill>
+              <a:schemeClr val="bg1">
+                <a:lumMod val="50000"/>
+              </a:schemeClr>
+            </a:solidFill>
+          </a:ln>
+        </p:spPr>
+        <p:style>
+          <a:lnRef idx="2">
+            <a:schemeClr val="accent1">
+              <a:shade val="50000"/>
+            </a:schemeClr>
+          </a:lnRef>
+          <a:fillRef idx="1">
+            <a:schemeClr val="accent1"/>
+          </a:fillRef>
+          <a:effectRef idx="0">
+            <a:schemeClr val="accent1"/>
+          </a:effectRef>
+          <a:fontRef idx="minor">
+            <a:schemeClr val="lt1"/>
+          </a:fontRef>
+        </p:style>
+        <p:txBody>
+          <a:bodyPr rtlCol="0" anchor="ctr"/>
+          <a:lstStyle/>
+          <a:p>
+            <a:pPr algn="ctr"/>
+            <a:r>
+              <a:rPr lang="en-US" sz="3800" dirty="0">
+                <a:solidFill>
+                  <a:srgbClr val="C00000"/>
+                </a:solidFill>
+                <a:latin typeface="Aharoni" panose="02010803020104030203" pitchFamily="2" charset="-79"/>
+                <a:cs typeface="Aharoni" panose="02010803020104030203" pitchFamily="2" charset="-79"/>
+              </a:rPr>
+              <a:t>AWS EKS Kubernetes - Masterclass | DevOps, Microservices</a:t>
+            </a:r>
+          </a:p>
+        </p:txBody>
+      </p:sp>
+      <p:sp>
+        <p:nvSpPr>
+          <p:cNvPr id="11" name="Rounded Rectangle 10">
+            <a:extLst>
+              <a:ext uri="{FF2B5EF4-FFF2-40B4-BE49-F238E27FC236}">
+                <a16:creationId xmlns:a16="http://schemas.microsoft.com/office/drawing/2014/main" id="{4EB2B9D8-87FA-3740-83C7-CFE88951F478}"/>
+              </a:ext>
+            </a:extLst>
+          </p:cNvPr>
+          <p:cNvSpPr/>
+          <p:nvPr/>
+        </p:nvSpPr>
+        <p:spPr>
+          <a:xfrm>
+            <a:off x="4155310" y="4118246"/>
+            <a:ext cx="10112200" cy="1276953"/>
+          </a:xfrm>
+          <a:prstGeom prst="roundRect">
+            <a:avLst/>
+          </a:prstGeom>
+          <a:solidFill>
+            <a:schemeClr val="bg2"/>
+          </a:solidFill>
+          <a:ln w="63500">
+            <a:solidFill>
+              <a:schemeClr val="bg1">
+                <a:lumMod val="50000"/>
+              </a:schemeClr>
+            </a:solidFill>
+          </a:ln>
+        </p:spPr>
+        <p:style>
+          <a:lnRef idx="2">
+            <a:schemeClr val="accent1">
+              <a:shade val="50000"/>
+            </a:schemeClr>
+          </a:lnRef>
+          <a:fillRef idx="1">
+            <a:schemeClr val="accent1"/>
+          </a:fillRef>
+          <a:effectRef idx="0">
+            <a:schemeClr val="accent1"/>
+          </a:effectRef>
+          <a:fontRef idx="minor">
+            <a:schemeClr val="lt1"/>
+          </a:fontRef>
+        </p:style>
+        <p:txBody>
+          <a:bodyPr rtlCol="0" anchor="ctr"/>
+          <a:lstStyle/>
+          <a:p>
+            <a:pPr algn="ctr"/>
+            <a:r>
+              <a:rPr lang="en-US" sz="3800" dirty="0">
+                <a:solidFill>
+                  <a:srgbClr val="C00000"/>
+                </a:solidFill>
+                <a:latin typeface="Aharoni" panose="02010803020104030203" pitchFamily="2" charset="-79"/>
+                <a:cs typeface="Aharoni" panose="02010803020104030203" pitchFamily="2" charset="-79"/>
+              </a:rPr>
+              <a:t>Azure Kubernetes AKS - Masterclass | DevOps, Microservices</a:t>
+            </a:r>
+          </a:p>
+        </p:txBody>
+      </p:sp>
+      <p:sp>
+        <p:nvSpPr>
+          <p:cNvPr id="12" name="Rounded Rectangle 11">
+            <a:extLst>
+              <a:ext uri="{FF2B5EF4-FFF2-40B4-BE49-F238E27FC236}">
+                <a16:creationId xmlns:a16="http://schemas.microsoft.com/office/drawing/2014/main" id="{C705029A-B091-E44A-8EDB-7B720FD2E73A}"/>
+              </a:ext>
+            </a:extLst>
+          </p:cNvPr>
+          <p:cNvSpPr/>
+          <p:nvPr/>
+        </p:nvSpPr>
+        <p:spPr>
+          <a:xfrm>
+            <a:off x="4155310" y="5887350"/>
+            <a:ext cx="10112200" cy="1276953"/>
+          </a:xfrm>
+          <a:prstGeom prst="roundRect">
+            <a:avLst/>
+          </a:prstGeom>
+          <a:solidFill>
+            <a:schemeClr val="bg2"/>
+          </a:solidFill>
+          <a:ln w="63500">
+            <a:solidFill>
+              <a:schemeClr val="bg1">
+                <a:lumMod val="50000"/>
+              </a:schemeClr>
+            </a:solidFill>
+          </a:ln>
+        </p:spPr>
+        <p:style>
+          <a:lnRef idx="2">
+            <a:schemeClr val="accent1">
+              <a:shade val="50000"/>
+            </a:schemeClr>
+          </a:lnRef>
+          <a:fillRef idx="1">
+            <a:schemeClr val="accent1"/>
+          </a:fillRef>
+          <a:effectRef idx="0">
+            <a:schemeClr val="accent1"/>
+          </a:effectRef>
+          <a:fontRef idx="minor">
+            <a:schemeClr val="lt1"/>
+          </a:fontRef>
+        </p:style>
+        <p:txBody>
+          <a:bodyPr rtlCol="0" anchor="ctr"/>
+          <a:lstStyle/>
+          <a:p>
+            <a:pPr algn="ctr"/>
+            <a:r>
+              <a:rPr lang="en-US" sz="3800" dirty="0">
+                <a:solidFill>
+                  <a:srgbClr val="C00000"/>
+                </a:solidFill>
+                <a:latin typeface="Aharoni" panose="02010803020104030203" pitchFamily="2" charset="-79"/>
+                <a:cs typeface="Aharoni" panose="02010803020104030203" pitchFamily="2" charset="-79"/>
+              </a:rPr>
+              <a:t>Google Kubernetes GKE - Masterclass | DevOps, Microservices</a:t>
+            </a:r>
+          </a:p>
+        </p:txBody>
+      </p:sp>
+      <p:sp>
+        <p:nvSpPr>
+          <p:cNvPr id="13" name="Rectangle 12">
+            <a:extLst>
+              <a:ext uri="{FF2B5EF4-FFF2-40B4-BE49-F238E27FC236}">
+                <a16:creationId xmlns:a16="http://schemas.microsoft.com/office/drawing/2014/main" id="{93FDE4D7-2E61-D044-8B5E-0F0332B1ACD9}"/>
+              </a:ext>
+            </a:extLst>
+          </p:cNvPr>
+          <p:cNvSpPr/>
+          <p:nvPr/>
+        </p:nvSpPr>
+        <p:spPr>
+          <a:xfrm>
+            <a:off x="316590" y="2586947"/>
+            <a:ext cx="3236838" cy="3760622"/>
+          </a:xfrm>
+          <a:prstGeom prst="rect">
+            <a:avLst/>
+          </a:prstGeom>
+          <a:solidFill>
+            <a:schemeClr val="bg1"/>
+          </a:solidFill>
+          <a:ln>
+            <a:solidFill>
+              <a:schemeClr val="bg1">
+                <a:lumMod val="50000"/>
+              </a:schemeClr>
+            </a:solidFill>
+            <a:prstDash val="solid"/>
+          </a:ln>
+        </p:spPr>
+        <p:style>
+          <a:lnRef idx="2">
+            <a:schemeClr val="accent1">
+              <a:shade val="50000"/>
+            </a:schemeClr>
+          </a:lnRef>
+          <a:fillRef idx="1">
+            <a:schemeClr val="accent1"/>
+          </a:fillRef>
+          <a:effectRef idx="0">
+            <a:schemeClr val="accent1"/>
+          </a:effectRef>
+          <a:fontRef idx="minor">
+            <a:schemeClr val="lt1"/>
+          </a:fontRef>
+        </p:style>
+        <p:txBody>
+          <a:bodyPr rtlCol="0" anchor="ctr"/>
+          <a:lstStyle/>
+          <a:p>
+            <a:pPr algn="ctr"/>
+            <a:r>
+              <a:rPr lang="en-US" sz="4300" b="1" dirty="0">
+                <a:solidFill>
+                  <a:srgbClr val="0070C0"/>
+                </a:solidFill>
+                <a:latin typeface="Aharoni" panose="02010803020104030203" pitchFamily="2" charset="-79"/>
+                <a:cs typeface="Aharoni" panose="02010803020104030203" pitchFamily="2" charset="-79"/>
+              </a:rPr>
+              <a:t>Kubernetes </a:t>
+            </a:r>
+          </a:p>
+          <a:p>
+            <a:pPr algn="ctr"/>
+            <a:r>
+              <a:rPr lang="en-US" sz="4300" b="1" dirty="0">
+                <a:solidFill>
+                  <a:srgbClr val="0070C0"/>
+                </a:solidFill>
+                <a:latin typeface="Aharoni" panose="02010803020104030203" pitchFamily="2" charset="-79"/>
+                <a:cs typeface="Aharoni" panose="02010803020104030203" pitchFamily="2" charset="-79"/>
+              </a:rPr>
+              <a:t>On</a:t>
+            </a:r>
+          </a:p>
+          <a:p>
+            <a:pPr algn="ctr"/>
+            <a:r>
+              <a:rPr lang="en-US" sz="4300" b="1" dirty="0">
+                <a:solidFill>
+                  <a:srgbClr val="0070C0"/>
+                </a:solidFill>
+                <a:latin typeface="Aharoni" panose="02010803020104030203" pitchFamily="2" charset="-79"/>
+                <a:cs typeface="Aharoni" panose="02010803020104030203" pitchFamily="2" charset="-79"/>
+              </a:rPr>
+              <a:t>Cloud</a:t>
+            </a:r>
+          </a:p>
+          <a:p>
+            <a:pPr algn="ctr"/>
+            <a:r>
+              <a:rPr lang="en-US" sz="4300" b="1" dirty="0">
+                <a:solidFill>
+                  <a:srgbClr val="0070C0"/>
+                </a:solidFill>
+                <a:latin typeface="Aharoni" panose="02010803020104030203" pitchFamily="2" charset="-79"/>
+                <a:cs typeface="Aharoni" panose="02010803020104030203" pitchFamily="2" charset="-79"/>
+              </a:rPr>
+              <a:t>Roadmap</a:t>
+            </a:r>
+          </a:p>
+        </p:txBody>
+      </p:sp>
+    </p:spTree>
+    <p:extLst>
+      <p:ext uri="{BB962C8B-B14F-4D97-AF65-F5344CB8AC3E}">
+        <p14:creationId xmlns:p14="http://schemas.microsoft.com/office/powerpoint/2010/main" val="1622765303"/>
+      </p:ext>
+    </p:extLst>
+  </p:cSld>
+  <p:clrMapOvr>
+    <a:masterClrMapping/>
+  </p:clrMapOvr>
+</p:sld>
+</file>
+
+<file path=ppt/slides/slide20.xml><?xml version="1.0" encoding="utf-8"?>
 <p:sld xmlns:a="http://schemas.openxmlformats.org/drawingml/2006/main" xmlns:r="http://schemas.openxmlformats.org/officeDocument/2006/relationships" xmlns:p="http://schemas.openxmlformats.org/presentationml/2006/main">
   <p:cSld>
     <p:spTree>
@@ -17882,152 +19425,7 @@
 </p:sld>
 </file>
 
-<file path=ppt/slides/slide2.xml><?xml version="1.0" encoding="utf-8"?>
-<p:sld xmlns:a="http://schemas.openxmlformats.org/drawingml/2006/main" xmlns:r="http://schemas.openxmlformats.org/officeDocument/2006/relationships" xmlns:p="http://schemas.openxmlformats.org/presentationml/2006/main">
-  <p:cSld>
-    <p:spTree>
-      <p:nvGrpSpPr>
-        <p:cNvPr id="1" name=""/>
-        <p:cNvGrpSpPr/>
-        <p:nvPr/>
-      </p:nvGrpSpPr>
-      <p:grpSpPr>
-        <a:xfrm>
-          <a:off x="0" y="0"/>
-          <a:ext cx="0" cy="0"/>
-          <a:chOff x="0" y="0"/>
-          <a:chExt cx="0" cy="0"/>
-        </a:xfrm>
-      </p:grpSpPr>
-      <p:sp>
-        <p:nvSpPr>
-          <p:cNvPr id="2" name="Footer Placeholder 1"/>
-          <p:cNvSpPr>
-            <a:spLocks noGrp="1"/>
-          </p:cNvSpPr>
-          <p:nvPr>
-            <p:ph type="ftr" sz="quarter" idx="10"/>
-          </p:nvPr>
-        </p:nvSpPr>
-        <p:spPr/>
-        <p:txBody>
-          <a:bodyPr/>
-          <a:lstStyle/>
-          <a:p>
-            <a:pPr algn="l"/>
-            <a:r>
-              <a:rPr lang="en-US" dirty="0"/>
-              <a:t>© Kalyan Reddy </a:t>
-            </a:r>
-            <a:r>
-              <a:rPr lang="en-US" dirty="0" err="1"/>
-              <a:t>Daida</a:t>
-            </a:r>
-            <a:endParaRPr lang="en-GB" dirty="0"/>
-          </a:p>
-        </p:txBody>
-      </p:sp>
-      <p:sp>
-        <p:nvSpPr>
-          <p:cNvPr id="3" name="Content Placeholder 2"/>
-          <p:cNvSpPr>
-            <a:spLocks noGrp="1"/>
-          </p:cNvSpPr>
-          <p:nvPr>
-            <p:ph idx="1"/>
-          </p:nvPr>
-        </p:nvSpPr>
-        <p:spPr>
-          <a:xfrm>
-            <a:off x="1187252" y="3025247"/>
-            <a:ext cx="8390701" cy="1089553"/>
-          </a:xfrm>
-        </p:spPr>
-        <p:txBody>
-          <a:bodyPr>
-            <a:noAutofit/>
-          </a:bodyPr>
-          <a:lstStyle/>
-          <a:p>
-            <a:pPr marL="0" indent="0" algn="ctr">
-              <a:buNone/>
-            </a:pPr>
-            <a:r>
-              <a:rPr lang="en-US" sz="7000" b="1" dirty="0">
-                <a:solidFill>
-                  <a:schemeClr val="accent6">
-                    <a:lumMod val="75000"/>
-                  </a:schemeClr>
-                </a:solidFill>
-              </a:rPr>
-              <a:t>AWS EC2</a:t>
-            </a:r>
-          </a:p>
-          <a:p>
-            <a:pPr marL="0" indent="0" algn="ctr">
-              <a:buNone/>
-            </a:pPr>
-            <a:r>
-              <a:rPr lang="en-US" sz="7000" b="1" dirty="0">
-                <a:solidFill>
-                  <a:srgbClr val="00B050"/>
-                </a:solidFill>
-              </a:rPr>
-              <a:t>Launch Templates</a:t>
-            </a:r>
-          </a:p>
-        </p:txBody>
-      </p:sp>
-      <p:pic>
-        <p:nvPicPr>
-          <p:cNvPr id="5" name="Graphic 4">
-            <a:extLst>
-              <a:ext uri="{FF2B5EF4-FFF2-40B4-BE49-F238E27FC236}">
-                <a16:creationId xmlns:a16="http://schemas.microsoft.com/office/drawing/2014/main" id="{17DA7245-C97C-47B4-8407-27988A0E3680}"/>
-              </a:ext>
-            </a:extLst>
-          </p:cNvPr>
-          <p:cNvPicPr>
-            <a:picLocks noChangeAspect="1"/>
-          </p:cNvPicPr>
-          <p:nvPr/>
-        </p:nvPicPr>
-        <p:blipFill>
-          <a:blip r:embed="rId2">
-            <a:extLst>
-              <a:ext uri="{96DAC541-7B7A-43D3-8B79-37D633B846F1}">
-                <asvg:svgBlip xmlns:asvg="http://schemas.microsoft.com/office/drawing/2016/SVG/main" r:embed="rId3"/>
-              </a:ext>
-            </a:extLst>
-          </a:blip>
-          <a:stretch>
-            <a:fillRect/>
-          </a:stretch>
-        </p:blipFill>
-        <p:spPr>
-          <a:xfrm>
-            <a:off x="10418779" y="2361115"/>
-            <a:ext cx="3234157" cy="3234157"/>
-          </a:xfrm>
-          <a:prstGeom prst="rect">
-            <a:avLst/>
-          </a:prstGeom>
-        </p:spPr>
-      </p:pic>
-    </p:spTree>
-    <p:extLst>
-      <p:ext uri="{BB962C8B-B14F-4D97-AF65-F5344CB8AC3E}">
-        <p14:creationId xmlns:p14="http://schemas.microsoft.com/office/powerpoint/2010/main" val="713328006"/>
-      </p:ext>
-    </p:extLst>
-  </p:cSld>
-  <p:clrMapOvr>
-    <a:masterClrMapping/>
-  </p:clrMapOvr>
-</p:sld>
-</file>
-
-<file path=ppt/slides/slide20.xml><?xml version="1.0" encoding="utf-8"?>
+<file path=ppt/slides/slide21.xml><?xml version="1.0" encoding="utf-8"?>
 <p:sld xmlns:a="http://schemas.openxmlformats.org/drawingml/2006/main" xmlns:r="http://schemas.openxmlformats.org/officeDocument/2006/relationships" xmlns:p="http://schemas.openxmlformats.org/presentationml/2006/main">
   <p:cSld>
     <p:spTree>
@@ -18591,7 +19989,7 @@
 </p:sld>
 </file>
 
-<file path=ppt/slides/slide21.xml><?xml version="1.0" encoding="utf-8"?>
+<file path=ppt/slides/slide22.xml><?xml version="1.0" encoding="utf-8"?>
 <p:sld xmlns:a="http://schemas.openxmlformats.org/drawingml/2006/main" xmlns:r="http://schemas.openxmlformats.org/officeDocument/2006/relationships" xmlns:p="http://schemas.openxmlformats.org/presentationml/2006/main">
   <p:cSld>
     <p:spTree>
@@ -21482,7 +22880,7 @@
 </p:sld>
 </file>
 
-<file path=ppt/slides/slide22.xml><?xml version="1.0" encoding="utf-8"?>
+<file path=ppt/slides/slide23.xml><?xml version="1.0" encoding="utf-8"?>
 <p:sld xmlns:a="http://schemas.openxmlformats.org/drawingml/2006/main" xmlns:r="http://schemas.openxmlformats.org/officeDocument/2006/relationships" xmlns:p="http://schemas.openxmlformats.org/presentationml/2006/main">
   <p:cSld>
     <p:spTree>
@@ -26096,7 +27494,7 @@
 </p:sld>
 </file>
 
-<file path=ppt/slides/slide23.xml><?xml version="1.0" encoding="utf-8"?>
+<file path=ppt/slides/slide24.xml><?xml version="1.0" encoding="utf-8"?>
 <p:sld xmlns:a="http://schemas.openxmlformats.org/drawingml/2006/main" xmlns:r="http://schemas.openxmlformats.org/officeDocument/2006/relationships" xmlns:p="http://schemas.openxmlformats.org/presentationml/2006/main">
   <p:cSld>
     <p:spTree>
@@ -30693,7 +32091,7 @@
 </p:sld>
 </file>
 
-<file path=ppt/slides/slide24.xml><?xml version="1.0" encoding="utf-8"?>
+<file path=ppt/slides/slide25.xml><?xml version="1.0" encoding="utf-8"?>
 <p:sld xmlns:a="http://schemas.openxmlformats.org/drawingml/2006/main" xmlns:r="http://schemas.openxmlformats.org/officeDocument/2006/relationships" xmlns:p="http://schemas.openxmlformats.org/presentationml/2006/main">
   <p:cSld>
     <p:spTree>
@@ -30878,7 +32276,7 @@
 </p:sld>
 </file>
 
-<file path=ppt/slides/slide25.xml><?xml version="1.0" encoding="utf-8"?>
+<file path=ppt/slides/slide26.xml><?xml version="1.0" encoding="utf-8"?>
 <p:sld xmlns:a="http://schemas.openxmlformats.org/drawingml/2006/main" xmlns:r="http://schemas.openxmlformats.org/officeDocument/2006/relationships" xmlns:p="http://schemas.openxmlformats.org/presentationml/2006/main">
   <p:cSld>
     <p:spTree>
@@ -31042,7 +32440,7 @@
 </p:sld>
 </file>
 
-<file path=ppt/slides/slide26.xml><?xml version="1.0" encoding="utf-8"?>
+<file path=ppt/slides/slide27.xml><?xml version="1.0" encoding="utf-8"?>
 <p:sld xmlns:a="http://schemas.openxmlformats.org/drawingml/2006/main" xmlns:r="http://schemas.openxmlformats.org/officeDocument/2006/relationships" xmlns:p="http://schemas.openxmlformats.org/presentationml/2006/main">
   <p:cSld>
     <p:spTree>
@@ -32784,7 +34182,7 @@
 </p:sld>
 </file>
 
-<file path=ppt/slides/slide27.xml><?xml version="1.0" encoding="utf-8"?>
+<file path=ppt/slides/slide28.xml><?xml version="1.0" encoding="utf-8"?>
 <p:sld xmlns:a="http://schemas.openxmlformats.org/drawingml/2006/main" xmlns:r="http://schemas.openxmlformats.org/officeDocument/2006/relationships" xmlns:p="http://schemas.openxmlformats.org/presentationml/2006/main">
   <p:cSld>
     <p:spTree>
@@ -35964,129 +37362,6 @@
 </p:sld>
 </file>
 
-<file path=ppt/slides/slide28.xml><?xml version="1.0" encoding="utf-8"?>
-<p:sld xmlns:a="http://schemas.openxmlformats.org/drawingml/2006/main" xmlns:r="http://schemas.openxmlformats.org/officeDocument/2006/relationships" xmlns:p="http://schemas.openxmlformats.org/presentationml/2006/main">
-  <p:cSld>
-    <p:spTree>
-      <p:nvGrpSpPr>
-        <p:cNvPr id="1" name=""/>
-        <p:cNvGrpSpPr/>
-        <p:nvPr/>
-      </p:nvGrpSpPr>
-      <p:grpSpPr>
-        <a:xfrm>
-          <a:off x="0" y="0"/>
-          <a:ext cx="0" cy="0"/>
-          <a:chOff x="0" y="0"/>
-          <a:chExt cx="0" cy="0"/>
-        </a:xfrm>
-      </p:grpSpPr>
-      <p:sp>
-        <p:nvSpPr>
-          <p:cNvPr id="2" name="Footer Placeholder 1">
-            <a:extLst>
-              <a:ext uri="{FF2B5EF4-FFF2-40B4-BE49-F238E27FC236}">
-                <a16:creationId xmlns:a16="http://schemas.microsoft.com/office/drawing/2014/main" id="{ACBAA66F-108E-4D7D-927B-21A65FD36947}"/>
-              </a:ext>
-            </a:extLst>
-          </p:cNvPr>
-          <p:cNvSpPr>
-            <a:spLocks noGrp="1"/>
-          </p:cNvSpPr>
-          <p:nvPr>
-            <p:ph type="ftr" sz="quarter" idx="10"/>
-          </p:nvPr>
-        </p:nvSpPr>
-        <p:spPr/>
-        <p:txBody>
-          <a:bodyPr/>
-          <a:lstStyle/>
-          <a:p>
-            <a:pPr algn="l"/>
-            <a:r>
-              <a:rPr lang="en-US"/>
-              <a:t>© Kalyan Reddy Daida</a:t>
-            </a:r>
-            <a:endParaRPr lang="en-GB" dirty="0"/>
-          </a:p>
-        </p:txBody>
-      </p:sp>
-      <p:sp>
-        <p:nvSpPr>
-          <p:cNvPr id="3" name="Content Placeholder 2">
-            <a:extLst>
-              <a:ext uri="{FF2B5EF4-FFF2-40B4-BE49-F238E27FC236}">
-                <a16:creationId xmlns:a16="http://schemas.microsoft.com/office/drawing/2014/main" id="{65760CCB-86BD-43F4-9847-E1B85E15699E}"/>
-              </a:ext>
-            </a:extLst>
-          </p:cNvPr>
-          <p:cNvSpPr>
-            <a:spLocks noGrp="1"/>
-          </p:cNvSpPr>
-          <p:nvPr>
-            <p:ph idx="1"/>
-          </p:nvPr>
-        </p:nvSpPr>
-        <p:spPr/>
-        <p:txBody>
-          <a:bodyPr/>
-          <a:lstStyle/>
-          <a:p>
-            <a:endParaRPr lang="en-IN"/>
-          </a:p>
-        </p:txBody>
-      </p:sp>
-      <p:sp>
-        <p:nvSpPr>
-          <p:cNvPr id="4" name="Title 3">
-            <a:extLst>
-              <a:ext uri="{FF2B5EF4-FFF2-40B4-BE49-F238E27FC236}">
-                <a16:creationId xmlns:a16="http://schemas.microsoft.com/office/drawing/2014/main" id="{58475769-F533-45B5-9A97-0C4CDA4741C1}"/>
-              </a:ext>
-            </a:extLst>
-          </p:cNvPr>
-          <p:cNvSpPr>
-            <a:spLocks noGrp="1"/>
-          </p:cNvSpPr>
-          <p:nvPr>
-            <p:ph type="title"/>
-          </p:nvPr>
-        </p:nvSpPr>
-        <p:spPr/>
-        <p:txBody>
-          <a:bodyPr>
-            <a:normAutofit fontScale="90000"/>
-          </a:bodyPr>
-          <a:lstStyle/>
-          <a:p>
-            <a:r>
-              <a:rPr lang="en-IN" dirty="0"/>
-              <a:t>Kubernetes – </a:t>
-            </a:r>
-            <a:r>
-              <a:rPr lang="en-IN" dirty="0">
-                <a:solidFill>
-                  <a:srgbClr val="00B050"/>
-                </a:solidFill>
-              </a:rPr>
-              <a:t>Deployment Rollout &amp; Versioning</a:t>
-            </a:r>
-          </a:p>
-        </p:txBody>
-      </p:sp>
-    </p:spTree>
-    <p:extLst>
-      <p:ext uri="{BB962C8B-B14F-4D97-AF65-F5344CB8AC3E}">
-        <p14:creationId xmlns:p14="http://schemas.microsoft.com/office/powerpoint/2010/main" val="3102850867"/>
-      </p:ext>
-    </p:extLst>
-  </p:cSld>
-  <p:clrMapOvr>
-    <a:masterClrMapping/>
-  </p:clrMapOvr>
-</p:sld>
-</file>
-
 <file path=ppt/slides/slide29.xml><?xml version="1.0" encoding="utf-8"?>
 <p:sld xmlns:a="http://schemas.openxmlformats.org/drawingml/2006/main" xmlns:r="http://schemas.openxmlformats.org/officeDocument/2006/relationships" xmlns:p="http://schemas.openxmlformats.org/presentationml/2006/main">
   <p:cSld>
@@ -36109,6 +37384,274 @@
           <p:cNvPr id="2" name="Footer Placeholder 1">
             <a:extLst>
               <a:ext uri="{FF2B5EF4-FFF2-40B4-BE49-F238E27FC236}">
+                <a16:creationId xmlns:a16="http://schemas.microsoft.com/office/drawing/2014/main" id="{ACBAA66F-108E-4D7D-927B-21A65FD36947}"/>
+              </a:ext>
+            </a:extLst>
+          </p:cNvPr>
+          <p:cNvSpPr>
+            <a:spLocks noGrp="1"/>
+          </p:cNvSpPr>
+          <p:nvPr>
+            <p:ph type="ftr" sz="quarter" idx="10"/>
+          </p:nvPr>
+        </p:nvSpPr>
+        <p:spPr/>
+        <p:txBody>
+          <a:bodyPr/>
+          <a:lstStyle/>
+          <a:p>
+            <a:pPr algn="l"/>
+            <a:r>
+              <a:rPr lang="en-US"/>
+              <a:t>© Kalyan Reddy Daida</a:t>
+            </a:r>
+            <a:endParaRPr lang="en-GB" dirty="0"/>
+          </a:p>
+        </p:txBody>
+      </p:sp>
+      <p:sp>
+        <p:nvSpPr>
+          <p:cNvPr id="3" name="Content Placeholder 2">
+            <a:extLst>
+              <a:ext uri="{FF2B5EF4-FFF2-40B4-BE49-F238E27FC236}">
+                <a16:creationId xmlns:a16="http://schemas.microsoft.com/office/drawing/2014/main" id="{65760CCB-86BD-43F4-9847-E1B85E15699E}"/>
+              </a:ext>
+            </a:extLst>
+          </p:cNvPr>
+          <p:cNvSpPr>
+            <a:spLocks noGrp="1"/>
+          </p:cNvSpPr>
+          <p:nvPr>
+            <p:ph idx="1"/>
+          </p:nvPr>
+        </p:nvSpPr>
+        <p:spPr/>
+        <p:txBody>
+          <a:bodyPr/>
+          <a:lstStyle/>
+          <a:p>
+            <a:endParaRPr lang="en-IN"/>
+          </a:p>
+        </p:txBody>
+      </p:sp>
+      <p:sp>
+        <p:nvSpPr>
+          <p:cNvPr id="4" name="Title 3">
+            <a:extLst>
+              <a:ext uri="{FF2B5EF4-FFF2-40B4-BE49-F238E27FC236}">
+                <a16:creationId xmlns:a16="http://schemas.microsoft.com/office/drawing/2014/main" id="{58475769-F533-45B5-9A97-0C4CDA4741C1}"/>
+              </a:ext>
+            </a:extLst>
+          </p:cNvPr>
+          <p:cNvSpPr>
+            <a:spLocks noGrp="1"/>
+          </p:cNvSpPr>
+          <p:nvPr>
+            <p:ph type="title"/>
+          </p:nvPr>
+        </p:nvSpPr>
+        <p:spPr/>
+        <p:txBody>
+          <a:bodyPr>
+            <a:normAutofit fontScale="90000"/>
+          </a:bodyPr>
+          <a:lstStyle/>
+          <a:p>
+            <a:r>
+              <a:rPr lang="en-IN" dirty="0"/>
+              <a:t>Kubernetes – </a:t>
+            </a:r>
+            <a:r>
+              <a:rPr lang="en-IN" dirty="0">
+                <a:solidFill>
+                  <a:srgbClr val="00B050"/>
+                </a:solidFill>
+              </a:rPr>
+              <a:t>Deployment Rollout &amp; Versioning</a:t>
+            </a:r>
+          </a:p>
+        </p:txBody>
+      </p:sp>
+    </p:spTree>
+    <p:extLst>
+      <p:ext uri="{BB962C8B-B14F-4D97-AF65-F5344CB8AC3E}">
+        <p14:creationId xmlns:p14="http://schemas.microsoft.com/office/powerpoint/2010/main" val="3102850867"/>
+      </p:ext>
+    </p:extLst>
+  </p:cSld>
+  <p:clrMapOvr>
+    <a:masterClrMapping/>
+  </p:clrMapOvr>
+</p:sld>
+</file>
+
+<file path=ppt/slides/slide3.xml><?xml version="1.0" encoding="utf-8"?>
+<p:sld xmlns:a="http://schemas.openxmlformats.org/drawingml/2006/main" xmlns:r="http://schemas.openxmlformats.org/officeDocument/2006/relationships" xmlns:p="http://schemas.openxmlformats.org/presentationml/2006/main">
+  <p:cSld>
+    <p:spTree>
+      <p:nvGrpSpPr>
+        <p:cNvPr id="1" name=""/>
+        <p:cNvGrpSpPr/>
+        <p:nvPr/>
+      </p:nvGrpSpPr>
+      <p:grpSpPr>
+        <a:xfrm>
+          <a:off x="0" y="0"/>
+          <a:ext cx="0" cy="0"/>
+          <a:chOff x="0" y="0"/>
+          <a:chExt cx="0" cy="0"/>
+        </a:xfrm>
+      </p:grpSpPr>
+      <p:sp>
+        <p:nvSpPr>
+          <p:cNvPr id="2" name="Footer Placeholder 1"/>
+          <p:cNvSpPr>
+            <a:spLocks noGrp="1"/>
+          </p:cNvSpPr>
+          <p:nvPr>
+            <p:ph type="ftr" sz="quarter" idx="10"/>
+          </p:nvPr>
+        </p:nvSpPr>
+        <p:spPr/>
+        <p:txBody>
+          <a:bodyPr/>
+          <a:lstStyle/>
+          <a:p>
+            <a:pPr algn="l"/>
+            <a:r>
+              <a:rPr lang="en-US" dirty="0"/>
+              <a:t>© Kalyan Reddy </a:t>
+            </a:r>
+            <a:r>
+              <a:rPr lang="en-US" dirty="0" err="1"/>
+              <a:t>Daida</a:t>
+            </a:r>
+            <a:endParaRPr lang="en-GB" dirty="0"/>
+          </a:p>
+        </p:txBody>
+      </p:sp>
+      <p:sp>
+        <p:nvSpPr>
+          <p:cNvPr id="3" name="Content Placeholder 2"/>
+          <p:cNvSpPr>
+            <a:spLocks noGrp="1"/>
+          </p:cNvSpPr>
+          <p:nvPr>
+            <p:ph idx="1"/>
+          </p:nvPr>
+        </p:nvSpPr>
+        <p:spPr>
+          <a:xfrm>
+            <a:off x="1187252" y="3025247"/>
+            <a:ext cx="8390701" cy="1089553"/>
+          </a:xfrm>
+        </p:spPr>
+        <p:txBody>
+          <a:bodyPr>
+            <a:noAutofit/>
+          </a:bodyPr>
+          <a:lstStyle/>
+          <a:p>
+            <a:pPr marL="0" indent="0" algn="ctr">
+              <a:buNone/>
+            </a:pPr>
+            <a:r>
+              <a:rPr lang="en-US" sz="7000" b="1" dirty="0">
+                <a:solidFill>
+                  <a:schemeClr val="accent6">
+                    <a:lumMod val="75000"/>
+                  </a:schemeClr>
+                </a:solidFill>
+              </a:rPr>
+              <a:t>AWS EC2</a:t>
+            </a:r>
+          </a:p>
+          <a:p>
+            <a:pPr marL="0" indent="0" algn="ctr">
+              <a:buNone/>
+            </a:pPr>
+            <a:r>
+              <a:rPr lang="en-US" sz="7000" b="1" dirty="0">
+                <a:solidFill>
+                  <a:srgbClr val="00B050"/>
+                </a:solidFill>
+              </a:rPr>
+              <a:t>Launch Templates</a:t>
+            </a:r>
+          </a:p>
+        </p:txBody>
+      </p:sp>
+      <p:pic>
+        <p:nvPicPr>
+          <p:cNvPr id="5" name="Graphic 4">
+            <a:extLst>
+              <a:ext uri="{FF2B5EF4-FFF2-40B4-BE49-F238E27FC236}">
+                <a16:creationId xmlns:a16="http://schemas.microsoft.com/office/drawing/2014/main" id="{17DA7245-C97C-47B4-8407-27988A0E3680}"/>
+              </a:ext>
+            </a:extLst>
+          </p:cNvPr>
+          <p:cNvPicPr>
+            <a:picLocks noChangeAspect="1"/>
+          </p:cNvPicPr>
+          <p:nvPr/>
+        </p:nvPicPr>
+        <p:blipFill>
+          <a:blip r:embed="rId2">
+            <a:extLst>
+              <a:ext uri="{96DAC541-7B7A-43D3-8B79-37D633B846F1}">
+                <asvg:svgBlip xmlns:asvg="http://schemas.microsoft.com/office/drawing/2016/SVG/main" r:embed="rId3"/>
+              </a:ext>
+            </a:extLst>
+          </a:blip>
+          <a:stretch>
+            <a:fillRect/>
+          </a:stretch>
+        </p:blipFill>
+        <p:spPr>
+          <a:xfrm>
+            <a:off x="10418779" y="2361115"/>
+            <a:ext cx="3234157" cy="3234157"/>
+          </a:xfrm>
+          <a:prstGeom prst="rect">
+            <a:avLst/>
+          </a:prstGeom>
+        </p:spPr>
+      </p:pic>
+    </p:spTree>
+    <p:extLst>
+      <p:ext uri="{BB962C8B-B14F-4D97-AF65-F5344CB8AC3E}">
+        <p14:creationId xmlns:p14="http://schemas.microsoft.com/office/powerpoint/2010/main" val="713328006"/>
+      </p:ext>
+    </p:extLst>
+  </p:cSld>
+  <p:clrMapOvr>
+    <a:masterClrMapping/>
+  </p:clrMapOvr>
+</p:sld>
+</file>
+
+<file path=ppt/slides/slide30.xml><?xml version="1.0" encoding="utf-8"?>
+<p:sld xmlns:a="http://schemas.openxmlformats.org/drawingml/2006/main" xmlns:r="http://schemas.openxmlformats.org/officeDocument/2006/relationships" xmlns:p="http://schemas.openxmlformats.org/presentationml/2006/main">
+  <p:cSld>
+    <p:spTree>
+      <p:nvGrpSpPr>
+        <p:cNvPr id="1" name=""/>
+        <p:cNvGrpSpPr/>
+        <p:nvPr/>
+      </p:nvGrpSpPr>
+      <p:grpSpPr>
+        <a:xfrm>
+          <a:off x="0" y="0"/>
+          <a:ext cx="0" cy="0"/>
+          <a:chOff x="0" y="0"/>
+          <a:chExt cx="0" cy="0"/>
+        </a:xfrm>
+      </p:grpSpPr>
+      <p:sp>
+        <p:nvSpPr>
+          <p:cNvPr id="2" name="Footer Placeholder 1">
+            <a:extLst>
+              <a:ext uri="{FF2B5EF4-FFF2-40B4-BE49-F238E27FC236}">
                 <a16:creationId xmlns:a16="http://schemas.microsoft.com/office/drawing/2014/main" id="{7F9AED0C-E069-466C-BCF8-14816F0F8ABD}"/>
               </a:ext>
             </a:extLst>
@@ -36208,7 +37751,389 @@
 </p:sld>
 </file>
 
-<file path=ppt/slides/slide3.xml><?xml version="1.0" encoding="utf-8"?>
+<file path=ppt/slides/slide31.xml><?xml version="1.0" encoding="utf-8"?>
+<p:sld xmlns:a="http://schemas.openxmlformats.org/drawingml/2006/main" xmlns:r="http://schemas.openxmlformats.org/officeDocument/2006/relationships" xmlns:p="http://schemas.openxmlformats.org/presentationml/2006/main">
+  <p:cSld>
+    <p:spTree>
+      <p:nvGrpSpPr>
+        <p:cNvPr id="1" name=""/>
+        <p:cNvGrpSpPr/>
+        <p:nvPr/>
+      </p:nvGrpSpPr>
+      <p:grpSpPr>
+        <a:xfrm>
+          <a:off x="0" y="0"/>
+          <a:ext cx="0" cy="0"/>
+          <a:chOff x="0" y="0"/>
+          <a:chExt cx="0" cy="0"/>
+        </a:xfrm>
+      </p:grpSpPr>
+      <p:sp>
+        <p:nvSpPr>
+          <p:cNvPr id="2" name="Footer Placeholder 1">
+            <a:extLst>
+              <a:ext uri="{FF2B5EF4-FFF2-40B4-BE49-F238E27FC236}">
+                <a16:creationId xmlns:a16="http://schemas.microsoft.com/office/drawing/2014/main" id="{28F342ED-11A1-4AB9-A424-1870C343A51D}"/>
+              </a:ext>
+            </a:extLst>
+          </p:cNvPr>
+          <p:cNvSpPr>
+            <a:spLocks noGrp="1"/>
+          </p:cNvSpPr>
+          <p:nvPr>
+            <p:ph type="ftr" sz="quarter" idx="10"/>
+          </p:nvPr>
+        </p:nvSpPr>
+        <p:spPr/>
+        <p:txBody>
+          <a:bodyPr/>
+          <a:lstStyle/>
+          <a:p>
+            <a:pPr algn="l"/>
+            <a:r>
+              <a:rPr lang="en-US"/>
+              <a:t>© Kalyan Reddy Daida</a:t>
+            </a:r>
+            <a:endParaRPr lang="en-GB" dirty="0"/>
+          </a:p>
+        </p:txBody>
+      </p:sp>
+      <p:sp>
+        <p:nvSpPr>
+          <p:cNvPr id="3" name="Content Placeholder 2">
+            <a:extLst>
+              <a:ext uri="{FF2B5EF4-FFF2-40B4-BE49-F238E27FC236}">
+                <a16:creationId xmlns:a16="http://schemas.microsoft.com/office/drawing/2014/main" id="{3D9ED234-36BC-4FFE-B154-695AFDA70141}"/>
+              </a:ext>
+            </a:extLst>
+          </p:cNvPr>
+          <p:cNvSpPr>
+            <a:spLocks noGrp="1"/>
+          </p:cNvSpPr>
+          <p:nvPr>
+            <p:ph idx="1"/>
+          </p:nvPr>
+        </p:nvSpPr>
+        <p:spPr/>
+        <p:txBody>
+          <a:bodyPr/>
+          <a:lstStyle/>
+          <a:p>
+            <a:endParaRPr lang="en-IN"/>
+          </a:p>
+        </p:txBody>
+      </p:sp>
+      <p:sp>
+        <p:nvSpPr>
+          <p:cNvPr id="4" name="Title 3">
+            <a:extLst>
+              <a:ext uri="{FF2B5EF4-FFF2-40B4-BE49-F238E27FC236}">
+                <a16:creationId xmlns:a16="http://schemas.microsoft.com/office/drawing/2014/main" id="{A0311B68-C33B-4A8A-AB09-6121FAA72813}"/>
+              </a:ext>
+            </a:extLst>
+          </p:cNvPr>
+          <p:cNvSpPr>
+            <a:spLocks noGrp="1"/>
+          </p:cNvSpPr>
+          <p:nvPr>
+            <p:ph type="title"/>
+          </p:nvPr>
+        </p:nvSpPr>
+        <p:spPr/>
+        <p:txBody>
+          <a:bodyPr/>
+          <a:lstStyle/>
+          <a:p>
+            <a:r>
+              <a:rPr lang="en-IN" dirty="0"/>
+              <a:t>Kubernetes – </a:t>
+            </a:r>
+            <a:r>
+              <a:rPr lang="en-IN" dirty="0">
+                <a:solidFill>
+                  <a:srgbClr val="00B050"/>
+                </a:solidFill>
+              </a:rPr>
+              <a:t>Deployment Upgrades</a:t>
+            </a:r>
+          </a:p>
+        </p:txBody>
+      </p:sp>
+    </p:spTree>
+    <p:extLst>
+      <p:ext uri="{BB962C8B-B14F-4D97-AF65-F5344CB8AC3E}">
+        <p14:creationId xmlns:p14="http://schemas.microsoft.com/office/powerpoint/2010/main" val="710650650"/>
+      </p:ext>
+    </p:extLst>
+  </p:cSld>
+  <p:clrMapOvr>
+    <a:masterClrMapping/>
+  </p:clrMapOvr>
+</p:sld>
+</file>
+
+<file path=ppt/slides/slide32.xml><?xml version="1.0" encoding="utf-8"?>
+<p:sld xmlns:a="http://schemas.openxmlformats.org/drawingml/2006/main" xmlns:r="http://schemas.openxmlformats.org/officeDocument/2006/relationships" xmlns:p="http://schemas.openxmlformats.org/presentationml/2006/main">
+  <p:cSld>
+    <p:spTree>
+      <p:nvGrpSpPr>
+        <p:cNvPr id="1" name=""/>
+        <p:cNvGrpSpPr/>
+        <p:nvPr/>
+      </p:nvGrpSpPr>
+      <p:grpSpPr>
+        <a:xfrm>
+          <a:off x="0" y="0"/>
+          <a:ext cx="0" cy="0"/>
+          <a:chOff x="0" y="0"/>
+          <a:chExt cx="0" cy="0"/>
+        </a:xfrm>
+      </p:grpSpPr>
+      <p:sp>
+        <p:nvSpPr>
+          <p:cNvPr id="2" name="Footer Placeholder 1">
+            <a:extLst>
+              <a:ext uri="{FF2B5EF4-FFF2-40B4-BE49-F238E27FC236}">
+                <a16:creationId xmlns:a16="http://schemas.microsoft.com/office/drawing/2014/main" id="{28F342ED-11A1-4AB9-A424-1870C343A51D}"/>
+              </a:ext>
+            </a:extLst>
+          </p:cNvPr>
+          <p:cNvSpPr>
+            <a:spLocks noGrp="1"/>
+          </p:cNvSpPr>
+          <p:nvPr>
+            <p:ph type="ftr" sz="quarter" idx="10"/>
+          </p:nvPr>
+        </p:nvSpPr>
+        <p:spPr/>
+        <p:txBody>
+          <a:bodyPr/>
+          <a:lstStyle/>
+          <a:p>
+            <a:pPr algn="l"/>
+            <a:r>
+              <a:rPr lang="en-US"/>
+              <a:t>© Kalyan Reddy Daida</a:t>
+            </a:r>
+            <a:endParaRPr lang="en-GB" dirty="0"/>
+          </a:p>
+        </p:txBody>
+      </p:sp>
+      <p:sp>
+        <p:nvSpPr>
+          <p:cNvPr id="3" name="Content Placeholder 2">
+            <a:extLst>
+              <a:ext uri="{FF2B5EF4-FFF2-40B4-BE49-F238E27FC236}">
+                <a16:creationId xmlns:a16="http://schemas.microsoft.com/office/drawing/2014/main" id="{3D9ED234-36BC-4FFE-B154-695AFDA70141}"/>
+              </a:ext>
+            </a:extLst>
+          </p:cNvPr>
+          <p:cNvSpPr>
+            <a:spLocks noGrp="1"/>
+          </p:cNvSpPr>
+          <p:nvPr>
+            <p:ph idx="1"/>
+          </p:nvPr>
+        </p:nvSpPr>
+        <p:spPr/>
+        <p:txBody>
+          <a:bodyPr/>
+          <a:lstStyle/>
+          <a:p>
+            <a:endParaRPr lang="en-IN"/>
+          </a:p>
+        </p:txBody>
+      </p:sp>
+      <p:sp>
+        <p:nvSpPr>
+          <p:cNvPr id="4" name="Title 3">
+            <a:extLst>
+              <a:ext uri="{FF2B5EF4-FFF2-40B4-BE49-F238E27FC236}">
+                <a16:creationId xmlns:a16="http://schemas.microsoft.com/office/drawing/2014/main" id="{A0311B68-C33B-4A8A-AB09-6121FAA72813}"/>
+              </a:ext>
+            </a:extLst>
+          </p:cNvPr>
+          <p:cNvSpPr>
+            <a:spLocks noGrp="1"/>
+          </p:cNvSpPr>
+          <p:nvPr>
+            <p:ph type="title"/>
+          </p:nvPr>
+        </p:nvSpPr>
+        <p:spPr/>
+        <p:txBody>
+          <a:bodyPr/>
+          <a:lstStyle/>
+          <a:p>
+            <a:r>
+              <a:rPr lang="en-IN" dirty="0"/>
+              <a:t>Kubernetes – </a:t>
+            </a:r>
+            <a:r>
+              <a:rPr lang="en-IN" dirty="0">
+                <a:solidFill>
+                  <a:srgbClr val="00B050"/>
+                </a:solidFill>
+              </a:rPr>
+              <a:t>Deployment Rollback</a:t>
+            </a:r>
+          </a:p>
+        </p:txBody>
+      </p:sp>
+    </p:spTree>
+    <p:extLst>
+      <p:ext uri="{BB962C8B-B14F-4D97-AF65-F5344CB8AC3E}">
+        <p14:creationId xmlns:p14="http://schemas.microsoft.com/office/powerpoint/2010/main" val="2877829105"/>
+      </p:ext>
+    </p:extLst>
+  </p:cSld>
+  <p:clrMapOvr>
+    <a:masterClrMapping/>
+  </p:clrMapOvr>
+</p:sld>
+</file>
+
+<file path=ppt/slides/slide33.xml><?xml version="1.0" encoding="utf-8"?>
+<p:sld xmlns:a="http://schemas.openxmlformats.org/drawingml/2006/main" xmlns:r="http://schemas.openxmlformats.org/officeDocument/2006/relationships" xmlns:p="http://schemas.openxmlformats.org/presentationml/2006/main">
+  <p:cSld>
+    <p:spTree>
+      <p:nvGrpSpPr>
+        <p:cNvPr id="1" name=""/>
+        <p:cNvGrpSpPr/>
+        <p:nvPr/>
+      </p:nvGrpSpPr>
+      <p:grpSpPr>
+        <a:xfrm>
+          <a:off x="0" y="0"/>
+          <a:ext cx="0" cy="0"/>
+          <a:chOff x="0" y="0"/>
+          <a:chExt cx="0" cy="0"/>
+        </a:xfrm>
+      </p:grpSpPr>
+      <p:sp>
+        <p:nvSpPr>
+          <p:cNvPr id="2" name="Footer Placeholder 1">
+            <a:extLst>
+              <a:ext uri="{FF2B5EF4-FFF2-40B4-BE49-F238E27FC236}">
+                <a16:creationId xmlns:a16="http://schemas.microsoft.com/office/drawing/2014/main" id="{AE0018F7-43D1-4633-BCE6-D3F690FD1ACD}"/>
+              </a:ext>
+            </a:extLst>
+          </p:cNvPr>
+          <p:cNvSpPr>
+            <a:spLocks noGrp="1"/>
+          </p:cNvSpPr>
+          <p:nvPr>
+            <p:ph type="ftr" sz="quarter" idx="10"/>
+          </p:nvPr>
+        </p:nvSpPr>
+        <p:spPr/>
+        <p:txBody>
+          <a:bodyPr/>
+          <a:lstStyle/>
+          <a:p>
+            <a:pPr algn="l"/>
+            <a:r>
+              <a:rPr lang="en-US"/>
+              <a:t>© Kalyan Reddy Daida</a:t>
+            </a:r>
+            <a:endParaRPr lang="en-GB" dirty="0"/>
+          </a:p>
+        </p:txBody>
+      </p:sp>
+      <p:sp>
+        <p:nvSpPr>
+          <p:cNvPr id="3" name="Content Placeholder 2">
+            <a:extLst>
+              <a:ext uri="{FF2B5EF4-FFF2-40B4-BE49-F238E27FC236}">
+                <a16:creationId xmlns:a16="http://schemas.microsoft.com/office/drawing/2014/main" id="{E12CE8F7-4B3E-4F4C-9E72-0A658F3854D2}"/>
+              </a:ext>
+            </a:extLst>
+          </p:cNvPr>
+          <p:cNvSpPr>
+            <a:spLocks noGrp="1"/>
+          </p:cNvSpPr>
+          <p:nvPr>
+            <p:ph idx="1"/>
+          </p:nvPr>
+        </p:nvSpPr>
+        <p:spPr/>
+        <p:txBody>
+          <a:bodyPr/>
+          <a:lstStyle/>
+          <a:p>
+            <a:r>
+              <a:rPr lang="en-IN" dirty="0"/>
+              <a:t>Create</a:t>
+            </a:r>
+          </a:p>
+          <a:p>
+            <a:r>
+              <a:rPr lang="en-IN" dirty="0"/>
+              <a:t>Get</a:t>
+            </a:r>
+          </a:p>
+          <a:p>
+            <a:r>
+              <a:rPr lang="en-IN" dirty="0"/>
+              <a:t>Update</a:t>
+            </a:r>
+          </a:p>
+          <a:p>
+            <a:r>
+              <a:rPr lang="en-IN" dirty="0"/>
+              <a:t>Status</a:t>
+            </a:r>
+          </a:p>
+          <a:p>
+            <a:r>
+              <a:rPr lang="en-IN" dirty="0"/>
+              <a:t>Rollback</a:t>
+            </a:r>
+          </a:p>
+        </p:txBody>
+      </p:sp>
+      <p:sp>
+        <p:nvSpPr>
+          <p:cNvPr id="4" name="Title 3">
+            <a:extLst>
+              <a:ext uri="{FF2B5EF4-FFF2-40B4-BE49-F238E27FC236}">
+                <a16:creationId xmlns:a16="http://schemas.microsoft.com/office/drawing/2014/main" id="{5DEDC971-B1D0-414A-BD5E-FE17D48CB42A}"/>
+              </a:ext>
+            </a:extLst>
+          </p:cNvPr>
+          <p:cNvSpPr>
+            <a:spLocks noGrp="1"/>
+          </p:cNvSpPr>
+          <p:nvPr>
+            <p:ph type="title"/>
+          </p:nvPr>
+        </p:nvSpPr>
+        <p:spPr/>
+        <p:txBody>
+          <a:bodyPr/>
+          <a:lstStyle/>
+          <a:p>
+            <a:r>
+              <a:rPr lang="en-IN" dirty="0"/>
+              <a:t>Kubernetes – Summarize Commands</a:t>
+            </a:r>
+          </a:p>
+        </p:txBody>
+      </p:sp>
+    </p:spTree>
+    <p:extLst>
+      <p:ext uri="{BB962C8B-B14F-4D97-AF65-F5344CB8AC3E}">
+        <p14:creationId xmlns:p14="http://schemas.microsoft.com/office/powerpoint/2010/main" val="607462077"/>
+      </p:ext>
+    </p:extLst>
+  </p:cSld>
+  <p:clrMapOvr>
+    <a:masterClrMapping/>
+  </p:clrMapOvr>
+</p:sld>
+</file>
+
+<file path=ppt/slides/slide34.xml><?xml version="1.0" encoding="utf-8"?>
 <p:sld xmlns:a="http://schemas.openxmlformats.org/drawingml/2006/main" xmlns:r="http://schemas.openxmlformats.org/officeDocument/2006/relationships" xmlns:p="http://schemas.openxmlformats.org/presentationml/2006/main">
   <p:cSld>
     <p:spTree>
@@ -36354,7 +38279,7 @@
                   <a:srgbClr val="00B050"/>
                 </a:solidFill>
               </a:rPr>
-              <a:t>Architecture</a:t>
+              <a:t>Networking</a:t>
             </a:r>
           </a:p>
         </p:txBody>
@@ -36362,7 +38287,7 @@
     </p:spTree>
     <p:extLst>
       <p:ext uri="{BB962C8B-B14F-4D97-AF65-F5344CB8AC3E}">
-        <p14:creationId xmlns:p14="http://schemas.microsoft.com/office/powerpoint/2010/main" val="1463512280"/>
+        <p14:creationId xmlns:p14="http://schemas.microsoft.com/office/powerpoint/2010/main" val="1396897939"/>
       </p:ext>
     </p:extLst>
   </p:cSld>
@@ -36372,7 +38297,7 @@
 </p:sld>
 </file>
 
-<file path=ppt/slides/slide30.xml><?xml version="1.0" encoding="utf-8"?>
+<file path=ppt/slides/slide35.xml><?xml version="1.0" encoding="utf-8"?>
 <p:sld xmlns:a="http://schemas.openxmlformats.org/drawingml/2006/main" xmlns:r="http://schemas.openxmlformats.org/officeDocument/2006/relationships" xmlns:p="http://schemas.openxmlformats.org/presentationml/2006/main">
   <p:cSld>
     <p:spTree>
@@ -36394,7 +38319,7 @@
           <p:cNvPr id="2" name="Footer Placeholder 1">
             <a:extLst>
               <a:ext uri="{FF2B5EF4-FFF2-40B4-BE49-F238E27FC236}">
-                <a16:creationId xmlns:a16="http://schemas.microsoft.com/office/drawing/2014/main" id="{28F342ED-11A1-4AB9-A424-1870C343A51D}"/>
+                <a16:creationId xmlns:a16="http://schemas.microsoft.com/office/drawing/2014/main" id="{53F563E8-AB1E-42F1-92FC-23BC85460301}"/>
               </a:ext>
             </a:extLst>
           </p:cNvPr>
@@ -36424,7 +38349,7 @@
           <p:cNvPr id="3" name="Content Placeholder 2">
             <a:extLst>
               <a:ext uri="{FF2B5EF4-FFF2-40B4-BE49-F238E27FC236}">
-                <a16:creationId xmlns:a16="http://schemas.microsoft.com/office/drawing/2014/main" id="{3D9ED234-36BC-4FFE-B154-695AFDA70141}"/>
+                <a16:creationId xmlns:a16="http://schemas.microsoft.com/office/drawing/2014/main" id="{4F512FF8-097E-4819-B71A-6DEB3E073E92}"/>
               </a:ext>
             </a:extLst>
           </p:cNvPr>
@@ -36449,7 +38374,7 @@
           <p:cNvPr id="4" name="Title 3">
             <a:extLst>
               <a:ext uri="{FF2B5EF4-FFF2-40B4-BE49-F238E27FC236}">
-                <a16:creationId xmlns:a16="http://schemas.microsoft.com/office/drawing/2014/main" id="{A0311B68-C33B-4A8A-AB09-6121FAA72813}"/>
+                <a16:creationId xmlns:a16="http://schemas.microsoft.com/office/drawing/2014/main" id="{2AD56879-D562-4701-8530-0994B2B930AE}"/>
               </a:ext>
             </a:extLst>
           </p:cNvPr>
@@ -36465,25 +38390,14 @@
           <a:bodyPr/>
           <a:lstStyle/>
           <a:p>
-            <a:r>
-              <a:rPr lang="en-IN" dirty="0"/>
-              <a:t>Kubernetes – </a:t>
-            </a:r>
-            <a:r>
-              <a:rPr lang="en-IN" dirty="0">
-                <a:solidFill>
-                  <a:srgbClr val="00B050"/>
-                </a:solidFill>
-              </a:rPr>
-              <a:t>Deployment Upgrades</a:t>
-            </a:r>
+            <a:endParaRPr lang="en-IN"/>
           </a:p>
         </p:txBody>
       </p:sp>
     </p:spTree>
     <p:extLst>
       <p:ext uri="{BB962C8B-B14F-4D97-AF65-F5344CB8AC3E}">
-        <p14:creationId xmlns:p14="http://schemas.microsoft.com/office/powerpoint/2010/main" val="710650650"/>
+        <p14:creationId xmlns:p14="http://schemas.microsoft.com/office/powerpoint/2010/main" val="3453684480"/>
       </p:ext>
     </p:extLst>
   </p:cSld>
@@ -36493,268 +38407,7 @@
 </p:sld>
 </file>
 
-<file path=ppt/slides/slide31.xml><?xml version="1.0" encoding="utf-8"?>
-<p:sld xmlns:a="http://schemas.openxmlformats.org/drawingml/2006/main" xmlns:r="http://schemas.openxmlformats.org/officeDocument/2006/relationships" xmlns:p="http://schemas.openxmlformats.org/presentationml/2006/main">
-  <p:cSld>
-    <p:spTree>
-      <p:nvGrpSpPr>
-        <p:cNvPr id="1" name=""/>
-        <p:cNvGrpSpPr/>
-        <p:nvPr/>
-      </p:nvGrpSpPr>
-      <p:grpSpPr>
-        <a:xfrm>
-          <a:off x="0" y="0"/>
-          <a:ext cx="0" cy="0"/>
-          <a:chOff x="0" y="0"/>
-          <a:chExt cx="0" cy="0"/>
-        </a:xfrm>
-      </p:grpSpPr>
-      <p:sp>
-        <p:nvSpPr>
-          <p:cNvPr id="2" name="Footer Placeholder 1">
-            <a:extLst>
-              <a:ext uri="{FF2B5EF4-FFF2-40B4-BE49-F238E27FC236}">
-                <a16:creationId xmlns:a16="http://schemas.microsoft.com/office/drawing/2014/main" id="{28F342ED-11A1-4AB9-A424-1870C343A51D}"/>
-              </a:ext>
-            </a:extLst>
-          </p:cNvPr>
-          <p:cNvSpPr>
-            <a:spLocks noGrp="1"/>
-          </p:cNvSpPr>
-          <p:nvPr>
-            <p:ph type="ftr" sz="quarter" idx="10"/>
-          </p:nvPr>
-        </p:nvSpPr>
-        <p:spPr/>
-        <p:txBody>
-          <a:bodyPr/>
-          <a:lstStyle/>
-          <a:p>
-            <a:pPr algn="l"/>
-            <a:r>
-              <a:rPr lang="en-US"/>
-              <a:t>© Kalyan Reddy Daida</a:t>
-            </a:r>
-            <a:endParaRPr lang="en-GB" dirty="0"/>
-          </a:p>
-        </p:txBody>
-      </p:sp>
-      <p:sp>
-        <p:nvSpPr>
-          <p:cNvPr id="3" name="Content Placeholder 2">
-            <a:extLst>
-              <a:ext uri="{FF2B5EF4-FFF2-40B4-BE49-F238E27FC236}">
-                <a16:creationId xmlns:a16="http://schemas.microsoft.com/office/drawing/2014/main" id="{3D9ED234-36BC-4FFE-B154-695AFDA70141}"/>
-              </a:ext>
-            </a:extLst>
-          </p:cNvPr>
-          <p:cNvSpPr>
-            <a:spLocks noGrp="1"/>
-          </p:cNvSpPr>
-          <p:nvPr>
-            <p:ph idx="1"/>
-          </p:nvPr>
-        </p:nvSpPr>
-        <p:spPr/>
-        <p:txBody>
-          <a:bodyPr/>
-          <a:lstStyle/>
-          <a:p>
-            <a:endParaRPr lang="en-IN"/>
-          </a:p>
-        </p:txBody>
-      </p:sp>
-      <p:sp>
-        <p:nvSpPr>
-          <p:cNvPr id="4" name="Title 3">
-            <a:extLst>
-              <a:ext uri="{FF2B5EF4-FFF2-40B4-BE49-F238E27FC236}">
-                <a16:creationId xmlns:a16="http://schemas.microsoft.com/office/drawing/2014/main" id="{A0311B68-C33B-4A8A-AB09-6121FAA72813}"/>
-              </a:ext>
-            </a:extLst>
-          </p:cNvPr>
-          <p:cNvSpPr>
-            <a:spLocks noGrp="1"/>
-          </p:cNvSpPr>
-          <p:nvPr>
-            <p:ph type="title"/>
-          </p:nvPr>
-        </p:nvSpPr>
-        <p:spPr/>
-        <p:txBody>
-          <a:bodyPr/>
-          <a:lstStyle/>
-          <a:p>
-            <a:r>
-              <a:rPr lang="en-IN" dirty="0"/>
-              <a:t>Kubernetes – </a:t>
-            </a:r>
-            <a:r>
-              <a:rPr lang="en-IN" dirty="0">
-                <a:solidFill>
-                  <a:srgbClr val="00B050"/>
-                </a:solidFill>
-              </a:rPr>
-              <a:t>Deployment Rollback</a:t>
-            </a:r>
-          </a:p>
-        </p:txBody>
-      </p:sp>
-    </p:spTree>
-    <p:extLst>
-      <p:ext uri="{BB962C8B-B14F-4D97-AF65-F5344CB8AC3E}">
-        <p14:creationId xmlns:p14="http://schemas.microsoft.com/office/powerpoint/2010/main" val="2877829105"/>
-      </p:ext>
-    </p:extLst>
-  </p:cSld>
-  <p:clrMapOvr>
-    <a:masterClrMapping/>
-  </p:clrMapOvr>
-</p:sld>
-</file>
-
-<file path=ppt/slides/slide32.xml><?xml version="1.0" encoding="utf-8"?>
-<p:sld xmlns:a="http://schemas.openxmlformats.org/drawingml/2006/main" xmlns:r="http://schemas.openxmlformats.org/officeDocument/2006/relationships" xmlns:p="http://schemas.openxmlformats.org/presentationml/2006/main">
-  <p:cSld>
-    <p:spTree>
-      <p:nvGrpSpPr>
-        <p:cNvPr id="1" name=""/>
-        <p:cNvGrpSpPr/>
-        <p:nvPr/>
-      </p:nvGrpSpPr>
-      <p:grpSpPr>
-        <a:xfrm>
-          <a:off x="0" y="0"/>
-          <a:ext cx="0" cy="0"/>
-          <a:chOff x="0" y="0"/>
-          <a:chExt cx="0" cy="0"/>
-        </a:xfrm>
-      </p:grpSpPr>
-      <p:sp>
-        <p:nvSpPr>
-          <p:cNvPr id="2" name="Footer Placeholder 1">
-            <a:extLst>
-              <a:ext uri="{FF2B5EF4-FFF2-40B4-BE49-F238E27FC236}">
-                <a16:creationId xmlns:a16="http://schemas.microsoft.com/office/drawing/2014/main" id="{AE0018F7-43D1-4633-BCE6-D3F690FD1ACD}"/>
-              </a:ext>
-            </a:extLst>
-          </p:cNvPr>
-          <p:cNvSpPr>
-            <a:spLocks noGrp="1"/>
-          </p:cNvSpPr>
-          <p:nvPr>
-            <p:ph type="ftr" sz="quarter" idx="10"/>
-          </p:nvPr>
-        </p:nvSpPr>
-        <p:spPr/>
-        <p:txBody>
-          <a:bodyPr/>
-          <a:lstStyle/>
-          <a:p>
-            <a:pPr algn="l"/>
-            <a:r>
-              <a:rPr lang="en-US"/>
-              <a:t>© Kalyan Reddy Daida</a:t>
-            </a:r>
-            <a:endParaRPr lang="en-GB" dirty="0"/>
-          </a:p>
-        </p:txBody>
-      </p:sp>
-      <p:sp>
-        <p:nvSpPr>
-          <p:cNvPr id="3" name="Content Placeholder 2">
-            <a:extLst>
-              <a:ext uri="{FF2B5EF4-FFF2-40B4-BE49-F238E27FC236}">
-                <a16:creationId xmlns:a16="http://schemas.microsoft.com/office/drawing/2014/main" id="{E12CE8F7-4B3E-4F4C-9E72-0A658F3854D2}"/>
-              </a:ext>
-            </a:extLst>
-          </p:cNvPr>
-          <p:cNvSpPr>
-            <a:spLocks noGrp="1"/>
-          </p:cNvSpPr>
-          <p:nvPr>
-            <p:ph idx="1"/>
-          </p:nvPr>
-        </p:nvSpPr>
-        <p:spPr/>
-        <p:txBody>
-          <a:bodyPr/>
-          <a:lstStyle/>
-          <a:p>
-            <a:r>
-              <a:rPr lang="en-IN" dirty="0"/>
-              <a:t>Create</a:t>
-            </a:r>
-          </a:p>
-          <a:p>
-            <a:r>
-              <a:rPr lang="en-IN" dirty="0"/>
-              <a:t>Get</a:t>
-            </a:r>
-          </a:p>
-          <a:p>
-            <a:r>
-              <a:rPr lang="en-IN" dirty="0"/>
-              <a:t>Update</a:t>
-            </a:r>
-          </a:p>
-          <a:p>
-            <a:r>
-              <a:rPr lang="en-IN" dirty="0"/>
-              <a:t>Status</a:t>
-            </a:r>
-          </a:p>
-          <a:p>
-            <a:r>
-              <a:rPr lang="en-IN" dirty="0"/>
-              <a:t>Rollback</a:t>
-            </a:r>
-          </a:p>
-        </p:txBody>
-      </p:sp>
-      <p:sp>
-        <p:nvSpPr>
-          <p:cNvPr id="4" name="Title 3">
-            <a:extLst>
-              <a:ext uri="{FF2B5EF4-FFF2-40B4-BE49-F238E27FC236}">
-                <a16:creationId xmlns:a16="http://schemas.microsoft.com/office/drawing/2014/main" id="{5DEDC971-B1D0-414A-BD5E-FE17D48CB42A}"/>
-              </a:ext>
-            </a:extLst>
-          </p:cNvPr>
-          <p:cNvSpPr>
-            <a:spLocks noGrp="1"/>
-          </p:cNvSpPr>
-          <p:nvPr>
-            <p:ph type="title"/>
-          </p:nvPr>
-        </p:nvSpPr>
-        <p:spPr/>
-        <p:txBody>
-          <a:bodyPr/>
-          <a:lstStyle/>
-          <a:p>
-            <a:r>
-              <a:rPr lang="en-IN" dirty="0"/>
-              <a:t>Kubernetes – Summarize Commands</a:t>
-            </a:r>
-          </a:p>
-        </p:txBody>
-      </p:sp>
-    </p:spTree>
-    <p:extLst>
-      <p:ext uri="{BB962C8B-B14F-4D97-AF65-F5344CB8AC3E}">
-        <p14:creationId xmlns:p14="http://schemas.microsoft.com/office/powerpoint/2010/main" val="607462077"/>
-      </p:ext>
-    </p:extLst>
-  </p:cSld>
-  <p:clrMapOvr>
-    <a:masterClrMapping/>
-  </p:clrMapOvr>
-</p:sld>
-</file>
-
-<file path=ppt/slides/slide33.xml><?xml version="1.0" encoding="utf-8"?>
+<file path=ppt/slides/slide36.xml><?xml version="1.0" encoding="utf-8"?>
 <p:sld xmlns:a="http://schemas.openxmlformats.org/drawingml/2006/main" xmlns:r="http://schemas.openxmlformats.org/officeDocument/2006/relationships" xmlns:p="http://schemas.openxmlformats.org/presentationml/2006/main">
   <p:cSld>
     <p:spTree>
@@ -36900,7 +38553,7 @@
                   <a:srgbClr val="00B050"/>
                 </a:solidFill>
               </a:rPr>
-              <a:t>Networking</a:t>
+              <a:t>Services</a:t>
             </a:r>
           </a:p>
         </p:txBody>
@@ -36908,7 +38561,7 @@
     </p:spTree>
     <p:extLst>
       <p:ext uri="{BB962C8B-B14F-4D97-AF65-F5344CB8AC3E}">
-        <p14:creationId xmlns:p14="http://schemas.microsoft.com/office/powerpoint/2010/main" val="1396897939"/>
+        <p14:creationId xmlns:p14="http://schemas.microsoft.com/office/powerpoint/2010/main" val="48263207"/>
       </p:ext>
     </p:extLst>
   </p:cSld>
@@ -36918,7 +38571,7 @@
 </p:sld>
 </file>
 
-<file path=ppt/slides/slide34.xml><?xml version="1.0" encoding="utf-8"?>
+<file path=ppt/slides/slide37.xml><?xml version="1.0" encoding="utf-8"?>
 <p:sld xmlns:a="http://schemas.openxmlformats.org/drawingml/2006/main" xmlns:r="http://schemas.openxmlformats.org/officeDocument/2006/relationships" xmlns:p="http://schemas.openxmlformats.org/presentationml/2006/main">
   <p:cSld>
     <p:spTree>
@@ -36940,280 +38593,6 @@
           <p:cNvPr id="2" name="Footer Placeholder 1">
             <a:extLst>
               <a:ext uri="{FF2B5EF4-FFF2-40B4-BE49-F238E27FC236}">
-                <a16:creationId xmlns:a16="http://schemas.microsoft.com/office/drawing/2014/main" id="{53F563E8-AB1E-42F1-92FC-23BC85460301}"/>
-              </a:ext>
-            </a:extLst>
-          </p:cNvPr>
-          <p:cNvSpPr>
-            <a:spLocks noGrp="1"/>
-          </p:cNvSpPr>
-          <p:nvPr>
-            <p:ph type="ftr" sz="quarter" idx="10"/>
-          </p:nvPr>
-        </p:nvSpPr>
-        <p:spPr/>
-        <p:txBody>
-          <a:bodyPr/>
-          <a:lstStyle/>
-          <a:p>
-            <a:pPr algn="l"/>
-            <a:r>
-              <a:rPr lang="en-US"/>
-              <a:t>© Kalyan Reddy Daida</a:t>
-            </a:r>
-            <a:endParaRPr lang="en-GB" dirty="0"/>
-          </a:p>
-        </p:txBody>
-      </p:sp>
-      <p:sp>
-        <p:nvSpPr>
-          <p:cNvPr id="3" name="Content Placeholder 2">
-            <a:extLst>
-              <a:ext uri="{FF2B5EF4-FFF2-40B4-BE49-F238E27FC236}">
-                <a16:creationId xmlns:a16="http://schemas.microsoft.com/office/drawing/2014/main" id="{4F512FF8-097E-4819-B71A-6DEB3E073E92}"/>
-              </a:ext>
-            </a:extLst>
-          </p:cNvPr>
-          <p:cNvSpPr>
-            <a:spLocks noGrp="1"/>
-          </p:cNvSpPr>
-          <p:nvPr>
-            <p:ph idx="1"/>
-          </p:nvPr>
-        </p:nvSpPr>
-        <p:spPr/>
-        <p:txBody>
-          <a:bodyPr/>
-          <a:lstStyle/>
-          <a:p>
-            <a:endParaRPr lang="en-IN"/>
-          </a:p>
-        </p:txBody>
-      </p:sp>
-      <p:sp>
-        <p:nvSpPr>
-          <p:cNvPr id="4" name="Title 3">
-            <a:extLst>
-              <a:ext uri="{FF2B5EF4-FFF2-40B4-BE49-F238E27FC236}">
-                <a16:creationId xmlns:a16="http://schemas.microsoft.com/office/drawing/2014/main" id="{2AD56879-D562-4701-8530-0994B2B930AE}"/>
-              </a:ext>
-            </a:extLst>
-          </p:cNvPr>
-          <p:cNvSpPr>
-            <a:spLocks noGrp="1"/>
-          </p:cNvSpPr>
-          <p:nvPr>
-            <p:ph type="title"/>
-          </p:nvPr>
-        </p:nvSpPr>
-        <p:spPr/>
-        <p:txBody>
-          <a:bodyPr/>
-          <a:lstStyle/>
-          <a:p>
-            <a:endParaRPr lang="en-IN"/>
-          </a:p>
-        </p:txBody>
-      </p:sp>
-    </p:spTree>
-    <p:extLst>
-      <p:ext uri="{BB962C8B-B14F-4D97-AF65-F5344CB8AC3E}">
-        <p14:creationId xmlns:p14="http://schemas.microsoft.com/office/powerpoint/2010/main" val="3453684480"/>
-      </p:ext>
-    </p:extLst>
-  </p:cSld>
-  <p:clrMapOvr>
-    <a:masterClrMapping/>
-  </p:clrMapOvr>
-</p:sld>
-</file>
-
-<file path=ppt/slides/slide35.xml><?xml version="1.0" encoding="utf-8"?>
-<p:sld xmlns:a="http://schemas.openxmlformats.org/drawingml/2006/main" xmlns:r="http://schemas.openxmlformats.org/officeDocument/2006/relationships" xmlns:p="http://schemas.openxmlformats.org/presentationml/2006/main">
-  <p:cSld>
-    <p:spTree>
-      <p:nvGrpSpPr>
-        <p:cNvPr id="1" name=""/>
-        <p:cNvGrpSpPr/>
-        <p:nvPr/>
-      </p:nvGrpSpPr>
-      <p:grpSpPr>
-        <a:xfrm>
-          <a:off x="0" y="0"/>
-          <a:ext cx="0" cy="0"/>
-          <a:chOff x="0" y="0"/>
-          <a:chExt cx="0" cy="0"/>
-        </a:xfrm>
-      </p:grpSpPr>
-      <p:sp>
-        <p:nvSpPr>
-          <p:cNvPr id="2" name="Footer Placeholder 1">
-            <a:extLst>
-              <a:ext uri="{FF2B5EF4-FFF2-40B4-BE49-F238E27FC236}">
-                <a16:creationId xmlns:a16="http://schemas.microsoft.com/office/drawing/2014/main" id="{A0A0BD00-D8DC-45C9-9C82-0E8430B96A5E}"/>
-              </a:ext>
-            </a:extLst>
-          </p:cNvPr>
-          <p:cNvSpPr>
-            <a:spLocks noGrp="1"/>
-          </p:cNvSpPr>
-          <p:nvPr>
-            <p:ph type="ftr" sz="quarter" idx="10"/>
-          </p:nvPr>
-        </p:nvSpPr>
-        <p:spPr/>
-        <p:txBody>
-          <a:bodyPr/>
-          <a:lstStyle/>
-          <a:p>
-            <a:pPr algn="l"/>
-            <a:r>
-              <a:rPr lang="en-US"/>
-              <a:t>© Kalyan Reddy Daida</a:t>
-            </a:r>
-            <a:endParaRPr lang="en-GB" dirty="0"/>
-          </a:p>
-        </p:txBody>
-      </p:sp>
-      <p:pic>
-        <p:nvPicPr>
-          <p:cNvPr id="1026" name="Picture 2" descr="Kubernetes - Wikipedia">
-            <a:extLst>
-              <a:ext uri="{FF2B5EF4-FFF2-40B4-BE49-F238E27FC236}">
-                <a16:creationId xmlns:a16="http://schemas.microsoft.com/office/drawing/2014/main" id="{79A16920-295F-4532-8573-E88C8EF891E6}"/>
-              </a:ext>
-            </a:extLst>
-          </p:cNvPr>
-          <p:cNvPicPr>
-            <a:picLocks noChangeAspect="1" noChangeArrowheads="1"/>
-          </p:cNvPicPr>
-          <p:nvPr/>
-        </p:nvPicPr>
-        <p:blipFill>
-          <a:blip r:embed="rId2">
-            <a:extLst>
-              <a:ext uri="{28A0092B-C50C-407E-A947-70E740481C1C}">
-                <a14:useLocalDpi xmlns:a14="http://schemas.microsoft.com/office/drawing/2010/main" val="0"/>
-              </a:ext>
-            </a:extLst>
-          </a:blip>
-          <a:srcRect/>
-          <a:stretch>
-            <a:fillRect/>
-          </a:stretch>
-        </p:blipFill>
-        <p:spPr bwMode="auto">
-          <a:xfrm>
-            <a:off x="8846757" y="1756402"/>
-            <a:ext cx="4858736" cy="4716796"/>
-          </a:xfrm>
-          <a:prstGeom prst="rect">
-            <a:avLst/>
-          </a:prstGeom>
-          <a:noFill/>
-          <a:extLst>
-            <a:ext uri="{909E8E84-426E-40DD-AFC4-6F175D3DCCD1}">
-              <a14:hiddenFill xmlns:a14="http://schemas.microsoft.com/office/drawing/2010/main">
-                <a:solidFill>
-                  <a:srgbClr val="FFFFFF"/>
-                </a:solidFill>
-              </a14:hiddenFill>
-            </a:ext>
-          </a:extLst>
-        </p:spPr>
-      </p:pic>
-      <p:sp>
-        <p:nvSpPr>
-          <p:cNvPr id="8" name="Content Placeholder 2">
-            <a:extLst>
-              <a:ext uri="{FF2B5EF4-FFF2-40B4-BE49-F238E27FC236}">
-                <a16:creationId xmlns:a16="http://schemas.microsoft.com/office/drawing/2014/main" id="{09329F3B-B988-4BA0-9BEA-4847C35EA442}"/>
-              </a:ext>
-            </a:extLst>
-          </p:cNvPr>
-          <p:cNvSpPr>
-            <a:spLocks noGrp="1"/>
-          </p:cNvSpPr>
-          <p:nvPr>
-            <p:ph idx="1"/>
-          </p:nvPr>
-        </p:nvSpPr>
-        <p:spPr>
-          <a:xfrm>
-            <a:off x="788273" y="2899123"/>
-            <a:ext cx="8390701" cy="1089553"/>
-          </a:xfrm>
-        </p:spPr>
-        <p:txBody>
-          <a:bodyPr>
-            <a:noAutofit/>
-          </a:bodyPr>
-          <a:lstStyle/>
-          <a:p>
-            <a:pPr marL="0" indent="0" algn="ctr">
-              <a:buNone/>
-            </a:pPr>
-            <a:r>
-              <a:rPr lang="en-US" sz="7000" b="1" dirty="0">
-                <a:solidFill>
-                  <a:schemeClr val="accent6">
-                    <a:lumMod val="75000"/>
-                  </a:schemeClr>
-                </a:solidFill>
-              </a:rPr>
-              <a:t>Kubernetes</a:t>
-            </a:r>
-          </a:p>
-          <a:p>
-            <a:pPr marL="0" indent="0" algn="ctr">
-              <a:buNone/>
-            </a:pPr>
-            <a:r>
-              <a:rPr lang="en-US" sz="7000" b="1" dirty="0">
-                <a:solidFill>
-                  <a:srgbClr val="00B050"/>
-                </a:solidFill>
-              </a:rPr>
-              <a:t>Services</a:t>
-            </a:r>
-          </a:p>
-        </p:txBody>
-      </p:sp>
-    </p:spTree>
-    <p:extLst>
-      <p:ext uri="{BB962C8B-B14F-4D97-AF65-F5344CB8AC3E}">
-        <p14:creationId xmlns:p14="http://schemas.microsoft.com/office/powerpoint/2010/main" val="48263207"/>
-      </p:ext>
-    </p:extLst>
-  </p:cSld>
-  <p:clrMapOvr>
-    <a:masterClrMapping/>
-  </p:clrMapOvr>
-</p:sld>
-</file>
-
-<file path=ppt/slides/slide36.xml><?xml version="1.0" encoding="utf-8"?>
-<p:sld xmlns:a="http://schemas.openxmlformats.org/drawingml/2006/main" xmlns:r="http://schemas.openxmlformats.org/officeDocument/2006/relationships" xmlns:p="http://schemas.openxmlformats.org/presentationml/2006/main">
-  <p:cSld>
-    <p:spTree>
-      <p:nvGrpSpPr>
-        <p:cNvPr id="1" name=""/>
-        <p:cNvGrpSpPr/>
-        <p:nvPr/>
-      </p:nvGrpSpPr>
-      <p:grpSpPr>
-        <a:xfrm>
-          <a:off x="0" y="0"/>
-          <a:ext cx="0" cy="0"/>
-          <a:chOff x="0" y="0"/>
-          <a:chExt cx="0" cy="0"/>
-        </a:xfrm>
-      </p:grpSpPr>
-      <p:sp>
-        <p:nvSpPr>
-          <p:cNvPr id="2" name="Footer Placeholder 1">
-            <a:extLst>
-              <a:ext uri="{FF2B5EF4-FFF2-40B4-BE49-F238E27FC236}">
                 <a16:creationId xmlns:a16="http://schemas.microsoft.com/office/drawing/2014/main" id="{120A644C-DF9D-4623-916D-FB2C7C6F1D3A}"/>
               </a:ext>
             </a:extLst>
@@ -37302,7 +38681,7 @@
 </p:sld>
 </file>
 
-<file path=ppt/slides/slide37.xml><?xml version="1.0" encoding="utf-8"?>
+<file path=ppt/slides/slide38.xml><?xml version="1.0" encoding="utf-8"?>
 <p:sld xmlns:a="http://schemas.openxmlformats.org/drawingml/2006/main" xmlns:r="http://schemas.openxmlformats.org/officeDocument/2006/relationships" xmlns:p="http://schemas.openxmlformats.org/presentationml/2006/main">
   <p:cSld>
     <p:spTree>
@@ -40507,7 +41886,7 @@
 </p:sld>
 </file>
 
-<file path=ppt/slides/slide38.xml><?xml version="1.0" encoding="utf-8"?>
+<file path=ppt/slides/slide39.xml><?xml version="1.0" encoding="utf-8"?>
 <p:sld xmlns:a="http://schemas.openxmlformats.org/drawingml/2006/main" xmlns:r="http://schemas.openxmlformats.org/officeDocument/2006/relationships" xmlns:p="http://schemas.openxmlformats.org/presentationml/2006/main">
   <p:cSld>
     <p:spTree>
@@ -40600,7 +41979,171 @@
 </p:sld>
 </file>
 
-<file path=ppt/slides/slide39.xml><?xml version="1.0" encoding="utf-8"?>
+<file path=ppt/slides/slide4.xml><?xml version="1.0" encoding="utf-8"?>
+<p:sld xmlns:a="http://schemas.openxmlformats.org/drawingml/2006/main" xmlns:r="http://schemas.openxmlformats.org/officeDocument/2006/relationships" xmlns:p="http://schemas.openxmlformats.org/presentationml/2006/main">
+  <p:cSld>
+    <p:spTree>
+      <p:nvGrpSpPr>
+        <p:cNvPr id="1" name=""/>
+        <p:cNvGrpSpPr/>
+        <p:nvPr/>
+      </p:nvGrpSpPr>
+      <p:grpSpPr>
+        <a:xfrm>
+          <a:off x="0" y="0"/>
+          <a:ext cx="0" cy="0"/>
+          <a:chOff x="0" y="0"/>
+          <a:chExt cx="0" cy="0"/>
+        </a:xfrm>
+      </p:grpSpPr>
+      <p:sp>
+        <p:nvSpPr>
+          <p:cNvPr id="2" name="Footer Placeholder 1">
+            <a:extLst>
+              <a:ext uri="{FF2B5EF4-FFF2-40B4-BE49-F238E27FC236}">
+                <a16:creationId xmlns:a16="http://schemas.microsoft.com/office/drawing/2014/main" id="{A0A0BD00-D8DC-45C9-9C82-0E8430B96A5E}"/>
+              </a:ext>
+            </a:extLst>
+          </p:cNvPr>
+          <p:cNvSpPr>
+            <a:spLocks noGrp="1"/>
+          </p:cNvSpPr>
+          <p:nvPr>
+            <p:ph type="ftr" sz="quarter" idx="10"/>
+          </p:nvPr>
+        </p:nvSpPr>
+        <p:spPr/>
+        <p:txBody>
+          <a:bodyPr/>
+          <a:lstStyle/>
+          <a:p>
+            <a:pPr algn="l"/>
+            <a:r>
+              <a:rPr lang="en-US"/>
+              <a:t>© Kalyan Reddy Daida</a:t>
+            </a:r>
+            <a:endParaRPr lang="en-GB" dirty="0"/>
+          </a:p>
+        </p:txBody>
+      </p:sp>
+      <p:pic>
+        <p:nvPicPr>
+          <p:cNvPr id="1026" name="Picture 2" descr="Kubernetes - Wikipedia">
+            <a:extLst>
+              <a:ext uri="{FF2B5EF4-FFF2-40B4-BE49-F238E27FC236}">
+                <a16:creationId xmlns:a16="http://schemas.microsoft.com/office/drawing/2014/main" id="{79A16920-295F-4532-8573-E88C8EF891E6}"/>
+              </a:ext>
+            </a:extLst>
+          </p:cNvPr>
+          <p:cNvPicPr>
+            <a:picLocks noChangeAspect="1" noChangeArrowheads="1"/>
+          </p:cNvPicPr>
+          <p:nvPr/>
+        </p:nvPicPr>
+        <p:blipFill>
+          <a:blip r:embed="rId2">
+            <a:extLst>
+              <a:ext uri="{28A0092B-C50C-407E-A947-70E740481C1C}">
+                <a14:useLocalDpi xmlns:a14="http://schemas.microsoft.com/office/drawing/2010/main" val="0"/>
+              </a:ext>
+            </a:extLst>
+          </a:blip>
+          <a:srcRect/>
+          <a:stretch>
+            <a:fillRect/>
+          </a:stretch>
+        </p:blipFill>
+        <p:spPr bwMode="auto">
+          <a:xfrm>
+            <a:off x="8846757" y="1756402"/>
+            <a:ext cx="4858736" cy="4716796"/>
+          </a:xfrm>
+          <a:prstGeom prst="rect">
+            <a:avLst/>
+          </a:prstGeom>
+          <a:noFill/>
+          <a:extLst>
+            <a:ext uri="{909E8E84-426E-40DD-AFC4-6F175D3DCCD1}">
+              <a14:hiddenFill xmlns:a14="http://schemas.microsoft.com/office/drawing/2010/main">
+                <a:solidFill>
+                  <a:srgbClr val="FFFFFF"/>
+                </a:solidFill>
+              </a14:hiddenFill>
+            </a:ext>
+          </a:extLst>
+        </p:spPr>
+      </p:pic>
+      <p:sp>
+        <p:nvSpPr>
+          <p:cNvPr id="8" name="Content Placeholder 2">
+            <a:extLst>
+              <a:ext uri="{FF2B5EF4-FFF2-40B4-BE49-F238E27FC236}">
+                <a16:creationId xmlns:a16="http://schemas.microsoft.com/office/drawing/2014/main" id="{09329F3B-B988-4BA0-9BEA-4847C35EA442}"/>
+              </a:ext>
+            </a:extLst>
+          </p:cNvPr>
+          <p:cNvSpPr>
+            <a:spLocks noGrp="1"/>
+          </p:cNvSpPr>
+          <p:nvPr>
+            <p:ph idx="1"/>
+          </p:nvPr>
+        </p:nvSpPr>
+        <p:spPr>
+          <a:xfrm>
+            <a:off x="788273" y="2899123"/>
+            <a:ext cx="8390701" cy="1089553"/>
+          </a:xfrm>
+        </p:spPr>
+        <p:txBody>
+          <a:bodyPr>
+            <a:noAutofit/>
+          </a:bodyPr>
+          <a:lstStyle/>
+          <a:p>
+            <a:pPr marL="0" indent="0" algn="ctr">
+              <a:buNone/>
+            </a:pPr>
+            <a:r>
+              <a:rPr lang="en-US" sz="7000" b="1" dirty="0">
+                <a:solidFill>
+                  <a:schemeClr val="accent6">
+                    <a:lumMod val="75000"/>
+                  </a:schemeClr>
+                </a:solidFill>
+              </a:rPr>
+              <a:t>Kubernetes</a:t>
+            </a:r>
+          </a:p>
+          <a:p>
+            <a:pPr marL="0" indent="0" algn="ctr">
+              <a:buNone/>
+            </a:pPr>
+            <a:r>
+              <a:rPr lang="en-US" sz="7000" b="1" dirty="0">
+                <a:solidFill>
+                  <a:srgbClr val="00B050"/>
+                </a:solidFill>
+              </a:rPr>
+              <a:t>Architecture</a:t>
+            </a:r>
+          </a:p>
+        </p:txBody>
+      </p:sp>
+    </p:spTree>
+    <p:extLst>
+      <p:ext uri="{BB962C8B-B14F-4D97-AF65-F5344CB8AC3E}">
+        <p14:creationId xmlns:p14="http://schemas.microsoft.com/office/powerpoint/2010/main" val="1463512280"/>
+      </p:ext>
+    </p:extLst>
+  </p:cSld>
+  <p:clrMapOvr>
+    <a:masterClrMapping/>
+  </p:clrMapOvr>
+</p:sld>
+</file>
+
+<file path=ppt/slides/slide40.xml><?xml version="1.0" encoding="utf-8"?>
 <p:sld xmlns:a="http://schemas.openxmlformats.org/drawingml/2006/main" xmlns:r="http://schemas.openxmlformats.org/officeDocument/2006/relationships" xmlns:p="http://schemas.openxmlformats.org/presentationml/2006/main">
   <p:cSld>
     <p:spTree>
@@ -43922,207 +45465,7 @@
 </p:sld>
 </file>
 
-<file path=ppt/slides/slide4.xml><?xml version="1.0" encoding="utf-8"?>
-<p:sld xmlns:a="http://schemas.openxmlformats.org/drawingml/2006/main" xmlns:r="http://schemas.openxmlformats.org/officeDocument/2006/relationships" xmlns:p="http://schemas.openxmlformats.org/presentationml/2006/main">
-  <p:cSld>
-    <p:spTree>
-      <p:nvGrpSpPr>
-        <p:cNvPr id="1" name=""/>
-        <p:cNvGrpSpPr/>
-        <p:nvPr/>
-      </p:nvGrpSpPr>
-      <p:grpSpPr>
-        <a:xfrm>
-          <a:off x="0" y="0"/>
-          <a:ext cx="0" cy="0"/>
-          <a:chOff x="0" y="0"/>
-          <a:chExt cx="0" cy="0"/>
-        </a:xfrm>
-      </p:grpSpPr>
-      <p:sp>
-        <p:nvSpPr>
-          <p:cNvPr id="2" name="Footer Placeholder 1">
-            <a:extLst>
-              <a:ext uri="{FF2B5EF4-FFF2-40B4-BE49-F238E27FC236}">
-                <a16:creationId xmlns:a16="http://schemas.microsoft.com/office/drawing/2014/main" id="{A0A0BD00-D8DC-45C9-9C82-0E8430B96A5E}"/>
-              </a:ext>
-            </a:extLst>
-          </p:cNvPr>
-          <p:cNvSpPr>
-            <a:spLocks noGrp="1"/>
-          </p:cNvSpPr>
-          <p:nvPr>
-            <p:ph type="ftr" sz="quarter" idx="10"/>
-          </p:nvPr>
-        </p:nvSpPr>
-        <p:spPr/>
-        <p:txBody>
-          <a:bodyPr/>
-          <a:lstStyle/>
-          <a:p>
-            <a:pPr algn="l"/>
-            <a:r>
-              <a:rPr lang="en-US"/>
-              <a:t>© Kalyan Reddy Daida</a:t>
-            </a:r>
-            <a:endParaRPr lang="en-GB" dirty="0"/>
-          </a:p>
-        </p:txBody>
-      </p:sp>
-      <p:pic>
-        <p:nvPicPr>
-          <p:cNvPr id="1026" name="Picture 2" descr="Kubernetes - Wikipedia">
-            <a:extLst>
-              <a:ext uri="{FF2B5EF4-FFF2-40B4-BE49-F238E27FC236}">
-                <a16:creationId xmlns:a16="http://schemas.microsoft.com/office/drawing/2014/main" id="{79A16920-295F-4532-8573-E88C8EF891E6}"/>
-              </a:ext>
-            </a:extLst>
-          </p:cNvPr>
-          <p:cNvPicPr>
-            <a:picLocks noChangeAspect="1" noChangeArrowheads="1"/>
-          </p:cNvPicPr>
-          <p:nvPr/>
-        </p:nvPicPr>
-        <p:blipFill>
-          <a:blip r:embed="rId2">
-            <a:extLst>
-              <a:ext uri="{28A0092B-C50C-407E-A947-70E740481C1C}">
-                <a14:useLocalDpi xmlns:a14="http://schemas.microsoft.com/office/drawing/2010/main" val="0"/>
-              </a:ext>
-            </a:extLst>
-          </a:blip>
-          <a:srcRect/>
-          <a:stretch>
-            <a:fillRect/>
-          </a:stretch>
-        </p:blipFill>
-        <p:spPr bwMode="auto">
-          <a:xfrm>
-            <a:off x="9971364" y="1985978"/>
-            <a:ext cx="4385767" cy="4257644"/>
-          </a:xfrm>
-          <a:prstGeom prst="rect">
-            <a:avLst/>
-          </a:prstGeom>
-          <a:noFill/>
-          <a:extLst>
-            <a:ext uri="{909E8E84-426E-40DD-AFC4-6F175D3DCCD1}">
-              <a14:hiddenFill xmlns:a14="http://schemas.microsoft.com/office/drawing/2010/main">
-                <a:solidFill>
-                  <a:srgbClr val="FFFFFF"/>
-                </a:solidFill>
-              </a14:hiddenFill>
-            </a:ext>
-          </a:extLst>
-        </p:spPr>
-      </p:pic>
-      <p:sp>
-        <p:nvSpPr>
-          <p:cNvPr id="8" name="Content Placeholder 2">
-            <a:extLst>
-              <a:ext uri="{FF2B5EF4-FFF2-40B4-BE49-F238E27FC236}">
-                <a16:creationId xmlns:a16="http://schemas.microsoft.com/office/drawing/2014/main" id="{09329F3B-B988-4BA0-9BEA-4847C35EA442}"/>
-              </a:ext>
-            </a:extLst>
-          </p:cNvPr>
-          <p:cNvSpPr>
-            <a:spLocks noGrp="1"/>
-          </p:cNvSpPr>
-          <p:nvPr>
-            <p:ph idx="1"/>
-          </p:nvPr>
-        </p:nvSpPr>
-        <p:spPr>
-          <a:xfrm>
-            <a:off x="2748879" y="2928922"/>
-            <a:ext cx="8390701" cy="1089553"/>
-          </a:xfrm>
-        </p:spPr>
-        <p:txBody>
-          <a:bodyPr>
-            <a:noAutofit/>
-          </a:bodyPr>
-          <a:lstStyle/>
-          <a:p>
-            <a:pPr marL="0" indent="0" algn="ctr">
-              <a:buNone/>
-            </a:pPr>
-            <a:r>
-              <a:rPr lang="en-US" sz="7000" b="1" dirty="0">
-                <a:solidFill>
-                  <a:schemeClr val="accent6">
-                    <a:lumMod val="75000"/>
-                  </a:schemeClr>
-                </a:solidFill>
-              </a:rPr>
-              <a:t>Kubernetes</a:t>
-            </a:r>
-          </a:p>
-          <a:p>
-            <a:pPr marL="0" indent="0" algn="ctr">
-              <a:buNone/>
-            </a:pPr>
-            <a:r>
-              <a:rPr lang="en-US" sz="7000" b="1" dirty="0">
-                <a:solidFill>
-                  <a:srgbClr val="00B050"/>
-                </a:solidFill>
-              </a:rPr>
-              <a:t>Architecture</a:t>
-            </a:r>
-          </a:p>
-        </p:txBody>
-      </p:sp>
-      <p:pic>
-        <p:nvPicPr>
-          <p:cNvPr id="5" name="Graphic 4">
-            <a:extLst>
-              <a:ext uri="{FF2B5EF4-FFF2-40B4-BE49-F238E27FC236}">
-                <a16:creationId xmlns:a16="http://schemas.microsoft.com/office/drawing/2014/main" id="{C5DB0ADC-2D3C-4AE9-87AC-FBFAA0CA0CDB}"/>
-              </a:ext>
-            </a:extLst>
-          </p:cNvPr>
-          <p:cNvPicPr>
-            <a:picLocks noChangeAspect="1"/>
-          </p:cNvPicPr>
-          <p:nvPr/>
-        </p:nvPicPr>
-        <p:blipFill>
-          <a:blip r:embed="rId3">
-            <a:extLst>
-              <a:ext uri="{96DAC541-7B7A-43D3-8B79-37D633B846F1}">
-                <asvg:svgBlip xmlns:asvg="http://schemas.microsoft.com/office/drawing/2016/SVG/main" r:embed="rId4"/>
-              </a:ext>
-            </a:extLst>
-          </a:blip>
-          <a:stretch>
-            <a:fillRect/>
-          </a:stretch>
-        </p:blipFill>
-        <p:spPr>
-          <a:xfrm>
-            <a:off x="171194" y="2392617"/>
-            <a:ext cx="3745901" cy="3745901"/>
-          </a:xfrm>
-          <a:prstGeom prst="rect">
-            <a:avLst/>
-          </a:prstGeom>
-        </p:spPr>
-      </p:pic>
-    </p:spTree>
-    <p:extLst>
-      <p:ext uri="{BB962C8B-B14F-4D97-AF65-F5344CB8AC3E}">
-        <p14:creationId xmlns:p14="http://schemas.microsoft.com/office/powerpoint/2010/main" val="2634886468"/>
-      </p:ext>
-    </p:extLst>
-  </p:cSld>
-  <p:clrMapOvr>
-    <a:masterClrMapping/>
-  </p:clrMapOvr>
-</p:sld>
-</file>
-
-<file path=ppt/slides/slide40.xml><?xml version="1.0" encoding="utf-8"?>
+<file path=ppt/slides/slide41.xml><?xml version="1.0" encoding="utf-8"?>
 <p:sld xmlns:a="http://schemas.openxmlformats.org/drawingml/2006/main" xmlns:r="http://schemas.openxmlformats.org/officeDocument/2006/relationships" xmlns:p="http://schemas.openxmlformats.org/presentationml/2006/main">
   <p:cSld>
     <p:spTree>
@@ -46636,7 +47979,7 @@
 </p:sld>
 </file>
 
-<file path=ppt/slides/slide41.xml><?xml version="1.0" encoding="utf-8"?>
+<file path=ppt/slides/slide42.xml><?xml version="1.0" encoding="utf-8"?>
 <p:sld xmlns:a="http://schemas.openxmlformats.org/drawingml/2006/main" xmlns:r="http://schemas.openxmlformats.org/officeDocument/2006/relationships" xmlns:p="http://schemas.openxmlformats.org/presentationml/2006/main">
   <p:cSld>
     <p:spTree>
@@ -48791,7 +50134,7 @@
           <p:cNvPr id="2" name="Footer Placeholder 1">
             <a:extLst>
               <a:ext uri="{FF2B5EF4-FFF2-40B4-BE49-F238E27FC236}">
-                <a16:creationId xmlns:a16="http://schemas.microsoft.com/office/drawing/2014/main" id="{5634FA58-2A84-4C4C-8D8A-F46D3D69DBD1}"/>
+                <a16:creationId xmlns:a16="http://schemas.microsoft.com/office/drawing/2014/main" id="{A0A0BD00-D8DC-45C9-9C82-0E8430B96A5E}"/>
               </a:ext>
             </a:extLst>
           </p:cNvPr>
@@ -48816,12 +50159,59 @@
           </a:p>
         </p:txBody>
       </p:sp>
+      <p:pic>
+        <p:nvPicPr>
+          <p:cNvPr id="1026" name="Picture 2" descr="Kubernetes - Wikipedia">
+            <a:extLst>
+              <a:ext uri="{FF2B5EF4-FFF2-40B4-BE49-F238E27FC236}">
+                <a16:creationId xmlns:a16="http://schemas.microsoft.com/office/drawing/2014/main" id="{79A16920-295F-4532-8573-E88C8EF891E6}"/>
+              </a:ext>
+            </a:extLst>
+          </p:cNvPr>
+          <p:cNvPicPr>
+            <a:picLocks noChangeAspect="1" noChangeArrowheads="1"/>
+          </p:cNvPicPr>
+          <p:nvPr/>
+        </p:nvPicPr>
+        <p:blipFill>
+          <a:blip r:embed="rId2">
+            <a:extLst>
+              <a:ext uri="{28A0092B-C50C-407E-A947-70E740481C1C}">
+                <a14:useLocalDpi xmlns:a14="http://schemas.microsoft.com/office/drawing/2010/main" val="0"/>
+              </a:ext>
+            </a:extLst>
+          </a:blip>
+          <a:srcRect/>
+          <a:stretch>
+            <a:fillRect/>
+          </a:stretch>
+        </p:blipFill>
+        <p:spPr bwMode="auto">
+          <a:xfrm>
+            <a:off x="9971364" y="1985978"/>
+            <a:ext cx="4385767" cy="4257644"/>
+          </a:xfrm>
+          <a:prstGeom prst="rect">
+            <a:avLst/>
+          </a:prstGeom>
+          <a:noFill/>
+          <a:extLst>
+            <a:ext uri="{909E8E84-426E-40DD-AFC4-6F175D3DCCD1}">
+              <a14:hiddenFill xmlns:a14="http://schemas.microsoft.com/office/drawing/2010/main">
+                <a:solidFill>
+                  <a:srgbClr val="FFFFFF"/>
+                </a:solidFill>
+              </a14:hiddenFill>
+            </a:ext>
+          </a:extLst>
+        </p:spPr>
+      </p:pic>
       <p:sp>
         <p:nvSpPr>
-          <p:cNvPr id="3" name="Content Placeholder 2">
-            <a:extLst>
-              <a:ext uri="{FF2B5EF4-FFF2-40B4-BE49-F238E27FC236}">
-                <a16:creationId xmlns:a16="http://schemas.microsoft.com/office/drawing/2014/main" id="{53A78DB2-1538-4664-87BF-D5C34A97543D}"/>
+          <p:cNvPr id="8" name="Content Placeholder 2">
+            <a:extLst>
+              <a:ext uri="{FF2B5EF4-FFF2-40B4-BE49-F238E27FC236}">
+                <a16:creationId xmlns:a16="http://schemas.microsoft.com/office/drawing/2014/main" id="{09329F3B-B988-4BA0-9BEA-4847C35EA442}"/>
               </a:ext>
             </a:extLst>
           </p:cNvPr>
@@ -48832,47 +50222,87 @@
             <p:ph idx="1"/>
           </p:nvPr>
         </p:nvSpPr>
-        <p:spPr/>
+        <p:spPr>
+          <a:xfrm>
+            <a:off x="2748879" y="2928922"/>
+            <a:ext cx="8390701" cy="1089553"/>
+          </a:xfrm>
+        </p:spPr>
         <p:txBody>
-          <a:bodyPr/>
+          <a:bodyPr>
+            <a:noAutofit/>
+          </a:bodyPr>
           <a:lstStyle/>
           <a:p>
-            <a:endParaRPr lang="en-IN"/>
+            <a:pPr marL="0" indent="0" algn="ctr">
+              <a:buNone/>
+            </a:pPr>
+            <a:r>
+              <a:rPr lang="en-US" sz="7000" b="1" dirty="0">
+                <a:solidFill>
+                  <a:schemeClr val="accent6">
+                    <a:lumMod val="75000"/>
+                  </a:schemeClr>
+                </a:solidFill>
+              </a:rPr>
+              <a:t>Kubernetes</a:t>
+            </a:r>
+          </a:p>
+          <a:p>
+            <a:pPr marL="0" indent="0" algn="ctr">
+              <a:buNone/>
+            </a:pPr>
+            <a:r>
+              <a:rPr lang="en-US" sz="7000" b="1" dirty="0">
+                <a:solidFill>
+                  <a:srgbClr val="00B050"/>
+                </a:solidFill>
+              </a:rPr>
+              <a:t>Architecture</a:t>
+            </a:r>
           </a:p>
         </p:txBody>
       </p:sp>
-      <p:sp>
-        <p:nvSpPr>
-          <p:cNvPr id="4" name="Title 3">
-            <a:extLst>
-              <a:ext uri="{FF2B5EF4-FFF2-40B4-BE49-F238E27FC236}">
-                <a16:creationId xmlns:a16="http://schemas.microsoft.com/office/drawing/2014/main" id="{DC9DCC39-1BFF-482E-BF79-C330C87F31B9}"/>
-              </a:ext>
-            </a:extLst>
-          </p:cNvPr>
-          <p:cNvSpPr>
-            <a:spLocks noGrp="1"/>
-          </p:cNvSpPr>
-          <p:nvPr>
-            <p:ph type="title"/>
-          </p:nvPr>
-        </p:nvSpPr>
-        <p:spPr/>
-        <p:txBody>
-          <a:bodyPr/>
-          <a:lstStyle/>
-          <a:p>
-            <a:r>
-              <a:rPr lang="en-IN" dirty="0"/>
-              <a:t>Why Kubernetes?</a:t>
-            </a:r>
-          </a:p>
-        </p:txBody>
-      </p:sp>
+      <p:pic>
+        <p:nvPicPr>
+          <p:cNvPr id="5" name="Graphic 4">
+            <a:extLst>
+              <a:ext uri="{FF2B5EF4-FFF2-40B4-BE49-F238E27FC236}">
+                <a16:creationId xmlns:a16="http://schemas.microsoft.com/office/drawing/2014/main" id="{C5DB0ADC-2D3C-4AE9-87AC-FBFAA0CA0CDB}"/>
+              </a:ext>
+            </a:extLst>
+          </p:cNvPr>
+          <p:cNvPicPr>
+            <a:picLocks noChangeAspect="1"/>
+          </p:cNvPicPr>
+          <p:nvPr/>
+        </p:nvPicPr>
+        <p:blipFill>
+          <a:blip r:embed="rId3">
+            <a:extLst>
+              <a:ext uri="{96DAC541-7B7A-43D3-8B79-37D633B846F1}">
+                <asvg:svgBlip xmlns:asvg="http://schemas.microsoft.com/office/drawing/2016/SVG/main" r:embed="rId4"/>
+              </a:ext>
+            </a:extLst>
+          </a:blip>
+          <a:stretch>
+            <a:fillRect/>
+          </a:stretch>
+        </p:blipFill>
+        <p:spPr>
+          <a:xfrm>
+            <a:off x="171194" y="2392617"/>
+            <a:ext cx="3745901" cy="3745901"/>
+          </a:xfrm>
+          <a:prstGeom prst="rect">
+            <a:avLst/>
+          </a:prstGeom>
+        </p:spPr>
+      </p:pic>
     </p:spTree>
     <p:extLst>
       <p:ext uri="{BB962C8B-B14F-4D97-AF65-F5344CB8AC3E}">
-        <p14:creationId xmlns:p14="http://schemas.microsoft.com/office/powerpoint/2010/main" val="1840133429"/>
+        <p14:creationId xmlns:p14="http://schemas.microsoft.com/office/powerpoint/2010/main" val="2634886468"/>
       </p:ext>
     </p:extLst>
   </p:cSld>
@@ -48904,6 +50334,119 @@
           <p:cNvPr id="2" name="Footer Placeholder 1">
             <a:extLst>
               <a:ext uri="{FF2B5EF4-FFF2-40B4-BE49-F238E27FC236}">
+                <a16:creationId xmlns:a16="http://schemas.microsoft.com/office/drawing/2014/main" id="{5634FA58-2A84-4C4C-8D8A-F46D3D69DBD1}"/>
+              </a:ext>
+            </a:extLst>
+          </p:cNvPr>
+          <p:cNvSpPr>
+            <a:spLocks noGrp="1"/>
+          </p:cNvSpPr>
+          <p:nvPr>
+            <p:ph type="ftr" sz="quarter" idx="10"/>
+          </p:nvPr>
+        </p:nvSpPr>
+        <p:spPr/>
+        <p:txBody>
+          <a:bodyPr/>
+          <a:lstStyle/>
+          <a:p>
+            <a:pPr algn="l"/>
+            <a:r>
+              <a:rPr lang="en-US"/>
+              <a:t>© Kalyan Reddy Daida</a:t>
+            </a:r>
+            <a:endParaRPr lang="en-GB" dirty="0"/>
+          </a:p>
+        </p:txBody>
+      </p:sp>
+      <p:sp>
+        <p:nvSpPr>
+          <p:cNvPr id="3" name="Content Placeholder 2">
+            <a:extLst>
+              <a:ext uri="{FF2B5EF4-FFF2-40B4-BE49-F238E27FC236}">
+                <a16:creationId xmlns:a16="http://schemas.microsoft.com/office/drawing/2014/main" id="{53A78DB2-1538-4664-87BF-D5C34A97543D}"/>
+              </a:ext>
+            </a:extLst>
+          </p:cNvPr>
+          <p:cNvSpPr>
+            <a:spLocks noGrp="1"/>
+          </p:cNvSpPr>
+          <p:nvPr>
+            <p:ph idx="1"/>
+          </p:nvPr>
+        </p:nvSpPr>
+        <p:spPr/>
+        <p:txBody>
+          <a:bodyPr/>
+          <a:lstStyle/>
+          <a:p>
+            <a:endParaRPr lang="en-IN"/>
+          </a:p>
+        </p:txBody>
+      </p:sp>
+      <p:sp>
+        <p:nvSpPr>
+          <p:cNvPr id="4" name="Title 3">
+            <a:extLst>
+              <a:ext uri="{FF2B5EF4-FFF2-40B4-BE49-F238E27FC236}">
+                <a16:creationId xmlns:a16="http://schemas.microsoft.com/office/drawing/2014/main" id="{DC9DCC39-1BFF-482E-BF79-C330C87F31B9}"/>
+              </a:ext>
+            </a:extLst>
+          </p:cNvPr>
+          <p:cNvSpPr>
+            <a:spLocks noGrp="1"/>
+          </p:cNvSpPr>
+          <p:nvPr>
+            <p:ph type="title"/>
+          </p:nvPr>
+        </p:nvSpPr>
+        <p:spPr/>
+        <p:txBody>
+          <a:bodyPr/>
+          <a:lstStyle/>
+          <a:p>
+            <a:r>
+              <a:rPr lang="en-IN" dirty="0"/>
+              <a:t>Why Kubernetes?</a:t>
+            </a:r>
+          </a:p>
+        </p:txBody>
+      </p:sp>
+    </p:spTree>
+    <p:extLst>
+      <p:ext uri="{BB962C8B-B14F-4D97-AF65-F5344CB8AC3E}">
+        <p14:creationId xmlns:p14="http://schemas.microsoft.com/office/powerpoint/2010/main" val="1840133429"/>
+      </p:ext>
+    </p:extLst>
+  </p:cSld>
+  <p:clrMapOvr>
+    <a:masterClrMapping/>
+  </p:clrMapOvr>
+</p:sld>
+</file>
+
+<file path=ppt/slides/slide7.xml><?xml version="1.0" encoding="utf-8"?>
+<p:sld xmlns:a="http://schemas.openxmlformats.org/drawingml/2006/main" xmlns:r="http://schemas.openxmlformats.org/officeDocument/2006/relationships" xmlns:p="http://schemas.openxmlformats.org/presentationml/2006/main">
+  <p:cSld>
+    <p:spTree>
+      <p:nvGrpSpPr>
+        <p:cNvPr id="1" name=""/>
+        <p:cNvGrpSpPr/>
+        <p:nvPr/>
+      </p:nvGrpSpPr>
+      <p:grpSpPr>
+        <a:xfrm>
+          <a:off x="0" y="0"/>
+          <a:ext cx="0" cy="0"/>
+          <a:chOff x="0" y="0"/>
+          <a:chExt cx="0" cy="0"/>
+        </a:xfrm>
+      </p:grpSpPr>
+      <p:sp>
+        <p:nvSpPr>
+          <p:cNvPr id="2" name="Footer Placeholder 1">
+            <a:extLst>
+              <a:ext uri="{FF2B5EF4-FFF2-40B4-BE49-F238E27FC236}">
                 <a16:creationId xmlns:a16="http://schemas.microsoft.com/office/drawing/2014/main" id="{43736DCE-9495-4DA6-8F95-5DE7597271FD}"/>
               </a:ext>
             </a:extLst>
@@ -48995,7 +50538,7 @@
 </p:sld>
 </file>
 
-<file path=ppt/slides/slide7.xml><?xml version="1.0" encoding="utf-8"?>
+<file path=ppt/slides/slide8.xml><?xml version="1.0" encoding="utf-8"?>
 <p:sld xmlns:a="http://schemas.openxmlformats.org/drawingml/2006/main" xmlns:r="http://schemas.openxmlformats.org/officeDocument/2006/relationships" xmlns:p="http://schemas.openxmlformats.org/presentationml/2006/main">
   <p:cSld>
     <p:spTree>
@@ -50059,7 +51602,7 @@
 </p:sld>
 </file>
 
-<file path=ppt/slides/slide8.xml><?xml version="1.0" encoding="utf-8"?>
+<file path=ppt/slides/slide9.xml><?xml version="1.0" encoding="utf-8"?>
 <p:sld xmlns:a="http://schemas.openxmlformats.org/drawingml/2006/main" xmlns:r="http://schemas.openxmlformats.org/officeDocument/2006/relationships" xmlns:p="http://schemas.openxmlformats.org/presentationml/2006/main">
   <p:cSld>
     <p:spTree>
@@ -51049,1006 +52592,6 @@
     <p:extLst>
       <p:ext uri="{BB962C8B-B14F-4D97-AF65-F5344CB8AC3E}">
         <p14:creationId xmlns:p14="http://schemas.microsoft.com/office/powerpoint/2010/main" val="1315774747"/>
-      </p:ext>
-    </p:extLst>
-  </p:cSld>
-  <p:clrMapOvr>
-    <a:masterClrMapping/>
-  </p:clrMapOvr>
-</p:sld>
-</file>
-
-<file path=ppt/slides/slide9.xml><?xml version="1.0" encoding="utf-8"?>
-<p:sld xmlns:a="http://schemas.openxmlformats.org/drawingml/2006/main" xmlns:r="http://schemas.openxmlformats.org/officeDocument/2006/relationships" xmlns:p="http://schemas.openxmlformats.org/presentationml/2006/main">
-  <p:cSld>
-    <p:spTree>
-      <p:nvGrpSpPr>
-        <p:cNvPr id="1" name=""/>
-        <p:cNvGrpSpPr/>
-        <p:nvPr/>
-      </p:nvGrpSpPr>
-      <p:grpSpPr>
-        <a:xfrm>
-          <a:off x="0" y="0"/>
-          <a:ext cx="0" cy="0"/>
-          <a:chOff x="0" y="0"/>
-          <a:chExt cx="0" cy="0"/>
-        </a:xfrm>
-      </p:grpSpPr>
-      <p:sp>
-        <p:nvSpPr>
-          <p:cNvPr id="2" name="Footer Placeholder 1">
-            <a:extLst>
-              <a:ext uri="{FF2B5EF4-FFF2-40B4-BE49-F238E27FC236}">
-                <a16:creationId xmlns:a16="http://schemas.microsoft.com/office/drawing/2014/main" id="{78819D0E-61B2-4717-949A-53CE5D358278}"/>
-              </a:ext>
-            </a:extLst>
-          </p:cNvPr>
-          <p:cNvSpPr>
-            <a:spLocks noGrp="1"/>
-          </p:cNvSpPr>
-          <p:nvPr>
-            <p:ph type="ftr" sz="quarter" idx="10"/>
-          </p:nvPr>
-        </p:nvSpPr>
-        <p:spPr/>
-        <p:txBody>
-          <a:bodyPr/>
-          <a:lstStyle/>
-          <a:p>
-            <a:pPr algn="l"/>
-            <a:r>
-              <a:rPr lang="en-US" dirty="0"/>
-              <a:t>© Kalyan Reddy </a:t>
-            </a:r>
-            <a:r>
-              <a:rPr lang="en-US" dirty="0" err="1"/>
-              <a:t>Daida</a:t>
-            </a:r>
-            <a:endParaRPr lang="en-GB" dirty="0"/>
-          </a:p>
-        </p:txBody>
-      </p:sp>
-      <p:sp>
-        <p:nvSpPr>
-          <p:cNvPr id="4" name="Title 3">
-            <a:extLst>
-              <a:ext uri="{FF2B5EF4-FFF2-40B4-BE49-F238E27FC236}">
-                <a16:creationId xmlns:a16="http://schemas.microsoft.com/office/drawing/2014/main" id="{F8840114-9439-4B2E-A512-1F12425EB200}"/>
-              </a:ext>
-            </a:extLst>
-          </p:cNvPr>
-          <p:cNvSpPr>
-            <a:spLocks noGrp="1"/>
-          </p:cNvSpPr>
-          <p:nvPr>
-            <p:ph type="title"/>
-          </p:nvPr>
-        </p:nvSpPr>
-        <p:spPr>
-          <a:xfrm>
-            <a:off x="1039407" y="-145598"/>
-            <a:ext cx="12618720" cy="1188851"/>
-          </a:xfrm>
-        </p:spPr>
-        <p:txBody>
-          <a:bodyPr/>
-          <a:lstStyle/>
-          <a:p>
-            <a:r>
-              <a:rPr lang="en-IN" dirty="0"/>
-              <a:t>Kubernetes Architecture - </a:t>
-            </a:r>
-            <a:r>
-              <a:rPr lang="en-IN" dirty="0">
-                <a:solidFill>
-                  <a:srgbClr val="00B050"/>
-                </a:solidFill>
-              </a:rPr>
-              <a:t>Master</a:t>
-            </a:r>
-          </a:p>
-        </p:txBody>
-      </p:sp>
-      <p:sp>
-        <p:nvSpPr>
-          <p:cNvPr id="5" name="Rectangle 4">
-            <a:extLst>
-              <a:ext uri="{FF2B5EF4-FFF2-40B4-BE49-F238E27FC236}">
-                <a16:creationId xmlns:a16="http://schemas.microsoft.com/office/drawing/2014/main" id="{119EBDD3-C074-4FD1-90DE-DBEA7232FDD0}"/>
-              </a:ext>
-            </a:extLst>
-          </p:cNvPr>
-          <p:cNvSpPr/>
-          <p:nvPr/>
-        </p:nvSpPr>
-        <p:spPr>
-          <a:xfrm>
-            <a:off x="297349" y="1369113"/>
-            <a:ext cx="4761187" cy="5747543"/>
-          </a:xfrm>
-          <a:prstGeom prst="rect">
-            <a:avLst/>
-          </a:prstGeom>
-          <a:noFill/>
-          <a:ln w="63500">
-            <a:solidFill>
-              <a:srgbClr val="0070C0"/>
-            </a:solidFill>
-          </a:ln>
-        </p:spPr>
-        <p:style>
-          <a:lnRef idx="2">
-            <a:schemeClr val="accent1">
-              <a:shade val="50000"/>
-            </a:schemeClr>
-          </a:lnRef>
-          <a:fillRef idx="1">
-            <a:schemeClr val="accent1"/>
-          </a:fillRef>
-          <a:effectRef idx="0">
-            <a:schemeClr val="accent1"/>
-          </a:effectRef>
-          <a:fontRef idx="minor">
-            <a:schemeClr val="lt1"/>
-          </a:fontRef>
-        </p:style>
-        <p:txBody>
-          <a:bodyPr rtlCol="0" anchor="ctr"/>
-          <a:lstStyle/>
-          <a:p>
-            <a:pPr algn="ctr"/>
-            <a:endParaRPr lang="en-IN"/>
-          </a:p>
-        </p:txBody>
-      </p:sp>
-      <p:sp>
-        <p:nvSpPr>
-          <p:cNvPr id="6" name="Rectangle 5">
-            <a:extLst>
-              <a:ext uri="{FF2B5EF4-FFF2-40B4-BE49-F238E27FC236}">
-                <a16:creationId xmlns:a16="http://schemas.microsoft.com/office/drawing/2014/main" id="{5A4B9D87-4A32-4603-9B2B-8992F516F95E}"/>
-              </a:ext>
-            </a:extLst>
-          </p:cNvPr>
-          <p:cNvSpPr/>
-          <p:nvPr/>
-        </p:nvSpPr>
-        <p:spPr>
-          <a:xfrm>
-            <a:off x="613457" y="2086070"/>
-            <a:ext cx="1469985" cy="1041721"/>
-          </a:xfrm>
-          <a:prstGeom prst="rect">
-            <a:avLst/>
-          </a:prstGeom>
-          <a:solidFill>
-            <a:schemeClr val="accent2">
-              <a:lumMod val="75000"/>
-            </a:schemeClr>
-          </a:solidFill>
-          <a:ln>
-            <a:noFill/>
-          </a:ln>
-        </p:spPr>
-        <p:style>
-          <a:lnRef idx="2">
-            <a:schemeClr val="accent1">
-              <a:shade val="50000"/>
-            </a:schemeClr>
-          </a:lnRef>
-          <a:fillRef idx="1">
-            <a:schemeClr val="accent1"/>
-          </a:fillRef>
-          <a:effectRef idx="0">
-            <a:schemeClr val="accent1"/>
-          </a:effectRef>
-          <a:fontRef idx="minor">
-            <a:schemeClr val="lt1"/>
-          </a:fontRef>
-        </p:style>
-        <p:txBody>
-          <a:bodyPr rtlCol="0" anchor="ctr"/>
-          <a:lstStyle/>
-          <a:p>
-            <a:pPr algn="ctr"/>
-            <a:r>
-              <a:rPr lang="en-IN" sz="1800" dirty="0" err="1"/>
-              <a:t>Kube</a:t>
-            </a:r>
-            <a:r>
-              <a:rPr lang="en-IN" sz="1800" dirty="0"/>
-              <a:t> Controller Manager</a:t>
-            </a:r>
-          </a:p>
-        </p:txBody>
-      </p:sp>
-      <p:sp>
-        <p:nvSpPr>
-          <p:cNvPr id="7" name="Rectangle 6">
-            <a:extLst>
-              <a:ext uri="{FF2B5EF4-FFF2-40B4-BE49-F238E27FC236}">
-                <a16:creationId xmlns:a16="http://schemas.microsoft.com/office/drawing/2014/main" id="{5DD2489E-5A2A-4FBF-9F64-78611E804517}"/>
-              </a:ext>
-            </a:extLst>
-          </p:cNvPr>
-          <p:cNvSpPr/>
-          <p:nvPr/>
-        </p:nvSpPr>
-        <p:spPr>
-          <a:xfrm>
-            <a:off x="3313751" y="2089942"/>
-            <a:ext cx="1469985" cy="1041721"/>
-          </a:xfrm>
-          <a:prstGeom prst="rect">
-            <a:avLst/>
-          </a:prstGeom>
-          <a:solidFill>
-            <a:schemeClr val="accent4">
-              <a:lumMod val="75000"/>
-            </a:schemeClr>
-          </a:solidFill>
-          <a:ln>
-            <a:noFill/>
-          </a:ln>
-        </p:spPr>
-        <p:style>
-          <a:lnRef idx="2">
-            <a:schemeClr val="accent1">
-              <a:shade val="50000"/>
-            </a:schemeClr>
-          </a:lnRef>
-          <a:fillRef idx="1">
-            <a:schemeClr val="accent1"/>
-          </a:fillRef>
-          <a:effectRef idx="0">
-            <a:schemeClr val="accent1"/>
-          </a:effectRef>
-          <a:fontRef idx="minor">
-            <a:schemeClr val="lt1"/>
-          </a:fontRef>
-        </p:style>
-        <p:txBody>
-          <a:bodyPr rtlCol="0" anchor="ctr"/>
-          <a:lstStyle/>
-          <a:p>
-            <a:pPr algn="ctr"/>
-            <a:r>
-              <a:rPr lang="en-IN" sz="1800" dirty="0"/>
-              <a:t>Cloud Controller Manager</a:t>
-            </a:r>
-          </a:p>
-        </p:txBody>
-      </p:sp>
-      <p:sp>
-        <p:nvSpPr>
-          <p:cNvPr id="8" name="Rectangle 7">
-            <a:extLst>
-              <a:ext uri="{FF2B5EF4-FFF2-40B4-BE49-F238E27FC236}">
-                <a16:creationId xmlns:a16="http://schemas.microsoft.com/office/drawing/2014/main" id="{D5113BCF-03A4-4A84-9818-3EBEDCF464AC}"/>
-              </a:ext>
-            </a:extLst>
-          </p:cNvPr>
-          <p:cNvSpPr/>
-          <p:nvPr/>
-        </p:nvSpPr>
-        <p:spPr>
-          <a:xfrm>
-            <a:off x="613457" y="3740392"/>
-            <a:ext cx="4170279" cy="584776"/>
-          </a:xfrm>
-          <a:prstGeom prst="rect">
-            <a:avLst/>
-          </a:prstGeom>
-          <a:solidFill>
-            <a:schemeClr val="tx1">
-              <a:lumMod val="95000"/>
-              <a:lumOff val="5000"/>
-            </a:schemeClr>
-          </a:solidFill>
-          <a:ln>
-            <a:noFill/>
-          </a:ln>
-        </p:spPr>
-        <p:style>
-          <a:lnRef idx="2">
-            <a:schemeClr val="accent1">
-              <a:shade val="50000"/>
-            </a:schemeClr>
-          </a:lnRef>
-          <a:fillRef idx="1">
-            <a:schemeClr val="accent1"/>
-          </a:fillRef>
-          <a:effectRef idx="0">
-            <a:schemeClr val="accent1"/>
-          </a:effectRef>
-          <a:fontRef idx="minor">
-            <a:schemeClr val="lt1"/>
-          </a:fontRef>
-        </p:style>
-        <p:txBody>
-          <a:bodyPr rtlCol="0" anchor="ctr"/>
-          <a:lstStyle/>
-          <a:p>
-            <a:pPr algn="ctr"/>
-            <a:r>
-              <a:rPr lang="en-IN" sz="1800" dirty="0" err="1"/>
-              <a:t>kube-apiserver</a:t>
-            </a:r>
-            <a:endParaRPr lang="en-IN" sz="1800" dirty="0"/>
-          </a:p>
-        </p:txBody>
-      </p:sp>
-      <p:sp>
-        <p:nvSpPr>
-          <p:cNvPr id="9" name="Rectangle 8">
-            <a:extLst>
-              <a:ext uri="{FF2B5EF4-FFF2-40B4-BE49-F238E27FC236}">
-                <a16:creationId xmlns:a16="http://schemas.microsoft.com/office/drawing/2014/main" id="{BD226CD4-907D-4280-AA42-EB153B5FFC39}"/>
-              </a:ext>
-            </a:extLst>
-          </p:cNvPr>
-          <p:cNvSpPr/>
-          <p:nvPr/>
-        </p:nvSpPr>
-        <p:spPr>
-          <a:xfrm>
-            <a:off x="3328434" y="5028792"/>
-            <a:ext cx="1469985" cy="1041721"/>
-          </a:xfrm>
-          <a:prstGeom prst="rect">
-            <a:avLst/>
-          </a:prstGeom>
-          <a:solidFill>
-            <a:schemeClr val="accent1">
-              <a:lumMod val="75000"/>
-            </a:schemeClr>
-          </a:solidFill>
-          <a:ln>
-            <a:noFill/>
-          </a:ln>
-        </p:spPr>
-        <p:style>
-          <a:lnRef idx="2">
-            <a:schemeClr val="accent1">
-              <a:shade val="50000"/>
-            </a:schemeClr>
-          </a:lnRef>
-          <a:fillRef idx="1">
-            <a:schemeClr val="accent1"/>
-          </a:fillRef>
-          <a:effectRef idx="0">
-            <a:schemeClr val="accent1"/>
-          </a:effectRef>
-          <a:fontRef idx="minor">
-            <a:schemeClr val="lt1"/>
-          </a:fontRef>
-        </p:style>
-        <p:txBody>
-          <a:bodyPr rtlCol="0" anchor="ctr"/>
-          <a:lstStyle/>
-          <a:p>
-            <a:pPr algn="ctr"/>
-            <a:r>
-              <a:rPr lang="en-IN" sz="1800" dirty="0" err="1"/>
-              <a:t>kube</a:t>
-            </a:r>
-            <a:r>
-              <a:rPr lang="en-IN" sz="1800" dirty="0"/>
-              <a:t>-scheduler</a:t>
-            </a:r>
-          </a:p>
-        </p:txBody>
-      </p:sp>
-      <p:sp>
-        <p:nvSpPr>
-          <p:cNvPr id="10" name="Rectangle 9">
-            <a:extLst>
-              <a:ext uri="{FF2B5EF4-FFF2-40B4-BE49-F238E27FC236}">
-                <a16:creationId xmlns:a16="http://schemas.microsoft.com/office/drawing/2014/main" id="{719629FC-2B11-45FC-A29A-4200DD758267}"/>
-              </a:ext>
-            </a:extLst>
-          </p:cNvPr>
-          <p:cNvSpPr/>
-          <p:nvPr/>
-        </p:nvSpPr>
-        <p:spPr>
-          <a:xfrm>
-            <a:off x="628139" y="5028792"/>
-            <a:ext cx="1469985" cy="1041721"/>
-          </a:xfrm>
-          <a:prstGeom prst="rect">
-            <a:avLst/>
-          </a:prstGeom>
-          <a:solidFill>
-            <a:schemeClr val="accent3">
-              <a:lumMod val="75000"/>
-            </a:schemeClr>
-          </a:solidFill>
-          <a:ln>
-            <a:noFill/>
-          </a:ln>
-        </p:spPr>
-        <p:style>
-          <a:lnRef idx="2">
-            <a:schemeClr val="accent1">
-              <a:shade val="50000"/>
-            </a:schemeClr>
-          </a:lnRef>
-          <a:fillRef idx="1">
-            <a:schemeClr val="accent1"/>
-          </a:fillRef>
-          <a:effectRef idx="0">
-            <a:schemeClr val="accent1"/>
-          </a:effectRef>
-          <a:fontRef idx="minor">
-            <a:schemeClr val="lt1"/>
-          </a:fontRef>
-        </p:style>
-        <p:txBody>
-          <a:bodyPr rtlCol="0" anchor="ctr"/>
-          <a:lstStyle/>
-          <a:p>
-            <a:pPr algn="ctr"/>
-            <a:r>
-              <a:rPr lang="en-IN" sz="1800" dirty="0" err="1"/>
-              <a:t>etcd</a:t>
-            </a:r>
-            <a:endParaRPr lang="en-IN" sz="1800" dirty="0"/>
-          </a:p>
-        </p:txBody>
-      </p:sp>
-      <p:sp>
-        <p:nvSpPr>
-          <p:cNvPr id="11" name="Rectangle 10">
-            <a:extLst>
-              <a:ext uri="{FF2B5EF4-FFF2-40B4-BE49-F238E27FC236}">
-                <a16:creationId xmlns:a16="http://schemas.microsoft.com/office/drawing/2014/main" id="{1C4D42D6-E191-4E9A-8951-F30AFFC6FC23}"/>
-              </a:ext>
-            </a:extLst>
-          </p:cNvPr>
-          <p:cNvSpPr/>
-          <p:nvPr/>
-        </p:nvSpPr>
-        <p:spPr>
-          <a:xfrm>
-            <a:off x="514322" y="6452547"/>
-            <a:ext cx="4420595" cy="393524"/>
-          </a:xfrm>
-          <a:prstGeom prst="rect">
-            <a:avLst/>
-          </a:prstGeom>
-          <a:solidFill>
-            <a:srgbClr val="00B050"/>
-          </a:solidFill>
-          <a:ln>
-            <a:noFill/>
-          </a:ln>
-        </p:spPr>
-        <p:style>
-          <a:lnRef idx="2">
-            <a:schemeClr val="accent1">
-              <a:shade val="50000"/>
-            </a:schemeClr>
-          </a:lnRef>
-          <a:fillRef idx="1">
-            <a:schemeClr val="accent1"/>
-          </a:fillRef>
-          <a:effectRef idx="0">
-            <a:schemeClr val="accent1"/>
-          </a:effectRef>
-          <a:fontRef idx="minor">
-            <a:schemeClr val="lt1"/>
-          </a:fontRef>
-        </p:style>
-        <p:txBody>
-          <a:bodyPr rtlCol="0" anchor="ctr"/>
-          <a:lstStyle/>
-          <a:p>
-            <a:pPr algn="ctr"/>
-            <a:r>
-              <a:rPr lang="en-IN" sz="1800" dirty="0"/>
-              <a:t>Container Runtime (Docker)</a:t>
-            </a:r>
-          </a:p>
-        </p:txBody>
-      </p:sp>
-      <p:sp>
-        <p:nvSpPr>
-          <p:cNvPr id="12" name="TextBox 11">
-            <a:extLst>
-              <a:ext uri="{FF2B5EF4-FFF2-40B4-BE49-F238E27FC236}">
-                <a16:creationId xmlns:a16="http://schemas.microsoft.com/office/drawing/2014/main" id="{00DEE5A2-B43E-4F4B-8DB4-AEE0FC54A5F6}"/>
-              </a:ext>
-            </a:extLst>
-          </p:cNvPr>
-          <p:cNvSpPr txBox="1"/>
-          <p:nvPr/>
-        </p:nvSpPr>
-        <p:spPr>
-          <a:xfrm>
-            <a:off x="2083442" y="1369113"/>
-            <a:ext cx="1461234" cy="584775"/>
-          </a:xfrm>
-          <a:prstGeom prst="rect">
-            <a:avLst/>
-          </a:prstGeom>
-          <a:noFill/>
-        </p:spPr>
-        <p:txBody>
-          <a:bodyPr wrap="none" rtlCol="0">
-            <a:spAutoFit/>
-          </a:bodyPr>
-          <a:lstStyle/>
-          <a:p>
-            <a:r>
-              <a:rPr lang="en-IN" sz="3200" dirty="0">
-                <a:solidFill>
-                  <a:srgbClr val="0070C0"/>
-                </a:solidFill>
-              </a:rPr>
-              <a:t>Master </a:t>
-            </a:r>
-          </a:p>
-        </p:txBody>
-      </p:sp>
-      <p:sp>
-        <p:nvSpPr>
-          <p:cNvPr id="32" name="Rectangle 31">
-            <a:extLst>
-              <a:ext uri="{FF2B5EF4-FFF2-40B4-BE49-F238E27FC236}">
-                <a16:creationId xmlns:a16="http://schemas.microsoft.com/office/drawing/2014/main" id="{EC62D69E-22E7-423F-B81E-31C29DDEE0C5}"/>
-              </a:ext>
-            </a:extLst>
-          </p:cNvPr>
-          <p:cNvSpPr/>
-          <p:nvPr/>
-        </p:nvSpPr>
-        <p:spPr>
-          <a:xfrm>
-            <a:off x="3177551" y="1977482"/>
-            <a:ext cx="1713620" cy="1273215"/>
-          </a:xfrm>
-          <a:prstGeom prst="rect">
-            <a:avLst/>
-          </a:prstGeom>
-          <a:noFill/>
-          <a:ln w="31750">
-            <a:solidFill>
-              <a:schemeClr val="accent4">
-                <a:lumMod val="75000"/>
-              </a:schemeClr>
-            </a:solidFill>
-          </a:ln>
-        </p:spPr>
-        <p:style>
-          <a:lnRef idx="2">
-            <a:schemeClr val="accent1">
-              <a:shade val="50000"/>
-            </a:schemeClr>
-          </a:lnRef>
-          <a:fillRef idx="1">
-            <a:schemeClr val="accent1"/>
-          </a:fillRef>
-          <a:effectRef idx="0">
-            <a:schemeClr val="accent1"/>
-          </a:effectRef>
-          <a:fontRef idx="minor">
-            <a:schemeClr val="lt1"/>
-          </a:fontRef>
-        </p:style>
-        <p:txBody>
-          <a:bodyPr rtlCol="0" anchor="ctr"/>
-          <a:lstStyle/>
-          <a:p>
-            <a:pPr algn="ctr"/>
-            <a:endParaRPr lang="en-IN"/>
-          </a:p>
-        </p:txBody>
-      </p:sp>
-      <p:sp>
-        <p:nvSpPr>
-          <p:cNvPr id="37" name="Rectangle 36">
-            <a:extLst>
-              <a:ext uri="{FF2B5EF4-FFF2-40B4-BE49-F238E27FC236}">
-                <a16:creationId xmlns:a16="http://schemas.microsoft.com/office/drawing/2014/main" id="{FDB7ABAC-3B9D-4C8B-8D8F-BAD420920277}"/>
-              </a:ext>
-            </a:extLst>
-          </p:cNvPr>
-          <p:cNvSpPr/>
-          <p:nvPr/>
-        </p:nvSpPr>
-        <p:spPr>
-          <a:xfrm>
-            <a:off x="499640" y="1967851"/>
-            <a:ext cx="1713620" cy="1273215"/>
-          </a:xfrm>
-          <a:prstGeom prst="rect">
-            <a:avLst/>
-          </a:prstGeom>
-          <a:noFill/>
-          <a:ln w="31750">
-            <a:solidFill>
-              <a:schemeClr val="accent2">
-                <a:lumMod val="75000"/>
-              </a:schemeClr>
-            </a:solidFill>
-          </a:ln>
-        </p:spPr>
-        <p:style>
-          <a:lnRef idx="2">
-            <a:schemeClr val="accent1">
-              <a:shade val="50000"/>
-            </a:schemeClr>
-          </a:lnRef>
-          <a:fillRef idx="1">
-            <a:schemeClr val="accent1"/>
-          </a:fillRef>
-          <a:effectRef idx="0">
-            <a:schemeClr val="accent1"/>
-          </a:effectRef>
-          <a:fontRef idx="minor">
-            <a:schemeClr val="lt1"/>
-          </a:fontRef>
-        </p:style>
-        <p:txBody>
-          <a:bodyPr rtlCol="0" anchor="ctr"/>
-          <a:lstStyle/>
-          <a:p>
-            <a:pPr algn="ctr"/>
-            <a:endParaRPr lang="en-IN"/>
-          </a:p>
-        </p:txBody>
-      </p:sp>
-      <p:sp>
-        <p:nvSpPr>
-          <p:cNvPr id="38" name="Rectangle 37">
-            <a:extLst>
-              <a:ext uri="{FF2B5EF4-FFF2-40B4-BE49-F238E27FC236}">
-                <a16:creationId xmlns:a16="http://schemas.microsoft.com/office/drawing/2014/main" id="{4390C2FE-1053-4A1B-A56F-DF605F5B1E33}"/>
-              </a:ext>
-            </a:extLst>
-          </p:cNvPr>
-          <p:cNvSpPr/>
-          <p:nvPr/>
-        </p:nvSpPr>
-        <p:spPr>
-          <a:xfrm>
-            <a:off x="511496" y="3589230"/>
-            <a:ext cx="4368099" cy="894949"/>
-          </a:xfrm>
-          <a:prstGeom prst="rect">
-            <a:avLst/>
-          </a:prstGeom>
-          <a:noFill/>
-          <a:ln w="31750">
-            <a:solidFill>
-              <a:schemeClr val="tx1">
-                <a:lumMod val="95000"/>
-                <a:lumOff val="5000"/>
-              </a:schemeClr>
-            </a:solidFill>
-          </a:ln>
-        </p:spPr>
-        <p:style>
-          <a:lnRef idx="2">
-            <a:schemeClr val="accent1">
-              <a:shade val="50000"/>
-            </a:schemeClr>
-          </a:lnRef>
-          <a:fillRef idx="1">
-            <a:schemeClr val="accent1"/>
-          </a:fillRef>
-          <a:effectRef idx="0">
-            <a:schemeClr val="accent1"/>
-          </a:effectRef>
-          <a:fontRef idx="minor">
-            <a:schemeClr val="lt1"/>
-          </a:fontRef>
-        </p:style>
-        <p:txBody>
-          <a:bodyPr rtlCol="0" anchor="ctr"/>
-          <a:lstStyle/>
-          <a:p>
-            <a:pPr algn="ctr"/>
-            <a:endParaRPr lang="en-IN"/>
-          </a:p>
-        </p:txBody>
-      </p:sp>
-      <p:sp>
-        <p:nvSpPr>
-          <p:cNvPr id="39" name="Rectangle 38">
-            <a:extLst>
-              <a:ext uri="{FF2B5EF4-FFF2-40B4-BE49-F238E27FC236}">
-                <a16:creationId xmlns:a16="http://schemas.microsoft.com/office/drawing/2014/main" id="{6AD6185F-F358-4C5D-B77D-3D8A625E0F76}"/>
-              </a:ext>
-            </a:extLst>
-          </p:cNvPr>
-          <p:cNvSpPr/>
-          <p:nvPr/>
-        </p:nvSpPr>
-        <p:spPr>
-          <a:xfrm>
-            <a:off x="514322" y="4908748"/>
-            <a:ext cx="1713620" cy="1273215"/>
-          </a:xfrm>
-          <a:prstGeom prst="rect">
-            <a:avLst/>
-          </a:prstGeom>
-          <a:noFill/>
-          <a:ln w="31750">
-            <a:solidFill>
-              <a:schemeClr val="accent3">
-                <a:lumMod val="75000"/>
-              </a:schemeClr>
-            </a:solidFill>
-          </a:ln>
-        </p:spPr>
-        <p:style>
-          <a:lnRef idx="2">
-            <a:schemeClr val="accent1">
-              <a:shade val="50000"/>
-            </a:schemeClr>
-          </a:lnRef>
-          <a:fillRef idx="1">
-            <a:schemeClr val="accent1"/>
-          </a:fillRef>
-          <a:effectRef idx="0">
-            <a:schemeClr val="accent1"/>
-          </a:effectRef>
-          <a:fontRef idx="minor">
-            <a:schemeClr val="lt1"/>
-          </a:fontRef>
-        </p:style>
-        <p:txBody>
-          <a:bodyPr rtlCol="0" anchor="ctr"/>
-          <a:lstStyle/>
-          <a:p>
-            <a:pPr algn="ctr"/>
-            <a:endParaRPr lang="en-IN"/>
-          </a:p>
-        </p:txBody>
-      </p:sp>
-      <p:sp>
-        <p:nvSpPr>
-          <p:cNvPr id="40" name="Rectangle 39">
-            <a:extLst>
-              <a:ext uri="{FF2B5EF4-FFF2-40B4-BE49-F238E27FC236}">
-                <a16:creationId xmlns:a16="http://schemas.microsoft.com/office/drawing/2014/main" id="{3D733293-C1C6-4E0B-AB61-6DE8894C4EC8}"/>
-              </a:ext>
-            </a:extLst>
-          </p:cNvPr>
-          <p:cNvSpPr/>
-          <p:nvPr/>
-        </p:nvSpPr>
-        <p:spPr>
-          <a:xfrm>
-            <a:off x="3206615" y="4908748"/>
-            <a:ext cx="1713620" cy="1273215"/>
-          </a:xfrm>
-          <a:prstGeom prst="rect">
-            <a:avLst/>
-          </a:prstGeom>
-          <a:noFill/>
-          <a:ln w="31750">
-            <a:solidFill>
-              <a:schemeClr val="accent1">
-                <a:lumMod val="75000"/>
-              </a:schemeClr>
-            </a:solidFill>
-          </a:ln>
-        </p:spPr>
-        <p:style>
-          <a:lnRef idx="2">
-            <a:schemeClr val="accent1">
-              <a:shade val="50000"/>
-            </a:schemeClr>
-          </a:lnRef>
-          <a:fillRef idx="1">
-            <a:schemeClr val="accent1"/>
-          </a:fillRef>
-          <a:effectRef idx="0">
-            <a:schemeClr val="accent1"/>
-          </a:effectRef>
-          <a:fontRef idx="minor">
-            <a:schemeClr val="lt1"/>
-          </a:fontRef>
-        </p:style>
-        <p:txBody>
-          <a:bodyPr rtlCol="0" anchor="ctr"/>
-          <a:lstStyle/>
-          <a:p>
-            <a:pPr algn="ctr"/>
-            <a:endParaRPr lang="en-IN"/>
-          </a:p>
-        </p:txBody>
-      </p:sp>
-      <p:sp>
-        <p:nvSpPr>
-          <p:cNvPr id="50" name="Content Placeholder 2">
-            <a:extLst>
-              <a:ext uri="{FF2B5EF4-FFF2-40B4-BE49-F238E27FC236}">
-                <a16:creationId xmlns:a16="http://schemas.microsoft.com/office/drawing/2014/main" id="{9B34FA18-BECA-4707-891C-9C1672B52BD5}"/>
-              </a:ext>
-            </a:extLst>
-          </p:cNvPr>
-          <p:cNvSpPr>
-            <a:spLocks noGrp="1"/>
-          </p:cNvSpPr>
-          <p:nvPr>
-            <p:ph idx="1"/>
-          </p:nvPr>
-        </p:nvSpPr>
-        <p:spPr>
-          <a:xfrm>
-            <a:off x="5416952" y="1369113"/>
-            <a:ext cx="8207608" cy="6043242"/>
-          </a:xfrm>
-        </p:spPr>
-        <p:txBody>
-          <a:bodyPr>
-            <a:normAutofit lnSpcReduction="10000"/>
-          </a:bodyPr>
-          <a:lstStyle/>
-          <a:p>
-            <a:r>
-              <a:rPr lang="en-IN" dirty="0">
-                <a:solidFill>
-                  <a:schemeClr val="accent6">
-                    <a:lumMod val="75000"/>
-                  </a:schemeClr>
-                </a:solidFill>
-              </a:rPr>
-              <a:t>cloud-controller-manager</a:t>
-            </a:r>
-          </a:p>
-          <a:p>
-            <a:pPr lvl="1"/>
-            <a:r>
-              <a:rPr lang="en-US" dirty="0"/>
-              <a:t>A Kubernetes control plane component that embeds </a:t>
-            </a:r>
-            <a:r>
-              <a:rPr lang="en-US" dirty="0">
-                <a:solidFill>
-                  <a:srgbClr val="0070C0"/>
-                </a:solidFill>
-              </a:rPr>
-              <a:t>cloud-specific control logic</a:t>
-            </a:r>
-            <a:r>
-              <a:rPr lang="en-US" dirty="0"/>
-              <a:t>. </a:t>
-            </a:r>
-          </a:p>
-          <a:p>
-            <a:pPr lvl="1"/>
-            <a:r>
-              <a:rPr lang="en-US" dirty="0"/>
-              <a:t>It only runs controllers that are </a:t>
-            </a:r>
-            <a:r>
-              <a:rPr lang="en-US" dirty="0">
-                <a:solidFill>
-                  <a:srgbClr val="0070C0"/>
-                </a:solidFill>
-              </a:rPr>
-              <a:t>specific</a:t>
-            </a:r>
-            <a:r>
-              <a:rPr lang="en-US" dirty="0"/>
-              <a:t> to your cloud provider. </a:t>
-            </a:r>
-          </a:p>
-          <a:p>
-            <a:pPr lvl="1"/>
-            <a:r>
-              <a:rPr lang="en-US" dirty="0">
-                <a:solidFill>
-                  <a:srgbClr val="0070C0"/>
-                </a:solidFill>
-              </a:rPr>
-              <a:t>On-Premise</a:t>
-            </a:r>
-            <a:r>
-              <a:rPr lang="en-US" dirty="0"/>
-              <a:t> Kubernetes clusters will not have this component. </a:t>
-            </a:r>
-          </a:p>
-          <a:p>
-            <a:pPr lvl="1"/>
-            <a:r>
-              <a:rPr lang="en-US" dirty="0">
-                <a:solidFill>
-                  <a:schemeClr val="accent6">
-                    <a:lumMod val="75000"/>
-                  </a:schemeClr>
-                </a:solidFill>
-              </a:rPr>
-              <a:t>Node controller: </a:t>
-            </a:r>
-            <a:r>
-              <a:rPr lang="en-US" dirty="0"/>
-              <a:t>For </a:t>
-            </a:r>
-            <a:r>
-              <a:rPr lang="en-US" dirty="0">
-                <a:solidFill>
-                  <a:srgbClr val="0070C0"/>
-                </a:solidFill>
-              </a:rPr>
-              <a:t>checking</a:t>
-            </a:r>
-            <a:r>
-              <a:rPr lang="en-US" dirty="0"/>
-              <a:t> the cloud provider to determine if a node has been deleted in the cloud after it stops responding</a:t>
-            </a:r>
-          </a:p>
-          <a:p>
-            <a:pPr lvl="1"/>
-            <a:r>
-              <a:rPr lang="en-US" dirty="0">
-                <a:solidFill>
-                  <a:schemeClr val="accent6">
-                    <a:lumMod val="75000"/>
-                  </a:schemeClr>
-                </a:solidFill>
-              </a:rPr>
-              <a:t>Route controller: </a:t>
-            </a:r>
-            <a:r>
-              <a:rPr lang="en-US" dirty="0"/>
-              <a:t>For setting up </a:t>
-            </a:r>
-            <a:r>
-              <a:rPr lang="en-US" dirty="0">
-                <a:solidFill>
-                  <a:srgbClr val="0070C0"/>
-                </a:solidFill>
-              </a:rPr>
-              <a:t>routes</a:t>
-            </a:r>
-            <a:r>
-              <a:rPr lang="en-US" dirty="0"/>
-              <a:t> in the underlying cloud infrastructure</a:t>
-            </a:r>
-          </a:p>
-          <a:p>
-            <a:pPr lvl="1"/>
-            <a:r>
-              <a:rPr lang="en-US" dirty="0">
-                <a:solidFill>
-                  <a:schemeClr val="accent6">
-                    <a:lumMod val="75000"/>
-                  </a:schemeClr>
-                </a:solidFill>
-              </a:rPr>
-              <a:t>Service controller: </a:t>
-            </a:r>
-            <a:r>
-              <a:rPr lang="en-US" dirty="0"/>
-              <a:t>For creating, updating and deleting cloud provider </a:t>
-            </a:r>
-            <a:r>
-              <a:rPr lang="en-US" dirty="0">
-                <a:solidFill>
-                  <a:srgbClr val="0070C0"/>
-                </a:solidFill>
-              </a:rPr>
-              <a:t>load balancer</a:t>
-            </a:r>
-            <a:endParaRPr lang="en-IN" dirty="0">
-              <a:solidFill>
-                <a:srgbClr val="0070C0"/>
-              </a:solidFill>
-            </a:endParaRPr>
-          </a:p>
-        </p:txBody>
-      </p:sp>
-    </p:spTree>
-    <p:extLst>
-      <p:ext uri="{BB962C8B-B14F-4D97-AF65-F5344CB8AC3E}">
-        <p14:creationId xmlns:p14="http://schemas.microsoft.com/office/powerpoint/2010/main" val="748048367"/>
       </p:ext>
     </p:extLst>
   </p:cSld>
@@ -52662,6 +53205,21 @@
 </file>
 
 <file path=customXml/item1.xml><?xml version="1.0" encoding="utf-8"?>
+<p:properties xmlns:p="http://schemas.microsoft.com/office/2006/metadata/properties" xmlns:xsi="http://www.w3.org/2001/XMLSchema-instance" xmlns:pc="http://schemas.microsoft.com/office/infopath/2007/PartnerControls">
+  <documentManagement/>
+</p:properties>
+</file>
+
+<file path=customXml/item2.xml><?xml version="1.0" encoding="utf-8"?>
+<?mso-contentType ?>
+<FormTemplates xmlns="http://schemas.microsoft.com/sharepoint/v3/contenttype/forms">
+  <Display>DocumentLibraryForm</Display>
+  <Edit>DocumentLibraryForm</Edit>
+  <New>DocumentLibraryForm</New>
+</FormTemplates>
+</file>
+
+<file path=customXml/item3.xml><?xml version="1.0" encoding="utf-8"?>
 <ct:contentTypeSchema xmlns:ct="http://schemas.microsoft.com/office/2006/metadata/contentType" xmlns:ma="http://schemas.microsoft.com/office/2006/metadata/properties/metaAttributes" ct:_="" ma:_="" ma:contentTypeName="Document" ma:contentTypeID="0x010100D00FBA762A8B4A4AB2389BE0BCE3C83F" ma:contentTypeVersion="10" ma:contentTypeDescription="Create a new document." ma:contentTypeScope="" ma:versionID="0f3e2685ea47f4ebc3624ed417f13537">
   <xsd:schema xmlns:xsd="http://www.w3.org/2001/XMLSchema" xmlns:xs="http://www.w3.org/2001/XMLSchema" xmlns:p="http://schemas.microsoft.com/office/2006/metadata/properties" xmlns:ns2="9a51ea1a-1b1e-41ef-b441-1ee4f2fd8669" xmlns:ns3="1715a332-6e4d-4cad-94c4-6bada4eb9966" targetNamespace="http://schemas.microsoft.com/office/2006/metadata/properties" ma:root="true" ma:fieldsID="c0969c2d596e33b812740b722f5f53ca" ns2:_="" ns3:_="">
     <xsd:import namespace="9a51ea1a-1b1e-41ef-b441-1ee4f2fd8669"/>
@@ -52866,22 +53424,32 @@
 </ct:contentTypeSchema>
 </file>
 
-<file path=customXml/item2.xml><?xml version="1.0" encoding="utf-8"?>
-<p:properties xmlns:p="http://schemas.microsoft.com/office/2006/metadata/properties" xmlns:xsi="http://www.w3.org/2001/XMLSchema-instance" xmlns:pc="http://schemas.microsoft.com/office/infopath/2007/PartnerControls">
-  <documentManagement/>
-</p:properties>
+<file path=customXml/itemProps1.xml><?xml version="1.0" encoding="utf-8"?>
+<ds:datastoreItem xmlns:ds="http://schemas.openxmlformats.org/officeDocument/2006/customXml" ds:itemID="{8CEC2339-1C1C-416D-9A21-94E8CFA5CBF4}">
+  <ds:schemaRefs>
+    <ds:schemaRef ds:uri="http://schemas.microsoft.com/office/2006/metadata/properties"/>
+    <ds:schemaRef ds:uri="http://purl.org/dc/terms/"/>
+    <ds:schemaRef ds:uri="http://schemas.microsoft.com/office/2006/documentManagement/types"/>
+    <ds:schemaRef ds:uri="http://purl.org/dc/elements/1.1/"/>
+    <ds:schemaRef ds:uri="9a51ea1a-1b1e-41ef-b441-1ee4f2fd8669"/>
+    <ds:schemaRef ds:uri="http://purl.org/dc/dcmitype/"/>
+    <ds:schemaRef ds:uri="http://schemas.microsoft.com/office/infopath/2007/PartnerControls"/>
+    <ds:schemaRef ds:uri="http://schemas.openxmlformats.org/package/2006/metadata/core-properties"/>
+    <ds:schemaRef ds:uri="1715a332-6e4d-4cad-94c4-6bada4eb9966"/>
+    <ds:schemaRef ds:uri="http://www.w3.org/XML/1998/namespace"/>
+  </ds:schemaRefs>
+</ds:datastoreItem>
 </file>
 
-<file path=customXml/item3.xml><?xml version="1.0" encoding="utf-8"?>
-<?mso-contentType ?>
-<FormTemplates xmlns="http://schemas.microsoft.com/sharepoint/v3/contenttype/forms">
-  <Display>DocumentLibraryForm</Display>
-  <Edit>DocumentLibraryForm</Edit>
-  <New>DocumentLibraryForm</New>
-</FormTemplates>
+<file path=customXml/itemProps2.xml><?xml version="1.0" encoding="utf-8"?>
+<ds:datastoreItem xmlns:ds="http://schemas.openxmlformats.org/officeDocument/2006/customXml" ds:itemID="{92F2D375-1062-4EE6-861C-05377A63E419}">
+  <ds:schemaRefs>
+    <ds:schemaRef ds:uri="http://schemas.microsoft.com/sharepoint/v3/contenttype/forms"/>
+  </ds:schemaRefs>
+</ds:datastoreItem>
 </file>
 
-<file path=customXml/itemProps1.xml><?xml version="1.0" encoding="utf-8"?>
+<file path=customXml/itemProps3.xml><?xml version="1.0" encoding="utf-8"?>
 <ds:datastoreItem xmlns:ds="http://schemas.openxmlformats.org/officeDocument/2006/customXml" ds:itemID="{39179B27-CBA1-4175-8B64-42FE0F853D87}">
   <ds:schemaRefs>
     <ds:schemaRef ds:uri="http://schemas.microsoft.com/office/2006/metadata/contentType"/>
@@ -52898,29 +53466,4 @@
     <ds:schemaRef ds:uri="http://schemas.microsoft.com/internal/obd"/>
   </ds:schemaRefs>
 </ds:datastoreItem>
-</file>
-
-<file path=customXml/itemProps2.xml><?xml version="1.0" encoding="utf-8"?>
-<ds:datastoreItem xmlns:ds="http://schemas.openxmlformats.org/officeDocument/2006/customXml" ds:itemID="{8CEC2339-1C1C-416D-9A21-94E8CFA5CBF4}">
-  <ds:schemaRefs>
-    <ds:schemaRef ds:uri="http://schemas.microsoft.com/office/2006/metadata/properties"/>
-    <ds:schemaRef ds:uri="http://purl.org/dc/terms/"/>
-    <ds:schemaRef ds:uri="http://schemas.microsoft.com/office/2006/documentManagement/types"/>
-    <ds:schemaRef ds:uri="http://purl.org/dc/elements/1.1/"/>
-    <ds:schemaRef ds:uri="9a51ea1a-1b1e-41ef-b441-1ee4f2fd8669"/>
-    <ds:schemaRef ds:uri="http://purl.org/dc/dcmitype/"/>
-    <ds:schemaRef ds:uri="http://schemas.microsoft.com/office/infopath/2007/PartnerControls"/>
-    <ds:schemaRef ds:uri="http://schemas.openxmlformats.org/package/2006/metadata/core-properties"/>
-    <ds:schemaRef ds:uri="1715a332-6e4d-4cad-94c4-6bada4eb9966"/>
-    <ds:schemaRef ds:uri="http://www.w3.org/XML/1998/namespace"/>
-  </ds:schemaRefs>
-</ds:datastoreItem>
-</file>
-
-<file path=customXml/itemProps3.xml><?xml version="1.0" encoding="utf-8"?>
-<ds:datastoreItem xmlns:ds="http://schemas.openxmlformats.org/officeDocument/2006/customXml" ds:itemID="{92F2D375-1062-4EE6-861C-05377A63E419}">
-  <ds:schemaRefs>
-    <ds:schemaRef ds:uri="http://schemas.microsoft.com/sharepoint/v3/contenttype/forms"/>
-  </ds:schemaRefs>
-</ds:datastoreItem>
 </file>
--- a/presentation/AWS-Fargate-and-EKS-Masterclass.pptx
+++ b/presentation/AWS-Fargate-and-EKS-Masterclass.pptx
@@ -5,51 +5,55 @@
     <p:sldMasterId id="2147483648" r:id="rId4"/>
   </p:sldMasterIdLst>
   <p:notesMasterIdLst>
-    <p:notesMasterId r:id="rId47"/>
+    <p:notesMasterId r:id="rId51"/>
   </p:notesMasterIdLst>
   <p:sldIdLst>
     <p:sldId id="256" r:id="rId5"/>
     <p:sldId id="1041" r:id="rId6"/>
-    <p:sldId id="882" r:id="rId7"/>
-    <p:sldId id="995" r:id="rId8"/>
-    <p:sldId id="1002" r:id="rId9"/>
-    <p:sldId id="997" r:id="rId10"/>
-    <p:sldId id="999" r:id="rId11"/>
-    <p:sldId id="993" r:id="rId12"/>
-    <p:sldId id="998" r:id="rId13"/>
-    <p:sldId id="1000" r:id="rId14"/>
-    <p:sldId id="1001" r:id="rId15"/>
-    <p:sldId id="996" r:id="rId16"/>
-    <p:sldId id="1006" r:id="rId17"/>
-    <p:sldId id="994" r:id="rId18"/>
-    <p:sldId id="1004" r:id="rId19"/>
-    <p:sldId id="1032" r:id="rId20"/>
-    <p:sldId id="1010" r:id="rId21"/>
-    <p:sldId id="1009" r:id="rId22"/>
-    <p:sldId id="1034" r:id="rId23"/>
-    <p:sldId id="1012" r:id="rId24"/>
-    <p:sldId id="1039" r:id="rId25"/>
-    <p:sldId id="1035" r:id="rId26"/>
-    <p:sldId id="1016" r:id="rId27"/>
-    <p:sldId id="1036" r:id="rId28"/>
-    <p:sldId id="1037" r:id="rId29"/>
-    <p:sldId id="1018" r:id="rId30"/>
-    <p:sldId id="1038" r:id="rId31"/>
-    <p:sldId id="1021" r:id="rId32"/>
-    <p:sldId id="1024" r:id="rId33"/>
-    <p:sldId id="1025" r:id="rId34"/>
-    <p:sldId id="1026" r:id="rId35"/>
-    <p:sldId id="1027" r:id="rId36"/>
-    <p:sldId id="1028" r:id="rId37"/>
-    <p:sldId id="1022" r:id="rId38"/>
-    <p:sldId id="1023" r:id="rId39"/>
-    <p:sldId id="1029" r:id="rId40"/>
-    <p:sldId id="1031" r:id="rId41"/>
-    <p:sldId id="1030" r:id="rId42"/>
-    <p:sldId id="1011" r:id="rId43"/>
-    <p:sldId id="1007" r:id="rId44"/>
-    <p:sldId id="1005" r:id="rId45"/>
-    <p:sldId id="1015" r:id="rId46"/>
+    <p:sldId id="1042" r:id="rId7"/>
+    <p:sldId id="1043" r:id="rId8"/>
+    <p:sldId id="1045" r:id="rId9"/>
+    <p:sldId id="1047" r:id="rId10"/>
+    <p:sldId id="1046" r:id="rId11"/>
+    <p:sldId id="995" r:id="rId12"/>
+    <p:sldId id="1002" r:id="rId13"/>
+    <p:sldId id="997" r:id="rId14"/>
+    <p:sldId id="999" r:id="rId15"/>
+    <p:sldId id="993" r:id="rId16"/>
+    <p:sldId id="998" r:id="rId17"/>
+    <p:sldId id="1000" r:id="rId18"/>
+    <p:sldId id="1001" r:id="rId19"/>
+    <p:sldId id="996" r:id="rId20"/>
+    <p:sldId id="1006" r:id="rId21"/>
+    <p:sldId id="994" r:id="rId22"/>
+    <p:sldId id="1004" r:id="rId23"/>
+    <p:sldId id="1032" r:id="rId24"/>
+    <p:sldId id="1010" r:id="rId25"/>
+    <p:sldId id="1009" r:id="rId26"/>
+    <p:sldId id="1034" r:id="rId27"/>
+    <p:sldId id="1012" r:id="rId28"/>
+    <p:sldId id="1039" r:id="rId29"/>
+    <p:sldId id="1035" r:id="rId30"/>
+    <p:sldId id="1016" r:id="rId31"/>
+    <p:sldId id="1036" r:id="rId32"/>
+    <p:sldId id="1037" r:id="rId33"/>
+    <p:sldId id="1018" r:id="rId34"/>
+    <p:sldId id="1038" r:id="rId35"/>
+    <p:sldId id="1021" r:id="rId36"/>
+    <p:sldId id="1024" r:id="rId37"/>
+    <p:sldId id="1025" r:id="rId38"/>
+    <p:sldId id="1026" r:id="rId39"/>
+    <p:sldId id="1027" r:id="rId40"/>
+    <p:sldId id="1028" r:id="rId41"/>
+    <p:sldId id="1022" r:id="rId42"/>
+    <p:sldId id="1023" r:id="rId43"/>
+    <p:sldId id="1029" r:id="rId44"/>
+    <p:sldId id="1031" r:id="rId45"/>
+    <p:sldId id="1030" r:id="rId46"/>
+    <p:sldId id="1011" r:id="rId47"/>
+    <p:sldId id="1007" r:id="rId48"/>
+    <p:sldId id="1005" r:id="rId49"/>
+    <p:sldId id="1015" r:id="rId50"/>
   </p:sldIdLst>
   <p:sldSz cx="14630400" cy="8229600"/>
   <p:notesSz cx="6858000" cy="9144000"/>
@@ -261,7 +265,7 @@
           <a:p>
             <a:fld id="{70392B7C-7B94-48F3-AD53-1D9389467956}" type="datetimeFigureOut">
               <a:rPr lang="en-US" smtClean="0"/>
-              <a:t>6/8/20</a:t>
+              <a:t>6/13/20</a:t>
             </a:fld>
             <a:endParaRPr lang="en-US"/>
           </a:p>
@@ -593,7 +597,7 @@
           <a:p>
             <a:fld id="{7AD8FE51-5DD6-4BF3-9495-81C4A5D2F89C}" type="slidenum">
               <a:rPr lang="en-US" smtClean="0"/>
-              <a:t>16</a:t>
+              <a:t>20</a:t>
             </a:fld>
             <a:endParaRPr lang="en-US"/>
           </a:p>
@@ -677,7 +681,7 @@
           <a:p>
             <a:fld id="{7AD8FE51-5DD6-4BF3-9495-81C4A5D2F89C}" type="slidenum">
               <a:rPr lang="en-US" smtClean="0"/>
-              <a:t>17</a:t>
+              <a:t>21</a:t>
             </a:fld>
             <a:endParaRPr lang="en-US"/>
           </a:p>
@@ -761,7 +765,7 @@
           <a:p>
             <a:fld id="{7AD8FE51-5DD6-4BF3-9495-81C4A5D2F89C}" type="slidenum">
               <a:rPr lang="en-US" smtClean="0"/>
-              <a:t>18</a:t>
+              <a:t>22</a:t>
             </a:fld>
             <a:endParaRPr lang="en-US"/>
           </a:p>
@@ -845,7 +849,7 @@
           <a:p>
             <a:fld id="{7AD8FE51-5DD6-4BF3-9495-81C4A5D2F89C}" type="slidenum">
               <a:rPr lang="en-US" smtClean="0"/>
-              <a:t>41</a:t>
+              <a:t>45</a:t>
             </a:fld>
             <a:endParaRPr lang="en-US"/>
           </a:p>
@@ -3667,6 +3671,232 @@
           <p:cNvPr id="2" name="Footer Placeholder 1">
             <a:extLst>
               <a:ext uri="{FF2B5EF4-FFF2-40B4-BE49-F238E27FC236}">
+                <a16:creationId xmlns:a16="http://schemas.microsoft.com/office/drawing/2014/main" id="{5634FA58-2A84-4C4C-8D8A-F46D3D69DBD1}"/>
+              </a:ext>
+            </a:extLst>
+          </p:cNvPr>
+          <p:cNvSpPr>
+            <a:spLocks noGrp="1"/>
+          </p:cNvSpPr>
+          <p:nvPr>
+            <p:ph type="ftr" sz="quarter" idx="10"/>
+          </p:nvPr>
+        </p:nvSpPr>
+        <p:spPr/>
+        <p:txBody>
+          <a:bodyPr/>
+          <a:lstStyle/>
+          <a:p>
+            <a:pPr algn="l"/>
+            <a:r>
+              <a:rPr lang="en-US"/>
+              <a:t>© Kalyan Reddy Daida</a:t>
+            </a:r>
+            <a:endParaRPr lang="en-GB" dirty="0"/>
+          </a:p>
+        </p:txBody>
+      </p:sp>
+      <p:sp>
+        <p:nvSpPr>
+          <p:cNvPr id="3" name="Content Placeholder 2">
+            <a:extLst>
+              <a:ext uri="{FF2B5EF4-FFF2-40B4-BE49-F238E27FC236}">
+                <a16:creationId xmlns:a16="http://schemas.microsoft.com/office/drawing/2014/main" id="{53A78DB2-1538-4664-87BF-D5C34A97543D}"/>
+              </a:ext>
+            </a:extLst>
+          </p:cNvPr>
+          <p:cNvSpPr>
+            <a:spLocks noGrp="1"/>
+          </p:cNvSpPr>
+          <p:nvPr>
+            <p:ph idx="1"/>
+          </p:nvPr>
+        </p:nvSpPr>
+        <p:spPr/>
+        <p:txBody>
+          <a:bodyPr/>
+          <a:lstStyle/>
+          <a:p>
+            <a:endParaRPr lang="en-IN"/>
+          </a:p>
+        </p:txBody>
+      </p:sp>
+      <p:sp>
+        <p:nvSpPr>
+          <p:cNvPr id="4" name="Title 3">
+            <a:extLst>
+              <a:ext uri="{FF2B5EF4-FFF2-40B4-BE49-F238E27FC236}">
+                <a16:creationId xmlns:a16="http://schemas.microsoft.com/office/drawing/2014/main" id="{DC9DCC39-1BFF-482E-BF79-C330C87F31B9}"/>
+              </a:ext>
+            </a:extLst>
+          </p:cNvPr>
+          <p:cNvSpPr>
+            <a:spLocks noGrp="1"/>
+          </p:cNvSpPr>
+          <p:nvPr>
+            <p:ph type="title"/>
+          </p:nvPr>
+        </p:nvSpPr>
+        <p:spPr/>
+        <p:txBody>
+          <a:bodyPr/>
+          <a:lstStyle/>
+          <a:p>
+            <a:r>
+              <a:rPr lang="en-IN" dirty="0"/>
+              <a:t>Why Kubernetes?</a:t>
+            </a:r>
+          </a:p>
+        </p:txBody>
+      </p:sp>
+    </p:spTree>
+    <p:extLst>
+      <p:ext uri="{BB962C8B-B14F-4D97-AF65-F5344CB8AC3E}">
+        <p14:creationId xmlns:p14="http://schemas.microsoft.com/office/powerpoint/2010/main" val="1840133429"/>
+      </p:ext>
+    </p:extLst>
+  </p:cSld>
+  <p:clrMapOvr>
+    <a:masterClrMapping/>
+  </p:clrMapOvr>
+</p:sld>
+</file>
+
+<file path=ppt/slides/slide11.xml><?xml version="1.0" encoding="utf-8"?>
+<p:sld xmlns:a="http://schemas.openxmlformats.org/drawingml/2006/main" xmlns:r="http://schemas.openxmlformats.org/officeDocument/2006/relationships" xmlns:p="http://schemas.openxmlformats.org/presentationml/2006/main">
+  <p:cSld>
+    <p:spTree>
+      <p:nvGrpSpPr>
+        <p:cNvPr id="1" name=""/>
+        <p:cNvGrpSpPr/>
+        <p:nvPr/>
+      </p:nvGrpSpPr>
+      <p:grpSpPr>
+        <a:xfrm>
+          <a:off x="0" y="0"/>
+          <a:ext cx="0" cy="0"/>
+          <a:chOff x="0" y="0"/>
+          <a:chExt cx="0" cy="0"/>
+        </a:xfrm>
+      </p:grpSpPr>
+      <p:sp>
+        <p:nvSpPr>
+          <p:cNvPr id="2" name="Footer Placeholder 1">
+            <a:extLst>
+              <a:ext uri="{FF2B5EF4-FFF2-40B4-BE49-F238E27FC236}">
+                <a16:creationId xmlns:a16="http://schemas.microsoft.com/office/drawing/2014/main" id="{43736DCE-9495-4DA6-8F95-5DE7597271FD}"/>
+              </a:ext>
+            </a:extLst>
+          </p:cNvPr>
+          <p:cNvSpPr>
+            <a:spLocks noGrp="1"/>
+          </p:cNvSpPr>
+          <p:nvPr>
+            <p:ph type="ftr" sz="quarter" idx="10"/>
+          </p:nvPr>
+        </p:nvSpPr>
+        <p:spPr/>
+        <p:txBody>
+          <a:bodyPr/>
+          <a:lstStyle/>
+          <a:p>
+            <a:pPr algn="l"/>
+            <a:r>
+              <a:rPr lang="en-US"/>
+              <a:t>© Kalyan Reddy Daida</a:t>
+            </a:r>
+            <a:endParaRPr lang="en-GB" dirty="0"/>
+          </a:p>
+        </p:txBody>
+      </p:sp>
+      <p:sp>
+        <p:nvSpPr>
+          <p:cNvPr id="3" name="Content Placeholder 2">
+            <a:extLst>
+              <a:ext uri="{FF2B5EF4-FFF2-40B4-BE49-F238E27FC236}">
+                <a16:creationId xmlns:a16="http://schemas.microsoft.com/office/drawing/2014/main" id="{1397231D-BF37-4CBD-A46F-69681558BD0E}"/>
+              </a:ext>
+            </a:extLst>
+          </p:cNvPr>
+          <p:cNvSpPr>
+            <a:spLocks noGrp="1"/>
+          </p:cNvSpPr>
+          <p:nvPr>
+            <p:ph idx="1"/>
+          </p:nvPr>
+        </p:nvSpPr>
+        <p:spPr/>
+        <p:txBody>
+          <a:bodyPr/>
+          <a:lstStyle/>
+          <a:p>
+            <a:endParaRPr lang="en-IN"/>
+          </a:p>
+        </p:txBody>
+      </p:sp>
+      <p:sp>
+        <p:nvSpPr>
+          <p:cNvPr id="4" name="Title 3">
+            <a:extLst>
+              <a:ext uri="{FF2B5EF4-FFF2-40B4-BE49-F238E27FC236}">
+                <a16:creationId xmlns:a16="http://schemas.microsoft.com/office/drawing/2014/main" id="{398C44D4-0DDD-4645-95F5-C91AB3DB14C5}"/>
+              </a:ext>
+            </a:extLst>
+          </p:cNvPr>
+          <p:cNvSpPr>
+            <a:spLocks noGrp="1"/>
+          </p:cNvSpPr>
+          <p:nvPr>
+            <p:ph type="title"/>
+          </p:nvPr>
+        </p:nvSpPr>
+        <p:spPr/>
+        <p:txBody>
+          <a:bodyPr/>
+          <a:lstStyle/>
+          <a:p>
+            <a:r>
+              <a:rPr lang="en-IN" dirty="0"/>
+              <a:t>Kubernetes – Master &amp; Worker Nodes</a:t>
+            </a:r>
+          </a:p>
+        </p:txBody>
+      </p:sp>
+    </p:spTree>
+    <p:extLst>
+      <p:ext uri="{BB962C8B-B14F-4D97-AF65-F5344CB8AC3E}">
+        <p14:creationId xmlns:p14="http://schemas.microsoft.com/office/powerpoint/2010/main" val="3179247256"/>
+      </p:ext>
+    </p:extLst>
+  </p:cSld>
+  <p:clrMapOvr>
+    <a:masterClrMapping/>
+  </p:clrMapOvr>
+</p:sld>
+</file>
+
+<file path=ppt/slides/slide12.xml><?xml version="1.0" encoding="utf-8"?>
+<p:sld xmlns:a="http://schemas.openxmlformats.org/drawingml/2006/main" xmlns:r="http://schemas.openxmlformats.org/officeDocument/2006/relationships" xmlns:p="http://schemas.openxmlformats.org/presentationml/2006/main">
+  <p:cSld>
+    <p:spTree>
+      <p:nvGrpSpPr>
+        <p:cNvPr id="1" name=""/>
+        <p:cNvGrpSpPr/>
+        <p:nvPr/>
+      </p:nvGrpSpPr>
+      <p:grpSpPr>
+        <a:xfrm>
+          <a:off x="0" y="0"/>
+          <a:ext cx="0" cy="0"/>
+          <a:chOff x="0" y="0"/>
+          <a:chExt cx="0" cy="0"/>
+        </a:xfrm>
+      </p:grpSpPr>
+      <p:sp>
+        <p:nvSpPr>
+          <p:cNvPr id="2" name="Footer Placeholder 1">
+            <a:extLst>
+              <a:ext uri="{FF2B5EF4-FFF2-40B4-BE49-F238E27FC236}">
                 <a16:creationId xmlns:a16="http://schemas.microsoft.com/office/drawing/2014/main" id="{78819D0E-61B2-4717-949A-53CE5D358278}"/>
               </a:ext>
             </a:extLst>
@@ -4474,6 +4704,2069 @@
         </p:spPr>
         <p:txBody>
           <a:bodyPr>
+            <a:normAutofit fontScale="85000" lnSpcReduction="20000"/>
+          </a:bodyPr>
+          <a:lstStyle/>
+          <a:p>
+            <a:r>
+              <a:rPr lang="en-IN" dirty="0" err="1">
+                <a:solidFill>
+                  <a:schemeClr val="accent6">
+                    <a:lumMod val="75000"/>
+                  </a:schemeClr>
+                </a:solidFill>
+              </a:rPr>
+              <a:t>kube-apiserver</a:t>
+            </a:r>
+            <a:endParaRPr lang="en-IN" dirty="0">
+              <a:solidFill>
+                <a:schemeClr val="accent6">
+                  <a:lumMod val="75000"/>
+                </a:schemeClr>
+              </a:solidFill>
+            </a:endParaRPr>
+          </a:p>
+          <a:p>
+            <a:pPr lvl="1"/>
+            <a:r>
+              <a:rPr lang="en-IN" dirty="0"/>
+              <a:t>It </a:t>
+            </a:r>
+            <a:r>
+              <a:rPr lang="en-US" dirty="0"/>
+              <a:t>acts as </a:t>
+            </a:r>
+            <a:r>
+              <a:rPr lang="en-US" dirty="0">
+                <a:solidFill>
+                  <a:srgbClr val="0070C0"/>
+                </a:solidFill>
+              </a:rPr>
+              <a:t>front end </a:t>
+            </a:r>
+            <a:r>
+              <a:rPr lang="en-US" dirty="0"/>
+              <a:t>for the Kubernetes control plane. </a:t>
+            </a:r>
+            <a:r>
+              <a:rPr lang="en-IN" dirty="0"/>
+              <a:t>It </a:t>
+            </a:r>
+            <a:r>
+              <a:rPr lang="en-IN" dirty="0">
+                <a:solidFill>
+                  <a:srgbClr val="0070C0"/>
+                </a:solidFill>
+              </a:rPr>
+              <a:t>exposes</a:t>
+            </a:r>
+            <a:r>
+              <a:rPr lang="en-IN" dirty="0"/>
+              <a:t> the Kubernetes API</a:t>
+            </a:r>
+          </a:p>
+          <a:p>
+            <a:pPr lvl="1"/>
+            <a:r>
+              <a:rPr lang="en-IN" dirty="0"/>
+              <a:t>Command line tools (like </a:t>
+            </a:r>
+            <a:r>
+              <a:rPr lang="en-IN" dirty="0" err="1"/>
+              <a:t>kubectl</a:t>
+            </a:r>
+            <a:r>
+              <a:rPr lang="en-IN" dirty="0"/>
+              <a:t>), Users and even Master components (scheduler, controller manager, </a:t>
+            </a:r>
+            <a:r>
+              <a:rPr lang="en-IN" dirty="0" err="1"/>
+              <a:t>etcd</a:t>
+            </a:r>
+            <a:r>
+              <a:rPr lang="en-IN" dirty="0"/>
+              <a:t>) and Worker node components like (</a:t>
+            </a:r>
+            <a:r>
+              <a:rPr lang="en-IN" dirty="0" err="1"/>
+              <a:t>Kubelet</a:t>
+            </a:r>
+            <a:r>
+              <a:rPr lang="en-IN" dirty="0"/>
+              <a:t>) </a:t>
+            </a:r>
+            <a:r>
+              <a:rPr lang="en-IN" dirty="0">
+                <a:solidFill>
+                  <a:srgbClr val="0070C0"/>
+                </a:solidFill>
+              </a:rPr>
+              <a:t>everything talk </a:t>
+            </a:r>
+            <a:r>
+              <a:rPr lang="en-IN" dirty="0"/>
+              <a:t>with API Server. </a:t>
+            </a:r>
+          </a:p>
+          <a:p>
+            <a:r>
+              <a:rPr lang="en-IN" dirty="0" err="1">
+                <a:solidFill>
+                  <a:schemeClr val="accent6">
+                    <a:lumMod val="75000"/>
+                  </a:schemeClr>
+                </a:solidFill>
+              </a:rPr>
+              <a:t>etcd</a:t>
+            </a:r>
+            <a:endParaRPr lang="en-IN" dirty="0">
+              <a:solidFill>
+                <a:schemeClr val="accent6">
+                  <a:lumMod val="75000"/>
+                </a:schemeClr>
+              </a:solidFill>
+            </a:endParaRPr>
+          </a:p>
+          <a:p>
+            <a:pPr lvl="1"/>
+            <a:r>
+              <a:rPr lang="en-US" dirty="0"/>
+              <a:t>Consistent and highly-available </a:t>
+            </a:r>
+            <a:r>
+              <a:rPr lang="en-US" dirty="0">
+                <a:solidFill>
+                  <a:srgbClr val="0070C0"/>
+                </a:solidFill>
+              </a:rPr>
+              <a:t>key value store </a:t>
+            </a:r>
+            <a:r>
+              <a:rPr lang="en-US" dirty="0"/>
+              <a:t>used as Kubernetes’ </a:t>
+            </a:r>
+            <a:r>
+              <a:rPr lang="en-US" dirty="0">
+                <a:solidFill>
+                  <a:srgbClr val="0070C0"/>
+                </a:solidFill>
+              </a:rPr>
+              <a:t>backing store</a:t>
+            </a:r>
+            <a:r>
+              <a:rPr lang="en-US" dirty="0"/>
+              <a:t> for all cluster data.</a:t>
+            </a:r>
+          </a:p>
+          <a:p>
+            <a:pPr lvl="1"/>
+            <a:r>
+              <a:rPr lang="en-US" dirty="0"/>
+              <a:t>It </a:t>
+            </a:r>
+            <a:r>
+              <a:rPr lang="en-US" dirty="0">
+                <a:solidFill>
+                  <a:srgbClr val="0070C0"/>
+                </a:solidFill>
+              </a:rPr>
+              <a:t>stores</a:t>
+            </a:r>
+            <a:r>
+              <a:rPr lang="en-US" dirty="0"/>
+              <a:t> all the masters and worker node information. </a:t>
+            </a:r>
+          </a:p>
+          <a:p>
+            <a:r>
+              <a:rPr lang="en-IN" dirty="0" err="1">
+                <a:solidFill>
+                  <a:schemeClr val="accent6">
+                    <a:lumMod val="75000"/>
+                  </a:schemeClr>
+                </a:solidFill>
+              </a:rPr>
+              <a:t>kube</a:t>
+            </a:r>
+            <a:r>
+              <a:rPr lang="en-IN" dirty="0">
+                <a:solidFill>
+                  <a:schemeClr val="accent6">
+                    <a:lumMod val="75000"/>
+                  </a:schemeClr>
+                </a:solidFill>
+              </a:rPr>
+              <a:t>-scheduler</a:t>
+            </a:r>
+          </a:p>
+          <a:p>
+            <a:pPr lvl="1"/>
+            <a:r>
+              <a:rPr lang="en-US" dirty="0"/>
+              <a:t>Scheduler is responsible for distributing containers across multiple nodes.  </a:t>
+            </a:r>
+          </a:p>
+          <a:p>
+            <a:pPr lvl="1"/>
+            <a:r>
+              <a:rPr lang="en-US" dirty="0"/>
+              <a:t>It watches for newly created Pods with no assigned node, and selects a node for them to run on.</a:t>
+            </a:r>
+            <a:br>
+              <a:rPr lang="en-IN" dirty="0"/>
+            </a:br>
+            <a:br>
+              <a:rPr lang="en-US" dirty="0"/>
+            </a:br>
+            <a:endParaRPr lang="en-IN" dirty="0"/>
+          </a:p>
+          <a:p>
+            <a:pPr lvl="1"/>
+            <a:endParaRPr lang="en-IN" dirty="0"/>
+          </a:p>
+        </p:txBody>
+      </p:sp>
+    </p:spTree>
+    <p:extLst>
+      <p:ext uri="{BB962C8B-B14F-4D97-AF65-F5344CB8AC3E}">
+        <p14:creationId xmlns:p14="http://schemas.microsoft.com/office/powerpoint/2010/main" val="3481746967"/>
+      </p:ext>
+    </p:extLst>
+  </p:cSld>
+  <p:clrMapOvr>
+    <a:masterClrMapping/>
+  </p:clrMapOvr>
+</p:sld>
+</file>
+
+<file path=ppt/slides/slide13.xml><?xml version="1.0" encoding="utf-8"?>
+<p:sld xmlns:a="http://schemas.openxmlformats.org/drawingml/2006/main" xmlns:r="http://schemas.openxmlformats.org/officeDocument/2006/relationships" xmlns:p="http://schemas.openxmlformats.org/presentationml/2006/main">
+  <p:cSld>
+    <p:spTree>
+      <p:nvGrpSpPr>
+        <p:cNvPr id="1" name=""/>
+        <p:cNvGrpSpPr/>
+        <p:nvPr/>
+      </p:nvGrpSpPr>
+      <p:grpSpPr>
+        <a:xfrm>
+          <a:off x="0" y="0"/>
+          <a:ext cx="0" cy="0"/>
+          <a:chOff x="0" y="0"/>
+          <a:chExt cx="0" cy="0"/>
+        </a:xfrm>
+      </p:grpSpPr>
+      <p:sp>
+        <p:nvSpPr>
+          <p:cNvPr id="2" name="Footer Placeholder 1">
+            <a:extLst>
+              <a:ext uri="{FF2B5EF4-FFF2-40B4-BE49-F238E27FC236}">
+                <a16:creationId xmlns:a16="http://schemas.microsoft.com/office/drawing/2014/main" id="{78819D0E-61B2-4717-949A-53CE5D358278}"/>
+              </a:ext>
+            </a:extLst>
+          </p:cNvPr>
+          <p:cNvSpPr>
+            <a:spLocks noGrp="1"/>
+          </p:cNvSpPr>
+          <p:nvPr>
+            <p:ph type="ftr" sz="quarter" idx="10"/>
+          </p:nvPr>
+        </p:nvSpPr>
+        <p:spPr/>
+        <p:txBody>
+          <a:bodyPr/>
+          <a:lstStyle/>
+          <a:p>
+            <a:pPr algn="l"/>
+            <a:r>
+              <a:rPr lang="en-US" dirty="0"/>
+              <a:t>© Kalyan Reddy </a:t>
+            </a:r>
+            <a:r>
+              <a:rPr lang="en-US" dirty="0" err="1"/>
+              <a:t>Daida</a:t>
+            </a:r>
+            <a:endParaRPr lang="en-GB" dirty="0"/>
+          </a:p>
+        </p:txBody>
+      </p:sp>
+      <p:sp>
+        <p:nvSpPr>
+          <p:cNvPr id="4" name="Title 3">
+            <a:extLst>
+              <a:ext uri="{FF2B5EF4-FFF2-40B4-BE49-F238E27FC236}">
+                <a16:creationId xmlns:a16="http://schemas.microsoft.com/office/drawing/2014/main" id="{F8840114-9439-4B2E-A512-1F12425EB200}"/>
+              </a:ext>
+            </a:extLst>
+          </p:cNvPr>
+          <p:cNvSpPr>
+            <a:spLocks noGrp="1"/>
+          </p:cNvSpPr>
+          <p:nvPr>
+            <p:ph type="title"/>
+          </p:nvPr>
+        </p:nvSpPr>
+        <p:spPr>
+          <a:xfrm>
+            <a:off x="1039407" y="-145598"/>
+            <a:ext cx="12618720" cy="1188851"/>
+          </a:xfrm>
+        </p:spPr>
+        <p:txBody>
+          <a:bodyPr/>
+          <a:lstStyle/>
+          <a:p>
+            <a:r>
+              <a:rPr lang="en-IN" dirty="0"/>
+              <a:t>Kubernetes Architecture - </a:t>
+            </a:r>
+            <a:r>
+              <a:rPr lang="en-IN" dirty="0">
+                <a:solidFill>
+                  <a:srgbClr val="00B050"/>
+                </a:solidFill>
+              </a:rPr>
+              <a:t>Master</a:t>
+            </a:r>
+          </a:p>
+        </p:txBody>
+      </p:sp>
+      <p:sp>
+        <p:nvSpPr>
+          <p:cNvPr id="5" name="Rectangle 4">
+            <a:extLst>
+              <a:ext uri="{FF2B5EF4-FFF2-40B4-BE49-F238E27FC236}">
+                <a16:creationId xmlns:a16="http://schemas.microsoft.com/office/drawing/2014/main" id="{119EBDD3-C074-4FD1-90DE-DBEA7232FDD0}"/>
+              </a:ext>
+            </a:extLst>
+          </p:cNvPr>
+          <p:cNvSpPr/>
+          <p:nvPr/>
+        </p:nvSpPr>
+        <p:spPr>
+          <a:xfrm>
+            <a:off x="297349" y="1369113"/>
+            <a:ext cx="4761187" cy="5747543"/>
+          </a:xfrm>
+          <a:prstGeom prst="rect">
+            <a:avLst/>
+          </a:prstGeom>
+          <a:noFill/>
+          <a:ln w="63500">
+            <a:solidFill>
+              <a:srgbClr val="0070C0"/>
+            </a:solidFill>
+          </a:ln>
+        </p:spPr>
+        <p:style>
+          <a:lnRef idx="2">
+            <a:schemeClr val="accent1">
+              <a:shade val="50000"/>
+            </a:schemeClr>
+          </a:lnRef>
+          <a:fillRef idx="1">
+            <a:schemeClr val="accent1"/>
+          </a:fillRef>
+          <a:effectRef idx="0">
+            <a:schemeClr val="accent1"/>
+          </a:effectRef>
+          <a:fontRef idx="minor">
+            <a:schemeClr val="lt1"/>
+          </a:fontRef>
+        </p:style>
+        <p:txBody>
+          <a:bodyPr rtlCol="0" anchor="ctr"/>
+          <a:lstStyle/>
+          <a:p>
+            <a:pPr algn="ctr"/>
+            <a:endParaRPr lang="en-IN"/>
+          </a:p>
+        </p:txBody>
+      </p:sp>
+      <p:sp>
+        <p:nvSpPr>
+          <p:cNvPr id="6" name="Rectangle 5">
+            <a:extLst>
+              <a:ext uri="{FF2B5EF4-FFF2-40B4-BE49-F238E27FC236}">
+                <a16:creationId xmlns:a16="http://schemas.microsoft.com/office/drawing/2014/main" id="{5A4B9D87-4A32-4603-9B2B-8992F516F95E}"/>
+              </a:ext>
+            </a:extLst>
+          </p:cNvPr>
+          <p:cNvSpPr/>
+          <p:nvPr/>
+        </p:nvSpPr>
+        <p:spPr>
+          <a:xfrm>
+            <a:off x="613457" y="2086070"/>
+            <a:ext cx="1469985" cy="1041721"/>
+          </a:xfrm>
+          <a:prstGeom prst="rect">
+            <a:avLst/>
+          </a:prstGeom>
+          <a:solidFill>
+            <a:schemeClr val="accent2">
+              <a:lumMod val="75000"/>
+            </a:schemeClr>
+          </a:solidFill>
+          <a:ln>
+            <a:noFill/>
+          </a:ln>
+        </p:spPr>
+        <p:style>
+          <a:lnRef idx="2">
+            <a:schemeClr val="accent1">
+              <a:shade val="50000"/>
+            </a:schemeClr>
+          </a:lnRef>
+          <a:fillRef idx="1">
+            <a:schemeClr val="accent1"/>
+          </a:fillRef>
+          <a:effectRef idx="0">
+            <a:schemeClr val="accent1"/>
+          </a:effectRef>
+          <a:fontRef idx="minor">
+            <a:schemeClr val="lt1"/>
+          </a:fontRef>
+        </p:style>
+        <p:txBody>
+          <a:bodyPr rtlCol="0" anchor="ctr"/>
+          <a:lstStyle/>
+          <a:p>
+            <a:pPr algn="ctr"/>
+            <a:r>
+              <a:rPr lang="en-IN" sz="1800" dirty="0" err="1"/>
+              <a:t>Kube</a:t>
+            </a:r>
+            <a:r>
+              <a:rPr lang="en-IN" sz="1800" dirty="0"/>
+              <a:t> Controller Manager</a:t>
+            </a:r>
+          </a:p>
+        </p:txBody>
+      </p:sp>
+      <p:sp>
+        <p:nvSpPr>
+          <p:cNvPr id="7" name="Rectangle 6">
+            <a:extLst>
+              <a:ext uri="{FF2B5EF4-FFF2-40B4-BE49-F238E27FC236}">
+                <a16:creationId xmlns:a16="http://schemas.microsoft.com/office/drawing/2014/main" id="{5DD2489E-5A2A-4FBF-9F64-78611E804517}"/>
+              </a:ext>
+            </a:extLst>
+          </p:cNvPr>
+          <p:cNvSpPr/>
+          <p:nvPr/>
+        </p:nvSpPr>
+        <p:spPr>
+          <a:xfrm>
+            <a:off x="3313751" y="2089942"/>
+            <a:ext cx="1469985" cy="1041721"/>
+          </a:xfrm>
+          <a:prstGeom prst="rect">
+            <a:avLst/>
+          </a:prstGeom>
+          <a:solidFill>
+            <a:schemeClr val="accent4">
+              <a:lumMod val="75000"/>
+            </a:schemeClr>
+          </a:solidFill>
+          <a:ln>
+            <a:noFill/>
+          </a:ln>
+        </p:spPr>
+        <p:style>
+          <a:lnRef idx="2">
+            <a:schemeClr val="accent1">
+              <a:shade val="50000"/>
+            </a:schemeClr>
+          </a:lnRef>
+          <a:fillRef idx="1">
+            <a:schemeClr val="accent1"/>
+          </a:fillRef>
+          <a:effectRef idx="0">
+            <a:schemeClr val="accent1"/>
+          </a:effectRef>
+          <a:fontRef idx="minor">
+            <a:schemeClr val="lt1"/>
+          </a:fontRef>
+        </p:style>
+        <p:txBody>
+          <a:bodyPr rtlCol="0" anchor="ctr"/>
+          <a:lstStyle/>
+          <a:p>
+            <a:pPr algn="ctr"/>
+            <a:r>
+              <a:rPr lang="en-IN" sz="1800" dirty="0"/>
+              <a:t>Cloud Controller Manager</a:t>
+            </a:r>
+          </a:p>
+        </p:txBody>
+      </p:sp>
+      <p:sp>
+        <p:nvSpPr>
+          <p:cNvPr id="8" name="Rectangle 7">
+            <a:extLst>
+              <a:ext uri="{FF2B5EF4-FFF2-40B4-BE49-F238E27FC236}">
+                <a16:creationId xmlns:a16="http://schemas.microsoft.com/office/drawing/2014/main" id="{D5113BCF-03A4-4A84-9818-3EBEDCF464AC}"/>
+              </a:ext>
+            </a:extLst>
+          </p:cNvPr>
+          <p:cNvSpPr/>
+          <p:nvPr/>
+        </p:nvSpPr>
+        <p:spPr>
+          <a:xfrm>
+            <a:off x="613457" y="3740392"/>
+            <a:ext cx="4170279" cy="584776"/>
+          </a:xfrm>
+          <a:prstGeom prst="rect">
+            <a:avLst/>
+          </a:prstGeom>
+          <a:solidFill>
+            <a:schemeClr val="tx1">
+              <a:lumMod val="95000"/>
+              <a:lumOff val="5000"/>
+            </a:schemeClr>
+          </a:solidFill>
+          <a:ln>
+            <a:noFill/>
+          </a:ln>
+        </p:spPr>
+        <p:style>
+          <a:lnRef idx="2">
+            <a:schemeClr val="accent1">
+              <a:shade val="50000"/>
+            </a:schemeClr>
+          </a:lnRef>
+          <a:fillRef idx="1">
+            <a:schemeClr val="accent1"/>
+          </a:fillRef>
+          <a:effectRef idx="0">
+            <a:schemeClr val="accent1"/>
+          </a:effectRef>
+          <a:fontRef idx="minor">
+            <a:schemeClr val="lt1"/>
+          </a:fontRef>
+        </p:style>
+        <p:txBody>
+          <a:bodyPr rtlCol="0" anchor="ctr"/>
+          <a:lstStyle/>
+          <a:p>
+            <a:pPr algn="ctr"/>
+            <a:r>
+              <a:rPr lang="en-IN" sz="1800" dirty="0" err="1"/>
+              <a:t>kube-apiserver</a:t>
+            </a:r>
+            <a:endParaRPr lang="en-IN" sz="1800" dirty="0"/>
+          </a:p>
+        </p:txBody>
+      </p:sp>
+      <p:sp>
+        <p:nvSpPr>
+          <p:cNvPr id="9" name="Rectangle 8">
+            <a:extLst>
+              <a:ext uri="{FF2B5EF4-FFF2-40B4-BE49-F238E27FC236}">
+                <a16:creationId xmlns:a16="http://schemas.microsoft.com/office/drawing/2014/main" id="{BD226CD4-907D-4280-AA42-EB153B5FFC39}"/>
+              </a:ext>
+            </a:extLst>
+          </p:cNvPr>
+          <p:cNvSpPr/>
+          <p:nvPr/>
+        </p:nvSpPr>
+        <p:spPr>
+          <a:xfrm>
+            <a:off x="3328434" y="5028792"/>
+            <a:ext cx="1469985" cy="1041721"/>
+          </a:xfrm>
+          <a:prstGeom prst="rect">
+            <a:avLst/>
+          </a:prstGeom>
+          <a:solidFill>
+            <a:schemeClr val="accent1">
+              <a:lumMod val="75000"/>
+            </a:schemeClr>
+          </a:solidFill>
+          <a:ln>
+            <a:noFill/>
+          </a:ln>
+        </p:spPr>
+        <p:style>
+          <a:lnRef idx="2">
+            <a:schemeClr val="accent1">
+              <a:shade val="50000"/>
+            </a:schemeClr>
+          </a:lnRef>
+          <a:fillRef idx="1">
+            <a:schemeClr val="accent1"/>
+          </a:fillRef>
+          <a:effectRef idx="0">
+            <a:schemeClr val="accent1"/>
+          </a:effectRef>
+          <a:fontRef idx="minor">
+            <a:schemeClr val="lt1"/>
+          </a:fontRef>
+        </p:style>
+        <p:txBody>
+          <a:bodyPr rtlCol="0" anchor="ctr"/>
+          <a:lstStyle/>
+          <a:p>
+            <a:pPr algn="ctr"/>
+            <a:r>
+              <a:rPr lang="en-IN" sz="1800" dirty="0" err="1"/>
+              <a:t>kube</a:t>
+            </a:r>
+            <a:r>
+              <a:rPr lang="en-IN" sz="1800" dirty="0"/>
+              <a:t>-scheduler</a:t>
+            </a:r>
+          </a:p>
+        </p:txBody>
+      </p:sp>
+      <p:sp>
+        <p:nvSpPr>
+          <p:cNvPr id="10" name="Rectangle 9">
+            <a:extLst>
+              <a:ext uri="{FF2B5EF4-FFF2-40B4-BE49-F238E27FC236}">
+                <a16:creationId xmlns:a16="http://schemas.microsoft.com/office/drawing/2014/main" id="{719629FC-2B11-45FC-A29A-4200DD758267}"/>
+              </a:ext>
+            </a:extLst>
+          </p:cNvPr>
+          <p:cNvSpPr/>
+          <p:nvPr/>
+        </p:nvSpPr>
+        <p:spPr>
+          <a:xfrm>
+            <a:off x="628139" y="5028792"/>
+            <a:ext cx="1469985" cy="1041721"/>
+          </a:xfrm>
+          <a:prstGeom prst="rect">
+            <a:avLst/>
+          </a:prstGeom>
+          <a:solidFill>
+            <a:schemeClr val="accent3">
+              <a:lumMod val="75000"/>
+            </a:schemeClr>
+          </a:solidFill>
+          <a:ln>
+            <a:noFill/>
+          </a:ln>
+        </p:spPr>
+        <p:style>
+          <a:lnRef idx="2">
+            <a:schemeClr val="accent1">
+              <a:shade val="50000"/>
+            </a:schemeClr>
+          </a:lnRef>
+          <a:fillRef idx="1">
+            <a:schemeClr val="accent1"/>
+          </a:fillRef>
+          <a:effectRef idx="0">
+            <a:schemeClr val="accent1"/>
+          </a:effectRef>
+          <a:fontRef idx="minor">
+            <a:schemeClr val="lt1"/>
+          </a:fontRef>
+        </p:style>
+        <p:txBody>
+          <a:bodyPr rtlCol="0" anchor="ctr"/>
+          <a:lstStyle/>
+          <a:p>
+            <a:pPr algn="ctr"/>
+            <a:r>
+              <a:rPr lang="en-IN" sz="1800" dirty="0" err="1"/>
+              <a:t>etcd</a:t>
+            </a:r>
+            <a:endParaRPr lang="en-IN" sz="1800" dirty="0"/>
+          </a:p>
+        </p:txBody>
+      </p:sp>
+      <p:sp>
+        <p:nvSpPr>
+          <p:cNvPr id="11" name="Rectangle 10">
+            <a:extLst>
+              <a:ext uri="{FF2B5EF4-FFF2-40B4-BE49-F238E27FC236}">
+                <a16:creationId xmlns:a16="http://schemas.microsoft.com/office/drawing/2014/main" id="{1C4D42D6-E191-4E9A-8951-F30AFFC6FC23}"/>
+              </a:ext>
+            </a:extLst>
+          </p:cNvPr>
+          <p:cNvSpPr/>
+          <p:nvPr/>
+        </p:nvSpPr>
+        <p:spPr>
+          <a:xfrm>
+            <a:off x="514322" y="6452547"/>
+            <a:ext cx="4420595" cy="393524"/>
+          </a:xfrm>
+          <a:prstGeom prst="rect">
+            <a:avLst/>
+          </a:prstGeom>
+          <a:solidFill>
+            <a:srgbClr val="00B050"/>
+          </a:solidFill>
+          <a:ln>
+            <a:noFill/>
+          </a:ln>
+        </p:spPr>
+        <p:style>
+          <a:lnRef idx="2">
+            <a:schemeClr val="accent1">
+              <a:shade val="50000"/>
+            </a:schemeClr>
+          </a:lnRef>
+          <a:fillRef idx="1">
+            <a:schemeClr val="accent1"/>
+          </a:fillRef>
+          <a:effectRef idx="0">
+            <a:schemeClr val="accent1"/>
+          </a:effectRef>
+          <a:fontRef idx="minor">
+            <a:schemeClr val="lt1"/>
+          </a:fontRef>
+        </p:style>
+        <p:txBody>
+          <a:bodyPr rtlCol="0" anchor="ctr"/>
+          <a:lstStyle/>
+          <a:p>
+            <a:pPr algn="ctr"/>
+            <a:r>
+              <a:rPr lang="en-IN" sz="1800" dirty="0"/>
+              <a:t>Container Runtime (Docker)</a:t>
+            </a:r>
+          </a:p>
+        </p:txBody>
+      </p:sp>
+      <p:sp>
+        <p:nvSpPr>
+          <p:cNvPr id="12" name="TextBox 11">
+            <a:extLst>
+              <a:ext uri="{FF2B5EF4-FFF2-40B4-BE49-F238E27FC236}">
+                <a16:creationId xmlns:a16="http://schemas.microsoft.com/office/drawing/2014/main" id="{00DEE5A2-B43E-4F4B-8DB4-AEE0FC54A5F6}"/>
+              </a:ext>
+            </a:extLst>
+          </p:cNvPr>
+          <p:cNvSpPr txBox="1"/>
+          <p:nvPr/>
+        </p:nvSpPr>
+        <p:spPr>
+          <a:xfrm>
+            <a:off x="2083442" y="1369113"/>
+            <a:ext cx="1461234" cy="584775"/>
+          </a:xfrm>
+          <a:prstGeom prst="rect">
+            <a:avLst/>
+          </a:prstGeom>
+          <a:noFill/>
+        </p:spPr>
+        <p:txBody>
+          <a:bodyPr wrap="none" rtlCol="0">
+            <a:spAutoFit/>
+          </a:bodyPr>
+          <a:lstStyle/>
+          <a:p>
+            <a:r>
+              <a:rPr lang="en-IN" sz="3200" dirty="0">
+                <a:solidFill>
+                  <a:srgbClr val="0070C0"/>
+                </a:solidFill>
+              </a:rPr>
+              <a:t>Master </a:t>
+            </a:r>
+          </a:p>
+        </p:txBody>
+      </p:sp>
+      <p:sp>
+        <p:nvSpPr>
+          <p:cNvPr id="32" name="Rectangle 31">
+            <a:extLst>
+              <a:ext uri="{FF2B5EF4-FFF2-40B4-BE49-F238E27FC236}">
+                <a16:creationId xmlns:a16="http://schemas.microsoft.com/office/drawing/2014/main" id="{EC62D69E-22E7-423F-B81E-31C29DDEE0C5}"/>
+              </a:ext>
+            </a:extLst>
+          </p:cNvPr>
+          <p:cNvSpPr/>
+          <p:nvPr/>
+        </p:nvSpPr>
+        <p:spPr>
+          <a:xfrm>
+            <a:off x="3177551" y="1977482"/>
+            <a:ext cx="1713620" cy="1273215"/>
+          </a:xfrm>
+          <a:prstGeom prst="rect">
+            <a:avLst/>
+          </a:prstGeom>
+          <a:noFill/>
+          <a:ln w="31750">
+            <a:solidFill>
+              <a:schemeClr val="accent4">
+                <a:lumMod val="75000"/>
+              </a:schemeClr>
+            </a:solidFill>
+          </a:ln>
+        </p:spPr>
+        <p:style>
+          <a:lnRef idx="2">
+            <a:schemeClr val="accent1">
+              <a:shade val="50000"/>
+            </a:schemeClr>
+          </a:lnRef>
+          <a:fillRef idx="1">
+            <a:schemeClr val="accent1"/>
+          </a:fillRef>
+          <a:effectRef idx="0">
+            <a:schemeClr val="accent1"/>
+          </a:effectRef>
+          <a:fontRef idx="minor">
+            <a:schemeClr val="lt1"/>
+          </a:fontRef>
+        </p:style>
+        <p:txBody>
+          <a:bodyPr rtlCol="0" anchor="ctr"/>
+          <a:lstStyle/>
+          <a:p>
+            <a:pPr algn="ctr"/>
+            <a:endParaRPr lang="en-IN"/>
+          </a:p>
+        </p:txBody>
+      </p:sp>
+      <p:sp>
+        <p:nvSpPr>
+          <p:cNvPr id="37" name="Rectangle 36">
+            <a:extLst>
+              <a:ext uri="{FF2B5EF4-FFF2-40B4-BE49-F238E27FC236}">
+                <a16:creationId xmlns:a16="http://schemas.microsoft.com/office/drawing/2014/main" id="{FDB7ABAC-3B9D-4C8B-8D8F-BAD420920277}"/>
+              </a:ext>
+            </a:extLst>
+          </p:cNvPr>
+          <p:cNvSpPr/>
+          <p:nvPr/>
+        </p:nvSpPr>
+        <p:spPr>
+          <a:xfrm>
+            <a:off x="499640" y="1967851"/>
+            <a:ext cx="1713620" cy="1273215"/>
+          </a:xfrm>
+          <a:prstGeom prst="rect">
+            <a:avLst/>
+          </a:prstGeom>
+          <a:noFill/>
+          <a:ln w="31750">
+            <a:solidFill>
+              <a:schemeClr val="accent2">
+                <a:lumMod val="75000"/>
+              </a:schemeClr>
+            </a:solidFill>
+          </a:ln>
+        </p:spPr>
+        <p:style>
+          <a:lnRef idx="2">
+            <a:schemeClr val="accent1">
+              <a:shade val="50000"/>
+            </a:schemeClr>
+          </a:lnRef>
+          <a:fillRef idx="1">
+            <a:schemeClr val="accent1"/>
+          </a:fillRef>
+          <a:effectRef idx="0">
+            <a:schemeClr val="accent1"/>
+          </a:effectRef>
+          <a:fontRef idx="minor">
+            <a:schemeClr val="lt1"/>
+          </a:fontRef>
+        </p:style>
+        <p:txBody>
+          <a:bodyPr rtlCol="0" anchor="ctr"/>
+          <a:lstStyle/>
+          <a:p>
+            <a:pPr algn="ctr"/>
+            <a:endParaRPr lang="en-IN"/>
+          </a:p>
+        </p:txBody>
+      </p:sp>
+      <p:sp>
+        <p:nvSpPr>
+          <p:cNvPr id="38" name="Rectangle 37">
+            <a:extLst>
+              <a:ext uri="{FF2B5EF4-FFF2-40B4-BE49-F238E27FC236}">
+                <a16:creationId xmlns:a16="http://schemas.microsoft.com/office/drawing/2014/main" id="{4390C2FE-1053-4A1B-A56F-DF605F5B1E33}"/>
+              </a:ext>
+            </a:extLst>
+          </p:cNvPr>
+          <p:cNvSpPr/>
+          <p:nvPr/>
+        </p:nvSpPr>
+        <p:spPr>
+          <a:xfrm>
+            <a:off x="511496" y="3589230"/>
+            <a:ext cx="4368099" cy="894949"/>
+          </a:xfrm>
+          <a:prstGeom prst="rect">
+            <a:avLst/>
+          </a:prstGeom>
+          <a:noFill/>
+          <a:ln w="31750">
+            <a:solidFill>
+              <a:schemeClr val="tx1">
+                <a:lumMod val="95000"/>
+                <a:lumOff val="5000"/>
+              </a:schemeClr>
+            </a:solidFill>
+          </a:ln>
+        </p:spPr>
+        <p:style>
+          <a:lnRef idx="2">
+            <a:schemeClr val="accent1">
+              <a:shade val="50000"/>
+            </a:schemeClr>
+          </a:lnRef>
+          <a:fillRef idx="1">
+            <a:schemeClr val="accent1"/>
+          </a:fillRef>
+          <a:effectRef idx="0">
+            <a:schemeClr val="accent1"/>
+          </a:effectRef>
+          <a:fontRef idx="minor">
+            <a:schemeClr val="lt1"/>
+          </a:fontRef>
+        </p:style>
+        <p:txBody>
+          <a:bodyPr rtlCol="0" anchor="ctr"/>
+          <a:lstStyle/>
+          <a:p>
+            <a:pPr algn="ctr"/>
+            <a:endParaRPr lang="en-IN"/>
+          </a:p>
+        </p:txBody>
+      </p:sp>
+      <p:sp>
+        <p:nvSpPr>
+          <p:cNvPr id="39" name="Rectangle 38">
+            <a:extLst>
+              <a:ext uri="{FF2B5EF4-FFF2-40B4-BE49-F238E27FC236}">
+                <a16:creationId xmlns:a16="http://schemas.microsoft.com/office/drawing/2014/main" id="{6AD6185F-F358-4C5D-B77D-3D8A625E0F76}"/>
+              </a:ext>
+            </a:extLst>
+          </p:cNvPr>
+          <p:cNvSpPr/>
+          <p:nvPr/>
+        </p:nvSpPr>
+        <p:spPr>
+          <a:xfrm>
+            <a:off x="514322" y="4908748"/>
+            <a:ext cx="1713620" cy="1273215"/>
+          </a:xfrm>
+          <a:prstGeom prst="rect">
+            <a:avLst/>
+          </a:prstGeom>
+          <a:noFill/>
+          <a:ln w="31750">
+            <a:solidFill>
+              <a:schemeClr val="accent3">
+                <a:lumMod val="75000"/>
+              </a:schemeClr>
+            </a:solidFill>
+          </a:ln>
+        </p:spPr>
+        <p:style>
+          <a:lnRef idx="2">
+            <a:schemeClr val="accent1">
+              <a:shade val="50000"/>
+            </a:schemeClr>
+          </a:lnRef>
+          <a:fillRef idx="1">
+            <a:schemeClr val="accent1"/>
+          </a:fillRef>
+          <a:effectRef idx="0">
+            <a:schemeClr val="accent1"/>
+          </a:effectRef>
+          <a:fontRef idx="minor">
+            <a:schemeClr val="lt1"/>
+          </a:fontRef>
+        </p:style>
+        <p:txBody>
+          <a:bodyPr rtlCol="0" anchor="ctr"/>
+          <a:lstStyle/>
+          <a:p>
+            <a:pPr algn="ctr"/>
+            <a:endParaRPr lang="en-IN"/>
+          </a:p>
+        </p:txBody>
+      </p:sp>
+      <p:sp>
+        <p:nvSpPr>
+          <p:cNvPr id="40" name="Rectangle 39">
+            <a:extLst>
+              <a:ext uri="{FF2B5EF4-FFF2-40B4-BE49-F238E27FC236}">
+                <a16:creationId xmlns:a16="http://schemas.microsoft.com/office/drawing/2014/main" id="{3D733293-C1C6-4E0B-AB61-6DE8894C4EC8}"/>
+              </a:ext>
+            </a:extLst>
+          </p:cNvPr>
+          <p:cNvSpPr/>
+          <p:nvPr/>
+        </p:nvSpPr>
+        <p:spPr>
+          <a:xfrm>
+            <a:off x="3206615" y="4908748"/>
+            <a:ext cx="1713620" cy="1273215"/>
+          </a:xfrm>
+          <a:prstGeom prst="rect">
+            <a:avLst/>
+          </a:prstGeom>
+          <a:noFill/>
+          <a:ln w="31750">
+            <a:solidFill>
+              <a:schemeClr val="accent1">
+                <a:lumMod val="75000"/>
+              </a:schemeClr>
+            </a:solidFill>
+          </a:ln>
+        </p:spPr>
+        <p:style>
+          <a:lnRef idx="2">
+            <a:schemeClr val="accent1">
+              <a:shade val="50000"/>
+            </a:schemeClr>
+          </a:lnRef>
+          <a:fillRef idx="1">
+            <a:schemeClr val="accent1"/>
+          </a:fillRef>
+          <a:effectRef idx="0">
+            <a:schemeClr val="accent1"/>
+          </a:effectRef>
+          <a:fontRef idx="minor">
+            <a:schemeClr val="lt1"/>
+          </a:fontRef>
+        </p:style>
+        <p:txBody>
+          <a:bodyPr rtlCol="0" anchor="ctr"/>
+          <a:lstStyle/>
+          <a:p>
+            <a:pPr algn="ctr"/>
+            <a:endParaRPr lang="en-IN"/>
+          </a:p>
+        </p:txBody>
+      </p:sp>
+      <p:sp>
+        <p:nvSpPr>
+          <p:cNvPr id="50" name="Content Placeholder 2">
+            <a:extLst>
+              <a:ext uri="{FF2B5EF4-FFF2-40B4-BE49-F238E27FC236}">
+                <a16:creationId xmlns:a16="http://schemas.microsoft.com/office/drawing/2014/main" id="{9B34FA18-BECA-4707-891C-9C1672B52BD5}"/>
+              </a:ext>
+            </a:extLst>
+          </p:cNvPr>
+          <p:cNvSpPr>
+            <a:spLocks noGrp="1"/>
+          </p:cNvSpPr>
+          <p:nvPr>
+            <p:ph idx="1"/>
+          </p:nvPr>
+        </p:nvSpPr>
+        <p:spPr>
+          <a:xfrm>
+            <a:off x="5416952" y="1369113"/>
+            <a:ext cx="8207608" cy="6043242"/>
+          </a:xfrm>
+        </p:spPr>
+        <p:txBody>
+          <a:bodyPr>
+            <a:normAutofit fontScale="92500" lnSpcReduction="10000"/>
+          </a:bodyPr>
+          <a:lstStyle/>
+          <a:p>
+            <a:r>
+              <a:rPr lang="en-IN" dirty="0" err="1">
+                <a:solidFill>
+                  <a:schemeClr val="accent6">
+                    <a:lumMod val="75000"/>
+                  </a:schemeClr>
+                </a:solidFill>
+              </a:rPr>
+              <a:t>kube</a:t>
+            </a:r>
+            <a:r>
+              <a:rPr lang="en-IN" dirty="0">
+                <a:solidFill>
+                  <a:schemeClr val="accent6">
+                    <a:lumMod val="75000"/>
+                  </a:schemeClr>
+                </a:solidFill>
+              </a:rPr>
+              <a:t>-controller-manager</a:t>
+            </a:r>
+          </a:p>
+          <a:p>
+            <a:pPr lvl="1"/>
+            <a:r>
+              <a:rPr lang="en-US" dirty="0"/>
+              <a:t>Controllers are responsible for noticing and responding when nodes, containers or endpoints go down. They make decisions to bring up new containers in such cases. </a:t>
+            </a:r>
+          </a:p>
+          <a:p>
+            <a:pPr lvl="1"/>
+            <a:r>
+              <a:rPr lang="en-US" dirty="0">
+                <a:solidFill>
+                  <a:schemeClr val="accent6">
+                    <a:lumMod val="75000"/>
+                  </a:schemeClr>
+                </a:solidFill>
+              </a:rPr>
+              <a:t>Node Controller: </a:t>
+            </a:r>
+            <a:r>
+              <a:rPr lang="en-US" dirty="0"/>
+              <a:t>Responsible for noticing and responding when </a:t>
+            </a:r>
+            <a:r>
+              <a:rPr lang="en-US" dirty="0">
+                <a:solidFill>
+                  <a:srgbClr val="0070C0"/>
+                </a:solidFill>
+              </a:rPr>
+              <a:t>nodes go down</a:t>
+            </a:r>
+            <a:r>
+              <a:rPr lang="en-US" dirty="0"/>
+              <a:t>. </a:t>
+            </a:r>
+          </a:p>
+          <a:p>
+            <a:pPr lvl="1"/>
+            <a:r>
+              <a:rPr lang="en-US" dirty="0">
+                <a:solidFill>
+                  <a:schemeClr val="accent6">
+                    <a:lumMod val="75000"/>
+                  </a:schemeClr>
+                </a:solidFill>
+              </a:rPr>
+              <a:t>Replication Controller: </a:t>
+            </a:r>
+            <a:r>
+              <a:rPr lang="en-US" dirty="0"/>
+              <a:t>Responsible for maintaining the </a:t>
+            </a:r>
+            <a:r>
+              <a:rPr lang="en-US" dirty="0">
+                <a:solidFill>
+                  <a:srgbClr val="0070C0"/>
+                </a:solidFill>
+              </a:rPr>
+              <a:t>correct number of pods</a:t>
+            </a:r>
+            <a:r>
+              <a:rPr lang="en-US" dirty="0"/>
+              <a:t> for every replication controller object in the system.</a:t>
+            </a:r>
+          </a:p>
+          <a:p>
+            <a:pPr lvl="1"/>
+            <a:r>
+              <a:rPr lang="en-US" dirty="0">
+                <a:solidFill>
+                  <a:schemeClr val="accent6">
+                    <a:lumMod val="75000"/>
+                  </a:schemeClr>
+                </a:solidFill>
+              </a:rPr>
+              <a:t>Endpoints Controller:  </a:t>
+            </a:r>
+            <a:r>
+              <a:rPr lang="en-US" dirty="0">
+                <a:solidFill>
+                  <a:srgbClr val="0070C0"/>
+                </a:solidFill>
+              </a:rPr>
+              <a:t>Populates</a:t>
+            </a:r>
+            <a:r>
+              <a:rPr lang="en-US" dirty="0"/>
+              <a:t> the Endpoints object (that is, joins Services &amp; Pods)</a:t>
+            </a:r>
+          </a:p>
+          <a:p>
+            <a:pPr lvl="1"/>
+            <a:r>
+              <a:rPr lang="en-US" dirty="0">
+                <a:solidFill>
+                  <a:schemeClr val="accent6">
+                    <a:lumMod val="75000"/>
+                  </a:schemeClr>
+                </a:solidFill>
+              </a:rPr>
+              <a:t>Service Account &amp; Token Controller: </a:t>
+            </a:r>
+            <a:r>
+              <a:rPr lang="en-US" dirty="0"/>
+              <a:t>Creates default accounts and API Access for </a:t>
+            </a:r>
+            <a:r>
+              <a:rPr lang="en-US" dirty="0">
+                <a:solidFill>
+                  <a:srgbClr val="0070C0"/>
+                </a:solidFill>
+              </a:rPr>
+              <a:t>new namespaces</a:t>
+            </a:r>
+            <a:r>
+              <a:rPr lang="en-US" dirty="0"/>
+              <a:t>. </a:t>
+            </a:r>
+            <a:br>
+              <a:rPr lang="en-IN" dirty="0"/>
+            </a:br>
+            <a:br>
+              <a:rPr lang="en-US" dirty="0"/>
+            </a:br>
+            <a:endParaRPr lang="en-IN" dirty="0"/>
+          </a:p>
+          <a:p>
+            <a:pPr lvl="1"/>
+            <a:endParaRPr lang="en-IN" dirty="0"/>
+          </a:p>
+        </p:txBody>
+      </p:sp>
+    </p:spTree>
+    <p:extLst>
+      <p:ext uri="{BB962C8B-B14F-4D97-AF65-F5344CB8AC3E}">
+        <p14:creationId xmlns:p14="http://schemas.microsoft.com/office/powerpoint/2010/main" val="1315774747"/>
+      </p:ext>
+    </p:extLst>
+  </p:cSld>
+  <p:clrMapOvr>
+    <a:masterClrMapping/>
+  </p:clrMapOvr>
+</p:sld>
+</file>
+
+<file path=ppt/slides/slide14.xml><?xml version="1.0" encoding="utf-8"?>
+<p:sld xmlns:a="http://schemas.openxmlformats.org/drawingml/2006/main" xmlns:r="http://schemas.openxmlformats.org/officeDocument/2006/relationships" xmlns:p="http://schemas.openxmlformats.org/presentationml/2006/main">
+  <p:cSld>
+    <p:spTree>
+      <p:nvGrpSpPr>
+        <p:cNvPr id="1" name=""/>
+        <p:cNvGrpSpPr/>
+        <p:nvPr/>
+      </p:nvGrpSpPr>
+      <p:grpSpPr>
+        <a:xfrm>
+          <a:off x="0" y="0"/>
+          <a:ext cx="0" cy="0"/>
+          <a:chOff x="0" y="0"/>
+          <a:chExt cx="0" cy="0"/>
+        </a:xfrm>
+      </p:grpSpPr>
+      <p:sp>
+        <p:nvSpPr>
+          <p:cNvPr id="2" name="Footer Placeholder 1">
+            <a:extLst>
+              <a:ext uri="{FF2B5EF4-FFF2-40B4-BE49-F238E27FC236}">
+                <a16:creationId xmlns:a16="http://schemas.microsoft.com/office/drawing/2014/main" id="{78819D0E-61B2-4717-949A-53CE5D358278}"/>
+              </a:ext>
+            </a:extLst>
+          </p:cNvPr>
+          <p:cNvSpPr>
+            <a:spLocks noGrp="1"/>
+          </p:cNvSpPr>
+          <p:nvPr>
+            <p:ph type="ftr" sz="quarter" idx="10"/>
+          </p:nvPr>
+        </p:nvSpPr>
+        <p:spPr/>
+        <p:txBody>
+          <a:bodyPr/>
+          <a:lstStyle/>
+          <a:p>
+            <a:pPr algn="l"/>
+            <a:r>
+              <a:rPr lang="en-US" dirty="0"/>
+              <a:t>© Kalyan Reddy </a:t>
+            </a:r>
+            <a:r>
+              <a:rPr lang="en-US" dirty="0" err="1"/>
+              <a:t>Daida</a:t>
+            </a:r>
+            <a:endParaRPr lang="en-GB" dirty="0"/>
+          </a:p>
+        </p:txBody>
+      </p:sp>
+      <p:sp>
+        <p:nvSpPr>
+          <p:cNvPr id="4" name="Title 3">
+            <a:extLst>
+              <a:ext uri="{FF2B5EF4-FFF2-40B4-BE49-F238E27FC236}">
+                <a16:creationId xmlns:a16="http://schemas.microsoft.com/office/drawing/2014/main" id="{F8840114-9439-4B2E-A512-1F12425EB200}"/>
+              </a:ext>
+            </a:extLst>
+          </p:cNvPr>
+          <p:cNvSpPr>
+            <a:spLocks noGrp="1"/>
+          </p:cNvSpPr>
+          <p:nvPr>
+            <p:ph type="title"/>
+          </p:nvPr>
+        </p:nvSpPr>
+        <p:spPr>
+          <a:xfrm>
+            <a:off x="1039407" y="-145598"/>
+            <a:ext cx="12618720" cy="1188851"/>
+          </a:xfrm>
+        </p:spPr>
+        <p:txBody>
+          <a:bodyPr/>
+          <a:lstStyle/>
+          <a:p>
+            <a:r>
+              <a:rPr lang="en-IN" dirty="0"/>
+              <a:t>Kubernetes Architecture - </a:t>
+            </a:r>
+            <a:r>
+              <a:rPr lang="en-IN" dirty="0">
+                <a:solidFill>
+                  <a:srgbClr val="00B050"/>
+                </a:solidFill>
+              </a:rPr>
+              <a:t>Master</a:t>
+            </a:r>
+          </a:p>
+        </p:txBody>
+      </p:sp>
+      <p:sp>
+        <p:nvSpPr>
+          <p:cNvPr id="5" name="Rectangle 4">
+            <a:extLst>
+              <a:ext uri="{FF2B5EF4-FFF2-40B4-BE49-F238E27FC236}">
+                <a16:creationId xmlns:a16="http://schemas.microsoft.com/office/drawing/2014/main" id="{119EBDD3-C074-4FD1-90DE-DBEA7232FDD0}"/>
+              </a:ext>
+            </a:extLst>
+          </p:cNvPr>
+          <p:cNvSpPr/>
+          <p:nvPr/>
+        </p:nvSpPr>
+        <p:spPr>
+          <a:xfrm>
+            <a:off x="297349" y="1369113"/>
+            <a:ext cx="4761187" cy="5747543"/>
+          </a:xfrm>
+          <a:prstGeom prst="rect">
+            <a:avLst/>
+          </a:prstGeom>
+          <a:noFill/>
+          <a:ln w="63500">
+            <a:solidFill>
+              <a:srgbClr val="0070C0"/>
+            </a:solidFill>
+          </a:ln>
+        </p:spPr>
+        <p:style>
+          <a:lnRef idx="2">
+            <a:schemeClr val="accent1">
+              <a:shade val="50000"/>
+            </a:schemeClr>
+          </a:lnRef>
+          <a:fillRef idx="1">
+            <a:schemeClr val="accent1"/>
+          </a:fillRef>
+          <a:effectRef idx="0">
+            <a:schemeClr val="accent1"/>
+          </a:effectRef>
+          <a:fontRef idx="minor">
+            <a:schemeClr val="lt1"/>
+          </a:fontRef>
+        </p:style>
+        <p:txBody>
+          <a:bodyPr rtlCol="0" anchor="ctr"/>
+          <a:lstStyle/>
+          <a:p>
+            <a:pPr algn="ctr"/>
+            <a:endParaRPr lang="en-IN"/>
+          </a:p>
+        </p:txBody>
+      </p:sp>
+      <p:sp>
+        <p:nvSpPr>
+          <p:cNvPr id="6" name="Rectangle 5">
+            <a:extLst>
+              <a:ext uri="{FF2B5EF4-FFF2-40B4-BE49-F238E27FC236}">
+                <a16:creationId xmlns:a16="http://schemas.microsoft.com/office/drawing/2014/main" id="{5A4B9D87-4A32-4603-9B2B-8992F516F95E}"/>
+              </a:ext>
+            </a:extLst>
+          </p:cNvPr>
+          <p:cNvSpPr/>
+          <p:nvPr/>
+        </p:nvSpPr>
+        <p:spPr>
+          <a:xfrm>
+            <a:off x="613457" y="2086070"/>
+            <a:ext cx="1469985" cy="1041721"/>
+          </a:xfrm>
+          <a:prstGeom prst="rect">
+            <a:avLst/>
+          </a:prstGeom>
+          <a:solidFill>
+            <a:schemeClr val="accent2">
+              <a:lumMod val="75000"/>
+            </a:schemeClr>
+          </a:solidFill>
+          <a:ln>
+            <a:noFill/>
+          </a:ln>
+        </p:spPr>
+        <p:style>
+          <a:lnRef idx="2">
+            <a:schemeClr val="accent1">
+              <a:shade val="50000"/>
+            </a:schemeClr>
+          </a:lnRef>
+          <a:fillRef idx="1">
+            <a:schemeClr val="accent1"/>
+          </a:fillRef>
+          <a:effectRef idx="0">
+            <a:schemeClr val="accent1"/>
+          </a:effectRef>
+          <a:fontRef idx="minor">
+            <a:schemeClr val="lt1"/>
+          </a:fontRef>
+        </p:style>
+        <p:txBody>
+          <a:bodyPr rtlCol="0" anchor="ctr"/>
+          <a:lstStyle/>
+          <a:p>
+            <a:pPr algn="ctr"/>
+            <a:r>
+              <a:rPr lang="en-IN" sz="1800" dirty="0" err="1"/>
+              <a:t>Kube</a:t>
+            </a:r>
+            <a:r>
+              <a:rPr lang="en-IN" sz="1800" dirty="0"/>
+              <a:t> Controller Manager</a:t>
+            </a:r>
+          </a:p>
+        </p:txBody>
+      </p:sp>
+      <p:sp>
+        <p:nvSpPr>
+          <p:cNvPr id="7" name="Rectangle 6">
+            <a:extLst>
+              <a:ext uri="{FF2B5EF4-FFF2-40B4-BE49-F238E27FC236}">
+                <a16:creationId xmlns:a16="http://schemas.microsoft.com/office/drawing/2014/main" id="{5DD2489E-5A2A-4FBF-9F64-78611E804517}"/>
+              </a:ext>
+            </a:extLst>
+          </p:cNvPr>
+          <p:cNvSpPr/>
+          <p:nvPr/>
+        </p:nvSpPr>
+        <p:spPr>
+          <a:xfrm>
+            <a:off x="3313751" y="2089942"/>
+            <a:ext cx="1469985" cy="1041721"/>
+          </a:xfrm>
+          <a:prstGeom prst="rect">
+            <a:avLst/>
+          </a:prstGeom>
+          <a:solidFill>
+            <a:schemeClr val="accent4">
+              <a:lumMod val="75000"/>
+            </a:schemeClr>
+          </a:solidFill>
+          <a:ln>
+            <a:noFill/>
+          </a:ln>
+        </p:spPr>
+        <p:style>
+          <a:lnRef idx="2">
+            <a:schemeClr val="accent1">
+              <a:shade val="50000"/>
+            </a:schemeClr>
+          </a:lnRef>
+          <a:fillRef idx="1">
+            <a:schemeClr val="accent1"/>
+          </a:fillRef>
+          <a:effectRef idx="0">
+            <a:schemeClr val="accent1"/>
+          </a:effectRef>
+          <a:fontRef idx="minor">
+            <a:schemeClr val="lt1"/>
+          </a:fontRef>
+        </p:style>
+        <p:txBody>
+          <a:bodyPr rtlCol="0" anchor="ctr"/>
+          <a:lstStyle/>
+          <a:p>
+            <a:pPr algn="ctr"/>
+            <a:r>
+              <a:rPr lang="en-IN" sz="1800" dirty="0"/>
+              <a:t>Cloud Controller Manager</a:t>
+            </a:r>
+          </a:p>
+        </p:txBody>
+      </p:sp>
+      <p:sp>
+        <p:nvSpPr>
+          <p:cNvPr id="8" name="Rectangle 7">
+            <a:extLst>
+              <a:ext uri="{FF2B5EF4-FFF2-40B4-BE49-F238E27FC236}">
+                <a16:creationId xmlns:a16="http://schemas.microsoft.com/office/drawing/2014/main" id="{D5113BCF-03A4-4A84-9818-3EBEDCF464AC}"/>
+              </a:ext>
+            </a:extLst>
+          </p:cNvPr>
+          <p:cNvSpPr/>
+          <p:nvPr/>
+        </p:nvSpPr>
+        <p:spPr>
+          <a:xfrm>
+            <a:off x="613457" y="3740392"/>
+            <a:ext cx="4170279" cy="584776"/>
+          </a:xfrm>
+          <a:prstGeom prst="rect">
+            <a:avLst/>
+          </a:prstGeom>
+          <a:solidFill>
+            <a:schemeClr val="tx1">
+              <a:lumMod val="95000"/>
+              <a:lumOff val="5000"/>
+            </a:schemeClr>
+          </a:solidFill>
+          <a:ln>
+            <a:noFill/>
+          </a:ln>
+        </p:spPr>
+        <p:style>
+          <a:lnRef idx="2">
+            <a:schemeClr val="accent1">
+              <a:shade val="50000"/>
+            </a:schemeClr>
+          </a:lnRef>
+          <a:fillRef idx="1">
+            <a:schemeClr val="accent1"/>
+          </a:fillRef>
+          <a:effectRef idx="0">
+            <a:schemeClr val="accent1"/>
+          </a:effectRef>
+          <a:fontRef idx="minor">
+            <a:schemeClr val="lt1"/>
+          </a:fontRef>
+        </p:style>
+        <p:txBody>
+          <a:bodyPr rtlCol="0" anchor="ctr"/>
+          <a:lstStyle/>
+          <a:p>
+            <a:pPr algn="ctr"/>
+            <a:r>
+              <a:rPr lang="en-IN" sz="1800" dirty="0" err="1"/>
+              <a:t>kube-apiserver</a:t>
+            </a:r>
+            <a:endParaRPr lang="en-IN" sz="1800" dirty="0"/>
+          </a:p>
+        </p:txBody>
+      </p:sp>
+      <p:sp>
+        <p:nvSpPr>
+          <p:cNvPr id="9" name="Rectangle 8">
+            <a:extLst>
+              <a:ext uri="{FF2B5EF4-FFF2-40B4-BE49-F238E27FC236}">
+                <a16:creationId xmlns:a16="http://schemas.microsoft.com/office/drawing/2014/main" id="{BD226CD4-907D-4280-AA42-EB153B5FFC39}"/>
+              </a:ext>
+            </a:extLst>
+          </p:cNvPr>
+          <p:cNvSpPr/>
+          <p:nvPr/>
+        </p:nvSpPr>
+        <p:spPr>
+          <a:xfrm>
+            <a:off x="3328434" y="5028792"/>
+            <a:ext cx="1469985" cy="1041721"/>
+          </a:xfrm>
+          <a:prstGeom prst="rect">
+            <a:avLst/>
+          </a:prstGeom>
+          <a:solidFill>
+            <a:schemeClr val="accent1">
+              <a:lumMod val="75000"/>
+            </a:schemeClr>
+          </a:solidFill>
+          <a:ln>
+            <a:noFill/>
+          </a:ln>
+        </p:spPr>
+        <p:style>
+          <a:lnRef idx="2">
+            <a:schemeClr val="accent1">
+              <a:shade val="50000"/>
+            </a:schemeClr>
+          </a:lnRef>
+          <a:fillRef idx="1">
+            <a:schemeClr val="accent1"/>
+          </a:fillRef>
+          <a:effectRef idx="0">
+            <a:schemeClr val="accent1"/>
+          </a:effectRef>
+          <a:fontRef idx="minor">
+            <a:schemeClr val="lt1"/>
+          </a:fontRef>
+        </p:style>
+        <p:txBody>
+          <a:bodyPr rtlCol="0" anchor="ctr"/>
+          <a:lstStyle/>
+          <a:p>
+            <a:pPr algn="ctr"/>
+            <a:r>
+              <a:rPr lang="en-IN" sz="1800" dirty="0" err="1"/>
+              <a:t>kube</a:t>
+            </a:r>
+            <a:r>
+              <a:rPr lang="en-IN" sz="1800" dirty="0"/>
+              <a:t>-scheduler</a:t>
+            </a:r>
+          </a:p>
+        </p:txBody>
+      </p:sp>
+      <p:sp>
+        <p:nvSpPr>
+          <p:cNvPr id="10" name="Rectangle 9">
+            <a:extLst>
+              <a:ext uri="{FF2B5EF4-FFF2-40B4-BE49-F238E27FC236}">
+                <a16:creationId xmlns:a16="http://schemas.microsoft.com/office/drawing/2014/main" id="{719629FC-2B11-45FC-A29A-4200DD758267}"/>
+              </a:ext>
+            </a:extLst>
+          </p:cNvPr>
+          <p:cNvSpPr/>
+          <p:nvPr/>
+        </p:nvSpPr>
+        <p:spPr>
+          <a:xfrm>
+            <a:off x="628139" y="5028792"/>
+            <a:ext cx="1469985" cy="1041721"/>
+          </a:xfrm>
+          <a:prstGeom prst="rect">
+            <a:avLst/>
+          </a:prstGeom>
+          <a:solidFill>
+            <a:schemeClr val="accent3">
+              <a:lumMod val="75000"/>
+            </a:schemeClr>
+          </a:solidFill>
+          <a:ln>
+            <a:noFill/>
+          </a:ln>
+        </p:spPr>
+        <p:style>
+          <a:lnRef idx="2">
+            <a:schemeClr val="accent1">
+              <a:shade val="50000"/>
+            </a:schemeClr>
+          </a:lnRef>
+          <a:fillRef idx="1">
+            <a:schemeClr val="accent1"/>
+          </a:fillRef>
+          <a:effectRef idx="0">
+            <a:schemeClr val="accent1"/>
+          </a:effectRef>
+          <a:fontRef idx="minor">
+            <a:schemeClr val="lt1"/>
+          </a:fontRef>
+        </p:style>
+        <p:txBody>
+          <a:bodyPr rtlCol="0" anchor="ctr"/>
+          <a:lstStyle/>
+          <a:p>
+            <a:pPr algn="ctr"/>
+            <a:r>
+              <a:rPr lang="en-IN" sz="1800" dirty="0" err="1"/>
+              <a:t>etcd</a:t>
+            </a:r>
+            <a:endParaRPr lang="en-IN" sz="1800" dirty="0"/>
+          </a:p>
+        </p:txBody>
+      </p:sp>
+      <p:sp>
+        <p:nvSpPr>
+          <p:cNvPr id="11" name="Rectangle 10">
+            <a:extLst>
+              <a:ext uri="{FF2B5EF4-FFF2-40B4-BE49-F238E27FC236}">
+                <a16:creationId xmlns:a16="http://schemas.microsoft.com/office/drawing/2014/main" id="{1C4D42D6-E191-4E9A-8951-F30AFFC6FC23}"/>
+              </a:ext>
+            </a:extLst>
+          </p:cNvPr>
+          <p:cNvSpPr/>
+          <p:nvPr/>
+        </p:nvSpPr>
+        <p:spPr>
+          <a:xfrm>
+            <a:off x="514322" y="6452547"/>
+            <a:ext cx="4420595" cy="393524"/>
+          </a:xfrm>
+          <a:prstGeom prst="rect">
+            <a:avLst/>
+          </a:prstGeom>
+          <a:solidFill>
+            <a:srgbClr val="00B050"/>
+          </a:solidFill>
+          <a:ln>
+            <a:noFill/>
+          </a:ln>
+        </p:spPr>
+        <p:style>
+          <a:lnRef idx="2">
+            <a:schemeClr val="accent1">
+              <a:shade val="50000"/>
+            </a:schemeClr>
+          </a:lnRef>
+          <a:fillRef idx="1">
+            <a:schemeClr val="accent1"/>
+          </a:fillRef>
+          <a:effectRef idx="0">
+            <a:schemeClr val="accent1"/>
+          </a:effectRef>
+          <a:fontRef idx="minor">
+            <a:schemeClr val="lt1"/>
+          </a:fontRef>
+        </p:style>
+        <p:txBody>
+          <a:bodyPr rtlCol="0" anchor="ctr"/>
+          <a:lstStyle/>
+          <a:p>
+            <a:pPr algn="ctr"/>
+            <a:r>
+              <a:rPr lang="en-IN" sz="1800" dirty="0"/>
+              <a:t>Container Runtime (Docker)</a:t>
+            </a:r>
+          </a:p>
+        </p:txBody>
+      </p:sp>
+      <p:sp>
+        <p:nvSpPr>
+          <p:cNvPr id="12" name="TextBox 11">
+            <a:extLst>
+              <a:ext uri="{FF2B5EF4-FFF2-40B4-BE49-F238E27FC236}">
+                <a16:creationId xmlns:a16="http://schemas.microsoft.com/office/drawing/2014/main" id="{00DEE5A2-B43E-4F4B-8DB4-AEE0FC54A5F6}"/>
+              </a:ext>
+            </a:extLst>
+          </p:cNvPr>
+          <p:cNvSpPr txBox="1"/>
+          <p:nvPr/>
+        </p:nvSpPr>
+        <p:spPr>
+          <a:xfrm>
+            <a:off x="2083442" y="1369113"/>
+            <a:ext cx="1461234" cy="584775"/>
+          </a:xfrm>
+          <a:prstGeom prst="rect">
+            <a:avLst/>
+          </a:prstGeom>
+          <a:noFill/>
+        </p:spPr>
+        <p:txBody>
+          <a:bodyPr wrap="none" rtlCol="0">
+            <a:spAutoFit/>
+          </a:bodyPr>
+          <a:lstStyle/>
+          <a:p>
+            <a:r>
+              <a:rPr lang="en-IN" sz="3200" dirty="0">
+                <a:solidFill>
+                  <a:srgbClr val="0070C0"/>
+                </a:solidFill>
+              </a:rPr>
+              <a:t>Master </a:t>
+            </a:r>
+          </a:p>
+        </p:txBody>
+      </p:sp>
+      <p:sp>
+        <p:nvSpPr>
+          <p:cNvPr id="32" name="Rectangle 31">
+            <a:extLst>
+              <a:ext uri="{FF2B5EF4-FFF2-40B4-BE49-F238E27FC236}">
+                <a16:creationId xmlns:a16="http://schemas.microsoft.com/office/drawing/2014/main" id="{EC62D69E-22E7-423F-B81E-31C29DDEE0C5}"/>
+              </a:ext>
+            </a:extLst>
+          </p:cNvPr>
+          <p:cNvSpPr/>
+          <p:nvPr/>
+        </p:nvSpPr>
+        <p:spPr>
+          <a:xfrm>
+            <a:off x="3177551" y="1977482"/>
+            <a:ext cx="1713620" cy="1273215"/>
+          </a:xfrm>
+          <a:prstGeom prst="rect">
+            <a:avLst/>
+          </a:prstGeom>
+          <a:noFill/>
+          <a:ln w="31750">
+            <a:solidFill>
+              <a:schemeClr val="accent4">
+                <a:lumMod val="75000"/>
+              </a:schemeClr>
+            </a:solidFill>
+          </a:ln>
+        </p:spPr>
+        <p:style>
+          <a:lnRef idx="2">
+            <a:schemeClr val="accent1">
+              <a:shade val="50000"/>
+            </a:schemeClr>
+          </a:lnRef>
+          <a:fillRef idx="1">
+            <a:schemeClr val="accent1"/>
+          </a:fillRef>
+          <a:effectRef idx="0">
+            <a:schemeClr val="accent1"/>
+          </a:effectRef>
+          <a:fontRef idx="minor">
+            <a:schemeClr val="lt1"/>
+          </a:fontRef>
+        </p:style>
+        <p:txBody>
+          <a:bodyPr rtlCol="0" anchor="ctr"/>
+          <a:lstStyle/>
+          <a:p>
+            <a:pPr algn="ctr"/>
+            <a:endParaRPr lang="en-IN"/>
+          </a:p>
+        </p:txBody>
+      </p:sp>
+      <p:sp>
+        <p:nvSpPr>
+          <p:cNvPr id="37" name="Rectangle 36">
+            <a:extLst>
+              <a:ext uri="{FF2B5EF4-FFF2-40B4-BE49-F238E27FC236}">
+                <a16:creationId xmlns:a16="http://schemas.microsoft.com/office/drawing/2014/main" id="{FDB7ABAC-3B9D-4C8B-8D8F-BAD420920277}"/>
+              </a:ext>
+            </a:extLst>
+          </p:cNvPr>
+          <p:cNvSpPr/>
+          <p:nvPr/>
+        </p:nvSpPr>
+        <p:spPr>
+          <a:xfrm>
+            <a:off x="499640" y="1967851"/>
+            <a:ext cx="1713620" cy="1273215"/>
+          </a:xfrm>
+          <a:prstGeom prst="rect">
+            <a:avLst/>
+          </a:prstGeom>
+          <a:noFill/>
+          <a:ln w="31750">
+            <a:solidFill>
+              <a:schemeClr val="accent2">
+                <a:lumMod val="75000"/>
+              </a:schemeClr>
+            </a:solidFill>
+          </a:ln>
+        </p:spPr>
+        <p:style>
+          <a:lnRef idx="2">
+            <a:schemeClr val="accent1">
+              <a:shade val="50000"/>
+            </a:schemeClr>
+          </a:lnRef>
+          <a:fillRef idx="1">
+            <a:schemeClr val="accent1"/>
+          </a:fillRef>
+          <a:effectRef idx="0">
+            <a:schemeClr val="accent1"/>
+          </a:effectRef>
+          <a:fontRef idx="minor">
+            <a:schemeClr val="lt1"/>
+          </a:fontRef>
+        </p:style>
+        <p:txBody>
+          <a:bodyPr rtlCol="0" anchor="ctr"/>
+          <a:lstStyle/>
+          <a:p>
+            <a:pPr algn="ctr"/>
+            <a:endParaRPr lang="en-IN"/>
+          </a:p>
+        </p:txBody>
+      </p:sp>
+      <p:sp>
+        <p:nvSpPr>
+          <p:cNvPr id="38" name="Rectangle 37">
+            <a:extLst>
+              <a:ext uri="{FF2B5EF4-FFF2-40B4-BE49-F238E27FC236}">
+                <a16:creationId xmlns:a16="http://schemas.microsoft.com/office/drawing/2014/main" id="{4390C2FE-1053-4A1B-A56F-DF605F5B1E33}"/>
+              </a:ext>
+            </a:extLst>
+          </p:cNvPr>
+          <p:cNvSpPr/>
+          <p:nvPr/>
+        </p:nvSpPr>
+        <p:spPr>
+          <a:xfrm>
+            <a:off x="511496" y="3589230"/>
+            <a:ext cx="4368099" cy="894949"/>
+          </a:xfrm>
+          <a:prstGeom prst="rect">
+            <a:avLst/>
+          </a:prstGeom>
+          <a:noFill/>
+          <a:ln w="31750">
+            <a:solidFill>
+              <a:schemeClr val="tx1">
+                <a:lumMod val="95000"/>
+                <a:lumOff val="5000"/>
+              </a:schemeClr>
+            </a:solidFill>
+          </a:ln>
+        </p:spPr>
+        <p:style>
+          <a:lnRef idx="2">
+            <a:schemeClr val="accent1">
+              <a:shade val="50000"/>
+            </a:schemeClr>
+          </a:lnRef>
+          <a:fillRef idx="1">
+            <a:schemeClr val="accent1"/>
+          </a:fillRef>
+          <a:effectRef idx="0">
+            <a:schemeClr val="accent1"/>
+          </a:effectRef>
+          <a:fontRef idx="minor">
+            <a:schemeClr val="lt1"/>
+          </a:fontRef>
+        </p:style>
+        <p:txBody>
+          <a:bodyPr rtlCol="0" anchor="ctr"/>
+          <a:lstStyle/>
+          <a:p>
+            <a:pPr algn="ctr"/>
+            <a:endParaRPr lang="en-IN"/>
+          </a:p>
+        </p:txBody>
+      </p:sp>
+      <p:sp>
+        <p:nvSpPr>
+          <p:cNvPr id="39" name="Rectangle 38">
+            <a:extLst>
+              <a:ext uri="{FF2B5EF4-FFF2-40B4-BE49-F238E27FC236}">
+                <a16:creationId xmlns:a16="http://schemas.microsoft.com/office/drawing/2014/main" id="{6AD6185F-F358-4C5D-B77D-3D8A625E0F76}"/>
+              </a:ext>
+            </a:extLst>
+          </p:cNvPr>
+          <p:cNvSpPr/>
+          <p:nvPr/>
+        </p:nvSpPr>
+        <p:spPr>
+          <a:xfrm>
+            <a:off x="514322" y="4908748"/>
+            <a:ext cx="1713620" cy="1273215"/>
+          </a:xfrm>
+          <a:prstGeom prst="rect">
+            <a:avLst/>
+          </a:prstGeom>
+          <a:noFill/>
+          <a:ln w="31750">
+            <a:solidFill>
+              <a:schemeClr val="accent3">
+                <a:lumMod val="75000"/>
+              </a:schemeClr>
+            </a:solidFill>
+          </a:ln>
+        </p:spPr>
+        <p:style>
+          <a:lnRef idx="2">
+            <a:schemeClr val="accent1">
+              <a:shade val="50000"/>
+            </a:schemeClr>
+          </a:lnRef>
+          <a:fillRef idx="1">
+            <a:schemeClr val="accent1"/>
+          </a:fillRef>
+          <a:effectRef idx="0">
+            <a:schemeClr val="accent1"/>
+          </a:effectRef>
+          <a:fontRef idx="minor">
+            <a:schemeClr val="lt1"/>
+          </a:fontRef>
+        </p:style>
+        <p:txBody>
+          <a:bodyPr rtlCol="0" anchor="ctr"/>
+          <a:lstStyle/>
+          <a:p>
+            <a:pPr algn="ctr"/>
+            <a:endParaRPr lang="en-IN"/>
+          </a:p>
+        </p:txBody>
+      </p:sp>
+      <p:sp>
+        <p:nvSpPr>
+          <p:cNvPr id="40" name="Rectangle 39">
+            <a:extLst>
+              <a:ext uri="{FF2B5EF4-FFF2-40B4-BE49-F238E27FC236}">
+                <a16:creationId xmlns:a16="http://schemas.microsoft.com/office/drawing/2014/main" id="{3D733293-C1C6-4E0B-AB61-6DE8894C4EC8}"/>
+              </a:ext>
+            </a:extLst>
+          </p:cNvPr>
+          <p:cNvSpPr/>
+          <p:nvPr/>
+        </p:nvSpPr>
+        <p:spPr>
+          <a:xfrm>
+            <a:off x="3206615" y="4908748"/>
+            <a:ext cx="1713620" cy="1273215"/>
+          </a:xfrm>
+          <a:prstGeom prst="rect">
+            <a:avLst/>
+          </a:prstGeom>
+          <a:noFill/>
+          <a:ln w="31750">
+            <a:solidFill>
+              <a:schemeClr val="accent1">
+                <a:lumMod val="75000"/>
+              </a:schemeClr>
+            </a:solidFill>
+          </a:ln>
+        </p:spPr>
+        <p:style>
+          <a:lnRef idx="2">
+            <a:schemeClr val="accent1">
+              <a:shade val="50000"/>
+            </a:schemeClr>
+          </a:lnRef>
+          <a:fillRef idx="1">
+            <a:schemeClr val="accent1"/>
+          </a:fillRef>
+          <a:effectRef idx="0">
+            <a:schemeClr val="accent1"/>
+          </a:effectRef>
+          <a:fontRef idx="minor">
+            <a:schemeClr val="lt1"/>
+          </a:fontRef>
+        </p:style>
+        <p:txBody>
+          <a:bodyPr rtlCol="0" anchor="ctr"/>
+          <a:lstStyle/>
+          <a:p>
+            <a:pPr algn="ctr"/>
+            <a:endParaRPr lang="en-IN"/>
+          </a:p>
+        </p:txBody>
+      </p:sp>
+      <p:sp>
+        <p:nvSpPr>
+          <p:cNvPr id="50" name="Content Placeholder 2">
+            <a:extLst>
+              <a:ext uri="{FF2B5EF4-FFF2-40B4-BE49-F238E27FC236}">
+                <a16:creationId xmlns:a16="http://schemas.microsoft.com/office/drawing/2014/main" id="{9B34FA18-BECA-4707-891C-9C1672B52BD5}"/>
+              </a:ext>
+            </a:extLst>
+          </p:cNvPr>
+          <p:cNvSpPr>
+            <a:spLocks noGrp="1"/>
+          </p:cNvSpPr>
+          <p:nvPr>
+            <p:ph idx="1"/>
+          </p:nvPr>
+        </p:nvSpPr>
+        <p:spPr>
+          <a:xfrm>
+            <a:off x="5416952" y="1369113"/>
+            <a:ext cx="8207608" cy="6043242"/>
+          </a:xfrm>
+        </p:spPr>
+        <p:txBody>
+          <a:bodyPr>
             <a:normAutofit lnSpcReduction="10000"/>
           </a:bodyPr>
           <a:lstStyle/>
@@ -4645,7 +6938,7 @@
 </p:sld>
 </file>
 
-<file path=ppt/slides/slide11.xml><?xml version="1.0" encoding="utf-8"?>
+<file path=ppt/slides/slide15.xml><?xml version="1.0" encoding="utf-8"?>
 <p:sld xmlns:a="http://schemas.openxmlformats.org/drawingml/2006/main" xmlns:r="http://schemas.openxmlformats.org/officeDocument/2006/relationships" xmlns:p="http://schemas.openxmlformats.org/presentationml/2006/main">
   <p:cSld>
     <p:spTree>
@@ -5515,7 +7808,7 @@
 </p:sld>
 </file>
 
-<file path=ppt/slides/slide12.xml><?xml version="1.0" encoding="utf-8"?>
+<file path=ppt/slides/slide16.xml><?xml version="1.0" encoding="utf-8"?>
 <p:sld xmlns:a="http://schemas.openxmlformats.org/drawingml/2006/main" xmlns:r="http://schemas.openxmlformats.org/officeDocument/2006/relationships" xmlns:p="http://schemas.openxmlformats.org/presentationml/2006/main">
   <p:cSld>
     <p:spTree>
@@ -7067,7 +9360,7 @@
 </p:sld>
 </file>
 
-<file path=ppt/slides/slide13.xml><?xml version="1.0" encoding="utf-8"?>
+<file path=ppt/slides/slide17.xml><?xml version="1.0" encoding="utf-8"?>
 <p:sld xmlns:a="http://schemas.openxmlformats.org/drawingml/2006/main" xmlns:r="http://schemas.openxmlformats.org/officeDocument/2006/relationships" xmlns:p="http://schemas.openxmlformats.org/presentationml/2006/main">
   <p:cSld>
     <p:spTree>
@@ -7244,7 +9537,7 @@
 </p:sld>
 </file>
 
-<file path=ppt/slides/slide14.xml><?xml version="1.0" encoding="utf-8"?>
+<file path=ppt/slides/slide18.xml><?xml version="1.0" encoding="utf-8"?>
 <p:sld xmlns:a="http://schemas.openxmlformats.org/drawingml/2006/main" xmlns:r="http://schemas.openxmlformats.org/officeDocument/2006/relationships" xmlns:p="http://schemas.openxmlformats.org/presentationml/2006/main">
   <p:cSld>
     <p:spTree>
@@ -8051,7 +10344,7 @@
 </p:sld>
 </file>
 
-<file path=ppt/slides/slide15.xml><?xml version="1.0" encoding="utf-8"?>
+<file path=ppt/slides/slide19.xml><?xml version="1.0" encoding="utf-8"?>
 <p:sld xmlns:a="http://schemas.openxmlformats.org/drawingml/2006/main" xmlns:r="http://schemas.openxmlformats.org/officeDocument/2006/relationships" xmlns:p="http://schemas.openxmlformats.org/presentationml/2006/main">
   <p:cSld>
     <p:spTree>
@@ -8215,7 +10508,754 @@
 </p:sld>
 </file>
 
-<file path=ppt/slides/slide16.xml><?xml version="1.0" encoding="utf-8"?>
+<file path=ppt/slides/slide2.xml><?xml version="1.0" encoding="utf-8"?>
+<p:sld xmlns:a="http://schemas.openxmlformats.org/drawingml/2006/main" xmlns:r="http://schemas.openxmlformats.org/officeDocument/2006/relationships" xmlns:p="http://schemas.openxmlformats.org/presentationml/2006/main">
+  <p:cSld>
+    <p:spTree>
+      <p:nvGrpSpPr>
+        <p:cNvPr id="1" name=""/>
+        <p:cNvGrpSpPr/>
+        <p:nvPr/>
+      </p:nvGrpSpPr>
+      <p:grpSpPr>
+        <a:xfrm>
+          <a:off x="0" y="0"/>
+          <a:ext cx="0" cy="0"/>
+          <a:chOff x="0" y="0"/>
+          <a:chExt cx="0" cy="0"/>
+        </a:xfrm>
+      </p:grpSpPr>
+      <p:sp>
+        <p:nvSpPr>
+          <p:cNvPr id="2" name="Footer Placeholder 1">
+            <a:extLst>
+              <a:ext uri="{FF2B5EF4-FFF2-40B4-BE49-F238E27FC236}">
+                <a16:creationId xmlns:a16="http://schemas.microsoft.com/office/drawing/2014/main" id="{61B7970B-8A7C-4546-93A1-C3F115290B9C}"/>
+              </a:ext>
+            </a:extLst>
+          </p:cNvPr>
+          <p:cNvSpPr>
+            <a:spLocks noGrp="1"/>
+          </p:cNvSpPr>
+          <p:nvPr>
+            <p:ph type="ftr" sz="quarter" idx="10"/>
+          </p:nvPr>
+        </p:nvSpPr>
+        <p:spPr>
+          <a:xfrm>
+            <a:off x="0" y="7741207"/>
+            <a:ext cx="2372810" cy="438150"/>
+          </a:xfrm>
+        </p:spPr>
+        <p:txBody>
+          <a:bodyPr/>
+          <a:lstStyle/>
+          <a:p>
+            <a:pPr algn="l"/>
+            <a:r>
+              <a:rPr lang="en-US"/>
+              <a:t>© Kalyan Reddy Daida</a:t>
+            </a:r>
+            <a:endParaRPr lang="en-GB" dirty="0"/>
+          </a:p>
+        </p:txBody>
+      </p:sp>
+      <p:sp>
+        <p:nvSpPr>
+          <p:cNvPr id="5" name="Rectangle 4">
+            <a:extLst>
+              <a:ext uri="{FF2B5EF4-FFF2-40B4-BE49-F238E27FC236}">
+                <a16:creationId xmlns:a16="http://schemas.microsoft.com/office/drawing/2014/main" id="{225377FD-D898-7E4D-BE53-14E103225C87}"/>
+              </a:ext>
+            </a:extLst>
+          </p:cNvPr>
+          <p:cNvSpPr/>
+          <p:nvPr/>
+        </p:nvSpPr>
+        <p:spPr>
+          <a:xfrm>
+            <a:off x="160346" y="1676774"/>
+            <a:ext cx="3657600" cy="4541103"/>
+          </a:xfrm>
+          <a:prstGeom prst="rect">
+            <a:avLst/>
+          </a:prstGeom>
+          <a:solidFill>
+            <a:schemeClr val="bg1">
+              <a:lumMod val="50000"/>
+            </a:schemeClr>
+          </a:solidFill>
+          <a:ln w="34925" cmpd="sng">
+            <a:solidFill>
+              <a:schemeClr val="bg1">
+                <a:lumMod val="50000"/>
+              </a:schemeClr>
+            </a:solidFill>
+            <a:prstDash val="solid"/>
+          </a:ln>
+        </p:spPr>
+        <p:style>
+          <a:lnRef idx="2">
+            <a:schemeClr val="accent1">
+              <a:shade val="50000"/>
+            </a:schemeClr>
+          </a:lnRef>
+          <a:fillRef idx="1">
+            <a:schemeClr val="accent1"/>
+          </a:fillRef>
+          <a:effectRef idx="0">
+            <a:schemeClr val="accent1"/>
+          </a:effectRef>
+          <a:fontRef idx="minor">
+            <a:schemeClr val="lt1"/>
+          </a:fontRef>
+        </p:style>
+        <p:txBody>
+          <a:bodyPr rtlCol="0" anchor="ctr"/>
+          <a:lstStyle/>
+          <a:p>
+            <a:pPr algn="ctr"/>
+            <a:endParaRPr lang="en-US" dirty="0"/>
+          </a:p>
+        </p:txBody>
+      </p:sp>
+      <p:sp>
+        <p:nvSpPr>
+          <p:cNvPr id="6" name="Rectangle 5">
+            <a:extLst>
+              <a:ext uri="{FF2B5EF4-FFF2-40B4-BE49-F238E27FC236}">
+                <a16:creationId xmlns:a16="http://schemas.microsoft.com/office/drawing/2014/main" id="{E50A86E1-B22D-E848-89F6-227EB8781404}"/>
+              </a:ext>
+            </a:extLst>
+          </p:cNvPr>
+          <p:cNvSpPr/>
+          <p:nvPr/>
+        </p:nvSpPr>
+        <p:spPr>
+          <a:xfrm>
+            <a:off x="361195" y="1880252"/>
+            <a:ext cx="3236838" cy="763929"/>
+          </a:xfrm>
+          <a:prstGeom prst="rect">
+            <a:avLst/>
+          </a:prstGeom>
+          <a:solidFill>
+            <a:schemeClr val="bg1"/>
+          </a:solidFill>
+          <a:ln>
+            <a:solidFill>
+              <a:schemeClr val="bg1">
+                <a:lumMod val="50000"/>
+              </a:schemeClr>
+            </a:solidFill>
+            <a:prstDash val="solid"/>
+          </a:ln>
+        </p:spPr>
+        <p:style>
+          <a:lnRef idx="2">
+            <a:schemeClr val="accent1">
+              <a:shade val="50000"/>
+            </a:schemeClr>
+          </a:lnRef>
+          <a:fillRef idx="1">
+            <a:schemeClr val="accent1"/>
+          </a:fillRef>
+          <a:effectRef idx="0">
+            <a:schemeClr val="accent1"/>
+          </a:effectRef>
+          <a:fontRef idx="minor">
+            <a:schemeClr val="lt1"/>
+          </a:fontRef>
+        </p:style>
+        <p:txBody>
+          <a:bodyPr rtlCol="0" anchor="ctr"/>
+          <a:lstStyle/>
+          <a:p>
+            <a:pPr algn="ctr"/>
+            <a:r>
+              <a:rPr lang="en-US" sz="3200" b="1" dirty="0">
+                <a:solidFill>
+                  <a:schemeClr val="tx1"/>
+                </a:solidFill>
+                <a:latin typeface="Aharoni" panose="02010803020104030203" pitchFamily="2" charset="-79"/>
+                <a:cs typeface="Aharoni" panose="02010803020104030203" pitchFamily="2" charset="-79"/>
+              </a:rPr>
+              <a:t>STACKSIMPLIFY</a:t>
+            </a:r>
+          </a:p>
+        </p:txBody>
+      </p:sp>
+      <p:sp>
+        <p:nvSpPr>
+          <p:cNvPr id="9" name="Rounded Rectangle 8">
+            <a:extLst>
+              <a:ext uri="{FF2B5EF4-FFF2-40B4-BE49-F238E27FC236}">
+                <a16:creationId xmlns:a16="http://schemas.microsoft.com/office/drawing/2014/main" id="{76B67C1D-27BB-8441-982B-93A6C0C7DC75}"/>
+              </a:ext>
+            </a:extLst>
+          </p:cNvPr>
+          <p:cNvSpPr/>
+          <p:nvPr/>
+        </p:nvSpPr>
+        <p:spPr>
+          <a:xfrm>
+            <a:off x="4155311" y="632871"/>
+            <a:ext cx="10112200" cy="1276953"/>
+          </a:xfrm>
+          <a:prstGeom prst="roundRect">
+            <a:avLst/>
+          </a:prstGeom>
+          <a:solidFill>
+            <a:schemeClr val="bg2"/>
+          </a:solidFill>
+          <a:ln w="63500">
+            <a:solidFill>
+              <a:schemeClr val="bg1">
+                <a:lumMod val="50000"/>
+              </a:schemeClr>
+            </a:solidFill>
+          </a:ln>
+        </p:spPr>
+        <p:style>
+          <a:lnRef idx="2">
+            <a:schemeClr val="accent1">
+              <a:shade val="50000"/>
+            </a:schemeClr>
+          </a:lnRef>
+          <a:fillRef idx="1">
+            <a:schemeClr val="accent1"/>
+          </a:fillRef>
+          <a:effectRef idx="0">
+            <a:schemeClr val="accent1"/>
+          </a:effectRef>
+          <a:fontRef idx="minor">
+            <a:schemeClr val="lt1"/>
+          </a:fontRef>
+        </p:style>
+        <p:txBody>
+          <a:bodyPr rtlCol="0" anchor="ctr"/>
+          <a:lstStyle/>
+          <a:p>
+            <a:pPr algn="ctr"/>
+            <a:r>
+              <a:rPr lang="en-US" sz="3800" dirty="0">
+                <a:solidFill>
+                  <a:srgbClr val="0070C0"/>
+                </a:solidFill>
+                <a:latin typeface="Aharoni" panose="02010803020104030203" pitchFamily="2" charset="-79"/>
+                <a:cs typeface="Aharoni" panose="02010803020104030203" pitchFamily="2" charset="-79"/>
+              </a:rPr>
+              <a:t>Kubernetes for Beginners</a:t>
+            </a:r>
+          </a:p>
+        </p:txBody>
+      </p:sp>
+      <p:sp>
+        <p:nvSpPr>
+          <p:cNvPr id="10" name="Rounded Rectangle 9">
+            <a:extLst>
+              <a:ext uri="{FF2B5EF4-FFF2-40B4-BE49-F238E27FC236}">
+                <a16:creationId xmlns:a16="http://schemas.microsoft.com/office/drawing/2014/main" id="{E4733713-4FF0-6043-9ACA-9925C77D05C7}"/>
+              </a:ext>
+            </a:extLst>
+          </p:cNvPr>
+          <p:cNvSpPr/>
+          <p:nvPr/>
+        </p:nvSpPr>
+        <p:spPr>
+          <a:xfrm>
+            <a:off x="4155310" y="2343879"/>
+            <a:ext cx="10112200" cy="1276953"/>
+          </a:xfrm>
+          <a:prstGeom prst="roundRect">
+            <a:avLst/>
+          </a:prstGeom>
+          <a:solidFill>
+            <a:schemeClr val="bg2"/>
+          </a:solidFill>
+          <a:ln w="63500">
+            <a:solidFill>
+              <a:schemeClr val="bg1">
+                <a:lumMod val="50000"/>
+              </a:schemeClr>
+            </a:solidFill>
+          </a:ln>
+        </p:spPr>
+        <p:style>
+          <a:lnRef idx="2">
+            <a:schemeClr val="accent1">
+              <a:shade val="50000"/>
+            </a:schemeClr>
+          </a:lnRef>
+          <a:fillRef idx="1">
+            <a:schemeClr val="accent1"/>
+          </a:fillRef>
+          <a:effectRef idx="0">
+            <a:schemeClr val="accent1"/>
+          </a:effectRef>
+          <a:fontRef idx="minor">
+            <a:schemeClr val="lt1"/>
+          </a:fontRef>
+        </p:style>
+        <p:txBody>
+          <a:bodyPr rtlCol="0" anchor="ctr"/>
+          <a:lstStyle/>
+          <a:p>
+            <a:pPr algn="ctr"/>
+            <a:r>
+              <a:rPr lang="en-US" sz="3800" dirty="0">
+                <a:solidFill>
+                  <a:srgbClr val="C00000"/>
+                </a:solidFill>
+                <a:latin typeface="Aharoni" panose="02010803020104030203" pitchFamily="2" charset="-79"/>
+                <a:cs typeface="Aharoni" panose="02010803020104030203" pitchFamily="2" charset="-79"/>
+              </a:rPr>
+              <a:t>AWS EKS </a:t>
+            </a:r>
+            <a:r>
+              <a:rPr lang="en-US" sz="3800" dirty="0">
+                <a:solidFill>
+                  <a:srgbClr val="0070C0"/>
+                </a:solidFill>
+                <a:latin typeface="Aharoni" panose="02010803020104030203" pitchFamily="2" charset="-79"/>
+                <a:cs typeface="Aharoni" panose="02010803020104030203" pitchFamily="2" charset="-79"/>
+              </a:rPr>
+              <a:t>Kubernetes - Masterclass | DevOps, Microservices</a:t>
+            </a:r>
+          </a:p>
+        </p:txBody>
+      </p:sp>
+      <p:sp>
+        <p:nvSpPr>
+          <p:cNvPr id="11" name="Rounded Rectangle 10">
+            <a:extLst>
+              <a:ext uri="{FF2B5EF4-FFF2-40B4-BE49-F238E27FC236}">
+                <a16:creationId xmlns:a16="http://schemas.microsoft.com/office/drawing/2014/main" id="{4EB2B9D8-87FA-3740-83C7-CFE88951F478}"/>
+              </a:ext>
+            </a:extLst>
+          </p:cNvPr>
+          <p:cNvSpPr/>
+          <p:nvPr/>
+        </p:nvSpPr>
+        <p:spPr>
+          <a:xfrm>
+            <a:off x="4155310" y="4118246"/>
+            <a:ext cx="10112200" cy="1276953"/>
+          </a:xfrm>
+          <a:prstGeom prst="roundRect">
+            <a:avLst/>
+          </a:prstGeom>
+          <a:solidFill>
+            <a:schemeClr val="bg2"/>
+          </a:solidFill>
+          <a:ln w="63500">
+            <a:solidFill>
+              <a:schemeClr val="bg1">
+                <a:lumMod val="50000"/>
+              </a:schemeClr>
+            </a:solidFill>
+          </a:ln>
+        </p:spPr>
+        <p:style>
+          <a:lnRef idx="2">
+            <a:schemeClr val="accent1">
+              <a:shade val="50000"/>
+            </a:schemeClr>
+          </a:lnRef>
+          <a:fillRef idx="1">
+            <a:schemeClr val="accent1"/>
+          </a:fillRef>
+          <a:effectRef idx="0">
+            <a:schemeClr val="accent1"/>
+          </a:effectRef>
+          <a:fontRef idx="minor">
+            <a:schemeClr val="lt1"/>
+          </a:fontRef>
+        </p:style>
+        <p:txBody>
+          <a:bodyPr rtlCol="0" anchor="ctr"/>
+          <a:lstStyle/>
+          <a:p>
+            <a:pPr algn="ctr"/>
+            <a:r>
+              <a:rPr lang="en-US" sz="3800" dirty="0">
+                <a:solidFill>
+                  <a:srgbClr val="C00000"/>
+                </a:solidFill>
+                <a:latin typeface="Aharoni" panose="02010803020104030203" pitchFamily="2" charset="-79"/>
+                <a:cs typeface="Aharoni" panose="02010803020104030203" pitchFamily="2" charset="-79"/>
+              </a:rPr>
+              <a:t>Azure AKS </a:t>
+            </a:r>
+            <a:r>
+              <a:rPr lang="en-US" sz="3800" dirty="0">
+                <a:solidFill>
+                  <a:srgbClr val="0070C0"/>
+                </a:solidFill>
+                <a:latin typeface="Aharoni" panose="02010803020104030203" pitchFamily="2" charset="-79"/>
+                <a:cs typeface="Aharoni" panose="02010803020104030203" pitchFamily="2" charset="-79"/>
+              </a:rPr>
+              <a:t>Kubernetes - Masterclass | DevOps, Microservices</a:t>
+            </a:r>
+          </a:p>
+        </p:txBody>
+      </p:sp>
+      <p:sp>
+        <p:nvSpPr>
+          <p:cNvPr id="12" name="Rounded Rectangle 11">
+            <a:extLst>
+              <a:ext uri="{FF2B5EF4-FFF2-40B4-BE49-F238E27FC236}">
+                <a16:creationId xmlns:a16="http://schemas.microsoft.com/office/drawing/2014/main" id="{C705029A-B091-E44A-8EDB-7B720FD2E73A}"/>
+              </a:ext>
+            </a:extLst>
+          </p:cNvPr>
+          <p:cNvSpPr/>
+          <p:nvPr/>
+        </p:nvSpPr>
+        <p:spPr>
+          <a:xfrm>
+            <a:off x="4155310" y="5887350"/>
+            <a:ext cx="10112200" cy="1276953"/>
+          </a:xfrm>
+          <a:prstGeom prst="roundRect">
+            <a:avLst/>
+          </a:prstGeom>
+          <a:solidFill>
+            <a:schemeClr val="bg2"/>
+          </a:solidFill>
+          <a:ln w="63500">
+            <a:solidFill>
+              <a:schemeClr val="bg1">
+                <a:lumMod val="50000"/>
+              </a:schemeClr>
+            </a:solidFill>
+          </a:ln>
+        </p:spPr>
+        <p:style>
+          <a:lnRef idx="2">
+            <a:schemeClr val="accent1">
+              <a:shade val="50000"/>
+            </a:schemeClr>
+          </a:lnRef>
+          <a:fillRef idx="1">
+            <a:schemeClr val="accent1"/>
+          </a:fillRef>
+          <a:effectRef idx="0">
+            <a:schemeClr val="accent1"/>
+          </a:effectRef>
+          <a:fontRef idx="minor">
+            <a:schemeClr val="lt1"/>
+          </a:fontRef>
+        </p:style>
+        <p:txBody>
+          <a:bodyPr rtlCol="0" anchor="ctr"/>
+          <a:lstStyle/>
+          <a:p>
+            <a:pPr algn="ctr"/>
+            <a:r>
+              <a:rPr lang="en-US" sz="3800" dirty="0">
+                <a:solidFill>
+                  <a:srgbClr val="C00000"/>
+                </a:solidFill>
+                <a:latin typeface="Aharoni" panose="02010803020104030203" pitchFamily="2" charset="-79"/>
+                <a:cs typeface="Aharoni" panose="02010803020104030203" pitchFamily="2" charset="-79"/>
+              </a:rPr>
+              <a:t>Google GKE </a:t>
+            </a:r>
+            <a:r>
+              <a:rPr lang="en-US" sz="3800" dirty="0">
+                <a:solidFill>
+                  <a:srgbClr val="0070C0"/>
+                </a:solidFill>
+                <a:latin typeface="Aharoni" panose="02010803020104030203" pitchFamily="2" charset="-79"/>
+                <a:cs typeface="Aharoni" panose="02010803020104030203" pitchFamily="2" charset="-79"/>
+              </a:rPr>
+              <a:t>Kubernetes - Masterclass | DevOps, Microservices</a:t>
+            </a:r>
+          </a:p>
+        </p:txBody>
+      </p:sp>
+      <p:sp>
+        <p:nvSpPr>
+          <p:cNvPr id="13" name="Rectangle 12">
+            <a:extLst>
+              <a:ext uri="{FF2B5EF4-FFF2-40B4-BE49-F238E27FC236}">
+                <a16:creationId xmlns:a16="http://schemas.microsoft.com/office/drawing/2014/main" id="{93FDE4D7-2E61-D044-8B5E-0F0332B1ACD9}"/>
+              </a:ext>
+            </a:extLst>
+          </p:cNvPr>
+          <p:cNvSpPr/>
+          <p:nvPr/>
+        </p:nvSpPr>
+        <p:spPr>
+          <a:xfrm>
+            <a:off x="361195" y="2970535"/>
+            <a:ext cx="3236838" cy="2979901"/>
+          </a:xfrm>
+          <a:prstGeom prst="rect">
+            <a:avLst/>
+          </a:prstGeom>
+          <a:solidFill>
+            <a:schemeClr val="bg1"/>
+          </a:solidFill>
+          <a:ln>
+            <a:solidFill>
+              <a:schemeClr val="bg1">
+                <a:lumMod val="50000"/>
+              </a:schemeClr>
+            </a:solidFill>
+            <a:prstDash val="solid"/>
+          </a:ln>
+        </p:spPr>
+        <p:style>
+          <a:lnRef idx="2">
+            <a:schemeClr val="accent1">
+              <a:shade val="50000"/>
+            </a:schemeClr>
+          </a:lnRef>
+          <a:fillRef idx="1">
+            <a:schemeClr val="accent1"/>
+          </a:fillRef>
+          <a:effectRef idx="0">
+            <a:schemeClr val="accent1"/>
+          </a:effectRef>
+          <a:fontRef idx="minor">
+            <a:schemeClr val="lt1"/>
+          </a:fontRef>
+        </p:style>
+        <p:txBody>
+          <a:bodyPr rtlCol="0" anchor="ctr"/>
+          <a:lstStyle/>
+          <a:p>
+            <a:pPr algn="ctr"/>
+            <a:r>
+              <a:rPr lang="en-US" sz="4300" b="1" dirty="0">
+                <a:solidFill>
+                  <a:srgbClr val="0070C0"/>
+                </a:solidFill>
+                <a:latin typeface="Aharoni" panose="02010803020104030203" pitchFamily="2" charset="-79"/>
+                <a:cs typeface="Aharoni" panose="02010803020104030203" pitchFamily="2" charset="-79"/>
+              </a:rPr>
+              <a:t>Kubernetes </a:t>
+            </a:r>
+          </a:p>
+          <a:p>
+            <a:pPr algn="ctr"/>
+            <a:r>
+              <a:rPr lang="en-US" sz="4300" b="1" dirty="0">
+                <a:solidFill>
+                  <a:srgbClr val="0070C0"/>
+                </a:solidFill>
+                <a:latin typeface="Aharoni" panose="02010803020104030203" pitchFamily="2" charset="-79"/>
+                <a:cs typeface="Aharoni" panose="02010803020104030203" pitchFamily="2" charset="-79"/>
+              </a:rPr>
+              <a:t>On</a:t>
+            </a:r>
+          </a:p>
+          <a:p>
+            <a:pPr algn="ctr"/>
+            <a:r>
+              <a:rPr lang="en-US" sz="4300" b="1" dirty="0">
+                <a:solidFill>
+                  <a:srgbClr val="0070C0"/>
+                </a:solidFill>
+                <a:latin typeface="Aharoni" panose="02010803020104030203" pitchFamily="2" charset="-79"/>
+                <a:cs typeface="Aharoni" panose="02010803020104030203" pitchFamily="2" charset="-79"/>
+              </a:rPr>
+              <a:t>Cloud</a:t>
+            </a:r>
+          </a:p>
+          <a:p>
+            <a:pPr algn="ctr"/>
+            <a:r>
+              <a:rPr lang="en-US" sz="4300" b="1" dirty="0">
+                <a:solidFill>
+                  <a:srgbClr val="0070C0"/>
+                </a:solidFill>
+                <a:latin typeface="Aharoni" panose="02010803020104030203" pitchFamily="2" charset="-79"/>
+                <a:cs typeface="Aharoni" panose="02010803020104030203" pitchFamily="2" charset="-79"/>
+              </a:rPr>
+              <a:t>Roadmap</a:t>
+            </a:r>
+          </a:p>
+        </p:txBody>
+      </p:sp>
+      <p:sp>
+        <p:nvSpPr>
+          <p:cNvPr id="3" name="Down Arrow 2">
+            <a:extLst>
+              <a:ext uri="{FF2B5EF4-FFF2-40B4-BE49-F238E27FC236}">
+                <a16:creationId xmlns:a16="http://schemas.microsoft.com/office/drawing/2014/main" id="{F004E3C2-A7A2-4F4D-AB86-15E5BE706FE0}"/>
+              </a:ext>
+            </a:extLst>
+          </p:cNvPr>
+          <p:cNvSpPr/>
+          <p:nvPr/>
+        </p:nvSpPr>
+        <p:spPr>
+          <a:xfrm>
+            <a:off x="9132849" y="1909824"/>
+            <a:ext cx="206988" cy="461833"/>
+          </a:xfrm>
+          <a:prstGeom prst="downArrow">
+            <a:avLst/>
+          </a:prstGeom>
+          <a:solidFill>
+            <a:srgbClr val="0070C0"/>
+          </a:solidFill>
+          <a:ln>
+            <a:solidFill>
+              <a:srgbClr val="0070C0"/>
+            </a:solidFill>
+          </a:ln>
+        </p:spPr>
+        <p:style>
+          <a:lnRef idx="2">
+            <a:schemeClr val="accent1">
+              <a:shade val="50000"/>
+            </a:schemeClr>
+          </a:lnRef>
+          <a:fillRef idx="1">
+            <a:schemeClr val="accent1"/>
+          </a:fillRef>
+          <a:effectRef idx="0">
+            <a:schemeClr val="accent1"/>
+          </a:effectRef>
+          <a:fontRef idx="minor">
+            <a:schemeClr val="lt1"/>
+          </a:fontRef>
+        </p:style>
+        <p:txBody>
+          <a:bodyPr rtlCol="0" anchor="ctr"/>
+          <a:lstStyle/>
+          <a:p>
+            <a:pPr algn="ctr"/>
+            <a:endParaRPr lang="en-US" dirty="0"/>
+          </a:p>
+        </p:txBody>
+      </p:sp>
+      <p:sp>
+        <p:nvSpPr>
+          <p:cNvPr id="14" name="Down Arrow 13">
+            <a:extLst>
+              <a:ext uri="{FF2B5EF4-FFF2-40B4-BE49-F238E27FC236}">
+                <a16:creationId xmlns:a16="http://schemas.microsoft.com/office/drawing/2014/main" id="{5D19D7C4-1518-364F-96CC-5F3FAC8DE037}"/>
+              </a:ext>
+            </a:extLst>
+          </p:cNvPr>
+          <p:cNvSpPr/>
+          <p:nvPr/>
+        </p:nvSpPr>
+        <p:spPr>
+          <a:xfrm>
+            <a:off x="9132849" y="3635239"/>
+            <a:ext cx="206988" cy="461833"/>
+          </a:xfrm>
+          <a:prstGeom prst="downArrow">
+            <a:avLst/>
+          </a:prstGeom>
+          <a:solidFill>
+            <a:srgbClr val="0070C0"/>
+          </a:solidFill>
+          <a:ln>
+            <a:solidFill>
+              <a:srgbClr val="0070C0"/>
+            </a:solidFill>
+          </a:ln>
+        </p:spPr>
+        <p:style>
+          <a:lnRef idx="2">
+            <a:schemeClr val="accent1">
+              <a:shade val="50000"/>
+            </a:schemeClr>
+          </a:lnRef>
+          <a:fillRef idx="1">
+            <a:schemeClr val="accent1"/>
+          </a:fillRef>
+          <a:effectRef idx="0">
+            <a:schemeClr val="accent1"/>
+          </a:effectRef>
+          <a:fontRef idx="minor">
+            <a:schemeClr val="lt1"/>
+          </a:fontRef>
+        </p:style>
+        <p:txBody>
+          <a:bodyPr rtlCol="0" anchor="ctr"/>
+          <a:lstStyle/>
+          <a:p>
+            <a:pPr algn="ctr"/>
+            <a:endParaRPr lang="en-US" dirty="0"/>
+          </a:p>
+        </p:txBody>
+      </p:sp>
+      <p:sp>
+        <p:nvSpPr>
+          <p:cNvPr id="15" name="Down Arrow 14">
+            <a:extLst>
+              <a:ext uri="{FF2B5EF4-FFF2-40B4-BE49-F238E27FC236}">
+                <a16:creationId xmlns:a16="http://schemas.microsoft.com/office/drawing/2014/main" id="{88B1753B-95CA-1B4A-ACDE-CCD4CA93C2B9}"/>
+              </a:ext>
+            </a:extLst>
+          </p:cNvPr>
+          <p:cNvSpPr/>
+          <p:nvPr/>
+        </p:nvSpPr>
+        <p:spPr>
+          <a:xfrm>
+            <a:off x="9132849" y="5410358"/>
+            <a:ext cx="206988" cy="461833"/>
+          </a:xfrm>
+          <a:prstGeom prst="downArrow">
+            <a:avLst/>
+          </a:prstGeom>
+          <a:solidFill>
+            <a:srgbClr val="0070C0"/>
+          </a:solidFill>
+          <a:ln>
+            <a:solidFill>
+              <a:srgbClr val="0070C0"/>
+            </a:solidFill>
+          </a:ln>
+        </p:spPr>
+        <p:style>
+          <a:lnRef idx="2">
+            <a:schemeClr val="accent1">
+              <a:shade val="50000"/>
+            </a:schemeClr>
+          </a:lnRef>
+          <a:fillRef idx="1">
+            <a:schemeClr val="accent1"/>
+          </a:fillRef>
+          <a:effectRef idx="0">
+            <a:schemeClr val="accent1"/>
+          </a:effectRef>
+          <a:fontRef idx="minor">
+            <a:schemeClr val="lt1"/>
+          </a:fontRef>
+        </p:style>
+        <p:txBody>
+          <a:bodyPr rtlCol="0" anchor="ctr"/>
+          <a:lstStyle/>
+          <a:p>
+            <a:pPr algn="ctr"/>
+            <a:endParaRPr lang="en-US" dirty="0"/>
+          </a:p>
+        </p:txBody>
+      </p:sp>
+    </p:spTree>
+    <p:extLst>
+      <p:ext uri="{BB962C8B-B14F-4D97-AF65-F5344CB8AC3E}">
+        <p14:creationId xmlns:p14="http://schemas.microsoft.com/office/powerpoint/2010/main" val="1622765303"/>
+      </p:ext>
+    </p:extLst>
+  </p:cSld>
+  <p:clrMapOvr>
+    <a:masterClrMapping/>
+  </p:clrMapOvr>
+</p:sld>
+</file>
+
+<file path=ppt/slides/slide20.xml><?xml version="1.0" encoding="utf-8"?>
 <p:sld xmlns:a="http://schemas.openxmlformats.org/drawingml/2006/main" xmlns:r="http://schemas.openxmlformats.org/officeDocument/2006/relationships" xmlns:p="http://schemas.openxmlformats.org/presentationml/2006/main">
   <p:cSld>
     <p:spTree>
@@ -10932,7 +13972,7 @@
 </p:sld>
 </file>
 
-<file path=ppt/slides/slide17.xml><?xml version="1.0" encoding="utf-8"?>
+<file path=ppt/slides/slide21.xml><?xml version="1.0" encoding="utf-8"?>
 <p:sld xmlns:a="http://schemas.openxmlformats.org/drawingml/2006/main" xmlns:r="http://schemas.openxmlformats.org/officeDocument/2006/relationships" xmlns:p="http://schemas.openxmlformats.org/presentationml/2006/main">
   <p:cSld>
     <p:spTree>
@@ -16153,7 +19193,7 @@
 </p:sld>
 </file>
 
-<file path=ppt/slides/slide18.xml><?xml version="1.0" encoding="utf-8"?>
+<file path=ppt/slides/slide22.xml><?xml version="1.0" encoding="utf-8"?>
 <p:sld xmlns:a="http://schemas.openxmlformats.org/drawingml/2006/main" xmlns:r="http://schemas.openxmlformats.org/officeDocument/2006/relationships" xmlns:p="http://schemas.openxmlformats.org/presentationml/2006/main">
   <p:cSld>
     <p:spTree>
@@ -18524,7 +21564,7 @@
 </p:sld>
 </file>
 
-<file path=ppt/slides/slide19.xml><?xml version="1.0" encoding="utf-8"?>
+<file path=ppt/slides/slide23.xml><?xml version="1.0" encoding="utf-8"?>
 <p:sld xmlns:a="http://schemas.openxmlformats.org/drawingml/2006/main" xmlns:r="http://schemas.openxmlformats.org/officeDocument/2006/relationships" xmlns:p="http://schemas.openxmlformats.org/presentationml/2006/main">
   <p:cSld>
     <p:spTree>
@@ -18701,562 +21741,7 @@
 </p:sld>
 </file>
 
-<file path=ppt/slides/slide2.xml><?xml version="1.0" encoding="utf-8"?>
-<p:sld xmlns:a="http://schemas.openxmlformats.org/drawingml/2006/main" xmlns:r="http://schemas.openxmlformats.org/officeDocument/2006/relationships" xmlns:p="http://schemas.openxmlformats.org/presentationml/2006/main">
-  <p:cSld>
-    <p:spTree>
-      <p:nvGrpSpPr>
-        <p:cNvPr id="1" name=""/>
-        <p:cNvGrpSpPr/>
-        <p:nvPr/>
-      </p:nvGrpSpPr>
-      <p:grpSpPr>
-        <a:xfrm>
-          <a:off x="0" y="0"/>
-          <a:ext cx="0" cy="0"/>
-          <a:chOff x="0" y="0"/>
-          <a:chExt cx="0" cy="0"/>
-        </a:xfrm>
-      </p:grpSpPr>
-      <p:sp>
-        <p:nvSpPr>
-          <p:cNvPr id="2" name="Footer Placeholder 1">
-            <a:extLst>
-              <a:ext uri="{FF2B5EF4-FFF2-40B4-BE49-F238E27FC236}">
-                <a16:creationId xmlns:a16="http://schemas.microsoft.com/office/drawing/2014/main" id="{61B7970B-8A7C-4546-93A1-C3F115290B9C}"/>
-              </a:ext>
-            </a:extLst>
-          </p:cNvPr>
-          <p:cNvSpPr>
-            <a:spLocks noGrp="1"/>
-          </p:cNvSpPr>
-          <p:nvPr>
-            <p:ph type="ftr" sz="quarter" idx="10"/>
-          </p:nvPr>
-        </p:nvSpPr>
-        <p:spPr>
-          <a:xfrm>
-            <a:off x="0" y="7741207"/>
-            <a:ext cx="2372810" cy="438150"/>
-          </a:xfrm>
-        </p:spPr>
-        <p:txBody>
-          <a:bodyPr/>
-          <a:lstStyle/>
-          <a:p>
-            <a:pPr algn="l"/>
-            <a:r>
-              <a:rPr lang="en-US"/>
-              <a:t>© Kalyan Reddy Daida</a:t>
-            </a:r>
-            <a:endParaRPr lang="en-GB" dirty="0"/>
-          </a:p>
-        </p:txBody>
-      </p:sp>
-      <p:sp>
-        <p:nvSpPr>
-          <p:cNvPr id="5" name="Rectangle 4">
-            <a:extLst>
-              <a:ext uri="{FF2B5EF4-FFF2-40B4-BE49-F238E27FC236}">
-                <a16:creationId xmlns:a16="http://schemas.microsoft.com/office/drawing/2014/main" id="{225377FD-D898-7E4D-BE53-14E103225C87}"/>
-              </a:ext>
-            </a:extLst>
-          </p:cNvPr>
-          <p:cNvSpPr/>
-          <p:nvPr/>
-        </p:nvSpPr>
-        <p:spPr>
-          <a:xfrm>
-            <a:off x="115741" y="1331088"/>
-            <a:ext cx="3657600" cy="5254479"/>
-          </a:xfrm>
-          <a:prstGeom prst="rect">
-            <a:avLst/>
-          </a:prstGeom>
-          <a:solidFill>
-            <a:schemeClr val="bg1">
-              <a:lumMod val="50000"/>
-            </a:schemeClr>
-          </a:solidFill>
-          <a:ln w="34925" cmpd="sng">
-            <a:solidFill>
-              <a:schemeClr val="bg1">
-                <a:lumMod val="50000"/>
-              </a:schemeClr>
-            </a:solidFill>
-            <a:prstDash val="solid"/>
-          </a:ln>
-        </p:spPr>
-        <p:style>
-          <a:lnRef idx="2">
-            <a:schemeClr val="accent1">
-              <a:shade val="50000"/>
-            </a:schemeClr>
-          </a:lnRef>
-          <a:fillRef idx="1">
-            <a:schemeClr val="accent1"/>
-          </a:fillRef>
-          <a:effectRef idx="0">
-            <a:schemeClr val="accent1"/>
-          </a:effectRef>
-          <a:fontRef idx="minor">
-            <a:schemeClr val="lt1"/>
-          </a:fontRef>
-        </p:style>
-        <p:txBody>
-          <a:bodyPr rtlCol="0" anchor="ctr"/>
-          <a:lstStyle/>
-          <a:p>
-            <a:pPr algn="ctr"/>
-            <a:endParaRPr lang="en-US" dirty="0"/>
-          </a:p>
-        </p:txBody>
-      </p:sp>
-      <p:sp>
-        <p:nvSpPr>
-          <p:cNvPr id="6" name="Rectangle 5">
-            <a:extLst>
-              <a:ext uri="{FF2B5EF4-FFF2-40B4-BE49-F238E27FC236}">
-                <a16:creationId xmlns:a16="http://schemas.microsoft.com/office/drawing/2014/main" id="{E50A86E1-B22D-E848-89F6-227EB8781404}"/>
-              </a:ext>
-            </a:extLst>
-          </p:cNvPr>
-          <p:cNvSpPr/>
-          <p:nvPr/>
-        </p:nvSpPr>
-        <p:spPr>
-          <a:xfrm>
-            <a:off x="316590" y="1534566"/>
-            <a:ext cx="3236838" cy="763929"/>
-          </a:xfrm>
-          <a:prstGeom prst="rect">
-            <a:avLst/>
-          </a:prstGeom>
-          <a:solidFill>
-            <a:schemeClr val="bg1"/>
-          </a:solidFill>
-          <a:ln>
-            <a:solidFill>
-              <a:schemeClr val="bg1">
-                <a:lumMod val="50000"/>
-              </a:schemeClr>
-            </a:solidFill>
-            <a:prstDash val="solid"/>
-          </a:ln>
-        </p:spPr>
-        <p:style>
-          <a:lnRef idx="2">
-            <a:schemeClr val="accent1">
-              <a:shade val="50000"/>
-            </a:schemeClr>
-          </a:lnRef>
-          <a:fillRef idx="1">
-            <a:schemeClr val="accent1"/>
-          </a:fillRef>
-          <a:effectRef idx="0">
-            <a:schemeClr val="accent1"/>
-          </a:effectRef>
-          <a:fontRef idx="minor">
-            <a:schemeClr val="lt1"/>
-          </a:fontRef>
-        </p:style>
-        <p:txBody>
-          <a:bodyPr rtlCol="0" anchor="ctr"/>
-          <a:lstStyle/>
-          <a:p>
-            <a:pPr algn="ctr"/>
-            <a:r>
-              <a:rPr lang="en-US" sz="3200" b="1" dirty="0">
-                <a:solidFill>
-                  <a:schemeClr val="tx1"/>
-                </a:solidFill>
-                <a:latin typeface="Aharoni" panose="02010803020104030203" pitchFamily="2" charset="-79"/>
-                <a:cs typeface="Aharoni" panose="02010803020104030203" pitchFamily="2" charset="-79"/>
-              </a:rPr>
-              <a:t>STACKSIMPLIFY</a:t>
-            </a:r>
-          </a:p>
-        </p:txBody>
-      </p:sp>
-      <p:sp>
-        <p:nvSpPr>
-          <p:cNvPr id="9" name="Rounded Rectangle 8">
-            <a:extLst>
-              <a:ext uri="{FF2B5EF4-FFF2-40B4-BE49-F238E27FC236}">
-                <a16:creationId xmlns:a16="http://schemas.microsoft.com/office/drawing/2014/main" id="{76B67C1D-27BB-8441-982B-93A6C0C7DC75}"/>
-              </a:ext>
-            </a:extLst>
-          </p:cNvPr>
-          <p:cNvSpPr/>
-          <p:nvPr/>
-        </p:nvSpPr>
-        <p:spPr>
-          <a:xfrm>
-            <a:off x="4155311" y="632871"/>
-            <a:ext cx="10112200" cy="1276953"/>
-          </a:xfrm>
-          <a:prstGeom prst="roundRect">
-            <a:avLst/>
-          </a:prstGeom>
-          <a:solidFill>
-            <a:schemeClr val="bg2"/>
-          </a:solidFill>
-          <a:ln w="63500">
-            <a:solidFill>
-              <a:schemeClr val="bg1">
-                <a:lumMod val="50000"/>
-              </a:schemeClr>
-            </a:solidFill>
-          </a:ln>
-        </p:spPr>
-        <p:style>
-          <a:lnRef idx="2">
-            <a:schemeClr val="accent1">
-              <a:shade val="50000"/>
-            </a:schemeClr>
-          </a:lnRef>
-          <a:fillRef idx="1">
-            <a:schemeClr val="accent1"/>
-          </a:fillRef>
-          <a:effectRef idx="0">
-            <a:schemeClr val="accent1"/>
-          </a:effectRef>
-          <a:fontRef idx="minor">
-            <a:schemeClr val="lt1"/>
-          </a:fontRef>
-        </p:style>
-        <p:txBody>
-          <a:bodyPr rtlCol="0" anchor="ctr"/>
-          <a:lstStyle/>
-          <a:p>
-            <a:pPr algn="ctr"/>
-            <a:r>
-              <a:rPr lang="en-US" sz="3800" dirty="0">
-                <a:solidFill>
-                  <a:srgbClr val="C00000"/>
-                </a:solidFill>
-                <a:latin typeface="Aharoni" panose="02010803020104030203" pitchFamily="2" charset="-79"/>
-                <a:cs typeface="Aharoni" panose="02010803020104030203" pitchFamily="2" charset="-79"/>
-              </a:rPr>
-              <a:t>Kubernetes for Beginners</a:t>
-            </a:r>
-          </a:p>
-        </p:txBody>
-      </p:sp>
-      <p:sp>
-        <p:nvSpPr>
-          <p:cNvPr id="10" name="Rounded Rectangle 9">
-            <a:extLst>
-              <a:ext uri="{FF2B5EF4-FFF2-40B4-BE49-F238E27FC236}">
-                <a16:creationId xmlns:a16="http://schemas.microsoft.com/office/drawing/2014/main" id="{E4733713-4FF0-6043-9ACA-9925C77D05C7}"/>
-              </a:ext>
-            </a:extLst>
-          </p:cNvPr>
-          <p:cNvSpPr/>
-          <p:nvPr/>
-        </p:nvSpPr>
-        <p:spPr>
-          <a:xfrm>
-            <a:off x="4155310" y="2343879"/>
-            <a:ext cx="10112200" cy="1276953"/>
-          </a:xfrm>
-          <a:prstGeom prst="roundRect">
-            <a:avLst/>
-          </a:prstGeom>
-          <a:solidFill>
-            <a:schemeClr val="bg2"/>
-          </a:solidFill>
-          <a:ln w="63500">
-            <a:solidFill>
-              <a:schemeClr val="bg1">
-                <a:lumMod val="50000"/>
-              </a:schemeClr>
-            </a:solidFill>
-          </a:ln>
-        </p:spPr>
-        <p:style>
-          <a:lnRef idx="2">
-            <a:schemeClr val="accent1">
-              <a:shade val="50000"/>
-            </a:schemeClr>
-          </a:lnRef>
-          <a:fillRef idx="1">
-            <a:schemeClr val="accent1"/>
-          </a:fillRef>
-          <a:effectRef idx="0">
-            <a:schemeClr val="accent1"/>
-          </a:effectRef>
-          <a:fontRef idx="minor">
-            <a:schemeClr val="lt1"/>
-          </a:fontRef>
-        </p:style>
-        <p:txBody>
-          <a:bodyPr rtlCol="0" anchor="ctr"/>
-          <a:lstStyle/>
-          <a:p>
-            <a:pPr algn="ctr"/>
-            <a:r>
-              <a:rPr lang="en-US" sz="3800" dirty="0">
-                <a:solidFill>
-                  <a:srgbClr val="C00000"/>
-                </a:solidFill>
-                <a:latin typeface="Aharoni" panose="02010803020104030203" pitchFamily="2" charset="-79"/>
-                <a:cs typeface="Aharoni" panose="02010803020104030203" pitchFamily="2" charset="-79"/>
-              </a:rPr>
-              <a:t>AWS EKS Kubernetes - Masterclass | DevOps, Microservices</a:t>
-            </a:r>
-          </a:p>
-        </p:txBody>
-      </p:sp>
-      <p:sp>
-        <p:nvSpPr>
-          <p:cNvPr id="11" name="Rounded Rectangle 10">
-            <a:extLst>
-              <a:ext uri="{FF2B5EF4-FFF2-40B4-BE49-F238E27FC236}">
-                <a16:creationId xmlns:a16="http://schemas.microsoft.com/office/drawing/2014/main" id="{4EB2B9D8-87FA-3740-83C7-CFE88951F478}"/>
-              </a:ext>
-            </a:extLst>
-          </p:cNvPr>
-          <p:cNvSpPr/>
-          <p:nvPr/>
-        </p:nvSpPr>
-        <p:spPr>
-          <a:xfrm>
-            <a:off x="4155310" y="4118246"/>
-            <a:ext cx="10112200" cy="1276953"/>
-          </a:xfrm>
-          <a:prstGeom prst="roundRect">
-            <a:avLst/>
-          </a:prstGeom>
-          <a:solidFill>
-            <a:schemeClr val="bg2"/>
-          </a:solidFill>
-          <a:ln w="63500">
-            <a:solidFill>
-              <a:schemeClr val="bg1">
-                <a:lumMod val="50000"/>
-              </a:schemeClr>
-            </a:solidFill>
-          </a:ln>
-        </p:spPr>
-        <p:style>
-          <a:lnRef idx="2">
-            <a:schemeClr val="accent1">
-              <a:shade val="50000"/>
-            </a:schemeClr>
-          </a:lnRef>
-          <a:fillRef idx="1">
-            <a:schemeClr val="accent1"/>
-          </a:fillRef>
-          <a:effectRef idx="0">
-            <a:schemeClr val="accent1"/>
-          </a:effectRef>
-          <a:fontRef idx="minor">
-            <a:schemeClr val="lt1"/>
-          </a:fontRef>
-        </p:style>
-        <p:txBody>
-          <a:bodyPr rtlCol="0" anchor="ctr"/>
-          <a:lstStyle/>
-          <a:p>
-            <a:pPr algn="ctr"/>
-            <a:r>
-              <a:rPr lang="en-US" sz="3800" dirty="0">
-                <a:solidFill>
-                  <a:srgbClr val="C00000"/>
-                </a:solidFill>
-                <a:latin typeface="Aharoni" panose="02010803020104030203" pitchFamily="2" charset="-79"/>
-                <a:cs typeface="Aharoni" panose="02010803020104030203" pitchFamily="2" charset="-79"/>
-              </a:rPr>
-              <a:t>Azure Kubernetes AKS - Masterclass | DevOps, Microservices</a:t>
-            </a:r>
-          </a:p>
-        </p:txBody>
-      </p:sp>
-      <p:sp>
-        <p:nvSpPr>
-          <p:cNvPr id="12" name="Rounded Rectangle 11">
-            <a:extLst>
-              <a:ext uri="{FF2B5EF4-FFF2-40B4-BE49-F238E27FC236}">
-                <a16:creationId xmlns:a16="http://schemas.microsoft.com/office/drawing/2014/main" id="{C705029A-B091-E44A-8EDB-7B720FD2E73A}"/>
-              </a:ext>
-            </a:extLst>
-          </p:cNvPr>
-          <p:cNvSpPr/>
-          <p:nvPr/>
-        </p:nvSpPr>
-        <p:spPr>
-          <a:xfrm>
-            <a:off x="4155310" y="5887350"/>
-            <a:ext cx="10112200" cy="1276953"/>
-          </a:xfrm>
-          <a:prstGeom prst="roundRect">
-            <a:avLst/>
-          </a:prstGeom>
-          <a:solidFill>
-            <a:schemeClr val="bg2"/>
-          </a:solidFill>
-          <a:ln w="63500">
-            <a:solidFill>
-              <a:schemeClr val="bg1">
-                <a:lumMod val="50000"/>
-              </a:schemeClr>
-            </a:solidFill>
-          </a:ln>
-        </p:spPr>
-        <p:style>
-          <a:lnRef idx="2">
-            <a:schemeClr val="accent1">
-              <a:shade val="50000"/>
-            </a:schemeClr>
-          </a:lnRef>
-          <a:fillRef idx="1">
-            <a:schemeClr val="accent1"/>
-          </a:fillRef>
-          <a:effectRef idx="0">
-            <a:schemeClr val="accent1"/>
-          </a:effectRef>
-          <a:fontRef idx="minor">
-            <a:schemeClr val="lt1"/>
-          </a:fontRef>
-        </p:style>
-        <p:txBody>
-          <a:bodyPr rtlCol="0" anchor="ctr"/>
-          <a:lstStyle/>
-          <a:p>
-            <a:pPr algn="ctr"/>
-            <a:r>
-              <a:rPr lang="en-US" sz="3800" dirty="0">
-                <a:solidFill>
-                  <a:srgbClr val="C00000"/>
-                </a:solidFill>
-                <a:latin typeface="Aharoni" panose="02010803020104030203" pitchFamily="2" charset="-79"/>
-                <a:cs typeface="Aharoni" panose="02010803020104030203" pitchFamily="2" charset="-79"/>
-              </a:rPr>
-              <a:t>Google Kubernetes GKE - Masterclass | DevOps, Microservices</a:t>
-            </a:r>
-          </a:p>
-        </p:txBody>
-      </p:sp>
-      <p:sp>
-        <p:nvSpPr>
-          <p:cNvPr id="13" name="Rectangle 12">
-            <a:extLst>
-              <a:ext uri="{FF2B5EF4-FFF2-40B4-BE49-F238E27FC236}">
-                <a16:creationId xmlns:a16="http://schemas.microsoft.com/office/drawing/2014/main" id="{93FDE4D7-2E61-D044-8B5E-0F0332B1ACD9}"/>
-              </a:ext>
-            </a:extLst>
-          </p:cNvPr>
-          <p:cNvSpPr/>
-          <p:nvPr/>
-        </p:nvSpPr>
-        <p:spPr>
-          <a:xfrm>
-            <a:off x="316590" y="2586947"/>
-            <a:ext cx="3236838" cy="3760622"/>
-          </a:xfrm>
-          <a:prstGeom prst="rect">
-            <a:avLst/>
-          </a:prstGeom>
-          <a:solidFill>
-            <a:schemeClr val="bg1"/>
-          </a:solidFill>
-          <a:ln>
-            <a:solidFill>
-              <a:schemeClr val="bg1">
-                <a:lumMod val="50000"/>
-              </a:schemeClr>
-            </a:solidFill>
-            <a:prstDash val="solid"/>
-          </a:ln>
-        </p:spPr>
-        <p:style>
-          <a:lnRef idx="2">
-            <a:schemeClr val="accent1">
-              <a:shade val="50000"/>
-            </a:schemeClr>
-          </a:lnRef>
-          <a:fillRef idx="1">
-            <a:schemeClr val="accent1"/>
-          </a:fillRef>
-          <a:effectRef idx="0">
-            <a:schemeClr val="accent1"/>
-          </a:effectRef>
-          <a:fontRef idx="minor">
-            <a:schemeClr val="lt1"/>
-          </a:fontRef>
-        </p:style>
-        <p:txBody>
-          <a:bodyPr rtlCol="0" anchor="ctr"/>
-          <a:lstStyle/>
-          <a:p>
-            <a:pPr algn="ctr"/>
-            <a:r>
-              <a:rPr lang="en-US" sz="4300" b="1" dirty="0">
-                <a:solidFill>
-                  <a:srgbClr val="0070C0"/>
-                </a:solidFill>
-                <a:latin typeface="Aharoni" panose="02010803020104030203" pitchFamily="2" charset="-79"/>
-                <a:cs typeface="Aharoni" panose="02010803020104030203" pitchFamily="2" charset="-79"/>
-              </a:rPr>
-              <a:t>Kubernetes </a:t>
-            </a:r>
-          </a:p>
-          <a:p>
-            <a:pPr algn="ctr"/>
-            <a:r>
-              <a:rPr lang="en-US" sz="4300" b="1" dirty="0">
-                <a:solidFill>
-                  <a:srgbClr val="0070C0"/>
-                </a:solidFill>
-                <a:latin typeface="Aharoni" panose="02010803020104030203" pitchFamily="2" charset="-79"/>
-                <a:cs typeface="Aharoni" panose="02010803020104030203" pitchFamily="2" charset="-79"/>
-              </a:rPr>
-              <a:t>On</a:t>
-            </a:r>
-          </a:p>
-          <a:p>
-            <a:pPr algn="ctr"/>
-            <a:r>
-              <a:rPr lang="en-US" sz="4300" b="1" dirty="0">
-                <a:solidFill>
-                  <a:srgbClr val="0070C0"/>
-                </a:solidFill>
-                <a:latin typeface="Aharoni" panose="02010803020104030203" pitchFamily="2" charset="-79"/>
-                <a:cs typeface="Aharoni" panose="02010803020104030203" pitchFamily="2" charset="-79"/>
-              </a:rPr>
-              <a:t>Cloud</a:t>
-            </a:r>
-          </a:p>
-          <a:p>
-            <a:pPr algn="ctr"/>
-            <a:r>
-              <a:rPr lang="en-US" sz="4300" b="1" dirty="0">
-                <a:solidFill>
-                  <a:srgbClr val="0070C0"/>
-                </a:solidFill>
-                <a:latin typeface="Aharoni" panose="02010803020104030203" pitchFamily="2" charset="-79"/>
-                <a:cs typeface="Aharoni" panose="02010803020104030203" pitchFamily="2" charset="-79"/>
-              </a:rPr>
-              <a:t>Roadmap</a:t>
-            </a:r>
-          </a:p>
-        </p:txBody>
-      </p:sp>
-    </p:spTree>
-    <p:extLst>
-      <p:ext uri="{BB962C8B-B14F-4D97-AF65-F5344CB8AC3E}">
-        <p14:creationId xmlns:p14="http://schemas.microsoft.com/office/powerpoint/2010/main" val="1622765303"/>
-      </p:ext>
-    </p:extLst>
-  </p:cSld>
-  <p:clrMapOvr>
-    <a:masterClrMapping/>
-  </p:clrMapOvr>
-</p:sld>
-</file>
-
-<file path=ppt/slides/slide20.xml><?xml version="1.0" encoding="utf-8"?>
+<file path=ppt/slides/slide24.xml><?xml version="1.0" encoding="utf-8"?>
 <p:sld xmlns:a="http://schemas.openxmlformats.org/drawingml/2006/main" xmlns:r="http://schemas.openxmlformats.org/officeDocument/2006/relationships" xmlns:p="http://schemas.openxmlformats.org/presentationml/2006/main">
   <p:cSld>
     <p:spTree>
@@ -19425,7 +21910,7 @@
 </p:sld>
 </file>
 
-<file path=ppt/slides/slide21.xml><?xml version="1.0" encoding="utf-8"?>
+<file path=ppt/slides/slide25.xml><?xml version="1.0" encoding="utf-8"?>
 <p:sld xmlns:a="http://schemas.openxmlformats.org/drawingml/2006/main" xmlns:r="http://schemas.openxmlformats.org/officeDocument/2006/relationships" xmlns:p="http://schemas.openxmlformats.org/presentationml/2006/main">
   <p:cSld>
     <p:spTree>
@@ -19989,7 +22474,7 @@
 </p:sld>
 </file>
 
-<file path=ppt/slides/slide22.xml><?xml version="1.0" encoding="utf-8"?>
+<file path=ppt/slides/slide26.xml><?xml version="1.0" encoding="utf-8"?>
 <p:sld xmlns:a="http://schemas.openxmlformats.org/drawingml/2006/main" xmlns:r="http://schemas.openxmlformats.org/officeDocument/2006/relationships" xmlns:p="http://schemas.openxmlformats.org/presentationml/2006/main">
   <p:cSld>
     <p:spTree>
@@ -22880,7 +25365,7 @@
 </p:sld>
 </file>
 
-<file path=ppt/slides/slide23.xml><?xml version="1.0" encoding="utf-8"?>
+<file path=ppt/slides/slide27.xml><?xml version="1.0" encoding="utf-8"?>
 <p:sld xmlns:a="http://schemas.openxmlformats.org/drawingml/2006/main" xmlns:r="http://schemas.openxmlformats.org/officeDocument/2006/relationships" xmlns:p="http://schemas.openxmlformats.org/presentationml/2006/main">
   <p:cSld>
     <p:spTree>
@@ -27494,7 +29979,7 @@
 </p:sld>
 </file>
 
-<file path=ppt/slides/slide24.xml><?xml version="1.0" encoding="utf-8"?>
+<file path=ppt/slides/slide28.xml><?xml version="1.0" encoding="utf-8"?>
 <p:sld xmlns:a="http://schemas.openxmlformats.org/drawingml/2006/main" xmlns:r="http://schemas.openxmlformats.org/officeDocument/2006/relationships" xmlns:p="http://schemas.openxmlformats.org/presentationml/2006/main">
   <p:cSld>
     <p:spTree>
@@ -32091,7 +34576,7 @@
 </p:sld>
 </file>
 
-<file path=ppt/slides/slide25.xml><?xml version="1.0" encoding="utf-8"?>
+<file path=ppt/slides/slide29.xml><?xml version="1.0" encoding="utf-8"?>
 <p:sld xmlns:a="http://schemas.openxmlformats.org/drawingml/2006/main" xmlns:r="http://schemas.openxmlformats.org/officeDocument/2006/relationships" xmlns:p="http://schemas.openxmlformats.org/presentationml/2006/main">
   <p:cSld>
     <p:spTree>
@@ -32276,7 +34761,207 @@
 </p:sld>
 </file>
 
-<file path=ppt/slides/slide26.xml><?xml version="1.0" encoding="utf-8"?>
+<file path=ppt/slides/slide3.xml><?xml version="1.0" encoding="utf-8"?>
+<p:sld xmlns:a="http://schemas.openxmlformats.org/drawingml/2006/main" xmlns:r="http://schemas.openxmlformats.org/officeDocument/2006/relationships" xmlns:p="http://schemas.openxmlformats.org/presentationml/2006/main">
+  <p:cSld>
+    <p:spTree>
+      <p:nvGrpSpPr>
+        <p:cNvPr id="1" name=""/>
+        <p:cNvGrpSpPr/>
+        <p:nvPr/>
+      </p:nvGrpSpPr>
+      <p:grpSpPr>
+        <a:xfrm>
+          <a:off x="0" y="0"/>
+          <a:ext cx="0" cy="0"/>
+          <a:chOff x="0" y="0"/>
+          <a:chExt cx="0" cy="0"/>
+        </a:xfrm>
+      </p:grpSpPr>
+      <p:sp>
+        <p:nvSpPr>
+          <p:cNvPr id="2" name="Footer Placeholder 1">
+            <a:extLst>
+              <a:ext uri="{FF2B5EF4-FFF2-40B4-BE49-F238E27FC236}">
+                <a16:creationId xmlns:a16="http://schemas.microsoft.com/office/drawing/2014/main" id="{A0A0BD00-D8DC-45C9-9C82-0E8430B96A5E}"/>
+              </a:ext>
+            </a:extLst>
+          </p:cNvPr>
+          <p:cNvSpPr>
+            <a:spLocks noGrp="1"/>
+          </p:cNvSpPr>
+          <p:nvPr>
+            <p:ph type="ftr" sz="quarter" idx="10"/>
+          </p:nvPr>
+        </p:nvSpPr>
+        <p:spPr/>
+        <p:txBody>
+          <a:bodyPr/>
+          <a:lstStyle/>
+          <a:p>
+            <a:pPr algn="l"/>
+            <a:r>
+              <a:rPr lang="en-US"/>
+              <a:t>© Kalyan Reddy Daida</a:t>
+            </a:r>
+            <a:endParaRPr lang="en-GB" dirty="0"/>
+          </a:p>
+        </p:txBody>
+      </p:sp>
+      <p:pic>
+        <p:nvPicPr>
+          <p:cNvPr id="1026" name="Picture 2" descr="Kubernetes - Wikipedia">
+            <a:extLst>
+              <a:ext uri="{FF2B5EF4-FFF2-40B4-BE49-F238E27FC236}">
+                <a16:creationId xmlns:a16="http://schemas.microsoft.com/office/drawing/2014/main" id="{79A16920-295F-4532-8573-E88C8EF891E6}"/>
+              </a:ext>
+            </a:extLst>
+          </p:cNvPr>
+          <p:cNvPicPr>
+            <a:picLocks noChangeAspect="1" noChangeArrowheads="1"/>
+          </p:cNvPicPr>
+          <p:nvPr/>
+        </p:nvPicPr>
+        <p:blipFill>
+          <a:blip r:embed="rId2">
+            <a:extLst>
+              <a:ext uri="{28A0092B-C50C-407E-A947-70E740481C1C}">
+                <a14:useLocalDpi xmlns:a14="http://schemas.microsoft.com/office/drawing/2010/main" val="0"/>
+              </a:ext>
+            </a:extLst>
+          </a:blip>
+          <a:srcRect/>
+          <a:stretch>
+            <a:fillRect/>
+          </a:stretch>
+        </p:blipFill>
+        <p:spPr bwMode="auto">
+          <a:xfrm>
+            <a:off x="9971364" y="1985978"/>
+            <a:ext cx="4385767" cy="4257644"/>
+          </a:xfrm>
+          <a:prstGeom prst="rect">
+            <a:avLst/>
+          </a:prstGeom>
+          <a:noFill/>
+          <a:extLst>
+            <a:ext uri="{909E8E84-426E-40DD-AFC4-6F175D3DCCD1}">
+              <a14:hiddenFill xmlns:a14="http://schemas.microsoft.com/office/drawing/2010/main">
+                <a:solidFill>
+                  <a:srgbClr val="FFFFFF"/>
+                </a:solidFill>
+              </a14:hiddenFill>
+            </a:ext>
+          </a:extLst>
+        </p:spPr>
+      </p:pic>
+      <p:sp>
+        <p:nvSpPr>
+          <p:cNvPr id="8" name="Content Placeholder 2">
+            <a:extLst>
+              <a:ext uri="{FF2B5EF4-FFF2-40B4-BE49-F238E27FC236}">
+                <a16:creationId xmlns:a16="http://schemas.microsoft.com/office/drawing/2014/main" id="{09329F3B-B988-4BA0-9BEA-4847C35EA442}"/>
+              </a:ext>
+            </a:extLst>
+          </p:cNvPr>
+          <p:cNvSpPr>
+            <a:spLocks noGrp="1"/>
+          </p:cNvSpPr>
+          <p:nvPr>
+            <p:ph idx="1"/>
+          </p:nvPr>
+        </p:nvSpPr>
+        <p:spPr>
+          <a:xfrm>
+            <a:off x="2748879" y="2928922"/>
+            <a:ext cx="8390701" cy="1089553"/>
+          </a:xfrm>
+        </p:spPr>
+        <p:txBody>
+          <a:bodyPr>
+            <a:noAutofit/>
+          </a:bodyPr>
+          <a:lstStyle/>
+          <a:p>
+            <a:pPr marL="0" indent="0" algn="ctr">
+              <a:buNone/>
+            </a:pPr>
+            <a:r>
+              <a:rPr lang="en-US" sz="7000" b="1" dirty="0">
+                <a:solidFill>
+                  <a:schemeClr val="accent6">
+                    <a:lumMod val="75000"/>
+                  </a:schemeClr>
+                </a:solidFill>
+              </a:rPr>
+              <a:t>AWS EKS</a:t>
+            </a:r>
+          </a:p>
+          <a:p>
+            <a:pPr marL="0" indent="0" algn="ctr">
+              <a:buNone/>
+            </a:pPr>
+            <a:r>
+              <a:rPr lang="en-US" sz="7000" b="1" dirty="0">
+                <a:solidFill>
+                  <a:srgbClr val="00B050"/>
+                </a:solidFill>
+              </a:rPr>
+              <a:t>Cluster</a:t>
+            </a:r>
+          </a:p>
+        </p:txBody>
+      </p:sp>
+      <p:pic>
+        <p:nvPicPr>
+          <p:cNvPr id="5" name="Graphic 4">
+            <a:extLst>
+              <a:ext uri="{FF2B5EF4-FFF2-40B4-BE49-F238E27FC236}">
+                <a16:creationId xmlns:a16="http://schemas.microsoft.com/office/drawing/2014/main" id="{C5DB0ADC-2D3C-4AE9-87AC-FBFAA0CA0CDB}"/>
+              </a:ext>
+            </a:extLst>
+          </p:cNvPr>
+          <p:cNvPicPr>
+            <a:picLocks noChangeAspect="1"/>
+          </p:cNvPicPr>
+          <p:nvPr/>
+        </p:nvPicPr>
+        <p:blipFill>
+          <a:blip r:embed="rId3">
+            <a:extLst>
+              <a:ext uri="{96DAC541-7B7A-43D3-8B79-37D633B846F1}">
+                <asvg:svgBlip xmlns:asvg="http://schemas.microsoft.com/office/drawing/2016/SVG/main" r:embed="rId4"/>
+              </a:ext>
+            </a:extLst>
+          </a:blip>
+          <a:stretch>
+            <a:fillRect/>
+          </a:stretch>
+        </p:blipFill>
+        <p:spPr>
+          <a:xfrm>
+            <a:off x="171194" y="2392617"/>
+            <a:ext cx="3745901" cy="3745901"/>
+          </a:xfrm>
+          <a:prstGeom prst="rect">
+            <a:avLst/>
+          </a:prstGeom>
+        </p:spPr>
+      </p:pic>
+    </p:spTree>
+    <p:extLst>
+      <p:ext uri="{BB962C8B-B14F-4D97-AF65-F5344CB8AC3E}">
+        <p14:creationId xmlns:p14="http://schemas.microsoft.com/office/powerpoint/2010/main" val="2647312038"/>
+      </p:ext>
+    </p:extLst>
+  </p:cSld>
+  <p:clrMapOvr>
+    <a:masterClrMapping/>
+  </p:clrMapOvr>
+</p:sld>
+</file>
+
+<file path=ppt/slides/slide30.xml><?xml version="1.0" encoding="utf-8"?>
 <p:sld xmlns:a="http://schemas.openxmlformats.org/drawingml/2006/main" xmlns:r="http://schemas.openxmlformats.org/officeDocument/2006/relationships" xmlns:p="http://schemas.openxmlformats.org/presentationml/2006/main">
   <p:cSld>
     <p:spTree>
@@ -32440,7 +35125,7 @@
 </p:sld>
 </file>
 
-<file path=ppt/slides/slide27.xml><?xml version="1.0" encoding="utf-8"?>
+<file path=ppt/slides/slide31.xml><?xml version="1.0" encoding="utf-8"?>
 <p:sld xmlns:a="http://schemas.openxmlformats.org/drawingml/2006/main" xmlns:r="http://schemas.openxmlformats.org/officeDocument/2006/relationships" xmlns:p="http://schemas.openxmlformats.org/presentationml/2006/main">
   <p:cSld>
     <p:spTree>
@@ -34182,7 +36867,7 @@
 </p:sld>
 </file>
 
-<file path=ppt/slides/slide28.xml><?xml version="1.0" encoding="utf-8"?>
+<file path=ppt/slides/slide32.xml><?xml version="1.0" encoding="utf-8"?>
 <p:sld xmlns:a="http://schemas.openxmlformats.org/drawingml/2006/main" xmlns:r="http://schemas.openxmlformats.org/officeDocument/2006/relationships" xmlns:p="http://schemas.openxmlformats.org/presentationml/2006/main">
   <p:cSld>
     <p:spTree>
@@ -37362,637 +40047,6 @@
 </p:sld>
 </file>
 
-<file path=ppt/slides/slide29.xml><?xml version="1.0" encoding="utf-8"?>
-<p:sld xmlns:a="http://schemas.openxmlformats.org/drawingml/2006/main" xmlns:r="http://schemas.openxmlformats.org/officeDocument/2006/relationships" xmlns:p="http://schemas.openxmlformats.org/presentationml/2006/main">
-  <p:cSld>
-    <p:spTree>
-      <p:nvGrpSpPr>
-        <p:cNvPr id="1" name=""/>
-        <p:cNvGrpSpPr/>
-        <p:nvPr/>
-      </p:nvGrpSpPr>
-      <p:grpSpPr>
-        <a:xfrm>
-          <a:off x="0" y="0"/>
-          <a:ext cx="0" cy="0"/>
-          <a:chOff x="0" y="0"/>
-          <a:chExt cx="0" cy="0"/>
-        </a:xfrm>
-      </p:grpSpPr>
-      <p:sp>
-        <p:nvSpPr>
-          <p:cNvPr id="2" name="Footer Placeholder 1">
-            <a:extLst>
-              <a:ext uri="{FF2B5EF4-FFF2-40B4-BE49-F238E27FC236}">
-                <a16:creationId xmlns:a16="http://schemas.microsoft.com/office/drawing/2014/main" id="{ACBAA66F-108E-4D7D-927B-21A65FD36947}"/>
-              </a:ext>
-            </a:extLst>
-          </p:cNvPr>
-          <p:cNvSpPr>
-            <a:spLocks noGrp="1"/>
-          </p:cNvSpPr>
-          <p:nvPr>
-            <p:ph type="ftr" sz="quarter" idx="10"/>
-          </p:nvPr>
-        </p:nvSpPr>
-        <p:spPr/>
-        <p:txBody>
-          <a:bodyPr/>
-          <a:lstStyle/>
-          <a:p>
-            <a:pPr algn="l"/>
-            <a:r>
-              <a:rPr lang="en-US"/>
-              <a:t>© Kalyan Reddy Daida</a:t>
-            </a:r>
-            <a:endParaRPr lang="en-GB" dirty="0"/>
-          </a:p>
-        </p:txBody>
-      </p:sp>
-      <p:sp>
-        <p:nvSpPr>
-          <p:cNvPr id="3" name="Content Placeholder 2">
-            <a:extLst>
-              <a:ext uri="{FF2B5EF4-FFF2-40B4-BE49-F238E27FC236}">
-                <a16:creationId xmlns:a16="http://schemas.microsoft.com/office/drawing/2014/main" id="{65760CCB-86BD-43F4-9847-E1B85E15699E}"/>
-              </a:ext>
-            </a:extLst>
-          </p:cNvPr>
-          <p:cNvSpPr>
-            <a:spLocks noGrp="1"/>
-          </p:cNvSpPr>
-          <p:nvPr>
-            <p:ph idx="1"/>
-          </p:nvPr>
-        </p:nvSpPr>
-        <p:spPr/>
-        <p:txBody>
-          <a:bodyPr/>
-          <a:lstStyle/>
-          <a:p>
-            <a:endParaRPr lang="en-IN"/>
-          </a:p>
-        </p:txBody>
-      </p:sp>
-      <p:sp>
-        <p:nvSpPr>
-          <p:cNvPr id="4" name="Title 3">
-            <a:extLst>
-              <a:ext uri="{FF2B5EF4-FFF2-40B4-BE49-F238E27FC236}">
-                <a16:creationId xmlns:a16="http://schemas.microsoft.com/office/drawing/2014/main" id="{58475769-F533-45B5-9A97-0C4CDA4741C1}"/>
-              </a:ext>
-            </a:extLst>
-          </p:cNvPr>
-          <p:cNvSpPr>
-            <a:spLocks noGrp="1"/>
-          </p:cNvSpPr>
-          <p:nvPr>
-            <p:ph type="title"/>
-          </p:nvPr>
-        </p:nvSpPr>
-        <p:spPr/>
-        <p:txBody>
-          <a:bodyPr>
-            <a:normAutofit fontScale="90000"/>
-          </a:bodyPr>
-          <a:lstStyle/>
-          <a:p>
-            <a:r>
-              <a:rPr lang="en-IN" dirty="0"/>
-              <a:t>Kubernetes – </a:t>
-            </a:r>
-            <a:r>
-              <a:rPr lang="en-IN" dirty="0">
-                <a:solidFill>
-                  <a:srgbClr val="00B050"/>
-                </a:solidFill>
-              </a:rPr>
-              <a:t>Deployment Rollout &amp; Versioning</a:t>
-            </a:r>
-          </a:p>
-        </p:txBody>
-      </p:sp>
-    </p:spTree>
-    <p:extLst>
-      <p:ext uri="{BB962C8B-B14F-4D97-AF65-F5344CB8AC3E}">
-        <p14:creationId xmlns:p14="http://schemas.microsoft.com/office/powerpoint/2010/main" val="3102850867"/>
-      </p:ext>
-    </p:extLst>
-  </p:cSld>
-  <p:clrMapOvr>
-    <a:masterClrMapping/>
-  </p:clrMapOvr>
-</p:sld>
-</file>
-
-<file path=ppt/slides/slide3.xml><?xml version="1.0" encoding="utf-8"?>
-<p:sld xmlns:a="http://schemas.openxmlformats.org/drawingml/2006/main" xmlns:r="http://schemas.openxmlformats.org/officeDocument/2006/relationships" xmlns:p="http://schemas.openxmlformats.org/presentationml/2006/main">
-  <p:cSld>
-    <p:spTree>
-      <p:nvGrpSpPr>
-        <p:cNvPr id="1" name=""/>
-        <p:cNvGrpSpPr/>
-        <p:nvPr/>
-      </p:nvGrpSpPr>
-      <p:grpSpPr>
-        <a:xfrm>
-          <a:off x="0" y="0"/>
-          <a:ext cx="0" cy="0"/>
-          <a:chOff x="0" y="0"/>
-          <a:chExt cx="0" cy="0"/>
-        </a:xfrm>
-      </p:grpSpPr>
-      <p:sp>
-        <p:nvSpPr>
-          <p:cNvPr id="2" name="Footer Placeholder 1"/>
-          <p:cNvSpPr>
-            <a:spLocks noGrp="1"/>
-          </p:cNvSpPr>
-          <p:nvPr>
-            <p:ph type="ftr" sz="quarter" idx="10"/>
-          </p:nvPr>
-        </p:nvSpPr>
-        <p:spPr/>
-        <p:txBody>
-          <a:bodyPr/>
-          <a:lstStyle/>
-          <a:p>
-            <a:pPr algn="l"/>
-            <a:r>
-              <a:rPr lang="en-US" dirty="0"/>
-              <a:t>© Kalyan Reddy </a:t>
-            </a:r>
-            <a:r>
-              <a:rPr lang="en-US" dirty="0" err="1"/>
-              <a:t>Daida</a:t>
-            </a:r>
-            <a:endParaRPr lang="en-GB" dirty="0"/>
-          </a:p>
-        </p:txBody>
-      </p:sp>
-      <p:sp>
-        <p:nvSpPr>
-          <p:cNvPr id="3" name="Content Placeholder 2"/>
-          <p:cNvSpPr>
-            <a:spLocks noGrp="1"/>
-          </p:cNvSpPr>
-          <p:nvPr>
-            <p:ph idx="1"/>
-          </p:nvPr>
-        </p:nvSpPr>
-        <p:spPr>
-          <a:xfrm>
-            <a:off x="1187252" y="3025247"/>
-            <a:ext cx="8390701" cy="1089553"/>
-          </a:xfrm>
-        </p:spPr>
-        <p:txBody>
-          <a:bodyPr>
-            <a:noAutofit/>
-          </a:bodyPr>
-          <a:lstStyle/>
-          <a:p>
-            <a:pPr marL="0" indent="0" algn="ctr">
-              <a:buNone/>
-            </a:pPr>
-            <a:r>
-              <a:rPr lang="en-US" sz="7000" b="1" dirty="0">
-                <a:solidFill>
-                  <a:schemeClr val="accent6">
-                    <a:lumMod val="75000"/>
-                  </a:schemeClr>
-                </a:solidFill>
-              </a:rPr>
-              <a:t>AWS EC2</a:t>
-            </a:r>
-          </a:p>
-          <a:p>
-            <a:pPr marL="0" indent="0" algn="ctr">
-              <a:buNone/>
-            </a:pPr>
-            <a:r>
-              <a:rPr lang="en-US" sz="7000" b="1" dirty="0">
-                <a:solidFill>
-                  <a:srgbClr val="00B050"/>
-                </a:solidFill>
-              </a:rPr>
-              <a:t>Launch Templates</a:t>
-            </a:r>
-          </a:p>
-        </p:txBody>
-      </p:sp>
-      <p:pic>
-        <p:nvPicPr>
-          <p:cNvPr id="5" name="Graphic 4">
-            <a:extLst>
-              <a:ext uri="{FF2B5EF4-FFF2-40B4-BE49-F238E27FC236}">
-                <a16:creationId xmlns:a16="http://schemas.microsoft.com/office/drawing/2014/main" id="{17DA7245-C97C-47B4-8407-27988A0E3680}"/>
-              </a:ext>
-            </a:extLst>
-          </p:cNvPr>
-          <p:cNvPicPr>
-            <a:picLocks noChangeAspect="1"/>
-          </p:cNvPicPr>
-          <p:nvPr/>
-        </p:nvPicPr>
-        <p:blipFill>
-          <a:blip r:embed="rId2">
-            <a:extLst>
-              <a:ext uri="{96DAC541-7B7A-43D3-8B79-37D633B846F1}">
-                <asvg:svgBlip xmlns:asvg="http://schemas.microsoft.com/office/drawing/2016/SVG/main" r:embed="rId3"/>
-              </a:ext>
-            </a:extLst>
-          </a:blip>
-          <a:stretch>
-            <a:fillRect/>
-          </a:stretch>
-        </p:blipFill>
-        <p:spPr>
-          <a:xfrm>
-            <a:off x="10418779" y="2361115"/>
-            <a:ext cx="3234157" cy="3234157"/>
-          </a:xfrm>
-          <a:prstGeom prst="rect">
-            <a:avLst/>
-          </a:prstGeom>
-        </p:spPr>
-      </p:pic>
-    </p:spTree>
-    <p:extLst>
-      <p:ext uri="{BB962C8B-B14F-4D97-AF65-F5344CB8AC3E}">
-        <p14:creationId xmlns:p14="http://schemas.microsoft.com/office/powerpoint/2010/main" val="713328006"/>
-      </p:ext>
-    </p:extLst>
-  </p:cSld>
-  <p:clrMapOvr>
-    <a:masterClrMapping/>
-  </p:clrMapOvr>
-</p:sld>
-</file>
-
-<file path=ppt/slides/slide30.xml><?xml version="1.0" encoding="utf-8"?>
-<p:sld xmlns:a="http://schemas.openxmlformats.org/drawingml/2006/main" xmlns:r="http://schemas.openxmlformats.org/officeDocument/2006/relationships" xmlns:p="http://schemas.openxmlformats.org/presentationml/2006/main">
-  <p:cSld>
-    <p:spTree>
-      <p:nvGrpSpPr>
-        <p:cNvPr id="1" name=""/>
-        <p:cNvGrpSpPr/>
-        <p:nvPr/>
-      </p:nvGrpSpPr>
-      <p:grpSpPr>
-        <a:xfrm>
-          <a:off x="0" y="0"/>
-          <a:ext cx="0" cy="0"/>
-          <a:chOff x="0" y="0"/>
-          <a:chExt cx="0" cy="0"/>
-        </a:xfrm>
-      </p:grpSpPr>
-      <p:sp>
-        <p:nvSpPr>
-          <p:cNvPr id="2" name="Footer Placeholder 1">
-            <a:extLst>
-              <a:ext uri="{FF2B5EF4-FFF2-40B4-BE49-F238E27FC236}">
-                <a16:creationId xmlns:a16="http://schemas.microsoft.com/office/drawing/2014/main" id="{7F9AED0C-E069-466C-BCF8-14816F0F8ABD}"/>
-              </a:ext>
-            </a:extLst>
-          </p:cNvPr>
-          <p:cNvSpPr>
-            <a:spLocks noGrp="1"/>
-          </p:cNvSpPr>
-          <p:nvPr>
-            <p:ph type="ftr" sz="quarter" idx="10"/>
-          </p:nvPr>
-        </p:nvSpPr>
-        <p:spPr/>
-        <p:txBody>
-          <a:bodyPr/>
-          <a:lstStyle/>
-          <a:p>
-            <a:pPr algn="l"/>
-            <a:r>
-              <a:rPr lang="en-US"/>
-              <a:t>© Kalyan Reddy Daida</a:t>
-            </a:r>
-            <a:endParaRPr lang="en-GB" dirty="0"/>
-          </a:p>
-        </p:txBody>
-      </p:sp>
-      <p:sp>
-        <p:nvSpPr>
-          <p:cNvPr id="3" name="Content Placeholder 2">
-            <a:extLst>
-              <a:ext uri="{FF2B5EF4-FFF2-40B4-BE49-F238E27FC236}">
-                <a16:creationId xmlns:a16="http://schemas.microsoft.com/office/drawing/2014/main" id="{B625E5F2-A681-4E86-86A6-A12124904736}"/>
-              </a:ext>
-            </a:extLst>
-          </p:cNvPr>
-          <p:cNvSpPr>
-            <a:spLocks noGrp="1"/>
-          </p:cNvSpPr>
-          <p:nvPr>
-            <p:ph idx="1"/>
-          </p:nvPr>
-        </p:nvSpPr>
-        <p:spPr/>
-        <p:txBody>
-          <a:bodyPr/>
-          <a:lstStyle/>
-          <a:p>
-            <a:endParaRPr lang="en-IN"/>
-          </a:p>
-        </p:txBody>
-      </p:sp>
-      <p:sp>
-        <p:nvSpPr>
-          <p:cNvPr id="4" name="Title 3">
-            <a:extLst>
-              <a:ext uri="{FF2B5EF4-FFF2-40B4-BE49-F238E27FC236}">
-                <a16:creationId xmlns:a16="http://schemas.microsoft.com/office/drawing/2014/main" id="{579E1EB8-ECCA-4454-86B7-50E2F47B7D2C}"/>
-              </a:ext>
-            </a:extLst>
-          </p:cNvPr>
-          <p:cNvSpPr>
-            <a:spLocks noGrp="1"/>
-          </p:cNvSpPr>
-          <p:nvPr>
-            <p:ph type="title"/>
-          </p:nvPr>
-        </p:nvSpPr>
-        <p:spPr/>
-        <p:txBody>
-          <a:bodyPr/>
-          <a:lstStyle/>
-          <a:p>
-            <a:r>
-              <a:rPr lang="en-IN" dirty="0"/>
-              <a:t>Kubernetes – </a:t>
-            </a:r>
-            <a:r>
-              <a:rPr lang="en-IN" dirty="0">
-                <a:solidFill>
-                  <a:srgbClr val="00B050"/>
-                </a:solidFill>
-              </a:rPr>
-              <a:t>Deployment Strategy</a:t>
-            </a:r>
-          </a:p>
-        </p:txBody>
-      </p:sp>
-    </p:spTree>
-    <p:extLst>
-      <p:ext uri="{BB962C8B-B14F-4D97-AF65-F5344CB8AC3E}">
-        <p14:creationId xmlns:p14="http://schemas.microsoft.com/office/powerpoint/2010/main" val="1532706124"/>
-      </p:ext>
-    </p:extLst>
-  </p:cSld>
-  <p:clrMapOvr>
-    <a:masterClrMapping/>
-  </p:clrMapOvr>
-</p:sld>
-</file>
-
-<file path=ppt/slides/slide31.xml><?xml version="1.0" encoding="utf-8"?>
-<p:sld xmlns:a="http://schemas.openxmlformats.org/drawingml/2006/main" xmlns:r="http://schemas.openxmlformats.org/officeDocument/2006/relationships" xmlns:p="http://schemas.openxmlformats.org/presentationml/2006/main">
-  <p:cSld>
-    <p:spTree>
-      <p:nvGrpSpPr>
-        <p:cNvPr id="1" name=""/>
-        <p:cNvGrpSpPr/>
-        <p:nvPr/>
-      </p:nvGrpSpPr>
-      <p:grpSpPr>
-        <a:xfrm>
-          <a:off x="0" y="0"/>
-          <a:ext cx="0" cy="0"/>
-          <a:chOff x="0" y="0"/>
-          <a:chExt cx="0" cy="0"/>
-        </a:xfrm>
-      </p:grpSpPr>
-      <p:sp>
-        <p:nvSpPr>
-          <p:cNvPr id="2" name="Footer Placeholder 1">
-            <a:extLst>
-              <a:ext uri="{FF2B5EF4-FFF2-40B4-BE49-F238E27FC236}">
-                <a16:creationId xmlns:a16="http://schemas.microsoft.com/office/drawing/2014/main" id="{28F342ED-11A1-4AB9-A424-1870C343A51D}"/>
-              </a:ext>
-            </a:extLst>
-          </p:cNvPr>
-          <p:cNvSpPr>
-            <a:spLocks noGrp="1"/>
-          </p:cNvSpPr>
-          <p:nvPr>
-            <p:ph type="ftr" sz="quarter" idx="10"/>
-          </p:nvPr>
-        </p:nvSpPr>
-        <p:spPr/>
-        <p:txBody>
-          <a:bodyPr/>
-          <a:lstStyle/>
-          <a:p>
-            <a:pPr algn="l"/>
-            <a:r>
-              <a:rPr lang="en-US"/>
-              <a:t>© Kalyan Reddy Daida</a:t>
-            </a:r>
-            <a:endParaRPr lang="en-GB" dirty="0"/>
-          </a:p>
-        </p:txBody>
-      </p:sp>
-      <p:sp>
-        <p:nvSpPr>
-          <p:cNvPr id="3" name="Content Placeholder 2">
-            <a:extLst>
-              <a:ext uri="{FF2B5EF4-FFF2-40B4-BE49-F238E27FC236}">
-                <a16:creationId xmlns:a16="http://schemas.microsoft.com/office/drawing/2014/main" id="{3D9ED234-36BC-4FFE-B154-695AFDA70141}"/>
-              </a:ext>
-            </a:extLst>
-          </p:cNvPr>
-          <p:cNvSpPr>
-            <a:spLocks noGrp="1"/>
-          </p:cNvSpPr>
-          <p:nvPr>
-            <p:ph idx="1"/>
-          </p:nvPr>
-        </p:nvSpPr>
-        <p:spPr/>
-        <p:txBody>
-          <a:bodyPr/>
-          <a:lstStyle/>
-          <a:p>
-            <a:endParaRPr lang="en-IN"/>
-          </a:p>
-        </p:txBody>
-      </p:sp>
-      <p:sp>
-        <p:nvSpPr>
-          <p:cNvPr id="4" name="Title 3">
-            <a:extLst>
-              <a:ext uri="{FF2B5EF4-FFF2-40B4-BE49-F238E27FC236}">
-                <a16:creationId xmlns:a16="http://schemas.microsoft.com/office/drawing/2014/main" id="{A0311B68-C33B-4A8A-AB09-6121FAA72813}"/>
-              </a:ext>
-            </a:extLst>
-          </p:cNvPr>
-          <p:cNvSpPr>
-            <a:spLocks noGrp="1"/>
-          </p:cNvSpPr>
-          <p:nvPr>
-            <p:ph type="title"/>
-          </p:nvPr>
-        </p:nvSpPr>
-        <p:spPr/>
-        <p:txBody>
-          <a:bodyPr/>
-          <a:lstStyle/>
-          <a:p>
-            <a:r>
-              <a:rPr lang="en-IN" dirty="0"/>
-              <a:t>Kubernetes – </a:t>
-            </a:r>
-            <a:r>
-              <a:rPr lang="en-IN" dirty="0">
-                <a:solidFill>
-                  <a:srgbClr val="00B050"/>
-                </a:solidFill>
-              </a:rPr>
-              <a:t>Deployment Upgrades</a:t>
-            </a:r>
-          </a:p>
-        </p:txBody>
-      </p:sp>
-    </p:spTree>
-    <p:extLst>
-      <p:ext uri="{BB962C8B-B14F-4D97-AF65-F5344CB8AC3E}">
-        <p14:creationId xmlns:p14="http://schemas.microsoft.com/office/powerpoint/2010/main" val="710650650"/>
-      </p:ext>
-    </p:extLst>
-  </p:cSld>
-  <p:clrMapOvr>
-    <a:masterClrMapping/>
-  </p:clrMapOvr>
-</p:sld>
-</file>
-
-<file path=ppt/slides/slide32.xml><?xml version="1.0" encoding="utf-8"?>
-<p:sld xmlns:a="http://schemas.openxmlformats.org/drawingml/2006/main" xmlns:r="http://schemas.openxmlformats.org/officeDocument/2006/relationships" xmlns:p="http://schemas.openxmlformats.org/presentationml/2006/main">
-  <p:cSld>
-    <p:spTree>
-      <p:nvGrpSpPr>
-        <p:cNvPr id="1" name=""/>
-        <p:cNvGrpSpPr/>
-        <p:nvPr/>
-      </p:nvGrpSpPr>
-      <p:grpSpPr>
-        <a:xfrm>
-          <a:off x="0" y="0"/>
-          <a:ext cx="0" cy="0"/>
-          <a:chOff x="0" y="0"/>
-          <a:chExt cx="0" cy="0"/>
-        </a:xfrm>
-      </p:grpSpPr>
-      <p:sp>
-        <p:nvSpPr>
-          <p:cNvPr id="2" name="Footer Placeholder 1">
-            <a:extLst>
-              <a:ext uri="{FF2B5EF4-FFF2-40B4-BE49-F238E27FC236}">
-                <a16:creationId xmlns:a16="http://schemas.microsoft.com/office/drawing/2014/main" id="{28F342ED-11A1-4AB9-A424-1870C343A51D}"/>
-              </a:ext>
-            </a:extLst>
-          </p:cNvPr>
-          <p:cNvSpPr>
-            <a:spLocks noGrp="1"/>
-          </p:cNvSpPr>
-          <p:nvPr>
-            <p:ph type="ftr" sz="quarter" idx="10"/>
-          </p:nvPr>
-        </p:nvSpPr>
-        <p:spPr/>
-        <p:txBody>
-          <a:bodyPr/>
-          <a:lstStyle/>
-          <a:p>
-            <a:pPr algn="l"/>
-            <a:r>
-              <a:rPr lang="en-US"/>
-              <a:t>© Kalyan Reddy Daida</a:t>
-            </a:r>
-            <a:endParaRPr lang="en-GB" dirty="0"/>
-          </a:p>
-        </p:txBody>
-      </p:sp>
-      <p:sp>
-        <p:nvSpPr>
-          <p:cNvPr id="3" name="Content Placeholder 2">
-            <a:extLst>
-              <a:ext uri="{FF2B5EF4-FFF2-40B4-BE49-F238E27FC236}">
-                <a16:creationId xmlns:a16="http://schemas.microsoft.com/office/drawing/2014/main" id="{3D9ED234-36BC-4FFE-B154-695AFDA70141}"/>
-              </a:ext>
-            </a:extLst>
-          </p:cNvPr>
-          <p:cNvSpPr>
-            <a:spLocks noGrp="1"/>
-          </p:cNvSpPr>
-          <p:nvPr>
-            <p:ph idx="1"/>
-          </p:nvPr>
-        </p:nvSpPr>
-        <p:spPr/>
-        <p:txBody>
-          <a:bodyPr/>
-          <a:lstStyle/>
-          <a:p>
-            <a:endParaRPr lang="en-IN"/>
-          </a:p>
-        </p:txBody>
-      </p:sp>
-      <p:sp>
-        <p:nvSpPr>
-          <p:cNvPr id="4" name="Title 3">
-            <a:extLst>
-              <a:ext uri="{FF2B5EF4-FFF2-40B4-BE49-F238E27FC236}">
-                <a16:creationId xmlns:a16="http://schemas.microsoft.com/office/drawing/2014/main" id="{A0311B68-C33B-4A8A-AB09-6121FAA72813}"/>
-              </a:ext>
-            </a:extLst>
-          </p:cNvPr>
-          <p:cNvSpPr>
-            <a:spLocks noGrp="1"/>
-          </p:cNvSpPr>
-          <p:nvPr>
-            <p:ph type="title"/>
-          </p:nvPr>
-        </p:nvSpPr>
-        <p:spPr/>
-        <p:txBody>
-          <a:bodyPr/>
-          <a:lstStyle/>
-          <a:p>
-            <a:r>
-              <a:rPr lang="en-IN" dirty="0"/>
-              <a:t>Kubernetes – </a:t>
-            </a:r>
-            <a:r>
-              <a:rPr lang="en-IN" dirty="0">
-                <a:solidFill>
-                  <a:srgbClr val="00B050"/>
-                </a:solidFill>
-              </a:rPr>
-              <a:t>Deployment Rollback</a:t>
-            </a:r>
-          </a:p>
-        </p:txBody>
-      </p:sp>
-    </p:spTree>
-    <p:extLst>
-      <p:ext uri="{BB962C8B-B14F-4D97-AF65-F5344CB8AC3E}">
-        <p14:creationId xmlns:p14="http://schemas.microsoft.com/office/powerpoint/2010/main" val="2877829105"/>
-      </p:ext>
-    </p:extLst>
-  </p:cSld>
-  <p:clrMapOvr>
-    <a:masterClrMapping/>
-  </p:clrMapOvr>
-</p:sld>
-</file>
-
 <file path=ppt/slides/slide33.xml><?xml version="1.0" encoding="utf-8"?>
 <p:sld xmlns:a="http://schemas.openxmlformats.org/drawingml/2006/main" xmlns:r="http://schemas.openxmlformats.org/officeDocument/2006/relationships" xmlns:p="http://schemas.openxmlformats.org/presentationml/2006/main">
   <p:cSld>
@@ -38015,7 +40069,7 @@
           <p:cNvPr id="2" name="Footer Placeholder 1">
             <a:extLst>
               <a:ext uri="{FF2B5EF4-FFF2-40B4-BE49-F238E27FC236}">
-                <a16:creationId xmlns:a16="http://schemas.microsoft.com/office/drawing/2014/main" id="{AE0018F7-43D1-4633-BCE6-D3F690FD1ACD}"/>
+                <a16:creationId xmlns:a16="http://schemas.microsoft.com/office/drawing/2014/main" id="{ACBAA66F-108E-4D7D-927B-21A65FD36947}"/>
               </a:ext>
             </a:extLst>
           </p:cNvPr>
@@ -38045,7 +40099,7 @@
           <p:cNvPr id="3" name="Content Placeholder 2">
             <a:extLst>
               <a:ext uri="{FF2B5EF4-FFF2-40B4-BE49-F238E27FC236}">
-                <a16:creationId xmlns:a16="http://schemas.microsoft.com/office/drawing/2014/main" id="{E12CE8F7-4B3E-4F4C-9E72-0A658F3854D2}"/>
+                <a16:creationId xmlns:a16="http://schemas.microsoft.com/office/drawing/2014/main" id="{65760CCB-86BD-43F4-9847-E1B85E15699E}"/>
               </a:ext>
             </a:extLst>
           </p:cNvPr>
@@ -38061,34 +40115,7 @@
           <a:bodyPr/>
           <a:lstStyle/>
           <a:p>
-            <a:r>
-              <a:rPr lang="en-IN" dirty="0"/>
-              <a:t>Create</a:t>
-            </a:r>
-          </a:p>
-          <a:p>
-            <a:r>
-              <a:rPr lang="en-IN" dirty="0"/>
-              <a:t>Get</a:t>
-            </a:r>
-          </a:p>
-          <a:p>
-            <a:r>
-              <a:rPr lang="en-IN" dirty="0"/>
-              <a:t>Update</a:t>
-            </a:r>
-          </a:p>
-          <a:p>
-            <a:r>
-              <a:rPr lang="en-IN" dirty="0"/>
-              <a:t>Status</a:t>
-            </a:r>
-          </a:p>
-          <a:p>
-            <a:r>
-              <a:rPr lang="en-IN" dirty="0"/>
-              <a:t>Rollback</a:t>
-            </a:r>
+            <a:endParaRPr lang="en-IN"/>
           </a:p>
         </p:txBody>
       </p:sp>
@@ -38097,7 +40124,7 @@
           <p:cNvPr id="4" name="Title 3">
             <a:extLst>
               <a:ext uri="{FF2B5EF4-FFF2-40B4-BE49-F238E27FC236}">
-                <a16:creationId xmlns:a16="http://schemas.microsoft.com/office/drawing/2014/main" id="{5DEDC971-B1D0-414A-BD5E-FE17D48CB42A}"/>
+                <a16:creationId xmlns:a16="http://schemas.microsoft.com/office/drawing/2014/main" id="{58475769-F533-45B5-9A97-0C4CDA4741C1}"/>
               </a:ext>
             </a:extLst>
           </p:cNvPr>
@@ -38110,12 +40137,22 @@
         </p:nvSpPr>
         <p:spPr/>
         <p:txBody>
-          <a:bodyPr/>
+          <a:bodyPr>
+            <a:normAutofit fontScale="90000"/>
+          </a:bodyPr>
           <a:lstStyle/>
           <a:p>
             <a:r>
               <a:rPr lang="en-IN" dirty="0"/>
-              <a:t>Kubernetes – Summarize Commands</a:t>
+              <a:t>Kubernetes – </a:t>
+            </a:r>
+            <a:r>
+              <a:rPr lang="en-IN" dirty="0">
+                <a:solidFill>
+                  <a:srgbClr val="00B050"/>
+                </a:solidFill>
+              </a:rPr>
+              <a:t>Deployment Rollout &amp; Versioning</a:t>
             </a:r>
           </a:p>
         </p:txBody>
@@ -38123,7 +40160,7 @@
     </p:spTree>
     <p:extLst>
       <p:ext uri="{BB962C8B-B14F-4D97-AF65-F5344CB8AC3E}">
-        <p14:creationId xmlns:p14="http://schemas.microsoft.com/office/powerpoint/2010/main" val="607462077"/>
+        <p14:creationId xmlns:p14="http://schemas.microsoft.com/office/powerpoint/2010/main" val="3102850867"/>
       </p:ext>
     </p:extLst>
   </p:cSld>
@@ -38155,6 +40192,509 @@
           <p:cNvPr id="2" name="Footer Placeholder 1">
             <a:extLst>
               <a:ext uri="{FF2B5EF4-FFF2-40B4-BE49-F238E27FC236}">
+                <a16:creationId xmlns:a16="http://schemas.microsoft.com/office/drawing/2014/main" id="{7F9AED0C-E069-466C-BCF8-14816F0F8ABD}"/>
+              </a:ext>
+            </a:extLst>
+          </p:cNvPr>
+          <p:cNvSpPr>
+            <a:spLocks noGrp="1"/>
+          </p:cNvSpPr>
+          <p:nvPr>
+            <p:ph type="ftr" sz="quarter" idx="10"/>
+          </p:nvPr>
+        </p:nvSpPr>
+        <p:spPr/>
+        <p:txBody>
+          <a:bodyPr/>
+          <a:lstStyle/>
+          <a:p>
+            <a:pPr algn="l"/>
+            <a:r>
+              <a:rPr lang="en-US"/>
+              <a:t>© Kalyan Reddy Daida</a:t>
+            </a:r>
+            <a:endParaRPr lang="en-GB" dirty="0"/>
+          </a:p>
+        </p:txBody>
+      </p:sp>
+      <p:sp>
+        <p:nvSpPr>
+          <p:cNvPr id="3" name="Content Placeholder 2">
+            <a:extLst>
+              <a:ext uri="{FF2B5EF4-FFF2-40B4-BE49-F238E27FC236}">
+                <a16:creationId xmlns:a16="http://schemas.microsoft.com/office/drawing/2014/main" id="{B625E5F2-A681-4E86-86A6-A12124904736}"/>
+              </a:ext>
+            </a:extLst>
+          </p:cNvPr>
+          <p:cNvSpPr>
+            <a:spLocks noGrp="1"/>
+          </p:cNvSpPr>
+          <p:nvPr>
+            <p:ph idx="1"/>
+          </p:nvPr>
+        </p:nvSpPr>
+        <p:spPr/>
+        <p:txBody>
+          <a:bodyPr/>
+          <a:lstStyle/>
+          <a:p>
+            <a:endParaRPr lang="en-IN"/>
+          </a:p>
+        </p:txBody>
+      </p:sp>
+      <p:sp>
+        <p:nvSpPr>
+          <p:cNvPr id="4" name="Title 3">
+            <a:extLst>
+              <a:ext uri="{FF2B5EF4-FFF2-40B4-BE49-F238E27FC236}">
+                <a16:creationId xmlns:a16="http://schemas.microsoft.com/office/drawing/2014/main" id="{579E1EB8-ECCA-4454-86B7-50E2F47B7D2C}"/>
+              </a:ext>
+            </a:extLst>
+          </p:cNvPr>
+          <p:cNvSpPr>
+            <a:spLocks noGrp="1"/>
+          </p:cNvSpPr>
+          <p:nvPr>
+            <p:ph type="title"/>
+          </p:nvPr>
+        </p:nvSpPr>
+        <p:spPr/>
+        <p:txBody>
+          <a:bodyPr/>
+          <a:lstStyle/>
+          <a:p>
+            <a:r>
+              <a:rPr lang="en-IN" dirty="0"/>
+              <a:t>Kubernetes – </a:t>
+            </a:r>
+            <a:r>
+              <a:rPr lang="en-IN" dirty="0">
+                <a:solidFill>
+                  <a:srgbClr val="00B050"/>
+                </a:solidFill>
+              </a:rPr>
+              <a:t>Deployment Strategy</a:t>
+            </a:r>
+          </a:p>
+        </p:txBody>
+      </p:sp>
+    </p:spTree>
+    <p:extLst>
+      <p:ext uri="{BB962C8B-B14F-4D97-AF65-F5344CB8AC3E}">
+        <p14:creationId xmlns:p14="http://schemas.microsoft.com/office/powerpoint/2010/main" val="1532706124"/>
+      </p:ext>
+    </p:extLst>
+  </p:cSld>
+  <p:clrMapOvr>
+    <a:masterClrMapping/>
+  </p:clrMapOvr>
+</p:sld>
+</file>
+
+<file path=ppt/slides/slide35.xml><?xml version="1.0" encoding="utf-8"?>
+<p:sld xmlns:a="http://schemas.openxmlformats.org/drawingml/2006/main" xmlns:r="http://schemas.openxmlformats.org/officeDocument/2006/relationships" xmlns:p="http://schemas.openxmlformats.org/presentationml/2006/main">
+  <p:cSld>
+    <p:spTree>
+      <p:nvGrpSpPr>
+        <p:cNvPr id="1" name=""/>
+        <p:cNvGrpSpPr/>
+        <p:nvPr/>
+      </p:nvGrpSpPr>
+      <p:grpSpPr>
+        <a:xfrm>
+          <a:off x="0" y="0"/>
+          <a:ext cx="0" cy="0"/>
+          <a:chOff x="0" y="0"/>
+          <a:chExt cx="0" cy="0"/>
+        </a:xfrm>
+      </p:grpSpPr>
+      <p:sp>
+        <p:nvSpPr>
+          <p:cNvPr id="2" name="Footer Placeholder 1">
+            <a:extLst>
+              <a:ext uri="{FF2B5EF4-FFF2-40B4-BE49-F238E27FC236}">
+                <a16:creationId xmlns:a16="http://schemas.microsoft.com/office/drawing/2014/main" id="{28F342ED-11A1-4AB9-A424-1870C343A51D}"/>
+              </a:ext>
+            </a:extLst>
+          </p:cNvPr>
+          <p:cNvSpPr>
+            <a:spLocks noGrp="1"/>
+          </p:cNvSpPr>
+          <p:nvPr>
+            <p:ph type="ftr" sz="quarter" idx="10"/>
+          </p:nvPr>
+        </p:nvSpPr>
+        <p:spPr/>
+        <p:txBody>
+          <a:bodyPr/>
+          <a:lstStyle/>
+          <a:p>
+            <a:pPr algn="l"/>
+            <a:r>
+              <a:rPr lang="en-US"/>
+              <a:t>© Kalyan Reddy Daida</a:t>
+            </a:r>
+            <a:endParaRPr lang="en-GB" dirty="0"/>
+          </a:p>
+        </p:txBody>
+      </p:sp>
+      <p:sp>
+        <p:nvSpPr>
+          <p:cNvPr id="3" name="Content Placeholder 2">
+            <a:extLst>
+              <a:ext uri="{FF2B5EF4-FFF2-40B4-BE49-F238E27FC236}">
+                <a16:creationId xmlns:a16="http://schemas.microsoft.com/office/drawing/2014/main" id="{3D9ED234-36BC-4FFE-B154-695AFDA70141}"/>
+              </a:ext>
+            </a:extLst>
+          </p:cNvPr>
+          <p:cNvSpPr>
+            <a:spLocks noGrp="1"/>
+          </p:cNvSpPr>
+          <p:nvPr>
+            <p:ph idx="1"/>
+          </p:nvPr>
+        </p:nvSpPr>
+        <p:spPr/>
+        <p:txBody>
+          <a:bodyPr/>
+          <a:lstStyle/>
+          <a:p>
+            <a:endParaRPr lang="en-IN"/>
+          </a:p>
+        </p:txBody>
+      </p:sp>
+      <p:sp>
+        <p:nvSpPr>
+          <p:cNvPr id="4" name="Title 3">
+            <a:extLst>
+              <a:ext uri="{FF2B5EF4-FFF2-40B4-BE49-F238E27FC236}">
+                <a16:creationId xmlns:a16="http://schemas.microsoft.com/office/drawing/2014/main" id="{A0311B68-C33B-4A8A-AB09-6121FAA72813}"/>
+              </a:ext>
+            </a:extLst>
+          </p:cNvPr>
+          <p:cNvSpPr>
+            <a:spLocks noGrp="1"/>
+          </p:cNvSpPr>
+          <p:nvPr>
+            <p:ph type="title"/>
+          </p:nvPr>
+        </p:nvSpPr>
+        <p:spPr/>
+        <p:txBody>
+          <a:bodyPr/>
+          <a:lstStyle/>
+          <a:p>
+            <a:r>
+              <a:rPr lang="en-IN" dirty="0"/>
+              <a:t>Kubernetes – </a:t>
+            </a:r>
+            <a:r>
+              <a:rPr lang="en-IN" dirty="0">
+                <a:solidFill>
+                  <a:srgbClr val="00B050"/>
+                </a:solidFill>
+              </a:rPr>
+              <a:t>Deployment Upgrades</a:t>
+            </a:r>
+          </a:p>
+        </p:txBody>
+      </p:sp>
+    </p:spTree>
+    <p:extLst>
+      <p:ext uri="{BB962C8B-B14F-4D97-AF65-F5344CB8AC3E}">
+        <p14:creationId xmlns:p14="http://schemas.microsoft.com/office/powerpoint/2010/main" val="710650650"/>
+      </p:ext>
+    </p:extLst>
+  </p:cSld>
+  <p:clrMapOvr>
+    <a:masterClrMapping/>
+  </p:clrMapOvr>
+</p:sld>
+</file>
+
+<file path=ppt/slides/slide36.xml><?xml version="1.0" encoding="utf-8"?>
+<p:sld xmlns:a="http://schemas.openxmlformats.org/drawingml/2006/main" xmlns:r="http://schemas.openxmlformats.org/officeDocument/2006/relationships" xmlns:p="http://schemas.openxmlformats.org/presentationml/2006/main">
+  <p:cSld>
+    <p:spTree>
+      <p:nvGrpSpPr>
+        <p:cNvPr id="1" name=""/>
+        <p:cNvGrpSpPr/>
+        <p:nvPr/>
+      </p:nvGrpSpPr>
+      <p:grpSpPr>
+        <a:xfrm>
+          <a:off x="0" y="0"/>
+          <a:ext cx="0" cy="0"/>
+          <a:chOff x="0" y="0"/>
+          <a:chExt cx="0" cy="0"/>
+        </a:xfrm>
+      </p:grpSpPr>
+      <p:sp>
+        <p:nvSpPr>
+          <p:cNvPr id="2" name="Footer Placeholder 1">
+            <a:extLst>
+              <a:ext uri="{FF2B5EF4-FFF2-40B4-BE49-F238E27FC236}">
+                <a16:creationId xmlns:a16="http://schemas.microsoft.com/office/drawing/2014/main" id="{28F342ED-11A1-4AB9-A424-1870C343A51D}"/>
+              </a:ext>
+            </a:extLst>
+          </p:cNvPr>
+          <p:cNvSpPr>
+            <a:spLocks noGrp="1"/>
+          </p:cNvSpPr>
+          <p:nvPr>
+            <p:ph type="ftr" sz="quarter" idx="10"/>
+          </p:nvPr>
+        </p:nvSpPr>
+        <p:spPr/>
+        <p:txBody>
+          <a:bodyPr/>
+          <a:lstStyle/>
+          <a:p>
+            <a:pPr algn="l"/>
+            <a:r>
+              <a:rPr lang="en-US"/>
+              <a:t>© Kalyan Reddy Daida</a:t>
+            </a:r>
+            <a:endParaRPr lang="en-GB" dirty="0"/>
+          </a:p>
+        </p:txBody>
+      </p:sp>
+      <p:sp>
+        <p:nvSpPr>
+          <p:cNvPr id="3" name="Content Placeholder 2">
+            <a:extLst>
+              <a:ext uri="{FF2B5EF4-FFF2-40B4-BE49-F238E27FC236}">
+                <a16:creationId xmlns:a16="http://schemas.microsoft.com/office/drawing/2014/main" id="{3D9ED234-36BC-4FFE-B154-695AFDA70141}"/>
+              </a:ext>
+            </a:extLst>
+          </p:cNvPr>
+          <p:cNvSpPr>
+            <a:spLocks noGrp="1"/>
+          </p:cNvSpPr>
+          <p:nvPr>
+            <p:ph idx="1"/>
+          </p:nvPr>
+        </p:nvSpPr>
+        <p:spPr/>
+        <p:txBody>
+          <a:bodyPr/>
+          <a:lstStyle/>
+          <a:p>
+            <a:endParaRPr lang="en-IN"/>
+          </a:p>
+        </p:txBody>
+      </p:sp>
+      <p:sp>
+        <p:nvSpPr>
+          <p:cNvPr id="4" name="Title 3">
+            <a:extLst>
+              <a:ext uri="{FF2B5EF4-FFF2-40B4-BE49-F238E27FC236}">
+                <a16:creationId xmlns:a16="http://schemas.microsoft.com/office/drawing/2014/main" id="{A0311B68-C33B-4A8A-AB09-6121FAA72813}"/>
+              </a:ext>
+            </a:extLst>
+          </p:cNvPr>
+          <p:cNvSpPr>
+            <a:spLocks noGrp="1"/>
+          </p:cNvSpPr>
+          <p:nvPr>
+            <p:ph type="title"/>
+          </p:nvPr>
+        </p:nvSpPr>
+        <p:spPr/>
+        <p:txBody>
+          <a:bodyPr/>
+          <a:lstStyle/>
+          <a:p>
+            <a:r>
+              <a:rPr lang="en-IN" dirty="0"/>
+              <a:t>Kubernetes – </a:t>
+            </a:r>
+            <a:r>
+              <a:rPr lang="en-IN" dirty="0">
+                <a:solidFill>
+                  <a:srgbClr val="00B050"/>
+                </a:solidFill>
+              </a:rPr>
+              <a:t>Deployment Rollback</a:t>
+            </a:r>
+          </a:p>
+        </p:txBody>
+      </p:sp>
+    </p:spTree>
+    <p:extLst>
+      <p:ext uri="{BB962C8B-B14F-4D97-AF65-F5344CB8AC3E}">
+        <p14:creationId xmlns:p14="http://schemas.microsoft.com/office/powerpoint/2010/main" val="2877829105"/>
+      </p:ext>
+    </p:extLst>
+  </p:cSld>
+  <p:clrMapOvr>
+    <a:masterClrMapping/>
+  </p:clrMapOvr>
+</p:sld>
+</file>
+
+<file path=ppt/slides/slide37.xml><?xml version="1.0" encoding="utf-8"?>
+<p:sld xmlns:a="http://schemas.openxmlformats.org/drawingml/2006/main" xmlns:r="http://schemas.openxmlformats.org/officeDocument/2006/relationships" xmlns:p="http://schemas.openxmlformats.org/presentationml/2006/main">
+  <p:cSld>
+    <p:spTree>
+      <p:nvGrpSpPr>
+        <p:cNvPr id="1" name=""/>
+        <p:cNvGrpSpPr/>
+        <p:nvPr/>
+      </p:nvGrpSpPr>
+      <p:grpSpPr>
+        <a:xfrm>
+          <a:off x="0" y="0"/>
+          <a:ext cx="0" cy="0"/>
+          <a:chOff x="0" y="0"/>
+          <a:chExt cx="0" cy="0"/>
+        </a:xfrm>
+      </p:grpSpPr>
+      <p:sp>
+        <p:nvSpPr>
+          <p:cNvPr id="2" name="Footer Placeholder 1">
+            <a:extLst>
+              <a:ext uri="{FF2B5EF4-FFF2-40B4-BE49-F238E27FC236}">
+                <a16:creationId xmlns:a16="http://schemas.microsoft.com/office/drawing/2014/main" id="{AE0018F7-43D1-4633-BCE6-D3F690FD1ACD}"/>
+              </a:ext>
+            </a:extLst>
+          </p:cNvPr>
+          <p:cNvSpPr>
+            <a:spLocks noGrp="1"/>
+          </p:cNvSpPr>
+          <p:nvPr>
+            <p:ph type="ftr" sz="quarter" idx="10"/>
+          </p:nvPr>
+        </p:nvSpPr>
+        <p:spPr/>
+        <p:txBody>
+          <a:bodyPr/>
+          <a:lstStyle/>
+          <a:p>
+            <a:pPr algn="l"/>
+            <a:r>
+              <a:rPr lang="en-US"/>
+              <a:t>© Kalyan Reddy Daida</a:t>
+            </a:r>
+            <a:endParaRPr lang="en-GB" dirty="0"/>
+          </a:p>
+        </p:txBody>
+      </p:sp>
+      <p:sp>
+        <p:nvSpPr>
+          <p:cNvPr id="3" name="Content Placeholder 2">
+            <a:extLst>
+              <a:ext uri="{FF2B5EF4-FFF2-40B4-BE49-F238E27FC236}">
+                <a16:creationId xmlns:a16="http://schemas.microsoft.com/office/drawing/2014/main" id="{E12CE8F7-4B3E-4F4C-9E72-0A658F3854D2}"/>
+              </a:ext>
+            </a:extLst>
+          </p:cNvPr>
+          <p:cNvSpPr>
+            <a:spLocks noGrp="1"/>
+          </p:cNvSpPr>
+          <p:nvPr>
+            <p:ph idx="1"/>
+          </p:nvPr>
+        </p:nvSpPr>
+        <p:spPr/>
+        <p:txBody>
+          <a:bodyPr/>
+          <a:lstStyle/>
+          <a:p>
+            <a:r>
+              <a:rPr lang="en-IN" dirty="0"/>
+              <a:t>Create</a:t>
+            </a:r>
+          </a:p>
+          <a:p>
+            <a:r>
+              <a:rPr lang="en-IN" dirty="0"/>
+              <a:t>Get</a:t>
+            </a:r>
+          </a:p>
+          <a:p>
+            <a:r>
+              <a:rPr lang="en-IN" dirty="0"/>
+              <a:t>Update</a:t>
+            </a:r>
+          </a:p>
+          <a:p>
+            <a:r>
+              <a:rPr lang="en-IN" dirty="0"/>
+              <a:t>Status</a:t>
+            </a:r>
+          </a:p>
+          <a:p>
+            <a:r>
+              <a:rPr lang="en-IN" dirty="0"/>
+              <a:t>Rollback</a:t>
+            </a:r>
+          </a:p>
+        </p:txBody>
+      </p:sp>
+      <p:sp>
+        <p:nvSpPr>
+          <p:cNvPr id="4" name="Title 3">
+            <a:extLst>
+              <a:ext uri="{FF2B5EF4-FFF2-40B4-BE49-F238E27FC236}">
+                <a16:creationId xmlns:a16="http://schemas.microsoft.com/office/drawing/2014/main" id="{5DEDC971-B1D0-414A-BD5E-FE17D48CB42A}"/>
+              </a:ext>
+            </a:extLst>
+          </p:cNvPr>
+          <p:cNvSpPr>
+            <a:spLocks noGrp="1"/>
+          </p:cNvSpPr>
+          <p:nvPr>
+            <p:ph type="title"/>
+          </p:nvPr>
+        </p:nvSpPr>
+        <p:spPr/>
+        <p:txBody>
+          <a:bodyPr/>
+          <a:lstStyle/>
+          <a:p>
+            <a:r>
+              <a:rPr lang="en-IN" dirty="0"/>
+              <a:t>Kubernetes – Summarize Commands</a:t>
+            </a:r>
+          </a:p>
+        </p:txBody>
+      </p:sp>
+    </p:spTree>
+    <p:extLst>
+      <p:ext uri="{BB962C8B-B14F-4D97-AF65-F5344CB8AC3E}">
+        <p14:creationId xmlns:p14="http://schemas.microsoft.com/office/powerpoint/2010/main" val="607462077"/>
+      </p:ext>
+    </p:extLst>
+  </p:cSld>
+  <p:clrMapOvr>
+    <a:masterClrMapping/>
+  </p:clrMapOvr>
+</p:sld>
+</file>
+
+<file path=ppt/slides/slide38.xml><?xml version="1.0" encoding="utf-8"?>
+<p:sld xmlns:a="http://schemas.openxmlformats.org/drawingml/2006/main" xmlns:r="http://schemas.openxmlformats.org/officeDocument/2006/relationships" xmlns:p="http://schemas.openxmlformats.org/presentationml/2006/main">
+  <p:cSld>
+    <p:spTree>
+      <p:nvGrpSpPr>
+        <p:cNvPr id="1" name=""/>
+        <p:cNvGrpSpPr/>
+        <p:nvPr/>
+      </p:nvGrpSpPr>
+      <p:grpSpPr>
+        <a:xfrm>
+          <a:off x="0" y="0"/>
+          <a:ext cx="0" cy="0"/>
+          <a:chOff x="0" y="0"/>
+          <a:chExt cx="0" cy="0"/>
+        </a:xfrm>
+      </p:grpSpPr>
+      <p:sp>
+        <p:nvSpPr>
+          <p:cNvPr id="2" name="Footer Placeholder 1">
+            <a:extLst>
+              <a:ext uri="{FF2B5EF4-FFF2-40B4-BE49-F238E27FC236}">
                 <a16:creationId xmlns:a16="http://schemas.microsoft.com/office/drawing/2014/main" id="{A0A0BD00-D8DC-45C9-9C82-0E8430B96A5E}"/>
               </a:ext>
             </a:extLst>
@@ -38297,7 +40837,7 @@
 </p:sld>
 </file>
 
-<file path=ppt/slides/slide35.xml><?xml version="1.0" encoding="utf-8"?>
+<file path=ppt/slides/slide39.xml><?xml version="1.0" encoding="utf-8"?>
 <p:sld xmlns:a="http://schemas.openxmlformats.org/drawingml/2006/main" xmlns:r="http://schemas.openxmlformats.org/officeDocument/2006/relationships" xmlns:p="http://schemas.openxmlformats.org/presentationml/2006/main">
   <p:cSld>
     <p:spTree>
@@ -38407,7 +40947,700 @@
 </p:sld>
 </file>
 
-<file path=ppt/slides/slide36.xml><?xml version="1.0" encoding="utf-8"?>
+<file path=ppt/slides/slide4.xml><?xml version="1.0" encoding="utf-8"?>
+<p:sld xmlns:a="http://schemas.openxmlformats.org/drawingml/2006/main" xmlns:r="http://schemas.openxmlformats.org/officeDocument/2006/relationships" xmlns:p="http://schemas.openxmlformats.org/presentationml/2006/main">
+  <p:cSld>
+    <p:spTree>
+      <p:nvGrpSpPr>
+        <p:cNvPr id="1" name=""/>
+        <p:cNvGrpSpPr/>
+        <p:nvPr/>
+      </p:nvGrpSpPr>
+      <p:grpSpPr>
+        <a:xfrm>
+          <a:off x="0" y="0"/>
+          <a:ext cx="0" cy="0"/>
+          <a:chOff x="0" y="0"/>
+          <a:chExt cx="0" cy="0"/>
+        </a:xfrm>
+      </p:grpSpPr>
+      <p:sp>
+        <p:nvSpPr>
+          <p:cNvPr id="2" name="Footer Placeholder 1">
+            <a:extLst>
+              <a:ext uri="{FF2B5EF4-FFF2-40B4-BE49-F238E27FC236}">
+                <a16:creationId xmlns:a16="http://schemas.microsoft.com/office/drawing/2014/main" id="{0FFFBAA8-A0C2-2744-8C92-FCE2DE3DB00A}"/>
+              </a:ext>
+            </a:extLst>
+          </p:cNvPr>
+          <p:cNvSpPr>
+            <a:spLocks noGrp="1"/>
+          </p:cNvSpPr>
+          <p:nvPr>
+            <p:ph type="ftr" sz="quarter" idx="10"/>
+          </p:nvPr>
+        </p:nvSpPr>
+        <p:spPr/>
+        <p:txBody>
+          <a:bodyPr/>
+          <a:lstStyle/>
+          <a:p>
+            <a:pPr algn="l"/>
+            <a:r>
+              <a:rPr lang="en-US"/>
+              <a:t>© Kalyan Reddy Daida</a:t>
+            </a:r>
+            <a:endParaRPr lang="en-GB" dirty="0"/>
+          </a:p>
+        </p:txBody>
+      </p:sp>
+      <p:sp>
+        <p:nvSpPr>
+          <p:cNvPr id="4" name="Title 3">
+            <a:extLst>
+              <a:ext uri="{FF2B5EF4-FFF2-40B4-BE49-F238E27FC236}">
+                <a16:creationId xmlns:a16="http://schemas.microsoft.com/office/drawing/2014/main" id="{D5938667-CBCA-D54B-9B67-395FEE2C5BA0}"/>
+              </a:ext>
+            </a:extLst>
+          </p:cNvPr>
+          <p:cNvSpPr>
+            <a:spLocks noGrp="1"/>
+          </p:cNvSpPr>
+          <p:nvPr>
+            <p:ph type="title"/>
+          </p:nvPr>
+        </p:nvSpPr>
+        <p:spPr/>
+        <p:txBody>
+          <a:bodyPr/>
+          <a:lstStyle/>
+          <a:p>
+            <a:r>
+              <a:rPr lang="en-US" dirty="0"/>
+              <a:t>AWS EKS Cluster - CLIs</a:t>
+            </a:r>
+          </a:p>
+        </p:txBody>
+      </p:sp>
+      <p:sp>
+        <p:nvSpPr>
+          <p:cNvPr id="5" name="Rectangle 4">
+            <a:extLst>
+              <a:ext uri="{FF2B5EF4-FFF2-40B4-BE49-F238E27FC236}">
+                <a16:creationId xmlns:a16="http://schemas.microsoft.com/office/drawing/2014/main" id="{75E3B91D-61E1-E94F-848D-8A91EFD52FEC}"/>
+              </a:ext>
+            </a:extLst>
+          </p:cNvPr>
+          <p:cNvSpPr/>
+          <p:nvPr/>
+        </p:nvSpPr>
+        <p:spPr>
+          <a:xfrm>
+            <a:off x="526337" y="3343201"/>
+            <a:ext cx="2051824" cy="791737"/>
+          </a:xfrm>
+          <a:prstGeom prst="rect">
+            <a:avLst/>
+          </a:prstGeom>
+          <a:solidFill>
+            <a:schemeClr val="accent2">
+              <a:lumMod val="50000"/>
+            </a:schemeClr>
+          </a:solidFill>
+          <a:ln>
+            <a:solidFill>
+              <a:schemeClr val="accent2">
+                <a:lumMod val="50000"/>
+              </a:schemeClr>
+            </a:solidFill>
+          </a:ln>
+        </p:spPr>
+        <p:style>
+          <a:lnRef idx="2">
+            <a:schemeClr val="accent1">
+              <a:shade val="50000"/>
+            </a:schemeClr>
+          </a:lnRef>
+          <a:fillRef idx="1">
+            <a:schemeClr val="accent1"/>
+          </a:fillRef>
+          <a:effectRef idx="0">
+            <a:schemeClr val="accent1"/>
+          </a:effectRef>
+          <a:fontRef idx="minor">
+            <a:schemeClr val="lt1"/>
+          </a:fontRef>
+        </p:style>
+        <p:txBody>
+          <a:bodyPr rtlCol="0" anchor="ctr"/>
+          <a:lstStyle/>
+          <a:p>
+            <a:pPr algn="ctr"/>
+            <a:r>
+              <a:rPr lang="en-US" dirty="0"/>
+              <a:t>CLIs</a:t>
+            </a:r>
+          </a:p>
+        </p:txBody>
+      </p:sp>
+      <p:sp>
+        <p:nvSpPr>
+          <p:cNvPr id="6" name="Rectangle 5">
+            <a:extLst>
+              <a:ext uri="{FF2B5EF4-FFF2-40B4-BE49-F238E27FC236}">
+                <a16:creationId xmlns:a16="http://schemas.microsoft.com/office/drawing/2014/main" id="{138416B0-90F1-C64C-8EA8-809BA828CBD0}"/>
+              </a:ext>
+            </a:extLst>
+          </p:cNvPr>
+          <p:cNvSpPr/>
+          <p:nvPr/>
+        </p:nvSpPr>
+        <p:spPr>
+          <a:xfrm>
+            <a:off x="4041945" y="2040367"/>
+            <a:ext cx="2051824" cy="791737"/>
+          </a:xfrm>
+          <a:prstGeom prst="rect">
+            <a:avLst/>
+          </a:prstGeom>
+          <a:solidFill>
+            <a:schemeClr val="accent2">
+              <a:lumMod val="75000"/>
+            </a:schemeClr>
+          </a:solidFill>
+          <a:ln>
+            <a:noFill/>
+          </a:ln>
+        </p:spPr>
+        <p:style>
+          <a:lnRef idx="2">
+            <a:schemeClr val="accent1">
+              <a:shade val="50000"/>
+            </a:schemeClr>
+          </a:lnRef>
+          <a:fillRef idx="1">
+            <a:schemeClr val="accent1"/>
+          </a:fillRef>
+          <a:effectRef idx="0">
+            <a:schemeClr val="accent1"/>
+          </a:effectRef>
+          <a:fontRef idx="minor">
+            <a:schemeClr val="lt1"/>
+          </a:fontRef>
+        </p:style>
+        <p:txBody>
+          <a:bodyPr rtlCol="0" anchor="ctr"/>
+          <a:lstStyle/>
+          <a:p>
+            <a:pPr algn="ctr"/>
+            <a:r>
+              <a:rPr lang="en-US" dirty="0"/>
+              <a:t>AWS CLI</a:t>
+            </a:r>
+          </a:p>
+        </p:txBody>
+      </p:sp>
+      <p:sp>
+        <p:nvSpPr>
+          <p:cNvPr id="7" name="Rectangle 6">
+            <a:extLst>
+              <a:ext uri="{FF2B5EF4-FFF2-40B4-BE49-F238E27FC236}">
+                <a16:creationId xmlns:a16="http://schemas.microsoft.com/office/drawing/2014/main" id="{730D0FFF-8E44-A04D-9020-E0A6EDF1A32D}"/>
+              </a:ext>
+            </a:extLst>
+          </p:cNvPr>
+          <p:cNvSpPr/>
+          <p:nvPr/>
+        </p:nvSpPr>
+        <p:spPr>
+          <a:xfrm>
+            <a:off x="4039715" y="3343201"/>
+            <a:ext cx="2051824" cy="791737"/>
+          </a:xfrm>
+          <a:prstGeom prst="rect">
+            <a:avLst/>
+          </a:prstGeom>
+          <a:solidFill>
+            <a:schemeClr val="accent2">
+              <a:lumMod val="75000"/>
+            </a:schemeClr>
+          </a:solidFill>
+          <a:ln>
+            <a:noFill/>
+          </a:ln>
+        </p:spPr>
+        <p:style>
+          <a:lnRef idx="2">
+            <a:schemeClr val="accent1">
+              <a:shade val="50000"/>
+            </a:schemeClr>
+          </a:lnRef>
+          <a:fillRef idx="1">
+            <a:schemeClr val="accent1"/>
+          </a:fillRef>
+          <a:effectRef idx="0">
+            <a:schemeClr val="accent1"/>
+          </a:effectRef>
+          <a:fontRef idx="minor">
+            <a:schemeClr val="lt1"/>
+          </a:fontRef>
+        </p:style>
+        <p:txBody>
+          <a:bodyPr rtlCol="0" anchor="ctr"/>
+          <a:lstStyle/>
+          <a:p>
+            <a:pPr algn="ctr"/>
+            <a:r>
+              <a:rPr lang="en-US" dirty="0" err="1"/>
+              <a:t>kubectl</a:t>
+            </a:r>
+            <a:endParaRPr lang="en-US" dirty="0"/>
+          </a:p>
+        </p:txBody>
+      </p:sp>
+      <p:sp>
+        <p:nvSpPr>
+          <p:cNvPr id="8" name="Rectangle 7">
+            <a:extLst>
+              <a:ext uri="{FF2B5EF4-FFF2-40B4-BE49-F238E27FC236}">
+                <a16:creationId xmlns:a16="http://schemas.microsoft.com/office/drawing/2014/main" id="{CA49AB1F-8D48-4F49-BC0D-7EB8A571E407}"/>
+              </a:ext>
+            </a:extLst>
+          </p:cNvPr>
+          <p:cNvSpPr/>
+          <p:nvPr/>
+        </p:nvSpPr>
+        <p:spPr>
+          <a:xfrm>
+            <a:off x="4041945" y="4680623"/>
+            <a:ext cx="2051824" cy="791737"/>
+          </a:xfrm>
+          <a:prstGeom prst="rect">
+            <a:avLst/>
+          </a:prstGeom>
+          <a:solidFill>
+            <a:schemeClr val="accent2">
+              <a:lumMod val="75000"/>
+            </a:schemeClr>
+          </a:solidFill>
+          <a:ln>
+            <a:noFill/>
+          </a:ln>
+        </p:spPr>
+        <p:style>
+          <a:lnRef idx="2">
+            <a:schemeClr val="accent1">
+              <a:shade val="50000"/>
+            </a:schemeClr>
+          </a:lnRef>
+          <a:fillRef idx="1">
+            <a:schemeClr val="accent1"/>
+          </a:fillRef>
+          <a:effectRef idx="0">
+            <a:schemeClr val="accent1"/>
+          </a:effectRef>
+          <a:fontRef idx="minor">
+            <a:schemeClr val="lt1"/>
+          </a:fontRef>
+        </p:style>
+        <p:txBody>
+          <a:bodyPr rtlCol="0" anchor="ctr"/>
+          <a:lstStyle/>
+          <a:p>
+            <a:pPr algn="ctr"/>
+            <a:r>
+              <a:rPr lang="en-US" dirty="0" err="1"/>
+              <a:t>eksctl</a:t>
+            </a:r>
+            <a:endParaRPr lang="en-US" dirty="0"/>
+          </a:p>
+        </p:txBody>
+      </p:sp>
+      <p:sp>
+        <p:nvSpPr>
+          <p:cNvPr id="9" name="Rectangle 8">
+            <a:extLst>
+              <a:ext uri="{FF2B5EF4-FFF2-40B4-BE49-F238E27FC236}">
+                <a16:creationId xmlns:a16="http://schemas.microsoft.com/office/drawing/2014/main" id="{0B8C5A3D-AF34-6044-8330-2504650E2C4A}"/>
+              </a:ext>
+            </a:extLst>
+          </p:cNvPr>
+          <p:cNvSpPr/>
+          <p:nvPr/>
+        </p:nvSpPr>
+        <p:spPr>
+          <a:xfrm>
+            <a:off x="6357681" y="2040367"/>
+            <a:ext cx="7570191" cy="791737"/>
+          </a:xfrm>
+          <a:prstGeom prst="rect">
+            <a:avLst/>
+          </a:prstGeom>
+          <a:solidFill>
+            <a:schemeClr val="accent2">
+              <a:lumMod val="60000"/>
+              <a:lumOff val="40000"/>
+            </a:schemeClr>
+          </a:solidFill>
+          <a:ln>
+            <a:solidFill>
+              <a:schemeClr val="accent2">
+                <a:lumMod val="75000"/>
+              </a:schemeClr>
+            </a:solidFill>
+          </a:ln>
+        </p:spPr>
+        <p:style>
+          <a:lnRef idx="2">
+            <a:schemeClr val="accent1">
+              <a:shade val="50000"/>
+            </a:schemeClr>
+          </a:lnRef>
+          <a:fillRef idx="1">
+            <a:schemeClr val="accent1"/>
+          </a:fillRef>
+          <a:effectRef idx="0">
+            <a:schemeClr val="accent1"/>
+          </a:effectRef>
+          <a:fontRef idx="minor">
+            <a:schemeClr val="lt1"/>
+          </a:fontRef>
+        </p:style>
+        <p:txBody>
+          <a:bodyPr rtlCol="0" anchor="ctr"/>
+          <a:lstStyle/>
+          <a:p>
+            <a:r>
+              <a:rPr lang="en-IN" dirty="0"/>
+              <a:t>We can control multiple AWS services from the command line and automate them through scripts.</a:t>
+            </a:r>
+            <a:endParaRPr lang="en-US" dirty="0"/>
+          </a:p>
+        </p:txBody>
+      </p:sp>
+      <p:sp>
+        <p:nvSpPr>
+          <p:cNvPr id="10" name="Rectangle 9">
+            <a:extLst>
+              <a:ext uri="{FF2B5EF4-FFF2-40B4-BE49-F238E27FC236}">
+                <a16:creationId xmlns:a16="http://schemas.microsoft.com/office/drawing/2014/main" id="{15BB2228-FCF1-684E-8E53-933857681758}"/>
+              </a:ext>
+            </a:extLst>
+          </p:cNvPr>
+          <p:cNvSpPr/>
+          <p:nvPr/>
+        </p:nvSpPr>
+        <p:spPr>
+          <a:xfrm>
+            <a:off x="6357681" y="3343203"/>
+            <a:ext cx="7570191" cy="791737"/>
+          </a:xfrm>
+          <a:prstGeom prst="rect">
+            <a:avLst/>
+          </a:prstGeom>
+          <a:solidFill>
+            <a:schemeClr val="accent2">
+              <a:lumMod val="60000"/>
+              <a:lumOff val="40000"/>
+            </a:schemeClr>
+          </a:solidFill>
+          <a:ln>
+            <a:solidFill>
+              <a:schemeClr val="accent2">
+                <a:lumMod val="75000"/>
+              </a:schemeClr>
+            </a:solidFill>
+          </a:ln>
+        </p:spPr>
+        <p:style>
+          <a:lnRef idx="2">
+            <a:schemeClr val="accent1">
+              <a:shade val="50000"/>
+            </a:schemeClr>
+          </a:lnRef>
+          <a:fillRef idx="1">
+            <a:schemeClr val="accent1"/>
+          </a:fillRef>
+          <a:effectRef idx="0">
+            <a:schemeClr val="accent1"/>
+          </a:effectRef>
+          <a:fontRef idx="minor">
+            <a:schemeClr val="lt1"/>
+          </a:fontRef>
+        </p:style>
+        <p:txBody>
+          <a:bodyPr rtlCol="0" anchor="ctr"/>
+          <a:lstStyle/>
+          <a:p>
+            <a:r>
+              <a:rPr lang="en-US" dirty="0"/>
+              <a:t>We can control Kubernetes clusters and objects using </a:t>
+            </a:r>
+            <a:r>
+              <a:rPr lang="en-US" dirty="0" err="1"/>
+              <a:t>kubectl</a:t>
+            </a:r>
+            <a:endParaRPr lang="en-US" dirty="0"/>
+          </a:p>
+        </p:txBody>
+      </p:sp>
+      <p:sp>
+        <p:nvSpPr>
+          <p:cNvPr id="11" name="Rectangle 10">
+            <a:extLst>
+              <a:ext uri="{FF2B5EF4-FFF2-40B4-BE49-F238E27FC236}">
+                <a16:creationId xmlns:a16="http://schemas.microsoft.com/office/drawing/2014/main" id="{29D54758-CF8B-AC4A-81BA-F2245F50C752}"/>
+              </a:ext>
+            </a:extLst>
+          </p:cNvPr>
+          <p:cNvSpPr/>
+          <p:nvPr/>
+        </p:nvSpPr>
+        <p:spPr>
+          <a:xfrm>
+            <a:off x="6357681" y="4680624"/>
+            <a:ext cx="7570191" cy="1909748"/>
+          </a:xfrm>
+          <a:prstGeom prst="rect">
+            <a:avLst/>
+          </a:prstGeom>
+          <a:solidFill>
+            <a:schemeClr val="accent2">
+              <a:lumMod val="60000"/>
+              <a:lumOff val="40000"/>
+            </a:schemeClr>
+          </a:solidFill>
+          <a:ln>
+            <a:solidFill>
+              <a:schemeClr val="accent2">
+                <a:lumMod val="75000"/>
+              </a:schemeClr>
+            </a:solidFill>
+          </a:ln>
+        </p:spPr>
+        <p:style>
+          <a:lnRef idx="2">
+            <a:schemeClr val="accent1">
+              <a:shade val="50000"/>
+            </a:schemeClr>
+          </a:lnRef>
+          <a:fillRef idx="1">
+            <a:schemeClr val="accent1"/>
+          </a:fillRef>
+          <a:effectRef idx="0">
+            <a:schemeClr val="accent1"/>
+          </a:effectRef>
+          <a:fontRef idx="minor">
+            <a:schemeClr val="lt1"/>
+          </a:fontRef>
+        </p:style>
+        <p:txBody>
+          <a:bodyPr rtlCol="0" anchor="ctr"/>
+          <a:lstStyle/>
+          <a:p>
+            <a:pPr marL="457200" indent="-457200">
+              <a:buAutoNum type="arabicPeriod"/>
+            </a:pPr>
+            <a:r>
+              <a:rPr lang="en-US" dirty="0" err="1"/>
+              <a:t>eksctl</a:t>
+            </a:r>
+            <a:r>
+              <a:rPr lang="en-US" dirty="0"/>
+              <a:t> is used for creating &amp; deleting clusters on AWS EKS.</a:t>
+            </a:r>
+          </a:p>
+          <a:p>
+            <a:pPr marL="457200" indent="-457200">
+              <a:buAutoNum type="arabicPeriod"/>
+            </a:pPr>
+            <a:r>
+              <a:rPr lang="en-US" dirty="0"/>
+              <a:t> We can even create, </a:t>
+            </a:r>
+            <a:r>
+              <a:rPr lang="en-US" dirty="0" err="1"/>
+              <a:t>autoscal</a:t>
+            </a:r>
+            <a:r>
+              <a:rPr lang="en-US" dirty="0"/>
+              <a:t> and delete node groups.</a:t>
+            </a:r>
+          </a:p>
+          <a:p>
+            <a:pPr marL="457200" indent="-457200">
+              <a:buAutoNum type="arabicPeriod"/>
+            </a:pPr>
+            <a:r>
+              <a:rPr lang="en-US" dirty="0"/>
+              <a:t>We can even create </a:t>
+            </a:r>
+            <a:r>
+              <a:rPr lang="en-US" dirty="0" err="1"/>
+              <a:t>fargate</a:t>
+            </a:r>
+            <a:r>
+              <a:rPr lang="en-US" dirty="0"/>
+              <a:t> profiles using </a:t>
+            </a:r>
+            <a:r>
+              <a:rPr lang="en-US" dirty="0" err="1"/>
+              <a:t>eksctl</a:t>
+            </a:r>
+            <a:endParaRPr lang="en-US" dirty="0"/>
+          </a:p>
+          <a:p>
+            <a:pPr marL="457200" indent="-457200">
+              <a:buAutoNum type="arabicPeriod"/>
+            </a:pPr>
+            <a:r>
+              <a:rPr lang="en-US" dirty="0"/>
+              <a:t>In short, it is VERY VERY POWERFUL tool for managing EKS clusters on AWS. </a:t>
+            </a:r>
+          </a:p>
+        </p:txBody>
+      </p:sp>
+      <p:cxnSp>
+        <p:nvCxnSpPr>
+          <p:cNvPr id="13" name="Straight Arrow Connector 12">
+            <a:extLst>
+              <a:ext uri="{FF2B5EF4-FFF2-40B4-BE49-F238E27FC236}">
+                <a16:creationId xmlns:a16="http://schemas.microsoft.com/office/drawing/2014/main" id="{CB82551D-499A-E045-AA22-39B5F459385B}"/>
+              </a:ext>
+            </a:extLst>
+          </p:cNvPr>
+          <p:cNvCxnSpPr>
+            <a:stCxn id="5" idx="3"/>
+            <a:endCxn id="6" idx="1"/>
+          </p:cNvCxnSpPr>
+          <p:nvPr/>
+        </p:nvCxnSpPr>
+        <p:spPr>
+          <a:xfrm flipV="1">
+            <a:off x="2578161" y="2436236"/>
+            <a:ext cx="1463784" cy="1302834"/>
+          </a:xfrm>
+          <a:prstGeom prst="straightConnector1">
+            <a:avLst/>
+          </a:prstGeom>
+          <a:ln>
+            <a:tailEnd type="triangle"/>
+          </a:ln>
+        </p:spPr>
+        <p:style>
+          <a:lnRef idx="1">
+            <a:schemeClr val="dk1"/>
+          </a:lnRef>
+          <a:fillRef idx="0">
+            <a:schemeClr val="dk1"/>
+          </a:fillRef>
+          <a:effectRef idx="0">
+            <a:schemeClr val="dk1"/>
+          </a:effectRef>
+          <a:fontRef idx="minor">
+            <a:schemeClr val="tx1"/>
+          </a:fontRef>
+        </p:style>
+      </p:cxnSp>
+      <p:cxnSp>
+        <p:nvCxnSpPr>
+          <p:cNvPr id="15" name="Straight Arrow Connector 14">
+            <a:extLst>
+              <a:ext uri="{FF2B5EF4-FFF2-40B4-BE49-F238E27FC236}">
+                <a16:creationId xmlns:a16="http://schemas.microsoft.com/office/drawing/2014/main" id="{828AC5D9-CD1B-E74F-91D3-645F3C6F4722}"/>
+              </a:ext>
+            </a:extLst>
+          </p:cNvPr>
+          <p:cNvCxnSpPr>
+            <a:stCxn id="5" idx="3"/>
+            <a:endCxn id="7" idx="1"/>
+          </p:cNvCxnSpPr>
+          <p:nvPr/>
+        </p:nvCxnSpPr>
+        <p:spPr>
+          <a:xfrm>
+            <a:off x="2578161" y="3739070"/>
+            <a:ext cx="1461554" cy="0"/>
+          </a:xfrm>
+          <a:prstGeom prst="straightConnector1">
+            <a:avLst/>
+          </a:prstGeom>
+          <a:ln>
+            <a:tailEnd type="triangle"/>
+          </a:ln>
+        </p:spPr>
+        <p:style>
+          <a:lnRef idx="1">
+            <a:schemeClr val="dk1"/>
+          </a:lnRef>
+          <a:fillRef idx="0">
+            <a:schemeClr val="dk1"/>
+          </a:fillRef>
+          <a:effectRef idx="0">
+            <a:schemeClr val="dk1"/>
+          </a:effectRef>
+          <a:fontRef idx="minor">
+            <a:schemeClr val="tx1"/>
+          </a:fontRef>
+        </p:style>
+      </p:cxnSp>
+      <p:cxnSp>
+        <p:nvCxnSpPr>
+          <p:cNvPr id="17" name="Straight Arrow Connector 16">
+            <a:extLst>
+              <a:ext uri="{FF2B5EF4-FFF2-40B4-BE49-F238E27FC236}">
+                <a16:creationId xmlns:a16="http://schemas.microsoft.com/office/drawing/2014/main" id="{00F9CF75-AA83-7640-8F7E-FD8ED35589D0}"/>
+              </a:ext>
+            </a:extLst>
+          </p:cNvPr>
+          <p:cNvCxnSpPr>
+            <a:cxnSpLocks/>
+            <a:stCxn id="5" idx="3"/>
+            <a:endCxn id="8" idx="1"/>
+          </p:cNvCxnSpPr>
+          <p:nvPr/>
+        </p:nvCxnSpPr>
+        <p:spPr>
+          <a:xfrm>
+            <a:off x="2578161" y="3739070"/>
+            <a:ext cx="1463784" cy="1337422"/>
+          </a:xfrm>
+          <a:prstGeom prst="straightConnector1">
+            <a:avLst/>
+          </a:prstGeom>
+          <a:ln>
+            <a:tailEnd type="triangle"/>
+          </a:ln>
+        </p:spPr>
+        <p:style>
+          <a:lnRef idx="1">
+            <a:schemeClr val="dk1"/>
+          </a:lnRef>
+          <a:fillRef idx="0">
+            <a:schemeClr val="dk1"/>
+          </a:fillRef>
+          <a:effectRef idx="0">
+            <a:schemeClr val="dk1"/>
+          </a:effectRef>
+          <a:fontRef idx="minor">
+            <a:schemeClr val="tx1"/>
+          </a:fontRef>
+        </p:style>
+      </p:cxnSp>
+    </p:spTree>
+    <p:extLst>
+      <p:ext uri="{BB962C8B-B14F-4D97-AF65-F5344CB8AC3E}">
+        <p14:creationId xmlns:p14="http://schemas.microsoft.com/office/powerpoint/2010/main" val="1071710963"/>
+      </p:ext>
+    </p:extLst>
+  </p:cSld>
+  <p:clrMapOvr>
+    <a:masterClrMapping/>
+  </p:clrMapOvr>
+</p:sld>
+</file>
+
+<file path=ppt/slides/slide40.xml><?xml version="1.0" encoding="utf-8"?>
 <p:sld xmlns:a="http://schemas.openxmlformats.org/drawingml/2006/main" xmlns:r="http://schemas.openxmlformats.org/officeDocument/2006/relationships" xmlns:p="http://schemas.openxmlformats.org/presentationml/2006/main">
   <p:cSld>
     <p:spTree>
@@ -38571,7 +41804,7 @@
 </p:sld>
 </file>
 
-<file path=ppt/slides/slide37.xml><?xml version="1.0" encoding="utf-8"?>
+<file path=ppt/slides/slide41.xml><?xml version="1.0" encoding="utf-8"?>
 <p:sld xmlns:a="http://schemas.openxmlformats.org/drawingml/2006/main" xmlns:r="http://schemas.openxmlformats.org/officeDocument/2006/relationships" xmlns:p="http://schemas.openxmlformats.org/presentationml/2006/main">
   <p:cSld>
     <p:spTree>
@@ -38681,7 +41914,7 @@
 </p:sld>
 </file>
 
-<file path=ppt/slides/slide38.xml><?xml version="1.0" encoding="utf-8"?>
+<file path=ppt/slides/slide42.xml><?xml version="1.0" encoding="utf-8"?>
 <p:sld xmlns:a="http://schemas.openxmlformats.org/drawingml/2006/main" xmlns:r="http://schemas.openxmlformats.org/officeDocument/2006/relationships" xmlns:p="http://schemas.openxmlformats.org/presentationml/2006/main">
   <p:cSld>
     <p:spTree>
@@ -41886,7 +45119,7 @@
 </p:sld>
 </file>
 
-<file path=ppt/slides/slide39.xml><?xml version="1.0" encoding="utf-8"?>
+<file path=ppt/slides/slide43.xml><?xml version="1.0" encoding="utf-8"?>
 <p:sld xmlns:a="http://schemas.openxmlformats.org/drawingml/2006/main" xmlns:r="http://schemas.openxmlformats.org/officeDocument/2006/relationships" xmlns:p="http://schemas.openxmlformats.org/presentationml/2006/main">
   <p:cSld>
     <p:spTree>
@@ -41979,171 +45212,7 @@
 </p:sld>
 </file>
 
-<file path=ppt/slides/slide4.xml><?xml version="1.0" encoding="utf-8"?>
-<p:sld xmlns:a="http://schemas.openxmlformats.org/drawingml/2006/main" xmlns:r="http://schemas.openxmlformats.org/officeDocument/2006/relationships" xmlns:p="http://schemas.openxmlformats.org/presentationml/2006/main">
-  <p:cSld>
-    <p:spTree>
-      <p:nvGrpSpPr>
-        <p:cNvPr id="1" name=""/>
-        <p:cNvGrpSpPr/>
-        <p:nvPr/>
-      </p:nvGrpSpPr>
-      <p:grpSpPr>
-        <a:xfrm>
-          <a:off x="0" y="0"/>
-          <a:ext cx="0" cy="0"/>
-          <a:chOff x="0" y="0"/>
-          <a:chExt cx="0" cy="0"/>
-        </a:xfrm>
-      </p:grpSpPr>
-      <p:sp>
-        <p:nvSpPr>
-          <p:cNvPr id="2" name="Footer Placeholder 1">
-            <a:extLst>
-              <a:ext uri="{FF2B5EF4-FFF2-40B4-BE49-F238E27FC236}">
-                <a16:creationId xmlns:a16="http://schemas.microsoft.com/office/drawing/2014/main" id="{A0A0BD00-D8DC-45C9-9C82-0E8430B96A5E}"/>
-              </a:ext>
-            </a:extLst>
-          </p:cNvPr>
-          <p:cNvSpPr>
-            <a:spLocks noGrp="1"/>
-          </p:cNvSpPr>
-          <p:nvPr>
-            <p:ph type="ftr" sz="quarter" idx="10"/>
-          </p:nvPr>
-        </p:nvSpPr>
-        <p:spPr/>
-        <p:txBody>
-          <a:bodyPr/>
-          <a:lstStyle/>
-          <a:p>
-            <a:pPr algn="l"/>
-            <a:r>
-              <a:rPr lang="en-US"/>
-              <a:t>© Kalyan Reddy Daida</a:t>
-            </a:r>
-            <a:endParaRPr lang="en-GB" dirty="0"/>
-          </a:p>
-        </p:txBody>
-      </p:sp>
-      <p:pic>
-        <p:nvPicPr>
-          <p:cNvPr id="1026" name="Picture 2" descr="Kubernetes - Wikipedia">
-            <a:extLst>
-              <a:ext uri="{FF2B5EF4-FFF2-40B4-BE49-F238E27FC236}">
-                <a16:creationId xmlns:a16="http://schemas.microsoft.com/office/drawing/2014/main" id="{79A16920-295F-4532-8573-E88C8EF891E6}"/>
-              </a:ext>
-            </a:extLst>
-          </p:cNvPr>
-          <p:cNvPicPr>
-            <a:picLocks noChangeAspect="1" noChangeArrowheads="1"/>
-          </p:cNvPicPr>
-          <p:nvPr/>
-        </p:nvPicPr>
-        <p:blipFill>
-          <a:blip r:embed="rId2">
-            <a:extLst>
-              <a:ext uri="{28A0092B-C50C-407E-A947-70E740481C1C}">
-                <a14:useLocalDpi xmlns:a14="http://schemas.microsoft.com/office/drawing/2010/main" val="0"/>
-              </a:ext>
-            </a:extLst>
-          </a:blip>
-          <a:srcRect/>
-          <a:stretch>
-            <a:fillRect/>
-          </a:stretch>
-        </p:blipFill>
-        <p:spPr bwMode="auto">
-          <a:xfrm>
-            <a:off x="8846757" y="1756402"/>
-            <a:ext cx="4858736" cy="4716796"/>
-          </a:xfrm>
-          <a:prstGeom prst="rect">
-            <a:avLst/>
-          </a:prstGeom>
-          <a:noFill/>
-          <a:extLst>
-            <a:ext uri="{909E8E84-426E-40DD-AFC4-6F175D3DCCD1}">
-              <a14:hiddenFill xmlns:a14="http://schemas.microsoft.com/office/drawing/2010/main">
-                <a:solidFill>
-                  <a:srgbClr val="FFFFFF"/>
-                </a:solidFill>
-              </a14:hiddenFill>
-            </a:ext>
-          </a:extLst>
-        </p:spPr>
-      </p:pic>
-      <p:sp>
-        <p:nvSpPr>
-          <p:cNvPr id="8" name="Content Placeholder 2">
-            <a:extLst>
-              <a:ext uri="{FF2B5EF4-FFF2-40B4-BE49-F238E27FC236}">
-                <a16:creationId xmlns:a16="http://schemas.microsoft.com/office/drawing/2014/main" id="{09329F3B-B988-4BA0-9BEA-4847C35EA442}"/>
-              </a:ext>
-            </a:extLst>
-          </p:cNvPr>
-          <p:cNvSpPr>
-            <a:spLocks noGrp="1"/>
-          </p:cNvSpPr>
-          <p:nvPr>
-            <p:ph idx="1"/>
-          </p:nvPr>
-        </p:nvSpPr>
-        <p:spPr>
-          <a:xfrm>
-            <a:off x="788273" y="2899123"/>
-            <a:ext cx="8390701" cy="1089553"/>
-          </a:xfrm>
-        </p:spPr>
-        <p:txBody>
-          <a:bodyPr>
-            <a:noAutofit/>
-          </a:bodyPr>
-          <a:lstStyle/>
-          <a:p>
-            <a:pPr marL="0" indent="0" algn="ctr">
-              <a:buNone/>
-            </a:pPr>
-            <a:r>
-              <a:rPr lang="en-US" sz="7000" b="1" dirty="0">
-                <a:solidFill>
-                  <a:schemeClr val="accent6">
-                    <a:lumMod val="75000"/>
-                  </a:schemeClr>
-                </a:solidFill>
-              </a:rPr>
-              <a:t>Kubernetes</a:t>
-            </a:r>
-          </a:p>
-          <a:p>
-            <a:pPr marL="0" indent="0" algn="ctr">
-              <a:buNone/>
-            </a:pPr>
-            <a:r>
-              <a:rPr lang="en-US" sz="7000" b="1" dirty="0">
-                <a:solidFill>
-                  <a:srgbClr val="00B050"/>
-                </a:solidFill>
-              </a:rPr>
-              <a:t>Architecture</a:t>
-            </a:r>
-          </a:p>
-        </p:txBody>
-      </p:sp>
-    </p:spTree>
-    <p:extLst>
-      <p:ext uri="{BB962C8B-B14F-4D97-AF65-F5344CB8AC3E}">
-        <p14:creationId xmlns:p14="http://schemas.microsoft.com/office/powerpoint/2010/main" val="1463512280"/>
-      </p:ext>
-    </p:extLst>
-  </p:cSld>
-  <p:clrMapOvr>
-    <a:masterClrMapping/>
-  </p:clrMapOvr>
-</p:sld>
-</file>
-
-<file path=ppt/slides/slide40.xml><?xml version="1.0" encoding="utf-8"?>
+<file path=ppt/slides/slide44.xml><?xml version="1.0" encoding="utf-8"?>
 <p:sld xmlns:a="http://schemas.openxmlformats.org/drawingml/2006/main" xmlns:r="http://schemas.openxmlformats.org/officeDocument/2006/relationships" xmlns:p="http://schemas.openxmlformats.org/presentationml/2006/main">
   <p:cSld>
     <p:spTree>
@@ -45465,7 +48534,7 @@
 </p:sld>
 </file>
 
-<file path=ppt/slides/slide41.xml><?xml version="1.0" encoding="utf-8"?>
+<file path=ppt/slides/slide45.xml><?xml version="1.0" encoding="utf-8"?>
 <p:sld xmlns:a="http://schemas.openxmlformats.org/drawingml/2006/main" xmlns:r="http://schemas.openxmlformats.org/officeDocument/2006/relationships" xmlns:p="http://schemas.openxmlformats.org/presentationml/2006/main">
   <p:cSld>
     <p:spTree>
@@ -47979,7 +51048,7 @@
 </p:sld>
 </file>
 
-<file path=ppt/slides/slide42.xml><?xml version="1.0" encoding="utf-8"?>
+<file path=ppt/slides/slide46.xml><?xml version="1.0" encoding="utf-8"?>
 <p:sld xmlns:a="http://schemas.openxmlformats.org/drawingml/2006/main" xmlns:r="http://schemas.openxmlformats.org/officeDocument/2006/relationships" xmlns:p="http://schemas.openxmlformats.org/presentationml/2006/main">
   <p:cSld>
     <p:spTree>
@@ -50134,7 +53203,7 @@
           <p:cNvPr id="2" name="Footer Placeholder 1">
             <a:extLst>
               <a:ext uri="{FF2B5EF4-FFF2-40B4-BE49-F238E27FC236}">
-                <a16:creationId xmlns:a16="http://schemas.microsoft.com/office/drawing/2014/main" id="{A0A0BD00-D8DC-45C9-9C82-0E8430B96A5E}"/>
+                <a16:creationId xmlns:a16="http://schemas.microsoft.com/office/drawing/2014/main" id="{0FFFBAA8-A0C2-2744-8C92-FCE2DE3DB00A}"/>
               </a:ext>
             </a:extLst>
           </p:cNvPr>
@@ -50159,150 +53228,803 @@
           </a:p>
         </p:txBody>
       </p:sp>
-      <p:pic>
-        <p:nvPicPr>
-          <p:cNvPr id="1026" name="Picture 2" descr="Kubernetes - Wikipedia">
-            <a:extLst>
-              <a:ext uri="{FF2B5EF4-FFF2-40B4-BE49-F238E27FC236}">
-                <a16:creationId xmlns:a16="http://schemas.microsoft.com/office/drawing/2014/main" id="{79A16920-295F-4532-8573-E88C8EF891E6}"/>
-              </a:ext>
-            </a:extLst>
-          </p:cNvPr>
-          <p:cNvPicPr>
-            <a:picLocks noChangeAspect="1" noChangeArrowheads="1"/>
-          </p:cNvPicPr>
+      <p:sp>
+        <p:nvSpPr>
+          <p:cNvPr id="5" name="Rectangle 4">
+            <a:extLst>
+              <a:ext uri="{FF2B5EF4-FFF2-40B4-BE49-F238E27FC236}">
+                <a16:creationId xmlns:a16="http://schemas.microsoft.com/office/drawing/2014/main" id="{75E3B91D-61E1-E94F-848D-8A91EFD52FEC}"/>
+              </a:ext>
+            </a:extLst>
+          </p:cNvPr>
+          <p:cNvSpPr/>
           <p:nvPr/>
-        </p:nvPicPr>
-        <p:blipFill>
-          <a:blip r:embed="rId2">
-            <a:extLst>
-              <a:ext uri="{28A0092B-C50C-407E-A947-70E740481C1C}">
-                <a14:useLocalDpi xmlns:a14="http://schemas.microsoft.com/office/drawing/2010/main" val="0"/>
-              </a:ext>
-            </a:extLst>
-          </a:blip>
-          <a:srcRect/>
-          <a:stretch>
-            <a:fillRect/>
-          </a:stretch>
-        </p:blipFill>
-        <p:spPr bwMode="auto">
+        </p:nvSpPr>
+        <p:spPr>
           <a:xfrm>
-            <a:off x="9971364" y="1985978"/>
-            <a:ext cx="4385767" cy="4257644"/>
+            <a:off x="236406" y="3888886"/>
+            <a:ext cx="2051824" cy="791737"/>
           </a:xfrm>
           <a:prstGeom prst="rect">
             <a:avLst/>
           </a:prstGeom>
-          <a:noFill/>
-          <a:extLst>
-            <a:ext uri="{909E8E84-426E-40DD-AFC4-6F175D3DCCD1}">
-              <a14:hiddenFill xmlns:a14="http://schemas.microsoft.com/office/drawing/2010/main">
-                <a:solidFill>
-                  <a:srgbClr val="FFFFFF"/>
-                </a:solidFill>
-              </a14:hiddenFill>
-            </a:ext>
-          </a:extLst>
+          <a:solidFill>
+            <a:schemeClr val="accent2">
+              <a:lumMod val="50000"/>
+            </a:schemeClr>
+          </a:solidFill>
+          <a:ln>
+            <a:solidFill>
+              <a:schemeClr val="accent2">
+                <a:lumMod val="50000"/>
+              </a:schemeClr>
+            </a:solidFill>
+          </a:ln>
         </p:spPr>
-      </p:pic>
+        <p:style>
+          <a:lnRef idx="2">
+            <a:schemeClr val="accent1">
+              <a:shade val="50000"/>
+            </a:schemeClr>
+          </a:lnRef>
+          <a:fillRef idx="1">
+            <a:schemeClr val="accent1"/>
+          </a:fillRef>
+          <a:effectRef idx="0">
+            <a:schemeClr val="accent1"/>
+          </a:effectRef>
+          <a:fontRef idx="minor">
+            <a:schemeClr val="lt1"/>
+          </a:fontRef>
+        </p:style>
+        <p:txBody>
+          <a:bodyPr rtlCol="0" anchor="ctr"/>
+          <a:lstStyle/>
+          <a:p>
+            <a:pPr algn="ctr"/>
+            <a:r>
+              <a:rPr lang="en-US" dirty="0"/>
+              <a:t>EKS Cluster</a:t>
+            </a:r>
+          </a:p>
+        </p:txBody>
+      </p:sp>
       <p:sp>
         <p:nvSpPr>
-          <p:cNvPr id="8" name="Content Placeholder 2">
-            <a:extLst>
-              <a:ext uri="{FF2B5EF4-FFF2-40B4-BE49-F238E27FC236}">
-                <a16:creationId xmlns:a16="http://schemas.microsoft.com/office/drawing/2014/main" id="{09329F3B-B988-4BA0-9BEA-4847C35EA442}"/>
-              </a:ext>
-            </a:extLst>
-          </p:cNvPr>
-          <p:cNvSpPr>
-            <a:spLocks noGrp="1"/>
-          </p:cNvSpPr>
-          <p:nvPr>
-            <p:ph idx="1"/>
-          </p:nvPr>
+          <p:cNvPr id="6" name="Rectangle 5">
+            <a:extLst>
+              <a:ext uri="{FF2B5EF4-FFF2-40B4-BE49-F238E27FC236}">
+                <a16:creationId xmlns:a16="http://schemas.microsoft.com/office/drawing/2014/main" id="{138416B0-90F1-C64C-8EA8-809BA828CBD0}"/>
+              </a:ext>
+            </a:extLst>
+          </p:cNvPr>
+          <p:cNvSpPr/>
+          <p:nvPr/>
         </p:nvSpPr>
         <p:spPr>
           <a:xfrm>
-            <a:off x="2748879" y="2928922"/>
-            <a:ext cx="8390701" cy="1089553"/>
-          </a:xfrm>
-        </p:spPr>
-        <p:txBody>
-          <a:bodyPr>
-            <a:noAutofit/>
-          </a:bodyPr>
-          <a:lstStyle/>
-          <a:p>
-            <a:pPr marL="0" indent="0" algn="ctr">
-              <a:buNone/>
-            </a:pPr>
-            <a:r>
-              <a:rPr lang="en-US" sz="7000" b="1" dirty="0">
-                <a:solidFill>
-                  <a:schemeClr val="accent6">
-                    <a:lumMod val="75000"/>
-                  </a:schemeClr>
-                </a:solidFill>
-              </a:rPr>
-              <a:t>Kubernetes</a:t>
-            </a:r>
-          </a:p>
-          <a:p>
-            <a:pPr marL="0" indent="0" algn="ctr">
-              <a:buNone/>
-            </a:pPr>
-            <a:r>
-              <a:rPr lang="en-US" sz="7000" b="1" dirty="0">
-                <a:solidFill>
-                  <a:srgbClr val="00B050"/>
-                </a:solidFill>
-              </a:rPr>
-              <a:t>Architecture</a:t>
-            </a:r>
-          </a:p>
-        </p:txBody>
-      </p:sp>
-      <p:pic>
-        <p:nvPicPr>
-          <p:cNvPr id="5" name="Graphic 4">
-            <a:extLst>
-              <a:ext uri="{FF2B5EF4-FFF2-40B4-BE49-F238E27FC236}">
-                <a16:creationId xmlns:a16="http://schemas.microsoft.com/office/drawing/2014/main" id="{C5DB0ADC-2D3C-4AE9-87AC-FBFAA0CA0CDB}"/>
-              </a:ext>
-            </a:extLst>
-          </p:cNvPr>
-          <p:cNvPicPr>
-            <a:picLocks noChangeAspect="1"/>
-          </p:cNvPicPr>
-          <p:nvPr/>
-        </p:nvPicPr>
-        <p:blipFill>
-          <a:blip r:embed="rId3">
-            <a:extLst>
-              <a:ext uri="{96DAC541-7B7A-43D3-8B79-37D633B846F1}">
-                <asvg:svgBlip xmlns:asvg="http://schemas.microsoft.com/office/drawing/2016/SVG/main" r:embed="rId4"/>
-              </a:ext>
-            </a:extLst>
-          </a:blip>
-          <a:stretch>
-            <a:fillRect/>
-          </a:stretch>
-        </p:blipFill>
-        <p:spPr>
-          <a:xfrm>
-            <a:off x="171194" y="2392617"/>
-            <a:ext cx="3745901" cy="3745901"/>
+            <a:off x="3339419" y="77343"/>
+            <a:ext cx="2051824" cy="1917409"/>
           </a:xfrm>
           <a:prstGeom prst="rect">
             <a:avLst/>
           </a:prstGeom>
+          <a:solidFill>
+            <a:schemeClr val="accent2">
+              <a:lumMod val="75000"/>
+            </a:schemeClr>
+          </a:solidFill>
+          <a:ln>
+            <a:noFill/>
+          </a:ln>
         </p:spPr>
-      </p:pic>
+        <p:style>
+          <a:lnRef idx="2">
+            <a:schemeClr val="accent1">
+              <a:shade val="50000"/>
+            </a:schemeClr>
+          </a:lnRef>
+          <a:fillRef idx="1">
+            <a:schemeClr val="accent1"/>
+          </a:fillRef>
+          <a:effectRef idx="0">
+            <a:schemeClr val="accent1"/>
+          </a:effectRef>
+          <a:fontRef idx="minor">
+            <a:schemeClr val="lt1"/>
+          </a:fontRef>
+        </p:style>
+        <p:txBody>
+          <a:bodyPr rtlCol="0" anchor="ctr"/>
+          <a:lstStyle/>
+          <a:p>
+            <a:pPr algn="ctr"/>
+            <a:r>
+              <a:rPr lang="en-US" dirty="0"/>
+              <a:t>EKS Control Plane</a:t>
+            </a:r>
+          </a:p>
+        </p:txBody>
+      </p:sp>
+      <p:cxnSp>
+        <p:nvCxnSpPr>
+          <p:cNvPr id="13" name="Straight Arrow Connector 12">
+            <a:extLst>
+              <a:ext uri="{FF2B5EF4-FFF2-40B4-BE49-F238E27FC236}">
+                <a16:creationId xmlns:a16="http://schemas.microsoft.com/office/drawing/2014/main" id="{CB82551D-499A-E045-AA22-39B5F459385B}"/>
+              </a:ext>
+            </a:extLst>
+          </p:cNvPr>
+          <p:cNvCxnSpPr>
+            <a:cxnSpLocks/>
+            <a:stCxn id="5" idx="3"/>
+            <a:endCxn id="6" idx="1"/>
+          </p:cNvCxnSpPr>
+          <p:nvPr/>
+        </p:nvCxnSpPr>
+        <p:spPr>
+          <a:xfrm flipV="1">
+            <a:off x="2288230" y="1036048"/>
+            <a:ext cx="1051189" cy="3248707"/>
+          </a:xfrm>
+          <a:prstGeom prst="straightConnector1">
+            <a:avLst/>
+          </a:prstGeom>
+          <a:ln>
+            <a:tailEnd type="triangle"/>
+          </a:ln>
+        </p:spPr>
+        <p:style>
+          <a:lnRef idx="1">
+            <a:schemeClr val="dk1"/>
+          </a:lnRef>
+          <a:fillRef idx="0">
+            <a:schemeClr val="dk1"/>
+          </a:fillRef>
+          <a:effectRef idx="0">
+            <a:schemeClr val="dk1"/>
+          </a:effectRef>
+          <a:fontRef idx="minor">
+            <a:schemeClr val="tx1"/>
+          </a:fontRef>
+        </p:style>
+      </p:cxnSp>
+      <p:cxnSp>
+        <p:nvCxnSpPr>
+          <p:cNvPr id="15" name="Straight Arrow Connector 14">
+            <a:extLst>
+              <a:ext uri="{FF2B5EF4-FFF2-40B4-BE49-F238E27FC236}">
+                <a16:creationId xmlns:a16="http://schemas.microsoft.com/office/drawing/2014/main" id="{828AC5D9-CD1B-E74F-91D3-645F3C6F4722}"/>
+              </a:ext>
+            </a:extLst>
+          </p:cNvPr>
+          <p:cNvCxnSpPr>
+            <a:cxnSpLocks/>
+            <a:stCxn id="5" idx="3"/>
+          </p:cNvCxnSpPr>
+          <p:nvPr/>
+        </p:nvCxnSpPr>
+        <p:spPr>
+          <a:xfrm flipV="1">
+            <a:off x="2288230" y="3549499"/>
+            <a:ext cx="781330" cy="735256"/>
+          </a:xfrm>
+          <a:prstGeom prst="straightConnector1">
+            <a:avLst/>
+          </a:prstGeom>
+          <a:ln>
+            <a:tailEnd type="triangle"/>
+          </a:ln>
+        </p:spPr>
+        <p:style>
+          <a:lnRef idx="1">
+            <a:schemeClr val="dk1"/>
+          </a:lnRef>
+          <a:fillRef idx="0">
+            <a:schemeClr val="dk1"/>
+          </a:fillRef>
+          <a:effectRef idx="0">
+            <a:schemeClr val="dk1"/>
+          </a:effectRef>
+          <a:fontRef idx="minor">
+            <a:schemeClr val="tx1"/>
+          </a:fontRef>
+        </p:style>
+      </p:cxnSp>
+      <p:cxnSp>
+        <p:nvCxnSpPr>
+          <p:cNvPr id="17" name="Straight Arrow Connector 16">
+            <a:extLst>
+              <a:ext uri="{FF2B5EF4-FFF2-40B4-BE49-F238E27FC236}">
+                <a16:creationId xmlns:a16="http://schemas.microsoft.com/office/drawing/2014/main" id="{00F9CF75-AA83-7640-8F7E-FD8ED35589D0}"/>
+              </a:ext>
+            </a:extLst>
+          </p:cNvPr>
+          <p:cNvCxnSpPr>
+            <a:cxnSpLocks/>
+            <a:stCxn id="5" idx="3"/>
+          </p:cNvCxnSpPr>
+          <p:nvPr/>
+        </p:nvCxnSpPr>
+        <p:spPr>
+          <a:xfrm>
+            <a:off x="2288230" y="4284755"/>
+            <a:ext cx="783560" cy="602166"/>
+          </a:xfrm>
+          <a:prstGeom prst="straightConnector1">
+            <a:avLst/>
+          </a:prstGeom>
+          <a:ln>
+            <a:tailEnd type="triangle"/>
+          </a:ln>
+        </p:spPr>
+        <p:style>
+          <a:lnRef idx="1">
+            <a:schemeClr val="dk1"/>
+          </a:lnRef>
+          <a:fillRef idx="0">
+            <a:schemeClr val="dk1"/>
+          </a:fillRef>
+          <a:effectRef idx="0">
+            <a:schemeClr val="dk1"/>
+          </a:effectRef>
+          <a:fontRef idx="minor">
+            <a:schemeClr val="tx1"/>
+          </a:fontRef>
+        </p:style>
+      </p:cxnSp>
+      <p:sp>
+        <p:nvSpPr>
+          <p:cNvPr id="19" name="Rectangle 18">
+            <a:extLst>
+              <a:ext uri="{FF2B5EF4-FFF2-40B4-BE49-F238E27FC236}">
+                <a16:creationId xmlns:a16="http://schemas.microsoft.com/office/drawing/2014/main" id="{A849375E-277D-D341-B923-394DD65F5203}"/>
+              </a:ext>
+            </a:extLst>
+          </p:cNvPr>
+          <p:cNvSpPr/>
+          <p:nvPr/>
+        </p:nvSpPr>
+        <p:spPr>
+          <a:xfrm>
+            <a:off x="5533236" y="78060"/>
+            <a:ext cx="8874884" cy="1917409"/>
+          </a:xfrm>
+          <a:prstGeom prst="rect">
+            <a:avLst/>
+          </a:prstGeom>
+          <a:solidFill>
+            <a:schemeClr val="accent2">
+              <a:lumMod val="60000"/>
+              <a:lumOff val="40000"/>
+            </a:schemeClr>
+          </a:solidFill>
+          <a:ln>
+            <a:solidFill>
+              <a:schemeClr val="accent2">
+                <a:lumMod val="75000"/>
+              </a:schemeClr>
+            </a:solidFill>
+          </a:ln>
+        </p:spPr>
+        <p:style>
+          <a:lnRef idx="2">
+            <a:schemeClr val="accent1">
+              <a:shade val="50000"/>
+            </a:schemeClr>
+          </a:lnRef>
+          <a:fillRef idx="1">
+            <a:schemeClr val="accent1"/>
+          </a:fillRef>
+          <a:effectRef idx="0">
+            <a:schemeClr val="accent1"/>
+          </a:effectRef>
+          <a:fontRef idx="minor">
+            <a:schemeClr val="lt1"/>
+          </a:fontRef>
+        </p:style>
+        <p:txBody>
+          <a:bodyPr rtlCol="0" anchor="ctr"/>
+          <a:lstStyle/>
+          <a:p>
+            <a:pPr marL="457200" indent="-457200">
+              <a:buAutoNum type="arabicPeriod"/>
+            </a:pPr>
+            <a:r>
+              <a:rPr lang="en-IN" sz="1800" dirty="0"/>
+              <a:t>EKS runs a single tenant Kubernetes control plane for each cluster, and control plane infrastructure is not shared across clusters or AWS accounts.</a:t>
+            </a:r>
+          </a:p>
+          <a:p>
+            <a:pPr marL="457200" indent="-457200">
+              <a:buAutoNum type="arabicPeriod"/>
+            </a:pPr>
+            <a:r>
+              <a:rPr lang="en-IN" sz="1800" dirty="0"/>
+              <a:t>This control plane consists of at least two API server nodes and three </a:t>
+            </a:r>
+            <a:r>
+              <a:rPr lang="en-IN" sz="1800" dirty="0" err="1"/>
+              <a:t>etcd</a:t>
+            </a:r>
+            <a:r>
+              <a:rPr lang="en-IN" sz="1800" dirty="0"/>
+              <a:t> nodes that run across three Availability Zones within a Region</a:t>
+            </a:r>
+          </a:p>
+          <a:p>
+            <a:pPr marL="457200" indent="-457200">
+              <a:buAutoNum type="arabicPeriod"/>
+            </a:pPr>
+            <a:r>
+              <a:rPr lang="en-IN" sz="1800" dirty="0"/>
+              <a:t>Amazon EKS automatically detects and replaces unhealthy control plane instances, restarting them across the Availability Zones within the Region as needed.</a:t>
+            </a:r>
+            <a:endParaRPr lang="en-US" sz="1800" dirty="0"/>
+          </a:p>
+        </p:txBody>
+      </p:sp>
+      <p:cxnSp>
+        <p:nvCxnSpPr>
+          <p:cNvPr id="12" name="Straight Arrow Connector 11">
+            <a:extLst>
+              <a:ext uri="{FF2B5EF4-FFF2-40B4-BE49-F238E27FC236}">
+                <a16:creationId xmlns:a16="http://schemas.microsoft.com/office/drawing/2014/main" id="{92F4C9FF-C6EC-D743-B9CD-B266AD85B607}"/>
+              </a:ext>
+            </a:extLst>
+          </p:cNvPr>
+          <p:cNvCxnSpPr>
+            <a:cxnSpLocks/>
+            <a:stCxn id="5" idx="3"/>
+          </p:cNvCxnSpPr>
+          <p:nvPr/>
+        </p:nvCxnSpPr>
+        <p:spPr>
+          <a:xfrm>
+            <a:off x="2288230" y="4284755"/>
+            <a:ext cx="781330" cy="1939588"/>
+          </a:xfrm>
+          <a:prstGeom prst="straightConnector1">
+            <a:avLst/>
+          </a:prstGeom>
+          <a:ln>
+            <a:tailEnd type="triangle"/>
+          </a:ln>
+        </p:spPr>
+        <p:style>
+          <a:lnRef idx="1">
+            <a:schemeClr val="dk1"/>
+          </a:lnRef>
+          <a:fillRef idx="0">
+            <a:schemeClr val="dk1"/>
+          </a:fillRef>
+          <a:effectRef idx="0">
+            <a:schemeClr val="dk1"/>
+          </a:effectRef>
+          <a:fontRef idx="minor">
+            <a:schemeClr val="tx1"/>
+          </a:fontRef>
+        </p:style>
+      </p:cxnSp>
+      <p:sp>
+        <p:nvSpPr>
+          <p:cNvPr id="35" name="Rectangle 34">
+            <a:extLst>
+              <a:ext uri="{FF2B5EF4-FFF2-40B4-BE49-F238E27FC236}">
+                <a16:creationId xmlns:a16="http://schemas.microsoft.com/office/drawing/2014/main" id="{0DC3A327-AB2B-D44F-971E-5C2EA1E6829C}"/>
+              </a:ext>
+            </a:extLst>
+          </p:cNvPr>
+          <p:cNvSpPr/>
+          <p:nvPr/>
+        </p:nvSpPr>
+        <p:spPr>
+          <a:xfrm>
+            <a:off x="3339419" y="2163478"/>
+            <a:ext cx="2051824" cy="1917409"/>
+          </a:xfrm>
+          <a:prstGeom prst="rect">
+            <a:avLst/>
+          </a:prstGeom>
+          <a:solidFill>
+            <a:schemeClr val="accent2">
+              <a:lumMod val="75000"/>
+            </a:schemeClr>
+          </a:solidFill>
+          <a:ln>
+            <a:noFill/>
+          </a:ln>
+        </p:spPr>
+        <p:style>
+          <a:lnRef idx="2">
+            <a:schemeClr val="accent1">
+              <a:shade val="50000"/>
+            </a:schemeClr>
+          </a:lnRef>
+          <a:fillRef idx="1">
+            <a:schemeClr val="accent1"/>
+          </a:fillRef>
+          <a:effectRef idx="0">
+            <a:schemeClr val="accent1"/>
+          </a:effectRef>
+          <a:fontRef idx="minor">
+            <a:schemeClr val="lt1"/>
+          </a:fontRef>
+        </p:style>
+        <p:txBody>
+          <a:bodyPr rtlCol="0" anchor="ctr"/>
+          <a:lstStyle/>
+          <a:p>
+            <a:pPr algn="ctr"/>
+            <a:r>
+              <a:rPr lang="en-US" dirty="0"/>
+              <a:t>Worker Nodes</a:t>
+            </a:r>
+          </a:p>
+        </p:txBody>
+      </p:sp>
+      <p:sp>
+        <p:nvSpPr>
+          <p:cNvPr id="36" name="Rectangle 35">
+            <a:extLst>
+              <a:ext uri="{FF2B5EF4-FFF2-40B4-BE49-F238E27FC236}">
+                <a16:creationId xmlns:a16="http://schemas.microsoft.com/office/drawing/2014/main" id="{CCD5681A-2638-754C-8F13-F7392D19FB56}"/>
+              </a:ext>
+            </a:extLst>
+          </p:cNvPr>
+          <p:cNvSpPr/>
+          <p:nvPr/>
+        </p:nvSpPr>
+        <p:spPr>
+          <a:xfrm>
+            <a:off x="5533236" y="2164195"/>
+            <a:ext cx="8874884" cy="1917409"/>
+          </a:xfrm>
+          <a:prstGeom prst="rect">
+            <a:avLst/>
+          </a:prstGeom>
+          <a:solidFill>
+            <a:schemeClr val="accent2">
+              <a:lumMod val="60000"/>
+              <a:lumOff val="40000"/>
+            </a:schemeClr>
+          </a:solidFill>
+          <a:ln>
+            <a:solidFill>
+              <a:schemeClr val="accent2">
+                <a:lumMod val="75000"/>
+              </a:schemeClr>
+            </a:solidFill>
+          </a:ln>
+        </p:spPr>
+        <p:style>
+          <a:lnRef idx="2">
+            <a:schemeClr val="accent1">
+              <a:shade val="50000"/>
+            </a:schemeClr>
+          </a:lnRef>
+          <a:fillRef idx="1">
+            <a:schemeClr val="accent1"/>
+          </a:fillRef>
+          <a:effectRef idx="0">
+            <a:schemeClr val="accent1"/>
+          </a:effectRef>
+          <a:fontRef idx="minor">
+            <a:schemeClr val="lt1"/>
+          </a:fontRef>
+        </p:style>
+        <p:txBody>
+          <a:bodyPr rtlCol="0" anchor="ctr"/>
+          <a:lstStyle/>
+          <a:p>
+            <a:pPr marL="457200" indent="-457200">
+              <a:buAutoNum type="arabicPeriod"/>
+            </a:pPr>
+            <a:r>
+              <a:rPr lang="en-IN" sz="1800" dirty="0"/>
+              <a:t>Worker machines in Kubernetes are called nodes. </a:t>
+            </a:r>
+          </a:p>
+          <a:p>
+            <a:pPr marL="457200" indent="-457200">
+              <a:buAutoNum type="arabicPeriod"/>
+            </a:pPr>
+            <a:r>
+              <a:rPr lang="en-IN" sz="1800" dirty="0"/>
+              <a:t>EKS worker nodes run in your AWS account and connect to your cluster's control plane via the cluster API server endpoint. </a:t>
+            </a:r>
+          </a:p>
+          <a:p>
+            <a:pPr marL="457200" indent="-457200">
+              <a:buAutoNum type="arabicPeriod"/>
+            </a:pPr>
+            <a:r>
+              <a:rPr lang="en-IN" sz="1800" dirty="0"/>
+              <a:t>You deploy one or more worker nodes into a node group. </a:t>
+            </a:r>
+          </a:p>
+          <a:p>
+            <a:pPr marL="457200" indent="-457200">
+              <a:buAutoNum type="arabicPeriod"/>
+            </a:pPr>
+            <a:r>
+              <a:rPr lang="en-IN" sz="1800" dirty="0"/>
+              <a:t>A node group is one or more Amazon EC2 instances that are deployed in an EC2 Autoscaling group. All instances in a node group must</a:t>
+            </a:r>
+            <a:endParaRPr lang="en-US" sz="1800" dirty="0"/>
+          </a:p>
+        </p:txBody>
+      </p:sp>
+      <p:sp>
+        <p:nvSpPr>
+          <p:cNvPr id="37" name="Rectangle 36">
+            <a:extLst>
+              <a:ext uri="{FF2B5EF4-FFF2-40B4-BE49-F238E27FC236}">
+                <a16:creationId xmlns:a16="http://schemas.microsoft.com/office/drawing/2014/main" id="{C18F6956-4955-FF4C-B155-7722E6825080}"/>
+              </a:ext>
+            </a:extLst>
+          </p:cNvPr>
+          <p:cNvSpPr/>
+          <p:nvPr/>
+        </p:nvSpPr>
+        <p:spPr>
+          <a:xfrm>
+            <a:off x="3339419" y="4212273"/>
+            <a:ext cx="2051824" cy="1917409"/>
+          </a:xfrm>
+          <a:prstGeom prst="rect">
+            <a:avLst/>
+          </a:prstGeom>
+          <a:solidFill>
+            <a:schemeClr val="accent2">
+              <a:lumMod val="75000"/>
+            </a:schemeClr>
+          </a:solidFill>
+          <a:ln>
+            <a:noFill/>
+          </a:ln>
+        </p:spPr>
+        <p:style>
+          <a:lnRef idx="2">
+            <a:schemeClr val="accent1">
+              <a:shade val="50000"/>
+            </a:schemeClr>
+          </a:lnRef>
+          <a:fillRef idx="1">
+            <a:schemeClr val="accent1"/>
+          </a:fillRef>
+          <a:effectRef idx="0">
+            <a:schemeClr val="accent1"/>
+          </a:effectRef>
+          <a:fontRef idx="minor">
+            <a:schemeClr val="lt1"/>
+          </a:fontRef>
+        </p:style>
+        <p:txBody>
+          <a:bodyPr rtlCol="0" anchor="ctr"/>
+          <a:lstStyle/>
+          <a:p>
+            <a:pPr algn="ctr"/>
+            <a:r>
+              <a:rPr lang="en-US" dirty="0" err="1"/>
+              <a:t>Fargate</a:t>
+            </a:r>
+            <a:r>
+              <a:rPr lang="en-US" dirty="0"/>
+              <a:t> pods</a:t>
+            </a:r>
+          </a:p>
+        </p:txBody>
+      </p:sp>
+      <p:sp>
+        <p:nvSpPr>
+          <p:cNvPr id="38" name="Rectangle 37">
+            <a:extLst>
+              <a:ext uri="{FF2B5EF4-FFF2-40B4-BE49-F238E27FC236}">
+                <a16:creationId xmlns:a16="http://schemas.microsoft.com/office/drawing/2014/main" id="{61DE3CDC-51B3-CF40-AC02-96E467FFC3B4}"/>
+              </a:ext>
+            </a:extLst>
+          </p:cNvPr>
+          <p:cNvSpPr/>
+          <p:nvPr/>
+        </p:nvSpPr>
+        <p:spPr>
+          <a:xfrm>
+            <a:off x="5533236" y="4212990"/>
+            <a:ext cx="8874884" cy="1917409"/>
+          </a:xfrm>
+          <a:prstGeom prst="rect">
+            <a:avLst/>
+          </a:prstGeom>
+          <a:solidFill>
+            <a:schemeClr val="accent2">
+              <a:lumMod val="60000"/>
+              <a:lumOff val="40000"/>
+            </a:schemeClr>
+          </a:solidFill>
+          <a:ln>
+            <a:solidFill>
+              <a:schemeClr val="accent2">
+                <a:lumMod val="75000"/>
+              </a:schemeClr>
+            </a:solidFill>
+          </a:ln>
+        </p:spPr>
+        <p:style>
+          <a:lnRef idx="2">
+            <a:schemeClr val="accent1">
+              <a:shade val="50000"/>
+            </a:schemeClr>
+          </a:lnRef>
+          <a:fillRef idx="1">
+            <a:schemeClr val="accent1"/>
+          </a:fillRef>
+          <a:effectRef idx="0">
+            <a:schemeClr val="accent1"/>
+          </a:effectRef>
+          <a:fontRef idx="minor">
+            <a:schemeClr val="lt1"/>
+          </a:fontRef>
+        </p:style>
+        <p:txBody>
+          <a:bodyPr rtlCol="0" anchor="ctr"/>
+          <a:lstStyle/>
+          <a:p>
+            <a:pPr marL="457200" indent="-457200">
+              <a:buAutoNum type="arabicPeriod"/>
+            </a:pPr>
+            <a:r>
+              <a:rPr lang="en-IN" sz="1800" dirty="0"/>
+              <a:t>a.</a:t>
+            </a:r>
+            <a:endParaRPr lang="en-US" sz="1800" dirty="0"/>
+          </a:p>
+        </p:txBody>
+      </p:sp>
+      <p:sp>
+        <p:nvSpPr>
+          <p:cNvPr id="39" name="Rectangle 38">
+            <a:extLst>
+              <a:ext uri="{FF2B5EF4-FFF2-40B4-BE49-F238E27FC236}">
+                <a16:creationId xmlns:a16="http://schemas.microsoft.com/office/drawing/2014/main" id="{AC2BFEE2-574E-494C-ABD2-5EBBC09F3048}"/>
+              </a:ext>
+            </a:extLst>
+          </p:cNvPr>
+          <p:cNvSpPr/>
+          <p:nvPr/>
+        </p:nvSpPr>
+        <p:spPr>
+          <a:xfrm>
+            <a:off x="3339419" y="6261068"/>
+            <a:ext cx="2051824" cy="1917409"/>
+          </a:xfrm>
+          <a:prstGeom prst="rect">
+            <a:avLst/>
+          </a:prstGeom>
+          <a:solidFill>
+            <a:schemeClr val="accent2">
+              <a:lumMod val="75000"/>
+            </a:schemeClr>
+          </a:solidFill>
+          <a:ln>
+            <a:noFill/>
+          </a:ln>
+        </p:spPr>
+        <p:style>
+          <a:lnRef idx="2">
+            <a:schemeClr val="accent1">
+              <a:shade val="50000"/>
+            </a:schemeClr>
+          </a:lnRef>
+          <a:fillRef idx="1">
+            <a:schemeClr val="accent1"/>
+          </a:fillRef>
+          <a:effectRef idx="0">
+            <a:schemeClr val="accent1"/>
+          </a:effectRef>
+          <a:fontRef idx="minor">
+            <a:schemeClr val="lt1"/>
+          </a:fontRef>
+        </p:style>
+        <p:txBody>
+          <a:bodyPr rtlCol="0" anchor="ctr"/>
+          <a:lstStyle/>
+          <a:p>
+            <a:pPr algn="ctr"/>
+            <a:r>
+              <a:rPr lang="en-US" dirty="0"/>
+              <a:t>VPC</a:t>
+            </a:r>
+          </a:p>
+        </p:txBody>
+      </p:sp>
+      <p:sp>
+        <p:nvSpPr>
+          <p:cNvPr id="40" name="Rectangle 39">
+            <a:extLst>
+              <a:ext uri="{FF2B5EF4-FFF2-40B4-BE49-F238E27FC236}">
+                <a16:creationId xmlns:a16="http://schemas.microsoft.com/office/drawing/2014/main" id="{7E39D25A-AB40-824E-A119-F06842183C96}"/>
+              </a:ext>
+            </a:extLst>
+          </p:cNvPr>
+          <p:cNvSpPr/>
+          <p:nvPr/>
+        </p:nvSpPr>
+        <p:spPr>
+          <a:xfrm>
+            <a:off x="5533236" y="6261785"/>
+            <a:ext cx="8874884" cy="1917409"/>
+          </a:xfrm>
+          <a:prstGeom prst="rect">
+            <a:avLst/>
+          </a:prstGeom>
+          <a:solidFill>
+            <a:schemeClr val="accent2">
+              <a:lumMod val="60000"/>
+              <a:lumOff val="40000"/>
+            </a:schemeClr>
+          </a:solidFill>
+          <a:ln>
+            <a:solidFill>
+              <a:schemeClr val="accent2">
+                <a:lumMod val="75000"/>
+              </a:schemeClr>
+            </a:solidFill>
+          </a:ln>
+        </p:spPr>
+        <p:style>
+          <a:lnRef idx="2">
+            <a:schemeClr val="accent1">
+              <a:shade val="50000"/>
+            </a:schemeClr>
+          </a:lnRef>
+          <a:fillRef idx="1">
+            <a:schemeClr val="accent1"/>
+          </a:fillRef>
+          <a:effectRef idx="0">
+            <a:schemeClr val="accent1"/>
+          </a:effectRef>
+          <a:fontRef idx="minor">
+            <a:schemeClr val="lt1"/>
+          </a:fontRef>
+        </p:style>
+        <p:txBody>
+          <a:bodyPr rtlCol="0" anchor="ctr"/>
+          <a:lstStyle/>
+          <a:p>
+            <a:pPr marL="457200" indent="-457200">
+              <a:buAutoNum type="arabicPeriod"/>
+            </a:pPr>
+            <a:r>
+              <a:rPr lang="en-IN" sz="1800" dirty="0"/>
+              <a:t>Amazon EKS uses Amazon VPC network policies to restrict traffic between control plane components to within a single cluster. </a:t>
+            </a:r>
+          </a:p>
+          <a:p>
+            <a:pPr marL="457200" indent="-457200">
+              <a:buAutoNum type="arabicPeriod"/>
+            </a:pPr>
+            <a:r>
+              <a:rPr lang="en-IN" sz="1800" dirty="0"/>
+              <a:t>Control plane components for a cluster cannot view or receive communication from other clusters or other AWS accounts, except as authorized with Kubernetes RBAC policies. </a:t>
+            </a:r>
+          </a:p>
+          <a:p>
+            <a:pPr marL="457200" indent="-457200">
+              <a:buAutoNum type="arabicPeriod"/>
+            </a:pPr>
+            <a:r>
+              <a:rPr lang="en-IN" sz="1800" dirty="0"/>
+              <a:t>This secure and highly-available configuration makes Amazon EKS reliable and recommended for production workloads.</a:t>
+            </a:r>
+            <a:endParaRPr lang="en-US" sz="1800" dirty="0"/>
+          </a:p>
+        </p:txBody>
+      </p:sp>
     </p:spTree>
     <p:extLst>
       <p:ext uri="{BB962C8B-B14F-4D97-AF65-F5344CB8AC3E}">
-        <p14:creationId xmlns:p14="http://schemas.microsoft.com/office/powerpoint/2010/main" val="2634886468"/>
+        <p14:creationId xmlns:p14="http://schemas.microsoft.com/office/powerpoint/2010/main" val="3723799919"/>
       </p:ext>
     </p:extLst>
   </p:cSld>
@@ -50334,7 +54056,7 @@
           <p:cNvPr id="2" name="Footer Placeholder 1">
             <a:extLst>
               <a:ext uri="{FF2B5EF4-FFF2-40B4-BE49-F238E27FC236}">
-                <a16:creationId xmlns:a16="http://schemas.microsoft.com/office/drawing/2014/main" id="{5634FA58-2A84-4C4C-8D8A-F46D3D69DBD1}"/>
+                <a16:creationId xmlns:a16="http://schemas.microsoft.com/office/drawing/2014/main" id="{55B8FDB4-BE4E-444E-8E01-246FCADA4008}"/>
               </a:ext>
             </a:extLst>
           </p:cNvPr>
@@ -50364,7 +54086,7 @@
           <p:cNvPr id="3" name="Content Placeholder 2">
             <a:extLst>
               <a:ext uri="{FF2B5EF4-FFF2-40B4-BE49-F238E27FC236}">
-                <a16:creationId xmlns:a16="http://schemas.microsoft.com/office/drawing/2014/main" id="{53A78DB2-1538-4664-87BF-D5C34A97543D}"/>
+                <a16:creationId xmlns:a16="http://schemas.microsoft.com/office/drawing/2014/main" id="{D4FEBC86-83E0-864F-A46B-B713C51F8376}"/>
               </a:ext>
             </a:extLst>
           </p:cNvPr>
@@ -50380,7 +54102,7 @@
           <a:bodyPr/>
           <a:lstStyle/>
           <a:p>
-            <a:endParaRPr lang="en-IN"/>
+            <a:endParaRPr lang="en-US"/>
           </a:p>
         </p:txBody>
       </p:sp>
@@ -50389,7 +54111,7 @@
           <p:cNvPr id="4" name="Title 3">
             <a:extLst>
               <a:ext uri="{FF2B5EF4-FFF2-40B4-BE49-F238E27FC236}">
-                <a16:creationId xmlns:a16="http://schemas.microsoft.com/office/drawing/2014/main" id="{DC9DCC39-1BFF-482E-BF79-C330C87F31B9}"/>
+                <a16:creationId xmlns:a16="http://schemas.microsoft.com/office/drawing/2014/main" id="{C15F7032-32F5-1142-BEF7-DCCEC7044433}"/>
               </a:ext>
             </a:extLst>
           </p:cNvPr>
@@ -50406,8 +54128,8 @@
           <a:lstStyle/>
           <a:p>
             <a:r>
-              <a:rPr lang="en-IN" dirty="0"/>
-              <a:t>Why Kubernetes?</a:t>
+              <a:rPr lang="en-US" dirty="0"/>
+              <a:t>EKS Limits</a:t>
             </a:r>
           </a:p>
         </p:txBody>
@@ -50415,7 +54137,7 @@
     </p:spTree>
     <p:extLst>
       <p:ext uri="{BB962C8B-B14F-4D97-AF65-F5344CB8AC3E}">
-        <p14:creationId xmlns:p14="http://schemas.microsoft.com/office/powerpoint/2010/main" val="1840133429"/>
+        <p14:creationId xmlns:p14="http://schemas.microsoft.com/office/powerpoint/2010/main" val="2962729461"/>
       </p:ext>
     </p:extLst>
   </p:cSld>
@@ -50447,119 +54169,6 @@
           <p:cNvPr id="2" name="Footer Placeholder 1">
             <a:extLst>
               <a:ext uri="{FF2B5EF4-FFF2-40B4-BE49-F238E27FC236}">
-                <a16:creationId xmlns:a16="http://schemas.microsoft.com/office/drawing/2014/main" id="{43736DCE-9495-4DA6-8F95-5DE7597271FD}"/>
-              </a:ext>
-            </a:extLst>
-          </p:cNvPr>
-          <p:cNvSpPr>
-            <a:spLocks noGrp="1"/>
-          </p:cNvSpPr>
-          <p:nvPr>
-            <p:ph type="ftr" sz="quarter" idx="10"/>
-          </p:nvPr>
-        </p:nvSpPr>
-        <p:spPr/>
-        <p:txBody>
-          <a:bodyPr/>
-          <a:lstStyle/>
-          <a:p>
-            <a:pPr algn="l"/>
-            <a:r>
-              <a:rPr lang="en-US"/>
-              <a:t>© Kalyan Reddy Daida</a:t>
-            </a:r>
-            <a:endParaRPr lang="en-GB" dirty="0"/>
-          </a:p>
-        </p:txBody>
-      </p:sp>
-      <p:sp>
-        <p:nvSpPr>
-          <p:cNvPr id="3" name="Content Placeholder 2">
-            <a:extLst>
-              <a:ext uri="{FF2B5EF4-FFF2-40B4-BE49-F238E27FC236}">
-                <a16:creationId xmlns:a16="http://schemas.microsoft.com/office/drawing/2014/main" id="{1397231D-BF37-4CBD-A46F-69681558BD0E}"/>
-              </a:ext>
-            </a:extLst>
-          </p:cNvPr>
-          <p:cNvSpPr>
-            <a:spLocks noGrp="1"/>
-          </p:cNvSpPr>
-          <p:nvPr>
-            <p:ph idx="1"/>
-          </p:nvPr>
-        </p:nvSpPr>
-        <p:spPr/>
-        <p:txBody>
-          <a:bodyPr/>
-          <a:lstStyle/>
-          <a:p>
-            <a:endParaRPr lang="en-IN"/>
-          </a:p>
-        </p:txBody>
-      </p:sp>
-      <p:sp>
-        <p:nvSpPr>
-          <p:cNvPr id="4" name="Title 3">
-            <a:extLst>
-              <a:ext uri="{FF2B5EF4-FFF2-40B4-BE49-F238E27FC236}">
-                <a16:creationId xmlns:a16="http://schemas.microsoft.com/office/drawing/2014/main" id="{398C44D4-0DDD-4645-95F5-C91AB3DB14C5}"/>
-              </a:ext>
-            </a:extLst>
-          </p:cNvPr>
-          <p:cNvSpPr>
-            <a:spLocks noGrp="1"/>
-          </p:cNvSpPr>
-          <p:nvPr>
-            <p:ph type="title"/>
-          </p:nvPr>
-        </p:nvSpPr>
-        <p:spPr/>
-        <p:txBody>
-          <a:bodyPr/>
-          <a:lstStyle/>
-          <a:p>
-            <a:r>
-              <a:rPr lang="en-IN" dirty="0"/>
-              <a:t>Kubernetes – Master &amp; Worker Nodes</a:t>
-            </a:r>
-          </a:p>
-        </p:txBody>
-      </p:sp>
-    </p:spTree>
-    <p:extLst>
-      <p:ext uri="{BB962C8B-B14F-4D97-AF65-F5344CB8AC3E}">
-        <p14:creationId xmlns:p14="http://schemas.microsoft.com/office/powerpoint/2010/main" val="3179247256"/>
-      </p:ext>
-    </p:extLst>
-  </p:cSld>
-  <p:clrMapOvr>
-    <a:masterClrMapping/>
-  </p:clrMapOvr>
-</p:sld>
-</file>
-
-<file path=ppt/slides/slide8.xml><?xml version="1.0" encoding="utf-8"?>
-<p:sld xmlns:a="http://schemas.openxmlformats.org/drawingml/2006/main" xmlns:r="http://schemas.openxmlformats.org/officeDocument/2006/relationships" xmlns:p="http://schemas.openxmlformats.org/presentationml/2006/main">
-  <p:cSld>
-    <p:spTree>
-      <p:nvGrpSpPr>
-        <p:cNvPr id="1" name=""/>
-        <p:cNvGrpSpPr/>
-        <p:nvPr/>
-      </p:nvGrpSpPr>
-      <p:grpSpPr>
-        <a:xfrm>
-          <a:off x="0" y="0"/>
-          <a:ext cx="0" cy="0"/>
-          <a:chOff x="0" y="0"/>
-          <a:chExt cx="0" cy="0"/>
-        </a:xfrm>
-      </p:grpSpPr>
-      <p:sp>
-        <p:nvSpPr>
-          <p:cNvPr id="2" name="Footer Placeholder 1">
-            <a:extLst>
-              <a:ext uri="{FF2B5EF4-FFF2-40B4-BE49-F238E27FC236}">
                 <a16:creationId xmlns:a16="http://schemas.microsoft.com/office/drawing/2014/main" id="{78819D0E-61B2-4717-949A-53CE5D358278}"/>
               </a:ext>
             </a:extLst>
@@ -50617,15 +54226,7 @@
           <a:p>
             <a:r>
               <a:rPr lang="en-IN" dirty="0"/>
-              <a:t>Kubernetes Architecture - </a:t>
-            </a:r>
-            <a:r>
-              <a:rPr lang="en-IN" dirty="0">
-                <a:solidFill>
-                  <a:srgbClr val="00B050"/>
-                </a:solidFill>
-              </a:rPr>
-              <a:t>Master</a:t>
+              <a:t>Kubernetes - Architecture</a:t>
             </a:r>
           </a:p>
         </p:txBody>
@@ -50644,7 +54245,7 @@
         </p:nvSpPr>
         <p:spPr>
           <a:xfrm>
-            <a:off x="297349" y="1369113"/>
+            <a:off x="1292772" y="1127819"/>
             <a:ext cx="4761187" cy="5747543"/>
           </a:xfrm>
           <a:prstGeom prst="rect">
@@ -50696,7 +54297,7 @@
         </p:nvSpPr>
         <p:spPr>
           <a:xfrm>
-            <a:off x="613457" y="2086070"/>
+            <a:off x="1608880" y="1844776"/>
             <a:ext cx="1469985" cy="1041721"/>
           </a:xfrm>
           <a:prstGeom prst="rect">
@@ -50757,7 +54358,7 @@
         </p:nvSpPr>
         <p:spPr>
           <a:xfrm>
-            <a:off x="3313751" y="2089942"/>
+            <a:off x="4309174" y="1848648"/>
             <a:ext cx="1469985" cy="1041721"/>
           </a:xfrm>
           <a:prstGeom prst="rect">
@@ -50814,7 +54415,7 @@
         </p:nvSpPr>
         <p:spPr>
           <a:xfrm>
-            <a:off x="613457" y="3740392"/>
+            <a:off x="1608880" y="3499098"/>
             <a:ext cx="4170279" cy="584776"/>
           </a:xfrm>
           <a:prstGeom prst="rect">
@@ -50873,7 +54474,7 @@
         </p:nvSpPr>
         <p:spPr>
           <a:xfrm>
-            <a:off x="3328434" y="5028792"/>
+            <a:off x="4323857" y="4787498"/>
             <a:ext cx="1469985" cy="1041721"/>
           </a:xfrm>
           <a:prstGeom prst="rect">
@@ -50934,7 +54535,7 @@
         </p:nvSpPr>
         <p:spPr>
           <a:xfrm>
-            <a:off x="628139" y="5028792"/>
+            <a:off x="1623562" y="4787498"/>
             <a:ext cx="1469985" cy="1041721"/>
           </a:xfrm>
           <a:prstGeom prst="rect">
@@ -50992,7 +54593,7 @@
         </p:nvSpPr>
         <p:spPr>
           <a:xfrm>
-            <a:off x="514322" y="6452547"/>
+            <a:off x="1509745" y="6211253"/>
             <a:ext cx="4420595" cy="393524"/>
           </a:xfrm>
           <a:prstGeom prst="rect">
@@ -51047,7 +54648,7 @@
         </p:nvSpPr>
         <p:spPr>
           <a:xfrm>
-            <a:off x="2083442" y="1369113"/>
+            <a:off x="3078865" y="1127819"/>
             <a:ext cx="1461234" cy="584775"/>
           </a:xfrm>
           <a:prstGeom prst="rect">
@@ -51074,10 +54675,10 @@
       </p:sp>
       <p:sp>
         <p:nvSpPr>
-          <p:cNvPr id="32" name="Rectangle 31">
-            <a:extLst>
-              <a:ext uri="{FF2B5EF4-FFF2-40B4-BE49-F238E27FC236}">
-                <a16:creationId xmlns:a16="http://schemas.microsoft.com/office/drawing/2014/main" id="{EC62D69E-22E7-423F-B81E-31C29DDEE0C5}"/>
+          <p:cNvPr id="22" name="Rectangle 21">
+            <a:extLst>
+              <a:ext uri="{FF2B5EF4-FFF2-40B4-BE49-F238E27FC236}">
+                <a16:creationId xmlns:a16="http://schemas.microsoft.com/office/drawing/2014/main" id="{6BAB2922-7805-4003-BD84-B8C75FB74314}"/>
               </a:ext>
             </a:extLst>
           </p:cNvPr>
@@ -51086,7 +54687,157 @@
         </p:nvSpPr>
         <p:spPr>
           <a:xfrm>
-            <a:off x="3177551" y="1977482"/>
+            <a:off x="8049053" y="1127819"/>
+            <a:ext cx="4761187" cy="2495057"/>
+          </a:xfrm>
+          <a:prstGeom prst="rect">
+            <a:avLst/>
+          </a:prstGeom>
+          <a:noFill/>
+          <a:ln w="63500">
+            <a:solidFill>
+              <a:srgbClr val="0070C0"/>
+            </a:solidFill>
+          </a:ln>
+        </p:spPr>
+        <p:style>
+          <a:lnRef idx="2">
+            <a:schemeClr val="accent1">
+              <a:shade val="50000"/>
+            </a:schemeClr>
+          </a:lnRef>
+          <a:fillRef idx="1">
+            <a:schemeClr val="accent1"/>
+          </a:fillRef>
+          <a:effectRef idx="0">
+            <a:schemeClr val="accent1"/>
+          </a:effectRef>
+          <a:fontRef idx="minor">
+            <a:schemeClr val="lt1"/>
+          </a:fontRef>
+        </p:style>
+        <p:txBody>
+          <a:bodyPr rtlCol="0" anchor="ctr"/>
+          <a:lstStyle/>
+          <a:p>
+            <a:pPr algn="ctr"/>
+            <a:endParaRPr lang="en-IN"/>
+          </a:p>
+        </p:txBody>
+      </p:sp>
+      <p:sp>
+        <p:nvSpPr>
+          <p:cNvPr id="24" name="Rectangle 23">
+            <a:extLst>
+              <a:ext uri="{FF2B5EF4-FFF2-40B4-BE49-F238E27FC236}">
+                <a16:creationId xmlns:a16="http://schemas.microsoft.com/office/drawing/2014/main" id="{0C44D098-07ED-44AE-B0C2-0A863A4390F2}"/>
+              </a:ext>
+            </a:extLst>
+          </p:cNvPr>
+          <p:cNvSpPr/>
+          <p:nvPr/>
+        </p:nvSpPr>
+        <p:spPr>
+          <a:xfrm>
+            <a:off x="10954970" y="1968179"/>
+            <a:ext cx="1469985" cy="584776"/>
+          </a:xfrm>
+          <a:prstGeom prst="rect">
+            <a:avLst/>
+          </a:prstGeom>
+          <a:solidFill>
+            <a:srgbClr val="00B0F0"/>
+          </a:solidFill>
+          <a:ln>
+            <a:noFill/>
+          </a:ln>
+        </p:spPr>
+        <p:style>
+          <a:lnRef idx="2">
+            <a:schemeClr val="accent1">
+              <a:shade val="50000"/>
+            </a:schemeClr>
+          </a:lnRef>
+          <a:fillRef idx="1">
+            <a:schemeClr val="accent1"/>
+          </a:fillRef>
+          <a:effectRef idx="0">
+            <a:schemeClr val="accent1"/>
+          </a:effectRef>
+          <a:fontRef idx="minor">
+            <a:schemeClr val="lt1"/>
+          </a:fontRef>
+        </p:style>
+        <p:txBody>
+          <a:bodyPr rtlCol="0" anchor="ctr"/>
+          <a:lstStyle/>
+          <a:p>
+            <a:pPr algn="ctr"/>
+            <a:r>
+              <a:rPr lang="en-IN" sz="1800" dirty="0" err="1"/>
+              <a:t>Kube</a:t>
+            </a:r>
+            <a:r>
+              <a:rPr lang="en-IN" sz="1800" dirty="0"/>
+              <a:t>-Proxy</a:t>
+            </a:r>
+          </a:p>
+        </p:txBody>
+      </p:sp>
+      <p:sp>
+        <p:nvSpPr>
+          <p:cNvPr id="26" name="TextBox 25">
+            <a:extLst>
+              <a:ext uri="{FF2B5EF4-FFF2-40B4-BE49-F238E27FC236}">
+                <a16:creationId xmlns:a16="http://schemas.microsoft.com/office/drawing/2014/main" id="{41852BC5-37B6-431D-9A9E-27E185ECF20E}"/>
+              </a:ext>
+            </a:extLst>
+          </p:cNvPr>
+          <p:cNvSpPr txBox="1"/>
+          <p:nvPr/>
+        </p:nvSpPr>
+        <p:spPr>
+          <a:xfrm>
+            <a:off x="9271021" y="1113380"/>
+            <a:ext cx="2404826" cy="584775"/>
+          </a:xfrm>
+          <a:prstGeom prst="rect">
+            <a:avLst/>
+          </a:prstGeom>
+          <a:noFill/>
+        </p:spPr>
+        <p:txBody>
+          <a:bodyPr wrap="none" rtlCol="0">
+            <a:spAutoFit/>
+          </a:bodyPr>
+          <a:lstStyle/>
+          <a:p>
+            <a:r>
+              <a:rPr lang="en-IN" sz="3200" dirty="0">
+                <a:solidFill>
+                  <a:srgbClr val="0070C0"/>
+                </a:solidFill>
+              </a:rPr>
+              <a:t>Worker Node</a:t>
+            </a:r>
+          </a:p>
+        </p:txBody>
+      </p:sp>
+      <p:sp>
+        <p:nvSpPr>
+          <p:cNvPr id="32" name="Rectangle 31">
+            <a:extLst>
+              <a:ext uri="{FF2B5EF4-FFF2-40B4-BE49-F238E27FC236}">
+                <a16:creationId xmlns:a16="http://schemas.microsoft.com/office/drawing/2014/main" id="{EC62D69E-22E7-423F-B81E-31C29DDEE0C5}"/>
+              </a:ext>
+            </a:extLst>
+          </p:cNvPr>
+          <p:cNvSpPr/>
+          <p:nvPr/>
+        </p:nvSpPr>
+        <p:spPr>
+          <a:xfrm>
+            <a:off x="4172974" y="1736188"/>
             <a:ext cx="1713620" cy="1273215"/>
           </a:xfrm>
           <a:prstGeom prst="rect">
@@ -51128,10 +54879,10 @@
       </p:sp>
       <p:sp>
         <p:nvSpPr>
-          <p:cNvPr id="37" name="Rectangle 36">
-            <a:extLst>
-              <a:ext uri="{FF2B5EF4-FFF2-40B4-BE49-F238E27FC236}">
-                <a16:creationId xmlns:a16="http://schemas.microsoft.com/office/drawing/2014/main" id="{FDB7ABAC-3B9D-4C8B-8D8F-BAD420920277}"/>
+          <p:cNvPr id="34" name="Rectangle 33">
+            <a:extLst>
+              <a:ext uri="{FF2B5EF4-FFF2-40B4-BE49-F238E27FC236}">
+                <a16:creationId xmlns:a16="http://schemas.microsoft.com/office/drawing/2014/main" id="{A11F58E3-8C1B-4825-9CB8-E5172ABC2DD2}"/>
               </a:ext>
             </a:extLst>
           </p:cNvPr>
@@ -51140,7 +54891,173 @@
         </p:nvSpPr>
         <p:spPr>
           <a:xfrm>
-            <a:off x="499640" y="1967851"/>
+            <a:off x="10819037" y="1850856"/>
+            <a:ext cx="1713620" cy="822259"/>
+          </a:xfrm>
+          <a:prstGeom prst="rect">
+            <a:avLst/>
+          </a:prstGeom>
+          <a:noFill/>
+          <a:ln w="31750">
+            <a:solidFill>
+              <a:srgbClr val="00B0F0"/>
+            </a:solidFill>
+          </a:ln>
+        </p:spPr>
+        <p:style>
+          <a:lnRef idx="2">
+            <a:schemeClr val="accent1">
+              <a:shade val="50000"/>
+            </a:schemeClr>
+          </a:lnRef>
+          <a:fillRef idx="1">
+            <a:schemeClr val="accent1"/>
+          </a:fillRef>
+          <a:effectRef idx="0">
+            <a:schemeClr val="accent1"/>
+          </a:effectRef>
+          <a:fontRef idx="minor">
+            <a:schemeClr val="lt1"/>
+          </a:fontRef>
+        </p:style>
+        <p:txBody>
+          <a:bodyPr rtlCol="0" anchor="ctr"/>
+          <a:lstStyle/>
+          <a:p>
+            <a:pPr algn="ctr"/>
+            <a:endParaRPr lang="en-IN"/>
+          </a:p>
+        </p:txBody>
+      </p:sp>
+      <p:sp>
+        <p:nvSpPr>
+          <p:cNvPr id="35" name="Rectangle 34">
+            <a:extLst>
+              <a:ext uri="{FF2B5EF4-FFF2-40B4-BE49-F238E27FC236}">
+                <a16:creationId xmlns:a16="http://schemas.microsoft.com/office/drawing/2014/main" id="{E6337A49-E5C7-4D80-AA42-016F6EB3A01F}"/>
+              </a:ext>
+            </a:extLst>
+          </p:cNvPr>
+          <p:cNvSpPr/>
+          <p:nvPr/>
+        </p:nvSpPr>
+        <p:spPr>
+          <a:xfrm>
+            <a:off x="8494782" y="1969017"/>
+            <a:ext cx="1469985" cy="584776"/>
+          </a:xfrm>
+          <a:prstGeom prst="rect">
+            <a:avLst/>
+          </a:prstGeom>
+          <a:solidFill>
+            <a:schemeClr val="tx1">
+              <a:lumMod val="95000"/>
+              <a:lumOff val="5000"/>
+            </a:schemeClr>
+          </a:solidFill>
+          <a:ln>
+            <a:noFill/>
+          </a:ln>
+        </p:spPr>
+        <p:style>
+          <a:lnRef idx="2">
+            <a:schemeClr val="accent1">
+              <a:shade val="50000"/>
+            </a:schemeClr>
+          </a:lnRef>
+          <a:fillRef idx="1">
+            <a:schemeClr val="accent1"/>
+          </a:fillRef>
+          <a:effectRef idx="0">
+            <a:schemeClr val="accent1"/>
+          </a:effectRef>
+          <a:fontRef idx="minor">
+            <a:schemeClr val="lt1"/>
+          </a:fontRef>
+        </p:style>
+        <p:txBody>
+          <a:bodyPr rtlCol="0" anchor="ctr"/>
+          <a:lstStyle/>
+          <a:p>
+            <a:pPr algn="ctr"/>
+            <a:r>
+              <a:rPr lang="en-IN" sz="1800" dirty="0" err="1"/>
+              <a:t>Kubelet</a:t>
+            </a:r>
+            <a:endParaRPr lang="en-IN" sz="1800" dirty="0"/>
+          </a:p>
+        </p:txBody>
+      </p:sp>
+      <p:sp>
+        <p:nvSpPr>
+          <p:cNvPr id="36" name="Rectangle 35">
+            <a:extLst>
+              <a:ext uri="{FF2B5EF4-FFF2-40B4-BE49-F238E27FC236}">
+                <a16:creationId xmlns:a16="http://schemas.microsoft.com/office/drawing/2014/main" id="{4D223014-BA46-460A-AAFC-90DAD8767A04}"/>
+              </a:ext>
+            </a:extLst>
+          </p:cNvPr>
+          <p:cNvSpPr/>
+          <p:nvPr/>
+        </p:nvSpPr>
+        <p:spPr>
+          <a:xfrm>
+            <a:off x="8370424" y="1851694"/>
+            <a:ext cx="1713620" cy="822259"/>
+          </a:xfrm>
+          <a:prstGeom prst="rect">
+            <a:avLst/>
+          </a:prstGeom>
+          <a:noFill/>
+          <a:ln w="31750">
+            <a:solidFill>
+              <a:schemeClr val="tx1">
+                <a:lumMod val="95000"/>
+                <a:lumOff val="5000"/>
+              </a:schemeClr>
+            </a:solidFill>
+          </a:ln>
+        </p:spPr>
+        <p:style>
+          <a:lnRef idx="2">
+            <a:schemeClr val="accent1">
+              <a:shade val="50000"/>
+            </a:schemeClr>
+          </a:lnRef>
+          <a:fillRef idx="1">
+            <a:schemeClr val="accent1"/>
+          </a:fillRef>
+          <a:effectRef idx="0">
+            <a:schemeClr val="accent1"/>
+          </a:effectRef>
+          <a:fontRef idx="minor">
+            <a:schemeClr val="lt1"/>
+          </a:fontRef>
+        </p:style>
+        <p:txBody>
+          <a:bodyPr rtlCol="0" anchor="ctr"/>
+          <a:lstStyle/>
+          <a:p>
+            <a:pPr algn="ctr"/>
+            <a:endParaRPr lang="en-IN" sz="1800"/>
+          </a:p>
+        </p:txBody>
+      </p:sp>
+      <p:sp>
+        <p:nvSpPr>
+          <p:cNvPr id="37" name="Rectangle 36">
+            <a:extLst>
+              <a:ext uri="{FF2B5EF4-FFF2-40B4-BE49-F238E27FC236}">
+                <a16:creationId xmlns:a16="http://schemas.microsoft.com/office/drawing/2014/main" id="{FDB7ABAC-3B9D-4C8B-8D8F-BAD420920277}"/>
+              </a:ext>
+            </a:extLst>
+          </p:cNvPr>
+          <p:cNvSpPr/>
+          <p:nvPr/>
+        </p:nvSpPr>
+        <p:spPr>
+          <a:xfrm>
+            <a:off x="1495063" y="1726557"/>
             <a:ext cx="1713620" cy="1273215"/>
           </a:xfrm>
           <a:prstGeom prst="rect">
@@ -51194,7 +55111,7 @@
         </p:nvSpPr>
         <p:spPr>
           <a:xfrm>
-            <a:off x="511496" y="3589230"/>
+            <a:off x="1506919" y="3347936"/>
             <a:ext cx="4368099" cy="894949"/>
           </a:xfrm>
           <a:prstGeom prst="rect">
@@ -51249,7 +55166,7 @@
         </p:nvSpPr>
         <p:spPr>
           <a:xfrm>
-            <a:off x="514322" y="4908748"/>
+            <a:off x="1509745" y="4667454"/>
             <a:ext cx="1713620" cy="1273215"/>
           </a:xfrm>
           <a:prstGeom prst="rect">
@@ -51303,7 +55220,7 @@
         </p:nvSpPr>
         <p:spPr>
           <a:xfrm>
-            <a:off x="3206615" y="4908748"/>
+            <a:off x="4202038" y="4667454"/>
             <a:ext cx="1713620" cy="1273215"/>
           </a:xfrm>
           <a:prstGeom prst="rect">
@@ -51345,361 +55262,10 @@
       </p:sp>
       <p:sp>
         <p:nvSpPr>
-          <p:cNvPr id="50" name="Content Placeholder 2">
-            <a:extLst>
-              <a:ext uri="{FF2B5EF4-FFF2-40B4-BE49-F238E27FC236}">
-                <a16:creationId xmlns:a16="http://schemas.microsoft.com/office/drawing/2014/main" id="{9B34FA18-BECA-4707-891C-9C1672B52BD5}"/>
-              </a:ext>
-            </a:extLst>
-          </p:cNvPr>
-          <p:cNvSpPr>
-            <a:spLocks noGrp="1"/>
-          </p:cNvSpPr>
-          <p:nvPr>
-            <p:ph idx="1"/>
-          </p:nvPr>
-        </p:nvSpPr>
-        <p:spPr>
-          <a:xfrm>
-            <a:off x="5416952" y="1369113"/>
-            <a:ext cx="8207608" cy="6043242"/>
-          </a:xfrm>
-        </p:spPr>
-        <p:txBody>
-          <a:bodyPr>
-            <a:normAutofit fontScale="85000" lnSpcReduction="20000"/>
-          </a:bodyPr>
-          <a:lstStyle/>
-          <a:p>
-            <a:r>
-              <a:rPr lang="en-IN" dirty="0" err="1">
-                <a:solidFill>
-                  <a:schemeClr val="accent6">
-                    <a:lumMod val="75000"/>
-                  </a:schemeClr>
-                </a:solidFill>
-              </a:rPr>
-              <a:t>kube-apiserver</a:t>
-            </a:r>
-            <a:endParaRPr lang="en-IN" dirty="0">
-              <a:solidFill>
-                <a:schemeClr val="accent6">
-                  <a:lumMod val="75000"/>
-                </a:schemeClr>
-              </a:solidFill>
-            </a:endParaRPr>
-          </a:p>
-          <a:p>
-            <a:pPr lvl="1"/>
-            <a:r>
-              <a:rPr lang="en-IN" dirty="0"/>
-              <a:t>It </a:t>
-            </a:r>
-            <a:r>
-              <a:rPr lang="en-US" dirty="0"/>
-              <a:t>acts as </a:t>
-            </a:r>
-            <a:r>
-              <a:rPr lang="en-US" dirty="0">
-                <a:solidFill>
-                  <a:srgbClr val="0070C0"/>
-                </a:solidFill>
-              </a:rPr>
-              <a:t>front end </a:t>
-            </a:r>
-            <a:r>
-              <a:rPr lang="en-US" dirty="0"/>
-              <a:t>for the Kubernetes control plane. </a:t>
-            </a:r>
-            <a:r>
-              <a:rPr lang="en-IN" dirty="0"/>
-              <a:t>It </a:t>
-            </a:r>
-            <a:r>
-              <a:rPr lang="en-IN" dirty="0">
-                <a:solidFill>
-                  <a:srgbClr val="0070C0"/>
-                </a:solidFill>
-              </a:rPr>
-              <a:t>exposes</a:t>
-            </a:r>
-            <a:r>
-              <a:rPr lang="en-IN" dirty="0"/>
-              <a:t> the Kubernetes API</a:t>
-            </a:r>
-          </a:p>
-          <a:p>
-            <a:pPr lvl="1"/>
-            <a:r>
-              <a:rPr lang="en-IN" dirty="0"/>
-              <a:t>Command line tools (like </a:t>
-            </a:r>
-            <a:r>
-              <a:rPr lang="en-IN" dirty="0" err="1"/>
-              <a:t>kubectl</a:t>
-            </a:r>
-            <a:r>
-              <a:rPr lang="en-IN" dirty="0"/>
-              <a:t>), Users and even Master components (scheduler, controller manager, </a:t>
-            </a:r>
-            <a:r>
-              <a:rPr lang="en-IN" dirty="0" err="1"/>
-              <a:t>etcd</a:t>
-            </a:r>
-            <a:r>
-              <a:rPr lang="en-IN" dirty="0"/>
-              <a:t>) and Worker node components like (</a:t>
-            </a:r>
-            <a:r>
-              <a:rPr lang="en-IN" dirty="0" err="1"/>
-              <a:t>Kubelet</a:t>
-            </a:r>
-            <a:r>
-              <a:rPr lang="en-IN" dirty="0"/>
-              <a:t>) </a:t>
-            </a:r>
-            <a:r>
-              <a:rPr lang="en-IN" dirty="0">
-                <a:solidFill>
-                  <a:srgbClr val="0070C0"/>
-                </a:solidFill>
-              </a:rPr>
-              <a:t>everything talk </a:t>
-            </a:r>
-            <a:r>
-              <a:rPr lang="en-IN" dirty="0"/>
-              <a:t>with API Server. </a:t>
-            </a:r>
-          </a:p>
-          <a:p>
-            <a:r>
-              <a:rPr lang="en-IN" dirty="0" err="1">
-                <a:solidFill>
-                  <a:schemeClr val="accent6">
-                    <a:lumMod val="75000"/>
-                  </a:schemeClr>
-                </a:solidFill>
-              </a:rPr>
-              <a:t>etcd</a:t>
-            </a:r>
-            <a:endParaRPr lang="en-IN" dirty="0">
-              <a:solidFill>
-                <a:schemeClr val="accent6">
-                  <a:lumMod val="75000"/>
-                </a:schemeClr>
-              </a:solidFill>
-            </a:endParaRPr>
-          </a:p>
-          <a:p>
-            <a:pPr lvl="1"/>
-            <a:r>
-              <a:rPr lang="en-US" dirty="0"/>
-              <a:t>Consistent and highly-available </a:t>
-            </a:r>
-            <a:r>
-              <a:rPr lang="en-US" dirty="0">
-                <a:solidFill>
-                  <a:srgbClr val="0070C0"/>
-                </a:solidFill>
-              </a:rPr>
-              <a:t>key value store </a:t>
-            </a:r>
-            <a:r>
-              <a:rPr lang="en-US" dirty="0"/>
-              <a:t>used as Kubernetes’ </a:t>
-            </a:r>
-            <a:r>
-              <a:rPr lang="en-US" dirty="0">
-                <a:solidFill>
-                  <a:srgbClr val="0070C0"/>
-                </a:solidFill>
-              </a:rPr>
-              <a:t>backing store</a:t>
-            </a:r>
-            <a:r>
-              <a:rPr lang="en-US" dirty="0"/>
-              <a:t> for all cluster data.</a:t>
-            </a:r>
-          </a:p>
-          <a:p>
-            <a:pPr lvl="1"/>
-            <a:r>
-              <a:rPr lang="en-US" dirty="0"/>
-              <a:t>It </a:t>
-            </a:r>
-            <a:r>
-              <a:rPr lang="en-US" dirty="0">
-                <a:solidFill>
-                  <a:srgbClr val="0070C0"/>
-                </a:solidFill>
-              </a:rPr>
-              <a:t>stores</a:t>
-            </a:r>
-            <a:r>
-              <a:rPr lang="en-US" dirty="0"/>
-              <a:t> all the masters and worker node information. </a:t>
-            </a:r>
-          </a:p>
-          <a:p>
-            <a:r>
-              <a:rPr lang="en-IN" dirty="0" err="1">
-                <a:solidFill>
-                  <a:schemeClr val="accent6">
-                    <a:lumMod val="75000"/>
-                  </a:schemeClr>
-                </a:solidFill>
-              </a:rPr>
-              <a:t>kube</a:t>
-            </a:r>
-            <a:r>
-              <a:rPr lang="en-IN" dirty="0">
-                <a:solidFill>
-                  <a:schemeClr val="accent6">
-                    <a:lumMod val="75000"/>
-                  </a:schemeClr>
-                </a:solidFill>
-              </a:rPr>
-              <a:t>-scheduler</a:t>
-            </a:r>
-          </a:p>
-          <a:p>
-            <a:pPr lvl="1"/>
-            <a:r>
-              <a:rPr lang="en-US" dirty="0"/>
-              <a:t>Scheduler is responsible for distributing containers across multiple nodes.  </a:t>
-            </a:r>
-          </a:p>
-          <a:p>
-            <a:pPr lvl="1"/>
-            <a:r>
-              <a:rPr lang="en-US" dirty="0"/>
-              <a:t>It watches for newly created Pods with no assigned node, and selects a node for them to run on.</a:t>
-            </a:r>
-            <a:br>
-              <a:rPr lang="en-IN" dirty="0"/>
-            </a:br>
-            <a:br>
-              <a:rPr lang="en-US" dirty="0"/>
-            </a:br>
-            <a:endParaRPr lang="en-IN" dirty="0"/>
-          </a:p>
-          <a:p>
-            <a:pPr lvl="1"/>
-            <a:endParaRPr lang="en-IN" dirty="0"/>
-          </a:p>
-        </p:txBody>
-      </p:sp>
-    </p:spTree>
-    <p:extLst>
-      <p:ext uri="{BB962C8B-B14F-4D97-AF65-F5344CB8AC3E}">
-        <p14:creationId xmlns:p14="http://schemas.microsoft.com/office/powerpoint/2010/main" val="3481746967"/>
-      </p:ext>
-    </p:extLst>
-  </p:cSld>
-  <p:clrMapOvr>
-    <a:masterClrMapping/>
-  </p:clrMapOvr>
-</p:sld>
-</file>
-
-<file path=ppt/slides/slide9.xml><?xml version="1.0" encoding="utf-8"?>
-<p:sld xmlns:a="http://schemas.openxmlformats.org/drawingml/2006/main" xmlns:r="http://schemas.openxmlformats.org/officeDocument/2006/relationships" xmlns:p="http://schemas.openxmlformats.org/presentationml/2006/main">
-  <p:cSld>
-    <p:spTree>
-      <p:nvGrpSpPr>
-        <p:cNvPr id="1" name=""/>
-        <p:cNvGrpSpPr/>
-        <p:nvPr/>
-      </p:nvGrpSpPr>
-      <p:grpSpPr>
-        <a:xfrm>
-          <a:off x="0" y="0"/>
-          <a:ext cx="0" cy="0"/>
-          <a:chOff x="0" y="0"/>
-          <a:chExt cx="0" cy="0"/>
-        </a:xfrm>
-      </p:grpSpPr>
-      <p:sp>
-        <p:nvSpPr>
-          <p:cNvPr id="2" name="Footer Placeholder 1">
-            <a:extLst>
-              <a:ext uri="{FF2B5EF4-FFF2-40B4-BE49-F238E27FC236}">
-                <a16:creationId xmlns:a16="http://schemas.microsoft.com/office/drawing/2014/main" id="{78819D0E-61B2-4717-949A-53CE5D358278}"/>
-              </a:ext>
-            </a:extLst>
-          </p:cNvPr>
-          <p:cNvSpPr>
-            <a:spLocks noGrp="1"/>
-          </p:cNvSpPr>
-          <p:nvPr>
-            <p:ph type="ftr" sz="quarter" idx="10"/>
-          </p:nvPr>
-        </p:nvSpPr>
-        <p:spPr/>
-        <p:txBody>
-          <a:bodyPr/>
-          <a:lstStyle/>
-          <a:p>
-            <a:pPr algn="l"/>
-            <a:r>
-              <a:rPr lang="en-US" dirty="0"/>
-              <a:t>© Kalyan Reddy </a:t>
-            </a:r>
-            <a:r>
-              <a:rPr lang="en-US" dirty="0" err="1"/>
-              <a:t>Daida</a:t>
-            </a:r>
-            <a:endParaRPr lang="en-GB" dirty="0"/>
-          </a:p>
-        </p:txBody>
-      </p:sp>
-      <p:sp>
-        <p:nvSpPr>
-          <p:cNvPr id="4" name="Title 3">
-            <a:extLst>
-              <a:ext uri="{FF2B5EF4-FFF2-40B4-BE49-F238E27FC236}">
-                <a16:creationId xmlns:a16="http://schemas.microsoft.com/office/drawing/2014/main" id="{F8840114-9439-4B2E-A512-1F12425EB200}"/>
-              </a:ext>
-            </a:extLst>
-          </p:cNvPr>
-          <p:cNvSpPr>
-            <a:spLocks noGrp="1"/>
-          </p:cNvSpPr>
-          <p:nvPr>
-            <p:ph type="title"/>
-          </p:nvPr>
-        </p:nvSpPr>
-        <p:spPr>
-          <a:xfrm>
-            <a:off x="1039407" y="-145598"/>
-            <a:ext cx="12618720" cy="1188851"/>
-          </a:xfrm>
-        </p:spPr>
-        <p:txBody>
-          <a:bodyPr/>
-          <a:lstStyle/>
-          <a:p>
-            <a:r>
-              <a:rPr lang="en-IN" dirty="0"/>
-              <a:t>Kubernetes Architecture - </a:t>
-            </a:r>
-            <a:r>
-              <a:rPr lang="en-IN" dirty="0">
-                <a:solidFill>
-                  <a:srgbClr val="00B050"/>
-                </a:solidFill>
-              </a:rPr>
-              <a:t>Master</a:t>
-            </a:r>
-          </a:p>
-        </p:txBody>
-      </p:sp>
-      <p:sp>
-        <p:nvSpPr>
-          <p:cNvPr id="5" name="Rectangle 4">
-            <a:extLst>
-              <a:ext uri="{FF2B5EF4-FFF2-40B4-BE49-F238E27FC236}">
-                <a16:creationId xmlns:a16="http://schemas.microsoft.com/office/drawing/2014/main" id="{119EBDD3-C074-4FD1-90DE-DBEA7232FDD0}"/>
+          <p:cNvPr id="42" name="Rectangle 41">
+            <a:extLst>
+              <a:ext uri="{FF2B5EF4-FFF2-40B4-BE49-F238E27FC236}">
+                <a16:creationId xmlns:a16="http://schemas.microsoft.com/office/drawing/2014/main" id="{0AE278D8-E4CB-4844-AC10-11E79EEF56E0}"/>
               </a:ext>
             </a:extLst>
           </p:cNvPr>
@@ -51708,8 +55274,63 @@
         </p:nvSpPr>
         <p:spPr>
           <a:xfrm>
-            <a:off x="297349" y="1369113"/>
-            <a:ext cx="4761187" cy="5747543"/>
+            <a:off x="8370424" y="2999772"/>
+            <a:ext cx="4269519" cy="393524"/>
+          </a:xfrm>
+          <a:prstGeom prst="rect">
+            <a:avLst/>
+          </a:prstGeom>
+          <a:solidFill>
+            <a:srgbClr val="00B050"/>
+          </a:solidFill>
+          <a:ln>
+            <a:noFill/>
+          </a:ln>
+        </p:spPr>
+        <p:style>
+          <a:lnRef idx="2">
+            <a:schemeClr val="accent1">
+              <a:shade val="50000"/>
+            </a:schemeClr>
+          </a:lnRef>
+          <a:fillRef idx="1">
+            <a:schemeClr val="accent1"/>
+          </a:fillRef>
+          <a:effectRef idx="0">
+            <a:schemeClr val="accent1"/>
+          </a:effectRef>
+          <a:fontRef idx="minor">
+            <a:schemeClr val="lt1"/>
+          </a:fontRef>
+        </p:style>
+        <p:txBody>
+          <a:bodyPr rtlCol="0" anchor="ctr"/>
+          <a:lstStyle/>
+          <a:p>
+            <a:pPr algn="ctr"/>
+            <a:r>
+              <a:rPr lang="en-IN" sz="1800" dirty="0"/>
+              <a:t>Container Runtime (Docker)</a:t>
+            </a:r>
+          </a:p>
+        </p:txBody>
+      </p:sp>
+      <p:sp>
+        <p:nvSpPr>
+          <p:cNvPr id="43" name="Rectangle 42">
+            <a:extLst>
+              <a:ext uri="{FF2B5EF4-FFF2-40B4-BE49-F238E27FC236}">
+                <a16:creationId xmlns:a16="http://schemas.microsoft.com/office/drawing/2014/main" id="{C48BDC50-97D8-41E5-8382-8BBE14E509D2}"/>
+              </a:ext>
+            </a:extLst>
+          </p:cNvPr>
+          <p:cNvSpPr/>
+          <p:nvPr/>
+        </p:nvSpPr>
+        <p:spPr>
+          <a:xfrm>
+            <a:off x="8049053" y="4385712"/>
+            <a:ext cx="4761187" cy="2495057"/>
           </a:xfrm>
           <a:prstGeom prst="rect">
             <a:avLst/>
@@ -51748,10 +55369,10 @@
       </p:sp>
       <p:sp>
         <p:nvSpPr>
-          <p:cNvPr id="6" name="Rectangle 5">
-            <a:extLst>
-              <a:ext uri="{FF2B5EF4-FFF2-40B4-BE49-F238E27FC236}">
-                <a16:creationId xmlns:a16="http://schemas.microsoft.com/office/drawing/2014/main" id="{5A4B9D87-4A32-4603-9B2B-8992F516F95E}"/>
+          <p:cNvPr id="44" name="Rectangle 43">
+            <a:extLst>
+              <a:ext uri="{FF2B5EF4-FFF2-40B4-BE49-F238E27FC236}">
+                <a16:creationId xmlns:a16="http://schemas.microsoft.com/office/drawing/2014/main" id="{0C6F7CDD-19FA-4999-971F-E2A7E577CBED}"/>
               </a:ext>
             </a:extLst>
           </p:cNvPr>
@@ -51760,16 +55381,14 @@
         </p:nvSpPr>
         <p:spPr>
           <a:xfrm>
-            <a:off x="613457" y="2086070"/>
-            <a:ext cx="1469985" cy="1041721"/>
+            <a:off x="10954970" y="5226072"/>
+            <a:ext cx="1469985" cy="584776"/>
           </a:xfrm>
           <a:prstGeom prst="rect">
             <a:avLst/>
           </a:prstGeom>
           <a:solidFill>
-            <a:schemeClr val="accent2">
-              <a:lumMod val="75000"/>
-            </a:schemeClr>
+            <a:srgbClr val="00B0F0"/>
           </a:solidFill>
           <a:ln>
             <a:noFill/>
@@ -51802,17 +55421,56 @@
             </a:r>
             <a:r>
               <a:rPr lang="en-IN" sz="1800" dirty="0"/>
-              <a:t> Controller Manager</a:t>
+              <a:t>-Proxy</a:t>
             </a:r>
           </a:p>
         </p:txBody>
       </p:sp>
       <p:sp>
         <p:nvSpPr>
-          <p:cNvPr id="7" name="Rectangle 6">
-            <a:extLst>
-              <a:ext uri="{FF2B5EF4-FFF2-40B4-BE49-F238E27FC236}">
-                <a16:creationId xmlns:a16="http://schemas.microsoft.com/office/drawing/2014/main" id="{5DD2489E-5A2A-4FBF-9F64-78611E804517}"/>
+          <p:cNvPr id="45" name="TextBox 44">
+            <a:extLst>
+              <a:ext uri="{FF2B5EF4-FFF2-40B4-BE49-F238E27FC236}">
+                <a16:creationId xmlns:a16="http://schemas.microsoft.com/office/drawing/2014/main" id="{EE6D3FD6-102A-48D8-96B7-4CF144259039}"/>
+              </a:ext>
+            </a:extLst>
+          </p:cNvPr>
+          <p:cNvSpPr txBox="1"/>
+          <p:nvPr/>
+        </p:nvSpPr>
+        <p:spPr>
+          <a:xfrm>
+            <a:off x="9271021" y="4371273"/>
+            <a:ext cx="2404826" cy="584775"/>
+          </a:xfrm>
+          <a:prstGeom prst="rect">
+            <a:avLst/>
+          </a:prstGeom>
+          <a:noFill/>
+        </p:spPr>
+        <p:txBody>
+          <a:bodyPr wrap="none" rtlCol="0">
+            <a:spAutoFit/>
+          </a:bodyPr>
+          <a:lstStyle/>
+          <a:p>
+            <a:r>
+              <a:rPr lang="en-IN" sz="3200" dirty="0">
+                <a:solidFill>
+                  <a:srgbClr val="0070C0"/>
+                </a:solidFill>
+              </a:rPr>
+              <a:t>Worker Node</a:t>
+            </a:r>
+          </a:p>
+        </p:txBody>
+      </p:sp>
+      <p:sp>
+        <p:nvSpPr>
+          <p:cNvPr id="46" name="Rectangle 45">
+            <a:extLst>
+              <a:ext uri="{FF2B5EF4-FFF2-40B4-BE49-F238E27FC236}">
+                <a16:creationId xmlns:a16="http://schemas.microsoft.com/office/drawing/2014/main" id="{48A50557-5B53-4AC6-B37C-4C01EAAFBE4E}"/>
               </a:ext>
             </a:extLst>
           </p:cNvPr>
@@ -51821,19 +55479,17 @@
         </p:nvSpPr>
         <p:spPr>
           <a:xfrm>
-            <a:off x="3313751" y="2089942"/>
-            <a:ext cx="1469985" cy="1041721"/>
+            <a:off x="10819037" y="5108749"/>
+            <a:ext cx="1713620" cy="822259"/>
           </a:xfrm>
           <a:prstGeom prst="rect">
             <a:avLst/>
           </a:prstGeom>
-          <a:solidFill>
-            <a:schemeClr val="accent4">
-              <a:lumMod val="75000"/>
-            </a:schemeClr>
-          </a:solidFill>
-          <a:ln>
-            <a:noFill/>
+          <a:noFill/>
+          <a:ln w="31750">
+            <a:solidFill>
+              <a:srgbClr val="00B0F0"/>
+            </a:solidFill>
           </a:ln>
         </p:spPr>
         <p:style>
@@ -51857,19 +55513,16 @@
           <a:lstStyle/>
           <a:p>
             <a:pPr algn="ctr"/>
-            <a:r>
-              <a:rPr lang="en-IN" sz="1800" dirty="0"/>
-              <a:t>Cloud Controller Manager</a:t>
-            </a:r>
+            <a:endParaRPr lang="en-IN"/>
           </a:p>
         </p:txBody>
       </p:sp>
       <p:sp>
         <p:nvSpPr>
-          <p:cNvPr id="8" name="Rectangle 7">
-            <a:extLst>
-              <a:ext uri="{FF2B5EF4-FFF2-40B4-BE49-F238E27FC236}">
-                <a16:creationId xmlns:a16="http://schemas.microsoft.com/office/drawing/2014/main" id="{D5113BCF-03A4-4A84-9818-3EBEDCF464AC}"/>
+          <p:cNvPr id="47" name="Rectangle 46">
+            <a:extLst>
+              <a:ext uri="{FF2B5EF4-FFF2-40B4-BE49-F238E27FC236}">
+                <a16:creationId xmlns:a16="http://schemas.microsoft.com/office/drawing/2014/main" id="{45924C24-B220-460C-8A9F-AAAD1B821F2C}"/>
               </a:ext>
             </a:extLst>
           </p:cNvPr>
@@ -51878,8 +55531,8 @@
         </p:nvSpPr>
         <p:spPr>
           <a:xfrm>
-            <a:off x="613457" y="3740392"/>
-            <a:ext cx="4170279" cy="584776"/>
+            <a:off x="8494782" y="5226910"/>
+            <a:ext cx="1469985" cy="584776"/>
           </a:xfrm>
           <a:prstGeom prst="rect">
             <a:avLst/>
@@ -51917,7 +55570,7 @@
             <a:pPr algn="ctr"/>
             <a:r>
               <a:rPr lang="en-IN" sz="1800" dirty="0" err="1"/>
-              <a:t>kube-apiserver</a:t>
+              <a:t>Kubelet</a:t>
             </a:r>
             <a:endParaRPr lang="en-IN" sz="1800" dirty="0"/>
           </a:p>
@@ -51925,10 +55578,10 @@
       </p:sp>
       <p:sp>
         <p:nvSpPr>
-          <p:cNvPr id="9" name="Rectangle 8">
-            <a:extLst>
-              <a:ext uri="{FF2B5EF4-FFF2-40B4-BE49-F238E27FC236}">
-                <a16:creationId xmlns:a16="http://schemas.microsoft.com/office/drawing/2014/main" id="{BD226CD4-907D-4280-AA42-EB153B5FFC39}"/>
+          <p:cNvPr id="48" name="Rectangle 47">
+            <a:extLst>
+              <a:ext uri="{FF2B5EF4-FFF2-40B4-BE49-F238E27FC236}">
+                <a16:creationId xmlns:a16="http://schemas.microsoft.com/office/drawing/2014/main" id="{5162447A-7071-44FD-8136-15B40F6F3145}"/>
               </a:ext>
             </a:extLst>
           </p:cNvPr>
@@ -51937,329 +55590,8 @@
         </p:nvSpPr>
         <p:spPr>
           <a:xfrm>
-            <a:off x="3328434" y="5028792"/>
-            <a:ext cx="1469985" cy="1041721"/>
-          </a:xfrm>
-          <a:prstGeom prst="rect">
-            <a:avLst/>
-          </a:prstGeom>
-          <a:solidFill>
-            <a:schemeClr val="accent1">
-              <a:lumMod val="75000"/>
-            </a:schemeClr>
-          </a:solidFill>
-          <a:ln>
-            <a:noFill/>
-          </a:ln>
-        </p:spPr>
-        <p:style>
-          <a:lnRef idx="2">
-            <a:schemeClr val="accent1">
-              <a:shade val="50000"/>
-            </a:schemeClr>
-          </a:lnRef>
-          <a:fillRef idx="1">
-            <a:schemeClr val="accent1"/>
-          </a:fillRef>
-          <a:effectRef idx="0">
-            <a:schemeClr val="accent1"/>
-          </a:effectRef>
-          <a:fontRef idx="minor">
-            <a:schemeClr val="lt1"/>
-          </a:fontRef>
-        </p:style>
-        <p:txBody>
-          <a:bodyPr rtlCol="0" anchor="ctr"/>
-          <a:lstStyle/>
-          <a:p>
-            <a:pPr algn="ctr"/>
-            <a:r>
-              <a:rPr lang="en-IN" sz="1800" dirty="0" err="1"/>
-              <a:t>kube</a:t>
-            </a:r>
-            <a:r>
-              <a:rPr lang="en-IN" sz="1800" dirty="0"/>
-              <a:t>-scheduler</a:t>
-            </a:r>
-          </a:p>
-        </p:txBody>
-      </p:sp>
-      <p:sp>
-        <p:nvSpPr>
-          <p:cNvPr id="10" name="Rectangle 9">
-            <a:extLst>
-              <a:ext uri="{FF2B5EF4-FFF2-40B4-BE49-F238E27FC236}">
-                <a16:creationId xmlns:a16="http://schemas.microsoft.com/office/drawing/2014/main" id="{719629FC-2B11-45FC-A29A-4200DD758267}"/>
-              </a:ext>
-            </a:extLst>
-          </p:cNvPr>
-          <p:cNvSpPr/>
-          <p:nvPr/>
-        </p:nvSpPr>
-        <p:spPr>
-          <a:xfrm>
-            <a:off x="628139" y="5028792"/>
-            <a:ext cx="1469985" cy="1041721"/>
-          </a:xfrm>
-          <a:prstGeom prst="rect">
-            <a:avLst/>
-          </a:prstGeom>
-          <a:solidFill>
-            <a:schemeClr val="accent3">
-              <a:lumMod val="75000"/>
-            </a:schemeClr>
-          </a:solidFill>
-          <a:ln>
-            <a:noFill/>
-          </a:ln>
-        </p:spPr>
-        <p:style>
-          <a:lnRef idx="2">
-            <a:schemeClr val="accent1">
-              <a:shade val="50000"/>
-            </a:schemeClr>
-          </a:lnRef>
-          <a:fillRef idx="1">
-            <a:schemeClr val="accent1"/>
-          </a:fillRef>
-          <a:effectRef idx="0">
-            <a:schemeClr val="accent1"/>
-          </a:effectRef>
-          <a:fontRef idx="minor">
-            <a:schemeClr val="lt1"/>
-          </a:fontRef>
-        </p:style>
-        <p:txBody>
-          <a:bodyPr rtlCol="0" anchor="ctr"/>
-          <a:lstStyle/>
-          <a:p>
-            <a:pPr algn="ctr"/>
-            <a:r>
-              <a:rPr lang="en-IN" sz="1800" dirty="0" err="1"/>
-              <a:t>etcd</a:t>
-            </a:r>
-            <a:endParaRPr lang="en-IN" sz="1800" dirty="0"/>
-          </a:p>
-        </p:txBody>
-      </p:sp>
-      <p:sp>
-        <p:nvSpPr>
-          <p:cNvPr id="11" name="Rectangle 10">
-            <a:extLst>
-              <a:ext uri="{FF2B5EF4-FFF2-40B4-BE49-F238E27FC236}">
-                <a16:creationId xmlns:a16="http://schemas.microsoft.com/office/drawing/2014/main" id="{1C4D42D6-E191-4E9A-8951-F30AFFC6FC23}"/>
-              </a:ext>
-            </a:extLst>
-          </p:cNvPr>
-          <p:cNvSpPr/>
-          <p:nvPr/>
-        </p:nvSpPr>
-        <p:spPr>
-          <a:xfrm>
-            <a:off x="514322" y="6452547"/>
-            <a:ext cx="4420595" cy="393524"/>
-          </a:xfrm>
-          <a:prstGeom prst="rect">
-            <a:avLst/>
-          </a:prstGeom>
-          <a:solidFill>
-            <a:srgbClr val="00B050"/>
-          </a:solidFill>
-          <a:ln>
-            <a:noFill/>
-          </a:ln>
-        </p:spPr>
-        <p:style>
-          <a:lnRef idx="2">
-            <a:schemeClr val="accent1">
-              <a:shade val="50000"/>
-            </a:schemeClr>
-          </a:lnRef>
-          <a:fillRef idx="1">
-            <a:schemeClr val="accent1"/>
-          </a:fillRef>
-          <a:effectRef idx="0">
-            <a:schemeClr val="accent1"/>
-          </a:effectRef>
-          <a:fontRef idx="minor">
-            <a:schemeClr val="lt1"/>
-          </a:fontRef>
-        </p:style>
-        <p:txBody>
-          <a:bodyPr rtlCol="0" anchor="ctr"/>
-          <a:lstStyle/>
-          <a:p>
-            <a:pPr algn="ctr"/>
-            <a:r>
-              <a:rPr lang="en-IN" sz="1800" dirty="0"/>
-              <a:t>Container Runtime (Docker)</a:t>
-            </a:r>
-          </a:p>
-        </p:txBody>
-      </p:sp>
-      <p:sp>
-        <p:nvSpPr>
-          <p:cNvPr id="12" name="TextBox 11">
-            <a:extLst>
-              <a:ext uri="{FF2B5EF4-FFF2-40B4-BE49-F238E27FC236}">
-                <a16:creationId xmlns:a16="http://schemas.microsoft.com/office/drawing/2014/main" id="{00DEE5A2-B43E-4F4B-8DB4-AEE0FC54A5F6}"/>
-              </a:ext>
-            </a:extLst>
-          </p:cNvPr>
-          <p:cNvSpPr txBox="1"/>
-          <p:nvPr/>
-        </p:nvSpPr>
-        <p:spPr>
-          <a:xfrm>
-            <a:off x="2083442" y="1369113"/>
-            <a:ext cx="1461234" cy="584775"/>
-          </a:xfrm>
-          <a:prstGeom prst="rect">
-            <a:avLst/>
-          </a:prstGeom>
-          <a:noFill/>
-        </p:spPr>
-        <p:txBody>
-          <a:bodyPr wrap="none" rtlCol="0">
-            <a:spAutoFit/>
-          </a:bodyPr>
-          <a:lstStyle/>
-          <a:p>
-            <a:r>
-              <a:rPr lang="en-IN" sz="3200" dirty="0">
-                <a:solidFill>
-                  <a:srgbClr val="0070C0"/>
-                </a:solidFill>
-              </a:rPr>
-              <a:t>Master </a:t>
-            </a:r>
-          </a:p>
-        </p:txBody>
-      </p:sp>
-      <p:sp>
-        <p:nvSpPr>
-          <p:cNvPr id="32" name="Rectangle 31">
-            <a:extLst>
-              <a:ext uri="{FF2B5EF4-FFF2-40B4-BE49-F238E27FC236}">
-                <a16:creationId xmlns:a16="http://schemas.microsoft.com/office/drawing/2014/main" id="{EC62D69E-22E7-423F-B81E-31C29DDEE0C5}"/>
-              </a:ext>
-            </a:extLst>
-          </p:cNvPr>
-          <p:cNvSpPr/>
-          <p:nvPr/>
-        </p:nvSpPr>
-        <p:spPr>
-          <a:xfrm>
-            <a:off x="3177551" y="1977482"/>
-            <a:ext cx="1713620" cy="1273215"/>
-          </a:xfrm>
-          <a:prstGeom prst="rect">
-            <a:avLst/>
-          </a:prstGeom>
-          <a:noFill/>
-          <a:ln w="31750">
-            <a:solidFill>
-              <a:schemeClr val="accent4">
-                <a:lumMod val="75000"/>
-              </a:schemeClr>
-            </a:solidFill>
-          </a:ln>
-        </p:spPr>
-        <p:style>
-          <a:lnRef idx="2">
-            <a:schemeClr val="accent1">
-              <a:shade val="50000"/>
-            </a:schemeClr>
-          </a:lnRef>
-          <a:fillRef idx="1">
-            <a:schemeClr val="accent1"/>
-          </a:fillRef>
-          <a:effectRef idx="0">
-            <a:schemeClr val="accent1"/>
-          </a:effectRef>
-          <a:fontRef idx="minor">
-            <a:schemeClr val="lt1"/>
-          </a:fontRef>
-        </p:style>
-        <p:txBody>
-          <a:bodyPr rtlCol="0" anchor="ctr"/>
-          <a:lstStyle/>
-          <a:p>
-            <a:pPr algn="ctr"/>
-            <a:endParaRPr lang="en-IN"/>
-          </a:p>
-        </p:txBody>
-      </p:sp>
-      <p:sp>
-        <p:nvSpPr>
-          <p:cNvPr id="37" name="Rectangle 36">
-            <a:extLst>
-              <a:ext uri="{FF2B5EF4-FFF2-40B4-BE49-F238E27FC236}">
-                <a16:creationId xmlns:a16="http://schemas.microsoft.com/office/drawing/2014/main" id="{FDB7ABAC-3B9D-4C8B-8D8F-BAD420920277}"/>
-              </a:ext>
-            </a:extLst>
-          </p:cNvPr>
-          <p:cNvSpPr/>
-          <p:nvPr/>
-        </p:nvSpPr>
-        <p:spPr>
-          <a:xfrm>
-            <a:off x="499640" y="1967851"/>
-            <a:ext cx="1713620" cy="1273215"/>
-          </a:xfrm>
-          <a:prstGeom prst="rect">
-            <a:avLst/>
-          </a:prstGeom>
-          <a:noFill/>
-          <a:ln w="31750">
-            <a:solidFill>
-              <a:schemeClr val="accent2">
-                <a:lumMod val="75000"/>
-              </a:schemeClr>
-            </a:solidFill>
-          </a:ln>
-        </p:spPr>
-        <p:style>
-          <a:lnRef idx="2">
-            <a:schemeClr val="accent1">
-              <a:shade val="50000"/>
-            </a:schemeClr>
-          </a:lnRef>
-          <a:fillRef idx="1">
-            <a:schemeClr val="accent1"/>
-          </a:fillRef>
-          <a:effectRef idx="0">
-            <a:schemeClr val="accent1"/>
-          </a:effectRef>
-          <a:fontRef idx="minor">
-            <a:schemeClr val="lt1"/>
-          </a:fontRef>
-        </p:style>
-        <p:txBody>
-          <a:bodyPr rtlCol="0" anchor="ctr"/>
-          <a:lstStyle/>
-          <a:p>
-            <a:pPr algn="ctr"/>
-            <a:endParaRPr lang="en-IN"/>
-          </a:p>
-        </p:txBody>
-      </p:sp>
-      <p:sp>
-        <p:nvSpPr>
-          <p:cNvPr id="38" name="Rectangle 37">
-            <a:extLst>
-              <a:ext uri="{FF2B5EF4-FFF2-40B4-BE49-F238E27FC236}">
-                <a16:creationId xmlns:a16="http://schemas.microsoft.com/office/drawing/2014/main" id="{4390C2FE-1053-4A1B-A56F-DF605F5B1E33}"/>
-              </a:ext>
-            </a:extLst>
-          </p:cNvPr>
-          <p:cNvSpPr/>
-          <p:nvPr/>
-        </p:nvSpPr>
-        <p:spPr>
-          <a:xfrm>
-            <a:off x="511496" y="3589230"/>
-            <a:ext cx="4368099" cy="894949"/>
+            <a:off x="8370424" y="5109587"/>
+            <a:ext cx="1713620" cy="822259"/>
           </a:xfrm>
           <a:prstGeom prst="rect">
             <a:avLst/>
@@ -52295,16 +55627,16 @@
           <a:lstStyle/>
           <a:p>
             <a:pPr algn="ctr"/>
-            <a:endParaRPr lang="en-IN"/>
+            <a:endParaRPr lang="en-IN" sz="1800"/>
           </a:p>
         </p:txBody>
       </p:sp>
       <p:sp>
         <p:nvSpPr>
-          <p:cNvPr id="39" name="Rectangle 38">
-            <a:extLst>
-              <a:ext uri="{FF2B5EF4-FFF2-40B4-BE49-F238E27FC236}">
-                <a16:creationId xmlns:a16="http://schemas.microsoft.com/office/drawing/2014/main" id="{6AD6185F-F358-4C5D-B77D-3D8A625E0F76}"/>
+          <p:cNvPr id="49" name="Rectangle 48">
+            <a:extLst>
+              <a:ext uri="{FF2B5EF4-FFF2-40B4-BE49-F238E27FC236}">
+                <a16:creationId xmlns:a16="http://schemas.microsoft.com/office/drawing/2014/main" id="{3B1FD2DD-9477-4261-8AFA-DF6D9F377044}"/>
               </a:ext>
             </a:extLst>
           </p:cNvPr>
@@ -52313,19 +55645,17 @@
         </p:nvSpPr>
         <p:spPr>
           <a:xfrm>
-            <a:off x="514322" y="4908748"/>
-            <a:ext cx="1713620" cy="1273215"/>
+            <a:off x="8370424" y="6257665"/>
+            <a:ext cx="4269519" cy="393524"/>
           </a:xfrm>
           <a:prstGeom prst="rect">
             <a:avLst/>
           </a:prstGeom>
-          <a:noFill/>
-          <a:ln w="31750">
-            <a:solidFill>
-              <a:schemeClr val="accent3">
-                <a:lumMod val="75000"/>
-              </a:schemeClr>
-            </a:solidFill>
+          <a:solidFill>
+            <a:srgbClr val="00B050"/>
+          </a:solidFill>
+          <a:ln>
+            <a:noFill/>
           </a:ln>
         </p:spPr>
         <p:style>
@@ -52349,70 +55679,126 @@
           <a:lstStyle/>
           <a:p>
             <a:pPr algn="ctr"/>
-            <a:endParaRPr lang="en-IN"/>
+            <a:r>
+              <a:rPr lang="en-IN" sz="1800" dirty="0"/>
+              <a:t>Container Runtime (Docker)</a:t>
+            </a:r>
           </a:p>
         </p:txBody>
       </p:sp>
+    </p:spTree>
+    <p:extLst>
+      <p:ext uri="{BB962C8B-B14F-4D97-AF65-F5344CB8AC3E}">
+        <p14:creationId xmlns:p14="http://schemas.microsoft.com/office/powerpoint/2010/main" val="451693978"/>
+      </p:ext>
+    </p:extLst>
+  </p:cSld>
+  <p:clrMapOvr>
+    <a:masterClrMapping/>
+  </p:clrMapOvr>
+</p:sld>
+</file>
+
+<file path=ppt/slides/slide8.xml><?xml version="1.0" encoding="utf-8"?>
+<p:sld xmlns:a="http://schemas.openxmlformats.org/drawingml/2006/main" xmlns:r="http://schemas.openxmlformats.org/officeDocument/2006/relationships" xmlns:p="http://schemas.openxmlformats.org/presentationml/2006/main">
+  <p:cSld>
+    <p:spTree>
+      <p:nvGrpSpPr>
+        <p:cNvPr id="1" name=""/>
+        <p:cNvGrpSpPr/>
+        <p:nvPr/>
+      </p:nvGrpSpPr>
+      <p:grpSpPr>
+        <a:xfrm>
+          <a:off x="0" y="0"/>
+          <a:ext cx="0" cy="0"/>
+          <a:chOff x="0" y="0"/>
+          <a:chExt cx="0" cy="0"/>
+        </a:xfrm>
+      </p:grpSpPr>
       <p:sp>
         <p:nvSpPr>
-          <p:cNvPr id="40" name="Rectangle 39">
-            <a:extLst>
-              <a:ext uri="{FF2B5EF4-FFF2-40B4-BE49-F238E27FC236}">
-                <a16:creationId xmlns:a16="http://schemas.microsoft.com/office/drawing/2014/main" id="{3D733293-C1C6-4E0B-AB61-6DE8894C4EC8}"/>
-              </a:ext>
-            </a:extLst>
-          </p:cNvPr>
-          <p:cNvSpPr/>
+          <p:cNvPr id="2" name="Footer Placeholder 1">
+            <a:extLst>
+              <a:ext uri="{FF2B5EF4-FFF2-40B4-BE49-F238E27FC236}">
+                <a16:creationId xmlns:a16="http://schemas.microsoft.com/office/drawing/2014/main" id="{A0A0BD00-D8DC-45C9-9C82-0E8430B96A5E}"/>
+              </a:ext>
+            </a:extLst>
+          </p:cNvPr>
+          <p:cNvSpPr>
+            <a:spLocks noGrp="1"/>
+          </p:cNvSpPr>
+          <p:nvPr>
+            <p:ph type="ftr" sz="quarter" idx="10"/>
+          </p:nvPr>
+        </p:nvSpPr>
+        <p:spPr/>
+        <p:txBody>
+          <a:bodyPr/>
+          <a:lstStyle/>
+          <a:p>
+            <a:pPr algn="l"/>
+            <a:r>
+              <a:rPr lang="en-US"/>
+              <a:t>© Kalyan Reddy Daida</a:t>
+            </a:r>
+            <a:endParaRPr lang="en-GB" dirty="0"/>
+          </a:p>
+        </p:txBody>
+      </p:sp>
+      <p:pic>
+        <p:nvPicPr>
+          <p:cNvPr id="1026" name="Picture 2" descr="Kubernetes - Wikipedia">
+            <a:extLst>
+              <a:ext uri="{FF2B5EF4-FFF2-40B4-BE49-F238E27FC236}">
+                <a16:creationId xmlns:a16="http://schemas.microsoft.com/office/drawing/2014/main" id="{79A16920-295F-4532-8573-E88C8EF891E6}"/>
+              </a:ext>
+            </a:extLst>
+          </p:cNvPr>
+          <p:cNvPicPr>
+            <a:picLocks noChangeAspect="1" noChangeArrowheads="1"/>
+          </p:cNvPicPr>
           <p:nvPr/>
-        </p:nvSpPr>
-        <p:spPr>
+        </p:nvPicPr>
+        <p:blipFill>
+          <a:blip r:embed="rId2">
+            <a:extLst>
+              <a:ext uri="{28A0092B-C50C-407E-A947-70E740481C1C}">
+                <a14:useLocalDpi xmlns:a14="http://schemas.microsoft.com/office/drawing/2010/main" val="0"/>
+              </a:ext>
+            </a:extLst>
+          </a:blip>
+          <a:srcRect/>
+          <a:stretch>
+            <a:fillRect/>
+          </a:stretch>
+        </p:blipFill>
+        <p:spPr bwMode="auto">
           <a:xfrm>
-            <a:off x="3206615" y="4908748"/>
-            <a:ext cx="1713620" cy="1273215"/>
+            <a:off x="8846757" y="1756402"/>
+            <a:ext cx="4858736" cy="4716796"/>
           </a:xfrm>
           <a:prstGeom prst="rect">
             <a:avLst/>
           </a:prstGeom>
           <a:noFill/>
-          <a:ln w="31750">
-            <a:solidFill>
-              <a:schemeClr val="accent1">
-                <a:lumMod val="75000"/>
-              </a:schemeClr>
-            </a:solidFill>
-          </a:ln>
+          <a:extLst>
+            <a:ext uri="{909E8E84-426E-40DD-AFC4-6F175D3DCCD1}">
+              <a14:hiddenFill xmlns:a14="http://schemas.microsoft.com/office/drawing/2010/main">
+                <a:solidFill>
+                  <a:srgbClr val="FFFFFF"/>
+                </a:solidFill>
+              </a14:hiddenFill>
+            </a:ext>
+          </a:extLst>
         </p:spPr>
-        <p:style>
-          <a:lnRef idx="2">
-            <a:schemeClr val="accent1">
-              <a:shade val="50000"/>
-            </a:schemeClr>
-          </a:lnRef>
-          <a:fillRef idx="1">
-            <a:schemeClr val="accent1"/>
-          </a:fillRef>
-          <a:effectRef idx="0">
-            <a:schemeClr val="accent1"/>
-          </a:effectRef>
-          <a:fontRef idx="minor">
-            <a:schemeClr val="lt1"/>
-          </a:fontRef>
-        </p:style>
-        <p:txBody>
-          <a:bodyPr rtlCol="0" anchor="ctr"/>
-          <a:lstStyle/>
-          <a:p>
-            <a:pPr algn="ctr"/>
-            <a:endParaRPr lang="en-IN"/>
-          </a:p>
-        </p:txBody>
-      </p:sp>
+      </p:pic>
       <p:sp>
         <p:nvSpPr>
-          <p:cNvPr id="50" name="Content Placeholder 2">
-            <a:extLst>
-              <a:ext uri="{FF2B5EF4-FFF2-40B4-BE49-F238E27FC236}">
-                <a16:creationId xmlns:a16="http://schemas.microsoft.com/office/drawing/2014/main" id="{9B34FA18-BECA-4707-891C-9C1672B52BD5}"/>
+          <p:cNvPr id="8" name="Content Placeholder 2">
+            <a:extLst>
+              <a:ext uri="{FF2B5EF4-FFF2-40B4-BE49-F238E27FC236}">
+                <a16:creationId xmlns:a16="http://schemas.microsoft.com/office/drawing/2014/main" id="{09329F3B-B988-4BA0-9BEA-4847C35EA442}"/>
               </a:ext>
             </a:extLst>
           </p:cNvPr>
@@ -52425,173 +55811,249 @@
         </p:nvSpPr>
         <p:spPr>
           <a:xfrm>
-            <a:off x="5416952" y="1369113"/>
-            <a:ext cx="8207608" cy="6043242"/>
+            <a:off x="788273" y="2899123"/>
+            <a:ext cx="8390701" cy="1089553"/>
           </a:xfrm>
         </p:spPr>
         <p:txBody>
           <a:bodyPr>
-            <a:normAutofit fontScale="92500" lnSpcReduction="10000"/>
+            <a:noAutofit/>
           </a:bodyPr>
           <a:lstStyle/>
           <a:p>
-            <a:r>
-              <a:rPr lang="en-IN" dirty="0" err="1">
+            <a:pPr marL="0" indent="0" algn="ctr">
+              <a:buNone/>
+            </a:pPr>
+            <a:r>
+              <a:rPr lang="en-US" sz="7000" b="1" dirty="0">
                 <a:solidFill>
                   <a:schemeClr val="accent6">
                     <a:lumMod val="75000"/>
                   </a:schemeClr>
                 </a:solidFill>
               </a:rPr>
-              <a:t>kube</a:t>
-            </a:r>
-            <a:r>
-              <a:rPr lang="en-IN" dirty="0">
+              <a:t>Kubernetes</a:t>
+            </a:r>
+          </a:p>
+          <a:p>
+            <a:pPr marL="0" indent="0" algn="ctr">
+              <a:buNone/>
+            </a:pPr>
+            <a:r>
+              <a:rPr lang="en-US" sz="7000" b="1" dirty="0">
+                <a:solidFill>
+                  <a:srgbClr val="00B050"/>
+                </a:solidFill>
+              </a:rPr>
+              <a:t>Architecture</a:t>
+            </a:r>
+          </a:p>
+        </p:txBody>
+      </p:sp>
+    </p:spTree>
+    <p:extLst>
+      <p:ext uri="{BB962C8B-B14F-4D97-AF65-F5344CB8AC3E}">
+        <p14:creationId xmlns:p14="http://schemas.microsoft.com/office/powerpoint/2010/main" val="1463512280"/>
+      </p:ext>
+    </p:extLst>
+  </p:cSld>
+  <p:clrMapOvr>
+    <a:masterClrMapping/>
+  </p:clrMapOvr>
+</p:sld>
+</file>
+
+<file path=ppt/slides/slide9.xml><?xml version="1.0" encoding="utf-8"?>
+<p:sld xmlns:a="http://schemas.openxmlformats.org/drawingml/2006/main" xmlns:r="http://schemas.openxmlformats.org/officeDocument/2006/relationships" xmlns:p="http://schemas.openxmlformats.org/presentationml/2006/main">
+  <p:cSld>
+    <p:spTree>
+      <p:nvGrpSpPr>
+        <p:cNvPr id="1" name=""/>
+        <p:cNvGrpSpPr/>
+        <p:nvPr/>
+      </p:nvGrpSpPr>
+      <p:grpSpPr>
+        <a:xfrm>
+          <a:off x="0" y="0"/>
+          <a:ext cx="0" cy="0"/>
+          <a:chOff x="0" y="0"/>
+          <a:chExt cx="0" cy="0"/>
+        </a:xfrm>
+      </p:grpSpPr>
+      <p:sp>
+        <p:nvSpPr>
+          <p:cNvPr id="2" name="Footer Placeholder 1">
+            <a:extLst>
+              <a:ext uri="{FF2B5EF4-FFF2-40B4-BE49-F238E27FC236}">
+                <a16:creationId xmlns:a16="http://schemas.microsoft.com/office/drawing/2014/main" id="{A0A0BD00-D8DC-45C9-9C82-0E8430B96A5E}"/>
+              </a:ext>
+            </a:extLst>
+          </p:cNvPr>
+          <p:cNvSpPr>
+            <a:spLocks noGrp="1"/>
+          </p:cNvSpPr>
+          <p:nvPr>
+            <p:ph type="ftr" sz="quarter" idx="10"/>
+          </p:nvPr>
+        </p:nvSpPr>
+        <p:spPr/>
+        <p:txBody>
+          <a:bodyPr/>
+          <a:lstStyle/>
+          <a:p>
+            <a:pPr algn="l"/>
+            <a:r>
+              <a:rPr lang="en-US"/>
+              <a:t>© Kalyan Reddy Daida</a:t>
+            </a:r>
+            <a:endParaRPr lang="en-GB" dirty="0"/>
+          </a:p>
+        </p:txBody>
+      </p:sp>
+      <p:pic>
+        <p:nvPicPr>
+          <p:cNvPr id="1026" name="Picture 2" descr="Kubernetes - Wikipedia">
+            <a:extLst>
+              <a:ext uri="{FF2B5EF4-FFF2-40B4-BE49-F238E27FC236}">
+                <a16:creationId xmlns:a16="http://schemas.microsoft.com/office/drawing/2014/main" id="{79A16920-295F-4532-8573-E88C8EF891E6}"/>
+              </a:ext>
+            </a:extLst>
+          </p:cNvPr>
+          <p:cNvPicPr>
+            <a:picLocks noChangeAspect="1" noChangeArrowheads="1"/>
+          </p:cNvPicPr>
+          <p:nvPr/>
+        </p:nvPicPr>
+        <p:blipFill>
+          <a:blip r:embed="rId2">
+            <a:extLst>
+              <a:ext uri="{28A0092B-C50C-407E-A947-70E740481C1C}">
+                <a14:useLocalDpi xmlns:a14="http://schemas.microsoft.com/office/drawing/2010/main" val="0"/>
+              </a:ext>
+            </a:extLst>
+          </a:blip>
+          <a:srcRect/>
+          <a:stretch>
+            <a:fillRect/>
+          </a:stretch>
+        </p:blipFill>
+        <p:spPr bwMode="auto">
+          <a:xfrm>
+            <a:off x="9971364" y="1985978"/>
+            <a:ext cx="4385767" cy="4257644"/>
+          </a:xfrm>
+          <a:prstGeom prst="rect">
+            <a:avLst/>
+          </a:prstGeom>
+          <a:noFill/>
+          <a:extLst>
+            <a:ext uri="{909E8E84-426E-40DD-AFC4-6F175D3DCCD1}">
+              <a14:hiddenFill xmlns:a14="http://schemas.microsoft.com/office/drawing/2010/main">
+                <a:solidFill>
+                  <a:srgbClr val="FFFFFF"/>
+                </a:solidFill>
+              </a14:hiddenFill>
+            </a:ext>
+          </a:extLst>
+        </p:spPr>
+      </p:pic>
+      <p:sp>
+        <p:nvSpPr>
+          <p:cNvPr id="8" name="Content Placeholder 2">
+            <a:extLst>
+              <a:ext uri="{FF2B5EF4-FFF2-40B4-BE49-F238E27FC236}">
+                <a16:creationId xmlns:a16="http://schemas.microsoft.com/office/drawing/2014/main" id="{09329F3B-B988-4BA0-9BEA-4847C35EA442}"/>
+              </a:ext>
+            </a:extLst>
+          </p:cNvPr>
+          <p:cNvSpPr>
+            <a:spLocks noGrp="1"/>
+          </p:cNvSpPr>
+          <p:nvPr>
+            <p:ph idx="1"/>
+          </p:nvPr>
+        </p:nvSpPr>
+        <p:spPr>
+          <a:xfrm>
+            <a:off x="2748879" y="2928922"/>
+            <a:ext cx="8390701" cy="1089553"/>
+          </a:xfrm>
+        </p:spPr>
+        <p:txBody>
+          <a:bodyPr>
+            <a:noAutofit/>
+          </a:bodyPr>
+          <a:lstStyle/>
+          <a:p>
+            <a:pPr marL="0" indent="0" algn="ctr">
+              <a:buNone/>
+            </a:pPr>
+            <a:r>
+              <a:rPr lang="en-US" sz="7000" b="1" dirty="0">
                 <a:solidFill>
                   <a:schemeClr val="accent6">
                     <a:lumMod val="75000"/>
                   </a:schemeClr>
                 </a:solidFill>
               </a:rPr>
-              <a:t>-controller-manager</a:t>
-            </a:r>
-          </a:p>
-          <a:p>
-            <a:pPr lvl="1"/>
-            <a:r>
-              <a:rPr lang="en-US" dirty="0"/>
-              <a:t>Controllers are responsible for noticing and responding when nodes, containers or endpoints go down. They make decisions to bring up new containers in such cases. </a:t>
-            </a:r>
-          </a:p>
-          <a:p>
-            <a:pPr lvl="1"/>
-            <a:r>
-              <a:rPr lang="en-US" dirty="0">
+              <a:t>Kubernetes</a:t>
+            </a:r>
+          </a:p>
+          <a:p>
+            <a:pPr marL="0" indent="0" algn="ctr">
+              <a:buNone/>
+            </a:pPr>
+            <a:r>
+              <a:rPr lang="en-US" sz="7000" b="1" dirty="0">
                 <a:solidFill>
-                  <a:schemeClr val="accent6">
-                    <a:lumMod val="75000"/>
-                  </a:schemeClr>
+                  <a:srgbClr val="00B050"/>
                 </a:solidFill>
               </a:rPr>
-              <a:t>Node Controller: </a:t>
-            </a:r>
-            <a:r>
-              <a:rPr lang="en-US" dirty="0"/>
-              <a:t>Responsible for noticing and responding when </a:t>
-            </a:r>
-            <a:r>
-              <a:rPr lang="en-US" dirty="0">
-                <a:solidFill>
-                  <a:srgbClr val="0070C0"/>
-                </a:solidFill>
-              </a:rPr>
-              <a:t>nodes go down</a:t>
-            </a:r>
-            <a:r>
-              <a:rPr lang="en-US" dirty="0"/>
-              <a:t>. </a:t>
-            </a:r>
-          </a:p>
-          <a:p>
-            <a:pPr lvl="1"/>
-            <a:r>
-              <a:rPr lang="en-US" dirty="0">
-                <a:solidFill>
-                  <a:schemeClr val="accent6">
-                    <a:lumMod val="75000"/>
-                  </a:schemeClr>
-                </a:solidFill>
-              </a:rPr>
-              <a:t>Replication Controller: </a:t>
-            </a:r>
-            <a:r>
-              <a:rPr lang="en-US" dirty="0"/>
-              <a:t>Responsible for maintaining the </a:t>
-            </a:r>
-            <a:r>
-              <a:rPr lang="en-US" dirty="0">
-                <a:solidFill>
-                  <a:srgbClr val="0070C0"/>
-                </a:solidFill>
-              </a:rPr>
-              <a:t>correct number of pods</a:t>
-            </a:r>
-            <a:r>
-              <a:rPr lang="en-US" dirty="0"/>
-              <a:t> for every replication controller object in the system.</a:t>
-            </a:r>
-          </a:p>
-          <a:p>
-            <a:pPr lvl="1"/>
-            <a:r>
-              <a:rPr lang="en-US" dirty="0">
-                <a:solidFill>
-                  <a:schemeClr val="accent6">
-                    <a:lumMod val="75000"/>
-                  </a:schemeClr>
-                </a:solidFill>
-              </a:rPr>
-              <a:t>Endpoints Controller:  </a:t>
-            </a:r>
-            <a:r>
-              <a:rPr lang="en-US" dirty="0">
-                <a:solidFill>
-                  <a:srgbClr val="0070C0"/>
-                </a:solidFill>
-              </a:rPr>
-              <a:t>Populates</a:t>
-            </a:r>
-            <a:r>
-              <a:rPr lang="en-US" dirty="0"/>
-              <a:t> the Endpoints object (that is, joins Services &amp; Pods)</a:t>
-            </a:r>
-          </a:p>
-          <a:p>
-            <a:pPr lvl="1"/>
-            <a:r>
-              <a:rPr lang="en-US" dirty="0">
-                <a:solidFill>
-                  <a:schemeClr val="accent6">
-                    <a:lumMod val="75000"/>
-                  </a:schemeClr>
-                </a:solidFill>
-              </a:rPr>
-              <a:t>Service Account &amp; Token Controller: </a:t>
-            </a:r>
-            <a:r>
-              <a:rPr lang="en-US" dirty="0"/>
-              <a:t>Creates default accounts and API Access for </a:t>
-            </a:r>
-            <a:r>
-              <a:rPr lang="en-US" dirty="0">
-                <a:solidFill>
-                  <a:srgbClr val="0070C0"/>
-                </a:solidFill>
-              </a:rPr>
-              <a:t>new namespaces</a:t>
-            </a:r>
-            <a:r>
-              <a:rPr lang="en-US" dirty="0"/>
-              <a:t>. </a:t>
-            </a:r>
-            <a:br>
-              <a:rPr lang="en-IN" dirty="0"/>
-            </a:br>
-            <a:br>
-              <a:rPr lang="en-US" dirty="0"/>
-            </a:br>
-            <a:endParaRPr lang="en-IN" dirty="0"/>
-          </a:p>
-          <a:p>
-            <a:pPr lvl="1"/>
-            <a:endParaRPr lang="en-IN" dirty="0"/>
+              <a:t>Architecture</a:t>
+            </a:r>
           </a:p>
         </p:txBody>
       </p:sp>
+      <p:pic>
+        <p:nvPicPr>
+          <p:cNvPr id="5" name="Graphic 4">
+            <a:extLst>
+              <a:ext uri="{FF2B5EF4-FFF2-40B4-BE49-F238E27FC236}">
+                <a16:creationId xmlns:a16="http://schemas.microsoft.com/office/drawing/2014/main" id="{C5DB0ADC-2D3C-4AE9-87AC-FBFAA0CA0CDB}"/>
+              </a:ext>
+            </a:extLst>
+          </p:cNvPr>
+          <p:cNvPicPr>
+            <a:picLocks noChangeAspect="1"/>
+          </p:cNvPicPr>
+          <p:nvPr/>
+        </p:nvPicPr>
+        <p:blipFill>
+          <a:blip r:embed="rId3">
+            <a:extLst>
+              <a:ext uri="{96DAC541-7B7A-43D3-8B79-37D633B846F1}">
+                <asvg:svgBlip xmlns:asvg="http://schemas.microsoft.com/office/drawing/2016/SVG/main" r:embed="rId4"/>
+              </a:ext>
+            </a:extLst>
+          </a:blip>
+          <a:stretch>
+            <a:fillRect/>
+          </a:stretch>
+        </p:blipFill>
+        <p:spPr>
+          <a:xfrm>
+            <a:off x="171194" y="2392617"/>
+            <a:ext cx="3745901" cy="3745901"/>
+          </a:xfrm>
+          <a:prstGeom prst="rect">
+            <a:avLst/>
+          </a:prstGeom>
+        </p:spPr>
+      </p:pic>
     </p:spTree>
     <p:extLst>
       <p:ext uri="{BB962C8B-B14F-4D97-AF65-F5344CB8AC3E}">
-        <p14:creationId xmlns:p14="http://schemas.microsoft.com/office/powerpoint/2010/main" val="1315774747"/>
+        <p14:creationId xmlns:p14="http://schemas.microsoft.com/office/powerpoint/2010/main" val="2634886468"/>
       </p:ext>
     </p:extLst>
   </p:cSld>
@@ -53205,12 +56667,6 @@
 </file>
 
 <file path=customXml/item1.xml><?xml version="1.0" encoding="utf-8"?>
-<p:properties xmlns:p="http://schemas.microsoft.com/office/2006/metadata/properties" xmlns:xsi="http://www.w3.org/2001/XMLSchema-instance" xmlns:pc="http://schemas.microsoft.com/office/infopath/2007/PartnerControls">
-  <documentManagement/>
-</p:properties>
-</file>
-
-<file path=customXml/item2.xml><?xml version="1.0" encoding="utf-8"?>
 <?mso-contentType ?>
 <FormTemplates xmlns="http://schemas.microsoft.com/sharepoint/v3/contenttype/forms">
   <Display>DocumentLibraryForm</Display>
@@ -53219,7 +56675,7 @@
 </FormTemplates>
 </file>
 
-<file path=customXml/item3.xml><?xml version="1.0" encoding="utf-8"?>
+<file path=customXml/item2.xml><?xml version="1.0" encoding="utf-8"?>
 <ct:contentTypeSchema xmlns:ct="http://schemas.microsoft.com/office/2006/metadata/contentType" xmlns:ma="http://schemas.microsoft.com/office/2006/metadata/properties/metaAttributes" ct:_="" ma:_="" ma:contentTypeName="Document" ma:contentTypeID="0x010100D00FBA762A8B4A4AB2389BE0BCE3C83F" ma:contentTypeVersion="10" ma:contentTypeDescription="Create a new document." ma:contentTypeScope="" ma:versionID="0f3e2685ea47f4ebc3624ed417f13537">
   <xsd:schema xmlns:xsd="http://www.w3.org/2001/XMLSchema" xmlns:xs="http://www.w3.org/2001/XMLSchema" xmlns:p="http://schemas.microsoft.com/office/2006/metadata/properties" xmlns:ns2="9a51ea1a-1b1e-41ef-b441-1ee4f2fd8669" xmlns:ns3="1715a332-6e4d-4cad-94c4-6bada4eb9966" targetNamespace="http://schemas.microsoft.com/office/2006/metadata/properties" ma:root="true" ma:fieldsID="c0969c2d596e33b812740b722f5f53ca" ns2:_="" ns3:_="">
     <xsd:import namespace="9a51ea1a-1b1e-41ef-b441-1ee4f2fd8669"/>
@@ -53424,24 +56880,13 @@
 </ct:contentTypeSchema>
 </file>
 
-<file path=customXml/itemProps1.xml><?xml version="1.0" encoding="utf-8"?>
-<ds:datastoreItem xmlns:ds="http://schemas.openxmlformats.org/officeDocument/2006/customXml" ds:itemID="{8CEC2339-1C1C-416D-9A21-94E8CFA5CBF4}">
-  <ds:schemaRefs>
-    <ds:schemaRef ds:uri="http://schemas.microsoft.com/office/2006/metadata/properties"/>
-    <ds:schemaRef ds:uri="http://purl.org/dc/terms/"/>
-    <ds:schemaRef ds:uri="http://schemas.microsoft.com/office/2006/documentManagement/types"/>
-    <ds:schemaRef ds:uri="http://purl.org/dc/elements/1.1/"/>
-    <ds:schemaRef ds:uri="9a51ea1a-1b1e-41ef-b441-1ee4f2fd8669"/>
-    <ds:schemaRef ds:uri="http://purl.org/dc/dcmitype/"/>
-    <ds:schemaRef ds:uri="http://schemas.microsoft.com/office/infopath/2007/PartnerControls"/>
-    <ds:schemaRef ds:uri="http://schemas.openxmlformats.org/package/2006/metadata/core-properties"/>
-    <ds:schemaRef ds:uri="1715a332-6e4d-4cad-94c4-6bada4eb9966"/>
-    <ds:schemaRef ds:uri="http://www.w3.org/XML/1998/namespace"/>
-  </ds:schemaRefs>
-</ds:datastoreItem>
+<file path=customXml/item3.xml><?xml version="1.0" encoding="utf-8"?>
+<p:properties xmlns:p="http://schemas.microsoft.com/office/2006/metadata/properties" xmlns:xsi="http://www.w3.org/2001/XMLSchema-instance" xmlns:pc="http://schemas.microsoft.com/office/infopath/2007/PartnerControls">
+  <documentManagement/>
+</p:properties>
 </file>
 
-<file path=customXml/itemProps2.xml><?xml version="1.0" encoding="utf-8"?>
+<file path=customXml/itemProps1.xml><?xml version="1.0" encoding="utf-8"?>
 <ds:datastoreItem xmlns:ds="http://schemas.openxmlformats.org/officeDocument/2006/customXml" ds:itemID="{92F2D375-1062-4EE6-861C-05377A63E419}">
   <ds:schemaRefs>
     <ds:schemaRef ds:uri="http://schemas.microsoft.com/sharepoint/v3/contenttype/forms"/>
@@ -53449,7 +56894,7 @@
 </ds:datastoreItem>
 </file>
 
-<file path=customXml/itemProps3.xml><?xml version="1.0" encoding="utf-8"?>
+<file path=customXml/itemProps2.xml><?xml version="1.0" encoding="utf-8"?>
 <ds:datastoreItem xmlns:ds="http://schemas.openxmlformats.org/officeDocument/2006/customXml" ds:itemID="{39179B27-CBA1-4175-8B64-42FE0F853D87}">
   <ds:schemaRefs>
     <ds:schemaRef ds:uri="http://schemas.microsoft.com/office/2006/metadata/contentType"/>
@@ -53466,4 +56911,21 @@
     <ds:schemaRef ds:uri="http://schemas.microsoft.com/internal/obd"/>
   </ds:schemaRefs>
 </ds:datastoreItem>
+</file>
+
+<file path=customXml/itemProps3.xml><?xml version="1.0" encoding="utf-8"?>
+<ds:datastoreItem xmlns:ds="http://schemas.openxmlformats.org/officeDocument/2006/customXml" ds:itemID="{8CEC2339-1C1C-416D-9A21-94E8CFA5CBF4}">
+  <ds:schemaRefs>
+    <ds:schemaRef ds:uri="http://schemas.microsoft.com/office/2006/metadata/properties"/>
+    <ds:schemaRef ds:uri="http://purl.org/dc/terms/"/>
+    <ds:schemaRef ds:uri="http://schemas.microsoft.com/office/2006/documentManagement/types"/>
+    <ds:schemaRef ds:uri="http://purl.org/dc/elements/1.1/"/>
+    <ds:schemaRef ds:uri="9a51ea1a-1b1e-41ef-b441-1ee4f2fd8669"/>
+    <ds:schemaRef ds:uri="http://purl.org/dc/dcmitype/"/>
+    <ds:schemaRef ds:uri="http://schemas.microsoft.com/office/infopath/2007/PartnerControls"/>
+    <ds:schemaRef ds:uri="http://schemas.openxmlformats.org/package/2006/metadata/core-properties"/>
+    <ds:schemaRef ds:uri="1715a332-6e4d-4cad-94c4-6bada4eb9966"/>
+    <ds:schemaRef ds:uri="http://www.w3.org/XML/1998/namespace"/>
+  </ds:schemaRefs>
+</ds:datastoreItem>
 </file>